--- a/LectureSlides/05_ParameterEstimationAndLikelihood.pptx
+++ b/LectureSlides/05_ParameterEstimationAndLikelihood.pptx
@@ -4,6 +4,9 @@
   <p:sldMasterIdLst>
     <p:sldMasterId id="2147483648" r:id="rId1"/>
   </p:sldMasterIdLst>
+  <p:notesMasterIdLst>
+    <p:notesMasterId r:id="rId54"/>
+  </p:notesMasterIdLst>
   <p:sldIdLst>
     <p:sldId id="256" r:id="rId2"/>
     <p:sldId id="257" r:id="rId3"/>
@@ -172,6 +175,439 @@
     </p:ext>
   </p:extLst>
 </p:presentation>
+</file>
+
+<file path=ppt/notesMasters/notesMaster1.xml><?xml version="1.0" encoding="utf-8"?>
+<p:notesMaster xmlns:a="http://schemas.openxmlformats.org/drawingml/2006/main" xmlns:r="http://schemas.openxmlformats.org/officeDocument/2006/relationships" xmlns:p="http://schemas.openxmlformats.org/presentationml/2006/main">
+  <p:cSld>
+    <p:bg>
+      <p:bgRef idx="1001">
+        <a:schemeClr val="bg1"/>
+      </p:bgRef>
+    </p:bg>
+    <p:spTree>
+      <p:nvGrpSpPr>
+        <p:cNvPr id="1" name=""/>
+        <p:cNvGrpSpPr/>
+        <p:nvPr/>
+      </p:nvGrpSpPr>
+      <p:grpSpPr>
+        <a:xfrm>
+          <a:off x="0" y="0"/>
+          <a:ext cx="0" cy="0"/>
+          <a:chOff x="0" y="0"/>
+          <a:chExt cx="0" cy="0"/>
+        </a:xfrm>
+      </p:grpSpPr>
+      <p:sp>
+        <p:nvSpPr>
+          <p:cNvPr id="2" name="Header Placeholder 1"/>
+          <p:cNvSpPr>
+            <a:spLocks noGrp="1"/>
+          </p:cNvSpPr>
+          <p:nvPr>
+            <p:ph type="hdr" sz="quarter"/>
+          </p:nvPr>
+        </p:nvSpPr>
+        <p:spPr>
+          <a:xfrm>
+            <a:off x="0" y="0"/>
+            <a:ext cx="2971800" cy="458788"/>
+          </a:xfrm>
+          <a:prstGeom prst="rect">
+            <a:avLst/>
+          </a:prstGeom>
+        </p:spPr>
+        <p:txBody>
+          <a:bodyPr vert="horz" lIns="91440" tIns="45720" rIns="91440" bIns="45720" rtlCol="0"/>
+          <a:lstStyle>
+            <a:lvl1pPr algn="l">
+              <a:defRPr sz="1200"/>
+            </a:lvl1pPr>
+          </a:lstStyle>
+          <a:p>
+            <a:endParaRPr lang="en-US"/>
+          </a:p>
+        </p:txBody>
+      </p:sp>
+      <p:sp>
+        <p:nvSpPr>
+          <p:cNvPr id="3" name="Date Placeholder 2"/>
+          <p:cNvSpPr>
+            <a:spLocks noGrp="1"/>
+          </p:cNvSpPr>
+          <p:nvPr>
+            <p:ph type="dt" idx="1"/>
+          </p:nvPr>
+        </p:nvSpPr>
+        <p:spPr>
+          <a:xfrm>
+            <a:off x="3884613" y="0"/>
+            <a:ext cx="2971800" cy="458788"/>
+          </a:xfrm>
+          <a:prstGeom prst="rect">
+            <a:avLst/>
+          </a:prstGeom>
+        </p:spPr>
+        <p:txBody>
+          <a:bodyPr vert="horz" lIns="91440" tIns="45720" rIns="91440" bIns="45720" rtlCol="0"/>
+          <a:lstStyle>
+            <a:lvl1pPr algn="r">
+              <a:defRPr sz="1200"/>
+            </a:lvl1pPr>
+          </a:lstStyle>
+          <a:p>
+            <a:fld id="{FBE8413C-360A-45C8-86BB-6B0679E98A53}" type="datetimeFigureOut">
+              <a:rPr lang="en-US" smtClean="0"/>
+              <a:t>8/15/2024</a:t>
+            </a:fld>
+            <a:endParaRPr lang="en-US"/>
+          </a:p>
+        </p:txBody>
+      </p:sp>
+      <p:sp>
+        <p:nvSpPr>
+          <p:cNvPr id="4" name="Slide Image Placeholder 3"/>
+          <p:cNvSpPr>
+            <a:spLocks noGrp="1" noRot="1" noChangeAspect="1"/>
+          </p:cNvSpPr>
+          <p:nvPr>
+            <p:ph type="sldImg" idx="2"/>
+          </p:nvPr>
+        </p:nvSpPr>
+        <p:spPr>
+          <a:xfrm>
+            <a:off x="685800" y="1143000"/>
+            <a:ext cx="5486400" cy="3086100"/>
+          </a:xfrm>
+          <a:prstGeom prst="rect">
+            <a:avLst/>
+          </a:prstGeom>
+          <a:noFill/>
+          <a:ln w="12700">
+            <a:solidFill>
+              <a:prstClr val="black"/>
+            </a:solidFill>
+          </a:ln>
+        </p:spPr>
+        <p:txBody>
+          <a:bodyPr vert="horz" lIns="91440" tIns="45720" rIns="91440" bIns="45720" rtlCol="0" anchor="ctr"/>
+          <a:lstStyle/>
+          <a:p>
+            <a:endParaRPr lang="en-US"/>
+          </a:p>
+        </p:txBody>
+      </p:sp>
+      <p:sp>
+        <p:nvSpPr>
+          <p:cNvPr id="5" name="Notes Placeholder 4"/>
+          <p:cNvSpPr>
+            <a:spLocks noGrp="1"/>
+          </p:cNvSpPr>
+          <p:nvPr>
+            <p:ph type="body" sz="quarter" idx="3"/>
+          </p:nvPr>
+        </p:nvSpPr>
+        <p:spPr>
+          <a:xfrm>
+            <a:off x="685800" y="4400550"/>
+            <a:ext cx="5486400" cy="3600450"/>
+          </a:xfrm>
+          <a:prstGeom prst="rect">
+            <a:avLst/>
+          </a:prstGeom>
+        </p:spPr>
+        <p:txBody>
+          <a:bodyPr vert="horz" lIns="91440" tIns="45720" rIns="91440" bIns="45720" rtlCol="0"/>
+          <a:lstStyle/>
+          <a:p>
+            <a:pPr lvl="0"/>
+            <a:r>
+              <a:rPr lang="en-US"/>
+              <a:t>Click to edit Master text styles</a:t>
+            </a:r>
+          </a:p>
+          <a:p>
+            <a:pPr lvl="1"/>
+            <a:r>
+              <a:rPr lang="en-US"/>
+              <a:t>Second level</a:t>
+            </a:r>
+          </a:p>
+          <a:p>
+            <a:pPr lvl="2"/>
+            <a:r>
+              <a:rPr lang="en-US"/>
+              <a:t>Third level</a:t>
+            </a:r>
+          </a:p>
+          <a:p>
+            <a:pPr lvl="3"/>
+            <a:r>
+              <a:rPr lang="en-US"/>
+              <a:t>Fourth level</a:t>
+            </a:r>
+          </a:p>
+          <a:p>
+            <a:pPr lvl="4"/>
+            <a:r>
+              <a:rPr lang="en-US"/>
+              <a:t>Fifth level</a:t>
+            </a:r>
+          </a:p>
+        </p:txBody>
+      </p:sp>
+      <p:sp>
+        <p:nvSpPr>
+          <p:cNvPr id="6" name="Footer Placeholder 5"/>
+          <p:cNvSpPr>
+            <a:spLocks noGrp="1"/>
+          </p:cNvSpPr>
+          <p:nvPr>
+            <p:ph type="ftr" sz="quarter" idx="4"/>
+          </p:nvPr>
+        </p:nvSpPr>
+        <p:spPr>
+          <a:xfrm>
+            <a:off x="0" y="8685213"/>
+            <a:ext cx="2971800" cy="458787"/>
+          </a:xfrm>
+          <a:prstGeom prst="rect">
+            <a:avLst/>
+          </a:prstGeom>
+        </p:spPr>
+        <p:txBody>
+          <a:bodyPr vert="horz" lIns="91440" tIns="45720" rIns="91440" bIns="45720" rtlCol="0" anchor="b"/>
+          <a:lstStyle>
+            <a:lvl1pPr algn="l">
+              <a:defRPr sz="1200"/>
+            </a:lvl1pPr>
+          </a:lstStyle>
+          <a:p>
+            <a:endParaRPr lang="en-US"/>
+          </a:p>
+        </p:txBody>
+      </p:sp>
+      <p:sp>
+        <p:nvSpPr>
+          <p:cNvPr id="7" name="Slide Number Placeholder 6"/>
+          <p:cNvSpPr>
+            <a:spLocks noGrp="1"/>
+          </p:cNvSpPr>
+          <p:nvPr>
+            <p:ph type="sldNum" sz="quarter" idx="5"/>
+          </p:nvPr>
+        </p:nvSpPr>
+        <p:spPr>
+          <a:xfrm>
+            <a:off x="3884613" y="8685213"/>
+            <a:ext cx="2971800" cy="458787"/>
+          </a:xfrm>
+          <a:prstGeom prst="rect">
+            <a:avLst/>
+          </a:prstGeom>
+        </p:spPr>
+        <p:txBody>
+          <a:bodyPr vert="horz" lIns="91440" tIns="45720" rIns="91440" bIns="45720" rtlCol="0" anchor="b"/>
+          <a:lstStyle>
+            <a:lvl1pPr algn="r">
+              <a:defRPr sz="1200"/>
+            </a:lvl1pPr>
+          </a:lstStyle>
+          <a:p>
+            <a:fld id="{5EF17695-CDEB-44D7-A6F4-E768CC599972}" type="slidenum">
+              <a:rPr lang="en-US" smtClean="0"/>
+              <a:t>‹#›</a:t>
+            </a:fld>
+            <a:endParaRPr lang="en-US"/>
+          </a:p>
+        </p:txBody>
+      </p:sp>
+    </p:spTree>
+    <p:extLst>
+      <p:ext uri="{BB962C8B-B14F-4D97-AF65-F5344CB8AC3E}">
+        <p14:creationId xmlns:p14="http://schemas.microsoft.com/office/powerpoint/2010/main" val="4025137754"/>
+      </p:ext>
+    </p:extLst>
+  </p:cSld>
+  <p:clrMap bg1="lt1" tx1="dk1" bg2="lt2" tx2="dk2" accent1="accent1" accent2="accent2" accent3="accent3" accent4="accent4" accent5="accent5" accent6="accent6" hlink="hlink" folHlink="folHlink"/>
+  <p:notesStyle>
+    <a:lvl1pPr marL="0" algn="l" defTabSz="914400" rtl="0" eaLnBrk="1" latinLnBrk="0" hangingPunct="1">
+      <a:defRPr sz="1200" kern="1200">
+        <a:solidFill>
+          <a:schemeClr val="tx1"/>
+        </a:solidFill>
+        <a:latin typeface="+mn-lt"/>
+        <a:ea typeface="+mn-ea"/>
+        <a:cs typeface="+mn-cs"/>
+      </a:defRPr>
+    </a:lvl1pPr>
+    <a:lvl2pPr marL="457200" algn="l" defTabSz="914400" rtl="0" eaLnBrk="1" latinLnBrk="0" hangingPunct="1">
+      <a:defRPr sz="1200" kern="1200">
+        <a:solidFill>
+          <a:schemeClr val="tx1"/>
+        </a:solidFill>
+        <a:latin typeface="+mn-lt"/>
+        <a:ea typeface="+mn-ea"/>
+        <a:cs typeface="+mn-cs"/>
+      </a:defRPr>
+    </a:lvl2pPr>
+    <a:lvl3pPr marL="914400" algn="l" defTabSz="914400" rtl="0" eaLnBrk="1" latinLnBrk="0" hangingPunct="1">
+      <a:defRPr sz="1200" kern="1200">
+        <a:solidFill>
+          <a:schemeClr val="tx1"/>
+        </a:solidFill>
+        <a:latin typeface="+mn-lt"/>
+        <a:ea typeface="+mn-ea"/>
+        <a:cs typeface="+mn-cs"/>
+      </a:defRPr>
+    </a:lvl3pPr>
+    <a:lvl4pPr marL="1371600" algn="l" defTabSz="914400" rtl="0" eaLnBrk="1" latinLnBrk="0" hangingPunct="1">
+      <a:defRPr sz="1200" kern="1200">
+        <a:solidFill>
+          <a:schemeClr val="tx1"/>
+        </a:solidFill>
+        <a:latin typeface="+mn-lt"/>
+        <a:ea typeface="+mn-ea"/>
+        <a:cs typeface="+mn-cs"/>
+      </a:defRPr>
+    </a:lvl4pPr>
+    <a:lvl5pPr marL="1828800" algn="l" defTabSz="914400" rtl="0" eaLnBrk="1" latinLnBrk="0" hangingPunct="1">
+      <a:defRPr sz="1200" kern="1200">
+        <a:solidFill>
+          <a:schemeClr val="tx1"/>
+        </a:solidFill>
+        <a:latin typeface="+mn-lt"/>
+        <a:ea typeface="+mn-ea"/>
+        <a:cs typeface="+mn-cs"/>
+      </a:defRPr>
+    </a:lvl5pPr>
+    <a:lvl6pPr marL="2286000" algn="l" defTabSz="914400" rtl="0" eaLnBrk="1" latinLnBrk="0" hangingPunct="1">
+      <a:defRPr sz="1200" kern="1200">
+        <a:solidFill>
+          <a:schemeClr val="tx1"/>
+        </a:solidFill>
+        <a:latin typeface="+mn-lt"/>
+        <a:ea typeface="+mn-ea"/>
+        <a:cs typeface="+mn-cs"/>
+      </a:defRPr>
+    </a:lvl6pPr>
+    <a:lvl7pPr marL="2743200" algn="l" defTabSz="914400" rtl="0" eaLnBrk="1" latinLnBrk="0" hangingPunct="1">
+      <a:defRPr sz="1200" kern="1200">
+        <a:solidFill>
+          <a:schemeClr val="tx1"/>
+        </a:solidFill>
+        <a:latin typeface="+mn-lt"/>
+        <a:ea typeface="+mn-ea"/>
+        <a:cs typeface="+mn-cs"/>
+      </a:defRPr>
+    </a:lvl7pPr>
+    <a:lvl8pPr marL="3200400" algn="l" defTabSz="914400" rtl="0" eaLnBrk="1" latinLnBrk="0" hangingPunct="1">
+      <a:defRPr sz="1200" kern="1200">
+        <a:solidFill>
+          <a:schemeClr val="tx1"/>
+        </a:solidFill>
+        <a:latin typeface="+mn-lt"/>
+        <a:ea typeface="+mn-ea"/>
+        <a:cs typeface="+mn-cs"/>
+      </a:defRPr>
+    </a:lvl8pPr>
+    <a:lvl9pPr marL="3657600" algn="l" defTabSz="914400" rtl="0" eaLnBrk="1" latinLnBrk="0" hangingPunct="1">
+      <a:defRPr sz="1200" kern="1200">
+        <a:solidFill>
+          <a:schemeClr val="tx1"/>
+        </a:solidFill>
+        <a:latin typeface="+mn-lt"/>
+        <a:ea typeface="+mn-ea"/>
+        <a:cs typeface="+mn-cs"/>
+      </a:defRPr>
+    </a:lvl9pPr>
+  </p:notesStyle>
+</p:notesMaster>
+</file>
+
+<file path=ppt/notesSlides/notesSlide1.xml><?xml version="1.0" encoding="utf-8"?>
+<p:notes xmlns:a="http://schemas.openxmlformats.org/drawingml/2006/main" xmlns:r="http://schemas.openxmlformats.org/officeDocument/2006/relationships" xmlns:p="http://schemas.openxmlformats.org/presentationml/2006/main">
+  <p:cSld>
+    <p:spTree>
+      <p:nvGrpSpPr>
+        <p:cNvPr id="1" name=""/>
+        <p:cNvGrpSpPr/>
+        <p:nvPr/>
+      </p:nvGrpSpPr>
+      <p:grpSpPr>
+        <a:xfrm>
+          <a:off x="0" y="0"/>
+          <a:ext cx="0" cy="0"/>
+          <a:chOff x="0" y="0"/>
+          <a:chExt cx="0" cy="0"/>
+        </a:xfrm>
+      </p:grpSpPr>
+      <p:sp>
+        <p:nvSpPr>
+          <p:cNvPr id="2" name="Slide Image Placeholder 1"/>
+          <p:cNvSpPr>
+            <a:spLocks noGrp="1" noRot="1" noChangeAspect="1"/>
+          </p:cNvSpPr>
+          <p:nvPr>
+            <p:ph type="sldImg"/>
+          </p:nvPr>
+        </p:nvSpPr>
+        <p:spPr/>
+      </p:sp>
+      <p:sp>
+        <p:nvSpPr>
+          <p:cNvPr id="3" name="Notes Placeholder 2"/>
+          <p:cNvSpPr>
+            <a:spLocks noGrp="1"/>
+          </p:cNvSpPr>
+          <p:nvPr>
+            <p:ph type="body" idx="1"/>
+          </p:nvPr>
+        </p:nvSpPr>
+        <p:spPr/>
+        <p:txBody>
+          <a:bodyPr/>
+          <a:lstStyle/>
+          <a:p>
+            <a:endParaRPr lang="en-US" dirty="0"/>
+          </a:p>
+        </p:txBody>
+      </p:sp>
+      <p:sp>
+        <p:nvSpPr>
+          <p:cNvPr id="4" name="Slide Number Placeholder 3"/>
+          <p:cNvSpPr>
+            <a:spLocks noGrp="1"/>
+          </p:cNvSpPr>
+          <p:nvPr>
+            <p:ph type="sldNum" sz="quarter" idx="5"/>
+          </p:nvPr>
+        </p:nvSpPr>
+        <p:spPr/>
+        <p:txBody>
+          <a:bodyPr/>
+          <a:lstStyle/>
+          <a:p>
+            <a:fld id="{5EF17695-CDEB-44D7-A6F4-E768CC599972}" type="slidenum">
+              <a:rPr lang="en-US" smtClean="0"/>
+              <a:t>27</a:t>
+            </a:fld>
+            <a:endParaRPr lang="en-US"/>
+          </a:p>
+        </p:txBody>
+      </p:sp>
+    </p:spTree>
+    <p:extLst>
+      <p:ext uri="{BB962C8B-B14F-4D97-AF65-F5344CB8AC3E}">
+        <p14:creationId xmlns:p14="http://schemas.microsoft.com/office/powerpoint/2010/main" val="1429528282"/>
+      </p:ext>
+    </p:extLst>
+  </p:cSld>
+  <p:clrMapOvr>
+    <a:masterClrMapping/>
+  </p:clrMapOvr>
+</p:notes>
 </file>
 
 <file path=ppt/slideLayouts/slideLayout1.xml><?xml version="1.0" encoding="utf-8"?>
@@ -353,7 +789,7 @@
           <a:p>
             <a:fld id="{241EB5C9-1307-BA42-ABA2-0BC069CD8E7F}" type="datetimeFigureOut">
               <a:rPr lang="en-US" smtClean="0"/>
-              <a:t>8/13/2024</a:t>
+              <a:t>8/15/2024</a:t>
             </a:fld>
             <a:endParaRPr lang="en-US"/>
           </a:p>
@@ -521,7 +957,7 @@
           <a:p>
             <a:fld id="{241EB5C9-1307-BA42-ABA2-0BC069CD8E7F}" type="datetimeFigureOut">
               <a:rPr lang="en-US" smtClean="0"/>
-              <a:t>8/13/2024</a:t>
+              <a:t>8/15/2024</a:t>
             </a:fld>
             <a:endParaRPr lang="en-US"/>
           </a:p>
@@ -699,7 +1135,7 @@
           <a:p>
             <a:fld id="{241EB5C9-1307-BA42-ABA2-0BC069CD8E7F}" type="datetimeFigureOut">
               <a:rPr lang="en-US" smtClean="0"/>
-              <a:t>8/13/2024</a:t>
+              <a:t>8/15/2024</a:t>
             </a:fld>
             <a:endParaRPr lang="en-US"/>
           </a:p>
@@ -867,7 +1303,7 @@
           <a:p>
             <a:fld id="{241EB5C9-1307-BA42-ABA2-0BC069CD8E7F}" type="datetimeFigureOut">
               <a:rPr lang="en-US" smtClean="0"/>
-              <a:t>8/13/2024</a:t>
+              <a:t>8/15/2024</a:t>
             </a:fld>
             <a:endParaRPr lang="en-US"/>
           </a:p>
@@ -1112,7 +1548,7 @@
           <a:p>
             <a:fld id="{241EB5C9-1307-BA42-ABA2-0BC069CD8E7F}" type="datetimeFigureOut">
               <a:rPr lang="en-US" smtClean="0"/>
-              <a:t>8/13/2024</a:t>
+              <a:t>8/15/2024</a:t>
             </a:fld>
             <a:endParaRPr lang="en-US"/>
           </a:p>
@@ -1397,7 +1833,7 @@
           <a:p>
             <a:fld id="{241EB5C9-1307-BA42-ABA2-0BC069CD8E7F}" type="datetimeFigureOut">
               <a:rPr lang="en-US" smtClean="0"/>
-              <a:t>8/13/2024</a:t>
+              <a:t>8/15/2024</a:t>
             </a:fld>
             <a:endParaRPr lang="en-US"/>
           </a:p>
@@ -1816,7 +2252,7 @@
           <a:p>
             <a:fld id="{241EB5C9-1307-BA42-ABA2-0BC069CD8E7F}" type="datetimeFigureOut">
               <a:rPr lang="en-US" smtClean="0"/>
-              <a:t>8/13/2024</a:t>
+              <a:t>8/15/2024</a:t>
             </a:fld>
             <a:endParaRPr lang="en-US"/>
           </a:p>
@@ -1933,7 +2369,7 @@
           <a:p>
             <a:fld id="{241EB5C9-1307-BA42-ABA2-0BC069CD8E7F}" type="datetimeFigureOut">
               <a:rPr lang="en-US" smtClean="0"/>
-              <a:t>8/13/2024</a:t>
+              <a:t>8/15/2024</a:t>
             </a:fld>
             <a:endParaRPr lang="en-US"/>
           </a:p>
@@ -2028,7 +2464,7 @@
           <a:p>
             <a:fld id="{241EB5C9-1307-BA42-ABA2-0BC069CD8E7F}" type="datetimeFigureOut">
               <a:rPr lang="en-US" smtClean="0"/>
-              <a:t>8/13/2024</a:t>
+              <a:t>8/15/2024</a:t>
             </a:fld>
             <a:endParaRPr lang="en-US"/>
           </a:p>
@@ -2303,7 +2739,7 @@
           <a:p>
             <a:fld id="{241EB5C9-1307-BA42-ABA2-0BC069CD8E7F}" type="datetimeFigureOut">
               <a:rPr lang="en-US" smtClean="0"/>
-              <a:t>8/13/2024</a:t>
+              <a:t>8/15/2024</a:t>
             </a:fld>
             <a:endParaRPr lang="en-US"/>
           </a:p>
@@ -2555,7 +2991,7 @@
           <a:p>
             <a:fld id="{241EB5C9-1307-BA42-ABA2-0BC069CD8E7F}" type="datetimeFigureOut">
               <a:rPr lang="en-US" smtClean="0"/>
-              <a:t>8/13/2024</a:t>
+              <a:t>8/15/2024</a:t>
             </a:fld>
             <a:endParaRPr lang="en-US"/>
           </a:p>
@@ -2766,7 +3202,7 @@
           <a:p>
             <a:fld id="{241EB5C9-1307-BA42-ABA2-0BC069CD8E7F}" type="datetimeFigureOut">
               <a:rPr lang="en-US" smtClean="0"/>
-              <a:t>8/13/2024</a:t>
+              <a:t>8/15/2024</a:t>
             </a:fld>
             <a:endParaRPr lang="en-US"/>
           </a:p>
@@ -3250,8 +3686,8 @@
           <a:chExt cx="0" cy="0"/>
         </a:xfrm>
       </p:grpSpPr>
-      <mc:AlternateContent xmlns:mc="http://schemas.openxmlformats.org/markup-compatibility/2006">
-        <mc:Choice xmlns:a14="http://schemas.microsoft.com/office/drawing/2010/main" Requires="a14">
+      <mc:AlternateContent xmlns:mc="http://schemas.openxmlformats.org/markup-compatibility/2006" xmlns:a14="http://schemas.microsoft.com/office/drawing/2010/main">
+        <mc:Choice Requires="a14">
           <p:sp>
             <p:nvSpPr>
               <p:cNvPr id="3" name="Content Placeholder 2"/>
@@ -3298,7 +3734,9 @@
                 <a14:m>
                   <m:oMath xmlns:m="http://schemas.openxmlformats.org/officeDocument/2006/math">
                     <m:r>
-                      <a:rPr sz="1700"/>
+                      <a:rPr sz="1700">
+                        <a:latin typeface="Cambria Math" panose="02040503050406030204" pitchFamily="18" charset="0"/>
+                      </a:rPr>
                       <m:t>𝜇</m:t>
                     </m:r>
                   </m:oMath>
@@ -3310,7 +3748,9 @@
                 <a14:m>
                   <m:oMath xmlns:m="http://schemas.openxmlformats.org/officeDocument/2006/math">
                     <m:r>
-                      <a:rPr sz="1700"/>
+                      <a:rPr sz="1700">
+                        <a:latin typeface="Cambria Math" panose="02040503050406030204" pitchFamily="18" charset="0"/>
+                      </a:rPr>
                       <m:t>𝜎</m:t>
                     </m:r>
                   </m:oMath>
@@ -3344,7 +3784,7 @@
             </p:txBody>
           </p:sp>
         </mc:Choice>
-        <mc:Fallback>
+        <mc:Fallback xmlns="">
           <p:sp>
             <p:nvSpPr>
               <p:cNvPr id="3" name="Content Placeholder 2"/>
@@ -3504,8 +3944,8 @@
           <a:chExt cx="0" cy="0"/>
         </a:xfrm>
       </p:grpSpPr>
-      <mc:AlternateContent xmlns:mc="http://schemas.openxmlformats.org/markup-compatibility/2006">
-        <mc:Choice xmlns:a14="http://schemas.microsoft.com/office/drawing/2010/main" Requires="a14">
+      <mc:AlternateContent xmlns:mc="http://schemas.openxmlformats.org/markup-compatibility/2006" xmlns:a14="http://schemas.microsoft.com/office/drawing/2010/main">
+        <mc:Choice Requires="a14">
           <p:sp>
             <p:nvSpPr>
               <p:cNvPr id="3" name="Content Placeholder 2"/>
@@ -4098,7 +4538,7 @@
             </p:txBody>
           </p:sp>
         </mc:Choice>
-        <mc:Fallback>
+        <mc:Fallback xmlns="">
           <p:sp>
             <p:nvSpPr>
               <p:cNvPr id="3" name="Content Placeholder 2"/>
@@ -4198,8 +4638,8 @@
           <a:chExt cx="0" cy="0"/>
         </a:xfrm>
       </p:grpSpPr>
-      <mc:AlternateContent xmlns:mc="http://schemas.openxmlformats.org/markup-compatibility/2006">
-        <mc:Choice xmlns:a14="http://schemas.microsoft.com/office/drawing/2010/main" Requires="a14">
+      <mc:AlternateContent xmlns:mc="http://schemas.openxmlformats.org/markup-compatibility/2006" xmlns:a14="http://schemas.microsoft.com/office/drawing/2010/main">
+        <mc:Choice Requires="a14">
           <p:sp>
             <p:nvSpPr>
               <p:cNvPr id="3" name="Content Placeholder 2"/>
@@ -4373,7 +4813,7 @@
             </p:txBody>
           </p:sp>
         </mc:Choice>
-        <mc:Fallback>
+        <mc:Fallback xmlns="">
           <p:sp>
             <p:nvSpPr>
               <p:cNvPr id="3" name="Content Placeholder 2"/>
@@ -4680,8 +5120,8 @@
           <a:chExt cx="0" cy="0"/>
         </a:xfrm>
       </p:grpSpPr>
-      <mc:AlternateContent xmlns:mc="http://schemas.openxmlformats.org/markup-compatibility/2006">
-        <mc:Choice xmlns:a14="http://schemas.microsoft.com/office/drawing/2010/main" Requires="a14">
+      <mc:AlternateContent xmlns:mc="http://schemas.openxmlformats.org/markup-compatibility/2006" xmlns:a14="http://schemas.microsoft.com/office/drawing/2010/main">
+        <mc:Choice Requires="a14">
           <p:sp>
             <p:nvSpPr>
               <p:cNvPr id="3" name="Content Placeholder 2"/>
@@ -5002,7 +5442,7 @@
                       <m:accPr>
                         <m:chr m:val="⃗"/>
                         <m:ctrlPr>
-                          <a:rPr lang="ar-AE" sz="1600">
+                          <a:rPr lang="ar-AE" sz="1600" i="1">
                             <a:latin typeface="Cambria Math" panose="02040503050406030204" pitchFamily="18" charset="0"/>
                           </a:rPr>
                         </m:ctrlPr>
@@ -5099,7 +5539,7 @@
             </p:txBody>
           </p:sp>
         </mc:Choice>
-        <mc:Fallback>
+        <mc:Fallback xmlns="">
           <p:sp>
             <p:nvSpPr>
               <p:cNvPr id="3" name="Content Placeholder 2"/>
@@ -5207,8 +5647,8 @@
           <a:chExt cx="0" cy="0"/>
         </a:xfrm>
       </p:grpSpPr>
-      <mc:AlternateContent xmlns:mc="http://schemas.openxmlformats.org/markup-compatibility/2006">
-        <mc:Choice xmlns:a14="http://schemas.microsoft.com/office/drawing/2010/main" Requires="a14">
+      <mc:AlternateContent xmlns:mc="http://schemas.openxmlformats.org/markup-compatibility/2006" xmlns:a14="http://schemas.microsoft.com/office/drawing/2010/main">
+        <mc:Choice Requires="a14">
           <p:sp>
             <p:nvSpPr>
               <p:cNvPr id="3" name="Content Placeholder 2"/>
@@ -5404,7 +5844,7 @@
                                           <a:rPr sz="1500">
                                             <a:latin typeface="Cambria Math" panose="02040503050406030204" pitchFamily="18" charset="0"/>
                                           </a:rPr>
-                                          <m:t>∂</m:t>
+                                          <m:t>𝜕</m:t>
                                         </m:r>
                                       </m:e>
                                       <m:sup>
@@ -5457,7 +5897,7 @@
                                       <a:rPr sz="1500">
                                         <a:latin typeface="Cambria Math" panose="02040503050406030204" pitchFamily="18" charset="0"/>
                                       </a:rPr>
-                                      <m:t>∂</m:t>
+                                      <m:t>𝜕</m:t>
                                     </m:r>
                                     <m:sSubSup>
                                       <m:sSubSupPr>
@@ -5518,7 +5958,7 @@
                                           <a:rPr sz="1500">
                                             <a:latin typeface="Cambria Math" panose="02040503050406030204" pitchFamily="18" charset="0"/>
                                           </a:rPr>
-                                          <m:t>∂</m:t>
+                                          <m:t>𝜕</m:t>
                                         </m:r>
                                       </m:e>
                                       <m:sup>
@@ -5571,7 +6011,7 @@
                                       <a:rPr sz="1500">
                                         <a:latin typeface="Cambria Math" panose="02040503050406030204" pitchFamily="18" charset="0"/>
                                       </a:rPr>
-                                      <m:t>∂</m:t>
+                                      <m:t>𝜕</m:t>
                                     </m:r>
                                     <m:sSub>
                                       <m:sSubPr>
@@ -5602,7 +6042,13 @@
                                       <a:rPr sz="1500">
                                         <a:latin typeface="Cambria Math" panose="02040503050406030204" pitchFamily="18" charset="0"/>
                                       </a:rPr>
-                                      <m:t> ∂</m:t>
+                                      <m:t> </m:t>
+                                    </m:r>
+                                    <m:r>
+                                      <a:rPr sz="1500">
+                                        <a:latin typeface="Cambria Math" panose="02040503050406030204" pitchFamily="18" charset="0"/>
+                                      </a:rPr>
+                                      <m:t>𝜕</m:t>
                                     </m:r>
                                     <m:sSub>
                                       <m:sSubPr>
@@ -5663,7 +6109,7 @@
                                           <a:rPr sz="1500">
                                             <a:latin typeface="Cambria Math" panose="02040503050406030204" pitchFamily="18" charset="0"/>
                                           </a:rPr>
-                                          <m:t>∂</m:t>
+                                          <m:t>𝜕</m:t>
                                         </m:r>
                                       </m:e>
                                       <m:sup>
@@ -5716,7 +6162,7 @@
                                       <a:rPr sz="1500">
                                         <a:latin typeface="Cambria Math" panose="02040503050406030204" pitchFamily="18" charset="0"/>
                                       </a:rPr>
-                                      <m:t>∂</m:t>
+                                      <m:t>𝜕</m:t>
                                     </m:r>
                                     <m:sSub>
                                       <m:sSubPr>
@@ -5747,7 +6193,13 @@
                                       <a:rPr sz="1500">
                                         <a:latin typeface="Cambria Math" panose="02040503050406030204" pitchFamily="18" charset="0"/>
                                       </a:rPr>
-                                      <m:t> ∂</m:t>
+                                      <m:t> </m:t>
+                                    </m:r>
+                                    <m:r>
+                                      <a:rPr sz="1500">
+                                        <a:latin typeface="Cambria Math" panose="02040503050406030204" pitchFamily="18" charset="0"/>
+                                      </a:rPr>
+                                      <m:t>𝜕</m:t>
                                     </m:r>
                                     <m:sSub>
                                       <m:sSubPr>
@@ -5802,7 +6254,7 @@
                                           <a:rPr sz="1500">
                                             <a:latin typeface="Cambria Math" panose="02040503050406030204" pitchFamily="18" charset="0"/>
                                           </a:rPr>
-                                          <m:t>∂</m:t>
+                                          <m:t>𝜕</m:t>
                                         </m:r>
                                       </m:e>
                                       <m:sup>
@@ -5855,7 +6307,7 @@
                                       <a:rPr sz="1500">
                                         <a:latin typeface="Cambria Math" panose="02040503050406030204" pitchFamily="18" charset="0"/>
                                       </a:rPr>
-                                      <m:t>∂</m:t>
+                                      <m:t>𝜕</m:t>
                                     </m:r>
                                     <m:sSub>
                                       <m:sSubPr>
@@ -5886,7 +6338,13 @@
                                       <a:rPr sz="1500">
                                         <a:latin typeface="Cambria Math" panose="02040503050406030204" pitchFamily="18" charset="0"/>
                                       </a:rPr>
-                                      <m:t> ∂</m:t>
+                                      <m:t> </m:t>
+                                    </m:r>
+                                    <m:r>
+                                      <a:rPr sz="1500">
+                                        <a:latin typeface="Cambria Math" panose="02040503050406030204" pitchFamily="18" charset="0"/>
+                                      </a:rPr>
+                                      <m:t>𝜕</m:t>
                                     </m:r>
                                     <m:sSub>
                                       <m:sSubPr>
@@ -5939,7 +6397,7 @@
                                           <a:rPr sz="1500">
                                             <a:latin typeface="Cambria Math" panose="02040503050406030204" pitchFamily="18" charset="0"/>
                                           </a:rPr>
-                                          <m:t>∂</m:t>
+                                          <m:t>𝜕</m:t>
                                         </m:r>
                                       </m:e>
                                       <m:sup>
@@ -5992,7 +6450,7 @@
                                       <a:rPr sz="1500">
                                         <a:latin typeface="Cambria Math" panose="02040503050406030204" pitchFamily="18" charset="0"/>
                                       </a:rPr>
-                                      <m:t>∂</m:t>
+                                      <m:t>𝜕</m:t>
                                     </m:r>
                                     <m:sSubSup>
                                       <m:sSubSupPr>
@@ -6061,7 +6519,7 @@
                                           <a:rPr sz="1500">
                                             <a:latin typeface="Cambria Math" panose="02040503050406030204" pitchFamily="18" charset="0"/>
                                           </a:rPr>
-                                          <m:t>∂</m:t>
+                                          <m:t>𝜕</m:t>
                                         </m:r>
                                       </m:e>
                                       <m:sup>
@@ -6114,7 +6572,7 @@
                                       <a:rPr sz="1500">
                                         <a:latin typeface="Cambria Math" panose="02040503050406030204" pitchFamily="18" charset="0"/>
                                       </a:rPr>
-                                      <m:t>∂</m:t>
+                                      <m:t>𝜕</m:t>
                                     </m:r>
                                     <m:sSub>
                                       <m:sSubPr>
@@ -6145,7 +6603,13 @@
                                       <a:rPr sz="1500">
                                         <a:latin typeface="Cambria Math" panose="02040503050406030204" pitchFamily="18" charset="0"/>
                                       </a:rPr>
-                                      <m:t> ∂</m:t>
+                                      <m:t> </m:t>
+                                    </m:r>
+                                    <m:r>
+                                      <a:rPr sz="1500">
+                                        <a:latin typeface="Cambria Math" panose="02040503050406030204" pitchFamily="18" charset="0"/>
+                                      </a:rPr>
+                                      <m:t>𝜕</m:t>
                                     </m:r>
                                     <m:sSub>
                                       <m:sSubPr>
@@ -6234,7 +6698,7 @@
                                           <a:rPr sz="1500">
                                             <a:latin typeface="Cambria Math" panose="02040503050406030204" pitchFamily="18" charset="0"/>
                                           </a:rPr>
-                                          <m:t>∂</m:t>
+                                          <m:t>𝜕</m:t>
                                         </m:r>
                                       </m:e>
                                       <m:sup>
@@ -6287,7 +6751,7 @@
                                       <a:rPr sz="1500">
                                         <a:latin typeface="Cambria Math" panose="02040503050406030204" pitchFamily="18" charset="0"/>
                                       </a:rPr>
-                                      <m:t>∂</m:t>
+                                      <m:t>𝜕</m:t>
                                     </m:r>
                                     <m:sSub>
                                       <m:sSubPr>
@@ -6318,7 +6782,13 @@
                                       <a:rPr sz="1500">
                                         <a:latin typeface="Cambria Math" panose="02040503050406030204" pitchFamily="18" charset="0"/>
                                       </a:rPr>
-                                      <m:t> ∂</m:t>
+                                      <m:t> </m:t>
+                                    </m:r>
+                                    <m:r>
+                                      <a:rPr sz="1500">
+                                        <a:latin typeface="Cambria Math" panose="02040503050406030204" pitchFamily="18" charset="0"/>
+                                      </a:rPr>
+                                      <m:t>𝜕</m:t>
                                     </m:r>
                                     <m:sSub>
                                       <m:sSubPr>
@@ -6371,7 +6841,7 @@
                                           <a:rPr sz="1500">
                                             <a:latin typeface="Cambria Math" panose="02040503050406030204" pitchFamily="18" charset="0"/>
                                           </a:rPr>
-                                          <m:t>∂</m:t>
+                                          <m:t>𝜕</m:t>
                                         </m:r>
                                       </m:e>
                                       <m:sup>
@@ -6424,7 +6894,7 @@
                                       <a:rPr sz="1500">
                                         <a:latin typeface="Cambria Math" panose="02040503050406030204" pitchFamily="18" charset="0"/>
                                       </a:rPr>
-                                      <m:t>∂</m:t>
+                                      <m:t>𝜕</m:t>
                                     </m:r>
                                     <m:sSub>
                                       <m:sSubPr>
@@ -6455,7 +6925,13 @@
                                       <a:rPr sz="1500">
                                         <a:latin typeface="Cambria Math" panose="02040503050406030204" pitchFamily="18" charset="0"/>
                                       </a:rPr>
-                                      <m:t> ∂</m:t>
+                                      <m:t> </m:t>
+                                    </m:r>
+                                    <m:r>
+                                      <a:rPr sz="1500">
+                                        <a:latin typeface="Cambria Math" panose="02040503050406030204" pitchFamily="18" charset="0"/>
+                                      </a:rPr>
+                                      <m:t>𝜕</m:t>
                                     </m:r>
                                     <m:sSub>
                                       <m:sSubPr>
@@ -6516,7 +6992,7 @@
                                           <a:rPr sz="1500">
                                             <a:latin typeface="Cambria Math" panose="02040503050406030204" pitchFamily="18" charset="0"/>
                                           </a:rPr>
-                                          <m:t>∂</m:t>
+                                          <m:t>𝜕</m:t>
                                         </m:r>
                                       </m:e>
                                       <m:sup>
@@ -6569,7 +7045,7 @@
                                       <a:rPr sz="1500">
                                         <a:latin typeface="Cambria Math" panose="02040503050406030204" pitchFamily="18" charset="0"/>
                                       </a:rPr>
-                                      <m:t>∂</m:t>
+                                      <m:t>𝜕</m:t>
                                     </m:r>
                                     <m:sSubSup>
                                       <m:sSubSupPr>
@@ -6649,7 +7125,7 @@
             </p:txBody>
           </p:sp>
         </mc:Choice>
-        <mc:Fallback>
+        <mc:Fallback xmlns="">
           <p:sp>
             <p:nvSpPr>
               <p:cNvPr id="3" name="Content Placeholder 2"/>
@@ -6751,8 +7227,8 @@
           <a:chExt cx="0" cy="0"/>
         </a:xfrm>
       </p:grpSpPr>
-      <mc:AlternateContent xmlns:mc="http://schemas.openxmlformats.org/markup-compatibility/2006">
-        <mc:Choice xmlns:a14="http://schemas.microsoft.com/office/drawing/2010/main" Requires="a14">
+      <mc:AlternateContent xmlns:mc="http://schemas.openxmlformats.org/markup-compatibility/2006" xmlns:a14="http://schemas.microsoft.com/office/drawing/2010/main">
+        <mc:Choice Requires="a14">
           <p:sp>
             <p:nvSpPr>
               <p:cNvPr id="3" name="Content Placeholder 2"/>
@@ -6954,7 +7430,7 @@
                                     <a:rPr lang="ar-AE">
                                       <a:latin typeface="Cambria Math" panose="02040503050406030204" pitchFamily="18" charset="0"/>
                                     </a:rPr>
-                                    <m:t>∂</m:t>
+                                    <m:t>𝜕</m:t>
                                   </m:r>
                                 </m:e>
                                 <m:sup>
@@ -7013,7 +7489,7 @@
                                 <a:rPr lang="ar-AE">
                                   <a:latin typeface="Cambria Math" panose="02040503050406030204" pitchFamily="18" charset="0"/>
                                 </a:rPr>
-                                <m:t>∂</m:t>
+                                <m:t>𝜕</m:t>
                               </m:r>
                               <m:sSup>
                                 <m:sSupPr>
@@ -7052,7 +7528,7 @@
             </p:txBody>
           </p:sp>
         </mc:Choice>
-        <mc:Fallback>
+        <mc:Fallback xmlns="">
           <p:sp>
             <p:nvSpPr>
               <p:cNvPr id="3" name="Content Placeholder 2"/>
@@ -7150,8 +7626,8 @@
           <a:chExt cx="0" cy="0"/>
         </a:xfrm>
       </p:grpSpPr>
-      <mc:AlternateContent xmlns:mc="http://schemas.openxmlformats.org/markup-compatibility/2006">
-        <mc:Choice xmlns:a14="http://schemas.microsoft.com/office/drawing/2010/main" Requires="a14">
+      <mc:AlternateContent xmlns:mc="http://schemas.openxmlformats.org/markup-compatibility/2006" xmlns:a14="http://schemas.microsoft.com/office/drawing/2010/main">
+        <mc:Choice Requires="a14">
           <p:sp>
             <p:nvSpPr>
               <p:cNvPr id="3" name="Content Placeholder 2"/>
@@ -7189,7 +7665,7 @@
                       <m:accPr>
                         <m:chr m:val="̂"/>
                         <m:ctrlPr>
-                          <a:rPr>
+                          <a:rPr i="1">
                             <a:latin typeface="Cambria Math" panose="02040503050406030204" pitchFamily="18" charset="0"/>
                           </a:rPr>
                         </m:ctrlPr>
@@ -7252,7 +7728,13 @@
                             <a:rPr>
                               <a:latin typeface="Cambria Math" panose="02040503050406030204" pitchFamily="18" charset="0"/>
                             </a:rPr>
-                            <m:t>∂ </m:t>
+                            <m:t>𝜕</m:t>
+                          </m:r>
+                          <m:r>
+                            <a:rPr>
+                              <a:latin typeface="Cambria Math" panose="02040503050406030204" pitchFamily="18" charset="0"/>
+                            </a:rPr>
+                            <m:t> </m:t>
                           </m:r>
                           <m:r>
                             <a:rPr>
@@ -7295,13 +7777,7 @@
                             <a:rPr>
                               <a:latin typeface="Cambria Math" panose="02040503050406030204" pitchFamily="18" charset="0"/>
                             </a:rPr>
-                            <m:t>∂</m:t>
-                          </m:r>
-                          <m:r>
-                            <a:rPr>
-                              <a:latin typeface="Cambria Math" panose="02040503050406030204" pitchFamily="18" charset="0"/>
-                            </a:rPr>
-                            <m:t>𝜃</m:t>
+                            <m:t>𝜕𝜃</m:t>
                           </m:r>
                         </m:den>
                       </m:f>
@@ -7324,7 +7800,13 @@
                             <a:rPr>
                               <a:latin typeface="Cambria Math" panose="02040503050406030204" pitchFamily="18" charset="0"/>
                             </a:rPr>
-                            <m:t>∂ </m:t>
+                            <m:t>𝜕</m:t>
+                          </m:r>
+                          <m:r>
+                            <a:rPr>
+                              <a:latin typeface="Cambria Math" panose="02040503050406030204" pitchFamily="18" charset="0"/>
+                            </a:rPr>
+                            <m:t> </m:t>
                           </m:r>
                           <m:r>
                             <a:rPr>
@@ -7374,13 +7856,7 @@
                             <a:rPr>
                               <a:latin typeface="Cambria Math" panose="02040503050406030204" pitchFamily="18" charset="0"/>
                             </a:rPr>
-                            <m:t>∂</m:t>
-                          </m:r>
-                          <m:r>
-                            <a:rPr>
-                              <a:latin typeface="Cambria Math" panose="02040503050406030204" pitchFamily="18" charset="0"/>
-                            </a:rPr>
-                            <m:t>𝜃</m:t>
+                            <m:t>𝜕𝜃</m:t>
                           </m:r>
                         </m:den>
                       </m:f>
@@ -7412,7 +7888,7 @@
                                 <a:rPr>
                                   <a:latin typeface="Cambria Math" panose="02040503050406030204" pitchFamily="18" charset="0"/>
                                 </a:rPr>
-                                <m:t>∂</m:t>
+                                <m:t>𝜕</m:t>
                               </m:r>
                             </m:e>
                             <m:sup>
@@ -7490,7 +7966,7 @@
                             <a:rPr>
                               <a:latin typeface="Cambria Math" panose="02040503050406030204" pitchFamily="18" charset="0"/>
                             </a:rPr>
-                            <m:t>∂</m:t>
+                            <m:t>𝜕</m:t>
                           </m:r>
                           <m:sSup>
                             <m:sSupPr>
@@ -7911,7 +8387,7 @@
             </p:txBody>
           </p:sp>
         </mc:Choice>
-        <mc:Fallback>
+        <mc:Fallback xmlns="">
           <p:sp>
             <p:nvSpPr>
               <p:cNvPr id="3" name="Content Placeholder 2"/>
@@ -8009,8 +8485,8 @@
           <a:chExt cx="0" cy="0"/>
         </a:xfrm>
       </p:grpSpPr>
-      <mc:AlternateContent xmlns:mc="http://schemas.openxmlformats.org/markup-compatibility/2006">
-        <mc:Choice xmlns:a14="http://schemas.microsoft.com/office/drawing/2010/main" Requires="a14">
+      <mc:AlternateContent xmlns:mc="http://schemas.openxmlformats.org/markup-compatibility/2006" xmlns:a14="http://schemas.microsoft.com/office/drawing/2010/main">
+        <mc:Choice Requires="a14">
           <p:sp>
             <p:nvSpPr>
               <p:cNvPr id="3" name="Content Placeholder 2"/>
@@ -8046,7 +8522,7 @@
                       <m:accPr>
                         <m:chr m:val="̂"/>
                         <m:ctrlPr>
-                          <a:rPr>
+                          <a:rPr i="1">
                             <a:latin typeface="Cambria Math" panose="02040503050406030204" pitchFamily="18" charset="0"/>
                           </a:rPr>
                         </m:ctrlPr>
@@ -8081,7 +8557,7 @@
                         <m:accPr>
                           <m:chr m:val="̂"/>
                           <m:ctrlPr>
-                            <a:rPr>
+                            <a:rPr i="1">
                               <a:latin typeface="Cambria Math" panose="02040503050406030204" pitchFamily="18" charset="0"/>
                             </a:rPr>
                           </m:ctrlPr>
@@ -8299,7 +8775,7 @@
                       <m:f>
                         <m:fPr>
                           <m:ctrlPr>
-                            <a:rPr>
+                            <a:rPr i="1">
                               <a:latin typeface="Cambria Math" panose="02040503050406030204" pitchFamily="18" charset="0"/>
                             </a:rPr>
                           </m:ctrlPr>
@@ -8309,7 +8785,13 @@
                             <a:rPr>
                               <a:latin typeface="Cambria Math" panose="02040503050406030204" pitchFamily="18" charset="0"/>
                             </a:rPr>
-                            <m:t>∂ </m:t>
+                            <m:t>𝜕</m:t>
+                          </m:r>
+                          <m:r>
+                            <a:rPr>
+                              <a:latin typeface="Cambria Math" panose="02040503050406030204" pitchFamily="18" charset="0"/>
+                            </a:rPr>
+                            <m:t> </m:t>
                           </m:r>
                           <m:r>
                             <a:rPr>
@@ -8359,13 +8841,7 @@
                             <a:rPr>
                               <a:latin typeface="Cambria Math" panose="02040503050406030204" pitchFamily="18" charset="0"/>
                             </a:rPr>
-                            <m:t>∂</m:t>
-                          </m:r>
-                          <m:r>
-                            <a:rPr>
-                              <a:latin typeface="Cambria Math" panose="02040503050406030204" pitchFamily="18" charset="0"/>
-                            </a:rPr>
-                            <m:t>𝜃</m:t>
+                            <m:t>𝜕𝜃</m:t>
                           </m:r>
                         </m:den>
                       </m:f>
@@ -8418,25 +8894,7 @@
                             <a:rPr>
                               <a:latin typeface="Cambria Math" panose="02040503050406030204" pitchFamily="18" charset="0"/>
                             </a:rPr>
-                            <m:t>0</m:t>
-                          </m:r>
-                          <m:r>
-                            <a:rPr>
-                              <a:latin typeface="Cambria Math" panose="02040503050406030204" pitchFamily="18" charset="0"/>
-                            </a:rPr>
-                            <m:t>,</m:t>
-                          </m:r>
-                          <m:r>
-                            <a:rPr>
-                              <a:latin typeface="Cambria Math" panose="02040503050406030204" pitchFamily="18" charset="0"/>
-                            </a:rPr>
-                            <m:t>1</m:t>
-                          </m:r>
-                          <m:r>
-                            <a:rPr>
-                              <a:latin typeface="Cambria Math" panose="02040503050406030204" pitchFamily="18" charset="0"/>
-                            </a:rPr>
-                            <m:t>/</m:t>
+                            <m:t>0,1/</m:t>
                           </m:r>
                           <m:sSub>
                             <m:sSubPr>
@@ -8498,13 +8956,7 @@
                       <a:rPr>
                         <a:latin typeface="Cambria Math" panose="02040503050406030204" pitchFamily="18" charset="0"/>
                       </a:rPr>
-                      <m:t>→</m:t>
-                    </m:r>
-                    <m:r>
-                      <a:rPr>
-                        <a:latin typeface="Cambria Math" panose="02040503050406030204" pitchFamily="18" charset="0"/>
-                      </a:rPr>
-                      <m:t>∞</m:t>
+                      <m:t>→∞</m:t>
                     </m:r>
                   </m:oMath>
                 </a14:m>
@@ -8541,7 +8993,7 @@
                         <m:accPr>
                           <m:chr m:val="̂"/>
                           <m:ctrlPr>
-                            <a:rPr>
+                            <a:rPr i="1">
                               <a:latin typeface="Cambria Math" panose="02040503050406030204" pitchFamily="18" charset="0"/>
                             </a:rPr>
                           </m:ctrlPr>
@@ -8658,7 +9110,7 @@
             </p:txBody>
           </p:sp>
         </mc:Choice>
-        <mc:Fallback>
+        <mc:Fallback xmlns="">
           <p:sp>
             <p:nvSpPr>
               <p:cNvPr id="3" name="Content Placeholder 2"/>
@@ -8760,8 +9212,8 @@
           <a:chExt cx="0" cy="0"/>
         </a:xfrm>
       </p:grpSpPr>
-      <mc:AlternateContent xmlns:mc="http://schemas.openxmlformats.org/markup-compatibility/2006">
-        <mc:Choice xmlns:a14="http://schemas.microsoft.com/office/drawing/2010/main" Requires="a14">
+      <mc:AlternateContent xmlns:mc="http://schemas.openxmlformats.org/markup-compatibility/2006" xmlns:a14="http://schemas.microsoft.com/office/drawing/2010/main">
+        <mc:Choice Requires="a14">
           <p:sp>
             <p:nvSpPr>
               <p:cNvPr id="3" name="Content Placeholder 2"/>
@@ -8791,7 +9243,7 @@
                       <m:f>
                         <m:fPr>
                           <m:ctrlPr>
-                            <a:rPr>
+                            <a:rPr i="1">
                               <a:latin typeface="Cambria Math" panose="02040503050406030204" pitchFamily="18" charset="0"/>
                             </a:rPr>
                           </m:ctrlPr>
@@ -8801,7 +9253,13 @@
                             <a:rPr>
                               <a:latin typeface="Cambria Math" panose="02040503050406030204" pitchFamily="18" charset="0"/>
                             </a:rPr>
-                            <m:t>∂ </m:t>
+                            <m:t>𝜕</m:t>
+                          </m:r>
+                          <m:r>
+                            <a:rPr>
+                              <a:latin typeface="Cambria Math" panose="02040503050406030204" pitchFamily="18" charset="0"/>
+                            </a:rPr>
+                            <m:t> </m:t>
                           </m:r>
                           <m:r>
                             <a:rPr>
@@ -8832,13 +9290,7 @@
                             <a:rPr>
                               <a:latin typeface="Cambria Math" panose="02040503050406030204" pitchFamily="18" charset="0"/>
                             </a:rPr>
-                            <m:t>∂</m:t>
-                          </m:r>
-                          <m:r>
-                            <a:rPr>
-                              <a:latin typeface="Cambria Math" panose="02040503050406030204" pitchFamily="18" charset="0"/>
-                            </a:rPr>
-                            <m:t>𝜃</m:t>
+                            <m:t>𝜕𝜃</m:t>
                           </m:r>
                         </m:den>
                       </m:f>
@@ -8964,7 +9416,7 @@
                       <m:accPr>
                         <m:chr m:val="̂"/>
                         <m:ctrlPr>
-                          <a:rPr>
+                          <a:rPr i="1">
                             <a:latin typeface="Cambria Math" panose="02040503050406030204" pitchFamily="18" charset="0"/>
                           </a:rPr>
                         </m:ctrlPr>
@@ -9023,7 +9475,7 @@
             </p:txBody>
           </p:sp>
         </mc:Choice>
-        <mc:Fallback>
+        <mc:Fallback xmlns="">
           <p:sp>
             <p:nvSpPr>
               <p:cNvPr id="3" name="Content Placeholder 2"/>
@@ -9254,8 +9706,8 @@
           <a:chExt cx="0" cy="0"/>
         </a:xfrm>
       </p:grpSpPr>
-      <mc:AlternateContent xmlns:mc="http://schemas.openxmlformats.org/markup-compatibility/2006">
-        <mc:Choice xmlns:a14="http://schemas.microsoft.com/office/drawing/2010/main" Requires="a14">
+      <mc:AlternateContent xmlns:mc="http://schemas.openxmlformats.org/markup-compatibility/2006" xmlns:a14="http://schemas.microsoft.com/office/drawing/2010/main">
+        <mc:Choice Requires="a14">
           <p:sp>
             <p:nvSpPr>
               <p:cNvPr id="3" name="Content Placeholder 2"/>
@@ -9337,7 +9789,7 @@
                       <m:d>
                         <m:dPr>
                           <m:ctrlPr>
-                            <a:rPr lang="ar-AE">
+                            <a:rPr lang="ar-AE" i="1">
                               <a:latin typeface="Cambria Math" panose="02040503050406030204" pitchFamily="18" charset="0"/>
                             </a:rPr>
                           </m:ctrlPr>
@@ -9354,7 +9806,7 @@
                                 </m:mc>
                               </m:mcs>
                               <m:ctrlPr>
-                                <a:rPr lang="ar-AE">
+                                <a:rPr lang="ar-AE" i="1">
                                   <a:latin typeface="Cambria Math" panose="02040503050406030204" pitchFamily="18" charset="0"/>
                                 </a:rPr>
                               </m:ctrlPr>
@@ -9364,7 +9816,7 @@
                                 <m:f>
                                   <m:fPr>
                                     <m:ctrlPr>
-                                      <a:rPr lang="ar-AE">
+                                      <a:rPr lang="ar-AE" i="1">
                                         <a:latin typeface="Cambria Math" panose="02040503050406030204" pitchFamily="18" charset="0"/>
                                       </a:rPr>
                                     </m:ctrlPr>
@@ -9374,7 +9826,7 @@
                                       <a:rPr lang="ar-AE">
                                         <a:latin typeface="Cambria Math" panose="02040503050406030204" pitchFamily="18" charset="0"/>
                                       </a:rPr>
-                                      <m:t>∂</m:t>
+                                      <m:t>𝜕</m:t>
                                     </m:r>
                                     <m:r>
                                       <a:rPr lang="ar-AE">
@@ -9388,13 +9840,7 @@
                                       <a:rPr lang="ar-AE">
                                         <a:latin typeface="Cambria Math" panose="02040503050406030204" pitchFamily="18" charset="0"/>
                                       </a:rPr>
-                                      <m:t>∂</m:t>
-                                    </m:r>
-                                    <m:r>
-                                      <a:rPr lang="ar-AE">
-                                        <a:latin typeface="Cambria Math" panose="02040503050406030204" pitchFamily="18" charset="0"/>
-                                      </a:rPr>
-                                      <m:t>𝜇</m:t>
+                                      <m:t>𝜕𝜇</m:t>
                                     </m:r>
                                   </m:den>
                                 </m:f>
@@ -9415,7 +9861,7 @@
                                       <a:rPr lang="ar-AE">
                                         <a:latin typeface="Cambria Math" panose="02040503050406030204" pitchFamily="18" charset="0"/>
                                       </a:rPr>
-                                      <m:t>∂</m:t>
+                                      <m:t>𝜕</m:t>
                                     </m:r>
                                     <m:r>
                                       <a:rPr lang="ar-AE">
@@ -9429,7 +9875,7 @@
                                       <a:rPr lang="ar-AE">
                                         <a:latin typeface="Cambria Math" panose="02040503050406030204" pitchFamily="18" charset="0"/>
                                       </a:rPr>
-                                      <m:t>∂</m:t>
+                                      <m:t>𝜕</m:t>
                                     </m:r>
                                     <m:sSup>
                                       <m:sSupPr>
@@ -9904,7 +10350,7 @@
                       <m:accPr>
                         <m:chr m:val="‾"/>
                         <m:ctrlPr>
-                          <a:rPr lang="ar-AE">
+                          <a:rPr lang="ar-AE" i="1">
                             <a:latin typeface="Cambria Math" panose="02040503050406030204" pitchFamily="18" charset="0"/>
                           </a:rPr>
                         </m:ctrlPr>
@@ -9937,7 +10383,7 @@
                           <m:chr m:val="∑"/>
                           <m:limLoc m:val="undOvr"/>
                           <m:ctrlPr>
-                            <a:rPr lang="ar-AE">
+                            <a:rPr lang="ar-AE" i="1">
                               <a:latin typeface="Cambria Math" panose="02040503050406030204" pitchFamily="18" charset="0"/>
                             </a:rPr>
                           </m:ctrlPr>
@@ -10250,7 +10696,7 @@
             </p:txBody>
           </p:sp>
         </mc:Choice>
-        <mc:Fallback>
+        <mc:Fallback xmlns="">
           <p:sp>
             <p:nvSpPr>
               <p:cNvPr id="3" name="Content Placeholder 2"/>
@@ -10352,8 +10798,8 @@
           <a:chExt cx="0" cy="0"/>
         </a:xfrm>
       </p:grpSpPr>
-      <mc:AlternateContent xmlns:mc="http://schemas.openxmlformats.org/markup-compatibility/2006">
-        <mc:Choice xmlns:a14="http://schemas.microsoft.com/office/drawing/2010/main" Requires="a14">
+      <mc:AlternateContent xmlns:mc="http://schemas.openxmlformats.org/markup-compatibility/2006" xmlns:a14="http://schemas.microsoft.com/office/drawing/2010/main">
+        <mc:Choice Requires="a14">
           <p:sp>
             <p:nvSpPr>
               <p:cNvPr id="3" name="Content Placeholder 2"/>
@@ -10397,7 +10843,7 @@
                       <m:d>
                         <m:dPr>
                           <m:ctrlPr>
-                            <a:rPr lang="ar-AE">
+                            <a:rPr lang="ar-AE" i="1">
                               <a:latin typeface="Cambria Math" panose="02040503050406030204" pitchFamily="18" charset="0"/>
                             </a:rPr>
                           </m:ctrlPr>
@@ -10414,7 +10860,7 @@
                                 </m:mc>
                               </m:mcs>
                               <m:ctrlPr>
-                                <a:rPr lang="ar-AE">
+                                <a:rPr lang="ar-AE" i="1">
                                   <a:latin typeface="Cambria Math" panose="02040503050406030204" pitchFamily="18" charset="0"/>
                                 </a:rPr>
                               </m:ctrlPr>
@@ -10424,7 +10870,7 @@
                                 <m:f>
                                   <m:fPr>
                                     <m:ctrlPr>
-                                      <a:rPr lang="ar-AE">
+                                      <a:rPr lang="ar-AE" i="1">
                                         <a:latin typeface="Cambria Math" panose="02040503050406030204" pitchFamily="18" charset="0"/>
                                       </a:rPr>
                                     </m:ctrlPr>
@@ -10434,7 +10880,7 @@
                                       <a:rPr lang="ar-AE">
                                         <a:latin typeface="Cambria Math" panose="02040503050406030204" pitchFamily="18" charset="0"/>
                                       </a:rPr>
-                                      <m:t>∂</m:t>
+                                      <m:t>𝜕</m:t>
                                     </m:r>
                                     <m:r>
                                       <a:rPr lang="ar-AE">
@@ -10448,13 +10894,7 @@
                                       <a:rPr lang="ar-AE">
                                         <a:latin typeface="Cambria Math" panose="02040503050406030204" pitchFamily="18" charset="0"/>
                                       </a:rPr>
-                                      <m:t>∂</m:t>
-                                    </m:r>
-                                    <m:r>
-                                      <a:rPr lang="ar-AE">
-                                        <a:latin typeface="Cambria Math" panose="02040503050406030204" pitchFamily="18" charset="0"/>
-                                      </a:rPr>
-                                      <m:t>𝜇</m:t>
+                                      <m:t>𝜕𝜇</m:t>
                                     </m:r>
                                   </m:den>
                                 </m:f>
@@ -10475,7 +10915,7 @@
                                       <a:rPr lang="ar-AE">
                                         <a:latin typeface="Cambria Math" panose="02040503050406030204" pitchFamily="18" charset="0"/>
                                       </a:rPr>
-                                      <m:t>∂</m:t>
+                                      <m:t>𝜕</m:t>
                                     </m:r>
                                     <m:r>
                                       <a:rPr lang="ar-AE">
@@ -10489,7 +10929,7 @@
                                       <a:rPr lang="ar-AE">
                                         <a:latin typeface="Cambria Math" panose="02040503050406030204" pitchFamily="18" charset="0"/>
                                       </a:rPr>
-                                      <m:t>∂</m:t>
+                                      <m:t>𝜕</m:t>
                                     </m:r>
                                     <m:sSup>
                                       <m:sSupPr>
@@ -10966,7 +11406,7 @@
                     <m:sSup>
                       <m:sSupPr>
                         <m:ctrlPr>
-                          <a:rPr lang="ar-AE">
+                          <a:rPr lang="ar-AE" i="1">
                             <a:latin typeface="Cambria Math" panose="02040503050406030204" pitchFamily="18" charset="0"/>
                           </a:rPr>
                         </m:ctrlPr>
@@ -11005,7 +11445,7 @@
                       <m:f>
                         <m:fPr>
                           <m:ctrlPr>
-                            <a:rPr lang="ar-AE">
+                            <a:rPr lang="ar-AE" i="1">
                               <a:latin typeface="Cambria Math" panose="02040503050406030204" pitchFamily="18" charset="0"/>
                             </a:rPr>
                           </m:ctrlPr>
@@ -11575,7 +12015,7 @@
                       <m:accPr>
                         <m:chr m:val="‾"/>
                         <m:ctrlPr>
-                          <a:rPr lang="ar-AE">
+                          <a:rPr lang="ar-AE" i="1">
                             <a:latin typeface="Cambria Math" panose="02040503050406030204" pitchFamily="18" charset="0"/>
                           </a:rPr>
                         </m:ctrlPr>
@@ -11794,7 +12234,7 @@
             </p:txBody>
           </p:sp>
         </mc:Choice>
-        <mc:Fallback>
+        <mc:Fallback xmlns="">
           <p:sp>
             <p:nvSpPr>
               <p:cNvPr id="3" name="Content Placeholder 2"/>
@@ -11965,8 +12405,8 @@
           </a:p>
         </p:txBody>
       </p:sp>
-      <mc:AlternateContent xmlns:mc="http://schemas.openxmlformats.org/markup-compatibility/2006">
-        <mc:Choice xmlns:a14="http://schemas.microsoft.com/office/drawing/2010/main" Requires="a14">
+      <mc:AlternateContent xmlns:mc="http://schemas.openxmlformats.org/markup-compatibility/2006" xmlns:a14="http://schemas.microsoft.com/office/drawing/2010/main">
+        <mc:Choice Requires="a14">
           <p:sp>
             <p:nvSpPr>
               <p:cNvPr id="5" name="TextBox 4">
@@ -13436,7 +13876,7 @@
             </p:txBody>
           </p:sp>
         </mc:Choice>
-        <mc:Fallback>
+        <mc:Fallback xmlns="">
           <p:sp>
             <p:nvSpPr>
               <p:cNvPr id="5" name="TextBox 4">
@@ -13551,7 +13991,7 @@
             </p:spPr>
             <p:txBody>
               <a:bodyPr>
-                <a:normAutofit fontScale="70000" lnSpcReduction="20000"/>
+                <a:normAutofit fontScale="77500" lnSpcReduction="20000"/>
               </a:bodyPr>
               <a:lstStyle/>
               <a:p>
@@ -13793,9 +14233,6 @@
                     </m:r>
                   </m:oMath>
                 </a14:m>
-                <a:br>
-                  <a:rPr dirty="0"/>
-                </a:br>
                 <a:endParaRPr dirty="0"/>
               </a:p>
               <a:p>
@@ -13818,10 +14255,6 @@
                   <a:rPr dirty="0"/>
                   <a:t> increases.</a:t>
                 </a:r>
-                <a:br>
-                  <a:rPr dirty="0"/>
-                </a:br>
-                <a:endParaRPr dirty="0"/>
               </a:p>
               <a:p>
                 <a:pPr lvl="0"/>
@@ -13848,7 +14281,7 @@
                     <m:sSup>
                       <m:sSupPr>
                         <m:ctrlPr>
-                          <a:rPr>
+                          <a:rPr i="1">
                             <a:latin typeface="Cambria Math" panose="02040503050406030204" pitchFamily="18" charset="0"/>
                           </a:rPr>
                         </m:ctrlPr>
@@ -13913,7 +14346,7 @@
               <a:blipFill>
                 <a:blip r:embed="rId2"/>
                 <a:stretch>
-                  <a:fillRect l="-444" t="-1852"/>
+                  <a:fillRect l="-667" t="-2189" r="-222"/>
                 </a:stretch>
               </a:blipFill>
             </p:spPr>
@@ -13967,9 +14400,16 @@
             <p:ph idx="1"/>
           </p:nvPr>
         </p:nvSpPr>
-        <p:spPr/>
+        <p:spPr>
+          <a:xfrm>
+            <a:off x="457200" y="1400537"/>
+            <a:ext cx="4415742" cy="3194086"/>
+          </a:xfrm>
+        </p:spPr>
         <p:txBody>
-          <a:bodyPr/>
+          <a:bodyPr>
+            <a:normAutofit/>
+          </a:bodyPr>
           <a:lstStyle/>
           <a:p>
             <a:pPr marL="0" lvl="0" indent="0">
@@ -14012,8 +14452,8 @@
         </p:blipFill>
         <p:spPr bwMode="auto">
           <a:xfrm>
-            <a:off x="4267843" y="2260600"/>
-            <a:ext cx="2933700" cy="2882900"/>
+            <a:off x="5432385" y="914078"/>
+            <a:ext cx="3667406" cy="3603901"/>
           </a:xfrm>
           <a:prstGeom prst="rect">
             <a:avLst/>
@@ -14034,8 +14474,8 @@
         </p:nvSpPr>
         <p:spPr>
           <a:xfrm>
-            <a:off x="457200" y="4076700"/>
-            <a:ext cx="8229600" cy="508000"/>
+            <a:off x="5497974" y="4425938"/>
+            <a:ext cx="3601817" cy="508000"/>
           </a:xfrm>
           <a:prstGeom prst="rect">
             <a:avLst/>
@@ -14050,6 +14490,7 @@
               <a:buNone/>
             </a:pPr>
             <a:r>
+              <a:rPr dirty="0"/>
               <a:t>Fisher Information for Normal distribution at different sample sizes</a:t>
             </a:r>
           </a:p>
@@ -14132,7 +14573,7 @@
         <p:spPr/>
         <p:txBody>
           <a:bodyPr>
-            <a:normAutofit fontScale="92500" lnSpcReduction="10000"/>
+            <a:normAutofit lnSpcReduction="10000"/>
           </a:bodyPr>
           <a:lstStyle/>
           <a:p>
@@ -14183,10 +14624,6 @@
               <a:rPr dirty="0"/>
               <a:t>Gradient descent, a first-order method</a:t>
             </a:r>
-            <a:br>
-              <a:rPr dirty="0"/>
-            </a:br>
-            <a:endParaRPr dirty="0"/>
           </a:p>
           <a:p>
             <a:pPr lvl="1"/>
@@ -14273,10 +14710,15 @@
                 <p:ph idx="1"/>
               </p:nvPr>
             </p:nvSpPr>
-            <p:spPr/>
+            <p:spPr>
+              <a:xfrm>
+                <a:off x="457200" y="1138177"/>
+                <a:ext cx="8229600" cy="3896810"/>
+              </a:xfrm>
+            </p:spPr>
             <p:txBody>
               <a:bodyPr>
-                <a:normAutofit fontScale="62500" lnSpcReduction="20000"/>
+                <a:normAutofit fontScale="70000" lnSpcReduction="20000"/>
               </a:bodyPr>
               <a:lstStyle/>
               <a:p>
@@ -14285,7 +14727,15 @@
                 </a:pPr>
                 <a:r>
                   <a:rPr dirty="0"/>
-                  <a:t>The gradient descent method finds the maximum of the log-likelihood function by following the gradient ‘uphill’</a:t>
+                  <a:t>The </a:t>
+                </a:r>
+                <a:r>
+                  <a:rPr b="1" dirty="0"/>
+                  <a:t>gradient descent </a:t>
+                </a:r>
+                <a:r>
+                  <a:rPr dirty="0"/>
+                  <a:t>method finds the maximum of the log-likelihood function by following the gradient ‘uphill’</a:t>
                 </a:r>
               </a:p>
               <a:p>
@@ -14496,7 +14946,7 @@
                                       <a:rPr>
                                         <a:latin typeface="Cambria Math" panose="02040503050406030204" pitchFamily="18" charset="0"/>
                                       </a:rPr>
-                                      <m:t>∂</m:t>
+                                      <m:t>𝜕</m:t>
                                     </m:r>
                                     <m:r>
                                       <a:rPr>
@@ -14539,7 +14989,7 @@
                                       <a:rPr>
                                         <a:latin typeface="Cambria Math" panose="02040503050406030204" pitchFamily="18" charset="0"/>
                                       </a:rPr>
-                                      <m:t>∂</m:t>
+                                      <m:t>𝜕</m:t>
                                     </m:r>
                                     <m:sSub>
                                       <m:sSubPr>
@@ -14585,7 +15035,7 @@
                                       <a:rPr>
                                         <a:latin typeface="Cambria Math" panose="02040503050406030204" pitchFamily="18" charset="0"/>
                                       </a:rPr>
-                                      <m:t>∂</m:t>
+                                      <m:t>𝜕</m:t>
                                     </m:r>
                                     <m:r>
                                       <a:rPr>
@@ -14628,7 +15078,7 @@
                                       <a:rPr>
                                         <a:latin typeface="Cambria Math" panose="02040503050406030204" pitchFamily="18" charset="0"/>
                                       </a:rPr>
-                                      <m:t>∂</m:t>
+                                      <m:t>𝜕</m:t>
                                     </m:r>
                                     <m:sSub>
                                       <m:sSubPr>
@@ -14684,7 +15134,7 @@
                                       <a:rPr>
                                         <a:latin typeface="Cambria Math" panose="02040503050406030204" pitchFamily="18" charset="0"/>
                                       </a:rPr>
-                                      <m:t>∂</m:t>
+                                      <m:t>𝜕</m:t>
                                     </m:r>
                                     <m:r>
                                       <a:rPr>
@@ -14727,7 +15177,7 @@
                                       <a:rPr>
                                         <a:latin typeface="Cambria Math" panose="02040503050406030204" pitchFamily="18" charset="0"/>
                                       </a:rPr>
-                                      <m:t>∂</m:t>
+                                      <m:t>𝜕</m:t>
                                     </m:r>
                                     <m:sSub>
                                       <m:sSubPr>
@@ -14777,7 +15227,7 @@
                     <m:sSub>
                       <m:sSubPr>
                         <m:ctrlPr>
-                          <a:rPr>
+                          <a:rPr i="1">
                             <a:latin typeface="Cambria Math" panose="02040503050406030204" pitchFamily="18" charset="0"/>
                           </a:rPr>
                         </m:ctrlPr>
@@ -14787,7 +15237,7 @@
                           <m:accPr>
                             <m:chr m:val="̂"/>
                             <m:ctrlPr>
-                              <a:rPr>
+                              <a:rPr i="1">
                                 <a:latin typeface="Cambria Math" panose="02040503050406030204" pitchFamily="18" charset="0"/>
                               </a:rPr>
                             </m:ctrlPr>
@@ -14822,7 +15272,7 @@
                     <m:sSub>
                       <m:sSubPr>
                         <m:ctrlPr>
-                          <a:rPr>
+                          <a:rPr i="1">
                             <a:latin typeface="Cambria Math" panose="02040503050406030204" pitchFamily="18" charset="0"/>
                           </a:rPr>
                         </m:ctrlPr>
@@ -14832,7 +15282,7 @@
                           <m:accPr>
                             <m:chr m:val="̂"/>
                             <m:ctrlPr>
-                              <a:rPr>
+                              <a:rPr i="1">
                                 <a:latin typeface="Cambria Math" panose="02040503050406030204" pitchFamily="18" charset="0"/>
                               </a:rPr>
                             </m:ctrlPr>
@@ -14888,7 +15338,7 @@
                       <m:sSub>
                         <m:sSubPr>
                           <m:ctrlPr>
-                            <a:rPr>
+                            <a:rPr i="1">
                               <a:latin typeface="Cambria Math" panose="02040503050406030204" pitchFamily="18" charset="0"/>
                             </a:rPr>
                           </m:ctrlPr>
@@ -14898,7 +15348,7 @@
                             <m:accPr>
                               <m:chr m:val="̂"/>
                               <m:ctrlPr>
-                                <a:rPr>
+                                <a:rPr i="1">
                                   <a:latin typeface="Cambria Math" panose="02040503050406030204" pitchFamily="18" charset="0"/>
                                 </a:rPr>
                               </m:ctrlPr>
@@ -15084,10 +15534,14 @@
               </p:nvPr>
             </p:nvSpPr>
             <p:spPr>
+              <a:xfrm>
+                <a:off x="457200" y="1138177"/>
+                <a:ext cx="8229600" cy="3896810"/>
+              </a:xfrm>
               <a:blipFill>
                 <a:blip r:embed="rId2"/>
                 <a:stretch>
-                  <a:fillRect l="-296" t="-1436"/>
+                  <a:fillRect l="-444" t="-1721"/>
                 </a:stretch>
               </a:blipFill>
             </p:spPr>
@@ -15125,7 +15579,7 @@
         <p:spPr>
           <a:xfrm>
             <a:off x="457200" y="205979"/>
-            <a:ext cx="8229600" cy="857250"/>
+            <a:ext cx="8229600" cy="781727"/>
           </a:xfrm>
         </p:spPr>
         <p:txBody>
@@ -15180,10 +15634,15 @@
             <p:ph idx="1"/>
           </p:nvPr>
         </p:nvSpPr>
-        <p:spPr/>
+        <p:spPr>
+          <a:xfrm>
+            <a:off x="457199" y="1063229"/>
+            <a:ext cx="4435033" cy="4001260"/>
+          </a:xfrm>
+        </p:spPr>
         <p:txBody>
           <a:bodyPr>
-            <a:normAutofit lnSpcReduction="10000"/>
+            <a:normAutofit fontScale="85000" lnSpcReduction="20000"/>
           </a:bodyPr>
           <a:lstStyle/>
           <a:p>
@@ -15213,30 +15672,14 @@
             <a:pPr lvl="0"/>
             <a:r>
               <a:rPr dirty="0"/>
-              <a:t>Maximum gradient direction is perpendicular to </a:t>
-            </a:r>
-            <a:r>
-              <a:rPr dirty="0" err="1"/>
-              <a:t>coutour</a:t>
-            </a:r>
-            <a:r>
-              <a:rPr dirty="0"/>
-              <a:t> lines - steepest uphill path</a:t>
+              <a:t>Maximum gradient direction is perpendicular to contour lines - steepest uphill path</a:t>
             </a:r>
           </a:p>
           <a:p>
             <a:pPr lvl="0"/>
             <a:r>
               <a:rPr dirty="0"/>
-              <a:t>Notice difference between gradients (and information) between </a:t>
-            </a:r>
-            <a:r>
-              <a:rPr dirty="0" err="1"/>
-              <a:t>locaiton</a:t>
-            </a:r>
-            <a:r>
-              <a:rPr dirty="0"/>
-              <a:t> and scale!</a:t>
+              <a:t>Notice difference between gradients (and information) between location and scale!</a:t>
             </a:r>
           </a:p>
         </p:txBody>
@@ -15250,15 +15693,15 @@
           <p:nvPr/>
         </p:nvPicPr>
         <p:blipFill>
-          <a:blip r:embed="rId2"/>
+          <a:blip r:embed="rId3"/>
           <a:stretch>
             <a:fillRect/>
           </a:stretch>
         </p:blipFill>
         <p:spPr bwMode="auto">
           <a:xfrm>
-            <a:off x="3200240" y="1892139"/>
-            <a:ext cx="2921000" cy="2882900"/>
+            <a:off x="5157376" y="892857"/>
+            <a:ext cx="3915409" cy="3864338"/>
           </a:xfrm>
           <a:prstGeom prst="rect">
             <a:avLst/>
@@ -15279,8 +15722,8 @@
         </p:nvSpPr>
         <p:spPr>
           <a:xfrm>
-            <a:off x="457200" y="4076700"/>
-            <a:ext cx="8229600" cy="508000"/>
+            <a:off x="5505691" y="4722470"/>
+            <a:ext cx="3567094" cy="350892"/>
           </a:xfrm>
           <a:prstGeom prst="rect">
             <a:avLst/>
@@ -15295,6 +15738,7 @@
               <a:buNone/>
             </a:pPr>
             <a:r>
+              <a:rPr dirty="0"/>
               <a:t>Contours of Normal Log-Likelihood</a:t>
             </a:r>
           </a:p>
@@ -15339,6 +15783,312 @@
           </a:p>
         </p:txBody>
       </p:sp>
+      <p:sp>
+        <p:nvSpPr>
+          <p:cNvPr id="6" name="Cross 5">
+            <a:extLst>
+              <a:ext uri="{FF2B5EF4-FFF2-40B4-BE49-F238E27FC236}">
+                <a16:creationId xmlns:a16="http://schemas.microsoft.com/office/drawing/2014/main" id="{3FF8E65D-87AC-00BF-A61E-CB92FFB28F28}"/>
+              </a:ext>
+            </a:extLst>
+          </p:cNvPr>
+          <p:cNvSpPr/>
+          <p:nvPr/>
+        </p:nvSpPr>
+        <p:spPr>
+          <a:xfrm>
+            <a:off x="7184020" y="3460830"/>
+            <a:ext cx="223777" cy="200628"/>
+          </a:xfrm>
+          <a:prstGeom prst="plus">
+            <a:avLst/>
+          </a:prstGeom>
+          <a:solidFill>
+            <a:srgbClr val="C00000"/>
+          </a:solidFill>
+        </p:spPr>
+        <p:style>
+          <a:lnRef idx="1">
+            <a:schemeClr val="accent1"/>
+          </a:lnRef>
+          <a:fillRef idx="3">
+            <a:schemeClr val="accent1"/>
+          </a:fillRef>
+          <a:effectRef idx="2">
+            <a:schemeClr val="accent1"/>
+          </a:effectRef>
+          <a:fontRef idx="minor">
+            <a:schemeClr val="lt1"/>
+          </a:fontRef>
+        </p:style>
+        <p:txBody>
+          <a:bodyPr rtlCol="0" anchor="ctr"/>
+          <a:lstStyle/>
+          <a:p>
+            <a:pPr algn="ctr"/>
+            <a:endParaRPr lang="en-US"/>
+          </a:p>
+        </p:txBody>
+      </p:sp>
+      <p:cxnSp>
+        <p:nvCxnSpPr>
+          <p:cNvPr id="8" name="Straight Arrow Connector 7">
+            <a:extLst>
+              <a:ext uri="{FF2B5EF4-FFF2-40B4-BE49-F238E27FC236}">
+                <a16:creationId xmlns:a16="http://schemas.microsoft.com/office/drawing/2014/main" id="{5E47BF6C-0C3A-4A25-C2A1-695912403C32}"/>
+              </a:ext>
+            </a:extLst>
+          </p:cNvPr>
+          <p:cNvCxnSpPr>
+            <a:cxnSpLocks/>
+            <a:endCxn id="6" idx="1"/>
+          </p:cNvCxnSpPr>
+          <p:nvPr/>
+        </p:nvCxnSpPr>
+        <p:spPr>
+          <a:xfrm>
+            <a:off x="4662210" y="2685794"/>
+            <a:ext cx="2521810" cy="875350"/>
+          </a:xfrm>
+          <a:prstGeom prst="straightConnector1">
+            <a:avLst/>
+          </a:prstGeom>
+          <a:ln>
+            <a:tailEnd type="triangle"/>
+          </a:ln>
+        </p:spPr>
+        <p:style>
+          <a:lnRef idx="2">
+            <a:schemeClr val="accent1"/>
+          </a:lnRef>
+          <a:fillRef idx="0">
+            <a:schemeClr val="accent1"/>
+          </a:fillRef>
+          <a:effectRef idx="1">
+            <a:schemeClr val="accent1"/>
+          </a:effectRef>
+          <a:fontRef idx="minor">
+            <a:schemeClr val="tx1"/>
+          </a:fontRef>
+        </p:style>
+      </p:cxnSp>
+      <p:cxnSp>
+        <p:nvCxnSpPr>
+          <p:cNvPr id="11" name="Straight Arrow Connector 10">
+            <a:extLst>
+              <a:ext uri="{FF2B5EF4-FFF2-40B4-BE49-F238E27FC236}">
+                <a16:creationId xmlns:a16="http://schemas.microsoft.com/office/drawing/2014/main" id="{078246F2-8100-8FB7-EFE8-FDE30FF20BDC}"/>
+              </a:ext>
+            </a:extLst>
+          </p:cNvPr>
+          <p:cNvCxnSpPr>
+            <a:cxnSpLocks/>
+          </p:cNvCxnSpPr>
+          <p:nvPr/>
+        </p:nvCxnSpPr>
+        <p:spPr>
+          <a:xfrm flipV="1">
+            <a:off x="7085575" y="3695797"/>
+            <a:ext cx="98445" cy="84816"/>
+          </a:xfrm>
+          <a:prstGeom prst="straightConnector1">
+            <a:avLst/>
+          </a:prstGeom>
+          <a:ln>
+            <a:solidFill>
+              <a:srgbClr val="C00000"/>
+            </a:solidFill>
+            <a:tailEnd type="triangle"/>
+          </a:ln>
+        </p:spPr>
+        <p:style>
+          <a:lnRef idx="2">
+            <a:schemeClr val="accent1"/>
+          </a:lnRef>
+          <a:fillRef idx="0">
+            <a:schemeClr val="accent1"/>
+          </a:fillRef>
+          <a:effectRef idx="1">
+            <a:schemeClr val="accent1"/>
+          </a:effectRef>
+          <a:fontRef idx="minor">
+            <a:schemeClr val="tx1"/>
+          </a:fontRef>
+        </p:style>
+      </p:cxnSp>
+      <p:cxnSp>
+        <p:nvCxnSpPr>
+          <p:cNvPr id="16" name="Straight Arrow Connector 15">
+            <a:extLst>
+              <a:ext uri="{FF2B5EF4-FFF2-40B4-BE49-F238E27FC236}">
+                <a16:creationId xmlns:a16="http://schemas.microsoft.com/office/drawing/2014/main" id="{7A73320A-75C5-EC32-B2B6-C5E8B4EFCB29}"/>
+              </a:ext>
+            </a:extLst>
+          </p:cNvPr>
+          <p:cNvCxnSpPr>
+            <a:cxnSpLocks/>
+          </p:cNvCxnSpPr>
+          <p:nvPr/>
+        </p:nvCxnSpPr>
+        <p:spPr>
+          <a:xfrm flipV="1">
+            <a:off x="6991265" y="3796111"/>
+            <a:ext cx="94310" cy="95215"/>
+          </a:xfrm>
+          <a:prstGeom prst="straightConnector1">
+            <a:avLst/>
+          </a:prstGeom>
+          <a:ln>
+            <a:solidFill>
+              <a:srgbClr val="C00000"/>
+            </a:solidFill>
+            <a:tailEnd type="triangle"/>
+          </a:ln>
+        </p:spPr>
+        <p:style>
+          <a:lnRef idx="2">
+            <a:schemeClr val="accent1"/>
+          </a:lnRef>
+          <a:fillRef idx="0">
+            <a:schemeClr val="accent1"/>
+          </a:fillRef>
+          <a:effectRef idx="1">
+            <a:schemeClr val="accent1"/>
+          </a:effectRef>
+          <a:fontRef idx="minor">
+            <a:schemeClr val="tx1"/>
+          </a:fontRef>
+        </p:style>
+      </p:cxnSp>
+      <p:cxnSp>
+        <p:nvCxnSpPr>
+          <p:cNvPr id="19" name="Straight Arrow Connector 18">
+            <a:extLst>
+              <a:ext uri="{FF2B5EF4-FFF2-40B4-BE49-F238E27FC236}">
+                <a16:creationId xmlns:a16="http://schemas.microsoft.com/office/drawing/2014/main" id="{E9678E0F-188B-8488-7B46-EBD54C1DF070}"/>
+              </a:ext>
+            </a:extLst>
+          </p:cNvPr>
+          <p:cNvCxnSpPr>
+            <a:cxnSpLocks/>
+          </p:cNvCxnSpPr>
+          <p:nvPr/>
+        </p:nvCxnSpPr>
+        <p:spPr>
+          <a:xfrm flipV="1">
+            <a:off x="6896955" y="3896425"/>
+            <a:ext cx="94310" cy="146617"/>
+          </a:xfrm>
+          <a:prstGeom prst="straightConnector1">
+            <a:avLst/>
+          </a:prstGeom>
+          <a:ln>
+            <a:solidFill>
+              <a:srgbClr val="C00000"/>
+            </a:solidFill>
+            <a:tailEnd type="triangle"/>
+          </a:ln>
+        </p:spPr>
+        <p:style>
+          <a:lnRef idx="2">
+            <a:schemeClr val="accent1"/>
+          </a:lnRef>
+          <a:fillRef idx="0">
+            <a:schemeClr val="accent1"/>
+          </a:fillRef>
+          <a:effectRef idx="1">
+            <a:schemeClr val="accent1"/>
+          </a:effectRef>
+          <a:fontRef idx="minor">
+            <a:schemeClr val="tx1"/>
+          </a:fontRef>
+        </p:style>
+      </p:cxnSp>
+      <p:cxnSp>
+        <p:nvCxnSpPr>
+          <p:cNvPr id="20" name="Straight Arrow Connector 19">
+            <a:extLst>
+              <a:ext uri="{FF2B5EF4-FFF2-40B4-BE49-F238E27FC236}">
+                <a16:creationId xmlns:a16="http://schemas.microsoft.com/office/drawing/2014/main" id="{9642F930-C488-CD20-D60F-E4327BA300FB}"/>
+              </a:ext>
+            </a:extLst>
+          </p:cNvPr>
+          <p:cNvCxnSpPr>
+            <a:cxnSpLocks/>
+          </p:cNvCxnSpPr>
+          <p:nvPr/>
+        </p:nvCxnSpPr>
+        <p:spPr>
+          <a:xfrm flipV="1">
+            <a:off x="6840350" y="4070022"/>
+            <a:ext cx="56605" cy="146061"/>
+          </a:xfrm>
+          <a:prstGeom prst="straightConnector1">
+            <a:avLst/>
+          </a:prstGeom>
+          <a:ln>
+            <a:solidFill>
+              <a:srgbClr val="C00000"/>
+            </a:solidFill>
+            <a:tailEnd type="triangle"/>
+          </a:ln>
+        </p:spPr>
+        <p:style>
+          <a:lnRef idx="2">
+            <a:schemeClr val="accent1"/>
+          </a:lnRef>
+          <a:fillRef idx="0">
+            <a:schemeClr val="accent1"/>
+          </a:fillRef>
+          <a:effectRef idx="1">
+            <a:schemeClr val="accent1"/>
+          </a:effectRef>
+          <a:fontRef idx="minor">
+            <a:schemeClr val="tx1"/>
+          </a:fontRef>
+        </p:style>
+      </p:cxnSp>
+      <p:cxnSp>
+        <p:nvCxnSpPr>
+          <p:cNvPr id="31" name="Straight Arrow Connector 30">
+            <a:extLst>
+              <a:ext uri="{FF2B5EF4-FFF2-40B4-BE49-F238E27FC236}">
+                <a16:creationId xmlns:a16="http://schemas.microsoft.com/office/drawing/2014/main" id="{75BEB1AD-FF0C-7E36-7E04-40274AB56B45}"/>
+              </a:ext>
+            </a:extLst>
+          </p:cNvPr>
+          <p:cNvCxnSpPr>
+            <a:cxnSpLocks/>
+          </p:cNvCxnSpPr>
+          <p:nvPr/>
+        </p:nvCxnSpPr>
+        <p:spPr>
+          <a:xfrm>
+            <a:off x="4256265" y="3588124"/>
+            <a:ext cx="2612387" cy="350338"/>
+          </a:xfrm>
+          <a:prstGeom prst="straightConnector1">
+            <a:avLst/>
+          </a:prstGeom>
+          <a:ln>
+            <a:tailEnd type="triangle"/>
+          </a:ln>
+        </p:spPr>
+        <p:style>
+          <a:lnRef idx="2">
+            <a:schemeClr val="accent1"/>
+          </a:lnRef>
+          <a:fillRef idx="0">
+            <a:schemeClr val="accent1"/>
+          </a:fillRef>
+          <a:effectRef idx="1">
+            <a:schemeClr val="accent1"/>
+          </a:effectRef>
+          <a:fontRef idx="minor">
+            <a:schemeClr val="tx1"/>
+          </a:fontRef>
+        </p:style>
+      </p:cxnSp>
     </p:spTree>
   </p:cSld>
   <p:clrMapOvr>
@@ -15376,10 +16126,15 @@
                 <p:ph idx="1"/>
               </p:nvPr>
             </p:nvSpPr>
-            <p:spPr/>
+            <p:spPr>
+              <a:xfrm>
+                <a:off x="457200" y="787286"/>
+                <a:ext cx="8229600" cy="4150235"/>
+              </a:xfrm>
+            </p:spPr>
             <p:txBody>
               <a:bodyPr>
-                <a:normAutofit fontScale="62500" lnSpcReduction="20000"/>
+                <a:normAutofit fontScale="85000" lnSpcReduction="20000"/>
               </a:bodyPr>
               <a:lstStyle/>
               <a:p>
@@ -15402,7 +16157,7 @@
                     <m:sSub>
                       <m:sSubPr>
                         <m:ctrlPr>
-                          <a:rPr>
+                          <a:rPr i="1">
                             <a:latin typeface="Cambria Math" panose="02040503050406030204" pitchFamily="18" charset="0"/>
                           </a:rPr>
                         </m:ctrlPr>
@@ -15412,7 +16167,7 @@
                           <m:accPr>
                             <m:chr m:val="̂"/>
                             <m:ctrlPr>
-                              <a:rPr>
+                              <a:rPr i="1">
                                 <a:latin typeface="Cambria Math" panose="02040503050406030204" pitchFamily="18" charset="0"/>
                               </a:rPr>
                             </m:ctrlPr>
@@ -15447,7 +16202,7 @@
                     <m:sSub>
                       <m:sSubPr>
                         <m:ctrlPr>
-                          <a:rPr>
+                          <a:rPr i="1">
                             <a:latin typeface="Cambria Math" panose="02040503050406030204" pitchFamily="18" charset="0"/>
                           </a:rPr>
                         </m:ctrlPr>
@@ -15457,7 +16212,7 @@
                           <m:accPr>
                             <m:chr m:val="̂"/>
                             <m:ctrlPr>
-                              <a:rPr>
+                              <a:rPr i="1">
                                 <a:latin typeface="Cambria Math" panose="02040503050406030204" pitchFamily="18" charset="0"/>
                               </a:rPr>
                             </m:ctrlPr>
@@ -15513,7 +16268,7 @@
                       <m:sSub>
                         <m:sSubPr>
                           <m:ctrlPr>
-                            <a:rPr>
+                            <a:rPr i="1">
                               <a:latin typeface="Cambria Math" panose="02040503050406030204" pitchFamily="18" charset="0"/>
                             </a:rPr>
                           </m:ctrlPr>
@@ -15523,7 +16278,7 @@
                             <m:accPr>
                               <m:chr m:val="̂"/>
                               <m:ctrlPr>
-                                <a:rPr>
+                                <a:rPr i="1">
                                   <a:latin typeface="Cambria Math" panose="02040503050406030204" pitchFamily="18" charset="0"/>
                                 </a:rPr>
                               </m:ctrlPr>
@@ -15733,10 +16488,6 @@
                   <a:rPr dirty="0"/>
                   <a:t>Determining a learning rate can have a significant effect on the performance of the gradient</a:t>
                 </a:r>
-                <a:br>
-                  <a:rPr dirty="0"/>
-                </a:br>
-                <a:endParaRPr dirty="0"/>
               </a:p>
               <a:p>
                 <a:pPr lvl="1"/>
@@ -15772,10 +16523,6 @@
                   <a:rPr dirty="0"/>
                   <a:t>The gradient changes toward the maximum point the optimal step size changes</a:t>
                 </a:r>
-                <a:br>
-                  <a:rPr dirty="0"/>
-                </a:br>
-                <a:endParaRPr dirty="0"/>
               </a:p>
               <a:p>
                 <a:pPr lvl="1"/>
@@ -15783,10 +16530,6 @@
                   <a:rPr dirty="0"/>
                   <a:t>More sophisticated algorithms use an adaptive method to determine an optimal step at each step</a:t>
                 </a:r>
-                <a:br>
-                  <a:rPr dirty="0"/>
-                </a:br>
-                <a:endParaRPr dirty="0"/>
               </a:p>
               <a:p>
                 <a:pPr lvl="1"/>
@@ -15818,10 +16561,14 @@
               </p:nvPr>
             </p:nvSpPr>
             <p:spPr>
+              <a:xfrm>
+                <a:off x="457200" y="787286"/>
+                <a:ext cx="8229600" cy="4150235"/>
+              </a:xfrm>
               <a:blipFill>
                 <a:blip r:embed="rId2"/>
                 <a:stretch>
-                  <a:fillRect l="-296" t="-1436"/>
+                  <a:fillRect l="-741" t="-2056" r="-815" b="-2056"/>
                 </a:stretch>
               </a:blipFill>
             </p:spPr>
@@ -15858,12 +16605,14 @@
         </p:nvSpPr>
         <p:spPr>
           <a:xfrm>
-            <a:off x="457200" y="205979"/>
-            <a:ext cx="8229600" cy="857250"/>
+            <a:off x="457200" y="205980"/>
+            <a:ext cx="8229600" cy="478796"/>
           </a:xfrm>
         </p:spPr>
         <p:txBody>
-          <a:bodyPr/>
+          <a:bodyPr>
+            <a:normAutofit fontScale="90000"/>
+          </a:bodyPr>
           <a:lstStyle/>
           <a:p>
             <a:pPr marL="0" lvl="0" indent="0">
@@ -15919,7 +16668,7 @@
             <p:spPr/>
             <p:txBody>
               <a:bodyPr>
-                <a:normAutofit fontScale="85000" lnSpcReduction="20000"/>
+                <a:normAutofit fontScale="85000" lnSpcReduction="10000"/>
               </a:bodyPr>
               <a:lstStyle/>
               <a:p>
@@ -15942,7 +16691,7 @@
                     <m:sSub>
                       <m:sSubPr>
                         <m:ctrlPr>
-                          <a:rPr>
+                          <a:rPr i="1">
                             <a:latin typeface="Cambria Math" panose="02040503050406030204" pitchFamily="18" charset="0"/>
                           </a:rPr>
                         </m:ctrlPr>
@@ -15952,7 +16701,7 @@
                           <m:accPr>
                             <m:chr m:val="̂"/>
                             <m:ctrlPr>
-                              <a:rPr>
+                              <a:rPr i="1">
                                 <a:latin typeface="Cambria Math" panose="02040503050406030204" pitchFamily="18" charset="0"/>
                               </a:rPr>
                             </m:ctrlPr>
@@ -15987,7 +16736,7 @@
                     <m:sSub>
                       <m:sSubPr>
                         <m:ctrlPr>
-                          <a:rPr>
+                          <a:rPr i="1">
                             <a:latin typeface="Cambria Math" panose="02040503050406030204" pitchFamily="18" charset="0"/>
                           </a:rPr>
                         </m:ctrlPr>
@@ -15997,7 +16746,7 @@
                           <m:accPr>
                             <m:chr m:val="̂"/>
                             <m:ctrlPr>
-                              <a:rPr>
+                              <a:rPr i="1">
                                 <a:latin typeface="Cambria Math" panose="02040503050406030204" pitchFamily="18" charset="0"/>
                               </a:rPr>
                             </m:ctrlPr>
@@ -16023,13 +16772,7 @@
                           <a:rPr>
                             <a:latin typeface="Cambria Math" panose="02040503050406030204" pitchFamily="18" charset="0"/>
                           </a:rPr>
-                          <m:t>+</m:t>
-                        </m:r>
-                        <m:r>
-                          <a:rPr>
-                            <a:latin typeface="Cambria Math" panose="02040503050406030204" pitchFamily="18" charset="0"/>
-                          </a:rPr>
-                          <m:t>1</m:t>
+                          <m:t>+1</m:t>
                         </m:r>
                       </m:sub>
                     </m:sSub>
@@ -16053,7 +16796,7 @@
                       <m:sSub>
                         <m:sSubPr>
                           <m:ctrlPr>
-                            <a:rPr>
+                            <a:rPr i="1">
                               <a:latin typeface="Cambria Math" panose="02040503050406030204" pitchFamily="18" charset="0"/>
                             </a:rPr>
                           </m:ctrlPr>
@@ -16063,7 +16806,7 @@
                             <m:accPr>
                               <m:chr m:val="̂"/>
                               <m:ctrlPr>
-                                <a:rPr>
+                                <a:rPr i="1">
                                   <a:latin typeface="Cambria Math" panose="02040503050406030204" pitchFamily="18" charset="0"/>
                                 </a:rPr>
                               </m:ctrlPr>
@@ -16089,13 +16832,7 @@
                             <a:rPr>
                               <a:latin typeface="Cambria Math" panose="02040503050406030204" pitchFamily="18" charset="0"/>
                             </a:rPr>
-                            <m:t>+</m:t>
-                          </m:r>
-                          <m:r>
-                            <a:rPr>
-                              <a:latin typeface="Cambria Math" panose="02040503050406030204" pitchFamily="18" charset="0"/>
-                            </a:rPr>
-                            <m:t>1</m:t>
+                            <m:t>+1</m:t>
                           </m:r>
                         </m:sub>
                       </m:sSub>
@@ -16240,10 +16977,6 @@
                   <a:rPr dirty="0"/>
                   <a:t>Algorithm converges when the norm of the gradient is approximately 0</a:t>
                 </a:r>
-                <a:br>
-                  <a:rPr dirty="0"/>
-                </a:br>
-                <a:endParaRPr dirty="0"/>
               </a:p>
               <a:p>
                 <a:pPr lvl="0"/>
@@ -16255,9 +16988,6 @@
                   <a:rPr b="1" dirty="0"/>
                   <a:t>stopping condition</a:t>
                 </a:r>
-                <a:br>
-                  <a:rPr dirty="0"/>
-                </a:br>
                 <a:endParaRPr dirty="0"/>
               </a:p>
               <a:p>
@@ -16282,93 +17012,82 @@
                           <m:begChr m:val="|"/>
                           <m:endChr m:val="|"/>
                           <m:ctrlPr>
-                            <a:rPr lang="en-US">
-                              <a:latin typeface="Cambria Math" panose="02040503050406030204" pitchFamily="18" charset="0"/>
-                            </a:rPr>
-                          </m:ctrlPr>
-                        </m:dPr>
-                        <m:e/>
-                      </m:d>
-                      <m:sSub>
-                        <m:sSubPr>
-                          <m:ctrlPr>
                             <a:rPr lang="en-US" i="1">
-                              <a:latin typeface="Cambria Math" panose="02040503050406030204" pitchFamily="18" charset="0"/>
-                            </a:rPr>
-                          </m:ctrlPr>
-                        </m:sSubPr>
-                        <m:e>
-                          <m:r>
-                            <m:rPr>
-                              <m:sty m:val="p"/>
-                            </m:rPr>
-                            <a:rPr>
-                              <a:latin typeface="Cambria Math" panose="02040503050406030204" pitchFamily="18" charset="0"/>
-                            </a:rPr>
-                            <m:t>∇</m:t>
-                          </m:r>
-                        </m:e>
-                        <m:sub>
-                          <m:r>
-                            <a:rPr>
-                              <a:latin typeface="Cambria Math" panose="02040503050406030204" pitchFamily="18" charset="0"/>
-                            </a:rPr>
-                            <m:t>𝜃</m:t>
-                          </m:r>
-                        </m:sub>
-                      </m:sSub>
-                      <m:r>
-                        <a:rPr>
-                          <a:latin typeface="Cambria Math" panose="02040503050406030204" pitchFamily="18" charset="0"/>
-                        </a:rPr>
-                        <m:t> </m:t>
-                      </m:r>
-                      <m:r>
-                        <a:rPr>
-                          <a:latin typeface="Cambria Math" panose="02040503050406030204" pitchFamily="18" charset="0"/>
-                        </a:rPr>
-                        <m:t>𝑙</m:t>
-                      </m:r>
-                      <m:d>
-                        <m:dPr>
-                          <m:ctrlPr>
-                            <a:rPr i="1">
                               <a:latin typeface="Cambria Math" panose="02040503050406030204" pitchFamily="18" charset="0"/>
                             </a:rPr>
                           </m:ctrlPr>
                         </m:dPr>
                         <m:e>
-                          <m:acc>
-                            <m:accPr>
-                              <m:chr m:val="⃗"/>
+                          <m:sSub>
+                            <m:sSubPr>
                               <m:ctrlPr>
-                                <a:rPr i="1">
+                                <a:rPr lang="ar-AE" i="1">
                                   <a:latin typeface="Cambria Math" panose="02040503050406030204" pitchFamily="18" charset="0"/>
                                 </a:rPr>
                               </m:ctrlPr>
-                            </m:accPr>
+                            </m:sSubPr>
                             <m:e>
                               <m:r>
-                                <a:rPr>
+                                <m:rPr>
+                                  <m:sty m:val="p"/>
+                                </m:rPr>
+                                <a:rPr lang="ar-AE">
+                                  <a:latin typeface="Cambria Math" panose="02040503050406030204" pitchFamily="18" charset="0"/>
+                                </a:rPr>
+                                <m:t>∇</m:t>
+                              </m:r>
+                            </m:e>
+                            <m:sub>
+                              <m:r>
+                                <a:rPr lang="ar-AE">
                                   <a:latin typeface="Cambria Math" panose="02040503050406030204" pitchFamily="18" charset="0"/>
                                 </a:rPr>
                                 <m:t>𝜃</m:t>
                               </m:r>
+                            </m:sub>
+                          </m:sSub>
+                          <m:r>
+                            <a:rPr lang="ar-AE">
+                              <a:latin typeface="Cambria Math" panose="02040503050406030204" pitchFamily="18" charset="0"/>
+                            </a:rPr>
+                            <m:t> </m:t>
+                          </m:r>
+                          <m:r>
+                            <a:rPr lang="ar-AE">
+                              <a:latin typeface="Cambria Math" panose="02040503050406030204" pitchFamily="18" charset="0"/>
+                            </a:rPr>
+                            <m:t>𝑙</m:t>
+                          </m:r>
+                          <m:d>
+                            <m:dPr>
+                              <m:ctrlPr>
+                                <a:rPr lang="ar-AE" i="1">
+                                  <a:latin typeface="Cambria Math" panose="02040503050406030204" pitchFamily="18" charset="0"/>
+                                </a:rPr>
+                              </m:ctrlPr>
+                            </m:dPr>
+                            <m:e>
+                              <m:acc>
+                                <m:accPr>
+                                  <m:chr m:val="⃗"/>
+                                  <m:ctrlPr>
+                                    <a:rPr lang="ar-AE" i="1">
+                                      <a:latin typeface="Cambria Math" panose="02040503050406030204" pitchFamily="18" charset="0"/>
+                                    </a:rPr>
+                                  </m:ctrlPr>
+                                </m:accPr>
+                                <m:e>
+                                  <m:r>
+                                    <a:rPr lang="ar-AE">
+                                      <a:latin typeface="Cambria Math" panose="02040503050406030204" pitchFamily="18" charset="0"/>
+                                    </a:rPr>
+                                    <m:t>𝜃</m:t>
+                                  </m:r>
+                                </m:e>
+                              </m:acc>
                             </m:e>
-                          </m:acc>
+                          </m:d>
                         </m:e>
-                      </m:d>
-                      <m:d>
-                        <m:dPr>
-                          <m:begChr m:val="|"/>
-                          <m:endChr m:val="|"/>
-                          <m:ctrlPr>
-                            <a:rPr i="1">
-                              <a:latin typeface="Cambria Math" panose="02040503050406030204" pitchFamily="18" charset="0"/>
-                            </a:rPr>
-                          </m:ctrlPr>
-                        </m:dPr>
-                        <m:e/>
                       </m:d>
                       <m:r>
                         <a:rPr>
@@ -16405,7 +17124,7 @@
               <a:blipFill>
                 <a:blip r:embed="rId2"/>
                 <a:stretch>
-                  <a:fillRect l="-741" t="-2693"/>
+                  <a:fillRect l="-741" t="-1975"/>
                 </a:stretch>
               </a:blipFill>
             </p:spPr>
@@ -16488,106 +17207,143 @@
           <a:chExt cx="0" cy="0"/>
         </a:xfrm>
       </p:grpSpPr>
-      <p:sp>
-        <p:nvSpPr>
-          <p:cNvPr id="3" name="Content Placeholder 2"/>
-          <p:cNvSpPr>
-            <a:spLocks noGrp="1"/>
-          </p:cNvSpPr>
-          <p:nvPr>
-            <p:ph idx="1"/>
-          </p:nvPr>
-        </p:nvSpPr>
-        <p:spPr/>
-        <p:txBody>
-          <a:bodyPr/>
-          <a:lstStyle/>
-          <a:p>
-            <a:pPr marL="0" lvl="0" indent="0">
-              <a:spcBef>
-                <a:spcPts val="3000"/>
-              </a:spcBef>
-              <a:buNone/>
-            </a:pPr>
-            <a:r>
-              <a:rPr b="1"/>
-              <a:t>Review</a:t>
-            </a:r>
-          </a:p>
-          <a:p>
-            <a:pPr marL="0" lvl="0" indent="0">
-              <a:buNone/>
-            </a:pPr>
-            <a:r>
-              <a:t>Sampling of a population is done from an unknown </a:t>
-            </a:r>
-            <a:r>
-              <a:rPr b="1"/>
-              <a:t>population distribution</a:t>
-            </a:r>
-            <a:r>
-              <a:t>, </a:t>
-            </a:r>
-            <a14:m xmlns:a14="http://schemas.microsoft.com/office/drawing/2010/main">
-              <m:oMath xmlns:m="http://schemas.openxmlformats.org/officeDocument/2006/math">
-                <m:r>
-                  <a:rPr>
-                    <a:latin typeface="Cambria Math" panose="02040503050406030204" pitchFamily="18" charset="0"/>
-                  </a:rPr>
-                  <m:t>ℱ</m:t>
-                </m:r>
-              </m:oMath>
-            </a14:m>
-            <a:endParaRPr/>
-          </a:p>
-          <a:p>
-            <a:pPr lvl="0"/>
-            <a:r>
-              <a:t>Any statistic we compute for the generating process is an approximation for the population, </a:t>
-            </a:r>
-            <a14:m xmlns:a14="http://schemas.microsoft.com/office/drawing/2010/main">
-              <m:oMath xmlns:m="http://schemas.openxmlformats.org/officeDocument/2006/math">
-                <m:r>
-                  <a:rPr>
-                    <a:latin typeface="Cambria Math" panose="02040503050406030204" pitchFamily="18" charset="0"/>
-                  </a:rPr>
-                  <m:t>𝑠</m:t>
-                </m:r>
-                <m:d>
-                  <m:dPr>
-                    <m:ctrlPr>
-                      <a:rPr i="1">
+      <mc:AlternateContent xmlns:mc="http://schemas.openxmlformats.org/markup-compatibility/2006">
+        <mc:Choice xmlns:a14="http://schemas.microsoft.com/office/drawing/2010/main" Requires="a14">
+          <p:sp>
+            <p:nvSpPr>
+              <p:cNvPr id="3" name="Content Placeholder 2"/>
+              <p:cNvSpPr>
+                <a:spLocks noGrp="1"/>
+              </p:cNvSpPr>
+              <p:nvPr>
+                <p:ph idx="1"/>
+              </p:nvPr>
+            </p:nvSpPr>
+            <p:spPr/>
+            <p:txBody>
+              <a:bodyPr/>
+              <a:lstStyle/>
+              <a:p>
+                <a:pPr marL="0" lvl="0" indent="0">
+                  <a:spcBef>
+                    <a:spcPts val="3000"/>
+                  </a:spcBef>
+                  <a:buNone/>
+                </a:pPr>
+                <a:r>
+                  <a:rPr b="1"/>
+                  <a:t>Review</a:t>
+                </a:r>
+              </a:p>
+              <a:p>
+                <a:pPr marL="0" lvl="0" indent="0">
+                  <a:buNone/>
+                </a:pPr>
+                <a:r>
+                  <a:t>Sampling of a population is done from an unknown </a:t>
+                </a:r>
+                <a:r>
+                  <a:rPr b="1"/>
+                  <a:t>population distribution</a:t>
+                </a:r>
+                <a:r>
+                  <a:t>, </a:t>
+                </a:r>
+                <a14:m>
+                  <m:oMath xmlns:m="http://schemas.openxmlformats.org/officeDocument/2006/math">
+                    <m:r>
+                      <a:rPr>
                         <a:latin typeface="Cambria Math" panose="02040503050406030204" pitchFamily="18" charset="0"/>
                       </a:rPr>
-                    </m:ctrlPr>
-                  </m:dPr>
-                  <m:e>
-                    <m:acc>
-                      <m:accPr>
-                        <m:chr m:val="̂"/>
+                      <m:t>ℱ</m:t>
+                    </m:r>
+                  </m:oMath>
+                </a14:m>
+                <a:endParaRPr/>
+              </a:p>
+              <a:p>
+                <a:pPr lvl="0"/>
+                <a:r>
+                  <a:t>Any statistic we compute for the generating process is an approximation for the population, </a:t>
+                </a:r>
+                <a14:m>
+                  <m:oMath xmlns:m="http://schemas.openxmlformats.org/officeDocument/2006/math">
+                    <m:r>
+                      <a:rPr>
+                        <a:latin typeface="Cambria Math" panose="02040503050406030204" pitchFamily="18" charset="0"/>
+                      </a:rPr>
+                      <m:t>𝑠</m:t>
+                    </m:r>
+                    <m:d>
+                      <m:dPr>
                         <m:ctrlPr>
                           <a:rPr i="1">
                             <a:latin typeface="Cambria Math" panose="02040503050406030204" pitchFamily="18" charset="0"/>
                           </a:rPr>
                         </m:ctrlPr>
-                      </m:accPr>
+                      </m:dPr>
                       <m:e>
-                        <m:r>
-                          <a:rPr>
-                            <a:latin typeface="Cambria Math" panose="02040503050406030204" pitchFamily="18" charset="0"/>
-                          </a:rPr>
-                          <m:t>ℱ</m:t>
-                        </m:r>
+                        <m:acc>
+                          <m:accPr>
+                            <m:chr m:val="̂"/>
+                            <m:ctrlPr>
+                              <a:rPr i="1">
+                                <a:latin typeface="Cambria Math" panose="02040503050406030204" pitchFamily="18" charset="0"/>
+                              </a:rPr>
+                            </m:ctrlPr>
+                          </m:accPr>
+                          <m:e>
+                            <m:r>
+                              <a:rPr>
+                                <a:latin typeface="Cambria Math" panose="02040503050406030204" pitchFamily="18" charset="0"/>
+                              </a:rPr>
+                              <m:t>ℱ</m:t>
+                            </m:r>
+                          </m:e>
+                        </m:acc>
                       </m:e>
-                    </m:acc>
-                  </m:e>
-                </m:d>
-              </m:oMath>
-            </a14:m>
-            <a:endParaRPr/>
-          </a:p>
-        </p:txBody>
-      </p:sp>
+                    </m:d>
+                  </m:oMath>
+                </a14:m>
+                <a:endParaRPr/>
+              </a:p>
+            </p:txBody>
+          </p:sp>
+        </mc:Choice>
+        <mc:Fallback>
+          <p:sp>
+            <p:nvSpPr>
+              <p:cNvPr id="3" name="Content Placeholder 2"/>
+              <p:cNvSpPr>
+                <a:spLocks noGrp="1" noRot="1" noChangeAspect="1" noMove="1" noResize="1" noEditPoints="1" noAdjustHandles="1" noChangeArrowheads="1" noChangeShapeType="1" noTextEdit="1"/>
+              </p:cNvSpPr>
+              <p:nvPr>
+                <p:ph idx="1"/>
+              </p:nvPr>
+            </p:nvSpPr>
+            <p:spPr>
+              <a:blipFill>
+                <a:blip r:embed="rId2"/>
+                <a:stretch>
+                  <a:fillRect l="-1111" t="-1436"/>
+                </a:stretch>
+              </a:blipFill>
+            </p:spPr>
+            <p:txBody>
+              <a:bodyPr/>
+              <a:lstStyle/>
+              <a:p>
+                <a:r>
+                  <a:rPr lang="en-US">
+                    <a:noFill/>
+                  </a:rPr>
+                  <a:t> </a:t>
+                </a:r>
+              </a:p>
+            </p:txBody>
+          </p:sp>
+        </mc:Fallback>
+      </mc:AlternateContent>
       <p:pic>
         <p:nvPicPr>
           <p:cNvPr id="2" name="Picture 1" descr="../images/SamplingDistribuion.png"/>
@@ -16597,7 +17353,7 @@
           <p:nvPr/>
         </p:nvPicPr>
         <p:blipFill>
-          <a:blip r:embed="rId2"/>
+          <a:blip r:embed="rId3"/>
           <a:stretch>
             <a:fillRect/>
           </a:stretch>
@@ -16682,10 +17438,15 @@
             <p:ph idx="1"/>
           </p:nvPr>
         </p:nvSpPr>
-        <p:spPr/>
+        <p:spPr>
+          <a:xfrm>
+            <a:off x="457200" y="1200150"/>
+            <a:ext cx="8229600" cy="3784679"/>
+          </a:xfrm>
+        </p:spPr>
         <p:txBody>
           <a:bodyPr>
-            <a:normAutofit fontScale="70000" lnSpcReduction="20000"/>
+            <a:normAutofit fontScale="85000" lnSpcReduction="20000"/>
           </a:bodyPr>
           <a:lstStyle/>
           <a:p>
@@ -16906,7 +17667,12 @@
             <p:ph idx="1"/>
           </p:nvPr>
         </p:nvSpPr>
-        <p:spPr/>
+        <p:spPr>
+          <a:xfrm>
+            <a:off x="457199" y="1763210"/>
+            <a:ext cx="4840147" cy="2714336"/>
+          </a:xfrm>
+        </p:spPr>
         <p:txBody>
           <a:bodyPr/>
           <a:lstStyle/>
@@ -16920,7 +17686,9 @@
             </a:r>
           </a:p>
           <a:p>
-            <a:pPr lvl="0"/>
+            <a:pPr marL="0" lvl="0" indent="0">
+              <a:buNone/>
+            </a:pPr>
             <a:r>
               <a:rPr dirty="0"/>
               <a:t>The gradient is always perpendicular to the contours</a:t>
@@ -16944,8 +17712,8 @@
         </p:blipFill>
         <p:spPr bwMode="auto">
           <a:xfrm>
-            <a:off x="3098800" y="1193800"/>
-            <a:ext cx="2933700" cy="2882900"/>
+            <a:off x="5375760" y="865851"/>
+            <a:ext cx="3720414" cy="3655991"/>
           </a:xfrm>
           <a:prstGeom prst="rect">
             <a:avLst/>
@@ -16966,8 +17734,8 @@
         </p:nvSpPr>
         <p:spPr>
           <a:xfrm>
-            <a:off x="457200" y="4076700"/>
-            <a:ext cx="8229600" cy="508000"/>
+            <a:off x="5976797" y="4477545"/>
+            <a:ext cx="3119377" cy="508000"/>
           </a:xfrm>
           <a:prstGeom prst="rect">
             <a:avLst/>
@@ -16982,7 +17750,8 @@
               <a:buNone/>
             </a:pPr>
             <a:r>
-              <a:t>Gradient descent on countour plot of log-likelihood</a:t>
+              <a:rPr dirty="0"/>
+              <a:t>Gradient descent on contour plot of log-likelihood</a:t>
             </a:r>
           </a:p>
         </p:txBody>
@@ -17026,6 +17795,50 @@
           </a:p>
         </p:txBody>
       </p:sp>
+      <p:cxnSp>
+        <p:nvCxnSpPr>
+          <p:cNvPr id="6" name="Straight Arrow Connector 5">
+            <a:extLst>
+              <a:ext uri="{FF2B5EF4-FFF2-40B4-BE49-F238E27FC236}">
+                <a16:creationId xmlns:a16="http://schemas.microsoft.com/office/drawing/2014/main" id="{49576BDF-4605-15DB-5A57-87FA2B8DE7EB}"/>
+              </a:ext>
+            </a:extLst>
+          </p:cNvPr>
+          <p:cNvCxnSpPr>
+            <a:cxnSpLocks/>
+          </p:cNvCxnSpPr>
+          <p:nvPr/>
+        </p:nvCxnSpPr>
+        <p:spPr>
+          <a:xfrm flipV="1">
+            <a:off x="5112152" y="2947686"/>
+            <a:ext cx="2847372" cy="632749"/>
+          </a:xfrm>
+          <a:prstGeom prst="straightConnector1">
+            <a:avLst/>
+          </a:prstGeom>
+          <a:ln>
+            <a:solidFill>
+              <a:schemeClr val="accent6"/>
+            </a:solidFill>
+            <a:tailEnd type="triangle"/>
+          </a:ln>
+        </p:spPr>
+        <p:style>
+          <a:lnRef idx="2">
+            <a:schemeClr val="accent1"/>
+          </a:lnRef>
+          <a:fillRef idx="0">
+            <a:schemeClr val="accent1"/>
+          </a:fillRef>
+          <a:effectRef idx="1">
+            <a:schemeClr val="accent1"/>
+          </a:effectRef>
+          <a:fontRef idx="minor">
+            <a:schemeClr val="tx1"/>
+          </a:fontRef>
+        </p:style>
+      </p:cxnSp>
     </p:spTree>
   </p:cSld>
   <p:clrMapOvr>
@@ -17061,10 +17874,15 @@
             <p:ph idx="1"/>
           </p:nvPr>
         </p:nvSpPr>
-        <p:spPr/>
+        <p:spPr>
+          <a:xfrm>
+            <a:off x="457200" y="1063229"/>
+            <a:ext cx="8229600" cy="3874291"/>
+          </a:xfrm>
+        </p:spPr>
         <p:txBody>
           <a:bodyPr>
-            <a:normAutofit fontScale="62500" lnSpcReduction="20000"/>
+            <a:normAutofit fontScale="70000" lnSpcReduction="20000"/>
           </a:bodyPr>
           <a:lstStyle/>
           <a:p>
@@ -17093,9 +17911,6 @@
               <a:rPr b="1" dirty="0"/>
               <a:t>batch gradient descent</a:t>
             </a:r>
-            <a:br>
-              <a:rPr dirty="0"/>
-            </a:br>
             <a:endParaRPr dirty="0"/>
           </a:p>
           <a:p>
@@ -17126,10 +17941,6 @@
               <a:rPr dirty="0"/>
               <a:t>The mini-batch is a limited-size Bernoulli sample from the full set of cases</a:t>
             </a:r>
-            <a:br>
-              <a:rPr dirty="0"/>
-            </a:br>
-            <a:endParaRPr dirty="0"/>
           </a:p>
           <a:p>
             <a:pPr lvl="1"/>
@@ -17151,10 +17962,6 @@
               <a:rPr dirty="0"/>
               <a:t>While gradient estimates are less accurate, these estimates can be computed very quickly</a:t>
             </a:r>
-            <a:br>
-              <a:rPr dirty="0"/>
-            </a:br>
-            <a:endParaRPr dirty="0"/>
           </a:p>
           <a:p>
             <a:pPr lvl="1"/>
@@ -17162,10 +17969,6 @@
               <a:rPr dirty="0"/>
               <a:t>SGD is highly scalable and the workhorse of many large-scale statistical methods</a:t>
             </a:r>
-            <a:br>
-              <a:rPr dirty="0"/>
-            </a:br>
-            <a:endParaRPr dirty="0"/>
           </a:p>
           <a:p>
             <a:pPr lvl="1"/>
@@ -17263,7 +18066,7 @@
             <p:spPr/>
             <p:txBody>
               <a:bodyPr>
-                <a:normAutofit fontScale="62500" lnSpcReduction="20000"/>
+                <a:normAutofit fontScale="70000" lnSpcReduction="20000"/>
               </a:bodyPr>
               <a:lstStyle/>
               <a:p>
@@ -17271,15 +18074,15 @@
                   <a:buNone/>
                 </a:pPr>
                 <a:r>
-                  <a:rPr dirty="0"/>
+                  <a:rPr lang="en-US" dirty="0"/>
                   <a:t>The basic idea of stochastic optimization is using a Bernoulli random sample of the data to estimate the </a:t>
                 </a:r>
                 <a:r>
-                  <a:rPr b="1" dirty="0"/>
+                  <a:rPr lang="en-US" b="1" dirty="0"/>
                   <a:t>expected update</a:t>
                 </a:r>
                 <a:r>
-                  <a:rPr dirty="0"/>
+                  <a:rPr lang="en-US" dirty="0"/>
                   <a:t> of the model weights</a:t>
                 </a:r>
               </a:p>
@@ -17296,14 +18099,14 @@
                       <m:sSub>
                         <m:sSubPr>
                           <m:ctrlPr>
-                            <a:rPr>
+                            <a:rPr lang="ar-AE" i="1">
                               <a:latin typeface="Cambria Math" panose="02040503050406030204" pitchFamily="18" charset="0"/>
                             </a:rPr>
                           </m:ctrlPr>
                         </m:sSubPr>
                         <m:e>
                           <m:r>
-                            <a:rPr>
+                            <a:rPr lang="ar-AE">
                               <a:latin typeface="Cambria Math" panose="02040503050406030204" pitchFamily="18" charset="0"/>
                             </a:rPr>
                             <m:t>𝜃</m:t>
@@ -17311,19 +18114,19 @@
                         </m:e>
                         <m:sub>
                           <m:r>
-                            <a:rPr>
+                            <a:rPr lang="ar-AE">
                               <a:latin typeface="Cambria Math" panose="02040503050406030204" pitchFamily="18" charset="0"/>
                             </a:rPr>
                             <m:t>𝑡</m:t>
                           </m:r>
                           <m:r>
-                            <a:rPr>
+                            <a:rPr lang="ar-AE">
                               <a:latin typeface="Cambria Math" panose="02040503050406030204" pitchFamily="18" charset="0"/>
                             </a:rPr>
                             <m:t>+</m:t>
                           </m:r>
                           <m:r>
-                            <a:rPr>
+                            <a:rPr lang="ar-AE">
                               <a:latin typeface="Cambria Math" panose="02040503050406030204" pitchFamily="18" charset="0"/>
                             </a:rPr>
                             <m:t>1</m:t>
@@ -17331,7 +18134,7 @@
                         </m:sub>
                       </m:sSub>
                       <m:r>
-                        <a:rPr>
+                        <a:rPr lang="ar-AE">
                           <a:latin typeface="Cambria Math" panose="02040503050406030204" pitchFamily="18" charset="0"/>
                         </a:rPr>
                         <m:t>=</m:t>
@@ -17339,14 +18142,14 @@
                       <m:sSub>
                         <m:sSubPr>
                           <m:ctrlPr>
-                            <a:rPr i="1">
+                            <a:rPr lang="ar-AE" i="1">
                               <a:latin typeface="Cambria Math" panose="02040503050406030204" pitchFamily="18" charset="0"/>
                             </a:rPr>
                           </m:ctrlPr>
                         </m:sSubPr>
                         <m:e>
                           <m:r>
-                            <a:rPr>
+                            <a:rPr lang="ar-AE">
                               <a:latin typeface="Cambria Math" panose="02040503050406030204" pitchFamily="18" charset="0"/>
                             </a:rPr>
                             <m:t>𝜃</m:t>
@@ -17354,7 +18157,7 @@
                         </m:e>
                         <m:sub>
                           <m:r>
-                            <a:rPr>
+                            <a:rPr lang="ar-AE">
                               <a:latin typeface="Cambria Math" panose="02040503050406030204" pitchFamily="18" charset="0"/>
                             </a:rPr>
                             <m:t>𝑡</m:t>
@@ -17362,19 +18165,19 @@
                         </m:sub>
                       </m:sSub>
                       <m:r>
-                        <a:rPr>
+                        <a:rPr lang="ar-AE">
                           <a:latin typeface="Cambria Math" panose="02040503050406030204" pitchFamily="18" charset="0"/>
                         </a:rPr>
                         <m:t>+</m:t>
                       </m:r>
                       <m:r>
-                        <a:rPr>
+                        <a:rPr lang="ar-AE">
                           <a:latin typeface="Cambria Math" panose="02040503050406030204" pitchFamily="18" charset="0"/>
                         </a:rPr>
                         <m:t>𝛾</m:t>
                       </m:r>
                       <m:r>
-                        <a:rPr>
+                        <a:rPr lang="ar-AE">
                           <a:latin typeface="Cambria Math" panose="02040503050406030204" pitchFamily="18" charset="0"/>
                         </a:rPr>
                         <m:t> </m:t>
@@ -17382,14 +18185,14 @@
                       <m:sSub>
                         <m:sSubPr>
                           <m:ctrlPr>
-                            <a:rPr i="1">
+                            <a:rPr lang="ar-AE" i="1">
                               <a:latin typeface="Cambria Math" panose="02040503050406030204" pitchFamily="18" charset="0"/>
                             </a:rPr>
                           </m:ctrlPr>
                         </m:sSubPr>
                         <m:e>
                           <m:r>
-                            <a:rPr>
+                            <a:rPr lang="ar-AE">
                               <a:latin typeface="Cambria Math" panose="02040503050406030204" pitchFamily="18" charset="0"/>
                             </a:rPr>
                             <m:t>𝐸</m:t>
@@ -17400,14 +18203,14 @@
                             <m:accPr>
                               <m:chr m:val="̂"/>
                               <m:ctrlPr>
-                                <a:rPr i="1">
+                                <a:rPr lang="ar-AE" i="1">
                                   <a:latin typeface="Cambria Math" panose="02040503050406030204" pitchFamily="18" charset="0"/>
                                 </a:rPr>
                               </m:ctrlPr>
                             </m:accPr>
                             <m:e>
                               <m:r>
-                                <a:rPr>
+                                <a:rPr lang="ar-AE">
                                   <a:latin typeface="Cambria Math" panose="02040503050406030204" pitchFamily="18" charset="0"/>
                                 </a:rPr>
                                 <m:t>𝑝</m:t>
@@ -17415,7 +18218,7 @@
                             </m:e>
                           </m:acc>
                           <m:r>
-                            <a:rPr>
+                            <a:rPr lang="ar-AE">
                               <a:latin typeface="Cambria Math" panose="02040503050406030204" pitchFamily="18" charset="0"/>
                             </a:rPr>
                             <m:t>𝑑𝑎𝑡𝑎</m:t>
@@ -17427,7 +18230,7 @@
                           <m:begChr m:val="["/>
                           <m:endChr m:val="]"/>
                           <m:ctrlPr>
-                            <a:rPr i="1">
+                            <a:rPr lang="ar-AE" i="1">
                               <a:latin typeface="Cambria Math" panose="02040503050406030204" pitchFamily="18" charset="0"/>
                             </a:rPr>
                           </m:ctrlPr>
@@ -17436,7 +18239,7 @@
                           <m:sSub>
                             <m:sSubPr>
                               <m:ctrlPr>
-                                <a:rPr i="1">
+                                <a:rPr lang="ar-AE" i="1">
                                   <a:latin typeface="Cambria Math" panose="02040503050406030204" pitchFamily="18" charset="0"/>
                                 </a:rPr>
                               </m:ctrlPr>
@@ -17446,7 +18249,7 @@
                                 <m:rPr>
                                   <m:sty m:val="p"/>
                                 </m:rPr>
-                                <a:rPr>
+                                <a:rPr lang="ar-AE">
                                   <a:latin typeface="Cambria Math" panose="02040503050406030204" pitchFamily="18" charset="0"/>
                                 </a:rPr>
                                 <m:t>∇</m:t>
@@ -17454,7 +18257,7 @@
                             </m:e>
                             <m:sub>
                               <m:r>
-                                <a:rPr>
+                                <a:rPr lang="ar-AE">
                                   <a:latin typeface="Cambria Math" panose="02040503050406030204" pitchFamily="18" charset="0"/>
                                 </a:rPr>
                                 <m:t>𝜃</m:t>
@@ -17462,7 +18265,7 @@
                             </m:sub>
                           </m:sSub>
                           <m:r>
-                            <a:rPr>
+                            <a:rPr lang="ar-AE">
                               <a:latin typeface="Cambria Math" panose="02040503050406030204" pitchFamily="18" charset="0"/>
                             </a:rPr>
                             <m:t>𝐽</m:t>
@@ -17470,7 +18273,7 @@
                           <m:d>
                             <m:dPr>
                               <m:ctrlPr>
-                                <a:rPr i="1">
+                                <a:rPr lang="ar-AE" i="1">
                                   <a:latin typeface="Cambria Math" panose="02040503050406030204" pitchFamily="18" charset="0"/>
                                 </a:rPr>
                               </m:ctrlPr>
@@ -17479,14 +18282,14 @@
                               <m:sSub>
                                 <m:sSubPr>
                                   <m:ctrlPr>
-                                    <a:rPr i="1">
+                                    <a:rPr lang="ar-AE" i="1">
                                       <a:latin typeface="Cambria Math" panose="02040503050406030204" pitchFamily="18" charset="0"/>
                                     </a:rPr>
                                   </m:ctrlPr>
                                 </m:sSubPr>
                                 <m:e>
                                   <m:r>
-                                    <a:rPr>
+                                    <a:rPr lang="ar-AE">
                                       <a:latin typeface="Cambria Math" panose="02040503050406030204" pitchFamily="18" charset="0"/>
                                     </a:rPr>
                                     <m:t>𝜃</m:t>
@@ -17494,7 +18297,7 @@
                                 </m:e>
                                 <m:sub>
                                   <m:r>
-                                    <a:rPr>
+                                    <a:rPr lang="ar-AE">
                                       <a:latin typeface="Cambria Math" panose="02040503050406030204" pitchFamily="18" charset="0"/>
                                     </a:rPr>
                                     <m:t>𝑡</m:t>
@@ -17508,14 +18311,14 @@
                     </m:oMath>
                   </m:oMathPara>
                 </a14:m>
-                <a:endParaRPr dirty="0"/>
+                <a:endParaRPr lang="ar-AE" dirty="0"/>
               </a:p>
               <a:p>
                 <a:pPr marL="0" lvl="0" indent="0">
                   <a:buNone/>
                 </a:pPr>
                 <a:r>
-                  <a:rPr dirty="0"/>
+                  <a:rPr lang="en-US" dirty="0"/>
                   <a:t>where, </a:t>
                 </a:r>
                 <a14:m>
@@ -17523,14 +18326,14 @@
                     <m:sSub>
                       <m:sSubPr>
                         <m:ctrlPr>
-                          <a:rPr>
+                          <a:rPr lang="ar-AE" i="1">
                             <a:latin typeface="Cambria Math" panose="02040503050406030204" pitchFamily="18" charset="0"/>
                           </a:rPr>
                         </m:ctrlPr>
                       </m:sSubPr>
                       <m:e>
                         <m:r>
-                          <a:rPr>
+                          <a:rPr lang="ar-AE">
                             <a:latin typeface="Cambria Math" panose="02040503050406030204" pitchFamily="18" charset="0"/>
                           </a:rPr>
                           <m:t>𝐸</m:t>
@@ -17541,14 +18344,14 @@
                           <m:accPr>
                             <m:chr m:val="̂"/>
                             <m:ctrlPr>
-                              <a:rPr i="1">
+                              <a:rPr lang="ar-AE" i="1">
                                 <a:latin typeface="Cambria Math" panose="02040503050406030204" pitchFamily="18" charset="0"/>
                               </a:rPr>
                             </m:ctrlPr>
                           </m:accPr>
                           <m:e>
                             <m:r>
-                              <a:rPr>
+                              <a:rPr lang="ar-AE">
                                 <a:latin typeface="Cambria Math" panose="02040503050406030204" pitchFamily="18" charset="0"/>
                               </a:rPr>
                               <m:t>𝑝</m:t>
@@ -17556,7 +18359,7 @@
                           </m:e>
                         </m:acc>
                         <m:r>
-                          <a:rPr>
+                          <a:rPr lang="ar-AE">
                             <a:latin typeface="Cambria Math" panose="02040503050406030204" pitchFamily="18" charset="0"/>
                           </a:rPr>
                           <m:t>𝑑𝑎𝑡𝑎</m:t>
@@ -17568,18 +18371,35 @@
                         <m:begChr m:val="["/>
                         <m:endChr m:val="]"/>
                         <m:ctrlPr>
-                          <a:rPr i="1">
+                          <a:rPr lang="ar-AE" i="1">
                             <a:latin typeface="Cambria Math" panose="02040503050406030204" pitchFamily="18" charset="0"/>
                           </a:rPr>
                         </m:ctrlPr>
                       </m:dPr>
-                      <m:e/>
+                      <m:e>
+                        <m:r>
+                          <a:rPr lang="ar-AE" b="0" i="1" smtClean="0">
+                            <a:latin typeface="Cambria Math" panose="02040503050406030204" pitchFamily="18" charset="0"/>
+                          </a:rPr>
+                          <m:t> </m:t>
+                        </m:r>
+                        <m:r>
+                          <a:rPr lang="en-US" b="0" i="1" smtClean="0">
+                            <a:latin typeface="Cambria Math" panose="02040503050406030204" pitchFamily="18" charset="0"/>
+                          </a:rPr>
+                          <m:t> </m:t>
+                        </m:r>
+                      </m:e>
                     </m:d>
                   </m:oMath>
                 </a14:m>
                 <a:r>
-                  <a:rPr dirty="0"/>
-                  <a:t> is the expected value of the gradient given the Bernoulli sample of the data </a:t>
+                  <a:rPr lang="ar-AE" dirty="0"/>
+                  <a:t> </a:t>
+                </a:r>
+                <a:r>
+                  <a:rPr lang="en-US" dirty="0"/>
+                  <a:t>is the expected value of the gradient given the Bernoulli sample of the data </a:t>
                 </a:r>
                 <a14:m>
                   <m:oMath xmlns:m="http://schemas.openxmlformats.org/officeDocument/2006/math">
@@ -17587,14 +18407,14 @@
                       <m:accPr>
                         <m:chr m:val="̂"/>
                         <m:ctrlPr>
-                          <a:rPr>
+                          <a:rPr lang="ar-AE" i="1">
                             <a:latin typeface="Cambria Math" panose="02040503050406030204" pitchFamily="18" charset="0"/>
                           </a:rPr>
                         </m:ctrlPr>
                       </m:accPr>
                       <m:e>
                         <m:r>
-                          <a:rPr>
+                          <a:rPr lang="ar-AE">
                             <a:latin typeface="Cambria Math" panose="02040503050406030204" pitchFamily="18" charset="0"/>
                           </a:rPr>
                           <m:t>𝑝</m:t>
@@ -17602,7 +18422,7 @@
                       </m:e>
                     </m:acc>
                     <m:r>
-                      <a:rPr>
+                      <a:rPr lang="ar-AE">
                         <a:latin typeface="Cambria Math" panose="02040503050406030204" pitchFamily="18" charset="0"/>
                       </a:rPr>
                       <m:t>𝑑𝑎𝑡𝑎</m:t>
@@ -17610,59 +18430,52 @@
                   </m:oMath>
                 </a14:m>
                 <a:r>
-                  <a:rPr dirty="0"/>
+                  <a:rPr lang="ar-AE" dirty="0"/>
                   <a:t>.</a:t>
                 </a:r>
               </a:p>
               <a:p>
                 <a:pPr lvl="0"/>
                 <a:r>
-                  <a:rPr dirty="0"/>
+                  <a:rPr lang="en-US" dirty="0"/>
                   <a:t>Choosing batch size can require some tuning</a:t>
                 </a:r>
               </a:p>
               <a:p>
                 <a:pPr lvl="1"/>
                 <a:r>
-                  <a:rPr dirty="0"/>
+                  <a:rPr lang="en-US" dirty="0"/>
                   <a:t>If the batch is too small, the gradient estimate will be and, hardware resources may not be fully utilized</a:t>
                 </a:r>
-                <a:br>
-                  <a:rPr dirty="0"/>
-                </a:br>
-                <a:endParaRPr dirty="0"/>
               </a:p>
               <a:p>
                 <a:pPr lvl="1"/>
                 <a:r>
-                  <a:rPr dirty="0"/>
+                  <a:rPr lang="en-US" dirty="0"/>
                   <a:t>Large batches require significant memory and slow the calculation</a:t>
                 </a:r>
               </a:p>
               <a:p>
                 <a:pPr lvl="0"/>
                 <a:r>
-                  <a:rPr dirty="0"/>
+                  <a:rPr lang="en-US" dirty="0"/>
                   <a:t>Empirically, SGD has good convergence properties</a:t>
                 </a:r>
               </a:p>
               <a:p>
                 <a:pPr lvl="1"/>
                 <a:r>
-                  <a:rPr dirty="0"/>
+                  <a:rPr lang="en-US" dirty="0"/>
                   <a:t>This behavior arises since stochastic gradient samples provide a better exploration of the loss function space</a:t>
                 </a:r>
-                <a:br>
-                  <a:rPr dirty="0"/>
-                </a:br>
-                <a:endParaRPr dirty="0"/>
               </a:p>
               <a:p>
                 <a:pPr lvl="1"/>
                 <a:r>
-                  <a:rPr dirty="0"/>
+                  <a:rPr lang="en-US" dirty="0"/>
                   <a:t>For very large data sets, the SGD algorithm often converges before the first pass through the data is completed</a:t>
                 </a:r>
+                <a:endParaRPr dirty="0"/>
               </a:p>
             </p:txBody>
           </p:sp>
@@ -17682,7 +18495,7 @@
               <a:blipFill>
                 <a:blip r:embed="rId2"/>
                 <a:stretch>
-                  <a:fillRect l="-296" t="-1436"/>
+                  <a:fillRect l="-444" t="-1975" r="-667"/>
                 </a:stretch>
               </a:blipFill>
             </p:spPr>
@@ -17775,10 +18588,15 @@
             <p:ph idx="1"/>
           </p:nvPr>
         </p:nvSpPr>
-        <p:spPr/>
+        <p:spPr>
+          <a:xfrm>
+            <a:off x="457200" y="1063230"/>
+            <a:ext cx="8229600" cy="3874292"/>
+          </a:xfrm>
+        </p:spPr>
         <p:txBody>
           <a:bodyPr>
-            <a:normAutofit fontScale="47500" lnSpcReduction="20000"/>
+            <a:normAutofit fontScale="62500" lnSpcReduction="20000"/>
           </a:bodyPr>
           <a:lstStyle/>
           <a:p>
@@ -17811,19 +18629,7 @@
                 <a:latin typeface="Courier"/>
               </a:rPr>
               <a:t>
-</a:t>
-            </a:r>
-            <a:r>
-              <a:rPr dirty="0" err="1">
-                <a:latin typeface="Courier"/>
-              </a:rPr>
-              <a:t>proceedure</a:t>
-            </a:r>
-            <a:r>
-              <a:rPr dirty="0">
-                <a:latin typeface="Courier"/>
-              </a:rPr>
-              <a:t> </a:t>
+procedure </a:t>
             </a:r>
             <a:r>
               <a:rPr dirty="0" err="1">
@@ -17863,19 +18669,7 @@
               </a:rPr>
               <a:t>, observations)
   return grad
-</a:t>
-            </a:r>
-            <a:r>
-              <a:rPr dirty="0" err="1">
-                <a:latin typeface="Courier"/>
-              </a:rPr>
-              <a:t>proceedure</a:t>
-            </a:r>
-            <a:r>
-              <a:rPr dirty="0">
-                <a:latin typeface="Courier"/>
-              </a:rPr>
-              <a:t> </a:t>
+procedure </a:t>
             </a:r>
             <a:r>
               <a:rPr dirty="0" err="1">
@@ -17987,10 +18781,6 @@
               <a:rPr dirty="0"/>
               <a:t>If the sampling continues for more than one cycle through the cases, the samples are biased</a:t>
             </a:r>
-            <a:br>
-              <a:rPr dirty="0"/>
-            </a:br>
-            <a:endParaRPr dirty="0"/>
           </a:p>
           <a:p>
             <a:pPr lvl="0"/>
@@ -18035,15 +18825,7 @@
             </a:pPr>
             <a:r>
               <a:rPr lang="en-US" b="1" dirty="0"/>
-              <a:t>Stochastic </a:t>
-            </a:r>
-            <a:r>
-              <a:rPr lang="en-US" b="1" dirty="0" err="1"/>
-              <a:t>gadient</a:t>
-            </a:r>
-            <a:r>
-              <a:rPr lang="en-US" b="1" dirty="0"/>
-              <a:t> descent (SGD)</a:t>
+              <a:t>Stochastic gradient descent (SGD)</a:t>
             </a:r>
           </a:p>
         </p:txBody>
@@ -18085,10 +18867,15 @@
                 <p:ph idx="1"/>
               </p:nvPr>
             </p:nvSpPr>
-            <p:spPr/>
+            <p:spPr>
+              <a:xfrm>
+                <a:off x="457200" y="1115028"/>
+                <a:ext cx="8229600" cy="3877519"/>
+              </a:xfrm>
+            </p:spPr>
             <p:txBody>
               <a:bodyPr>
-                <a:normAutofit fontScale="70000" lnSpcReduction="20000"/>
+                <a:normAutofit fontScale="85000" lnSpcReduction="20000"/>
               </a:bodyPr>
               <a:lstStyle/>
               <a:p>
@@ -18168,7 +18955,7 @@
                     <m:sSub>
                       <m:sSubPr>
                         <m:ctrlPr>
-                          <a:rPr>
+                          <a:rPr i="1">
                             <a:latin typeface="Cambria Math" panose="02040503050406030204" pitchFamily="18" charset="0"/>
                           </a:rPr>
                         </m:ctrlPr>
@@ -18691,10 +19478,14 @@
               </p:nvPr>
             </p:nvSpPr>
             <p:spPr>
+              <a:xfrm>
+                <a:off x="457200" y="1115028"/>
+                <a:ext cx="8229600" cy="3877519"/>
+              </a:xfrm>
               <a:blipFill>
                 <a:blip r:embed="rId2"/>
                 <a:stretch>
-                  <a:fillRect l="-444" t="-1975"/>
+                  <a:fillRect l="-741" t="-2358"/>
                 </a:stretch>
               </a:blipFill>
             </p:spPr>
@@ -18794,7 +19585,12 @@
                 <p:ph idx="1"/>
               </p:nvPr>
             </p:nvSpPr>
-            <p:spPr/>
+            <p:spPr>
+              <a:xfrm>
+                <a:off x="457200" y="1200150"/>
+                <a:ext cx="8229600" cy="3607201"/>
+              </a:xfrm>
+            </p:spPr>
             <p:txBody>
               <a:bodyPr>
                 <a:normAutofit fontScale="70000" lnSpcReduction="20000"/>
@@ -18805,19 +19601,19 @@
                   <a:buNone/>
                 </a:pPr>
                 <a:r>
-                  <a:rPr b="1" dirty="0"/>
+                  <a:rPr lang="en-US" b="1" dirty="0"/>
                   <a:t>Newton’s method</a:t>
                 </a:r>
                 <a:r>
-                  <a:rPr dirty="0"/>
+                  <a:rPr lang="en-US" dirty="0"/>
                   <a:t>, and related methods, employ a </a:t>
                 </a:r>
                 <a:r>
-                  <a:rPr b="1" dirty="0"/>
+                  <a:rPr lang="en-US" b="1" dirty="0"/>
                   <a:t>quadratic approximation</a:t>
                 </a:r>
                 <a:r>
-                  <a:rPr dirty="0"/>
+                  <a:rPr lang="en-US" dirty="0"/>
                   <a:t> to optimization. For MLE, Newton’s method uses both the first and second derivatives of the log-likelihood function.</a:t>
                 </a:r>
               </a:p>
@@ -18826,13 +19622,13 @@
                   <a:buNone/>
                 </a:pPr>
                 <a:r>
-                  <a:rPr dirty="0"/>
+                  <a:rPr lang="en-US" dirty="0"/>
                   <a:t>Consider a nonlinear log-likelihood function, </a:t>
                 </a:r>
                 <a14:m>
                   <m:oMath xmlns:m="http://schemas.openxmlformats.org/officeDocument/2006/math">
                     <m:r>
-                      <a:rPr>
+                      <a:rPr lang="en-US">
                         <a:latin typeface="Cambria Math" panose="02040503050406030204" pitchFamily="18" charset="0"/>
                       </a:rPr>
                       <m:t>𝑙</m:t>
@@ -18840,26 +19636,26 @@
                     <m:d>
                       <m:dPr>
                         <m:ctrlPr>
-                          <a:rPr i="1">
+                          <a:rPr lang="ar-AE" i="1">
                             <a:latin typeface="Cambria Math" panose="02040503050406030204" pitchFamily="18" charset="0"/>
                           </a:rPr>
                         </m:ctrlPr>
                       </m:dPr>
                       <m:e>
                         <m:r>
-                          <a:rPr>
+                          <a:rPr lang="ar-AE">
                             <a:latin typeface="Cambria Math" panose="02040503050406030204" pitchFamily="18" charset="0"/>
                           </a:rPr>
                           <m:t>𝜃</m:t>
                         </m:r>
                         <m:r>
-                          <a:rPr>
+                          <a:rPr lang="ar-AE">
                             <a:latin typeface="Cambria Math" panose="02040503050406030204" pitchFamily="18" charset="0"/>
                           </a:rPr>
                           <m:t> |</m:t>
                         </m:r>
                         <m:r>
-                          <a:rPr>
+                          <a:rPr lang="ar-AE">
                             <a:latin typeface="Cambria Math" panose="02040503050406030204" pitchFamily="18" charset="0"/>
                           </a:rPr>
                           <m:t>𝐗</m:t>
@@ -18869,22 +19665,26 @@
                   </m:oMath>
                 </a14:m>
                 <a:r>
-                  <a:rPr dirty="0"/>
-                  <a:t>. We use a Taylor expansion to find the tangent point of the log-likelihood, </a:t>
+                  <a:rPr lang="ar-AE" dirty="0"/>
+                  <a:t>. </a:t>
+                </a:r>
+                <a:r>
+                  <a:rPr lang="en-US" dirty="0"/>
+                  <a:t>We use a Taylor expansion to find the tangent point of the log-likelihood, </a:t>
                 </a:r>
                 <a14:m>
                   <m:oMath xmlns:m="http://schemas.openxmlformats.org/officeDocument/2006/math">
                     <m:sSub>
                       <m:sSubPr>
                         <m:ctrlPr>
-                          <a:rPr>
+                          <a:rPr lang="ar-AE" i="1">
                             <a:latin typeface="Cambria Math" panose="02040503050406030204" pitchFamily="18" charset="0"/>
                           </a:rPr>
                         </m:ctrlPr>
                       </m:sSubPr>
                       <m:e>
                         <m:r>
-                          <a:rPr>
+                          <a:rPr lang="ar-AE">
                             <a:latin typeface="Cambria Math" panose="02040503050406030204" pitchFamily="18" charset="0"/>
                           </a:rPr>
                           <m:t>𝜃</m:t>
@@ -18892,7 +19692,7 @@
                       </m:e>
                       <m:sub>
                         <m:r>
-                          <a:rPr>
+                          <a:rPr lang="ar-AE">
                             <a:latin typeface="Cambria Math" panose="02040503050406030204" pitchFamily="18" charset="0"/>
                           </a:rPr>
                           <m:t>𝑛</m:t>
@@ -18900,7 +19700,7 @@
                       </m:sub>
                     </m:sSub>
                     <m:r>
-                      <a:rPr>
+                      <a:rPr lang="ar-AE">
                         <a:latin typeface="Cambria Math" panose="02040503050406030204" pitchFamily="18" charset="0"/>
                       </a:rPr>
                       <m:t>=</m:t>
@@ -18908,14 +19708,14 @@
                     <m:sSub>
                       <m:sSubPr>
                         <m:ctrlPr>
-                          <a:rPr i="1">
+                          <a:rPr lang="ar-AE" i="1">
                             <a:latin typeface="Cambria Math" panose="02040503050406030204" pitchFamily="18" charset="0"/>
                           </a:rPr>
                         </m:ctrlPr>
                       </m:sSubPr>
                       <m:e>
                         <m:r>
-                          <a:rPr>
+                          <a:rPr lang="ar-AE">
                             <a:latin typeface="Cambria Math" panose="02040503050406030204" pitchFamily="18" charset="0"/>
                           </a:rPr>
                           <m:t>𝜃</m:t>
@@ -18923,7 +19723,7 @@
                       </m:e>
                       <m:sub>
                         <m:r>
-                          <a:rPr>
+                          <a:rPr lang="ar-AE">
                             <a:latin typeface="Cambria Math" panose="02040503050406030204" pitchFamily="18" charset="0"/>
                           </a:rPr>
                           <m:t>𝑘</m:t>
@@ -18931,13 +19731,13 @@
                       </m:sub>
                     </m:sSub>
                     <m:r>
-                      <a:rPr>
+                      <a:rPr lang="ar-AE">
                         <a:latin typeface="Cambria Math" panose="02040503050406030204" pitchFamily="18" charset="0"/>
                       </a:rPr>
                       <m:t>+</m:t>
                     </m:r>
                     <m:r>
-                      <a:rPr>
+                      <a:rPr lang="ar-AE">
                         <a:latin typeface="Cambria Math" panose="02040503050406030204" pitchFamily="18" charset="0"/>
                       </a:rPr>
                       <m:t>𝛿𝜃</m:t>
@@ -18945,8 +19745,12 @@
                   </m:oMath>
                 </a14:m>
                 <a:r>
-                  <a:rPr dirty="0"/>
-                  <a:t>. The Taylor expansion is:</a:t>
+                  <a:rPr lang="ar-AE" dirty="0"/>
+                  <a:t>. </a:t>
+                </a:r>
+                <a:r>
+                  <a:rPr lang="en-US" dirty="0"/>
+                  <a:t>The Taylor expansion is:</a:t>
                 </a:r>
               </a:p>
               <a:p>
@@ -18960,7 +19764,7 @@
                     </m:oMathParaPr>
                     <m:oMath xmlns:m="http://schemas.openxmlformats.org/officeDocument/2006/math">
                       <m:r>
-                        <a:rPr>
+                        <a:rPr lang="en-US">
                           <a:latin typeface="Cambria Math" panose="02040503050406030204" pitchFamily="18" charset="0"/>
                         </a:rPr>
                         <m:t>𝑙</m:t>
@@ -18968,7 +19772,7 @@
                       <m:d>
                         <m:dPr>
                           <m:ctrlPr>
-                            <a:rPr i="1">
+                            <a:rPr lang="ar-AE" i="1">
                               <a:latin typeface="Cambria Math" panose="02040503050406030204" pitchFamily="18" charset="0"/>
                             </a:rPr>
                           </m:ctrlPr>
@@ -18977,14 +19781,14 @@
                           <m:sSub>
                             <m:sSubPr>
                               <m:ctrlPr>
-                                <a:rPr i="1">
+                                <a:rPr lang="ar-AE" i="1">
                                   <a:latin typeface="Cambria Math" panose="02040503050406030204" pitchFamily="18" charset="0"/>
                                 </a:rPr>
                               </m:ctrlPr>
                             </m:sSubPr>
                             <m:e>
                               <m:r>
-                                <a:rPr>
+                                <a:rPr lang="ar-AE">
                                   <a:latin typeface="Cambria Math" panose="02040503050406030204" pitchFamily="18" charset="0"/>
                                 </a:rPr>
                                 <m:t>𝜃</m:t>
@@ -18992,7 +19796,7 @@
                             </m:e>
                             <m:sub>
                               <m:r>
-                                <a:rPr>
+                                <a:rPr lang="ar-AE">
                                   <a:latin typeface="Cambria Math" panose="02040503050406030204" pitchFamily="18" charset="0"/>
                                 </a:rPr>
                                 <m:t>𝑘</m:t>
@@ -19000,13 +19804,13 @@
                             </m:sub>
                           </m:sSub>
                           <m:r>
-                            <a:rPr>
+                            <a:rPr lang="ar-AE">
                               <a:latin typeface="Cambria Math" panose="02040503050406030204" pitchFamily="18" charset="0"/>
                             </a:rPr>
                             <m:t>+</m:t>
                           </m:r>
                           <m:r>
-                            <a:rPr>
+                            <a:rPr lang="ar-AE">
                               <a:latin typeface="Cambria Math" panose="02040503050406030204" pitchFamily="18" charset="0"/>
                             </a:rPr>
                             <m:t>𝛿𝜃</m:t>
@@ -19014,13 +19818,13 @@
                         </m:e>
                       </m:d>
                       <m:r>
-                        <a:rPr>
+                        <a:rPr lang="ar-AE">
                           <a:latin typeface="Cambria Math" panose="02040503050406030204" pitchFamily="18" charset="0"/>
                         </a:rPr>
                         <m:t>=</m:t>
                       </m:r>
                       <m:r>
-                        <a:rPr>
+                        <a:rPr lang="ar-AE">
                           <a:latin typeface="Cambria Math" panose="02040503050406030204" pitchFamily="18" charset="0"/>
                         </a:rPr>
                         <m:t>𝑙</m:t>
@@ -19028,7 +19832,7 @@
                       <m:d>
                         <m:dPr>
                           <m:ctrlPr>
-                            <a:rPr i="1">
+                            <a:rPr lang="ar-AE" i="1">
                               <a:latin typeface="Cambria Math" panose="02040503050406030204" pitchFamily="18" charset="0"/>
                             </a:rPr>
                           </m:ctrlPr>
@@ -19037,14 +19841,14 @@
                           <m:sSub>
                             <m:sSubPr>
                               <m:ctrlPr>
-                                <a:rPr i="1">
+                                <a:rPr lang="ar-AE" i="1">
                                   <a:latin typeface="Cambria Math" panose="02040503050406030204" pitchFamily="18" charset="0"/>
                                 </a:rPr>
                               </m:ctrlPr>
                             </m:sSubPr>
                             <m:e>
                               <m:r>
-                                <a:rPr>
+                                <a:rPr lang="ar-AE">
                                   <a:latin typeface="Cambria Math" panose="02040503050406030204" pitchFamily="18" charset="0"/>
                                 </a:rPr>
                                 <m:t>𝜃</m:t>
@@ -19052,7 +19856,7 @@
                             </m:e>
                             <m:sub>
                               <m:r>
-                                <a:rPr>
+                                <a:rPr lang="ar-AE">
                                   <a:latin typeface="Cambria Math" panose="02040503050406030204" pitchFamily="18" charset="0"/>
                                 </a:rPr>
                                 <m:t>𝑘</m:t>
@@ -19062,19 +19866,19 @@
                         </m:e>
                       </m:d>
                       <m:r>
-                        <a:rPr>
+                        <a:rPr lang="ar-AE">
                           <a:latin typeface="Cambria Math" panose="02040503050406030204" pitchFamily="18" charset="0"/>
                         </a:rPr>
                         <m:t>+</m:t>
                       </m:r>
                       <m:r>
-                        <a:rPr>
+                        <a:rPr lang="ar-AE">
                           <a:latin typeface="Cambria Math" panose="02040503050406030204" pitchFamily="18" charset="0"/>
                         </a:rPr>
                         <m:t>𝑙</m:t>
                       </m:r>
                       <m:r>
-                        <a:rPr>
+                        <a:rPr lang="ar-AE">
                           <a:latin typeface="Cambria Math" panose="02040503050406030204" pitchFamily="18" charset="0"/>
                         </a:rPr>
                         <m:t>′</m:t>
@@ -19082,7 +19886,7 @@
                       <m:d>
                         <m:dPr>
                           <m:ctrlPr>
-                            <a:rPr i="1">
+                            <a:rPr lang="ar-AE" i="1">
                               <a:latin typeface="Cambria Math" panose="02040503050406030204" pitchFamily="18" charset="0"/>
                             </a:rPr>
                           </m:ctrlPr>
@@ -19091,14 +19895,14 @@
                           <m:sSub>
                             <m:sSubPr>
                               <m:ctrlPr>
-                                <a:rPr i="1">
+                                <a:rPr lang="ar-AE" i="1">
                                   <a:latin typeface="Cambria Math" panose="02040503050406030204" pitchFamily="18" charset="0"/>
                                 </a:rPr>
                               </m:ctrlPr>
                             </m:sSubPr>
                             <m:e>
                               <m:r>
-                                <a:rPr>
+                                <a:rPr lang="ar-AE">
                                   <a:latin typeface="Cambria Math" panose="02040503050406030204" pitchFamily="18" charset="0"/>
                                 </a:rPr>
                                 <m:t>𝜃</m:t>
@@ -19106,7 +19910,7 @@
                             </m:e>
                             <m:sub>
                               <m:r>
-                                <a:rPr>
+                                <a:rPr lang="ar-AE">
                                   <a:latin typeface="Cambria Math" panose="02040503050406030204" pitchFamily="18" charset="0"/>
                                 </a:rPr>
                                 <m:t>𝑘</m:t>
@@ -19116,13 +19920,13 @@
                         </m:e>
                       </m:d>
                       <m:r>
-                        <a:rPr>
+                        <a:rPr lang="ar-AE">
                           <a:latin typeface="Cambria Math" panose="02040503050406030204" pitchFamily="18" charset="0"/>
                         </a:rPr>
                         <m:t>𝛿𝜃</m:t>
                       </m:r>
                       <m:r>
-                        <a:rPr>
+                        <a:rPr lang="ar-AE">
                           <a:latin typeface="Cambria Math" panose="02040503050406030204" pitchFamily="18" charset="0"/>
                         </a:rPr>
                         <m:t>+</m:t>
@@ -19130,14 +19934,14 @@
                       <m:f>
                         <m:fPr>
                           <m:ctrlPr>
-                            <a:rPr i="1">
+                            <a:rPr lang="ar-AE" i="1">
                               <a:latin typeface="Cambria Math" panose="02040503050406030204" pitchFamily="18" charset="0"/>
                             </a:rPr>
                           </m:ctrlPr>
                         </m:fPr>
                         <m:num>
                           <m:r>
-                            <a:rPr>
+                            <a:rPr lang="ar-AE">
                               <a:latin typeface="Cambria Math" panose="02040503050406030204" pitchFamily="18" charset="0"/>
                             </a:rPr>
                             <m:t>1</m:t>
@@ -19145,7 +19949,7 @@
                         </m:num>
                         <m:den>
                           <m:r>
-                            <a:rPr>
+                            <a:rPr lang="ar-AE">
                               <a:latin typeface="Cambria Math" panose="02040503050406030204" pitchFamily="18" charset="0"/>
                             </a:rPr>
                             <m:t>2</m:t>
@@ -19153,13 +19957,13 @@
                         </m:den>
                       </m:f>
                       <m:r>
-                        <a:rPr>
+                        <a:rPr lang="ar-AE">
                           <a:latin typeface="Cambria Math" panose="02040503050406030204" pitchFamily="18" charset="0"/>
                         </a:rPr>
                         <m:t>𝑙</m:t>
                       </m:r>
                       <m:r>
-                        <a:rPr>
+                        <a:rPr lang="ar-AE">
                           <a:latin typeface="Cambria Math" panose="02040503050406030204" pitchFamily="18" charset="0"/>
                         </a:rPr>
                         <m:t>″</m:t>
@@ -19167,7 +19971,7 @@
                       <m:d>
                         <m:dPr>
                           <m:ctrlPr>
-                            <a:rPr i="1">
+                            <a:rPr lang="ar-AE" i="1">
                               <a:latin typeface="Cambria Math" panose="02040503050406030204" pitchFamily="18" charset="0"/>
                             </a:rPr>
                           </m:ctrlPr>
@@ -19176,14 +19980,14 @@
                           <m:sSub>
                             <m:sSubPr>
                               <m:ctrlPr>
-                                <a:rPr i="1">
+                                <a:rPr lang="ar-AE" i="1">
                                   <a:latin typeface="Cambria Math" panose="02040503050406030204" pitchFamily="18" charset="0"/>
                                 </a:rPr>
                               </m:ctrlPr>
                             </m:sSubPr>
                             <m:e>
                               <m:r>
-                                <a:rPr>
+                                <a:rPr lang="ar-AE">
                                   <a:latin typeface="Cambria Math" panose="02040503050406030204" pitchFamily="18" charset="0"/>
                                 </a:rPr>
                                 <m:t>𝜃</m:t>
@@ -19191,7 +19995,7 @@
                             </m:e>
                             <m:sub>
                               <m:r>
-                                <a:rPr>
+                                <a:rPr lang="ar-AE">
                                   <a:latin typeface="Cambria Math" panose="02040503050406030204" pitchFamily="18" charset="0"/>
                                 </a:rPr>
                                 <m:t>𝑘</m:t>
@@ -19201,22 +20005,47 @@
                         </m:e>
                       </m:d>
                       <m:r>
-                        <a:rPr>
+                        <a:rPr lang="ar-AE">
                           <a:latin typeface="Cambria Math" panose="02040503050406030204" pitchFamily="18" charset="0"/>
                         </a:rPr>
-                        <m:t>𝛿𝜃</m:t>
+                        <m:t>𝛿</m:t>
                       </m:r>
+                      <m:sSup>
+                        <m:sSupPr>
+                          <m:ctrlPr>
+                            <a:rPr lang="ar-AE" i="1" smtClean="0">
+                              <a:latin typeface="Cambria Math" panose="02040503050406030204" pitchFamily="18" charset="0"/>
+                            </a:rPr>
+                          </m:ctrlPr>
+                        </m:sSupPr>
+                        <m:e>
+                          <m:r>
+                            <a:rPr lang="ar-AE">
+                              <a:latin typeface="Cambria Math" panose="02040503050406030204" pitchFamily="18" charset="0"/>
+                            </a:rPr>
+                            <m:t>𝜃</m:t>
+                          </m:r>
+                        </m:e>
+                        <m:sup>
+                          <m:r>
+                            <a:rPr lang="ar-AE" b="0" i="1" smtClean="0">
+                              <a:latin typeface="Cambria Math" panose="02040503050406030204" pitchFamily="18" charset="0"/>
+                            </a:rPr>
+                            <m:t>2</m:t>
+                          </m:r>
+                        </m:sup>
+                      </m:sSup>
                     </m:oMath>
                   </m:oMathPara>
                 </a14:m>
-                <a:endParaRPr dirty="0"/>
+                <a:endParaRPr lang="ar-AE" dirty="0"/>
               </a:p>
               <a:p>
                 <a:pPr marL="0" lvl="0" indent="0">
                   <a:buNone/>
                 </a:pPr>
                 <a:r>
-                  <a:rPr dirty="0"/>
+                  <a:rPr lang="en-US" dirty="0"/>
                   <a:t>Setting this expansion to 0, we have:</a:t>
                 </a:r>
               </a:p>
@@ -19224,20 +20053,456 @@
                 <a:pPr marL="0" lvl="0" indent="0">
                   <a:buNone/>
                 </a:pPr>
-                <a:endParaRPr dirty="0"/>
+                <a14:m>
+                  <m:oMathPara xmlns:m="http://schemas.openxmlformats.org/officeDocument/2006/math">
+                    <m:oMathParaPr>
+                      <m:jc m:val="centerGroup"/>
+                    </m:oMathParaPr>
+                    <m:oMath xmlns:m="http://schemas.openxmlformats.org/officeDocument/2006/math">
+                      <m:r>
+                        <a:rPr lang="en-US" b="0" i="1" smtClean="0">
+                          <a:latin typeface="Cambria Math" panose="02040503050406030204" pitchFamily="18" charset="0"/>
+                        </a:rPr>
+                        <m:t>0</m:t>
+                      </m:r>
+                      <m:r>
+                        <a:rPr lang="en-US" b="0" i="1" smtClean="0">
+                          <a:latin typeface="Cambria Math" panose="02040503050406030204" pitchFamily="18" charset="0"/>
+                        </a:rPr>
+                        <m:t>=</m:t>
+                      </m:r>
+                      <m:f>
+                        <m:fPr>
+                          <m:ctrlPr>
+                            <a:rPr lang="en-US" b="0" i="1" smtClean="0">
+                              <a:latin typeface="Cambria Math" panose="02040503050406030204" pitchFamily="18" charset="0"/>
+                            </a:rPr>
+                          </m:ctrlPr>
+                        </m:fPr>
+                        <m:num>
+                          <m:r>
+                            <a:rPr lang="en-US" b="0" i="1" smtClean="0">
+                              <a:latin typeface="Cambria Math" panose="02040503050406030204" pitchFamily="18" charset="0"/>
+                            </a:rPr>
+                            <m:t>𝑑</m:t>
+                          </m:r>
+                        </m:num>
+                        <m:den>
+                          <m:r>
+                            <a:rPr lang="en-US" b="0" i="1" smtClean="0">
+                              <a:latin typeface="Cambria Math" panose="02040503050406030204" pitchFamily="18" charset="0"/>
+                            </a:rPr>
+                            <m:t>𝑑</m:t>
+                          </m:r>
+                          <m:r>
+                            <a:rPr lang="en-US" b="0" i="1" smtClean="0">
+                              <a:latin typeface="Cambria Math" panose="02040503050406030204" pitchFamily="18" charset="0"/>
+                              <a:ea typeface="Cambria Math" panose="02040503050406030204" pitchFamily="18" charset="0"/>
+                            </a:rPr>
+                            <m:t>𝜃</m:t>
+                          </m:r>
+                        </m:den>
+                      </m:f>
+                      <m:d>
+                        <m:dPr>
+                          <m:ctrlPr>
+                            <a:rPr lang="en-US" b="0" i="1" smtClean="0">
+                              <a:latin typeface="Cambria Math" panose="02040503050406030204" pitchFamily="18" charset="0"/>
+                            </a:rPr>
+                          </m:ctrlPr>
+                        </m:dPr>
+                        <m:e>
+                          <m:r>
+                            <a:rPr lang="ar-AE">
+                              <a:latin typeface="Cambria Math" panose="02040503050406030204" pitchFamily="18" charset="0"/>
+                            </a:rPr>
+                            <m:t>𝑙</m:t>
+                          </m:r>
+                          <m:d>
+                            <m:dPr>
+                              <m:ctrlPr>
+                                <a:rPr lang="ar-AE" i="1">
+                                  <a:latin typeface="Cambria Math" panose="02040503050406030204" pitchFamily="18" charset="0"/>
+                                </a:rPr>
+                              </m:ctrlPr>
+                            </m:dPr>
+                            <m:e>
+                              <m:sSub>
+                                <m:sSubPr>
+                                  <m:ctrlPr>
+                                    <a:rPr lang="ar-AE" i="1">
+                                      <a:latin typeface="Cambria Math" panose="02040503050406030204" pitchFamily="18" charset="0"/>
+                                    </a:rPr>
+                                  </m:ctrlPr>
+                                </m:sSubPr>
+                                <m:e>
+                                  <m:r>
+                                    <a:rPr lang="ar-AE">
+                                      <a:latin typeface="Cambria Math" panose="02040503050406030204" pitchFamily="18" charset="0"/>
+                                    </a:rPr>
+                                    <m:t>𝜃</m:t>
+                                  </m:r>
+                                </m:e>
+                                <m:sub>
+                                  <m:r>
+                                    <a:rPr lang="ar-AE">
+                                      <a:latin typeface="Cambria Math" panose="02040503050406030204" pitchFamily="18" charset="0"/>
+                                    </a:rPr>
+                                    <m:t>𝑘</m:t>
+                                  </m:r>
+                                </m:sub>
+                              </m:sSub>
+                            </m:e>
+                          </m:d>
+                          <m:r>
+                            <a:rPr lang="ar-AE">
+                              <a:latin typeface="Cambria Math" panose="02040503050406030204" pitchFamily="18" charset="0"/>
+                            </a:rPr>
+                            <m:t>+</m:t>
+                          </m:r>
+                          <m:r>
+                            <a:rPr lang="ar-AE">
+                              <a:latin typeface="Cambria Math" panose="02040503050406030204" pitchFamily="18" charset="0"/>
+                            </a:rPr>
+                            <m:t>𝑙</m:t>
+                          </m:r>
+                          <m:r>
+                            <a:rPr lang="ar-AE">
+                              <a:latin typeface="Cambria Math" panose="02040503050406030204" pitchFamily="18" charset="0"/>
+                            </a:rPr>
+                            <m:t>′</m:t>
+                          </m:r>
+                          <m:d>
+                            <m:dPr>
+                              <m:ctrlPr>
+                                <a:rPr lang="ar-AE" i="1">
+                                  <a:latin typeface="Cambria Math" panose="02040503050406030204" pitchFamily="18" charset="0"/>
+                                </a:rPr>
+                              </m:ctrlPr>
+                            </m:dPr>
+                            <m:e>
+                              <m:sSub>
+                                <m:sSubPr>
+                                  <m:ctrlPr>
+                                    <a:rPr lang="ar-AE" i="1">
+                                      <a:latin typeface="Cambria Math" panose="02040503050406030204" pitchFamily="18" charset="0"/>
+                                    </a:rPr>
+                                  </m:ctrlPr>
+                                </m:sSubPr>
+                                <m:e>
+                                  <m:r>
+                                    <a:rPr lang="ar-AE">
+                                      <a:latin typeface="Cambria Math" panose="02040503050406030204" pitchFamily="18" charset="0"/>
+                                    </a:rPr>
+                                    <m:t>𝜃</m:t>
+                                  </m:r>
+                                </m:e>
+                                <m:sub>
+                                  <m:r>
+                                    <a:rPr lang="ar-AE">
+                                      <a:latin typeface="Cambria Math" panose="02040503050406030204" pitchFamily="18" charset="0"/>
+                                    </a:rPr>
+                                    <m:t>𝑘</m:t>
+                                  </m:r>
+                                </m:sub>
+                              </m:sSub>
+                            </m:e>
+                          </m:d>
+                          <m:r>
+                            <a:rPr lang="ar-AE">
+                              <a:latin typeface="Cambria Math" panose="02040503050406030204" pitchFamily="18" charset="0"/>
+                            </a:rPr>
+                            <m:t>𝛿𝜃</m:t>
+                          </m:r>
+                          <m:r>
+                            <a:rPr lang="ar-AE">
+                              <a:latin typeface="Cambria Math" panose="02040503050406030204" pitchFamily="18" charset="0"/>
+                            </a:rPr>
+                            <m:t>+</m:t>
+                          </m:r>
+                          <m:f>
+                            <m:fPr>
+                              <m:ctrlPr>
+                                <a:rPr lang="ar-AE" i="1">
+                                  <a:latin typeface="Cambria Math" panose="02040503050406030204" pitchFamily="18" charset="0"/>
+                                </a:rPr>
+                              </m:ctrlPr>
+                            </m:fPr>
+                            <m:num>
+                              <m:r>
+                                <a:rPr lang="ar-AE">
+                                  <a:latin typeface="Cambria Math" panose="02040503050406030204" pitchFamily="18" charset="0"/>
+                                </a:rPr>
+                                <m:t>1</m:t>
+                              </m:r>
+                            </m:num>
+                            <m:den>
+                              <m:r>
+                                <a:rPr lang="ar-AE">
+                                  <a:latin typeface="Cambria Math" panose="02040503050406030204" pitchFamily="18" charset="0"/>
+                                </a:rPr>
+                                <m:t>2</m:t>
+                              </m:r>
+                            </m:den>
+                          </m:f>
+                          <m:r>
+                            <a:rPr lang="ar-AE">
+                              <a:latin typeface="Cambria Math" panose="02040503050406030204" pitchFamily="18" charset="0"/>
+                            </a:rPr>
+                            <m:t>𝑙</m:t>
+                          </m:r>
+                          <m:r>
+                            <a:rPr lang="ar-AE">
+                              <a:latin typeface="Cambria Math" panose="02040503050406030204" pitchFamily="18" charset="0"/>
+                            </a:rPr>
+                            <m:t>″</m:t>
+                          </m:r>
+                          <m:d>
+                            <m:dPr>
+                              <m:ctrlPr>
+                                <a:rPr lang="ar-AE" i="1">
+                                  <a:latin typeface="Cambria Math" panose="02040503050406030204" pitchFamily="18" charset="0"/>
+                                </a:rPr>
+                              </m:ctrlPr>
+                            </m:dPr>
+                            <m:e>
+                              <m:sSub>
+                                <m:sSubPr>
+                                  <m:ctrlPr>
+                                    <a:rPr lang="ar-AE" i="1">
+                                      <a:latin typeface="Cambria Math" panose="02040503050406030204" pitchFamily="18" charset="0"/>
+                                    </a:rPr>
+                                  </m:ctrlPr>
+                                </m:sSubPr>
+                                <m:e>
+                                  <m:r>
+                                    <a:rPr lang="ar-AE">
+                                      <a:latin typeface="Cambria Math" panose="02040503050406030204" pitchFamily="18" charset="0"/>
+                                    </a:rPr>
+                                    <m:t>𝜃</m:t>
+                                  </m:r>
+                                </m:e>
+                                <m:sub>
+                                  <m:r>
+                                    <a:rPr lang="ar-AE">
+                                      <a:latin typeface="Cambria Math" panose="02040503050406030204" pitchFamily="18" charset="0"/>
+                                    </a:rPr>
+                                    <m:t>𝑘</m:t>
+                                  </m:r>
+                                </m:sub>
+                              </m:sSub>
+                            </m:e>
+                          </m:d>
+                          <m:r>
+                            <a:rPr lang="ar-AE">
+                              <a:latin typeface="Cambria Math" panose="02040503050406030204" pitchFamily="18" charset="0"/>
+                            </a:rPr>
+                            <m:t>𝛿</m:t>
+                          </m:r>
+                          <m:sSup>
+                            <m:sSupPr>
+                              <m:ctrlPr>
+                                <a:rPr lang="ar-AE" i="1">
+                                  <a:latin typeface="Cambria Math" panose="02040503050406030204" pitchFamily="18" charset="0"/>
+                                </a:rPr>
+                              </m:ctrlPr>
+                            </m:sSupPr>
+                            <m:e>
+                              <m:r>
+                                <a:rPr lang="ar-AE">
+                                  <a:latin typeface="Cambria Math" panose="02040503050406030204" pitchFamily="18" charset="0"/>
+                                </a:rPr>
+                                <m:t>𝜃</m:t>
+                              </m:r>
+                            </m:e>
+                            <m:sup>
+                              <m:r>
+                                <a:rPr lang="ar-AE" i="1">
+                                  <a:latin typeface="Cambria Math" panose="02040503050406030204" pitchFamily="18" charset="0"/>
+                                </a:rPr>
+                                <m:t>2</m:t>
+                              </m:r>
+                            </m:sup>
+                          </m:sSup>
+                        </m:e>
+                      </m:d>
+                    </m:oMath>
+                  </m:oMathPara>
+                </a14:m>
+                <a:endParaRPr lang="en-US" dirty="0"/>
               </a:p>
               <a:p>
                 <a:pPr marL="0" lvl="0" indent="0">
                   <a:buNone/>
                 </a:pPr>
-                <a:r>
-                  <a:rPr dirty="0"/>
+                <a14:m>
+                  <m:oMathPara xmlns:m="http://schemas.openxmlformats.org/officeDocument/2006/math">
+                    <m:oMathParaPr>
+                      <m:jc m:val="centerGroup"/>
+                    </m:oMathParaPr>
+                    <m:oMath xmlns:m="http://schemas.openxmlformats.org/officeDocument/2006/math">
+                      <m:r>
+                        <a:rPr lang="en-US" b="0" i="1" smtClean="0">
+                          <a:latin typeface="Cambria Math" panose="02040503050406030204" pitchFamily="18" charset="0"/>
+                        </a:rPr>
+                        <m:t>0</m:t>
+                      </m:r>
+                      <m:r>
+                        <a:rPr lang="en-US" b="0" i="1" smtClean="0">
+                          <a:latin typeface="Cambria Math" panose="02040503050406030204" pitchFamily="18" charset="0"/>
+                        </a:rPr>
+                        <m:t>=</m:t>
+                      </m:r>
+                      <m:r>
+                        <a:rPr lang="ar-AE">
+                          <a:latin typeface="Cambria Math" panose="02040503050406030204" pitchFamily="18" charset="0"/>
+                        </a:rPr>
+                        <m:t>𝑙</m:t>
+                      </m:r>
+                      <m:r>
+                        <a:rPr lang="ar-AE">
+                          <a:latin typeface="Cambria Math" panose="02040503050406030204" pitchFamily="18" charset="0"/>
+                        </a:rPr>
+                        <m:t>′</m:t>
+                      </m:r>
+                      <m:d>
+                        <m:dPr>
+                          <m:ctrlPr>
+                            <a:rPr lang="ar-AE" i="1">
+                              <a:latin typeface="Cambria Math" panose="02040503050406030204" pitchFamily="18" charset="0"/>
+                            </a:rPr>
+                          </m:ctrlPr>
+                        </m:dPr>
+                        <m:e>
+                          <m:sSub>
+                            <m:sSubPr>
+                              <m:ctrlPr>
+                                <a:rPr lang="ar-AE" i="1">
+                                  <a:latin typeface="Cambria Math" panose="02040503050406030204" pitchFamily="18" charset="0"/>
+                                </a:rPr>
+                              </m:ctrlPr>
+                            </m:sSubPr>
+                            <m:e>
+                              <m:r>
+                                <a:rPr lang="ar-AE">
+                                  <a:latin typeface="Cambria Math" panose="02040503050406030204" pitchFamily="18" charset="0"/>
+                                </a:rPr>
+                                <m:t>𝜃</m:t>
+                              </m:r>
+                            </m:e>
+                            <m:sub>
+                              <m:r>
+                                <a:rPr lang="ar-AE">
+                                  <a:latin typeface="Cambria Math" panose="02040503050406030204" pitchFamily="18" charset="0"/>
+                                </a:rPr>
+                                <m:t>𝑘</m:t>
+                              </m:r>
+                            </m:sub>
+                          </m:sSub>
+                        </m:e>
+                      </m:d>
+                      <m:r>
+                        <a:rPr lang="ar-AE">
+                          <a:latin typeface="Cambria Math" panose="02040503050406030204" pitchFamily="18" charset="0"/>
+                        </a:rPr>
+                        <m:t>+</m:t>
+                      </m:r>
+                      <m:r>
+                        <a:rPr lang="ar-AE">
+                          <a:latin typeface="Cambria Math" panose="02040503050406030204" pitchFamily="18" charset="0"/>
+                        </a:rPr>
+                        <m:t>𝑙</m:t>
+                      </m:r>
+                      <m:r>
+                        <a:rPr lang="ar-AE">
+                          <a:latin typeface="Cambria Math" panose="02040503050406030204" pitchFamily="18" charset="0"/>
+                        </a:rPr>
+                        <m:t>″</m:t>
+                      </m:r>
+                      <m:d>
+                        <m:dPr>
+                          <m:ctrlPr>
+                            <a:rPr lang="ar-AE" i="1">
+                              <a:latin typeface="Cambria Math" panose="02040503050406030204" pitchFamily="18" charset="0"/>
+                            </a:rPr>
+                          </m:ctrlPr>
+                        </m:dPr>
+                        <m:e>
+                          <m:sSub>
+                            <m:sSubPr>
+                              <m:ctrlPr>
+                                <a:rPr lang="ar-AE" i="1">
+                                  <a:latin typeface="Cambria Math" panose="02040503050406030204" pitchFamily="18" charset="0"/>
+                                </a:rPr>
+                              </m:ctrlPr>
+                            </m:sSubPr>
+                            <m:e>
+                              <m:r>
+                                <a:rPr lang="ar-AE">
+                                  <a:latin typeface="Cambria Math" panose="02040503050406030204" pitchFamily="18" charset="0"/>
+                                </a:rPr>
+                                <m:t>𝜃</m:t>
+                              </m:r>
+                            </m:e>
+                            <m:sub>
+                              <m:r>
+                                <a:rPr lang="ar-AE">
+                                  <a:latin typeface="Cambria Math" panose="02040503050406030204" pitchFamily="18" charset="0"/>
+                                </a:rPr>
+                                <m:t>𝑘</m:t>
+                              </m:r>
+                            </m:sub>
+                          </m:sSub>
+                        </m:e>
+                      </m:d>
+                      <m:r>
+                        <a:rPr lang="ar-AE">
+                          <a:latin typeface="Cambria Math" panose="02040503050406030204" pitchFamily="18" charset="0"/>
+                        </a:rPr>
+                        <m:t>𝛿</m:t>
+                      </m:r>
+                      <m:sSup>
+                        <m:sSupPr>
+                          <m:ctrlPr>
+                            <a:rPr lang="ar-AE" i="1">
+                              <a:latin typeface="Cambria Math" panose="02040503050406030204" pitchFamily="18" charset="0"/>
+                            </a:rPr>
+                          </m:ctrlPr>
+                        </m:sSupPr>
+                        <m:e>
+                          <m:r>
+                            <a:rPr lang="ar-AE">
+                              <a:latin typeface="Cambria Math" panose="02040503050406030204" pitchFamily="18" charset="0"/>
+                            </a:rPr>
+                            <m:t>𝜃</m:t>
+                          </m:r>
+                        </m:e>
+                        <m:sup>
+                          <m:r>
+                            <a:rPr lang="en-US" b="0" i="1" smtClean="0">
+                              <a:latin typeface="Cambria Math" panose="02040503050406030204" pitchFamily="18" charset="0"/>
+                            </a:rPr>
+                            <m:t> </m:t>
+                          </m:r>
+                        </m:sup>
+                      </m:sSup>
+                    </m:oMath>
+                  </m:oMathPara>
+                </a14:m>
+                <a:endParaRPr lang="en-US" dirty="0"/>
+              </a:p>
+              <a:p>
+                <a:pPr marL="0" lvl="0" indent="0">
+                  <a:buNone/>
+                </a:pPr>
+                <a:r>
+                  <a:rPr lang="en-US" dirty="0"/>
                   <a:t>It is simple to solve for </a:t>
                 </a:r>
                 <a14:m>
                   <m:oMath xmlns:m="http://schemas.openxmlformats.org/officeDocument/2006/math">
                     <m:r>
-                      <a:rPr>
+                      <a:rPr lang="en-US">
                         <a:latin typeface="Cambria Math" panose="02040503050406030204" pitchFamily="18" charset="0"/>
                       </a:rPr>
                       <m:t>𝛿𝜃</m:t>
@@ -19245,7 +20510,7 @@
                   </m:oMath>
                 </a14:m>
                 <a:r>
-                  <a:rPr dirty="0"/>
+                  <a:rPr lang="en-US" dirty="0"/>
                   <a:t>:</a:t>
                 </a:r>
               </a:p>
@@ -19260,13 +20525,13 @@
                     </m:oMathParaPr>
                     <m:oMath xmlns:m="http://schemas.openxmlformats.org/officeDocument/2006/math">
                       <m:r>
-                        <a:rPr>
+                        <a:rPr lang="en-US">
                           <a:latin typeface="Cambria Math" panose="02040503050406030204" pitchFamily="18" charset="0"/>
                         </a:rPr>
                         <m:t>𝛿𝜃</m:t>
                       </m:r>
                       <m:r>
-                        <a:rPr>
+                        <a:rPr lang="en-US">
                           <a:latin typeface="Cambria Math" panose="02040503050406030204" pitchFamily="18" charset="0"/>
                         </a:rPr>
                         <m:t>=</m:t>
@@ -19274,20 +20539,20 @@
                       <m:f>
                         <m:fPr>
                           <m:ctrlPr>
-                            <a:rPr i="1">
+                            <a:rPr lang="ar-AE" i="1">
                               <a:latin typeface="Cambria Math" panose="02040503050406030204" pitchFamily="18" charset="0"/>
                             </a:rPr>
                           </m:ctrlPr>
                         </m:fPr>
                         <m:num>
                           <m:r>
-                            <a:rPr>
+                            <a:rPr lang="ar-AE">
                               <a:latin typeface="Cambria Math" panose="02040503050406030204" pitchFamily="18" charset="0"/>
                             </a:rPr>
                             <m:t>𝑙</m:t>
                           </m:r>
                           <m:r>
-                            <a:rPr>
+                            <a:rPr lang="ar-AE">
                               <a:latin typeface="Cambria Math" panose="02040503050406030204" pitchFamily="18" charset="0"/>
                             </a:rPr>
                             <m:t>′</m:t>
@@ -19295,7 +20560,7 @@
                           <m:d>
                             <m:dPr>
                               <m:ctrlPr>
-                                <a:rPr i="1">
+                                <a:rPr lang="ar-AE" i="1">
                                   <a:latin typeface="Cambria Math" panose="02040503050406030204" pitchFamily="18" charset="0"/>
                                 </a:rPr>
                               </m:ctrlPr>
@@ -19304,14 +20569,14 @@
                               <m:sSub>
                                 <m:sSubPr>
                                   <m:ctrlPr>
-                                    <a:rPr i="1">
+                                    <a:rPr lang="ar-AE" i="1">
                                       <a:latin typeface="Cambria Math" panose="02040503050406030204" pitchFamily="18" charset="0"/>
                                     </a:rPr>
                                   </m:ctrlPr>
                                 </m:sSubPr>
                                 <m:e>
                                   <m:r>
-                                    <a:rPr>
+                                    <a:rPr lang="ar-AE">
                                       <a:latin typeface="Cambria Math" panose="02040503050406030204" pitchFamily="18" charset="0"/>
                                     </a:rPr>
                                     <m:t>𝜃</m:t>
@@ -19319,7 +20584,7 @@
                                 </m:e>
                                 <m:sub>
                                   <m:r>
-                                    <a:rPr>
+                                    <a:rPr lang="ar-AE">
                                       <a:latin typeface="Cambria Math" panose="02040503050406030204" pitchFamily="18" charset="0"/>
                                     </a:rPr>
                                     <m:t>𝑘</m:t>
@@ -19331,13 +20596,13 @@
                         </m:num>
                         <m:den>
                           <m:r>
-                            <a:rPr>
+                            <a:rPr lang="ar-AE">
                               <a:latin typeface="Cambria Math" panose="02040503050406030204" pitchFamily="18" charset="0"/>
                             </a:rPr>
                             <m:t>𝑙</m:t>
                           </m:r>
                           <m:r>
-                            <a:rPr>
+                            <a:rPr lang="ar-AE">
                               <a:latin typeface="Cambria Math" panose="02040503050406030204" pitchFamily="18" charset="0"/>
                             </a:rPr>
                             <m:t>″</m:t>
@@ -19345,7 +20610,7 @@
                           <m:d>
                             <m:dPr>
                               <m:ctrlPr>
-                                <a:rPr i="1">
+                                <a:rPr lang="ar-AE" i="1">
                                   <a:latin typeface="Cambria Math" panose="02040503050406030204" pitchFamily="18" charset="0"/>
                                 </a:rPr>
                               </m:ctrlPr>
@@ -19354,14 +20619,14 @@
                               <m:sSub>
                                 <m:sSubPr>
                                   <m:ctrlPr>
-                                    <a:rPr i="1">
+                                    <a:rPr lang="ar-AE" i="1">
                                       <a:latin typeface="Cambria Math" panose="02040503050406030204" pitchFamily="18" charset="0"/>
                                     </a:rPr>
                                   </m:ctrlPr>
                                 </m:sSubPr>
                                 <m:e>
                                   <m:r>
-                                    <a:rPr>
+                                    <a:rPr lang="ar-AE">
                                       <a:latin typeface="Cambria Math" panose="02040503050406030204" pitchFamily="18" charset="0"/>
                                     </a:rPr>
                                     <m:t>𝜃</m:t>
@@ -19369,7 +20634,7 @@
                                 </m:e>
                                 <m:sub>
                                   <m:r>
-                                    <a:rPr>
+                                    <a:rPr lang="ar-AE">
                                       <a:latin typeface="Cambria Math" panose="02040503050406030204" pitchFamily="18" charset="0"/>
                                     </a:rPr>
                                     <m:t>𝑘</m:t>
@@ -19400,10 +20665,14 @@
               </p:nvPr>
             </p:nvSpPr>
             <p:spPr>
+              <a:xfrm>
+                <a:off x="457200" y="1200150"/>
+                <a:ext cx="8229600" cy="3607201"/>
+              </a:xfrm>
               <a:blipFill>
                 <a:blip r:embed="rId2"/>
                 <a:stretch>
-                  <a:fillRect l="-444" t="-1975"/>
+                  <a:fillRect l="-444" t="-1858"/>
                 </a:stretch>
               </a:blipFill>
             </p:spPr>
@@ -19509,7 +20778,7 @@
                   <a:buNone/>
                 </a:pPr>
                 <a:r>
-                  <a:rPr dirty="0"/>
+                  <a:rPr lang="en-US" dirty="0"/>
                   <a:t>At each step in the iteration, the update </a:t>
                 </a:r>
                 <a14:m>
@@ -19517,14 +20786,14 @@
                     <m:sSub>
                       <m:sSubPr>
                         <m:ctrlPr>
-                          <a:rPr>
+                          <a:rPr lang="ar-AE" i="1">
                             <a:latin typeface="Cambria Math" panose="02040503050406030204" pitchFamily="18" charset="0"/>
                           </a:rPr>
                         </m:ctrlPr>
                       </m:sSubPr>
                       <m:e>
                         <m:r>
-                          <a:rPr>
+                          <a:rPr lang="ar-AE">
                             <a:latin typeface="Cambria Math" panose="02040503050406030204" pitchFamily="18" charset="0"/>
                           </a:rPr>
                           <m:t>𝑥</m:t>
@@ -19532,19 +20801,19 @@
                       </m:e>
                       <m:sub>
                         <m:r>
-                          <a:rPr>
+                          <a:rPr lang="ar-AE">
                             <a:latin typeface="Cambria Math" panose="02040503050406030204" pitchFamily="18" charset="0"/>
                           </a:rPr>
                           <m:t>𝑛</m:t>
                         </m:r>
                         <m:r>
-                          <a:rPr>
+                          <a:rPr lang="ar-AE">
                             <a:latin typeface="Cambria Math" panose="02040503050406030204" pitchFamily="18" charset="0"/>
                           </a:rPr>
                           <m:t>+</m:t>
                         </m:r>
                         <m:r>
-                          <a:rPr>
+                          <a:rPr lang="ar-AE">
                             <a:latin typeface="Cambria Math" panose="02040503050406030204" pitchFamily="18" charset="0"/>
                           </a:rPr>
                           <m:t>1</m:t>
@@ -19554,51 +20823,335 @@
                   </m:oMath>
                 </a14:m>
                 <a:r>
-                  <a:rPr dirty="0"/>
-                  <a:t> is given by the following relationship:</a:t>
+                  <a:rPr lang="ar-AE" dirty="0"/>
+                  <a:t> </a:t>
+                </a:r>
+                <a:r>
+                  <a:rPr lang="en-US" dirty="0"/>
+                  <a:t>is given by the following relationship:</a:t>
                 </a:r>
               </a:p>
               <a:p>
                 <a:pPr marL="0" lvl="0" indent="0">
                   <a:buNone/>
                 </a:pPr>
-                <a:endParaRPr dirty="0"/>
+                <a14:m>
+                  <m:oMathPara xmlns:m="http://schemas.openxmlformats.org/officeDocument/2006/math">
+                    <m:oMathParaPr>
+                      <m:jc m:val="centerGroup"/>
+                    </m:oMathParaPr>
+                    <m:oMath xmlns:m="http://schemas.openxmlformats.org/officeDocument/2006/math">
+                      <m:sSub>
+                        <m:sSubPr>
+                          <m:ctrlPr>
+                            <a:rPr lang="ar-AE" i="1">
+                              <a:latin typeface="Cambria Math" panose="02040503050406030204" pitchFamily="18" charset="0"/>
+                            </a:rPr>
+                          </m:ctrlPr>
+                        </m:sSubPr>
+                        <m:e>
+                          <m:r>
+                            <a:rPr lang="ar-AE">
+                              <a:latin typeface="Cambria Math" panose="02040503050406030204" pitchFamily="18" charset="0"/>
+                            </a:rPr>
+                            <m:t>𝜃</m:t>
+                          </m:r>
+                        </m:e>
+                        <m:sub>
+                          <m:r>
+                            <a:rPr lang="ar-AE" b="0" i="1" smtClean="0">
+                              <a:latin typeface="Cambria Math" panose="02040503050406030204" pitchFamily="18" charset="0"/>
+                            </a:rPr>
+                            <m:t>𝑛</m:t>
+                          </m:r>
+                          <m:r>
+                            <a:rPr lang="en-US" b="0" i="1" smtClean="0">
+                              <a:latin typeface="Cambria Math" panose="02040503050406030204" pitchFamily="18" charset="0"/>
+                            </a:rPr>
+                            <m:t>+</m:t>
+                          </m:r>
+                          <m:r>
+                            <a:rPr lang="en-US" b="0" i="1" smtClean="0">
+                              <a:latin typeface="Cambria Math" panose="02040503050406030204" pitchFamily="18" charset="0"/>
+                            </a:rPr>
+                            <m:t>1</m:t>
+                          </m:r>
+                        </m:sub>
+                      </m:sSub>
+                      <m:r>
+                        <a:rPr lang="ar-AE" smtClean="0">
+                          <a:latin typeface="Cambria Math" panose="02040503050406030204" pitchFamily="18" charset="0"/>
+                        </a:rPr>
+                        <m:t>=</m:t>
+                      </m:r>
+                      <m:sSub>
+                        <m:sSubPr>
+                          <m:ctrlPr>
+                            <a:rPr lang="ar-AE" i="1">
+                              <a:latin typeface="Cambria Math" panose="02040503050406030204" pitchFamily="18" charset="0"/>
+                            </a:rPr>
+                          </m:ctrlPr>
+                        </m:sSubPr>
+                        <m:e>
+                          <m:r>
+                            <a:rPr lang="ar-AE">
+                              <a:latin typeface="Cambria Math" panose="02040503050406030204" pitchFamily="18" charset="0"/>
+                            </a:rPr>
+                            <m:t>𝜃</m:t>
+                          </m:r>
+                        </m:e>
+                        <m:sub>
+                          <m:r>
+                            <a:rPr lang="ar-AE" i="1">
+                              <a:latin typeface="Cambria Math" panose="02040503050406030204" pitchFamily="18" charset="0"/>
+                            </a:rPr>
+                            <m:t>𝑛</m:t>
+                          </m:r>
+                        </m:sub>
+                      </m:sSub>
+                      <m:r>
+                        <a:rPr lang="en-US" b="0" i="1" smtClean="0">
+                          <a:latin typeface="Cambria Math" panose="02040503050406030204" pitchFamily="18" charset="0"/>
+                        </a:rPr>
+                        <m:t>+</m:t>
+                      </m:r>
+                      <m:f>
+                        <m:fPr>
+                          <m:ctrlPr>
+                            <a:rPr lang="ar-AE" i="1">
+                              <a:latin typeface="Cambria Math" panose="02040503050406030204" pitchFamily="18" charset="0"/>
+                            </a:rPr>
+                          </m:ctrlPr>
+                        </m:fPr>
+                        <m:num>
+                          <m:r>
+                            <a:rPr lang="ar-AE">
+                              <a:latin typeface="Cambria Math" panose="02040503050406030204" pitchFamily="18" charset="0"/>
+                            </a:rPr>
+                            <m:t>𝑙</m:t>
+                          </m:r>
+                          <m:r>
+                            <a:rPr lang="ar-AE">
+                              <a:latin typeface="Cambria Math" panose="02040503050406030204" pitchFamily="18" charset="0"/>
+                            </a:rPr>
+                            <m:t>′</m:t>
+                          </m:r>
+                          <m:d>
+                            <m:dPr>
+                              <m:ctrlPr>
+                                <a:rPr lang="ar-AE" i="1">
+                                  <a:latin typeface="Cambria Math" panose="02040503050406030204" pitchFamily="18" charset="0"/>
+                                </a:rPr>
+                              </m:ctrlPr>
+                            </m:dPr>
+                            <m:e>
+                              <m:sSub>
+                                <m:sSubPr>
+                                  <m:ctrlPr>
+                                    <a:rPr lang="ar-AE" i="1">
+                                      <a:latin typeface="Cambria Math" panose="02040503050406030204" pitchFamily="18" charset="0"/>
+                                    </a:rPr>
+                                  </m:ctrlPr>
+                                </m:sSubPr>
+                                <m:e>
+                                  <m:r>
+                                    <a:rPr lang="ar-AE">
+                                      <a:latin typeface="Cambria Math" panose="02040503050406030204" pitchFamily="18" charset="0"/>
+                                    </a:rPr>
+                                    <m:t>𝜃</m:t>
+                                  </m:r>
+                                </m:e>
+                                <m:sub>
+                                  <m:r>
+                                    <a:rPr lang="ar-AE">
+                                      <a:latin typeface="Cambria Math" panose="02040503050406030204" pitchFamily="18" charset="0"/>
+                                    </a:rPr>
+                                    <m:t>𝑘</m:t>
+                                  </m:r>
+                                </m:sub>
+                              </m:sSub>
+                            </m:e>
+                          </m:d>
+                        </m:num>
+                        <m:den>
+                          <m:r>
+                            <a:rPr lang="ar-AE">
+                              <a:latin typeface="Cambria Math" panose="02040503050406030204" pitchFamily="18" charset="0"/>
+                            </a:rPr>
+                            <m:t>𝑙</m:t>
+                          </m:r>
+                          <m:r>
+                            <a:rPr lang="ar-AE">
+                              <a:latin typeface="Cambria Math" panose="02040503050406030204" pitchFamily="18" charset="0"/>
+                            </a:rPr>
+                            <m:t>″</m:t>
+                          </m:r>
+                          <m:d>
+                            <m:dPr>
+                              <m:ctrlPr>
+                                <a:rPr lang="ar-AE" i="1">
+                                  <a:latin typeface="Cambria Math" panose="02040503050406030204" pitchFamily="18" charset="0"/>
+                                </a:rPr>
+                              </m:ctrlPr>
+                            </m:dPr>
+                            <m:e>
+                              <m:sSub>
+                                <m:sSubPr>
+                                  <m:ctrlPr>
+                                    <a:rPr lang="ar-AE" i="1">
+                                      <a:latin typeface="Cambria Math" panose="02040503050406030204" pitchFamily="18" charset="0"/>
+                                    </a:rPr>
+                                  </m:ctrlPr>
+                                </m:sSubPr>
+                                <m:e>
+                                  <m:r>
+                                    <a:rPr lang="ar-AE">
+                                      <a:latin typeface="Cambria Math" panose="02040503050406030204" pitchFamily="18" charset="0"/>
+                                    </a:rPr>
+                                    <m:t>𝜃</m:t>
+                                  </m:r>
+                                </m:e>
+                                <m:sub>
+                                  <m:r>
+                                    <a:rPr lang="ar-AE">
+                                      <a:latin typeface="Cambria Math" panose="02040503050406030204" pitchFamily="18" charset="0"/>
+                                    </a:rPr>
+                                    <m:t>𝑘</m:t>
+                                  </m:r>
+                                </m:sub>
+                              </m:sSub>
+                            </m:e>
+                          </m:d>
+                        </m:den>
+                      </m:f>
+                    </m:oMath>
+                  </m:oMathPara>
+                </a14:m>
+                <a:endParaRPr lang="en-US" dirty="0"/>
+              </a:p>
+              <a:p>
+                <a:pPr marL="0" lvl="0" indent="0">
+                  <a:buNone/>
+                </a:pPr>
+                <a14:m>
+                  <m:oMathPara xmlns:m="http://schemas.openxmlformats.org/officeDocument/2006/math">
+                    <m:oMathParaPr>
+                      <m:jc m:val="centerGroup"/>
+                    </m:oMathParaPr>
+                    <m:oMath xmlns:m="http://schemas.openxmlformats.org/officeDocument/2006/math">
+                      <m:sSub>
+                        <m:sSubPr>
+                          <m:ctrlPr>
+                            <a:rPr lang="ar-AE" i="1" smtClean="0">
+                              <a:latin typeface="Cambria Math" panose="02040503050406030204" pitchFamily="18" charset="0"/>
+                            </a:rPr>
+                          </m:ctrlPr>
+                        </m:sSubPr>
+                        <m:e>
+                          <m:r>
+                            <a:rPr lang="ar-AE">
+                              <a:latin typeface="Cambria Math" panose="02040503050406030204" pitchFamily="18" charset="0"/>
+                            </a:rPr>
+                            <m:t>𝜃</m:t>
+                          </m:r>
+                        </m:e>
+                        <m:sub>
+                          <m:r>
+                            <a:rPr lang="ar-AE" b="0" i="1" smtClean="0">
+                              <a:latin typeface="Cambria Math" panose="02040503050406030204" pitchFamily="18" charset="0"/>
+                            </a:rPr>
+                            <m:t>𝑛</m:t>
+                          </m:r>
+                          <m:r>
+                            <a:rPr lang="en-US" b="0" i="1" smtClean="0">
+                              <a:latin typeface="Cambria Math" panose="02040503050406030204" pitchFamily="18" charset="0"/>
+                            </a:rPr>
+                            <m:t>+</m:t>
+                          </m:r>
+                          <m:r>
+                            <a:rPr lang="en-US" b="0" i="1" smtClean="0">
+                              <a:latin typeface="Cambria Math" panose="02040503050406030204" pitchFamily="18" charset="0"/>
+                            </a:rPr>
+                            <m:t>1</m:t>
+                          </m:r>
+                        </m:sub>
+                      </m:sSub>
+                      <m:r>
+                        <a:rPr lang="ar-AE" smtClean="0">
+                          <a:latin typeface="Cambria Math" panose="02040503050406030204" pitchFamily="18" charset="0"/>
+                        </a:rPr>
+                        <m:t>=</m:t>
+                      </m:r>
+                      <m:sSub>
+                        <m:sSubPr>
+                          <m:ctrlPr>
+                            <a:rPr lang="ar-AE" i="1">
+                              <a:latin typeface="Cambria Math" panose="02040503050406030204" pitchFamily="18" charset="0"/>
+                            </a:rPr>
+                          </m:ctrlPr>
+                        </m:sSubPr>
+                        <m:e>
+                          <m:r>
+                            <a:rPr lang="ar-AE">
+                              <a:latin typeface="Cambria Math" panose="02040503050406030204" pitchFamily="18" charset="0"/>
+                            </a:rPr>
+                            <m:t>𝜃</m:t>
+                          </m:r>
+                        </m:e>
+                        <m:sub>
+                          <m:r>
+                            <a:rPr lang="ar-AE" i="1">
+                              <a:latin typeface="Cambria Math" panose="02040503050406030204" pitchFamily="18" charset="0"/>
+                            </a:rPr>
+                            <m:t>𝑛</m:t>
+                          </m:r>
+                        </m:sub>
+                      </m:sSub>
+                      <m:r>
+                        <a:rPr lang="en-US" b="0" i="0" smtClean="0">
+                          <a:latin typeface="Cambria Math" panose="02040503050406030204" pitchFamily="18" charset="0"/>
+                        </a:rPr>
+                        <m:t>+</m:t>
+                      </m:r>
+                      <m:r>
+                        <a:rPr lang="en-US">
+                          <a:latin typeface="Cambria Math" panose="02040503050406030204" pitchFamily="18" charset="0"/>
+                        </a:rPr>
+                        <m:t>𝛿𝜃</m:t>
+                      </m:r>
+                    </m:oMath>
+                  </m:oMathPara>
+                </a14:m>
+                <a:endParaRPr lang="ar-AE" dirty="0"/>
               </a:p>
               <a:p>
                 <a:pPr lvl="0"/>
                 <a:r>
-                  <a:rPr dirty="0"/>
+                  <a:rPr lang="en-US" dirty="0"/>
                   <a:t>Newton’s method has a quadratic form</a:t>
                 </a:r>
               </a:p>
               <a:p>
                 <a:pPr lvl="1"/>
                 <a:r>
-                  <a:rPr dirty="0"/>
+                  <a:rPr lang="en-US" dirty="0"/>
                   <a:t>The quadratic form is not just a mathematical curiosity</a:t>
                 </a:r>
-                <a:br>
-                  <a:rPr dirty="0"/>
-                </a:br>
-                <a:endParaRPr dirty="0"/>
               </a:p>
               <a:p>
                 <a:pPr lvl="1"/>
                 <a:r>
-                  <a:rPr dirty="0"/>
+                  <a:rPr lang="en-US" dirty="0"/>
                   <a:t>Newton’s method exhibits convergence quadratic in the number of iterations</a:t>
                 </a:r>
-                <a:br>
-                  <a:rPr dirty="0"/>
-                </a:br>
-                <a:endParaRPr dirty="0"/>
               </a:p>
               <a:p>
                 <a:pPr lvl="1"/>
                 <a:r>
-                  <a:rPr dirty="0"/>
+                  <a:rPr lang="en-US" dirty="0"/>
                   <a:t>Compared to the approximate linear convergence for gradient descent methods</a:t>
                 </a:r>
+                <a:endParaRPr dirty="0"/>
               </a:p>
             </p:txBody>
           </p:sp>
@@ -19618,7 +21171,7 @@
               <a:blipFill>
                 <a:blip r:embed="rId2"/>
                 <a:stretch>
-                  <a:fillRect l="-963" t="-3052" r="-296"/>
+                  <a:fillRect l="-963" t="-3232" r="-444" b="-1795"/>
                 </a:stretch>
               </a:blipFill>
             </p:spPr>
@@ -19713,10 +21266,15 @@
                 <p:ph idx="1"/>
               </p:nvPr>
             </p:nvSpPr>
-            <p:spPr/>
+            <p:spPr>
+              <a:xfrm>
+                <a:off x="457200" y="1063229"/>
+                <a:ext cx="8229600" cy="3874291"/>
+              </a:xfrm>
+            </p:spPr>
             <p:txBody>
               <a:bodyPr>
-                <a:normAutofit fontScale="62500" lnSpcReduction="20000"/>
+                <a:normAutofit fontScale="77500" lnSpcReduction="20000"/>
               </a:bodyPr>
               <a:lstStyle/>
               <a:p>
@@ -19798,7 +21356,7 @@
                     <m:sSup>
                       <m:sSupPr>
                         <m:ctrlPr>
-                          <a:rPr>
+                          <a:rPr i="1">
                             <a:latin typeface="Cambria Math" panose="02040503050406030204" pitchFamily="18" charset="0"/>
                           </a:rPr>
                         </m:ctrlPr>
@@ -19889,7 +21447,7 @@
                       <m:sSub>
                         <m:sSubPr>
                           <m:ctrlPr>
-                            <a:rPr>
+                            <a:rPr i="1">
                               <a:latin typeface="Cambria Math" panose="02040503050406030204" pitchFamily="18" charset="0"/>
                             </a:rPr>
                           </m:ctrlPr>
@@ -20157,10 +21715,6 @@
                   <a:rPr dirty="0"/>
                   <a:t> matrix with practical difficulties</a:t>
                 </a:r>
-                <a:br>
-                  <a:rPr dirty="0"/>
-                </a:br>
-                <a:endParaRPr dirty="0"/>
               </a:p>
               <a:p>
                 <a:pPr lvl="0"/>
@@ -20168,10 +21722,6 @@
                   <a:rPr dirty="0"/>
                   <a:t>The inverse of the Hessian may not exist as this matrix may be singular</a:t>
                 </a:r>
-                <a:br>
-                  <a:rPr dirty="0"/>
-                </a:br>
-                <a:endParaRPr dirty="0"/>
               </a:p>
               <a:p>
                 <a:pPr lvl="0"/>
@@ -20202,10 +21752,14 @@
               </p:nvPr>
             </p:nvSpPr>
             <p:spPr>
+              <a:xfrm>
+                <a:off x="457200" y="1063229"/>
+                <a:ext cx="8229600" cy="3874291"/>
+              </a:xfrm>
               <a:blipFill>
                 <a:blip r:embed="rId2"/>
                 <a:stretch>
-                  <a:fillRect l="-296" t="-1436"/>
+                  <a:fillRect l="-667" t="-2044"/>
                 </a:stretch>
               </a:blipFill>
             </p:spPr>
@@ -20303,7 +21857,7 @@
             <p:spPr/>
             <p:txBody>
               <a:bodyPr>
-                <a:normAutofit fontScale="92500" lnSpcReduction="10000"/>
+                <a:normAutofit lnSpcReduction="10000"/>
               </a:bodyPr>
               <a:lstStyle/>
               <a:p>
@@ -20335,7 +21889,7 @@
                       <m:sSub>
                         <m:sSubPr>
                           <m:ctrlPr>
-                            <a:rPr>
+                            <a:rPr i="1">
                               <a:latin typeface="Cambria Math" panose="02040503050406030204" pitchFamily="18" charset="0"/>
                             </a:rPr>
                           </m:ctrlPr>
@@ -20603,10 +22157,6 @@
                   <a:rPr dirty="0"/>
                   <a:t> methods are used</a:t>
                 </a:r>
-                <a:br>
-                  <a:rPr dirty="0"/>
-                </a:br>
-                <a:endParaRPr dirty="0"/>
               </a:p>
               <a:p>
                 <a:pPr lvl="0"/>
@@ -20614,10 +22164,6 @@
                   <a:rPr dirty="0"/>
                   <a:t>Use an approximation to avoid computing the full inverse Hessian</a:t>
                 </a:r>
-                <a:br>
-                  <a:rPr dirty="0"/>
-                </a:br>
-                <a:endParaRPr dirty="0"/>
               </a:p>
               <a:p>
                 <a:pPr lvl="0"/>
@@ -20664,7 +22210,7 @@
               <a:blipFill>
                 <a:blip r:embed="rId2"/>
                 <a:stretch>
-                  <a:fillRect l="-963" t="-2334" b="-1975"/>
+                  <a:fillRect l="-1111" t="-2513" b="-1436"/>
                 </a:stretch>
               </a:blipFill>
             </p:spPr>
@@ -20970,10 +22516,15 @@
             <p:ph idx="1"/>
           </p:nvPr>
         </p:nvSpPr>
-        <p:spPr/>
+        <p:spPr>
+          <a:xfrm>
+            <a:off x="457200" y="1200151"/>
+            <a:ext cx="8229600" cy="3737370"/>
+          </a:xfrm>
+        </p:spPr>
         <p:txBody>
           <a:bodyPr>
-            <a:normAutofit fontScale="62500" lnSpcReduction="20000"/>
+            <a:normAutofit fontScale="85000" lnSpcReduction="20000"/>
           </a:bodyPr>
           <a:lstStyle/>
           <a:p>
@@ -21005,10 +22556,6 @@
               <a:rPr dirty="0"/>
               <a:t>Population being modeled has a different distribution</a:t>
             </a:r>
-            <a:br>
-              <a:rPr dirty="0"/>
-            </a:br>
-            <a:endParaRPr dirty="0"/>
           </a:p>
           <a:p>
             <a:pPr lvl="1"/>
@@ -21030,10 +22577,6 @@
               <a:rPr dirty="0"/>
               <a:t>Mixture has multiple modes</a:t>
             </a:r>
-            <a:br>
-              <a:rPr dirty="0"/>
-            </a:br>
-            <a:endParaRPr dirty="0"/>
           </a:p>
           <a:p>
             <a:pPr lvl="1"/>
@@ -21059,9 +22602,6 @@
               <a:rPr b="1" dirty="0"/>
               <a:t>local maximum</a:t>
             </a:r>
-            <a:br>
-              <a:rPr dirty="0"/>
-            </a:br>
             <a:endParaRPr dirty="0"/>
           </a:p>
           <a:p>
@@ -21147,62 +22687,39 @@
             <p:ph type="body" sz="half" idx="2"/>
           </p:nvPr>
         </p:nvSpPr>
-        <p:spPr/>
+        <p:spPr>
+          <a:xfrm>
+            <a:off x="457200" y="1967695"/>
+            <a:ext cx="4203181" cy="2392101"/>
+          </a:xfrm>
+        </p:spPr>
         <p:txBody>
-          <a:bodyPr/>
+          <a:bodyPr>
+            <a:noAutofit/>
+          </a:bodyPr>
           <a:lstStyle/>
           <a:p>
             <a:pPr marL="0" lvl="0" indent="0">
-              <a:spcBef>
-                <a:spcPts val="3000"/>
-              </a:spcBef>
               <a:buNone/>
             </a:pPr>
             <a:r>
-              <a:rPr b="1"/>
-              <a:t>Incorrect model and complex distributions</a:t>
+              <a:rPr sz="2400" dirty="0"/>
+              <a:t>Example; univariate Normal maximum likelihood estimator for mixture of 3 Normal distributions</a:t>
             </a:r>
+            <a:endParaRPr lang="en-US" sz="2400" dirty="0"/>
           </a:p>
           <a:p>
             <a:pPr marL="0" lvl="0" indent="0">
               <a:buNone/>
             </a:pPr>
             <a:r>
-              <a:t>Example; univariate Normal maximum likelihood estimator for mixture of 3 Normal distributions</a:t>
+              <a:rPr lang="en-US" sz="2400" dirty="0"/>
+              <a:t>Maximum likelihood is not a maximum of distribution</a:t>
             </a:r>
+            <a:endParaRPr sz="2400" dirty="0"/>
           </a:p>
         </p:txBody>
       </p:sp>
-      <p:pic>
-        <p:nvPicPr>
-          <p:cNvPr id="2" name="Picture 1" descr="05_ParameterEstimationAndLikelihood_files/figure-pptx/unnamed-chunk-1-1.png"/>
-          <p:cNvPicPr>
-            <a:picLocks noGrp="1" noChangeAspect="1"/>
-          </p:cNvPicPr>
-          <p:nvPr/>
-        </p:nvPicPr>
-        <p:blipFill>
-          <a:blip r:embed="rId2"/>
-          <a:stretch>
-            <a:fillRect/>
-          </a:stretch>
-        </p:blipFill>
-        <p:spPr bwMode="auto">
-          <a:xfrm>
-            <a:off x="4483100" y="203200"/>
-            <a:ext cx="3289300" cy="4381500"/>
-          </a:xfrm>
-          <a:prstGeom prst="rect">
-            <a:avLst/>
-          </a:prstGeom>
-          <a:noFill/>
-          <a:ln w="9525">
-            <a:noFill/>
-            <a:headEnd/>
-            <a:tailEnd/>
-          </a:ln>
-        </p:spPr>
-      </p:pic>
       <p:sp>
         <p:nvSpPr>
           <p:cNvPr id="3" name="Title 1">
@@ -21221,24 +22738,59 @@
         </p:nvSpPr>
         <p:spPr>
           <a:xfrm>
-            <a:off x="457200" y="205979"/>
-            <a:ext cx="8229600" cy="857250"/>
+            <a:off x="457200" y="205978"/>
+            <a:ext cx="4114800" cy="1391327"/>
           </a:xfrm>
         </p:spPr>
         <p:txBody>
-          <a:bodyPr/>
+          <a:bodyPr>
+            <a:normAutofit/>
+          </a:bodyPr>
           <a:lstStyle/>
           <a:p>
             <a:pPr marL="0" lvl="0" indent="0">
+              <a:spcBef>
+                <a:spcPts val="3000"/>
+              </a:spcBef>
               <a:buNone/>
             </a:pPr>
             <a:r>
-              <a:rPr dirty="0"/>
-              <a:t>Review</a:t>
+              <a:rPr lang="en-US" sz="3200" b="1" dirty="0"/>
+              <a:t>Incorrect model and complex distributions</a:t>
             </a:r>
           </a:p>
         </p:txBody>
       </p:sp>
+      <p:pic>
+        <p:nvPicPr>
+          <p:cNvPr id="6" name="Picture 5">
+            <a:extLst>
+              <a:ext uri="{FF2B5EF4-FFF2-40B4-BE49-F238E27FC236}">
+                <a16:creationId xmlns:a16="http://schemas.microsoft.com/office/drawing/2014/main" id="{6B154418-8E4A-767E-AFD1-2EFB65B6FABF}"/>
+              </a:ext>
+            </a:extLst>
+          </p:cNvPr>
+          <p:cNvPicPr>
+            <a:picLocks noChangeAspect="1"/>
+          </p:cNvPicPr>
+          <p:nvPr/>
+        </p:nvPicPr>
+        <p:blipFill>
+          <a:blip r:embed="rId2"/>
+          <a:stretch>
+            <a:fillRect/>
+          </a:stretch>
+        </p:blipFill>
+        <p:spPr>
+          <a:xfrm>
+            <a:off x="4848222" y="86856"/>
+            <a:ext cx="4203181" cy="5056644"/>
+          </a:xfrm>
+          <a:prstGeom prst="rect">
+            <a:avLst/>
+          </a:prstGeom>
+        </p:spPr>
+      </p:pic>
     </p:spTree>
   </p:cSld>
   <p:clrMapOvr>
@@ -21323,20 +22875,8 @@
                 <a:pPr lvl="1"/>
                 <a:r>
                   <a:rPr dirty="0"/>
-                  <a:t>Variance </a:t>
-                </a:r>
-                <a:r>
-                  <a:rPr dirty="0" err="1"/>
-                  <a:t>estiamtes</a:t>
-                </a:r>
-                <a:r>
-                  <a:rPr dirty="0"/>
-                  <a:t> near 0; variables with low variance</a:t>
-                </a:r>
-                <a:br>
-                  <a:rPr dirty="0"/>
-                </a:br>
-                <a:endParaRPr dirty="0"/>
+                  <a:t>Variance estimates near 0; variables with low variance</a:t>
+                </a:r>
               </a:p>
               <a:p>
                 <a:pPr lvl="1"/>
@@ -21415,7 +22955,7 @@
               <a:blipFill>
                 <a:blip r:embed="rId2"/>
                 <a:stretch>
-                  <a:fillRect l="-963" t="-3052" r="-741" b="-3052"/>
+                  <a:fillRect l="-963" t="-3052" r="-741"/>
                 </a:stretch>
               </a:blipFill>
             </p:spPr>
@@ -21498,158 +23038,169 @@
           <a:chExt cx="0" cy="0"/>
         </a:xfrm>
       </p:grpSpPr>
-      <p:sp>
-        <p:nvSpPr>
-          <p:cNvPr id="4" name="Text Placeholder 3"/>
-          <p:cNvSpPr>
-            <a:spLocks noGrp="1"/>
-          </p:cNvSpPr>
-          <p:nvPr>
-            <p:ph type="body" sz="half" idx="2"/>
-          </p:nvPr>
-        </p:nvSpPr>
-        <p:spPr/>
-        <p:txBody>
-          <a:bodyPr/>
-          <a:lstStyle/>
-          <a:p>
-            <a:pPr marL="0" lvl="0" indent="0">
-              <a:spcBef>
-                <a:spcPts val="3000"/>
-              </a:spcBef>
-              <a:buNone/>
-            </a:pPr>
-            <a:r>
-              <a:rPr b="1"/>
-              <a:t>Parameter near limits</a:t>
-            </a:r>
-          </a:p>
-          <a:p>
-            <a:pPr marL="0" lvl="0" indent="0">
-              <a:buNone/>
-            </a:pPr>
-            <a:r>
-              <a:t>Example; Binomial likelihood and Fisher information with </a:t>
-            </a:r>
-            <a14:m xmlns:a14="http://schemas.microsoft.com/office/drawing/2010/main">
-              <m:oMath xmlns:m="http://schemas.openxmlformats.org/officeDocument/2006/math">
-                <m:r>
-                  <a:rPr>
-                    <a:latin typeface="Cambria Math" panose="02040503050406030204" pitchFamily="18" charset="0"/>
+      <mc:AlternateContent xmlns:mc="http://schemas.openxmlformats.org/markup-compatibility/2006">
+        <mc:Choice xmlns:a14="http://schemas.microsoft.com/office/drawing/2010/main" Requires="a14">
+          <p:sp>
+            <p:nvSpPr>
+              <p:cNvPr id="4" name="Text Placeholder 3"/>
+              <p:cNvSpPr>
+                <a:spLocks noGrp="1"/>
+              </p:cNvSpPr>
+              <p:nvPr>
+                <p:ph type="body" sz="half" idx="2"/>
+              </p:nvPr>
+            </p:nvSpPr>
+            <p:spPr>
+              <a:xfrm>
+                <a:off x="457201" y="1076327"/>
+                <a:ext cx="8262394" cy="860503"/>
+              </a:xfrm>
+            </p:spPr>
+            <p:txBody>
+              <a:bodyPr>
+                <a:normAutofit/>
+              </a:bodyPr>
+              <a:lstStyle/>
+              <a:p>
+                <a:pPr marL="0" lvl="0" indent="0">
+                  <a:buNone/>
+                </a:pPr>
+                <a:r>
+                  <a:rPr sz="2000" dirty="0"/>
+                  <a:t>Example; Binomial likelihood and Fisher information with </a:t>
+                </a:r>
+                <a14:m>
+                  <m:oMath xmlns:m="http://schemas.openxmlformats.org/officeDocument/2006/math">
+                    <m:r>
+                      <a:rPr sz="2000">
+                        <a:latin typeface="Cambria Math" panose="02040503050406030204" pitchFamily="18" charset="0"/>
+                      </a:rPr>
+                      <m:t>𝑝</m:t>
+                    </m:r>
+                    <m:r>
+                      <a:rPr sz="2000">
+                        <a:latin typeface="Cambria Math" panose="02040503050406030204" pitchFamily="18" charset="0"/>
+                      </a:rPr>
+                      <m:t>=</m:t>
+                    </m:r>
+                    <m:r>
+                      <a:rPr sz="2000">
+                        <a:latin typeface="Cambria Math" panose="02040503050406030204" pitchFamily="18" charset="0"/>
+                      </a:rPr>
+                      <m:t>0</m:t>
+                    </m:r>
+                    <m:r>
+                      <a:rPr sz="2000">
+                        <a:latin typeface="Cambria Math" panose="02040503050406030204" pitchFamily="18" charset="0"/>
+                      </a:rPr>
+                      <m:t>.</m:t>
+                    </m:r>
+                    <m:r>
+                      <a:rPr sz="2000">
+                        <a:latin typeface="Cambria Math" panose="02040503050406030204" pitchFamily="18" charset="0"/>
+                      </a:rPr>
+                      <m:t>5</m:t>
+                    </m:r>
+                  </m:oMath>
+                </a14:m>
+                <a:br>
+                  <a:rPr sz="2000" dirty="0"/>
+                </a:br>
+                <a:r>
+                  <a:rPr sz="2000" dirty="0"/>
+                  <a:t>Extreme gradients and low information near limits, </a:t>
+                </a:r>
+                <a14:m>
+                  <m:oMath xmlns:m="http://schemas.openxmlformats.org/officeDocument/2006/math">
+                    <m:r>
+                      <a:rPr sz="2000">
+                        <a:latin typeface="Cambria Math" panose="02040503050406030204" pitchFamily="18" charset="0"/>
+                      </a:rPr>
+                      <m:t>𝑝</m:t>
+                    </m:r>
+                    <m:r>
+                      <a:rPr sz="2000">
+                        <a:latin typeface="Cambria Math" panose="02040503050406030204" pitchFamily="18" charset="0"/>
+                      </a:rPr>
+                      <m:t>=</m:t>
+                    </m:r>
+                    <m:r>
+                      <a:rPr sz="2000">
+                        <a:latin typeface="Cambria Math" panose="02040503050406030204" pitchFamily="18" charset="0"/>
+                      </a:rPr>
+                      <m:t>0</m:t>
+                    </m:r>
+                  </m:oMath>
+                </a14:m>
+                <a:r>
+                  <a:rPr sz="2000" dirty="0"/>
+                  <a:t> and </a:t>
+                </a:r>
+                <a14:m>
+                  <m:oMath xmlns:m="http://schemas.openxmlformats.org/officeDocument/2006/math">
+                    <m:r>
+                      <a:rPr sz="2000">
+                        <a:latin typeface="Cambria Math" panose="02040503050406030204" pitchFamily="18" charset="0"/>
+                      </a:rPr>
+                      <m:t>𝑝</m:t>
+                    </m:r>
+                    <m:r>
+                      <a:rPr sz="2000">
+                        <a:latin typeface="Cambria Math" panose="02040503050406030204" pitchFamily="18" charset="0"/>
+                      </a:rPr>
+                      <m:t>=</m:t>
+                    </m:r>
+                    <m:r>
+                      <a:rPr sz="2000">
+                        <a:latin typeface="Cambria Math" panose="02040503050406030204" pitchFamily="18" charset="0"/>
+                      </a:rPr>
+                      <m:t>1</m:t>
+                    </m:r>
+                  </m:oMath>
+                </a14:m>
+                <a:endParaRPr sz="2000" dirty="0"/>
+              </a:p>
+            </p:txBody>
+          </p:sp>
+        </mc:Choice>
+        <mc:Fallback>
+          <p:sp>
+            <p:nvSpPr>
+              <p:cNvPr id="4" name="Text Placeholder 3"/>
+              <p:cNvSpPr>
+                <a:spLocks noGrp="1" noRot="1" noChangeAspect="1" noMove="1" noResize="1" noEditPoints="1" noAdjustHandles="1" noChangeArrowheads="1" noChangeShapeType="1" noTextEdit="1"/>
+              </p:cNvSpPr>
+              <p:nvPr>
+                <p:ph type="body" sz="half" idx="2"/>
+              </p:nvPr>
+            </p:nvSpPr>
+            <p:spPr>
+              <a:xfrm>
+                <a:off x="457201" y="1076327"/>
+                <a:ext cx="8262394" cy="860503"/>
+              </a:xfrm>
+              <a:blipFill>
+                <a:blip r:embed="rId2"/>
+                <a:stretch>
+                  <a:fillRect l="-738" t="-4255"/>
+                </a:stretch>
+              </a:blipFill>
+            </p:spPr>
+            <p:txBody>
+              <a:bodyPr/>
+              <a:lstStyle/>
+              <a:p>
+                <a:r>
+                  <a:rPr lang="en-US">
+                    <a:noFill/>
                   </a:rPr>
-                  <m:t>𝑝</m:t>
-                </m:r>
-                <m:r>
-                  <a:rPr>
-                    <a:latin typeface="Cambria Math" panose="02040503050406030204" pitchFamily="18" charset="0"/>
-                  </a:rPr>
-                  <m:t>=</m:t>
-                </m:r>
-                <m:r>
-                  <a:rPr>
-                    <a:latin typeface="Cambria Math" panose="02040503050406030204" pitchFamily="18" charset="0"/>
-                  </a:rPr>
-                  <m:t>0</m:t>
-                </m:r>
-                <m:r>
-                  <a:rPr>
-                    <a:latin typeface="Cambria Math" panose="02040503050406030204" pitchFamily="18" charset="0"/>
-                  </a:rPr>
-                  <m:t>.</m:t>
-                </m:r>
-                <m:r>
-                  <a:rPr>
-                    <a:latin typeface="Cambria Math" panose="02040503050406030204" pitchFamily="18" charset="0"/>
-                  </a:rPr>
-                  <m:t>5</m:t>
-                </m:r>
-              </m:oMath>
-            </a14:m>
-            <a:br/>
-            <a:r>
-              <a:t>Extreme gradients and low information near limits, </a:t>
-            </a:r>
-            <a14:m xmlns:a14="http://schemas.microsoft.com/office/drawing/2010/main">
-              <m:oMath xmlns:m="http://schemas.openxmlformats.org/officeDocument/2006/math">
-                <m:r>
-                  <a:rPr>
-                    <a:latin typeface="Cambria Math" panose="02040503050406030204" pitchFamily="18" charset="0"/>
-                  </a:rPr>
-                  <m:t>𝑝</m:t>
-                </m:r>
-                <m:r>
-                  <a:rPr>
-                    <a:latin typeface="Cambria Math" panose="02040503050406030204" pitchFamily="18" charset="0"/>
-                  </a:rPr>
-                  <m:t>=</m:t>
-                </m:r>
-                <m:r>
-                  <a:rPr>
-                    <a:latin typeface="Cambria Math" panose="02040503050406030204" pitchFamily="18" charset="0"/>
-                  </a:rPr>
-                  <m:t>0</m:t>
-                </m:r>
-              </m:oMath>
-            </a14:m>
-            <a:r>
-              <a:t> and </a:t>
-            </a:r>
-            <a14:m xmlns:a14="http://schemas.microsoft.com/office/drawing/2010/main">
-              <m:oMath xmlns:m="http://schemas.openxmlformats.org/officeDocument/2006/math">
-                <m:r>
-                  <a:rPr>
-                    <a:latin typeface="Cambria Math" panose="02040503050406030204" pitchFamily="18" charset="0"/>
-                  </a:rPr>
-                  <m:t>𝑝</m:t>
-                </m:r>
-                <m:r>
-                  <a:rPr>
-                    <a:latin typeface="Cambria Math" panose="02040503050406030204" pitchFamily="18" charset="0"/>
-                  </a:rPr>
-                  <m:t>=</m:t>
-                </m:r>
-                <m:r>
-                  <a:rPr>
-                    <a:latin typeface="Cambria Math" panose="02040503050406030204" pitchFamily="18" charset="0"/>
-                  </a:rPr>
-                  <m:t>1</m:t>
-                </m:r>
-              </m:oMath>
-            </a14:m>
-            <a:endParaRPr/>
-          </a:p>
-        </p:txBody>
-      </p:sp>
-      <p:pic>
-        <p:nvPicPr>
-          <p:cNvPr id="2" name="Picture 1" descr="05_ParameterEstimationAndLikelihood_files/figure-pptx/unnamed-chunk-2-3.png"/>
-          <p:cNvPicPr>
-            <a:picLocks noGrp="1" noChangeAspect="1"/>
-          </p:cNvPicPr>
-          <p:nvPr/>
-        </p:nvPicPr>
-        <p:blipFill>
-          <a:blip r:embed="rId2"/>
-          <a:stretch>
-            <a:fillRect/>
-          </a:stretch>
-        </p:blipFill>
-        <p:spPr bwMode="auto">
-          <a:xfrm>
-            <a:off x="3568700" y="1549400"/>
-            <a:ext cx="5105400" cy="1701800"/>
-          </a:xfrm>
-          <a:prstGeom prst="rect">
-            <a:avLst/>
-          </a:prstGeom>
-          <a:noFill/>
-          <a:ln w="9525">
-            <a:noFill/>
-            <a:headEnd/>
-            <a:tailEnd/>
-          </a:ln>
-        </p:spPr>
-      </p:pic>
+                  <a:t> </a:t>
+                </a:r>
+              </a:p>
+            </p:txBody>
+          </p:sp>
+        </mc:Fallback>
+      </mc:AlternateContent>
       <p:sp>
         <p:nvSpPr>
           <p:cNvPr id="3" name="Title 1">
@@ -21669,23 +23220,58 @@
         <p:spPr>
           <a:xfrm>
             <a:off x="457200" y="205979"/>
-            <a:ext cx="8229600" cy="857250"/>
+            <a:ext cx="8229600" cy="774011"/>
           </a:xfrm>
         </p:spPr>
         <p:txBody>
-          <a:bodyPr/>
+          <a:bodyPr>
+            <a:normAutofit/>
+          </a:bodyPr>
           <a:lstStyle/>
           <a:p>
             <a:pPr marL="0" lvl="0" indent="0">
+              <a:spcBef>
+                <a:spcPts val="3000"/>
+              </a:spcBef>
               <a:buNone/>
             </a:pPr>
             <a:r>
-              <a:rPr dirty="0"/>
-              <a:t>Review</a:t>
+              <a:rPr lang="en-US" sz="3200" b="1" dirty="0"/>
+              <a:t>Parameter near limits</a:t>
             </a:r>
           </a:p>
         </p:txBody>
       </p:sp>
+      <p:pic>
+        <p:nvPicPr>
+          <p:cNvPr id="6" name="Picture 5">
+            <a:extLst>
+              <a:ext uri="{FF2B5EF4-FFF2-40B4-BE49-F238E27FC236}">
+                <a16:creationId xmlns:a16="http://schemas.microsoft.com/office/drawing/2014/main" id="{CBE3A751-8D9B-B3EF-7EA6-B8F61DABAFC4}"/>
+              </a:ext>
+            </a:extLst>
+          </p:cNvPr>
+          <p:cNvPicPr>
+            <a:picLocks noChangeAspect="1"/>
+          </p:cNvPicPr>
+          <p:nvPr/>
+        </p:nvPicPr>
+        <p:blipFill>
+          <a:blip r:embed="rId3"/>
+          <a:stretch>
+            <a:fillRect/>
+          </a:stretch>
+        </p:blipFill>
+        <p:spPr>
+          <a:xfrm>
+            <a:off x="640084" y="2033168"/>
+            <a:ext cx="7632407" cy="3028828"/>
+          </a:xfrm>
+          <a:prstGeom prst="rect">
+            <a:avLst/>
+          </a:prstGeom>
+        </p:spPr>
+      </p:pic>
     </p:spTree>
   </p:cSld>
   <p:clrMapOvr>
@@ -21724,7 +23310,7 @@
         <p:spPr/>
         <p:txBody>
           <a:bodyPr>
-            <a:normAutofit fontScale="70000" lnSpcReduction="20000"/>
+            <a:normAutofit fontScale="77500" lnSpcReduction="20000"/>
           </a:bodyPr>
           <a:lstStyle/>
           <a:p>
@@ -21763,10 +23349,6 @@
               <a:rPr dirty="0"/>
               <a:t>Uncertainty in the variables can lead to considerable uncertainty in determining the gradient in high dimensions</a:t>
             </a:r>
-            <a:br>
-              <a:rPr dirty="0"/>
-            </a:br>
-            <a:endParaRPr dirty="0"/>
           </a:p>
           <a:p>
             <a:pPr lvl="1"/>
@@ -22171,13 +23753,8 @@
                 </a:r>
                 <a:r>
                   <a:rPr b="1" dirty="0"/>
-                  <a:t>log </a:t>
-                </a:r>
-                <a:r>
-                  <a:rPr b="1" dirty="0" err="1"/>
-                  <a:t>likelibood</a:t>
-                </a:r>
-                <a:endParaRPr b="1" dirty="0"/>
+                  <a:t>log likelihood</a:t>
+                </a:r>
               </a:p>
               <a:p>
                 <a:pPr marL="0" lvl="0" indent="0">
@@ -22512,14 +24089,21 @@
                 <p:ph idx="1"/>
               </p:nvPr>
             </p:nvSpPr>
-            <p:spPr/>
+            <p:spPr>
+              <a:xfrm>
+                <a:off x="457200" y="1095738"/>
+                <a:ext cx="8229600" cy="3889092"/>
+              </a:xfrm>
+            </p:spPr>
             <p:txBody>
               <a:bodyPr>
-                <a:normAutofit fontScale="47500" lnSpcReduction="20000"/>
+                <a:normAutofit fontScale="55000" lnSpcReduction="20000"/>
               </a:bodyPr>
               <a:lstStyle/>
               <a:p>
-                <a:pPr lvl="0"/>
+                <a:pPr marL="0" lvl="0" indent="0">
+                  <a:buNone/>
+                </a:pPr>
                 <a:r>
                   <a:rPr dirty="0"/>
                   <a:t>Matrix is the </a:t>
@@ -22753,7 +24337,7 @@
                                     <a:rPr>
                                       <a:latin typeface="Cambria Math" panose="02040503050406030204" pitchFamily="18" charset="0"/>
                                     </a:rPr>
-                                    <m:t>∂</m:t>
+                                    <m:t>𝜕</m:t>
                                   </m:r>
                                 </m:e>
                                 <m:sup>
@@ -22812,7 +24396,7 @@
                                 <a:rPr>
                                   <a:latin typeface="Cambria Math" panose="02040503050406030204" pitchFamily="18" charset="0"/>
                                 </a:rPr>
-                                <m:t>∂</m:t>
+                                <m:t>𝜕</m:t>
                               </m:r>
                               <m:sSup>
                                 <m:sSupPr>
@@ -22868,7 +24452,7 @@
                       <m:f>
                         <m:fPr>
                           <m:ctrlPr>
-                            <a:rPr>
+                            <a:rPr i="1">
                               <a:latin typeface="Cambria Math" panose="02040503050406030204" pitchFamily="18" charset="0"/>
                             </a:rPr>
                           </m:ctrlPr>
@@ -22878,7 +24462,13 @@
                             <a:rPr>
                               <a:latin typeface="Cambria Math" panose="02040503050406030204" pitchFamily="18" charset="0"/>
                             </a:rPr>
-                            <m:t>∂ </m:t>
+                            <m:t>𝜕</m:t>
+                          </m:r>
+                          <m:r>
+                            <a:rPr>
+                              <a:latin typeface="Cambria Math" panose="02040503050406030204" pitchFamily="18" charset="0"/>
+                            </a:rPr>
+                            <m:t> </m:t>
                           </m:r>
                           <m:r>
                             <a:rPr>
@@ -22909,13 +24499,7 @@
                             <a:rPr>
                               <a:latin typeface="Cambria Math" panose="02040503050406030204" pitchFamily="18" charset="0"/>
                             </a:rPr>
-                            <m:t>∂</m:t>
-                          </m:r>
-                          <m:r>
-                            <a:rPr>
-                              <a:latin typeface="Cambria Math" panose="02040503050406030204" pitchFamily="18" charset="0"/>
-                            </a:rPr>
-                            <m:t>𝜃</m:t>
+                            <m:t>𝜕𝜃</m:t>
                           </m:r>
                         </m:den>
                       </m:f>
@@ -23089,7 +24673,7 @@
                         <m:accPr>
                           <m:chr m:val="̂"/>
                           <m:ctrlPr>
-                            <a:rPr>
+                            <a:rPr i="1">
                               <a:latin typeface="Cambria Math" panose="02040503050406030204" pitchFamily="18" charset="0"/>
                             </a:rPr>
                           </m:ctrlPr>
@@ -23215,7 +24799,7 @@
                       <m:accPr>
                         <m:chr m:val="̂"/>
                         <m:ctrlPr>
-                          <a:rPr>
+                          <a:rPr i="1">
                             <a:latin typeface="Cambria Math" panose="02040503050406030204" pitchFamily="18" charset="0"/>
                           </a:rPr>
                         </m:ctrlPr>
@@ -23249,10 +24833,6 @@
                   <a:rPr dirty="0"/>
                   <a:t>Greater curvature of the log likelihood function gives more certain the parameter estimates</a:t>
                 </a:r>
-                <a:br>
-                  <a:rPr dirty="0"/>
-                </a:br>
-                <a:endParaRPr dirty="0"/>
               </a:p>
               <a:p>
                 <a:pPr lvl="1"/>
@@ -23287,10 +24867,14 @@
               </p:nvPr>
             </p:nvSpPr>
             <p:spPr>
+              <a:xfrm>
+                <a:off x="457200" y="1095738"/>
+                <a:ext cx="8229600" cy="3889092"/>
+              </a:xfrm>
               <a:blipFill>
                 <a:blip r:embed="rId2"/>
                 <a:stretch>
-                  <a:fillRect t="-898"/>
+                  <a:fillRect l="-74" t="-1411"/>
                 </a:stretch>
               </a:blipFill>
             </p:spPr>
@@ -23373,8 +24957,8 @@
           <a:chExt cx="0" cy="0"/>
         </a:xfrm>
       </p:grpSpPr>
-      <mc:AlternateContent xmlns:mc="http://schemas.openxmlformats.org/markup-compatibility/2006">
-        <mc:Choice xmlns:a14="http://schemas.microsoft.com/office/drawing/2010/main" Requires="a14">
+      <mc:AlternateContent xmlns:mc="http://schemas.openxmlformats.org/markup-compatibility/2006" xmlns:a14="http://schemas.microsoft.com/office/drawing/2010/main">
+        <mc:Choice Requires="a14">
           <p:sp>
             <p:nvSpPr>
               <p:cNvPr id="3" name="Content Placeholder 2"/>
@@ -23639,7 +25223,7 @@
                                       <a:rPr>
                                         <a:latin typeface="Cambria Math" panose="02040503050406030204" pitchFamily="18" charset="0"/>
                                       </a:rPr>
-                                      <m:t>∂</m:t>
+                                      <m:t>𝜕</m:t>
                                     </m:r>
                                     <m:r>
                                       <a:rPr>
@@ -23682,7 +25266,7 @@
                                       <a:rPr>
                                         <a:latin typeface="Cambria Math" panose="02040503050406030204" pitchFamily="18" charset="0"/>
                                       </a:rPr>
-                                      <m:t>∂</m:t>
+                                      <m:t>𝜕</m:t>
                                     </m:r>
                                     <m:sSub>
                                       <m:sSubPr>
@@ -23728,7 +25312,7 @@
                                       <a:rPr>
                                         <a:latin typeface="Cambria Math" panose="02040503050406030204" pitchFamily="18" charset="0"/>
                                       </a:rPr>
-                                      <m:t>∂</m:t>
+                                      <m:t>𝜕</m:t>
                                     </m:r>
                                     <m:r>
                                       <a:rPr>
@@ -23771,7 +25355,7 @@
                                       <a:rPr>
                                         <a:latin typeface="Cambria Math" panose="02040503050406030204" pitchFamily="18" charset="0"/>
                                       </a:rPr>
-                                      <m:t>∂</m:t>
+                                      <m:t>𝜕</m:t>
                                     </m:r>
                                     <m:sSub>
                                       <m:sSubPr>
@@ -23827,7 +25411,7 @@
                                       <a:rPr>
                                         <a:latin typeface="Cambria Math" panose="02040503050406030204" pitchFamily="18" charset="0"/>
                                       </a:rPr>
-                                      <m:t>∂</m:t>
+                                      <m:t>𝜕</m:t>
                                     </m:r>
                                     <m:r>
                                       <a:rPr>
@@ -23870,7 +25454,7 @@
                                       <a:rPr>
                                         <a:latin typeface="Cambria Math" panose="02040503050406030204" pitchFamily="18" charset="0"/>
                                       </a:rPr>
-                                      <m:t>∂</m:t>
+                                      <m:t>𝜕</m:t>
                                     </m:r>
                                     <m:sSub>
                                       <m:sSubPr>
@@ -23912,7 +25496,7 @@
             </p:txBody>
           </p:sp>
         </mc:Choice>
-        <mc:Fallback>
+        <mc:Fallback xmlns="">
           <p:sp>
             <p:nvSpPr>
               <p:cNvPr id="3" name="Content Placeholder 2"/>
@@ -24157,8 +25741,8 @@
           <a:chExt cx="0" cy="0"/>
         </a:xfrm>
       </p:grpSpPr>
-      <mc:AlternateContent xmlns:mc="http://schemas.openxmlformats.org/markup-compatibility/2006">
-        <mc:Choice xmlns:a14="http://schemas.microsoft.com/office/drawing/2010/main" Requires="a14">
+      <mc:AlternateContent xmlns:mc="http://schemas.openxmlformats.org/markup-compatibility/2006" xmlns:a14="http://schemas.microsoft.com/office/drawing/2010/main">
+        <mc:Choice Requires="a14">
           <p:sp>
             <p:nvSpPr>
               <p:cNvPr id="3" name="Content Placeholder 2"/>
@@ -24193,7 +25777,7 @@
                     <m:sSub>
                       <m:sSubPr>
                         <m:ctrlPr>
-                          <a:rPr>
+                          <a:rPr i="1">
                             <a:latin typeface="Cambria Math" panose="02040503050406030204" pitchFamily="18" charset="0"/>
                           </a:rPr>
                         </m:ctrlPr>
@@ -24203,7 +25787,7 @@
                           <m:accPr>
                             <m:chr m:val="̂"/>
                             <m:ctrlPr>
-                              <a:rPr>
+                              <a:rPr i="1">
                                 <a:latin typeface="Cambria Math" panose="02040503050406030204" pitchFamily="18" charset="0"/>
                               </a:rPr>
                             </m:ctrlPr>
@@ -24238,7 +25822,7 @@
                     <m:sSub>
                       <m:sSubPr>
                         <m:ctrlPr>
-                          <a:rPr>
+                          <a:rPr i="1">
                             <a:latin typeface="Cambria Math" panose="02040503050406030204" pitchFamily="18" charset="0"/>
                           </a:rPr>
                         </m:ctrlPr>
@@ -24248,7 +25832,7 @@
                           <m:accPr>
                             <m:chr m:val="̂"/>
                             <m:ctrlPr>
-                              <a:rPr>
+                              <a:rPr i="1">
                                 <a:latin typeface="Cambria Math" panose="02040503050406030204" pitchFamily="18" charset="0"/>
                               </a:rPr>
                             </m:ctrlPr>
@@ -24304,7 +25888,7 @@
                       <m:sSub>
                         <m:sSubPr>
                           <m:ctrlPr>
-                            <a:rPr>
+                            <a:rPr i="1">
                               <a:latin typeface="Cambria Math" panose="02040503050406030204" pitchFamily="18" charset="0"/>
                             </a:rPr>
                           </m:ctrlPr>
@@ -24314,7 +25898,7 @@
                             <m:accPr>
                               <m:chr m:val="̂"/>
                               <m:ctrlPr>
-                                <a:rPr>
+                                <a:rPr i="1">
                                   <a:latin typeface="Cambria Math" panose="02040503050406030204" pitchFamily="18" charset="0"/>
                                 </a:rPr>
                               </m:ctrlPr>
@@ -24546,7 +26130,7 @@
                       <m:sSub>
                         <m:sSubPr>
                           <m:ctrlPr>
-                            <a:rPr>
+                            <a:rPr i="1">
                               <a:latin typeface="Cambria Math" panose="02040503050406030204" pitchFamily="18" charset="0"/>
                             </a:rPr>
                           </m:ctrlPr>
@@ -24771,7 +26355,7 @@
                     <m:sSub>
                       <m:sSubPr>
                         <m:ctrlPr>
-                          <a:rPr>
+                          <a:rPr i="1">
                             <a:latin typeface="Cambria Math" panose="02040503050406030204" pitchFamily="18" charset="0"/>
                           </a:rPr>
                         </m:ctrlPr>
@@ -24835,7 +26419,7 @@
                       <m:accPr>
                         <m:chr m:val="̂"/>
                         <m:ctrlPr>
-                          <a:rPr>
+                          <a:rPr i="1">
                             <a:latin typeface="Cambria Math" panose="02040503050406030204" pitchFamily="18" charset="0"/>
                           </a:rPr>
                         </m:ctrlPr>
@@ -24872,7 +26456,7 @@
             </p:txBody>
           </p:sp>
         </mc:Choice>
-        <mc:Fallback>
+        <mc:Fallback xmlns="">
           <p:sp>
             <p:nvSpPr>
               <p:cNvPr id="3" name="Content Placeholder 2"/>
@@ -24970,8 +26554,8 @@
           <a:chExt cx="0" cy="0"/>
         </a:xfrm>
       </p:grpSpPr>
-      <mc:AlternateContent xmlns:mc="http://schemas.openxmlformats.org/markup-compatibility/2006">
-        <mc:Choice xmlns:a14="http://schemas.microsoft.com/office/drawing/2010/main" Requires="a14">
+      <mc:AlternateContent xmlns:mc="http://schemas.openxmlformats.org/markup-compatibility/2006" xmlns:a14="http://schemas.microsoft.com/office/drawing/2010/main">
+        <mc:Choice Requires="a14">
           <p:sp>
             <p:nvSpPr>
               <p:cNvPr id="3" name="Content Placeholder 2"/>
@@ -25041,7 +26625,7 @@
                       <m:sSub>
                         <m:sSubPr>
                           <m:ctrlPr>
-                            <a:rPr>
+                            <a:rPr i="1">
                               <a:latin typeface="Cambria Math" panose="02040503050406030204" pitchFamily="18" charset="0"/>
                             </a:rPr>
                           </m:ctrlPr>
@@ -25401,7 +26985,7 @@
             </p:txBody>
           </p:sp>
         </mc:Choice>
-        <mc:Fallback>
+        <mc:Fallback xmlns="">
           <p:sp>
             <p:nvSpPr>
               <p:cNvPr id="3" name="Content Placeholder 2"/>
@@ -25616,8 +27200,8 @@
           <a:chExt cx="0" cy="0"/>
         </a:xfrm>
       </p:grpSpPr>
-      <mc:AlternateContent xmlns:mc="http://schemas.openxmlformats.org/markup-compatibility/2006">
-        <mc:Choice xmlns:a14="http://schemas.microsoft.com/office/drawing/2010/main" Requires="a14">
+      <mc:AlternateContent xmlns:mc="http://schemas.openxmlformats.org/markup-compatibility/2006" xmlns:a14="http://schemas.microsoft.com/office/drawing/2010/main">
+        <mc:Choice Requires="a14">
           <p:sp>
             <p:nvSpPr>
               <p:cNvPr id="3" name="Content Placeholder 2"/>
@@ -25924,7 +27508,7 @@
                     <m:sSub>
                       <m:sSubPr>
                         <m:ctrlPr>
-                          <a:rPr>
+                          <a:rPr i="1">
                             <a:latin typeface="Cambria Math" panose="02040503050406030204" pitchFamily="18" charset="0"/>
                           </a:rPr>
                         </m:ctrlPr>
@@ -26122,7 +27706,7 @@
             </p:txBody>
           </p:sp>
         </mc:Choice>
-        <mc:Fallback>
+        <mc:Fallback xmlns="">
           <p:sp>
             <p:nvSpPr>
               <p:cNvPr id="3" name="Content Placeholder 2"/>
@@ -26220,8 +27804,8 @@
           <a:chExt cx="0" cy="0"/>
         </a:xfrm>
       </p:grpSpPr>
-      <mc:AlternateContent xmlns:mc="http://schemas.openxmlformats.org/markup-compatibility/2006">
-        <mc:Choice xmlns:a14="http://schemas.microsoft.com/office/drawing/2010/main" Requires="a14">
+      <mc:AlternateContent xmlns:mc="http://schemas.openxmlformats.org/markup-compatibility/2006" xmlns:a14="http://schemas.microsoft.com/office/drawing/2010/main">
+        <mc:Choice Requires="a14">
           <p:sp>
             <p:nvSpPr>
               <p:cNvPr id="3" name="Content Placeholder 2"/>
@@ -26958,7 +28542,7 @@
             </p:txBody>
           </p:sp>
         </mc:Choice>
-        <mc:Fallback>
+        <mc:Fallback xmlns="">
           <p:sp>
             <p:nvSpPr>
               <p:cNvPr id="3" name="Content Placeholder 2"/>
@@ -27060,8 +28644,8 @@
           <a:chExt cx="0" cy="0"/>
         </a:xfrm>
       </p:grpSpPr>
-      <mc:AlternateContent xmlns:mc="http://schemas.openxmlformats.org/markup-compatibility/2006">
-        <mc:Choice xmlns:a14="http://schemas.microsoft.com/office/drawing/2010/main" Requires="a14">
+      <mc:AlternateContent xmlns:mc="http://schemas.openxmlformats.org/markup-compatibility/2006" xmlns:a14="http://schemas.microsoft.com/office/drawing/2010/main">
+        <mc:Choice Requires="a14">
           <p:sp>
             <p:nvSpPr>
               <p:cNvPr id="3" name="Content Placeholder 2"/>
@@ -27478,7 +29062,7 @@
             </p:txBody>
           </p:sp>
         </mc:Choice>
-        <mc:Fallback>
+        <mc:Fallback xmlns="">
           <p:sp>
             <p:nvSpPr>
               <p:cNvPr id="3" name="Content Placeholder 2"/>
@@ -27580,8 +29164,8 @@
           <a:chExt cx="0" cy="0"/>
         </a:xfrm>
       </p:grpSpPr>
-      <mc:AlternateContent xmlns:mc="http://schemas.openxmlformats.org/markup-compatibility/2006">
-        <mc:Choice xmlns:a14="http://schemas.microsoft.com/office/drawing/2010/main" Requires="a14">
+      <mc:AlternateContent xmlns:mc="http://schemas.openxmlformats.org/markup-compatibility/2006" xmlns:a14="http://schemas.microsoft.com/office/drawing/2010/main">
+        <mc:Choice Requires="a14">
           <p:sp>
             <p:nvSpPr>
               <p:cNvPr id="3" name="Content Placeholder 2"/>
@@ -27665,7 +29249,7 @@
                     <m:sSub>
                       <m:sSubPr>
                         <m:ctrlPr>
-                          <a:rPr>
+                          <a:rPr i="1">
                             <a:latin typeface="Cambria Math" panose="02040503050406030204" pitchFamily="18" charset="0"/>
                           </a:rPr>
                         </m:ctrlPr>
@@ -27875,19 +29459,7 @@
                                 <a:rPr>
                                   <a:latin typeface="Cambria Math" panose="02040503050406030204" pitchFamily="18" charset="0"/>
                                 </a:rPr>
-                                <m:t>1</m:t>
-                              </m:r>
-                              <m:r>
-                                <a:rPr>
-                                  <a:latin typeface="Cambria Math" panose="02040503050406030204" pitchFamily="18" charset="0"/>
-                                </a:rPr>
-                                <m:t>/</m:t>
-                              </m:r>
-                              <m:r>
-                                <a:rPr>
-                                  <a:latin typeface="Cambria Math" panose="02040503050406030204" pitchFamily="18" charset="0"/>
-                                </a:rPr>
-                                <m:t>2</m:t>
+                                <m:t>1/2</m:t>
                               </m:r>
                             </m:sup>
                           </m:sSup>
@@ -28295,19 +29867,7 @@
                                 <a:rPr>
                                   <a:latin typeface="Cambria Math" panose="02040503050406030204" pitchFamily="18" charset="0"/>
                                 </a:rPr>
-                                <m:t>1</m:t>
-                              </m:r>
-                              <m:r>
-                                <a:rPr>
-                                  <a:latin typeface="Cambria Math" panose="02040503050406030204" pitchFamily="18" charset="0"/>
-                                </a:rPr>
-                                <m:t>/</m:t>
-                              </m:r>
-                              <m:r>
-                                <a:rPr>
-                                  <a:latin typeface="Cambria Math" panose="02040503050406030204" pitchFamily="18" charset="0"/>
-                                </a:rPr>
-                                <m:t>2</m:t>
+                                <m:t>1/2</m:t>
                               </m:r>
                             </m:sup>
                           </m:sSup>
@@ -28407,13 +29967,7 @@
                                 <a:rPr>
                                   <a:latin typeface="Cambria Math" panose="02040503050406030204" pitchFamily="18" charset="0"/>
                                 </a:rPr>
-                                <m:t>=</m:t>
-                              </m:r>
-                              <m:r>
-                                <a:rPr>
-                                  <a:latin typeface="Cambria Math" panose="02040503050406030204" pitchFamily="18" charset="0"/>
-                                </a:rPr>
-                                <m:t>1</m:t>
+                                <m:t>=1</m:t>
                               </m:r>
                             </m:sub>
                             <m:sup>
@@ -28737,13 +30291,7 @@
                             <a:rPr>
                               <a:latin typeface="Cambria Math" panose="02040503050406030204" pitchFamily="18" charset="0"/>
                             </a:rPr>
-                            <m:t>=</m:t>
-                          </m:r>
-                          <m:r>
-                            <a:rPr>
-                              <a:latin typeface="Cambria Math" panose="02040503050406030204" pitchFamily="18" charset="0"/>
-                            </a:rPr>
-                            <m:t>1</m:t>
+                            <m:t>=1</m:t>
                           </m:r>
                         </m:sub>
                         <m:sup>
@@ -28842,7 +30390,7 @@
                     <m:d>
                       <m:dPr>
                         <m:ctrlPr>
-                          <a:rPr>
+                          <a:rPr i="1">
                             <a:latin typeface="Cambria Math" panose="02040503050406030204" pitchFamily="18" charset="0"/>
                           </a:rPr>
                         </m:ctrlPr>
@@ -28875,7 +30423,7 @@
             </p:txBody>
           </p:sp>
         </mc:Choice>
-        <mc:Fallback>
+        <mc:Fallback xmlns="">
           <p:sp>
             <p:nvSpPr>
               <p:cNvPr id="3" name="Content Placeholder 2"/>
@@ -29276,4 +30824,299 @@
   </a:objectDefaults>
   <a:extraClrSchemeLst/>
 </a:theme>
+</file>
+
+<file path=ppt/theme/theme2.xml><?xml version="1.0" encoding="utf-8"?>
+<a:theme xmlns:a="http://schemas.openxmlformats.org/drawingml/2006/main" name="Office Theme">
+  <a:themeElements>
+    <a:clrScheme name="Office">
+      <a:dk1>
+        <a:sysClr val="windowText" lastClr="000000"/>
+      </a:dk1>
+      <a:lt1>
+        <a:sysClr val="window" lastClr="FFFFFF"/>
+      </a:lt1>
+      <a:dk2>
+        <a:srgbClr val="44546A"/>
+      </a:dk2>
+      <a:lt2>
+        <a:srgbClr val="E7E6E6"/>
+      </a:lt2>
+      <a:accent1>
+        <a:srgbClr val="4472C4"/>
+      </a:accent1>
+      <a:accent2>
+        <a:srgbClr val="ED7D31"/>
+      </a:accent2>
+      <a:accent3>
+        <a:srgbClr val="A5A5A5"/>
+      </a:accent3>
+      <a:accent4>
+        <a:srgbClr val="FFC000"/>
+      </a:accent4>
+      <a:accent5>
+        <a:srgbClr val="5B9BD5"/>
+      </a:accent5>
+      <a:accent6>
+        <a:srgbClr val="70AD47"/>
+      </a:accent6>
+      <a:hlink>
+        <a:srgbClr val="0563C1"/>
+      </a:hlink>
+      <a:folHlink>
+        <a:srgbClr val="954F72"/>
+      </a:folHlink>
+    </a:clrScheme>
+    <a:fontScheme name="Office">
+      <a:majorFont>
+        <a:latin typeface="Calibri Light" panose="020F0302020204030204"/>
+        <a:ea typeface=""/>
+        <a:cs typeface=""/>
+        <a:font script="Jpan" typeface="游ゴシック Light"/>
+        <a:font script="Hang" typeface="맑은 고딕"/>
+        <a:font script="Hans" typeface="等线 Light"/>
+        <a:font script="Hant" typeface="新細明體"/>
+        <a:font script="Arab" typeface="Times New Roman"/>
+        <a:font script="Hebr" typeface="Times New Roman"/>
+        <a:font script="Thai" typeface="Angsana New"/>
+        <a:font script="Ethi" typeface="Nyala"/>
+        <a:font script="Beng" typeface="Vrinda"/>
+        <a:font script="Gujr" typeface="Shruti"/>
+        <a:font script="Khmr" typeface="MoolBoran"/>
+        <a:font script="Knda" typeface="Tunga"/>
+        <a:font script="Guru" typeface="Raavi"/>
+        <a:font script="Cans" typeface="Euphemia"/>
+        <a:font script="Cher" typeface="Plantagenet Cherokee"/>
+        <a:font script="Yiii" typeface="Microsoft Yi Baiti"/>
+        <a:font script="Tibt" typeface="Microsoft Himalaya"/>
+        <a:font script="Thaa" typeface="MV Boli"/>
+        <a:font script="Deva" typeface="Mangal"/>
+        <a:font script="Telu" typeface="Gautami"/>
+        <a:font script="Taml" typeface="Latha"/>
+        <a:font script="Syrc" typeface="Estrangelo Edessa"/>
+        <a:font script="Orya" typeface="Kalinga"/>
+        <a:font script="Mlym" typeface="Kartika"/>
+        <a:font script="Laoo" typeface="DokChampa"/>
+        <a:font script="Sinh" typeface="Iskoola Pota"/>
+        <a:font script="Mong" typeface="Mongolian Baiti"/>
+        <a:font script="Viet" typeface="Times New Roman"/>
+        <a:font script="Uigh" typeface="Microsoft Uighur"/>
+        <a:font script="Geor" typeface="Sylfaen"/>
+        <a:font script="Armn" typeface="Arial"/>
+        <a:font script="Bugi" typeface="Leelawadee UI"/>
+        <a:font script="Bopo" typeface="Microsoft JhengHei"/>
+        <a:font script="Java" typeface="Javanese Text"/>
+        <a:font script="Lisu" typeface="Segoe UI"/>
+        <a:font script="Mymr" typeface="Myanmar Text"/>
+        <a:font script="Nkoo" typeface="Ebrima"/>
+        <a:font script="Olck" typeface="Nirmala UI"/>
+        <a:font script="Osma" typeface="Ebrima"/>
+        <a:font script="Phag" typeface="Phagspa"/>
+        <a:font script="Syrn" typeface="Estrangelo Edessa"/>
+        <a:font script="Syrj" typeface="Estrangelo Edessa"/>
+        <a:font script="Syre" typeface="Estrangelo Edessa"/>
+        <a:font script="Sora" typeface="Nirmala UI"/>
+        <a:font script="Tale" typeface="Microsoft Tai Le"/>
+        <a:font script="Talu" typeface="Microsoft New Tai Lue"/>
+        <a:font script="Tfng" typeface="Ebrima"/>
+      </a:majorFont>
+      <a:minorFont>
+        <a:latin typeface="Calibri" panose="020F0502020204030204"/>
+        <a:ea typeface=""/>
+        <a:cs typeface=""/>
+        <a:font script="Jpan" typeface="游ゴシック"/>
+        <a:font script="Hang" typeface="맑은 고딕"/>
+        <a:font script="Hans" typeface="等线"/>
+        <a:font script="Hant" typeface="新細明體"/>
+        <a:font script="Arab" typeface="Arial"/>
+        <a:font script="Hebr" typeface="Arial"/>
+        <a:font script="Thai" typeface="Cordia New"/>
+        <a:font script="Ethi" typeface="Nyala"/>
+        <a:font script="Beng" typeface="Vrinda"/>
+        <a:font script="Gujr" typeface="Shruti"/>
+        <a:font script="Khmr" typeface="DaunPenh"/>
+        <a:font script="Knda" typeface="Tunga"/>
+        <a:font script="Guru" typeface="Raavi"/>
+        <a:font script="Cans" typeface="Euphemia"/>
+        <a:font script="Cher" typeface="Plantagenet Cherokee"/>
+        <a:font script="Yiii" typeface="Microsoft Yi Baiti"/>
+        <a:font script="Tibt" typeface="Microsoft Himalaya"/>
+        <a:font script="Thaa" typeface="MV Boli"/>
+        <a:font script="Deva" typeface="Mangal"/>
+        <a:font script="Telu" typeface="Gautami"/>
+        <a:font script="Taml" typeface="Latha"/>
+        <a:font script="Syrc" typeface="Estrangelo Edessa"/>
+        <a:font script="Orya" typeface="Kalinga"/>
+        <a:font script="Mlym" typeface="Kartika"/>
+        <a:font script="Laoo" typeface="DokChampa"/>
+        <a:font script="Sinh" typeface="Iskoola Pota"/>
+        <a:font script="Mong" typeface="Mongolian Baiti"/>
+        <a:font script="Viet" typeface="Arial"/>
+        <a:font script="Uigh" typeface="Microsoft Uighur"/>
+        <a:font script="Geor" typeface="Sylfaen"/>
+        <a:font script="Armn" typeface="Arial"/>
+        <a:font script="Bugi" typeface="Leelawadee UI"/>
+        <a:font script="Bopo" typeface="Microsoft JhengHei"/>
+        <a:font script="Java" typeface="Javanese Text"/>
+        <a:font script="Lisu" typeface="Segoe UI"/>
+        <a:font script="Mymr" typeface="Myanmar Text"/>
+        <a:font script="Nkoo" typeface="Ebrima"/>
+        <a:font script="Olck" typeface="Nirmala UI"/>
+        <a:font script="Osma" typeface="Ebrima"/>
+        <a:font script="Phag" typeface="Phagspa"/>
+        <a:font script="Syrn" typeface="Estrangelo Edessa"/>
+        <a:font script="Syrj" typeface="Estrangelo Edessa"/>
+        <a:font script="Syre" typeface="Estrangelo Edessa"/>
+        <a:font script="Sora" typeface="Nirmala UI"/>
+        <a:font script="Tale" typeface="Microsoft Tai Le"/>
+        <a:font script="Talu" typeface="Microsoft New Tai Lue"/>
+        <a:font script="Tfng" typeface="Ebrima"/>
+      </a:minorFont>
+    </a:fontScheme>
+    <a:fmtScheme name="Office">
+      <a:fillStyleLst>
+        <a:solidFill>
+          <a:schemeClr val="phClr"/>
+        </a:solidFill>
+        <a:gradFill rotWithShape="1">
+          <a:gsLst>
+            <a:gs pos="0">
+              <a:schemeClr val="phClr">
+                <a:lumMod val="110000"/>
+                <a:satMod val="105000"/>
+                <a:tint val="67000"/>
+              </a:schemeClr>
+            </a:gs>
+            <a:gs pos="50000">
+              <a:schemeClr val="phClr">
+                <a:lumMod val="105000"/>
+                <a:satMod val="103000"/>
+                <a:tint val="73000"/>
+              </a:schemeClr>
+            </a:gs>
+            <a:gs pos="100000">
+              <a:schemeClr val="phClr">
+                <a:lumMod val="105000"/>
+                <a:satMod val="109000"/>
+                <a:tint val="81000"/>
+              </a:schemeClr>
+            </a:gs>
+          </a:gsLst>
+          <a:lin ang="5400000" scaled="0"/>
+        </a:gradFill>
+        <a:gradFill rotWithShape="1">
+          <a:gsLst>
+            <a:gs pos="0">
+              <a:schemeClr val="phClr">
+                <a:satMod val="103000"/>
+                <a:lumMod val="102000"/>
+                <a:tint val="94000"/>
+              </a:schemeClr>
+            </a:gs>
+            <a:gs pos="50000">
+              <a:schemeClr val="phClr">
+                <a:satMod val="110000"/>
+                <a:lumMod val="100000"/>
+                <a:shade val="100000"/>
+              </a:schemeClr>
+            </a:gs>
+            <a:gs pos="100000">
+              <a:schemeClr val="phClr">
+                <a:lumMod val="99000"/>
+                <a:satMod val="120000"/>
+                <a:shade val="78000"/>
+              </a:schemeClr>
+            </a:gs>
+          </a:gsLst>
+          <a:lin ang="5400000" scaled="0"/>
+        </a:gradFill>
+      </a:fillStyleLst>
+      <a:lnStyleLst>
+        <a:ln w="6350" cap="flat" cmpd="sng" algn="ctr">
+          <a:solidFill>
+            <a:schemeClr val="phClr"/>
+          </a:solidFill>
+          <a:prstDash val="solid"/>
+          <a:miter lim="800000"/>
+        </a:ln>
+        <a:ln w="12700" cap="flat" cmpd="sng" algn="ctr">
+          <a:solidFill>
+            <a:schemeClr val="phClr"/>
+          </a:solidFill>
+          <a:prstDash val="solid"/>
+          <a:miter lim="800000"/>
+        </a:ln>
+        <a:ln w="19050" cap="flat" cmpd="sng" algn="ctr">
+          <a:solidFill>
+            <a:schemeClr val="phClr"/>
+          </a:solidFill>
+          <a:prstDash val="solid"/>
+          <a:miter lim="800000"/>
+        </a:ln>
+      </a:lnStyleLst>
+      <a:effectStyleLst>
+        <a:effectStyle>
+          <a:effectLst/>
+        </a:effectStyle>
+        <a:effectStyle>
+          <a:effectLst/>
+        </a:effectStyle>
+        <a:effectStyle>
+          <a:effectLst>
+            <a:outerShdw blurRad="57150" dist="19050" dir="5400000" algn="ctr" rotWithShape="0">
+              <a:srgbClr val="000000">
+                <a:alpha val="63000"/>
+              </a:srgbClr>
+            </a:outerShdw>
+          </a:effectLst>
+        </a:effectStyle>
+      </a:effectStyleLst>
+      <a:bgFillStyleLst>
+        <a:solidFill>
+          <a:schemeClr val="phClr"/>
+        </a:solidFill>
+        <a:solidFill>
+          <a:schemeClr val="phClr">
+            <a:tint val="95000"/>
+            <a:satMod val="170000"/>
+          </a:schemeClr>
+        </a:solidFill>
+        <a:gradFill rotWithShape="1">
+          <a:gsLst>
+            <a:gs pos="0">
+              <a:schemeClr val="phClr">
+                <a:tint val="93000"/>
+                <a:satMod val="150000"/>
+                <a:shade val="98000"/>
+                <a:lumMod val="102000"/>
+              </a:schemeClr>
+            </a:gs>
+            <a:gs pos="50000">
+              <a:schemeClr val="phClr">
+                <a:tint val="98000"/>
+                <a:satMod val="130000"/>
+                <a:shade val="90000"/>
+                <a:lumMod val="103000"/>
+              </a:schemeClr>
+            </a:gs>
+            <a:gs pos="100000">
+              <a:schemeClr val="phClr">
+                <a:shade val="63000"/>
+                <a:satMod val="120000"/>
+              </a:schemeClr>
+            </a:gs>
+          </a:gsLst>
+          <a:lin ang="5400000" scaled="0"/>
+        </a:gradFill>
+      </a:bgFillStyleLst>
+    </a:fmtScheme>
+  </a:themeElements>
+  <a:objectDefaults/>
+  <a:extraClrSchemeLst/>
+  <a:extLst>
+    <a:ext uri="{05A4C25C-085E-4340-85A3-A5531E510DB2}">
+      <thm15:themeFamily xmlns:thm15="http://schemas.microsoft.com/office/thememl/2012/main" name="Office Theme" id="{62F939B6-93AF-4DB8-9C6B-D6C7DFDC589F}" vid="{4A3C46E8-61CC-4603-A589-7422A47A8E4A}"/>
+    </a:ext>
+  </a:extLst>
+</a:theme>
 </file>
--- a/LectureSlides/05_ParameterEstimationAndLikelihood.pptx
+++ b/LectureSlides/05_ParameterEstimationAndLikelihood.pptx
@@ -5,7 +5,7 @@
     <p:sldMasterId id="2147483648" r:id="rId1"/>
   </p:sldMasterIdLst>
   <p:notesMasterIdLst>
-    <p:notesMasterId r:id="rId54"/>
+    <p:notesMasterId r:id="rId53"/>
   </p:notesMasterIdLst>
   <p:sldIdLst>
     <p:sldId id="256" r:id="rId2"/>
@@ -43,23 +43,22 @@
     <p:sldId id="288" r:id="rId34"/>
     <p:sldId id="289" r:id="rId35"/>
     <p:sldId id="307" r:id="rId36"/>
-    <p:sldId id="290" r:id="rId37"/>
-    <p:sldId id="291" r:id="rId38"/>
-    <p:sldId id="292" r:id="rId39"/>
-    <p:sldId id="293" r:id="rId40"/>
-    <p:sldId id="294" r:id="rId41"/>
-    <p:sldId id="295" r:id="rId42"/>
-    <p:sldId id="296" r:id="rId43"/>
-    <p:sldId id="297" r:id="rId44"/>
-    <p:sldId id="298" r:id="rId45"/>
-    <p:sldId id="299" r:id="rId46"/>
-    <p:sldId id="300" r:id="rId47"/>
-    <p:sldId id="301" r:id="rId48"/>
-    <p:sldId id="302" r:id="rId49"/>
-    <p:sldId id="303" r:id="rId50"/>
-    <p:sldId id="304" r:id="rId51"/>
-    <p:sldId id="305" r:id="rId52"/>
-    <p:sldId id="306" r:id="rId53"/>
+    <p:sldId id="291" r:id="rId37"/>
+    <p:sldId id="292" r:id="rId38"/>
+    <p:sldId id="293" r:id="rId39"/>
+    <p:sldId id="294" r:id="rId40"/>
+    <p:sldId id="295" r:id="rId41"/>
+    <p:sldId id="296" r:id="rId42"/>
+    <p:sldId id="297" r:id="rId43"/>
+    <p:sldId id="298" r:id="rId44"/>
+    <p:sldId id="299" r:id="rId45"/>
+    <p:sldId id="300" r:id="rId46"/>
+    <p:sldId id="301" r:id="rId47"/>
+    <p:sldId id="302" r:id="rId48"/>
+    <p:sldId id="303" r:id="rId49"/>
+    <p:sldId id="304" r:id="rId50"/>
+    <p:sldId id="305" r:id="rId51"/>
+    <p:sldId id="306" r:id="rId52"/>
   </p:sldIdLst>
   <p:sldSz cx="9144000" cy="5143500" type="screen16x9"/>
   <p:notesSz cx="6858000" cy="9144000"/>
@@ -259,7 +258,7 @@
           <a:p>
             <a:fld id="{FBE8413C-360A-45C8-86BB-6B0679E98A53}" type="datetimeFigureOut">
               <a:rPr lang="en-US" smtClean="0"/>
-              <a:t>8/15/2024</a:t>
+              <a:t>8/16/2024</a:t>
             </a:fld>
             <a:endParaRPr lang="en-US"/>
           </a:p>
@@ -789,7 +788,7 @@
           <a:p>
             <a:fld id="{241EB5C9-1307-BA42-ABA2-0BC069CD8E7F}" type="datetimeFigureOut">
               <a:rPr lang="en-US" smtClean="0"/>
-              <a:t>8/15/2024</a:t>
+              <a:t>8/16/2024</a:t>
             </a:fld>
             <a:endParaRPr lang="en-US"/>
           </a:p>
@@ -957,7 +956,7 @@
           <a:p>
             <a:fld id="{241EB5C9-1307-BA42-ABA2-0BC069CD8E7F}" type="datetimeFigureOut">
               <a:rPr lang="en-US" smtClean="0"/>
-              <a:t>8/15/2024</a:t>
+              <a:t>8/16/2024</a:t>
             </a:fld>
             <a:endParaRPr lang="en-US"/>
           </a:p>
@@ -1135,7 +1134,7 @@
           <a:p>
             <a:fld id="{241EB5C9-1307-BA42-ABA2-0BC069CD8E7F}" type="datetimeFigureOut">
               <a:rPr lang="en-US" smtClean="0"/>
-              <a:t>8/15/2024</a:t>
+              <a:t>8/16/2024</a:t>
             </a:fld>
             <a:endParaRPr lang="en-US"/>
           </a:p>
@@ -1303,7 +1302,7 @@
           <a:p>
             <a:fld id="{241EB5C9-1307-BA42-ABA2-0BC069CD8E7F}" type="datetimeFigureOut">
               <a:rPr lang="en-US" smtClean="0"/>
-              <a:t>8/15/2024</a:t>
+              <a:t>8/16/2024</a:t>
             </a:fld>
             <a:endParaRPr lang="en-US"/>
           </a:p>
@@ -1548,7 +1547,7 @@
           <a:p>
             <a:fld id="{241EB5C9-1307-BA42-ABA2-0BC069CD8E7F}" type="datetimeFigureOut">
               <a:rPr lang="en-US" smtClean="0"/>
-              <a:t>8/15/2024</a:t>
+              <a:t>8/16/2024</a:t>
             </a:fld>
             <a:endParaRPr lang="en-US"/>
           </a:p>
@@ -1833,7 +1832,7 @@
           <a:p>
             <a:fld id="{241EB5C9-1307-BA42-ABA2-0BC069CD8E7F}" type="datetimeFigureOut">
               <a:rPr lang="en-US" smtClean="0"/>
-              <a:t>8/15/2024</a:t>
+              <a:t>8/16/2024</a:t>
             </a:fld>
             <a:endParaRPr lang="en-US"/>
           </a:p>
@@ -2252,7 +2251,7 @@
           <a:p>
             <a:fld id="{241EB5C9-1307-BA42-ABA2-0BC069CD8E7F}" type="datetimeFigureOut">
               <a:rPr lang="en-US" smtClean="0"/>
-              <a:t>8/15/2024</a:t>
+              <a:t>8/16/2024</a:t>
             </a:fld>
             <a:endParaRPr lang="en-US"/>
           </a:p>
@@ -2369,7 +2368,7 @@
           <a:p>
             <a:fld id="{241EB5C9-1307-BA42-ABA2-0BC069CD8E7F}" type="datetimeFigureOut">
               <a:rPr lang="en-US" smtClean="0"/>
-              <a:t>8/15/2024</a:t>
+              <a:t>8/16/2024</a:t>
             </a:fld>
             <a:endParaRPr lang="en-US"/>
           </a:p>
@@ -2464,7 +2463,7 @@
           <a:p>
             <a:fld id="{241EB5C9-1307-BA42-ABA2-0BC069CD8E7F}" type="datetimeFigureOut">
               <a:rPr lang="en-US" smtClean="0"/>
-              <a:t>8/15/2024</a:t>
+              <a:t>8/16/2024</a:t>
             </a:fld>
             <a:endParaRPr lang="en-US"/>
           </a:p>
@@ -2739,7 +2738,7 @@
           <a:p>
             <a:fld id="{241EB5C9-1307-BA42-ABA2-0BC069CD8E7F}" type="datetimeFigureOut">
               <a:rPr lang="en-US" smtClean="0"/>
-              <a:t>8/15/2024</a:t>
+              <a:t>8/16/2024</a:t>
             </a:fld>
             <a:endParaRPr lang="en-US"/>
           </a:p>
@@ -2991,7 +2990,7 @@
           <a:p>
             <a:fld id="{241EB5C9-1307-BA42-ABA2-0BC069CD8E7F}" type="datetimeFigureOut">
               <a:rPr lang="en-US" smtClean="0"/>
-              <a:t>8/15/2024</a:t>
+              <a:t>8/16/2024</a:t>
             </a:fld>
             <a:endParaRPr lang="en-US"/>
           </a:p>
@@ -3202,7 +3201,7 @@
           <a:p>
             <a:fld id="{241EB5C9-1307-BA42-ABA2-0BC069CD8E7F}" type="datetimeFigureOut">
               <a:rPr lang="en-US" smtClean="0"/>
-              <a:t>8/15/2024</a:t>
+              <a:t>8/16/2024</a:t>
             </a:fld>
             <a:endParaRPr lang="en-US"/>
           </a:p>
@@ -8894,7 +8893,25 @@
                             <a:rPr>
                               <a:latin typeface="Cambria Math" panose="02040503050406030204" pitchFamily="18" charset="0"/>
                             </a:rPr>
-                            <m:t>0,1/</m:t>
+                            <m:t>0</m:t>
+                          </m:r>
+                          <m:r>
+                            <a:rPr>
+                              <a:latin typeface="Cambria Math" panose="02040503050406030204" pitchFamily="18" charset="0"/>
+                            </a:rPr>
+                            <m:t>,</m:t>
+                          </m:r>
+                          <m:r>
+                            <a:rPr>
+                              <a:latin typeface="Cambria Math" panose="02040503050406030204" pitchFamily="18" charset="0"/>
+                            </a:rPr>
+                            <m:t>1</m:t>
+                          </m:r>
+                          <m:r>
+                            <a:rPr>
+                              <a:latin typeface="Cambria Math" panose="02040503050406030204" pitchFamily="18" charset="0"/>
+                            </a:rPr>
+                            <m:t>/</m:t>
                           </m:r>
                           <m:sSub>
                             <m:sSubPr>
@@ -8956,7 +8973,13 @@
                       <a:rPr>
                         <a:latin typeface="Cambria Math" panose="02040503050406030204" pitchFamily="18" charset="0"/>
                       </a:rPr>
-                      <m:t>→∞</m:t>
+                      <m:t>→</m:t>
+                    </m:r>
+                    <m:r>
+                      <a:rPr>
+                        <a:latin typeface="Cambria Math" panose="02040503050406030204" pitchFamily="18" charset="0"/>
+                      </a:rPr>
+                      <m:t>∞</m:t>
                     </m:r>
                   </m:oMath>
                 </a14:m>
@@ -13971,8 +13994,8 @@
           </a:p>
         </p:txBody>
       </p:sp>
-      <mc:AlternateContent xmlns:mc="http://schemas.openxmlformats.org/markup-compatibility/2006">
-        <mc:Choice xmlns:a14="http://schemas.microsoft.com/office/drawing/2010/main" Requires="a14">
+      <mc:AlternateContent xmlns:mc="http://schemas.openxmlformats.org/markup-compatibility/2006" xmlns:a14="http://schemas.microsoft.com/office/drawing/2010/main">
+        <mc:Choice Requires="a14">
           <p:sp>
             <p:nvSpPr>
               <p:cNvPr id="3" name="Content Placeholder 2"/>
@@ -14327,7 +14350,7 @@
             </p:txBody>
           </p:sp>
         </mc:Choice>
-        <mc:Fallback>
+        <mc:Fallback xmlns="">
           <p:sp>
             <p:nvSpPr>
               <p:cNvPr id="3" name="Content Placeholder 2"/>
@@ -14698,8 +14721,8 @@
           <a:chExt cx="0" cy="0"/>
         </a:xfrm>
       </p:grpSpPr>
-      <mc:AlternateContent xmlns:mc="http://schemas.openxmlformats.org/markup-compatibility/2006">
-        <mc:Choice xmlns:a14="http://schemas.microsoft.com/office/drawing/2010/main" Requires="a14">
+      <mc:AlternateContent xmlns:mc="http://schemas.openxmlformats.org/markup-compatibility/2006" xmlns:a14="http://schemas.microsoft.com/office/drawing/2010/main">
+        <mc:Choice Requires="a14">
           <p:sp>
             <p:nvSpPr>
               <p:cNvPr id="3" name="Content Placeholder 2"/>
@@ -15522,7 +15545,7 @@
             </p:txBody>
           </p:sp>
         </mc:Choice>
-        <mc:Fallback>
+        <mc:Fallback xmlns="">
           <p:sp>
             <p:nvSpPr>
               <p:cNvPr id="3" name="Content Placeholder 2"/>
@@ -16114,8 +16137,8 @@
           <a:chExt cx="0" cy="0"/>
         </a:xfrm>
       </p:grpSpPr>
-      <mc:AlternateContent xmlns:mc="http://schemas.openxmlformats.org/markup-compatibility/2006">
-        <mc:Choice xmlns:a14="http://schemas.microsoft.com/office/drawing/2010/main" Requires="a14">
+      <mc:AlternateContent xmlns:mc="http://schemas.openxmlformats.org/markup-compatibility/2006" xmlns:a14="http://schemas.microsoft.com/office/drawing/2010/main">
+        <mc:Choice Requires="a14">
           <p:sp>
             <p:nvSpPr>
               <p:cNvPr id="3" name="Content Placeholder 2"/>
@@ -16549,7 +16572,7 @@
             </p:txBody>
           </p:sp>
         </mc:Choice>
-        <mc:Fallback>
+        <mc:Fallback xmlns="">
           <p:sp>
             <p:nvSpPr>
               <p:cNvPr id="3" name="Content Placeholder 2"/>
@@ -16653,8 +16676,8 @@
           <a:chExt cx="0" cy="0"/>
         </a:xfrm>
       </p:grpSpPr>
-      <mc:AlternateContent xmlns:mc="http://schemas.openxmlformats.org/markup-compatibility/2006">
-        <mc:Choice xmlns:a14="http://schemas.microsoft.com/office/drawing/2010/main" Requires="a14">
+      <mc:AlternateContent xmlns:mc="http://schemas.openxmlformats.org/markup-compatibility/2006" xmlns:a14="http://schemas.microsoft.com/office/drawing/2010/main">
+        <mc:Choice Requires="a14">
           <p:sp>
             <p:nvSpPr>
               <p:cNvPr id="3" name="Content Placeholder 2"/>
@@ -16772,7 +16795,13 @@
                           <a:rPr>
                             <a:latin typeface="Cambria Math" panose="02040503050406030204" pitchFamily="18" charset="0"/>
                           </a:rPr>
-                          <m:t>+1</m:t>
+                          <m:t>+</m:t>
+                        </m:r>
+                        <m:r>
+                          <a:rPr>
+                            <a:latin typeface="Cambria Math" panose="02040503050406030204" pitchFamily="18" charset="0"/>
+                          </a:rPr>
+                          <m:t>1</m:t>
                         </m:r>
                       </m:sub>
                     </m:sSub>
@@ -16832,7 +16861,13 @@
                             <a:rPr>
                               <a:latin typeface="Cambria Math" panose="02040503050406030204" pitchFamily="18" charset="0"/>
                             </a:rPr>
-                            <m:t>+1</m:t>
+                            <m:t>+</m:t>
+                          </m:r>
+                          <m:r>
+                            <a:rPr>
+                              <a:latin typeface="Cambria Math" panose="02040503050406030204" pitchFamily="18" charset="0"/>
+                            </a:rPr>
+                            <m:t>1</m:t>
                           </m:r>
                         </m:sub>
                       </m:sSub>
@@ -17109,7 +17144,7 @@
             </p:txBody>
           </p:sp>
         </mc:Choice>
-        <mc:Fallback>
+        <mc:Fallback xmlns="">
           <p:sp>
             <p:nvSpPr>
               <p:cNvPr id="3" name="Content Placeholder 2"/>
@@ -17207,8 +17242,8 @@
           <a:chExt cx="0" cy="0"/>
         </a:xfrm>
       </p:grpSpPr>
-      <mc:AlternateContent xmlns:mc="http://schemas.openxmlformats.org/markup-compatibility/2006">
-        <mc:Choice xmlns:a14="http://schemas.microsoft.com/office/drawing/2010/main" Requires="a14">
+      <mc:AlternateContent xmlns:mc="http://schemas.openxmlformats.org/markup-compatibility/2006" xmlns:a14="http://schemas.microsoft.com/office/drawing/2010/main">
+        <mc:Choice Requires="a14">
           <p:sp>
             <p:nvSpPr>
               <p:cNvPr id="3" name="Content Placeholder 2"/>
@@ -17310,7 +17345,7 @@
             </p:txBody>
           </p:sp>
         </mc:Choice>
-        <mc:Fallback>
+        <mc:Fallback xmlns="">
           <p:sp>
             <p:nvSpPr>
               <p:cNvPr id="3" name="Content Placeholder 2"/>
@@ -18051,8 +18086,8 @@
           <a:chExt cx="0" cy="0"/>
         </a:xfrm>
       </p:grpSpPr>
-      <mc:AlternateContent xmlns:mc="http://schemas.openxmlformats.org/markup-compatibility/2006">
-        <mc:Choice xmlns:a14="http://schemas.microsoft.com/office/drawing/2010/main" Requires="a14">
+      <mc:AlternateContent xmlns:mc="http://schemas.openxmlformats.org/markup-compatibility/2006" xmlns:a14="http://schemas.microsoft.com/office/drawing/2010/main">
+        <mc:Choice Requires="a14">
           <p:sp>
             <p:nvSpPr>
               <p:cNvPr id="3" name="Content Placeholder 2"/>
@@ -18480,7 +18515,7 @@
             </p:txBody>
           </p:sp>
         </mc:Choice>
-        <mc:Fallback>
+        <mc:Fallback xmlns="">
           <p:sp>
             <p:nvSpPr>
               <p:cNvPr id="3" name="Content Placeholder 2"/>
@@ -18596,7 +18631,7 @@
         </p:spPr>
         <p:txBody>
           <a:bodyPr>
-            <a:normAutofit fontScale="62500" lnSpcReduction="20000"/>
+            <a:normAutofit fontScale="55000" lnSpcReduction="20000"/>
           </a:bodyPr>
           <a:lstStyle/>
           <a:p>
@@ -18695,8 +18730,58 @@
                 <a:latin typeface="Courier"/>
               </a:rPr>
               <a:t> * grad(theta)
-   return weights  
+   return weights </a:t>
+            </a:r>
+            <a:endParaRPr lang="en-US" dirty="0">
+              <a:latin typeface="Courier"/>
+            </a:endParaRPr>
+          </a:p>
+          <a:p>
+            <a:pPr lvl="0" indent="0">
+              <a:buNone/>
+            </a:pPr>
+            <a:r>
+              <a:rPr lang="en-US" dirty="0">
+                <a:latin typeface="Courier"/>
+              </a:rPr>
+              <a:t>Procedure </a:t>
+            </a:r>
+            <a:r>
+              <a:rPr lang="en-US" dirty="0" err="1">
+                <a:latin typeface="Courier"/>
+              </a:rPr>
+              <a:t>gradient_descent</a:t>
+            </a:r>
+            <a:r>
+              <a:rPr lang="en-US" dirty="0">
+                <a:latin typeface="Courier"/>
+              </a:rPr>
+              <a:t>(cases, </a:t>
+            </a:r>
+            <a:r>
+              <a:rPr lang="en-US" dirty="0" err="1">
+                <a:latin typeface="Courier"/>
+              </a:rPr>
+              <a:t>initial_weights</a:t>
+            </a:r>
+            <a:r>
+              <a:rPr lang="en-US" dirty="0">
+                <a:latin typeface="Courier"/>
+              </a:rPr>
+              <a:t>)</a:t>
+            </a:r>
+            <a:r>
+              <a:rPr dirty="0">
+                <a:latin typeface="Courier"/>
+              </a:rPr>
+              <a:t> 
 </a:t>
+            </a:r>
+            <a:r>
+              <a:rPr lang="en-US" dirty="0">
+                <a:latin typeface="Courier"/>
+              </a:rPr>
+              <a:t>   </a:t>
             </a:r>
             <a:r>
               <a:rPr dirty="0" err="1">
@@ -18708,8 +18793,46 @@
               <a:rPr dirty="0">
                 <a:latin typeface="Courier"/>
               </a:rPr>
-              <a:t>(cases)          
-while(|grad| &gt; </a:t>
+              <a:t>(cases)     </a:t>
+            </a:r>
+            <a:endParaRPr lang="en-US" dirty="0">
+              <a:latin typeface="Courier"/>
+            </a:endParaRPr>
+          </a:p>
+          <a:p>
+            <a:pPr lvl="0" indent="0">
+              <a:buNone/>
+            </a:pPr>
+            <a:r>
+              <a:rPr lang="en-US" dirty="0">
+                <a:latin typeface="Courier"/>
+              </a:rPr>
+              <a:t>   weights = </a:t>
+            </a:r>
+            <a:r>
+              <a:rPr lang="en-US" dirty="0" err="1">
+                <a:latin typeface="Courier"/>
+              </a:rPr>
+              <a:t>intial_weights</a:t>
+            </a:r>
+            <a:r>
+              <a:rPr dirty="0">
+                <a:latin typeface="Courier"/>
+              </a:rPr>
+              <a:t>     
+</a:t>
+            </a:r>
+            <a:r>
+              <a:rPr lang="en-US" dirty="0">
+                <a:latin typeface="Courier"/>
+              </a:rPr>
+              <a:t>   </a:t>
+            </a:r>
+            <a:r>
+              <a:rPr dirty="0">
+                <a:latin typeface="Courier"/>
+              </a:rPr>
+              <a:t>while(|grad| &gt; </a:t>
             </a:r>
             <a:r>
               <a:rPr dirty="0" err="1">
@@ -18722,7 +18845,19 @@
                 <a:latin typeface="Courier"/>
               </a:rPr>
               <a:t>):      
-    mini-batch = </a:t>
+    </a:t>
+            </a:r>
+            <a:r>
+              <a:rPr lang="en-US" dirty="0">
+                <a:latin typeface="Courier"/>
+              </a:rPr>
+              <a:t>    </a:t>
+            </a:r>
+            <a:r>
+              <a:rPr dirty="0">
+                <a:latin typeface="Courier"/>
+              </a:rPr>
+              <a:t>mini-batch = </a:t>
             </a:r>
             <a:r>
               <a:rPr dirty="0" err="1">
@@ -18735,7 +18870,19 @@
                 <a:latin typeface="Courier"/>
               </a:rPr>
               <a:t>(cases)     
-    grad = </a:t>
+    </a:t>
+            </a:r>
+            <a:r>
+              <a:rPr lang="en-US" dirty="0">
+                <a:latin typeface="Courier"/>
+              </a:rPr>
+              <a:t>    </a:t>
+            </a:r>
+            <a:r>
+              <a:rPr dirty="0">
+                <a:latin typeface="Courier"/>
+              </a:rPr>
+              <a:t>grad = </a:t>
             </a:r>
             <a:r>
               <a:rPr dirty="0" err="1">
@@ -18760,7 +18907,19 @@
                 <a:latin typeface="Courier"/>
               </a:rPr>
               <a:t>)      
-    weights = </a:t>
+    </a:t>
+            </a:r>
+            <a:r>
+              <a:rPr lang="en-US" dirty="0">
+                <a:latin typeface="Courier"/>
+              </a:rPr>
+              <a:t>    </a:t>
+            </a:r>
+            <a:r>
+              <a:rPr dirty="0">
+                <a:latin typeface="Courier"/>
+              </a:rPr>
+              <a:t>weights = </a:t>
             </a:r>
             <a:r>
               <a:rPr dirty="0" err="1">
@@ -18875,7 +19034,7 @@
             </p:spPr>
             <p:txBody>
               <a:bodyPr>
-                <a:normAutofit fontScale="85000" lnSpcReduction="20000"/>
+                <a:normAutofit fontScale="70000" lnSpcReduction="20000"/>
               </a:bodyPr>
               <a:lstStyle/>
               <a:p>
@@ -18883,19 +19042,19 @@
                   <a:buNone/>
                 </a:pPr>
                 <a:r>
-                  <a:rPr b="1" dirty="0"/>
+                  <a:rPr lang="en-US" b="1" dirty="0"/>
                   <a:t>Newton’s method</a:t>
                 </a:r>
                 <a:r>
-                  <a:rPr dirty="0"/>
+                  <a:rPr lang="en-US" dirty="0"/>
                   <a:t>, and related methods, employ a </a:t>
                 </a:r>
                 <a:r>
-                  <a:rPr b="1" dirty="0"/>
+                  <a:rPr lang="en-US" b="1" dirty="0"/>
                   <a:t>quadratic approximation</a:t>
                 </a:r>
                 <a:r>
-                  <a:rPr dirty="0"/>
+                  <a:rPr lang="en-US" dirty="0"/>
                   <a:t> to optimization. For MLE, Newton’s method uses both the first and second derivatives of the log-likelihood function.</a:t>
                 </a:r>
               </a:p>
@@ -18904,13 +19063,13 @@
                   <a:buNone/>
                 </a:pPr>
                 <a:r>
-                  <a:rPr dirty="0"/>
+                  <a:rPr lang="en-US" dirty="0"/>
                   <a:t>Consider a nonlinear log-likelihood function, </a:t>
                 </a:r>
                 <a14:m>
                   <m:oMath xmlns:m="http://schemas.openxmlformats.org/officeDocument/2006/math">
                     <m:r>
-                      <a:rPr>
+                      <a:rPr lang="en-US">
                         <a:latin typeface="Cambria Math" panose="02040503050406030204" pitchFamily="18" charset="0"/>
                       </a:rPr>
                       <m:t>𝑙</m:t>
@@ -18918,26 +19077,26 @@
                     <m:d>
                       <m:dPr>
                         <m:ctrlPr>
-                          <a:rPr i="1">
+                          <a:rPr lang="ar-AE" i="1">
                             <a:latin typeface="Cambria Math" panose="02040503050406030204" pitchFamily="18" charset="0"/>
                           </a:rPr>
                         </m:ctrlPr>
                       </m:dPr>
                       <m:e>
                         <m:r>
-                          <a:rPr>
+                          <a:rPr lang="ar-AE">
                             <a:latin typeface="Cambria Math" panose="02040503050406030204" pitchFamily="18" charset="0"/>
                           </a:rPr>
                           <m:t>𝜃</m:t>
                         </m:r>
                         <m:r>
-                          <a:rPr>
+                          <a:rPr lang="ar-AE">
                             <a:latin typeface="Cambria Math" panose="02040503050406030204" pitchFamily="18" charset="0"/>
                           </a:rPr>
                           <m:t> |</m:t>
                         </m:r>
                         <m:r>
-                          <a:rPr>
+                          <a:rPr lang="ar-AE">
                             <a:latin typeface="Cambria Math" panose="02040503050406030204" pitchFamily="18" charset="0"/>
                           </a:rPr>
                           <m:t>𝐗</m:t>
@@ -18947,22 +19106,26 @@
                   </m:oMath>
                 </a14:m>
                 <a:r>
-                  <a:rPr dirty="0"/>
-                  <a:t>. We use a Taylor expansion to find the tangent point of the log-likelihood, </a:t>
+                  <a:rPr lang="ar-AE" dirty="0"/>
+                  <a:t>. </a:t>
+                </a:r>
+                <a:r>
+                  <a:rPr lang="en-US" dirty="0"/>
+                  <a:t>We use a Taylor expansion to find the tangent point of the log-likelihood, </a:t>
                 </a:r>
                 <a14:m>
                   <m:oMath xmlns:m="http://schemas.openxmlformats.org/officeDocument/2006/math">
                     <m:sSub>
                       <m:sSubPr>
                         <m:ctrlPr>
-                          <a:rPr i="1">
+                          <a:rPr lang="ar-AE" i="1">
                             <a:latin typeface="Cambria Math" panose="02040503050406030204" pitchFamily="18" charset="0"/>
                           </a:rPr>
                         </m:ctrlPr>
                       </m:sSubPr>
                       <m:e>
                         <m:r>
-                          <a:rPr>
+                          <a:rPr lang="ar-AE">
                             <a:latin typeface="Cambria Math" panose="02040503050406030204" pitchFamily="18" charset="0"/>
                           </a:rPr>
                           <m:t>𝜃</m:t>
@@ -18970,7 +19133,7 @@
                       </m:e>
                       <m:sub>
                         <m:r>
-                          <a:rPr>
+                          <a:rPr lang="ar-AE">
                             <a:latin typeface="Cambria Math" panose="02040503050406030204" pitchFamily="18" charset="0"/>
                           </a:rPr>
                           <m:t>𝑛</m:t>
@@ -18978,7 +19141,7 @@
                       </m:sub>
                     </m:sSub>
                     <m:r>
-                      <a:rPr>
+                      <a:rPr lang="ar-AE">
                         <a:latin typeface="Cambria Math" panose="02040503050406030204" pitchFamily="18" charset="0"/>
                       </a:rPr>
                       <m:t>=</m:t>
@@ -18986,14 +19149,14 @@
                     <m:sSub>
                       <m:sSubPr>
                         <m:ctrlPr>
-                          <a:rPr i="1">
+                          <a:rPr lang="ar-AE" i="1">
                             <a:latin typeface="Cambria Math" panose="02040503050406030204" pitchFamily="18" charset="0"/>
                           </a:rPr>
                         </m:ctrlPr>
                       </m:sSubPr>
                       <m:e>
                         <m:r>
-                          <a:rPr>
+                          <a:rPr lang="ar-AE">
                             <a:latin typeface="Cambria Math" panose="02040503050406030204" pitchFamily="18" charset="0"/>
                           </a:rPr>
                           <m:t>𝜃</m:t>
@@ -19001,7 +19164,7 @@
                       </m:e>
                       <m:sub>
                         <m:r>
-                          <a:rPr>
+                          <a:rPr lang="ar-AE">
                             <a:latin typeface="Cambria Math" panose="02040503050406030204" pitchFamily="18" charset="0"/>
                           </a:rPr>
                           <m:t>𝑘</m:t>
@@ -19009,13 +19172,13 @@
                       </m:sub>
                     </m:sSub>
                     <m:r>
-                      <a:rPr>
+                      <a:rPr lang="ar-AE">
                         <a:latin typeface="Cambria Math" panose="02040503050406030204" pitchFamily="18" charset="0"/>
                       </a:rPr>
                       <m:t>+</m:t>
                     </m:r>
                     <m:r>
-                      <a:rPr>
+                      <a:rPr lang="ar-AE">
                         <a:latin typeface="Cambria Math" panose="02040503050406030204" pitchFamily="18" charset="0"/>
                       </a:rPr>
                       <m:t>𝛿𝜃</m:t>
@@ -19023,8 +19186,12 @@
                   </m:oMath>
                 </a14:m>
                 <a:r>
-                  <a:rPr dirty="0"/>
-                  <a:t>. The Taylor expansion is:</a:t>
+                  <a:rPr lang="ar-AE" dirty="0"/>
+                  <a:t>. </a:t>
+                </a:r>
+                <a:r>
+                  <a:rPr lang="en-US" dirty="0"/>
+                  <a:t>The Taylor expansion is:</a:t>
                 </a:r>
               </a:p>
               <a:p>
@@ -19038,7 +19205,7 @@
                     </m:oMathParaPr>
                     <m:oMath xmlns:m="http://schemas.openxmlformats.org/officeDocument/2006/math">
                       <m:r>
-                        <a:rPr>
+                        <a:rPr lang="en-US">
                           <a:latin typeface="Cambria Math" panose="02040503050406030204" pitchFamily="18" charset="0"/>
                         </a:rPr>
                         <m:t>𝑙</m:t>
@@ -19046,7 +19213,7 @@
                       <m:d>
                         <m:dPr>
                           <m:ctrlPr>
-                            <a:rPr i="1">
+                            <a:rPr lang="ar-AE" i="1">
                               <a:latin typeface="Cambria Math" panose="02040503050406030204" pitchFamily="18" charset="0"/>
                             </a:rPr>
                           </m:ctrlPr>
@@ -19055,14 +19222,14 @@
                           <m:sSub>
                             <m:sSubPr>
                               <m:ctrlPr>
-                                <a:rPr i="1">
+                                <a:rPr lang="ar-AE" i="1">
                                   <a:latin typeface="Cambria Math" panose="02040503050406030204" pitchFamily="18" charset="0"/>
                                 </a:rPr>
                               </m:ctrlPr>
                             </m:sSubPr>
                             <m:e>
                               <m:r>
-                                <a:rPr>
+                                <a:rPr lang="ar-AE">
                                   <a:latin typeface="Cambria Math" panose="02040503050406030204" pitchFamily="18" charset="0"/>
                                 </a:rPr>
                                 <m:t>𝜃</m:t>
@@ -19070,7 +19237,7 @@
                             </m:e>
                             <m:sub>
                               <m:r>
-                                <a:rPr>
+                                <a:rPr lang="ar-AE">
                                   <a:latin typeface="Cambria Math" panose="02040503050406030204" pitchFamily="18" charset="0"/>
                                 </a:rPr>
                                 <m:t>𝑘</m:t>
@@ -19078,13 +19245,13 @@
                             </m:sub>
                           </m:sSub>
                           <m:r>
-                            <a:rPr>
+                            <a:rPr lang="ar-AE">
                               <a:latin typeface="Cambria Math" panose="02040503050406030204" pitchFamily="18" charset="0"/>
                             </a:rPr>
                             <m:t>+</m:t>
                           </m:r>
                           <m:r>
-                            <a:rPr>
+                            <a:rPr lang="ar-AE">
                               <a:latin typeface="Cambria Math" panose="02040503050406030204" pitchFamily="18" charset="0"/>
                             </a:rPr>
                             <m:t>𝛿𝜃</m:t>
@@ -19092,13 +19259,13 @@
                         </m:e>
                       </m:d>
                       <m:r>
-                        <a:rPr>
+                        <a:rPr lang="ar-AE">
                           <a:latin typeface="Cambria Math" panose="02040503050406030204" pitchFamily="18" charset="0"/>
                         </a:rPr>
                         <m:t>=</m:t>
                       </m:r>
                       <m:r>
-                        <a:rPr>
+                        <a:rPr lang="ar-AE">
                           <a:latin typeface="Cambria Math" panose="02040503050406030204" pitchFamily="18" charset="0"/>
                         </a:rPr>
                         <m:t>𝑙</m:t>
@@ -19106,7 +19273,7 @@
                       <m:d>
                         <m:dPr>
                           <m:ctrlPr>
-                            <a:rPr i="1">
+                            <a:rPr lang="ar-AE" i="1">
                               <a:latin typeface="Cambria Math" panose="02040503050406030204" pitchFamily="18" charset="0"/>
                             </a:rPr>
                           </m:ctrlPr>
@@ -19115,14 +19282,14 @@
                           <m:sSub>
                             <m:sSubPr>
                               <m:ctrlPr>
-                                <a:rPr i="1">
+                                <a:rPr lang="ar-AE" i="1">
                                   <a:latin typeface="Cambria Math" panose="02040503050406030204" pitchFamily="18" charset="0"/>
                                 </a:rPr>
                               </m:ctrlPr>
                             </m:sSubPr>
                             <m:e>
                               <m:r>
-                                <a:rPr>
+                                <a:rPr lang="ar-AE">
                                   <a:latin typeface="Cambria Math" panose="02040503050406030204" pitchFamily="18" charset="0"/>
                                 </a:rPr>
                                 <m:t>𝜃</m:t>
@@ -19130,7 +19297,7 @@
                             </m:e>
                             <m:sub>
                               <m:r>
-                                <a:rPr>
+                                <a:rPr lang="ar-AE">
                                   <a:latin typeface="Cambria Math" panose="02040503050406030204" pitchFamily="18" charset="0"/>
                                 </a:rPr>
                                 <m:t>𝑘</m:t>
@@ -19140,19 +19307,19 @@
                         </m:e>
                       </m:d>
                       <m:r>
-                        <a:rPr>
+                        <a:rPr lang="ar-AE">
                           <a:latin typeface="Cambria Math" panose="02040503050406030204" pitchFamily="18" charset="0"/>
                         </a:rPr>
                         <m:t>+</m:t>
                       </m:r>
                       <m:r>
-                        <a:rPr>
+                        <a:rPr lang="ar-AE">
                           <a:latin typeface="Cambria Math" panose="02040503050406030204" pitchFamily="18" charset="0"/>
                         </a:rPr>
                         <m:t>𝑙</m:t>
                       </m:r>
                       <m:r>
-                        <a:rPr>
+                        <a:rPr lang="ar-AE">
                           <a:latin typeface="Cambria Math" panose="02040503050406030204" pitchFamily="18" charset="0"/>
                         </a:rPr>
                         <m:t>′</m:t>
@@ -19160,7 +19327,7 @@
                       <m:d>
                         <m:dPr>
                           <m:ctrlPr>
-                            <a:rPr i="1">
+                            <a:rPr lang="ar-AE" i="1">
                               <a:latin typeface="Cambria Math" panose="02040503050406030204" pitchFamily="18" charset="0"/>
                             </a:rPr>
                           </m:ctrlPr>
@@ -19169,14 +19336,14 @@
                           <m:sSub>
                             <m:sSubPr>
                               <m:ctrlPr>
-                                <a:rPr i="1">
+                                <a:rPr lang="ar-AE" i="1">
                                   <a:latin typeface="Cambria Math" panose="02040503050406030204" pitchFamily="18" charset="0"/>
                                 </a:rPr>
                               </m:ctrlPr>
                             </m:sSubPr>
                             <m:e>
                               <m:r>
-                                <a:rPr>
+                                <a:rPr lang="ar-AE">
                                   <a:latin typeface="Cambria Math" panose="02040503050406030204" pitchFamily="18" charset="0"/>
                                 </a:rPr>
                                 <m:t>𝜃</m:t>
@@ -19184,7 +19351,7 @@
                             </m:e>
                             <m:sub>
                               <m:r>
-                                <a:rPr>
+                                <a:rPr lang="ar-AE">
                                   <a:latin typeface="Cambria Math" panose="02040503050406030204" pitchFamily="18" charset="0"/>
                                 </a:rPr>
                                 <m:t>𝑘</m:t>
@@ -19194,13 +19361,13 @@
                         </m:e>
                       </m:d>
                       <m:r>
-                        <a:rPr>
+                        <a:rPr lang="ar-AE">
                           <a:latin typeface="Cambria Math" panose="02040503050406030204" pitchFamily="18" charset="0"/>
                         </a:rPr>
                         <m:t>𝛿𝜃</m:t>
                       </m:r>
                       <m:r>
-                        <a:rPr>
+                        <a:rPr lang="ar-AE">
                           <a:latin typeface="Cambria Math" panose="02040503050406030204" pitchFamily="18" charset="0"/>
                         </a:rPr>
                         <m:t>+</m:t>
@@ -19208,14 +19375,14 @@
                       <m:f>
                         <m:fPr>
                           <m:ctrlPr>
-                            <a:rPr i="1">
+                            <a:rPr lang="ar-AE" i="1">
                               <a:latin typeface="Cambria Math" panose="02040503050406030204" pitchFamily="18" charset="0"/>
                             </a:rPr>
                           </m:ctrlPr>
                         </m:fPr>
                         <m:num>
                           <m:r>
-                            <a:rPr>
+                            <a:rPr lang="ar-AE">
                               <a:latin typeface="Cambria Math" panose="02040503050406030204" pitchFamily="18" charset="0"/>
                             </a:rPr>
                             <m:t>1</m:t>
@@ -19223,7 +19390,7 @@
                         </m:num>
                         <m:den>
                           <m:r>
-                            <a:rPr>
+                            <a:rPr lang="ar-AE">
                               <a:latin typeface="Cambria Math" panose="02040503050406030204" pitchFamily="18" charset="0"/>
                             </a:rPr>
                             <m:t>2</m:t>
@@ -19231,13 +19398,13 @@
                         </m:den>
                       </m:f>
                       <m:r>
-                        <a:rPr>
+                        <a:rPr lang="ar-AE">
                           <a:latin typeface="Cambria Math" panose="02040503050406030204" pitchFamily="18" charset="0"/>
                         </a:rPr>
                         <m:t>𝑙</m:t>
                       </m:r>
                       <m:r>
-                        <a:rPr>
+                        <a:rPr lang="ar-AE">
                           <a:latin typeface="Cambria Math" panose="02040503050406030204" pitchFamily="18" charset="0"/>
                         </a:rPr>
                         <m:t>″</m:t>
@@ -19245,7 +19412,7 @@
                       <m:d>
                         <m:dPr>
                           <m:ctrlPr>
-                            <a:rPr i="1">
+                            <a:rPr lang="ar-AE" i="1">
                               <a:latin typeface="Cambria Math" panose="02040503050406030204" pitchFamily="18" charset="0"/>
                             </a:rPr>
                           </m:ctrlPr>
@@ -19254,14 +19421,14 @@
                           <m:sSub>
                             <m:sSubPr>
                               <m:ctrlPr>
-                                <a:rPr i="1">
+                                <a:rPr lang="ar-AE" i="1">
                                   <a:latin typeface="Cambria Math" panose="02040503050406030204" pitchFamily="18" charset="0"/>
                                 </a:rPr>
                               </m:ctrlPr>
                             </m:sSubPr>
                             <m:e>
                               <m:r>
-                                <a:rPr>
+                                <a:rPr lang="ar-AE">
                                   <a:latin typeface="Cambria Math" panose="02040503050406030204" pitchFamily="18" charset="0"/>
                                 </a:rPr>
                                 <m:t>𝜃</m:t>
@@ -19269,7 +19436,7 @@
                             </m:e>
                             <m:sub>
                               <m:r>
-                                <a:rPr>
+                                <a:rPr lang="ar-AE">
                                   <a:latin typeface="Cambria Math" panose="02040503050406030204" pitchFamily="18" charset="0"/>
                                 </a:rPr>
                                 <m:t>𝑘</m:t>
@@ -19279,22 +19446,47 @@
                         </m:e>
                       </m:d>
                       <m:r>
-                        <a:rPr>
+                        <a:rPr lang="ar-AE">
                           <a:latin typeface="Cambria Math" panose="02040503050406030204" pitchFamily="18" charset="0"/>
                         </a:rPr>
-                        <m:t>𝛿𝜃</m:t>
+                        <m:t>𝛿</m:t>
                       </m:r>
+                      <m:sSup>
+                        <m:sSupPr>
+                          <m:ctrlPr>
+                            <a:rPr lang="ar-AE" i="1" smtClean="0">
+                              <a:latin typeface="Cambria Math" panose="02040503050406030204" pitchFamily="18" charset="0"/>
+                            </a:rPr>
+                          </m:ctrlPr>
+                        </m:sSupPr>
+                        <m:e>
+                          <m:r>
+                            <a:rPr lang="ar-AE">
+                              <a:latin typeface="Cambria Math" panose="02040503050406030204" pitchFamily="18" charset="0"/>
+                            </a:rPr>
+                            <m:t>𝜃</m:t>
+                          </m:r>
+                        </m:e>
+                        <m:sup>
+                          <m:r>
+                            <a:rPr lang="en-US" b="0" i="1" smtClean="0">
+                              <a:latin typeface="Cambria Math" panose="02040503050406030204" pitchFamily="18" charset="0"/>
+                            </a:rPr>
+                            <m:t>2</m:t>
+                          </m:r>
+                        </m:sup>
+                      </m:sSup>
                     </m:oMath>
                   </m:oMathPara>
                 </a14:m>
-                <a:endParaRPr dirty="0"/>
+                <a:endParaRPr lang="ar-AE" dirty="0"/>
               </a:p>
               <a:p>
                 <a:pPr marL="0" lvl="0" indent="0">
                   <a:buNone/>
                 </a:pPr>
                 <a:r>
-                  <a:rPr dirty="0"/>
+                  <a:rPr lang="en-US" dirty="0"/>
                   <a:t>Setting this expansion to 0, we have:</a:t>
                 </a:r>
               </a:p>
@@ -19302,20 +19494,468 @@
                 <a:pPr marL="0" lvl="0" indent="0">
                   <a:buNone/>
                 </a:pPr>
-                <a:endParaRPr dirty="0"/>
+                <a14:m>
+                  <m:oMathPara xmlns:m="http://schemas.openxmlformats.org/officeDocument/2006/math">
+                    <m:oMathParaPr>
+                      <m:jc m:val="centerGroup"/>
+                    </m:oMathParaPr>
+                    <m:oMath xmlns:m="http://schemas.openxmlformats.org/officeDocument/2006/math">
+                      <m:f>
+                        <m:fPr>
+                          <m:ctrlPr>
+                            <a:rPr lang="ar-AE" i="1" smtClean="0">
+                              <a:latin typeface="Cambria Math" panose="02040503050406030204" pitchFamily="18" charset="0"/>
+                            </a:rPr>
+                          </m:ctrlPr>
+                        </m:fPr>
+                        <m:num>
+                          <m:r>
+                            <a:rPr lang="ar-AE" b="0" i="1" smtClean="0">
+                              <a:latin typeface="Cambria Math" panose="02040503050406030204" pitchFamily="18" charset="0"/>
+                            </a:rPr>
+                            <m:t>𝑑</m:t>
+                          </m:r>
+                        </m:num>
+                        <m:den>
+                          <m:r>
+                            <a:rPr lang="en-US" b="0" i="1" smtClean="0">
+                              <a:latin typeface="Cambria Math" panose="02040503050406030204" pitchFamily="18" charset="0"/>
+                            </a:rPr>
+                            <m:t>𝑑</m:t>
+                          </m:r>
+                          <m:r>
+                            <a:rPr lang="en-US" b="0" i="0" smtClean="0">
+                              <a:latin typeface="Cambria Math" panose="02040503050406030204" pitchFamily="18" charset="0"/>
+                            </a:rPr>
+                            <m:t> </m:t>
+                          </m:r>
+                          <m:r>
+                            <a:rPr lang="ar-AE">
+                              <a:latin typeface="Cambria Math" panose="02040503050406030204" pitchFamily="18" charset="0"/>
+                            </a:rPr>
+                            <m:t>𝛿𝜃</m:t>
+                          </m:r>
+                        </m:den>
+                      </m:f>
+                      <m:d>
+                        <m:dPr>
+                          <m:ctrlPr>
+                            <a:rPr lang="ar-AE" i="1" smtClean="0">
+                              <a:latin typeface="Cambria Math" panose="02040503050406030204" pitchFamily="18" charset="0"/>
+                            </a:rPr>
+                          </m:ctrlPr>
+                        </m:dPr>
+                        <m:e>
+                          <m:r>
+                            <a:rPr lang="ar-AE">
+                              <a:latin typeface="Cambria Math" panose="02040503050406030204" pitchFamily="18" charset="0"/>
+                            </a:rPr>
+                            <m:t>𝑙</m:t>
+                          </m:r>
+                          <m:d>
+                            <m:dPr>
+                              <m:ctrlPr>
+                                <a:rPr lang="ar-AE" i="1">
+                                  <a:latin typeface="Cambria Math" panose="02040503050406030204" pitchFamily="18" charset="0"/>
+                                </a:rPr>
+                              </m:ctrlPr>
+                            </m:dPr>
+                            <m:e>
+                              <m:sSub>
+                                <m:sSubPr>
+                                  <m:ctrlPr>
+                                    <a:rPr lang="ar-AE" i="1">
+                                      <a:latin typeface="Cambria Math" panose="02040503050406030204" pitchFamily="18" charset="0"/>
+                                    </a:rPr>
+                                  </m:ctrlPr>
+                                </m:sSubPr>
+                                <m:e>
+                                  <m:r>
+                                    <a:rPr lang="ar-AE">
+                                      <a:latin typeface="Cambria Math" panose="02040503050406030204" pitchFamily="18" charset="0"/>
+                                    </a:rPr>
+                                    <m:t>𝜃</m:t>
+                                  </m:r>
+                                </m:e>
+                                <m:sub>
+                                  <m:r>
+                                    <a:rPr lang="ar-AE">
+                                      <a:latin typeface="Cambria Math" panose="02040503050406030204" pitchFamily="18" charset="0"/>
+                                    </a:rPr>
+                                    <m:t>𝑘</m:t>
+                                  </m:r>
+                                </m:sub>
+                              </m:sSub>
+                            </m:e>
+                          </m:d>
+                          <m:r>
+                            <a:rPr lang="ar-AE">
+                              <a:latin typeface="Cambria Math" panose="02040503050406030204" pitchFamily="18" charset="0"/>
+                            </a:rPr>
+                            <m:t>+</m:t>
+                          </m:r>
+                          <m:r>
+                            <a:rPr lang="ar-AE">
+                              <a:latin typeface="Cambria Math" panose="02040503050406030204" pitchFamily="18" charset="0"/>
+                            </a:rPr>
+                            <m:t>𝑙</m:t>
+                          </m:r>
+                          <m:r>
+                            <a:rPr lang="ar-AE">
+                              <a:latin typeface="Cambria Math" panose="02040503050406030204" pitchFamily="18" charset="0"/>
+                            </a:rPr>
+                            <m:t>′</m:t>
+                          </m:r>
+                          <m:d>
+                            <m:dPr>
+                              <m:ctrlPr>
+                                <a:rPr lang="ar-AE" i="1">
+                                  <a:latin typeface="Cambria Math" panose="02040503050406030204" pitchFamily="18" charset="0"/>
+                                </a:rPr>
+                              </m:ctrlPr>
+                            </m:dPr>
+                            <m:e>
+                              <m:sSub>
+                                <m:sSubPr>
+                                  <m:ctrlPr>
+                                    <a:rPr lang="ar-AE" i="1">
+                                      <a:latin typeface="Cambria Math" panose="02040503050406030204" pitchFamily="18" charset="0"/>
+                                    </a:rPr>
+                                  </m:ctrlPr>
+                                </m:sSubPr>
+                                <m:e>
+                                  <m:r>
+                                    <a:rPr lang="ar-AE">
+                                      <a:latin typeface="Cambria Math" panose="02040503050406030204" pitchFamily="18" charset="0"/>
+                                    </a:rPr>
+                                    <m:t>𝜃</m:t>
+                                  </m:r>
+                                </m:e>
+                                <m:sub>
+                                  <m:r>
+                                    <a:rPr lang="ar-AE">
+                                      <a:latin typeface="Cambria Math" panose="02040503050406030204" pitchFamily="18" charset="0"/>
+                                    </a:rPr>
+                                    <m:t>𝑘</m:t>
+                                  </m:r>
+                                </m:sub>
+                              </m:sSub>
+                            </m:e>
+                          </m:d>
+                          <m:r>
+                            <a:rPr lang="ar-AE">
+                              <a:latin typeface="Cambria Math" panose="02040503050406030204" pitchFamily="18" charset="0"/>
+                            </a:rPr>
+                            <m:t>𝛿𝜃</m:t>
+                          </m:r>
+                          <m:r>
+                            <a:rPr lang="ar-AE">
+                              <a:latin typeface="Cambria Math" panose="02040503050406030204" pitchFamily="18" charset="0"/>
+                            </a:rPr>
+                            <m:t>+</m:t>
+                          </m:r>
+                          <m:f>
+                            <m:fPr>
+                              <m:ctrlPr>
+                                <a:rPr lang="ar-AE" i="1">
+                                  <a:latin typeface="Cambria Math" panose="02040503050406030204" pitchFamily="18" charset="0"/>
+                                </a:rPr>
+                              </m:ctrlPr>
+                            </m:fPr>
+                            <m:num>
+                              <m:r>
+                                <a:rPr lang="ar-AE">
+                                  <a:latin typeface="Cambria Math" panose="02040503050406030204" pitchFamily="18" charset="0"/>
+                                </a:rPr>
+                                <m:t>1</m:t>
+                              </m:r>
+                            </m:num>
+                            <m:den>
+                              <m:r>
+                                <a:rPr lang="ar-AE">
+                                  <a:latin typeface="Cambria Math" panose="02040503050406030204" pitchFamily="18" charset="0"/>
+                                </a:rPr>
+                                <m:t>2</m:t>
+                              </m:r>
+                            </m:den>
+                          </m:f>
+                          <m:r>
+                            <a:rPr lang="ar-AE">
+                              <a:latin typeface="Cambria Math" panose="02040503050406030204" pitchFamily="18" charset="0"/>
+                            </a:rPr>
+                            <m:t>𝑙</m:t>
+                          </m:r>
+                          <m:r>
+                            <a:rPr lang="ar-AE">
+                              <a:latin typeface="Cambria Math" panose="02040503050406030204" pitchFamily="18" charset="0"/>
+                            </a:rPr>
+                            <m:t>″</m:t>
+                          </m:r>
+                          <m:d>
+                            <m:dPr>
+                              <m:ctrlPr>
+                                <a:rPr lang="ar-AE" i="1">
+                                  <a:latin typeface="Cambria Math" panose="02040503050406030204" pitchFamily="18" charset="0"/>
+                                </a:rPr>
+                              </m:ctrlPr>
+                            </m:dPr>
+                            <m:e>
+                              <m:sSub>
+                                <m:sSubPr>
+                                  <m:ctrlPr>
+                                    <a:rPr lang="ar-AE" i="1">
+                                      <a:latin typeface="Cambria Math" panose="02040503050406030204" pitchFamily="18" charset="0"/>
+                                    </a:rPr>
+                                  </m:ctrlPr>
+                                </m:sSubPr>
+                                <m:e>
+                                  <m:r>
+                                    <a:rPr lang="ar-AE">
+                                      <a:latin typeface="Cambria Math" panose="02040503050406030204" pitchFamily="18" charset="0"/>
+                                    </a:rPr>
+                                    <m:t>𝜃</m:t>
+                                  </m:r>
+                                </m:e>
+                                <m:sub>
+                                  <m:r>
+                                    <a:rPr lang="ar-AE">
+                                      <a:latin typeface="Cambria Math" panose="02040503050406030204" pitchFamily="18" charset="0"/>
+                                    </a:rPr>
+                                    <m:t>𝑘</m:t>
+                                  </m:r>
+                                </m:sub>
+                              </m:sSub>
+                            </m:e>
+                          </m:d>
+                          <m:r>
+                            <a:rPr lang="ar-AE">
+                              <a:latin typeface="Cambria Math" panose="02040503050406030204" pitchFamily="18" charset="0"/>
+                            </a:rPr>
+                            <m:t>𝛿</m:t>
+                          </m:r>
+                          <m:sSup>
+                            <m:sSupPr>
+                              <m:ctrlPr>
+                                <a:rPr lang="ar-AE" i="1">
+                                  <a:latin typeface="Cambria Math" panose="02040503050406030204" pitchFamily="18" charset="0"/>
+                                </a:rPr>
+                              </m:ctrlPr>
+                            </m:sSupPr>
+                            <m:e>
+                              <m:r>
+                                <a:rPr lang="ar-AE">
+                                  <a:latin typeface="Cambria Math" panose="02040503050406030204" pitchFamily="18" charset="0"/>
+                                </a:rPr>
+                                <m:t>𝜃</m:t>
+                              </m:r>
+                            </m:e>
+                            <m:sup>
+                              <m:r>
+                                <a:rPr lang="en-US" i="1">
+                                  <a:latin typeface="Cambria Math" panose="02040503050406030204" pitchFamily="18" charset="0"/>
+                                </a:rPr>
+                                <m:t>2</m:t>
+                              </m:r>
+                            </m:sup>
+                          </m:sSup>
+                        </m:e>
+                      </m:d>
+                      <m:r>
+                        <a:rPr lang="en-US" b="0" i="1" smtClean="0">
+                          <a:latin typeface="Cambria Math" panose="02040503050406030204" pitchFamily="18" charset="0"/>
+                        </a:rPr>
+                        <m:t>=</m:t>
+                      </m:r>
+                      <m:r>
+                        <a:rPr lang="en-US" b="0" i="1" smtClean="0">
+                          <a:latin typeface="Cambria Math" panose="02040503050406030204" pitchFamily="18" charset="0"/>
+                        </a:rPr>
+                        <m:t>0</m:t>
+                      </m:r>
+                    </m:oMath>
+                  </m:oMathPara>
+                </a14:m>
+                <a:endParaRPr lang="en-US" dirty="0"/>
               </a:p>
               <a:p>
                 <a:pPr marL="0" lvl="0" indent="0">
                   <a:buNone/>
                 </a:pPr>
-                <a:r>
-                  <a:rPr dirty="0"/>
+                <a14:m>
+                  <m:oMathPara xmlns:m="http://schemas.openxmlformats.org/officeDocument/2006/math">
+                    <m:oMathParaPr>
+                      <m:jc m:val="centerGroup"/>
+                    </m:oMathParaPr>
+                    <m:oMath xmlns:m="http://schemas.openxmlformats.org/officeDocument/2006/math">
+                      <m:sSup>
+                        <m:sSupPr>
+                          <m:ctrlPr>
+                            <a:rPr lang="ar-AE" smtClean="0">
+                              <a:latin typeface="Cambria Math" panose="02040503050406030204" pitchFamily="18" charset="0"/>
+                            </a:rPr>
+                          </m:ctrlPr>
+                        </m:sSupPr>
+                        <m:e>
+                          <m:r>
+                            <a:rPr lang="ar-AE" smtClean="0">
+                              <a:latin typeface="Cambria Math" panose="02040503050406030204" pitchFamily="18" charset="0"/>
+                            </a:rPr>
+                            <m:t>𝑙</m:t>
+                          </m:r>
+                        </m:e>
+                        <m:sup>
+                          <m:r>
+                            <a:rPr lang="ar-AE" i="1" smtClean="0">
+                              <a:latin typeface="Cambria Math" panose="02040503050406030204" pitchFamily="18" charset="0"/>
+                            </a:rPr>
+                            <m:t>′</m:t>
+                          </m:r>
+                        </m:sup>
+                      </m:sSup>
+                      <m:d>
+                        <m:dPr>
+                          <m:ctrlPr>
+                            <a:rPr lang="ar-AE" i="1">
+                              <a:latin typeface="Cambria Math" panose="02040503050406030204" pitchFamily="18" charset="0"/>
+                            </a:rPr>
+                          </m:ctrlPr>
+                        </m:dPr>
+                        <m:e>
+                          <m:sSub>
+                            <m:sSubPr>
+                              <m:ctrlPr>
+                                <a:rPr lang="ar-AE" i="1">
+                                  <a:latin typeface="Cambria Math" panose="02040503050406030204" pitchFamily="18" charset="0"/>
+                                </a:rPr>
+                              </m:ctrlPr>
+                            </m:sSubPr>
+                            <m:e>
+                              <m:r>
+                                <a:rPr lang="ar-AE">
+                                  <a:latin typeface="Cambria Math" panose="02040503050406030204" pitchFamily="18" charset="0"/>
+                                </a:rPr>
+                                <m:t>𝜃</m:t>
+                              </m:r>
+                            </m:e>
+                            <m:sub>
+                              <m:r>
+                                <a:rPr lang="ar-AE">
+                                  <a:latin typeface="Cambria Math" panose="02040503050406030204" pitchFamily="18" charset="0"/>
+                                </a:rPr>
+                                <m:t>𝑘</m:t>
+                              </m:r>
+                            </m:sub>
+                          </m:sSub>
+                        </m:e>
+                      </m:d>
+                      <m:r>
+                        <a:rPr lang="ar-AE">
+                          <a:latin typeface="Cambria Math" panose="02040503050406030204" pitchFamily="18" charset="0"/>
+                        </a:rPr>
+                        <m:t>+</m:t>
+                      </m:r>
+                      <m:sSup>
+                        <m:sSupPr>
+                          <m:ctrlPr>
+                            <a:rPr lang="ar-AE" i="1">
+                              <a:latin typeface="Cambria Math" panose="02040503050406030204" pitchFamily="18" charset="0"/>
+                            </a:rPr>
+                          </m:ctrlPr>
+                        </m:sSupPr>
+                        <m:e>
+                          <m:r>
+                            <a:rPr lang="ar-AE">
+                              <a:latin typeface="Cambria Math" panose="02040503050406030204" pitchFamily="18" charset="0"/>
+                            </a:rPr>
+                            <m:t>𝑙</m:t>
+                          </m:r>
+                        </m:e>
+                        <m:sup>
+                          <m:r>
+                            <a:rPr lang="ar-AE" i="1">
+                              <a:latin typeface="Cambria Math" panose="02040503050406030204" pitchFamily="18" charset="0"/>
+                            </a:rPr>
+                            <m:t>″</m:t>
+                          </m:r>
+                        </m:sup>
+                      </m:sSup>
+                      <m:d>
+                        <m:dPr>
+                          <m:ctrlPr>
+                            <a:rPr lang="ar-AE" i="1">
+                              <a:latin typeface="Cambria Math" panose="02040503050406030204" pitchFamily="18" charset="0"/>
+                            </a:rPr>
+                          </m:ctrlPr>
+                        </m:dPr>
+                        <m:e>
+                          <m:sSub>
+                            <m:sSubPr>
+                              <m:ctrlPr>
+                                <a:rPr lang="ar-AE" i="1">
+                                  <a:latin typeface="Cambria Math" panose="02040503050406030204" pitchFamily="18" charset="0"/>
+                                </a:rPr>
+                              </m:ctrlPr>
+                            </m:sSubPr>
+                            <m:e>
+                              <m:r>
+                                <a:rPr lang="ar-AE">
+                                  <a:latin typeface="Cambria Math" panose="02040503050406030204" pitchFamily="18" charset="0"/>
+                                </a:rPr>
+                                <m:t>𝜃</m:t>
+                              </m:r>
+                            </m:e>
+                            <m:sub>
+                              <m:r>
+                                <a:rPr lang="ar-AE">
+                                  <a:latin typeface="Cambria Math" panose="02040503050406030204" pitchFamily="18" charset="0"/>
+                                </a:rPr>
+                                <m:t>𝑘</m:t>
+                              </m:r>
+                            </m:sub>
+                          </m:sSub>
+                        </m:e>
+                      </m:d>
+                      <m:r>
+                        <a:rPr lang="en-US" b="0" i="0" smtClean="0">
+                          <a:latin typeface="Cambria Math" panose="02040503050406030204" pitchFamily="18" charset="0"/>
+                        </a:rPr>
+                        <m:t> </m:t>
+                      </m:r>
+                      <m:r>
+                        <a:rPr lang="ar-AE">
+                          <a:latin typeface="Cambria Math" panose="02040503050406030204" pitchFamily="18" charset="0"/>
+                        </a:rPr>
+                        <m:t>𝛿𝜃</m:t>
+                      </m:r>
+                      <m:r>
+                        <a:rPr lang="en-US" b="0" i="0" smtClean="0">
+                          <a:latin typeface="Cambria Math" panose="02040503050406030204" pitchFamily="18" charset="0"/>
+                        </a:rPr>
+                        <m:t>=</m:t>
+                      </m:r>
+                      <m:r>
+                        <a:rPr lang="en-US" b="0" i="0" smtClean="0">
+                          <a:latin typeface="Cambria Math" panose="02040503050406030204" pitchFamily="18" charset="0"/>
+                        </a:rPr>
+                        <m:t>0</m:t>
+                      </m:r>
+                    </m:oMath>
+                  </m:oMathPara>
+                </a14:m>
+                <a:endParaRPr lang="ar-AE" dirty="0"/>
+              </a:p>
+              <a:p>
+                <a:pPr marL="0" lvl="0" indent="0">
+                  <a:buNone/>
+                </a:pPr>
+                <a:r>
+                  <a:rPr lang="en-US" dirty="0"/>
                   <a:t>It is simple to solve for </a:t>
                 </a:r>
                 <a14:m>
                   <m:oMath xmlns:m="http://schemas.openxmlformats.org/officeDocument/2006/math">
                     <m:r>
-                      <a:rPr>
+                      <a:rPr lang="en-US">
                         <a:latin typeface="Cambria Math" panose="02040503050406030204" pitchFamily="18" charset="0"/>
                       </a:rPr>
                       <m:t>𝛿𝜃</m:t>
@@ -19323,7 +19963,7 @@
                   </m:oMath>
                 </a14:m>
                 <a:r>
-                  <a:rPr dirty="0"/>
+                  <a:rPr lang="en-US" dirty="0"/>
                   <a:t>:</a:t>
                 </a:r>
               </a:p>
@@ -19338,13 +19978,13 @@
                     </m:oMathParaPr>
                     <m:oMath xmlns:m="http://schemas.openxmlformats.org/officeDocument/2006/math">
                       <m:r>
-                        <a:rPr>
+                        <a:rPr lang="en-US">
                           <a:latin typeface="Cambria Math" panose="02040503050406030204" pitchFamily="18" charset="0"/>
                         </a:rPr>
                         <m:t>𝛿𝜃</m:t>
                       </m:r>
                       <m:r>
-                        <a:rPr>
+                        <a:rPr lang="en-US">
                           <a:latin typeface="Cambria Math" panose="02040503050406030204" pitchFamily="18" charset="0"/>
                         </a:rPr>
                         <m:t>=</m:t>
@@ -19352,20 +19992,20 @@
                       <m:f>
                         <m:fPr>
                           <m:ctrlPr>
-                            <a:rPr i="1">
+                            <a:rPr lang="ar-AE" i="1">
                               <a:latin typeface="Cambria Math" panose="02040503050406030204" pitchFamily="18" charset="0"/>
                             </a:rPr>
                           </m:ctrlPr>
                         </m:fPr>
                         <m:num>
                           <m:r>
-                            <a:rPr>
+                            <a:rPr lang="ar-AE">
                               <a:latin typeface="Cambria Math" panose="02040503050406030204" pitchFamily="18" charset="0"/>
                             </a:rPr>
                             <m:t>𝑙</m:t>
                           </m:r>
                           <m:r>
-                            <a:rPr>
+                            <a:rPr lang="ar-AE">
                               <a:latin typeface="Cambria Math" panose="02040503050406030204" pitchFamily="18" charset="0"/>
                             </a:rPr>
                             <m:t>′</m:t>
@@ -19373,7 +20013,7 @@
                           <m:d>
                             <m:dPr>
                               <m:ctrlPr>
-                                <a:rPr i="1">
+                                <a:rPr lang="ar-AE" i="1">
                                   <a:latin typeface="Cambria Math" panose="02040503050406030204" pitchFamily="18" charset="0"/>
                                 </a:rPr>
                               </m:ctrlPr>
@@ -19382,14 +20022,14 @@
                               <m:sSub>
                                 <m:sSubPr>
                                   <m:ctrlPr>
-                                    <a:rPr i="1">
+                                    <a:rPr lang="ar-AE" i="1">
                                       <a:latin typeface="Cambria Math" panose="02040503050406030204" pitchFamily="18" charset="0"/>
                                     </a:rPr>
                                   </m:ctrlPr>
                                 </m:sSubPr>
                                 <m:e>
                                   <m:r>
-                                    <a:rPr>
+                                    <a:rPr lang="ar-AE">
                                       <a:latin typeface="Cambria Math" panose="02040503050406030204" pitchFamily="18" charset="0"/>
                                     </a:rPr>
                                     <m:t>𝜃</m:t>
@@ -19397,7 +20037,7 @@
                                 </m:e>
                                 <m:sub>
                                   <m:r>
-                                    <a:rPr>
+                                    <a:rPr lang="ar-AE">
                                       <a:latin typeface="Cambria Math" panose="02040503050406030204" pitchFamily="18" charset="0"/>
                                     </a:rPr>
                                     <m:t>𝑘</m:t>
@@ -19409,13 +20049,13 @@
                         </m:num>
                         <m:den>
                           <m:r>
-                            <a:rPr>
+                            <a:rPr lang="ar-AE">
                               <a:latin typeface="Cambria Math" panose="02040503050406030204" pitchFamily="18" charset="0"/>
                             </a:rPr>
                             <m:t>𝑙</m:t>
                           </m:r>
                           <m:r>
-                            <a:rPr>
+                            <a:rPr lang="ar-AE">
                               <a:latin typeface="Cambria Math" panose="02040503050406030204" pitchFamily="18" charset="0"/>
                             </a:rPr>
                             <m:t>″</m:t>
@@ -19423,7 +20063,7 @@
                           <m:d>
                             <m:dPr>
                               <m:ctrlPr>
-                                <a:rPr i="1">
+                                <a:rPr lang="ar-AE" i="1">
                                   <a:latin typeface="Cambria Math" panose="02040503050406030204" pitchFamily="18" charset="0"/>
                                 </a:rPr>
                               </m:ctrlPr>
@@ -19432,14 +20072,14 @@
                               <m:sSub>
                                 <m:sSubPr>
                                   <m:ctrlPr>
-                                    <a:rPr i="1">
+                                    <a:rPr lang="ar-AE" i="1">
                                       <a:latin typeface="Cambria Math" panose="02040503050406030204" pitchFamily="18" charset="0"/>
                                     </a:rPr>
                                   </m:ctrlPr>
                                 </m:sSubPr>
                                 <m:e>
                                   <m:r>
-                                    <a:rPr>
+                                    <a:rPr lang="ar-AE">
                                       <a:latin typeface="Cambria Math" panose="02040503050406030204" pitchFamily="18" charset="0"/>
                                     </a:rPr>
                                     <m:t>𝜃</m:t>
@@ -19447,7 +20087,7 @@
                                 </m:e>
                                 <m:sub>
                                   <m:r>
-                                    <a:rPr>
+                                    <a:rPr lang="ar-AE">
                                       <a:latin typeface="Cambria Math" panose="02040503050406030204" pitchFamily="18" charset="0"/>
                                     </a:rPr>
                                     <m:t>𝑘</m:t>
@@ -19485,7 +20125,7 @@
               <a:blipFill>
                 <a:blip r:embed="rId2"/>
                 <a:stretch>
-                  <a:fillRect l="-741" t="-2358"/>
+                  <a:fillRect l="-444" t="-1730"/>
                 </a:stretch>
               </a:blipFill>
             </p:spPr>
@@ -19573,8 +20213,8 @@
           <a:chExt cx="0" cy="0"/>
         </a:xfrm>
       </p:grpSpPr>
-      <mc:AlternateContent xmlns:mc="http://schemas.openxmlformats.org/markup-compatibility/2006">
-        <mc:Choice xmlns:a14="http://schemas.microsoft.com/office/drawing/2010/main" Requires="a14">
+      <mc:AlternateContent xmlns:mc="http://schemas.openxmlformats.org/markup-compatibility/2006" xmlns:a14="http://schemas.microsoft.com/office/drawing/2010/main">
+        <mc:Choice Requires="a14">
           <p:sp>
             <p:nvSpPr>
               <p:cNvPr id="3" name="Content Placeholder 2"/>
@@ -19585,15 +20225,10 @@
                 <p:ph idx="1"/>
               </p:nvPr>
             </p:nvSpPr>
-            <p:spPr>
-              <a:xfrm>
-                <a:off x="457200" y="1200150"/>
-                <a:ext cx="8229600" cy="3607201"/>
-              </a:xfrm>
-            </p:spPr>
+            <p:spPr/>
             <p:txBody>
               <a:bodyPr>
-                <a:normAutofit fontScale="70000" lnSpcReduction="20000"/>
+                <a:normAutofit fontScale="92500" lnSpcReduction="20000"/>
               </a:bodyPr>
               <a:lstStyle/>
               <a:p>
@@ -19601,76 +20236,8 @@
                   <a:buNone/>
                 </a:pPr>
                 <a:r>
-                  <a:rPr lang="en-US" b="1" dirty="0"/>
-                  <a:t>Newton’s method</a:t>
-                </a:r>
-                <a:r>
                   <a:rPr lang="en-US" dirty="0"/>
-                  <a:t>, and related methods, employ a </a:t>
-                </a:r>
-                <a:r>
-                  <a:rPr lang="en-US" b="1" dirty="0"/>
-                  <a:t>quadratic approximation</a:t>
-                </a:r>
-                <a:r>
-                  <a:rPr lang="en-US" dirty="0"/>
-                  <a:t> to optimization. For MLE, Newton’s method uses both the first and second derivatives of the log-likelihood function.</a:t>
-                </a:r>
-              </a:p>
-              <a:p>
-                <a:pPr marL="0" lvl="0" indent="0">
-                  <a:buNone/>
-                </a:pPr>
-                <a:r>
-                  <a:rPr lang="en-US" dirty="0"/>
-                  <a:t>Consider a nonlinear log-likelihood function, </a:t>
-                </a:r>
-                <a14:m>
-                  <m:oMath xmlns:m="http://schemas.openxmlformats.org/officeDocument/2006/math">
-                    <m:r>
-                      <a:rPr lang="en-US">
-                        <a:latin typeface="Cambria Math" panose="02040503050406030204" pitchFamily="18" charset="0"/>
-                      </a:rPr>
-                      <m:t>𝑙</m:t>
-                    </m:r>
-                    <m:d>
-                      <m:dPr>
-                        <m:ctrlPr>
-                          <a:rPr lang="ar-AE" i="1">
-                            <a:latin typeface="Cambria Math" panose="02040503050406030204" pitchFamily="18" charset="0"/>
-                          </a:rPr>
-                        </m:ctrlPr>
-                      </m:dPr>
-                      <m:e>
-                        <m:r>
-                          <a:rPr lang="ar-AE">
-                            <a:latin typeface="Cambria Math" panose="02040503050406030204" pitchFamily="18" charset="0"/>
-                          </a:rPr>
-                          <m:t>𝜃</m:t>
-                        </m:r>
-                        <m:r>
-                          <a:rPr lang="ar-AE">
-                            <a:latin typeface="Cambria Math" panose="02040503050406030204" pitchFamily="18" charset="0"/>
-                          </a:rPr>
-                          <m:t> |</m:t>
-                        </m:r>
-                        <m:r>
-                          <a:rPr lang="ar-AE">
-                            <a:latin typeface="Cambria Math" panose="02040503050406030204" pitchFamily="18" charset="0"/>
-                          </a:rPr>
-                          <m:t>𝐗</m:t>
-                        </m:r>
-                      </m:e>
-                    </m:d>
-                  </m:oMath>
-                </a14:m>
-                <a:r>
-                  <a:rPr lang="ar-AE" dirty="0"/>
-                  <a:t>. </a:t>
-                </a:r>
-                <a:r>
-                  <a:rPr lang="en-US" dirty="0"/>
-                  <a:t>We use a Taylor expansion to find the tangent point of the log-likelihood, </a:t>
+                  <a:t>At each step in the iteration, the update </a:t>
                 </a:r>
                 <a14:m>
                   <m:oMath xmlns:m="http://schemas.openxmlformats.org/officeDocument/2006/math">
@@ -19687,7 +20254,7 @@
                           <a:rPr lang="ar-AE">
                             <a:latin typeface="Cambria Math" panose="02040503050406030204" pitchFamily="18" charset="0"/>
                           </a:rPr>
-                          <m:t>𝜃</m:t>
+                          <m:t>𝑥</m:t>
                         </m:r>
                       </m:e>
                       <m:sub>
@@ -19697,356 +20264,29 @@
                           </a:rPr>
                           <m:t>𝑛</m:t>
                         </m:r>
-                      </m:sub>
-                    </m:sSub>
-                    <m:r>
-                      <a:rPr lang="ar-AE">
-                        <a:latin typeface="Cambria Math" panose="02040503050406030204" pitchFamily="18" charset="0"/>
-                      </a:rPr>
-                      <m:t>=</m:t>
-                    </m:r>
-                    <m:sSub>
-                      <m:sSubPr>
-                        <m:ctrlPr>
-                          <a:rPr lang="ar-AE" i="1">
-                            <a:latin typeface="Cambria Math" panose="02040503050406030204" pitchFamily="18" charset="0"/>
-                          </a:rPr>
-                        </m:ctrlPr>
-                      </m:sSubPr>
-                      <m:e>
                         <m:r>
                           <a:rPr lang="ar-AE">
                             <a:latin typeface="Cambria Math" panose="02040503050406030204" pitchFamily="18" charset="0"/>
                           </a:rPr>
-                          <m:t>𝜃</m:t>
+                          <m:t>+</m:t>
                         </m:r>
-                      </m:e>
-                      <m:sub>
                         <m:r>
                           <a:rPr lang="ar-AE">
                             <a:latin typeface="Cambria Math" panose="02040503050406030204" pitchFamily="18" charset="0"/>
                           </a:rPr>
-                          <m:t>𝑘</m:t>
+                          <m:t>1</m:t>
                         </m:r>
                       </m:sub>
                     </m:sSub>
-                    <m:r>
-                      <a:rPr lang="ar-AE">
-                        <a:latin typeface="Cambria Math" panose="02040503050406030204" pitchFamily="18" charset="0"/>
-                      </a:rPr>
-                      <m:t>+</m:t>
-                    </m:r>
-                    <m:r>
-                      <a:rPr lang="ar-AE">
-                        <a:latin typeface="Cambria Math" panose="02040503050406030204" pitchFamily="18" charset="0"/>
-                      </a:rPr>
-                      <m:t>𝛿𝜃</m:t>
-                    </m:r>
                   </m:oMath>
                 </a14:m>
                 <a:r>
                   <a:rPr lang="ar-AE" dirty="0"/>
-                  <a:t>. </a:t>
+                  <a:t> </a:t>
                 </a:r>
                 <a:r>
                   <a:rPr lang="en-US" dirty="0"/>
-                  <a:t>The Taylor expansion is:</a:t>
-                </a:r>
-              </a:p>
-              <a:p>
-                <a:pPr marL="0" lvl="0" indent="0">
-                  <a:buNone/>
-                </a:pPr>
-                <a14:m>
-                  <m:oMathPara xmlns:m="http://schemas.openxmlformats.org/officeDocument/2006/math">
-                    <m:oMathParaPr>
-                      <m:jc m:val="center"/>
-                    </m:oMathParaPr>
-                    <m:oMath xmlns:m="http://schemas.openxmlformats.org/officeDocument/2006/math">
-                      <m:r>
-                        <a:rPr lang="en-US">
-                          <a:latin typeface="Cambria Math" panose="02040503050406030204" pitchFamily="18" charset="0"/>
-                        </a:rPr>
-                        <m:t>𝑙</m:t>
-                      </m:r>
-                      <m:d>
-                        <m:dPr>
-                          <m:ctrlPr>
-                            <a:rPr lang="ar-AE" i="1">
-                              <a:latin typeface="Cambria Math" panose="02040503050406030204" pitchFamily="18" charset="0"/>
-                            </a:rPr>
-                          </m:ctrlPr>
-                        </m:dPr>
-                        <m:e>
-                          <m:sSub>
-                            <m:sSubPr>
-                              <m:ctrlPr>
-                                <a:rPr lang="ar-AE" i="1">
-                                  <a:latin typeface="Cambria Math" panose="02040503050406030204" pitchFamily="18" charset="0"/>
-                                </a:rPr>
-                              </m:ctrlPr>
-                            </m:sSubPr>
-                            <m:e>
-                              <m:r>
-                                <a:rPr lang="ar-AE">
-                                  <a:latin typeface="Cambria Math" panose="02040503050406030204" pitchFamily="18" charset="0"/>
-                                </a:rPr>
-                                <m:t>𝜃</m:t>
-                              </m:r>
-                            </m:e>
-                            <m:sub>
-                              <m:r>
-                                <a:rPr lang="ar-AE">
-                                  <a:latin typeface="Cambria Math" panose="02040503050406030204" pitchFamily="18" charset="0"/>
-                                </a:rPr>
-                                <m:t>𝑘</m:t>
-                              </m:r>
-                            </m:sub>
-                          </m:sSub>
-                          <m:r>
-                            <a:rPr lang="ar-AE">
-                              <a:latin typeface="Cambria Math" panose="02040503050406030204" pitchFamily="18" charset="0"/>
-                            </a:rPr>
-                            <m:t>+</m:t>
-                          </m:r>
-                          <m:r>
-                            <a:rPr lang="ar-AE">
-                              <a:latin typeface="Cambria Math" panose="02040503050406030204" pitchFamily="18" charset="0"/>
-                            </a:rPr>
-                            <m:t>𝛿𝜃</m:t>
-                          </m:r>
-                        </m:e>
-                      </m:d>
-                      <m:r>
-                        <a:rPr lang="ar-AE">
-                          <a:latin typeface="Cambria Math" panose="02040503050406030204" pitchFamily="18" charset="0"/>
-                        </a:rPr>
-                        <m:t>=</m:t>
-                      </m:r>
-                      <m:r>
-                        <a:rPr lang="ar-AE">
-                          <a:latin typeface="Cambria Math" panose="02040503050406030204" pitchFamily="18" charset="0"/>
-                        </a:rPr>
-                        <m:t>𝑙</m:t>
-                      </m:r>
-                      <m:d>
-                        <m:dPr>
-                          <m:ctrlPr>
-                            <a:rPr lang="ar-AE" i="1">
-                              <a:latin typeface="Cambria Math" panose="02040503050406030204" pitchFamily="18" charset="0"/>
-                            </a:rPr>
-                          </m:ctrlPr>
-                        </m:dPr>
-                        <m:e>
-                          <m:sSub>
-                            <m:sSubPr>
-                              <m:ctrlPr>
-                                <a:rPr lang="ar-AE" i="1">
-                                  <a:latin typeface="Cambria Math" panose="02040503050406030204" pitchFamily="18" charset="0"/>
-                                </a:rPr>
-                              </m:ctrlPr>
-                            </m:sSubPr>
-                            <m:e>
-                              <m:r>
-                                <a:rPr lang="ar-AE">
-                                  <a:latin typeface="Cambria Math" panose="02040503050406030204" pitchFamily="18" charset="0"/>
-                                </a:rPr>
-                                <m:t>𝜃</m:t>
-                              </m:r>
-                            </m:e>
-                            <m:sub>
-                              <m:r>
-                                <a:rPr lang="ar-AE">
-                                  <a:latin typeface="Cambria Math" panose="02040503050406030204" pitchFamily="18" charset="0"/>
-                                </a:rPr>
-                                <m:t>𝑘</m:t>
-                              </m:r>
-                            </m:sub>
-                          </m:sSub>
-                        </m:e>
-                      </m:d>
-                      <m:r>
-                        <a:rPr lang="ar-AE">
-                          <a:latin typeface="Cambria Math" panose="02040503050406030204" pitchFamily="18" charset="0"/>
-                        </a:rPr>
-                        <m:t>+</m:t>
-                      </m:r>
-                      <m:r>
-                        <a:rPr lang="ar-AE">
-                          <a:latin typeface="Cambria Math" panose="02040503050406030204" pitchFamily="18" charset="0"/>
-                        </a:rPr>
-                        <m:t>𝑙</m:t>
-                      </m:r>
-                      <m:r>
-                        <a:rPr lang="ar-AE">
-                          <a:latin typeface="Cambria Math" panose="02040503050406030204" pitchFamily="18" charset="0"/>
-                        </a:rPr>
-                        <m:t>′</m:t>
-                      </m:r>
-                      <m:d>
-                        <m:dPr>
-                          <m:ctrlPr>
-                            <a:rPr lang="ar-AE" i="1">
-                              <a:latin typeface="Cambria Math" panose="02040503050406030204" pitchFamily="18" charset="0"/>
-                            </a:rPr>
-                          </m:ctrlPr>
-                        </m:dPr>
-                        <m:e>
-                          <m:sSub>
-                            <m:sSubPr>
-                              <m:ctrlPr>
-                                <a:rPr lang="ar-AE" i="1">
-                                  <a:latin typeface="Cambria Math" panose="02040503050406030204" pitchFamily="18" charset="0"/>
-                                </a:rPr>
-                              </m:ctrlPr>
-                            </m:sSubPr>
-                            <m:e>
-                              <m:r>
-                                <a:rPr lang="ar-AE">
-                                  <a:latin typeface="Cambria Math" panose="02040503050406030204" pitchFamily="18" charset="0"/>
-                                </a:rPr>
-                                <m:t>𝜃</m:t>
-                              </m:r>
-                            </m:e>
-                            <m:sub>
-                              <m:r>
-                                <a:rPr lang="ar-AE">
-                                  <a:latin typeface="Cambria Math" panose="02040503050406030204" pitchFamily="18" charset="0"/>
-                                </a:rPr>
-                                <m:t>𝑘</m:t>
-                              </m:r>
-                            </m:sub>
-                          </m:sSub>
-                        </m:e>
-                      </m:d>
-                      <m:r>
-                        <a:rPr lang="ar-AE">
-                          <a:latin typeface="Cambria Math" panose="02040503050406030204" pitchFamily="18" charset="0"/>
-                        </a:rPr>
-                        <m:t>𝛿𝜃</m:t>
-                      </m:r>
-                      <m:r>
-                        <a:rPr lang="ar-AE">
-                          <a:latin typeface="Cambria Math" panose="02040503050406030204" pitchFamily="18" charset="0"/>
-                        </a:rPr>
-                        <m:t>+</m:t>
-                      </m:r>
-                      <m:f>
-                        <m:fPr>
-                          <m:ctrlPr>
-                            <a:rPr lang="ar-AE" i="1">
-                              <a:latin typeface="Cambria Math" panose="02040503050406030204" pitchFamily="18" charset="0"/>
-                            </a:rPr>
-                          </m:ctrlPr>
-                        </m:fPr>
-                        <m:num>
-                          <m:r>
-                            <a:rPr lang="ar-AE">
-                              <a:latin typeface="Cambria Math" panose="02040503050406030204" pitchFamily="18" charset="0"/>
-                            </a:rPr>
-                            <m:t>1</m:t>
-                          </m:r>
-                        </m:num>
-                        <m:den>
-                          <m:r>
-                            <a:rPr lang="ar-AE">
-                              <a:latin typeface="Cambria Math" panose="02040503050406030204" pitchFamily="18" charset="0"/>
-                            </a:rPr>
-                            <m:t>2</m:t>
-                          </m:r>
-                        </m:den>
-                      </m:f>
-                      <m:r>
-                        <a:rPr lang="ar-AE">
-                          <a:latin typeface="Cambria Math" panose="02040503050406030204" pitchFamily="18" charset="0"/>
-                        </a:rPr>
-                        <m:t>𝑙</m:t>
-                      </m:r>
-                      <m:r>
-                        <a:rPr lang="ar-AE">
-                          <a:latin typeface="Cambria Math" panose="02040503050406030204" pitchFamily="18" charset="0"/>
-                        </a:rPr>
-                        <m:t>″</m:t>
-                      </m:r>
-                      <m:d>
-                        <m:dPr>
-                          <m:ctrlPr>
-                            <a:rPr lang="ar-AE" i="1">
-                              <a:latin typeface="Cambria Math" panose="02040503050406030204" pitchFamily="18" charset="0"/>
-                            </a:rPr>
-                          </m:ctrlPr>
-                        </m:dPr>
-                        <m:e>
-                          <m:sSub>
-                            <m:sSubPr>
-                              <m:ctrlPr>
-                                <a:rPr lang="ar-AE" i="1">
-                                  <a:latin typeface="Cambria Math" panose="02040503050406030204" pitchFamily="18" charset="0"/>
-                                </a:rPr>
-                              </m:ctrlPr>
-                            </m:sSubPr>
-                            <m:e>
-                              <m:r>
-                                <a:rPr lang="ar-AE">
-                                  <a:latin typeface="Cambria Math" panose="02040503050406030204" pitchFamily="18" charset="0"/>
-                                </a:rPr>
-                                <m:t>𝜃</m:t>
-                              </m:r>
-                            </m:e>
-                            <m:sub>
-                              <m:r>
-                                <a:rPr lang="ar-AE">
-                                  <a:latin typeface="Cambria Math" panose="02040503050406030204" pitchFamily="18" charset="0"/>
-                                </a:rPr>
-                                <m:t>𝑘</m:t>
-                              </m:r>
-                            </m:sub>
-                          </m:sSub>
-                        </m:e>
-                      </m:d>
-                      <m:r>
-                        <a:rPr lang="ar-AE">
-                          <a:latin typeface="Cambria Math" panose="02040503050406030204" pitchFamily="18" charset="0"/>
-                        </a:rPr>
-                        <m:t>𝛿</m:t>
-                      </m:r>
-                      <m:sSup>
-                        <m:sSupPr>
-                          <m:ctrlPr>
-                            <a:rPr lang="ar-AE" i="1" smtClean="0">
-                              <a:latin typeface="Cambria Math" panose="02040503050406030204" pitchFamily="18" charset="0"/>
-                            </a:rPr>
-                          </m:ctrlPr>
-                        </m:sSupPr>
-                        <m:e>
-                          <m:r>
-                            <a:rPr lang="ar-AE">
-                              <a:latin typeface="Cambria Math" panose="02040503050406030204" pitchFamily="18" charset="0"/>
-                            </a:rPr>
-                            <m:t>𝜃</m:t>
-                          </m:r>
-                        </m:e>
-                        <m:sup>
-                          <m:r>
-                            <a:rPr lang="ar-AE" b="0" i="1" smtClean="0">
-                              <a:latin typeface="Cambria Math" panose="02040503050406030204" pitchFamily="18" charset="0"/>
-                            </a:rPr>
-                            <m:t>2</m:t>
-                          </m:r>
-                        </m:sup>
-                      </m:sSup>
-                    </m:oMath>
-                  </m:oMathPara>
-                </a14:m>
-                <a:endParaRPr lang="ar-AE" dirty="0"/>
-              </a:p>
-              <a:p>
-                <a:pPr marL="0" lvl="0" indent="0">
-                  <a:buNone/>
-                </a:pPr>
-                <a:r>
-                  <a:rPr lang="en-US" dirty="0"/>
-                  <a:t>Setting this expansion to 0, we have:</a:t>
+                  <a:t>is given by the following relationship:</a:t>
                 </a:r>
               </a:p>
               <a:p>
@@ -20059,482 +20299,79 @@
                       <m:jc m:val="centerGroup"/>
                     </m:oMathParaPr>
                     <m:oMath xmlns:m="http://schemas.openxmlformats.org/officeDocument/2006/math">
+                      <m:sSub>
+                        <m:sSubPr>
+                          <m:ctrlPr>
+                            <a:rPr lang="ar-AE" i="1">
+                              <a:latin typeface="Cambria Math" panose="02040503050406030204" pitchFamily="18" charset="0"/>
+                            </a:rPr>
+                          </m:ctrlPr>
+                        </m:sSubPr>
+                        <m:e>
+                          <m:r>
+                            <a:rPr lang="ar-AE">
+                              <a:latin typeface="Cambria Math" panose="02040503050406030204" pitchFamily="18" charset="0"/>
+                            </a:rPr>
+                            <m:t>𝜃</m:t>
+                          </m:r>
+                        </m:e>
+                        <m:sub>
+                          <m:r>
+                            <a:rPr lang="ar-AE" b="0" i="1" smtClean="0">
+                              <a:latin typeface="Cambria Math" panose="02040503050406030204" pitchFamily="18" charset="0"/>
+                            </a:rPr>
+                            <m:t>𝑛</m:t>
+                          </m:r>
+                          <m:r>
+                            <a:rPr lang="en-US" b="0" i="1" smtClean="0">
+                              <a:latin typeface="Cambria Math" panose="02040503050406030204" pitchFamily="18" charset="0"/>
+                            </a:rPr>
+                            <m:t>+</m:t>
+                          </m:r>
+                          <m:r>
+                            <a:rPr lang="en-US" b="0" i="1" smtClean="0">
+                              <a:latin typeface="Cambria Math" panose="02040503050406030204" pitchFamily="18" charset="0"/>
+                            </a:rPr>
+                            <m:t>1</m:t>
+                          </m:r>
+                        </m:sub>
+                      </m:sSub>
+                      <m:r>
+                        <a:rPr lang="ar-AE" smtClean="0">
+                          <a:latin typeface="Cambria Math" panose="02040503050406030204" pitchFamily="18" charset="0"/>
+                        </a:rPr>
+                        <m:t>=</m:t>
+                      </m:r>
+                      <m:sSub>
+                        <m:sSubPr>
+                          <m:ctrlPr>
+                            <a:rPr lang="ar-AE" i="1">
+                              <a:latin typeface="Cambria Math" panose="02040503050406030204" pitchFamily="18" charset="0"/>
+                            </a:rPr>
+                          </m:ctrlPr>
+                        </m:sSubPr>
+                        <m:e>
+                          <m:r>
+                            <a:rPr lang="ar-AE">
+                              <a:latin typeface="Cambria Math" panose="02040503050406030204" pitchFamily="18" charset="0"/>
+                            </a:rPr>
+                            <m:t>𝜃</m:t>
+                          </m:r>
+                        </m:e>
+                        <m:sub>
+                          <m:r>
+                            <a:rPr lang="ar-AE" i="1">
+                              <a:latin typeface="Cambria Math" panose="02040503050406030204" pitchFamily="18" charset="0"/>
+                            </a:rPr>
+                            <m:t>𝑛</m:t>
+                          </m:r>
+                        </m:sub>
+                      </m:sSub>
                       <m:r>
                         <a:rPr lang="en-US" b="0" i="1" smtClean="0">
                           <a:latin typeface="Cambria Math" panose="02040503050406030204" pitchFamily="18" charset="0"/>
                         </a:rPr>
-                        <m:t>0</m:t>
-                      </m:r>
-                      <m:r>
-                        <a:rPr lang="en-US" b="0" i="1" smtClean="0">
-                          <a:latin typeface="Cambria Math" panose="02040503050406030204" pitchFamily="18" charset="0"/>
-                        </a:rPr>
-                        <m:t>=</m:t>
-                      </m:r>
-                      <m:f>
-                        <m:fPr>
-                          <m:ctrlPr>
-                            <a:rPr lang="en-US" b="0" i="1" smtClean="0">
-                              <a:latin typeface="Cambria Math" panose="02040503050406030204" pitchFamily="18" charset="0"/>
-                            </a:rPr>
-                          </m:ctrlPr>
-                        </m:fPr>
-                        <m:num>
-                          <m:r>
-                            <a:rPr lang="en-US" b="0" i="1" smtClean="0">
-                              <a:latin typeface="Cambria Math" panose="02040503050406030204" pitchFamily="18" charset="0"/>
-                            </a:rPr>
-                            <m:t>𝑑</m:t>
-                          </m:r>
-                        </m:num>
-                        <m:den>
-                          <m:r>
-                            <a:rPr lang="en-US" b="0" i="1" smtClean="0">
-                              <a:latin typeface="Cambria Math" panose="02040503050406030204" pitchFamily="18" charset="0"/>
-                            </a:rPr>
-                            <m:t>𝑑</m:t>
-                          </m:r>
-                          <m:r>
-                            <a:rPr lang="en-US" b="0" i="1" smtClean="0">
-                              <a:latin typeface="Cambria Math" panose="02040503050406030204" pitchFamily="18" charset="0"/>
-                              <a:ea typeface="Cambria Math" panose="02040503050406030204" pitchFamily="18" charset="0"/>
-                            </a:rPr>
-                            <m:t>𝜃</m:t>
-                          </m:r>
-                        </m:den>
-                      </m:f>
-                      <m:d>
-                        <m:dPr>
-                          <m:ctrlPr>
-                            <a:rPr lang="en-US" b="0" i="1" smtClean="0">
-                              <a:latin typeface="Cambria Math" panose="02040503050406030204" pitchFamily="18" charset="0"/>
-                            </a:rPr>
-                          </m:ctrlPr>
-                        </m:dPr>
-                        <m:e>
-                          <m:r>
-                            <a:rPr lang="ar-AE">
-                              <a:latin typeface="Cambria Math" panose="02040503050406030204" pitchFamily="18" charset="0"/>
-                            </a:rPr>
-                            <m:t>𝑙</m:t>
-                          </m:r>
-                          <m:d>
-                            <m:dPr>
-                              <m:ctrlPr>
-                                <a:rPr lang="ar-AE" i="1">
-                                  <a:latin typeface="Cambria Math" panose="02040503050406030204" pitchFamily="18" charset="0"/>
-                                </a:rPr>
-                              </m:ctrlPr>
-                            </m:dPr>
-                            <m:e>
-                              <m:sSub>
-                                <m:sSubPr>
-                                  <m:ctrlPr>
-                                    <a:rPr lang="ar-AE" i="1">
-                                      <a:latin typeface="Cambria Math" panose="02040503050406030204" pitchFamily="18" charset="0"/>
-                                    </a:rPr>
-                                  </m:ctrlPr>
-                                </m:sSubPr>
-                                <m:e>
-                                  <m:r>
-                                    <a:rPr lang="ar-AE">
-                                      <a:latin typeface="Cambria Math" panose="02040503050406030204" pitchFamily="18" charset="0"/>
-                                    </a:rPr>
-                                    <m:t>𝜃</m:t>
-                                  </m:r>
-                                </m:e>
-                                <m:sub>
-                                  <m:r>
-                                    <a:rPr lang="ar-AE">
-                                      <a:latin typeface="Cambria Math" panose="02040503050406030204" pitchFamily="18" charset="0"/>
-                                    </a:rPr>
-                                    <m:t>𝑘</m:t>
-                                  </m:r>
-                                </m:sub>
-                              </m:sSub>
-                            </m:e>
-                          </m:d>
-                          <m:r>
-                            <a:rPr lang="ar-AE">
-                              <a:latin typeface="Cambria Math" panose="02040503050406030204" pitchFamily="18" charset="0"/>
-                            </a:rPr>
-                            <m:t>+</m:t>
-                          </m:r>
-                          <m:r>
-                            <a:rPr lang="ar-AE">
-                              <a:latin typeface="Cambria Math" panose="02040503050406030204" pitchFamily="18" charset="0"/>
-                            </a:rPr>
-                            <m:t>𝑙</m:t>
-                          </m:r>
-                          <m:r>
-                            <a:rPr lang="ar-AE">
-                              <a:latin typeface="Cambria Math" panose="02040503050406030204" pitchFamily="18" charset="0"/>
-                            </a:rPr>
-                            <m:t>′</m:t>
-                          </m:r>
-                          <m:d>
-                            <m:dPr>
-                              <m:ctrlPr>
-                                <a:rPr lang="ar-AE" i="1">
-                                  <a:latin typeface="Cambria Math" panose="02040503050406030204" pitchFamily="18" charset="0"/>
-                                </a:rPr>
-                              </m:ctrlPr>
-                            </m:dPr>
-                            <m:e>
-                              <m:sSub>
-                                <m:sSubPr>
-                                  <m:ctrlPr>
-                                    <a:rPr lang="ar-AE" i="1">
-                                      <a:latin typeface="Cambria Math" panose="02040503050406030204" pitchFamily="18" charset="0"/>
-                                    </a:rPr>
-                                  </m:ctrlPr>
-                                </m:sSubPr>
-                                <m:e>
-                                  <m:r>
-                                    <a:rPr lang="ar-AE">
-                                      <a:latin typeface="Cambria Math" panose="02040503050406030204" pitchFamily="18" charset="0"/>
-                                    </a:rPr>
-                                    <m:t>𝜃</m:t>
-                                  </m:r>
-                                </m:e>
-                                <m:sub>
-                                  <m:r>
-                                    <a:rPr lang="ar-AE">
-                                      <a:latin typeface="Cambria Math" panose="02040503050406030204" pitchFamily="18" charset="0"/>
-                                    </a:rPr>
-                                    <m:t>𝑘</m:t>
-                                  </m:r>
-                                </m:sub>
-                              </m:sSub>
-                            </m:e>
-                          </m:d>
-                          <m:r>
-                            <a:rPr lang="ar-AE">
-                              <a:latin typeface="Cambria Math" panose="02040503050406030204" pitchFamily="18" charset="0"/>
-                            </a:rPr>
-                            <m:t>𝛿𝜃</m:t>
-                          </m:r>
-                          <m:r>
-                            <a:rPr lang="ar-AE">
-                              <a:latin typeface="Cambria Math" panose="02040503050406030204" pitchFamily="18" charset="0"/>
-                            </a:rPr>
-                            <m:t>+</m:t>
-                          </m:r>
-                          <m:f>
-                            <m:fPr>
-                              <m:ctrlPr>
-                                <a:rPr lang="ar-AE" i="1">
-                                  <a:latin typeface="Cambria Math" panose="02040503050406030204" pitchFamily="18" charset="0"/>
-                                </a:rPr>
-                              </m:ctrlPr>
-                            </m:fPr>
-                            <m:num>
-                              <m:r>
-                                <a:rPr lang="ar-AE">
-                                  <a:latin typeface="Cambria Math" panose="02040503050406030204" pitchFamily="18" charset="0"/>
-                                </a:rPr>
-                                <m:t>1</m:t>
-                              </m:r>
-                            </m:num>
-                            <m:den>
-                              <m:r>
-                                <a:rPr lang="ar-AE">
-                                  <a:latin typeface="Cambria Math" panose="02040503050406030204" pitchFamily="18" charset="0"/>
-                                </a:rPr>
-                                <m:t>2</m:t>
-                              </m:r>
-                            </m:den>
-                          </m:f>
-                          <m:r>
-                            <a:rPr lang="ar-AE">
-                              <a:latin typeface="Cambria Math" panose="02040503050406030204" pitchFamily="18" charset="0"/>
-                            </a:rPr>
-                            <m:t>𝑙</m:t>
-                          </m:r>
-                          <m:r>
-                            <a:rPr lang="ar-AE">
-                              <a:latin typeface="Cambria Math" panose="02040503050406030204" pitchFamily="18" charset="0"/>
-                            </a:rPr>
-                            <m:t>″</m:t>
-                          </m:r>
-                          <m:d>
-                            <m:dPr>
-                              <m:ctrlPr>
-                                <a:rPr lang="ar-AE" i="1">
-                                  <a:latin typeface="Cambria Math" panose="02040503050406030204" pitchFamily="18" charset="0"/>
-                                </a:rPr>
-                              </m:ctrlPr>
-                            </m:dPr>
-                            <m:e>
-                              <m:sSub>
-                                <m:sSubPr>
-                                  <m:ctrlPr>
-                                    <a:rPr lang="ar-AE" i="1">
-                                      <a:latin typeface="Cambria Math" panose="02040503050406030204" pitchFamily="18" charset="0"/>
-                                    </a:rPr>
-                                  </m:ctrlPr>
-                                </m:sSubPr>
-                                <m:e>
-                                  <m:r>
-                                    <a:rPr lang="ar-AE">
-                                      <a:latin typeface="Cambria Math" panose="02040503050406030204" pitchFamily="18" charset="0"/>
-                                    </a:rPr>
-                                    <m:t>𝜃</m:t>
-                                  </m:r>
-                                </m:e>
-                                <m:sub>
-                                  <m:r>
-                                    <a:rPr lang="ar-AE">
-                                      <a:latin typeface="Cambria Math" panose="02040503050406030204" pitchFamily="18" charset="0"/>
-                                    </a:rPr>
-                                    <m:t>𝑘</m:t>
-                                  </m:r>
-                                </m:sub>
-                              </m:sSub>
-                            </m:e>
-                          </m:d>
-                          <m:r>
-                            <a:rPr lang="ar-AE">
-                              <a:latin typeface="Cambria Math" panose="02040503050406030204" pitchFamily="18" charset="0"/>
-                            </a:rPr>
-                            <m:t>𝛿</m:t>
-                          </m:r>
-                          <m:sSup>
-                            <m:sSupPr>
-                              <m:ctrlPr>
-                                <a:rPr lang="ar-AE" i="1">
-                                  <a:latin typeface="Cambria Math" panose="02040503050406030204" pitchFamily="18" charset="0"/>
-                                </a:rPr>
-                              </m:ctrlPr>
-                            </m:sSupPr>
-                            <m:e>
-                              <m:r>
-                                <a:rPr lang="ar-AE">
-                                  <a:latin typeface="Cambria Math" panose="02040503050406030204" pitchFamily="18" charset="0"/>
-                                </a:rPr>
-                                <m:t>𝜃</m:t>
-                              </m:r>
-                            </m:e>
-                            <m:sup>
-                              <m:r>
-                                <a:rPr lang="ar-AE" i="1">
-                                  <a:latin typeface="Cambria Math" panose="02040503050406030204" pitchFamily="18" charset="0"/>
-                                </a:rPr>
-                                <m:t>2</m:t>
-                              </m:r>
-                            </m:sup>
-                          </m:sSup>
-                        </m:e>
-                      </m:d>
-                    </m:oMath>
-                  </m:oMathPara>
-                </a14:m>
-                <a:endParaRPr lang="en-US" dirty="0"/>
-              </a:p>
-              <a:p>
-                <a:pPr marL="0" lvl="0" indent="0">
-                  <a:buNone/>
-                </a:pPr>
-                <a14:m>
-                  <m:oMathPara xmlns:m="http://schemas.openxmlformats.org/officeDocument/2006/math">
-                    <m:oMathParaPr>
-                      <m:jc m:val="centerGroup"/>
-                    </m:oMathParaPr>
-                    <m:oMath xmlns:m="http://schemas.openxmlformats.org/officeDocument/2006/math">
-                      <m:r>
-                        <a:rPr lang="en-US" b="0" i="1" smtClean="0">
-                          <a:latin typeface="Cambria Math" panose="02040503050406030204" pitchFamily="18" charset="0"/>
-                        </a:rPr>
-                        <m:t>0</m:t>
-                      </m:r>
-                      <m:r>
-                        <a:rPr lang="en-US" b="0" i="1" smtClean="0">
-                          <a:latin typeface="Cambria Math" panose="02040503050406030204" pitchFamily="18" charset="0"/>
-                        </a:rPr>
-                        <m:t>=</m:t>
-                      </m:r>
-                      <m:r>
-                        <a:rPr lang="ar-AE">
-                          <a:latin typeface="Cambria Math" panose="02040503050406030204" pitchFamily="18" charset="0"/>
-                        </a:rPr>
-                        <m:t>𝑙</m:t>
-                      </m:r>
-                      <m:r>
-                        <a:rPr lang="ar-AE">
-                          <a:latin typeface="Cambria Math" panose="02040503050406030204" pitchFamily="18" charset="0"/>
-                        </a:rPr>
-                        <m:t>′</m:t>
-                      </m:r>
-                      <m:d>
-                        <m:dPr>
-                          <m:ctrlPr>
-                            <a:rPr lang="ar-AE" i="1">
-                              <a:latin typeface="Cambria Math" panose="02040503050406030204" pitchFamily="18" charset="0"/>
-                            </a:rPr>
-                          </m:ctrlPr>
-                        </m:dPr>
-                        <m:e>
-                          <m:sSub>
-                            <m:sSubPr>
-                              <m:ctrlPr>
-                                <a:rPr lang="ar-AE" i="1">
-                                  <a:latin typeface="Cambria Math" panose="02040503050406030204" pitchFamily="18" charset="0"/>
-                                </a:rPr>
-                              </m:ctrlPr>
-                            </m:sSubPr>
-                            <m:e>
-                              <m:r>
-                                <a:rPr lang="ar-AE">
-                                  <a:latin typeface="Cambria Math" panose="02040503050406030204" pitchFamily="18" charset="0"/>
-                                </a:rPr>
-                                <m:t>𝜃</m:t>
-                              </m:r>
-                            </m:e>
-                            <m:sub>
-                              <m:r>
-                                <a:rPr lang="ar-AE">
-                                  <a:latin typeface="Cambria Math" panose="02040503050406030204" pitchFamily="18" charset="0"/>
-                                </a:rPr>
-                                <m:t>𝑘</m:t>
-                              </m:r>
-                            </m:sub>
-                          </m:sSub>
-                        </m:e>
-                      </m:d>
-                      <m:r>
-                        <a:rPr lang="ar-AE">
-                          <a:latin typeface="Cambria Math" panose="02040503050406030204" pitchFamily="18" charset="0"/>
-                        </a:rPr>
                         <m:t>+</m:t>
-                      </m:r>
-                      <m:r>
-                        <a:rPr lang="ar-AE">
-                          <a:latin typeface="Cambria Math" panose="02040503050406030204" pitchFamily="18" charset="0"/>
-                        </a:rPr>
-                        <m:t>𝑙</m:t>
-                      </m:r>
-                      <m:r>
-                        <a:rPr lang="ar-AE">
-                          <a:latin typeface="Cambria Math" panose="02040503050406030204" pitchFamily="18" charset="0"/>
-                        </a:rPr>
-                        <m:t>″</m:t>
-                      </m:r>
-                      <m:d>
-                        <m:dPr>
-                          <m:ctrlPr>
-                            <a:rPr lang="ar-AE" i="1">
-                              <a:latin typeface="Cambria Math" panose="02040503050406030204" pitchFamily="18" charset="0"/>
-                            </a:rPr>
-                          </m:ctrlPr>
-                        </m:dPr>
-                        <m:e>
-                          <m:sSub>
-                            <m:sSubPr>
-                              <m:ctrlPr>
-                                <a:rPr lang="ar-AE" i="1">
-                                  <a:latin typeface="Cambria Math" panose="02040503050406030204" pitchFamily="18" charset="0"/>
-                                </a:rPr>
-                              </m:ctrlPr>
-                            </m:sSubPr>
-                            <m:e>
-                              <m:r>
-                                <a:rPr lang="ar-AE">
-                                  <a:latin typeface="Cambria Math" panose="02040503050406030204" pitchFamily="18" charset="0"/>
-                                </a:rPr>
-                                <m:t>𝜃</m:t>
-                              </m:r>
-                            </m:e>
-                            <m:sub>
-                              <m:r>
-                                <a:rPr lang="ar-AE">
-                                  <a:latin typeface="Cambria Math" panose="02040503050406030204" pitchFamily="18" charset="0"/>
-                                </a:rPr>
-                                <m:t>𝑘</m:t>
-                              </m:r>
-                            </m:sub>
-                          </m:sSub>
-                        </m:e>
-                      </m:d>
-                      <m:r>
-                        <a:rPr lang="ar-AE">
-                          <a:latin typeface="Cambria Math" panose="02040503050406030204" pitchFamily="18" charset="0"/>
-                        </a:rPr>
-                        <m:t>𝛿</m:t>
-                      </m:r>
-                      <m:sSup>
-                        <m:sSupPr>
-                          <m:ctrlPr>
-                            <a:rPr lang="ar-AE" i="1">
-                              <a:latin typeface="Cambria Math" panose="02040503050406030204" pitchFamily="18" charset="0"/>
-                            </a:rPr>
-                          </m:ctrlPr>
-                        </m:sSupPr>
-                        <m:e>
-                          <m:r>
-                            <a:rPr lang="ar-AE">
-                              <a:latin typeface="Cambria Math" panose="02040503050406030204" pitchFamily="18" charset="0"/>
-                            </a:rPr>
-                            <m:t>𝜃</m:t>
-                          </m:r>
-                        </m:e>
-                        <m:sup>
-                          <m:r>
-                            <a:rPr lang="en-US" b="0" i="1" smtClean="0">
-                              <a:latin typeface="Cambria Math" panose="02040503050406030204" pitchFamily="18" charset="0"/>
-                            </a:rPr>
-                            <m:t> </m:t>
-                          </m:r>
-                        </m:sup>
-                      </m:sSup>
-                    </m:oMath>
-                  </m:oMathPara>
-                </a14:m>
-                <a:endParaRPr lang="en-US" dirty="0"/>
-              </a:p>
-              <a:p>
-                <a:pPr marL="0" lvl="0" indent="0">
-                  <a:buNone/>
-                </a:pPr>
-                <a:r>
-                  <a:rPr lang="en-US" dirty="0"/>
-                  <a:t>It is simple to solve for </a:t>
-                </a:r>
-                <a14:m>
-                  <m:oMath xmlns:m="http://schemas.openxmlformats.org/officeDocument/2006/math">
-                    <m:r>
-                      <a:rPr lang="en-US">
-                        <a:latin typeface="Cambria Math" panose="02040503050406030204" pitchFamily="18" charset="0"/>
-                      </a:rPr>
-                      <m:t>𝛿𝜃</m:t>
-                    </m:r>
-                  </m:oMath>
-                </a14:m>
-                <a:r>
-                  <a:rPr lang="en-US" dirty="0"/>
-                  <a:t>:</a:t>
-                </a:r>
-              </a:p>
-              <a:p>
-                <a:pPr marL="0" lvl="0" indent="0">
-                  <a:buNone/>
-                </a:pPr>
-                <a14:m>
-                  <m:oMathPara xmlns:m="http://schemas.openxmlformats.org/officeDocument/2006/math">
-                    <m:oMathParaPr>
-                      <m:jc m:val="center"/>
-                    </m:oMathParaPr>
-                    <m:oMath xmlns:m="http://schemas.openxmlformats.org/officeDocument/2006/math">
-                      <m:r>
-                        <a:rPr lang="en-US">
-                          <a:latin typeface="Cambria Math" panose="02040503050406030204" pitchFamily="18" charset="0"/>
-                        </a:rPr>
-                        <m:t>𝛿𝜃</m:t>
-                      </m:r>
-                      <m:r>
-                        <a:rPr lang="en-US">
-                          <a:latin typeface="Cambria Math" panose="02040503050406030204" pitchFamily="18" charset="0"/>
-                        </a:rPr>
-                        <m:t>=</m:t>
                       </m:r>
                       <m:f>
                         <m:fPr>
@@ -20648,12 +20485,136 @@
                     </m:oMath>
                   </m:oMathPara>
                 </a14:m>
+                <a:endParaRPr lang="en-US" dirty="0"/>
+              </a:p>
+              <a:p>
+                <a:pPr marL="0" lvl="0" indent="0">
+                  <a:buNone/>
+                </a:pPr>
+                <a14:m>
+                  <m:oMathPara xmlns:m="http://schemas.openxmlformats.org/officeDocument/2006/math">
+                    <m:oMathParaPr>
+                      <m:jc m:val="centerGroup"/>
+                    </m:oMathParaPr>
+                    <m:oMath xmlns:m="http://schemas.openxmlformats.org/officeDocument/2006/math">
+                      <m:sSub>
+                        <m:sSubPr>
+                          <m:ctrlPr>
+                            <a:rPr lang="ar-AE" i="1" smtClean="0">
+                              <a:latin typeface="Cambria Math" panose="02040503050406030204" pitchFamily="18" charset="0"/>
+                            </a:rPr>
+                          </m:ctrlPr>
+                        </m:sSubPr>
+                        <m:e>
+                          <m:r>
+                            <a:rPr lang="ar-AE">
+                              <a:latin typeface="Cambria Math" panose="02040503050406030204" pitchFamily="18" charset="0"/>
+                            </a:rPr>
+                            <m:t>𝜃</m:t>
+                          </m:r>
+                        </m:e>
+                        <m:sub>
+                          <m:r>
+                            <a:rPr lang="ar-AE" b="0" i="1" smtClean="0">
+                              <a:latin typeface="Cambria Math" panose="02040503050406030204" pitchFamily="18" charset="0"/>
+                            </a:rPr>
+                            <m:t>𝑛</m:t>
+                          </m:r>
+                          <m:r>
+                            <a:rPr lang="en-US" b="0" i="1" smtClean="0">
+                              <a:latin typeface="Cambria Math" panose="02040503050406030204" pitchFamily="18" charset="0"/>
+                            </a:rPr>
+                            <m:t>+</m:t>
+                          </m:r>
+                          <m:r>
+                            <a:rPr lang="en-US" b="0" i="1" smtClean="0">
+                              <a:latin typeface="Cambria Math" panose="02040503050406030204" pitchFamily="18" charset="0"/>
+                            </a:rPr>
+                            <m:t>1</m:t>
+                          </m:r>
+                        </m:sub>
+                      </m:sSub>
+                      <m:r>
+                        <a:rPr lang="ar-AE" smtClean="0">
+                          <a:latin typeface="Cambria Math" panose="02040503050406030204" pitchFamily="18" charset="0"/>
+                        </a:rPr>
+                        <m:t>=</m:t>
+                      </m:r>
+                      <m:sSub>
+                        <m:sSubPr>
+                          <m:ctrlPr>
+                            <a:rPr lang="ar-AE" i="1">
+                              <a:latin typeface="Cambria Math" panose="02040503050406030204" pitchFamily="18" charset="0"/>
+                            </a:rPr>
+                          </m:ctrlPr>
+                        </m:sSubPr>
+                        <m:e>
+                          <m:r>
+                            <a:rPr lang="ar-AE">
+                              <a:latin typeface="Cambria Math" panose="02040503050406030204" pitchFamily="18" charset="0"/>
+                            </a:rPr>
+                            <m:t>𝜃</m:t>
+                          </m:r>
+                        </m:e>
+                        <m:sub>
+                          <m:r>
+                            <a:rPr lang="ar-AE" i="1">
+                              <a:latin typeface="Cambria Math" panose="02040503050406030204" pitchFamily="18" charset="0"/>
+                            </a:rPr>
+                            <m:t>𝑛</m:t>
+                          </m:r>
+                        </m:sub>
+                      </m:sSub>
+                      <m:r>
+                        <a:rPr lang="en-US" b="0" i="0" smtClean="0">
+                          <a:latin typeface="Cambria Math" panose="02040503050406030204" pitchFamily="18" charset="0"/>
+                        </a:rPr>
+                        <m:t>+</m:t>
+                      </m:r>
+                      <m:r>
+                        <a:rPr lang="en-US">
+                          <a:latin typeface="Cambria Math" panose="02040503050406030204" pitchFamily="18" charset="0"/>
+                        </a:rPr>
+                        <m:t>𝛿𝜃</m:t>
+                      </m:r>
+                    </m:oMath>
+                  </m:oMathPara>
+                </a14:m>
+                <a:endParaRPr lang="ar-AE" dirty="0"/>
+              </a:p>
+              <a:p>
+                <a:pPr lvl="0"/>
+                <a:r>
+                  <a:rPr lang="en-US" dirty="0"/>
+                  <a:t>Newton’s method has a quadratic form</a:t>
+                </a:r>
+              </a:p>
+              <a:p>
+                <a:pPr lvl="1"/>
+                <a:r>
+                  <a:rPr lang="en-US" dirty="0"/>
+                  <a:t>The quadratic form is not just a mathematical curiosity</a:t>
+                </a:r>
+              </a:p>
+              <a:p>
+                <a:pPr lvl="1"/>
+                <a:r>
+                  <a:rPr lang="en-US" dirty="0"/>
+                  <a:t>Newton’s method exhibits convergence quadratic in the number of iterations</a:t>
+                </a:r>
+              </a:p>
+              <a:p>
+                <a:pPr lvl="1"/>
+                <a:r>
+                  <a:rPr lang="en-US" dirty="0"/>
+                  <a:t>Compared to the approximate linear convergence for gradient descent methods</a:t>
+                </a:r>
                 <a:endParaRPr dirty="0"/>
               </a:p>
             </p:txBody>
           </p:sp>
         </mc:Choice>
-        <mc:Fallback>
+        <mc:Fallback xmlns="">
           <p:sp>
             <p:nvSpPr>
               <p:cNvPr id="3" name="Content Placeholder 2"/>
@@ -20665,14 +20626,10 @@
               </p:nvPr>
             </p:nvSpPr>
             <p:spPr>
-              <a:xfrm>
-                <a:off x="457200" y="1200150"/>
-                <a:ext cx="8229600" cy="3607201"/>
-              </a:xfrm>
               <a:blipFill>
                 <a:blip r:embed="rId2"/>
                 <a:stretch>
-                  <a:fillRect l="-444" t="-1858"/>
+                  <a:fillRect l="-963" t="-3232" r="-444" b="-1795"/>
                 </a:stretch>
               </a:blipFill>
             </p:spPr>
@@ -20696,7 +20653,7 @@
           <p:cNvPr id="2" name="Title 1">
             <a:extLst>
               <a:ext uri="{FF2B5EF4-FFF2-40B4-BE49-F238E27FC236}">
-                <a16:creationId xmlns:a16="http://schemas.microsoft.com/office/drawing/2014/main" id="{CFFF04AD-F2BD-886D-17DA-BF0EA2E21B65}"/>
+                <a16:creationId xmlns:a16="http://schemas.microsoft.com/office/drawing/2014/main" id="{1775A064-C15C-C092-1B60-7DBBF72DDD2C}"/>
               </a:ext>
             </a:extLst>
           </p:cNvPr>
@@ -20755,507 +20712,8 @@
           <a:chExt cx="0" cy="0"/>
         </a:xfrm>
       </p:grpSpPr>
-      <mc:AlternateContent xmlns:mc="http://schemas.openxmlformats.org/markup-compatibility/2006">
-        <mc:Choice xmlns:a14="http://schemas.microsoft.com/office/drawing/2010/main" Requires="a14">
-          <p:sp>
-            <p:nvSpPr>
-              <p:cNvPr id="3" name="Content Placeholder 2"/>
-              <p:cNvSpPr>
-                <a:spLocks noGrp="1"/>
-              </p:cNvSpPr>
-              <p:nvPr>
-                <p:ph idx="1"/>
-              </p:nvPr>
-            </p:nvSpPr>
-            <p:spPr/>
-            <p:txBody>
-              <a:bodyPr>
-                <a:normAutofit fontScale="92500" lnSpcReduction="20000"/>
-              </a:bodyPr>
-              <a:lstStyle/>
-              <a:p>
-                <a:pPr marL="0" lvl="0" indent="0">
-                  <a:buNone/>
-                </a:pPr>
-                <a:r>
-                  <a:rPr lang="en-US" dirty="0"/>
-                  <a:t>At each step in the iteration, the update </a:t>
-                </a:r>
-                <a14:m>
-                  <m:oMath xmlns:m="http://schemas.openxmlformats.org/officeDocument/2006/math">
-                    <m:sSub>
-                      <m:sSubPr>
-                        <m:ctrlPr>
-                          <a:rPr lang="ar-AE" i="1">
-                            <a:latin typeface="Cambria Math" panose="02040503050406030204" pitchFamily="18" charset="0"/>
-                          </a:rPr>
-                        </m:ctrlPr>
-                      </m:sSubPr>
-                      <m:e>
-                        <m:r>
-                          <a:rPr lang="ar-AE">
-                            <a:latin typeface="Cambria Math" panose="02040503050406030204" pitchFamily="18" charset="0"/>
-                          </a:rPr>
-                          <m:t>𝑥</m:t>
-                        </m:r>
-                      </m:e>
-                      <m:sub>
-                        <m:r>
-                          <a:rPr lang="ar-AE">
-                            <a:latin typeface="Cambria Math" panose="02040503050406030204" pitchFamily="18" charset="0"/>
-                          </a:rPr>
-                          <m:t>𝑛</m:t>
-                        </m:r>
-                        <m:r>
-                          <a:rPr lang="ar-AE">
-                            <a:latin typeface="Cambria Math" panose="02040503050406030204" pitchFamily="18" charset="0"/>
-                          </a:rPr>
-                          <m:t>+</m:t>
-                        </m:r>
-                        <m:r>
-                          <a:rPr lang="ar-AE">
-                            <a:latin typeface="Cambria Math" panose="02040503050406030204" pitchFamily="18" charset="0"/>
-                          </a:rPr>
-                          <m:t>1</m:t>
-                        </m:r>
-                      </m:sub>
-                    </m:sSub>
-                  </m:oMath>
-                </a14:m>
-                <a:r>
-                  <a:rPr lang="ar-AE" dirty="0"/>
-                  <a:t> </a:t>
-                </a:r>
-                <a:r>
-                  <a:rPr lang="en-US" dirty="0"/>
-                  <a:t>is given by the following relationship:</a:t>
-                </a:r>
-              </a:p>
-              <a:p>
-                <a:pPr marL="0" lvl="0" indent="0">
-                  <a:buNone/>
-                </a:pPr>
-                <a14:m>
-                  <m:oMathPara xmlns:m="http://schemas.openxmlformats.org/officeDocument/2006/math">
-                    <m:oMathParaPr>
-                      <m:jc m:val="centerGroup"/>
-                    </m:oMathParaPr>
-                    <m:oMath xmlns:m="http://schemas.openxmlformats.org/officeDocument/2006/math">
-                      <m:sSub>
-                        <m:sSubPr>
-                          <m:ctrlPr>
-                            <a:rPr lang="ar-AE" i="1">
-                              <a:latin typeface="Cambria Math" panose="02040503050406030204" pitchFamily="18" charset="0"/>
-                            </a:rPr>
-                          </m:ctrlPr>
-                        </m:sSubPr>
-                        <m:e>
-                          <m:r>
-                            <a:rPr lang="ar-AE">
-                              <a:latin typeface="Cambria Math" panose="02040503050406030204" pitchFamily="18" charset="0"/>
-                            </a:rPr>
-                            <m:t>𝜃</m:t>
-                          </m:r>
-                        </m:e>
-                        <m:sub>
-                          <m:r>
-                            <a:rPr lang="ar-AE" b="0" i="1" smtClean="0">
-                              <a:latin typeface="Cambria Math" panose="02040503050406030204" pitchFamily="18" charset="0"/>
-                            </a:rPr>
-                            <m:t>𝑛</m:t>
-                          </m:r>
-                          <m:r>
-                            <a:rPr lang="en-US" b="0" i="1" smtClean="0">
-                              <a:latin typeface="Cambria Math" panose="02040503050406030204" pitchFamily="18" charset="0"/>
-                            </a:rPr>
-                            <m:t>+</m:t>
-                          </m:r>
-                          <m:r>
-                            <a:rPr lang="en-US" b="0" i="1" smtClean="0">
-                              <a:latin typeface="Cambria Math" panose="02040503050406030204" pitchFamily="18" charset="0"/>
-                            </a:rPr>
-                            <m:t>1</m:t>
-                          </m:r>
-                        </m:sub>
-                      </m:sSub>
-                      <m:r>
-                        <a:rPr lang="ar-AE" smtClean="0">
-                          <a:latin typeface="Cambria Math" panose="02040503050406030204" pitchFamily="18" charset="0"/>
-                        </a:rPr>
-                        <m:t>=</m:t>
-                      </m:r>
-                      <m:sSub>
-                        <m:sSubPr>
-                          <m:ctrlPr>
-                            <a:rPr lang="ar-AE" i="1">
-                              <a:latin typeface="Cambria Math" panose="02040503050406030204" pitchFamily="18" charset="0"/>
-                            </a:rPr>
-                          </m:ctrlPr>
-                        </m:sSubPr>
-                        <m:e>
-                          <m:r>
-                            <a:rPr lang="ar-AE">
-                              <a:latin typeface="Cambria Math" panose="02040503050406030204" pitchFamily="18" charset="0"/>
-                            </a:rPr>
-                            <m:t>𝜃</m:t>
-                          </m:r>
-                        </m:e>
-                        <m:sub>
-                          <m:r>
-                            <a:rPr lang="ar-AE" i="1">
-                              <a:latin typeface="Cambria Math" panose="02040503050406030204" pitchFamily="18" charset="0"/>
-                            </a:rPr>
-                            <m:t>𝑛</m:t>
-                          </m:r>
-                        </m:sub>
-                      </m:sSub>
-                      <m:r>
-                        <a:rPr lang="en-US" b="0" i="1" smtClean="0">
-                          <a:latin typeface="Cambria Math" panose="02040503050406030204" pitchFamily="18" charset="0"/>
-                        </a:rPr>
-                        <m:t>+</m:t>
-                      </m:r>
-                      <m:f>
-                        <m:fPr>
-                          <m:ctrlPr>
-                            <a:rPr lang="ar-AE" i="1">
-                              <a:latin typeface="Cambria Math" panose="02040503050406030204" pitchFamily="18" charset="0"/>
-                            </a:rPr>
-                          </m:ctrlPr>
-                        </m:fPr>
-                        <m:num>
-                          <m:r>
-                            <a:rPr lang="ar-AE">
-                              <a:latin typeface="Cambria Math" panose="02040503050406030204" pitchFamily="18" charset="0"/>
-                            </a:rPr>
-                            <m:t>𝑙</m:t>
-                          </m:r>
-                          <m:r>
-                            <a:rPr lang="ar-AE">
-                              <a:latin typeface="Cambria Math" panose="02040503050406030204" pitchFamily="18" charset="0"/>
-                            </a:rPr>
-                            <m:t>′</m:t>
-                          </m:r>
-                          <m:d>
-                            <m:dPr>
-                              <m:ctrlPr>
-                                <a:rPr lang="ar-AE" i="1">
-                                  <a:latin typeface="Cambria Math" panose="02040503050406030204" pitchFamily="18" charset="0"/>
-                                </a:rPr>
-                              </m:ctrlPr>
-                            </m:dPr>
-                            <m:e>
-                              <m:sSub>
-                                <m:sSubPr>
-                                  <m:ctrlPr>
-                                    <a:rPr lang="ar-AE" i="1">
-                                      <a:latin typeface="Cambria Math" panose="02040503050406030204" pitchFamily="18" charset="0"/>
-                                    </a:rPr>
-                                  </m:ctrlPr>
-                                </m:sSubPr>
-                                <m:e>
-                                  <m:r>
-                                    <a:rPr lang="ar-AE">
-                                      <a:latin typeface="Cambria Math" panose="02040503050406030204" pitchFamily="18" charset="0"/>
-                                    </a:rPr>
-                                    <m:t>𝜃</m:t>
-                                  </m:r>
-                                </m:e>
-                                <m:sub>
-                                  <m:r>
-                                    <a:rPr lang="ar-AE">
-                                      <a:latin typeface="Cambria Math" panose="02040503050406030204" pitchFamily="18" charset="0"/>
-                                    </a:rPr>
-                                    <m:t>𝑘</m:t>
-                                  </m:r>
-                                </m:sub>
-                              </m:sSub>
-                            </m:e>
-                          </m:d>
-                        </m:num>
-                        <m:den>
-                          <m:r>
-                            <a:rPr lang="ar-AE">
-                              <a:latin typeface="Cambria Math" panose="02040503050406030204" pitchFamily="18" charset="0"/>
-                            </a:rPr>
-                            <m:t>𝑙</m:t>
-                          </m:r>
-                          <m:r>
-                            <a:rPr lang="ar-AE">
-                              <a:latin typeface="Cambria Math" panose="02040503050406030204" pitchFamily="18" charset="0"/>
-                            </a:rPr>
-                            <m:t>″</m:t>
-                          </m:r>
-                          <m:d>
-                            <m:dPr>
-                              <m:ctrlPr>
-                                <a:rPr lang="ar-AE" i="1">
-                                  <a:latin typeface="Cambria Math" panose="02040503050406030204" pitchFamily="18" charset="0"/>
-                                </a:rPr>
-                              </m:ctrlPr>
-                            </m:dPr>
-                            <m:e>
-                              <m:sSub>
-                                <m:sSubPr>
-                                  <m:ctrlPr>
-                                    <a:rPr lang="ar-AE" i="1">
-                                      <a:latin typeface="Cambria Math" panose="02040503050406030204" pitchFamily="18" charset="0"/>
-                                    </a:rPr>
-                                  </m:ctrlPr>
-                                </m:sSubPr>
-                                <m:e>
-                                  <m:r>
-                                    <a:rPr lang="ar-AE">
-                                      <a:latin typeface="Cambria Math" panose="02040503050406030204" pitchFamily="18" charset="0"/>
-                                    </a:rPr>
-                                    <m:t>𝜃</m:t>
-                                  </m:r>
-                                </m:e>
-                                <m:sub>
-                                  <m:r>
-                                    <a:rPr lang="ar-AE">
-                                      <a:latin typeface="Cambria Math" panose="02040503050406030204" pitchFamily="18" charset="0"/>
-                                    </a:rPr>
-                                    <m:t>𝑘</m:t>
-                                  </m:r>
-                                </m:sub>
-                              </m:sSub>
-                            </m:e>
-                          </m:d>
-                        </m:den>
-                      </m:f>
-                    </m:oMath>
-                  </m:oMathPara>
-                </a14:m>
-                <a:endParaRPr lang="en-US" dirty="0"/>
-              </a:p>
-              <a:p>
-                <a:pPr marL="0" lvl="0" indent="0">
-                  <a:buNone/>
-                </a:pPr>
-                <a14:m>
-                  <m:oMathPara xmlns:m="http://schemas.openxmlformats.org/officeDocument/2006/math">
-                    <m:oMathParaPr>
-                      <m:jc m:val="centerGroup"/>
-                    </m:oMathParaPr>
-                    <m:oMath xmlns:m="http://schemas.openxmlformats.org/officeDocument/2006/math">
-                      <m:sSub>
-                        <m:sSubPr>
-                          <m:ctrlPr>
-                            <a:rPr lang="ar-AE" i="1" smtClean="0">
-                              <a:latin typeface="Cambria Math" panose="02040503050406030204" pitchFamily="18" charset="0"/>
-                            </a:rPr>
-                          </m:ctrlPr>
-                        </m:sSubPr>
-                        <m:e>
-                          <m:r>
-                            <a:rPr lang="ar-AE">
-                              <a:latin typeface="Cambria Math" panose="02040503050406030204" pitchFamily="18" charset="0"/>
-                            </a:rPr>
-                            <m:t>𝜃</m:t>
-                          </m:r>
-                        </m:e>
-                        <m:sub>
-                          <m:r>
-                            <a:rPr lang="ar-AE" b="0" i="1" smtClean="0">
-                              <a:latin typeface="Cambria Math" panose="02040503050406030204" pitchFamily="18" charset="0"/>
-                            </a:rPr>
-                            <m:t>𝑛</m:t>
-                          </m:r>
-                          <m:r>
-                            <a:rPr lang="en-US" b="0" i="1" smtClean="0">
-                              <a:latin typeface="Cambria Math" panose="02040503050406030204" pitchFamily="18" charset="0"/>
-                            </a:rPr>
-                            <m:t>+</m:t>
-                          </m:r>
-                          <m:r>
-                            <a:rPr lang="en-US" b="0" i="1" smtClean="0">
-                              <a:latin typeface="Cambria Math" panose="02040503050406030204" pitchFamily="18" charset="0"/>
-                            </a:rPr>
-                            <m:t>1</m:t>
-                          </m:r>
-                        </m:sub>
-                      </m:sSub>
-                      <m:r>
-                        <a:rPr lang="ar-AE" smtClean="0">
-                          <a:latin typeface="Cambria Math" panose="02040503050406030204" pitchFamily="18" charset="0"/>
-                        </a:rPr>
-                        <m:t>=</m:t>
-                      </m:r>
-                      <m:sSub>
-                        <m:sSubPr>
-                          <m:ctrlPr>
-                            <a:rPr lang="ar-AE" i="1">
-                              <a:latin typeface="Cambria Math" panose="02040503050406030204" pitchFamily="18" charset="0"/>
-                            </a:rPr>
-                          </m:ctrlPr>
-                        </m:sSubPr>
-                        <m:e>
-                          <m:r>
-                            <a:rPr lang="ar-AE">
-                              <a:latin typeface="Cambria Math" panose="02040503050406030204" pitchFamily="18" charset="0"/>
-                            </a:rPr>
-                            <m:t>𝜃</m:t>
-                          </m:r>
-                        </m:e>
-                        <m:sub>
-                          <m:r>
-                            <a:rPr lang="ar-AE" i="1">
-                              <a:latin typeface="Cambria Math" panose="02040503050406030204" pitchFamily="18" charset="0"/>
-                            </a:rPr>
-                            <m:t>𝑛</m:t>
-                          </m:r>
-                        </m:sub>
-                      </m:sSub>
-                      <m:r>
-                        <a:rPr lang="en-US" b="0" i="0" smtClean="0">
-                          <a:latin typeface="Cambria Math" panose="02040503050406030204" pitchFamily="18" charset="0"/>
-                        </a:rPr>
-                        <m:t>+</m:t>
-                      </m:r>
-                      <m:r>
-                        <a:rPr lang="en-US">
-                          <a:latin typeface="Cambria Math" panose="02040503050406030204" pitchFamily="18" charset="0"/>
-                        </a:rPr>
-                        <m:t>𝛿𝜃</m:t>
-                      </m:r>
-                    </m:oMath>
-                  </m:oMathPara>
-                </a14:m>
-                <a:endParaRPr lang="ar-AE" dirty="0"/>
-              </a:p>
-              <a:p>
-                <a:pPr lvl="0"/>
-                <a:r>
-                  <a:rPr lang="en-US" dirty="0"/>
-                  <a:t>Newton’s method has a quadratic form</a:t>
-                </a:r>
-              </a:p>
-              <a:p>
-                <a:pPr lvl="1"/>
-                <a:r>
-                  <a:rPr lang="en-US" dirty="0"/>
-                  <a:t>The quadratic form is not just a mathematical curiosity</a:t>
-                </a:r>
-              </a:p>
-              <a:p>
-                <a:pPr lvl="1"/>
-                <a:r>
-                  <a:rPr lang="en-US" dirty="0"/>
-                  <a:t>Newton’s method exhibits convergence quadratic in the number of iterations</a:t>
-                </a:r>
-              </a:p>
-              <a:p>
-                <a:pPr lvl="1"/>
-                <a:r>
-                  <a:rPr lang="en-US" dirty="0"/>
-                  <a:t>Compared to the approximate linear convergence for gradient descent methods</a:t>
-                </a:r>
-                <a:endParaRPr dirty="0"/>
-              </a:p>
-            </p:txBody>
-          </p:sp>
-        </mc:Choice>
-        <mc:Fallback>
-          <p:sp>
-            <p:nvSpPr>
-              <p:cNvPr id="3" name="Content Placeholder 2"/>
-              <p:cNvSpPr>
-                <a:spLocks noGrp="1" noRot="1" noChangeAspect="1" noMove="1" noResize="1" noEditPoints="1" noAdjustHandles="1" noChangeArrowheads="1" noChangeShapeType="1" noTextEdit="1"/>
-              </p:cNvSpPr>
-              <p:nvPr>
-                <p:ph idx="1"/>
-              </p:nvPr>
-            </p:nvSpPr>
-            <p:spPr>
-              <a:blipFill>
-                <a:blip r:embed="rId2"/>
-                <a:stretch>
-                  <a:fillRect l="-963" t="-3232" r="-444" b="-1795"/>
-                </a:stretch>
-              </a:blipFill>
-            </p:spPr>
-            <p:txBody>
-              <a:bodyPr/>
-              <a:lstStyle/>
-              <a:p>
-                <a:r>
-                  <a:rPr lang="en-US">
-                    <a:noFill/>
-                  </a:rPr>
-                  <a:t> </a:t>
-                </a:r>
-              </a:p>
-            </p:txBody>
-          </p:sp>
-        </mc:Fallback>
-      </mc:AlternateContent>
-      <p:sp>
-        <p:nvSpPr>
-          <p:cNvPr id="2" name="Title 1">
-            <a:extLst>
-              <a:ext uri="{FF2B5EF4-FFF2-40B4-BE49-F238E27FC236}">
-                <a16:creationId xmlns:a16="http://schemas.microsoft.com/office/drawing/2014/main" id="{1775A064-C15C-C092-1B60-7DBBF72DDD2C}"/>
-              </a:ext>
-            </a:extLst>
-          </p:cNvPr>
-          <p:cNvSpPr>
-            <a:spLocks noGrp="1"/>
-          </p:cNvSpPr>
-          <p:nvPr>
-            <p:ph type="title"/>
-          </p:nvPr>
-        </p:nvSpPr>
-        <p:spPr>
-          <a:xfrm>
-            <a:off x="457200" y="205979"/>
-            <a:ext cx="8229600" cy="857250"/>
-          </a:xfrm>
-        </p:spPr>
-        <p:txBody>
-          <a:bodyPr/>
-          <a:lstStyle/>
-          <a:p>
-            <a:pPr marL="0" lvl="0" indent="0">
-              <a:spcBef>
-                <a:spcPts val="3000"/>
-              </a:spcBef>
-              <a:buNone/>
-            </a:pPr>
-            <a:r>
-              <a:rPr lang="en-US" b="1" dirty="0"/>
-              <a:t>Newton’s method</a:t>
-            </a:r>
-          </a:p>
-        </p:txBody>
-      </p:sp>
-    </p:spTree>
-  </p:cSld>
-  <p:clrMapOvr>
-    <a:masterClrMapping/>
-  </p:clrMapOvr>
-</p:sld>
-</file>
-
-<file path=ppt/slides/slide38.xml><?xml version="1.0" encoding="utf-8"?>
-<p:sld xmlns:a="http://schemas.openxmlformats.org/drawingml/2006/main" xmlns:r="http://schemas.openxmlformats.org/officeDocument/2006/relationships" xmlns:p="http://schemas.openxmlformats.org/presentationml/2006/main">
-  <p:cSld>
-    <p:spTree>
-      <p:nvGrpSpPr>
-        <p:cNvPr id="1" name=""/>
-        <p:cNvGrpSpPr/>
-        <p:nvPr/>
-      </p:nvGrpSpPr>
-      <p:grpSpPr>
-        <a:xfrm>
-          <a:off x="0" y="0"/>
-          <a:ext cx="0" cy="0"/>
-          <a:chOff x="0" y="0"/>
-          <a:chExt cx="0" cy="0"/>
-        </a:xfrm>
-      </p:grpSpPr>
-      <mc:AlternateContent xmlns:mc="http://schemas.openxmlformats.org/markup-compatibility/2006">
-        <mc:Choice xmlns:a14="http://schemas.microsoft.com/office/drawing/2010/main" Requires="a14">
+      <mc:AlternateContent xmlns:mc="http://schemas.openxmlformats.org/markup-compatibility/2006" xmlns:a14="http://schemas.microsoft.com/office/drawing/2010/main">
+        <mc:Choice Requires="a14">
           <p:sp>
             <p:nvSpPr>
               <p:cNvPr id="3" name="Content Placeholder 2"/>
@@ -21740,7 +21198,7 @@
             </p:txBody>
           </p:sp>
         </mc:Choice>
-        <mc:Fallback>
+        <mc:Fallback xmlns="">
           <p:sp>
             <p:nvSpPr>
               <p:cNvPr id="3" name="Content Placeholder 2"/>
@@ -21784,6 +21242,457 @@
             <a:extLst>
               <a:ext uri="{FF2B5EF4-FFF2-40B4-BE49-F238E27FC236}">
                 <a16:creationId xmlns:a16="http://schemas.microsoft.com/office/drawing/2014/main" id="{268620D1-4CC7-1E8F-442B-863B861495BA}"/>
+              </a:ext>
+            </a:extLst>
+          </p:cNvPr>
+          <p:cNvSpPr>
+            <a:spLocks noGrp="1"/>
+          </p:cNvSpPr>
+          <p:nvPr>
+            <p:ph type="title"/>
+          </p:nvPr>
+        </p:nvSpPr>
+        <p:spPr>
+          <a:xfrm>
+            <a:off x="457200" y="205979"/>
+            <a:ext cx="8229600" cy="857250"/>
+          </a:xfrm>
+        </p:spPr>
+        <p:txBody>
+          <a:bodyPr/>
+          <a:lstStyle/>
+          <a:p>
+            <a:pPr marL="0" lvl="0" indent="0">
+              <a:spcBef>
+                <a:spcPts val="3000"/>
+              </a:spcBef>
+              <a:buNone/>
+            </a:pPr>
+            <a:r>
+              <a:rPr lang="en-US" b="1" dirty="0"/>
+              <a:t>Newton’s method</a:t>
+            </a:r>
+          </a:p>
+        </p:txBody>
+      </p:sp>
+    </p:spTree>
+  </p:cSld>
+  <p:clrMapOvr>
+    <a:masterClrMapping/>
+  </p:clrMapOvr>
+</p:sld>
+</file>
+
+<file path=ppt/slides/slide38.xml><?xml version="1.0" encoding="utf-8"?>
+<p:sld xmlns:a="http://schemas.openxmlformats.org/drawingml/2006/main" xmlns:r="http://schemas.openxmlformats.org/officeDocument/2006/relationships" xmlns:p="http://schemas.openxmlformats.org/presentationml/2006/main">
+  <p:cSld>
+    <p:spTree>
+      <p:nvGrpSpPr>
+        <p:cNvPr id="1" name=""/>
+        <p:cNvGrpSpPr/>
+        <p:nvPr/>
+      </p:nvGrpSpPr>
+      <p:grpSpPr>
+        <a:xfrm>
+          <a:off x="0" y="0"/>
+          <a:ext cx="0" cy="0"/>
+          <a:chOff x="0" y="0"/>
+          <a:chExt cx="0" cy="0"/>
+        </a:xfrm>
+      </p:grpSpPr>
+      <mc:AlternateContent xmlns:mc="http://schemas.openxmlformats.org/markup-compatibility/2006">
+        <mc:Choice xmlns:a14="http://schemas.microsoft.com/office/drawing/2010/main" Requires="a14">
+          <p:sp>
+            <p:nvSpPr>
+              <p:cNvPr id="3" name="Content Placeholder 2"/>
+              <p:cNvSpPr>
+                <a:spLocks noGrp="1"/>
+              </p:cNvSpPr>
+              <p:nvPr>
+                <p:ph idx="1"/>
+              </p:nvPr>
+            </p:nvSpPr>
+            <p:spPr/>
+            <p:txBody>
+              <a:bodyPr>
+                <a:normAutofit/>
+              </a:bodyPr>
+              <a:lstStyle/>
+              <a:p>
+                <a:pPr marL="0" lvl="0" indent="0">
+                  <a:buNone/>
+                </a:pPr>
+                <a:r>
+                  <a:rPr sz="2200" dirty="0"/>
+                  <a:t>Newton’s method in higher dimensions</a:t>
+                </a:r>
+              </a:p>
+              <a:p>
+                <a:pPr lvl="0"/>
+                <a:r>
+                  <a:rPr sz="2200" dirty="0"/>
+                  <a:t>The quadratic update is:</a:t>
+                </a:r>
+              </a:p>
+              <a:p>
+                <a:pPr marL="0" lvl="0" indent="0">
+                  <a:buNone/>
+                </a:pPr>
+                <a14:m>
+                  <m:oMathPara xmlns:m="http://schemas.openxmlformats.org/officeDocument/2006/math">
+                    <m:oMathParaPr>
+                      <m:jc m:val="center"/>
+                    </m:oMathParaPr>
+                    <m:oMath xmlns:m="http://schemas.openxmlformats.org/officeDocument/2006/math">
+                      <m:sSub>
+                        <m:sSubPr>
+                          <m:ctrlPr>
+                            <a:rPr sz="2200" i="1">
+                              <a:latin typeface="Cambria Math" panose="02040503050406030204" pitchFamily="18" charset="0"/>
+                            </a:rPr>
+                          </m:ctrlPr>
+                        </m:sSubPr>
+                        <m:e>
+                          <m:r>
+                            <a:rPr sz="2200">
+                              <a:latin typeface="Cambria Math" panose="02040503050406030204" pitchFamily="18" charset="0"/>
+                            </a:rPr>
+                            <m:t>𝑥</m:t>
+                          </m:r>
+                        </m:e>
+                        <m:sub>
+                          <m:r>
+                            <a:rPr sz="2200">
+                              <a:latin typeface="Cambria Math" panose="02040503050406030204" pitchFamily="18" charset="0"/>
+                            </a:rPr>
+                            <m:t>𝑛</m:t>
+                          </m:r>
+                          <m:r>
+                            <a:rPr sz="2200">
+                              <a:latin typeface="Cambria Math" panose="02040503050406030204" pitchFamily="18" charset="0"/>
+                            </a:rPr>
+                            <m:t>+</m:t>
+                          </m:r>
+                          <m:r>
+                            <a:rPr sz="2200">
+                              <a:latin typeface="Cambria Math" panose="02040503050406030204" pitchFamily="18" charset="0"/>
+                            </a:rPr>
+                            <m:t>1</m:t>
+                          </m:r>
+                        </m:sub>
+                      </m:sSub>
+                      <m:r>
+                        <a:rPr sz="2200">
+                          <a:latin typeface="Cambria Math" panose="02040503050406030204" pitchFamily="18" charset="0"/>
+                        </a:rPr>
+                        <m:t>=</m:t>
+                      </m:r>
+                      <m:sSub>
+                        <m:sSubPr>
+                          <m:ctrlPr>
+                            <a:rPr sz="2200" i="1">
+                              <a:latin typeface="Cambria Math" panose="02040503050406030204" pitchFamily="18" charset="0"/>
+                            </a:rPr>
+                          </m:ctrlPr>
+                        </m:sSubPr>
+                        <m:e>
+                          <m:r>
+                            <a:rPr sz="2200">
+                              <a:latin typeface="Cambria Math" panose="02040503050406030204" pitchFamily="18" charset="0"/>
+                            </a:rPr>
+                            <m:t>𝑥</m:t>
+                          </m:r>
+                        </m:e>
+                        <m:sub>
+                          <m:r>
+                            <a:rPr sz="2200">
+                              <a:latin typeface="Cambria Math" panose="02040503050406030204" pitchFamily="18" charset="0"/>
+                            </a:rPr>
+                            <m:t>𝑛</m:t>
+                          </m:r>
+                        </m:sub>
+                      </m:sSub>
+                      <m:r>
+                        <a:rPr sz="2200">
+                          <a:latin typeface="Cambria Math" panose="02040503050406030204" pitchFamily="18" charset="0"/>
+                        </a:rPr>
+                        <m:t>+</m:t>
+                      </m:r>
+                      <m:r>
+                        <a:rPr sz="2200">
+                          <a:latin typeface="Cambria Math" panose="02040503050406030204" pitchFamily="18" charset="0"/>
+                        </a:rPr>
+                        <m:t>𝛾</m:t>
+                      </m:r>
+                      <m:sSup>
+                        <m:sSupPr>
+                          <m:ctrlPr>
+                            <a:rPr sz="2200" i="1">
+                              <a:latin typeface="Cambria Math" panose="02040503050406030204" pitchFamily="18" charset="0"/>
+                            </a:rPr>
+                          </m:ctrlPr>
+                        </m:sSupPr>
+                        <m:e>
+                          <m:d>
+                            <m:dPr>
+                              <m:begChr m:val="|"/>
+                              <m:endChr m:val="|"/>
+                              <m:ctrlPr>
+                                <a:rPr sz="2200" i="1">
+                                  <a:latin typeface="Cambria Math" panose="02040503050406030204" pitchFamily="18" charset="0"/>
+                                </a:rPr>
+                              </m:ctrlPr>
+                            </m:dPr>
+                            <m:e>
+                              <m:sSubSup>
+                                <m:sSubSupPr>
+                                  <m:ctrlPr>
+                                    <a:rPr sz="2200" i="1">
+                                      <a:latin typeface="Cambria Math" panose="02040503050406030204" pitchFamily="18" charset="0"/>
+                                    </a:rPr>
+                                  </m:ctrlPr>
+                                </m:sSubSupPr>
+                                <m:e>
+                                  <m:r>
+                                    <m:rPr>
+                                      <m:sty m:val="p"/>
+                                    </m:rPr>
+                                    <a:rPr sz="2200">
+                                      <a:latin typeface="Cambria Math" panose="02040503050406030204" pitchFamily="18" charset="0"/>
+                                    </a:rPr>
+                                    <m:t>∇</m:t>
+                                  </m:r>
+                                </m:e>
+                                <m:sub>
+                                  <m:r>
+                                    <a:rPr sz="2200">
+                                      <a:latin typeface="Cambria Math" panose="02040503050406030204" pitchFamily="18" charset="0"/>
+                                    </a:rPr>
+                                    <m:t>𝜃</m:t>
+                                  </m:r>
+                                </m:sub>
+                                <m:sup>
+                                  <m:r>
+                                    <a:rPr sz="2200">
+                                      <a:latin typeface="Cambria Math" panose="02040503050406030204" pitchFamily="18" charset="0"/>
+                                    </a:rPr>
+                                    <m:t>2</m:t>
+                                  </m:r>
+                                </m:sup>
+                              </m:sSubSup>
+                              <m:r>
+                                <a:rPr sz="2200">
+                                  <a:latin typeface="Cambria Math" panose="02040503050406030204" pitchFamily="18" charset="0"/>
+                                </a:rPr>
+                                <m:t>𝑙</m:t>
+                              </m:r>
+                              <m:d>
+                                <m:dPr>
+                                  <m:ctrlPr>
+                                    <a:rPr sz="2200" i="1">
+                                      <a:latin typeface="Cambria Math" panose="02040503050406030204" pitchFamily="18" charset="0"/>
+                                    </a:rPr>
+                                  </m:ctrlPr>
+                                </m:dPr>
+                                <m:e>
+                                  <m:acc>
+                                    <m:accPr>
+                                      <m:chr m:val="⃗"/>
+                                      <m:ctrlPr>
+                                        <a:rPr sz="2200" i="1">
+                                          <a:latin typeface="Cambria Math" panose="02040503050406030204" pitchFamily="18" charset="0"/>
+                                        </a:rPr>
+                                      </m:ctrlPr>
+                                    </m:accPr>
+                                    <m:e>
+                                      <m:r>
+                                        <a:rPr sz="2200">
+                                          <a:latin typeface="Cambria Math" panose="02040503050406030204" pitchFamily="18" charset="0"/>
+                                        </a:rPr>
+                                        <m:t>𝜃</m:t>
+                                      </m:r>
+                                    </m:e>
+                                  </m:acc>
+                                </m:e>
+                              </m:d>
+                            </m:e>
+                          </m:d>
+                        </m:e>
+                        <m:sup>
+                          <m:r>
+                            <a:rPr sz="2200">
+                              <a:latin typeface="Cambria Math" panose="02040503050406030204" pitchFamily="18" charset="0"/>
+                            </a:rPr>
+                            <m:t>−</m:t>
+                          </m:r>
+                          <m:r>
+                            <a:rPr sz="2200">
+                              <a:latin typeface="Cambria Math" panose="02040503050406030204" pitchFamily="18" charset="0"/>
+                            </a:rPr>
+                            <m:t>1</m:t>
+                          </m:r>
+                        </m:sup>
+                      </m:sSup>
+                      <m:sSub>
+                        <m:sSubPr>
+                          <m:ctrlPr>
+                            <a:rPr sz="2200" i="1">
+                              <a:latin typeface="Cambria Math" panose="02040503050406030204" pitchFamily="18" charset="0"/>
+                            </a:rPr>
+                          </m:ctrlPr>
+                        </m:sSubPr>
+                        <m:e>
+                          <m:r>
+                            <m:rPr>
+                              <m:sty m:val="p"/>
+                            </m:rPr>
+                            <a:rPr sz="2200">
+                              <a:latin typeface="Cambria Math" panose="02040503050406030204" pitchFamily="18" charset="0"/>
+                            </a:rPr>
+                            <m:t>∇</m:t>
+                          </m:r>
+                        </m:e>
+                        <m:sub>
+                          <m:r>
+                            <a:rPr sz="2200">
+                              <a:latin typeface="Cambria Math" panose="02040503050406030204" pitchFamily="18" charset="0"/>
+                            </a:rPr>
+                            <m:t>𝜃</m:t>
+                          </m:r>
+                        </m:sub>
+                      </m:sSub>
+                      <m:r>
+                        <a:rPr sz="2200">
+                          <a:latin typeface="Cambria Math" panose="02040503050406030204" pitchFamily="18" charset="0"/>
+                        </a:rPr>
+                        <m:t>𝑙</m:t>
+                      </m:r>
+                      <m:d>
+                        <m:dPr>
+                          <m:ctrlPr>
+                            <a:rPr sz="2200" i="1">
+                              <a:latin typeface="Cambria Math" panose="02040503050406030204" pitchFamily="18" charset="0"/>
+                            </a:rPr>
+                          </m:ctrlPr>
+                        </m:dPr>
+                        <m:e>
+                          <m:acc>
+                            <m:accPr>
+                              <m:chr m:val="⃗"/>
+                              <m:ctrlPr>
+                                <a:rPr sz="2200" i="1">
+                                  <a:latin typeface="Cambria Math" panose="02040503050406030204" pitchFamily="18" charset="0"/>
+                                </a:rPr>
+                              </m:ctrlPr>
+                            </m:accPr>
+                            <m:e>
+                              <m:r>
+                                <a:rPr sz="2200">
+                                  <a:latin typeface="Cambria Math" panose="02040503050406030204" pitchFamily="18" charset="0"/>
+                                </a:rPr>
+                                <m:t>𝜃</m:t>
+                              </m:r>
+                            </m:e>
+                          </m:acc>
+                        </m:e>
+                      </m:d>
+                    </m:oMath>
+                  </m:oMathPara>
+                </a14:m>
+                <a:endParaRPr sz="2200" dirty="0"/>
+              </a:p>
+              <a:p>
+                <a:pPr lvl="0"/>
+                <a:r>
+                  <a:rPr sz="2200" dirty="0"/>
+                  <a:t>For large scale problems </a:t>
+                </a:r>
+                <a:r>
+                  <a:rPr sz="2200" b="1" dirty="0"/>
+                  <a:t>quasi-Newton</a:t>
+                </a:r>
+                <a:r>
+                  <a:rPr sz="2200" dirty="0"/>
+                  <a:t> methods are used</a:t>
+                </a:r>
+              </a:p>
+              <a:p>
+                <a:pPr lvl="0"/>
+                <a:r>
+                  <a:rPr sz="2200" dirty="0"/>
+                  <a:t>Use an approximation to avoid computing the full inverse Hessian</a:t>
+                </a:r>
+              </a:p>
+              <a:p>
+                <a:pPr lvl="0"/>
+                <a:r>
+                  <a:rPr sz="2200" b="1" dirty="0"/>
+                  <a:t>Limited-memory </a:t>
+                </a:r>
+                <a:r>
+                  <a:rPr sz="2200" b="1" dirty="0" err="1"/>
+                  <a:t>Broyden</a:t>
+                </a:r>
+                <a:r>
+                  <a:rPr sz="2200" b="1" dirty="0"/>
+                  <a:t>–Fletcher–Goldfarb–</a:t>
+                </a:r>
+                <a:r>
+                  <a:rPr sz="2200" b="1" dirty="0" err="1"/>
+                  <a:t>Shanno</a:t>
+                </a:r>
+                <a:r>
+                  <a:rPr sz="2200" b="1" dirty="0"/>
+                  <a:t> (L-BFGS)</a:t>
+                </a:r>
+                <a:r>
+                  <a:rPr sz="2200" dirty="0"/>
+                  <a:t> algorithm the most widely used quasi-Newton method</a:t>
+                </a:r>
+              </a:p>
+            </p:txBody>
+          </p:sp>
+        </mc:Choice>
+        <mc:Fallback>
+          <p:sp>
+            <p:nvSpPr>
+              <p:cNvPr id="3" name="Content Placeholder 2"/>
+              <p:cNvSpPr>
+                <a:spLocks noGrp="1" noRot="1" noChangeAspect="1" noMove="1" noResize="1" noEditPoints="1" noAdjustHandles="1" noChangeArrowheads="1" noChangeShapeType="1" noTextEdit="1"/>
+              </p:cNvSpPr>
+              <p:nvPr>
+                <p:ph idx="1"/>
+              </p:nvPr>
+            </p:nvSpPr>
+            <p:spPr>
+              <a:blipFill>
+                <a:blip r:embed="rId2"/>
+                <a:stretch>
+                  <a:fillRect l="-963" t="-1257"/>
+                </a:stretch>
+              </a:blipFill>
+            </p:spPr>
+            <p:txBody>
+              <a:bodyPr/>
+              <a:lstStyle/>
+              <a:p>
+                <a:r>
+                  <a:rPr lang="en-US">
+                    <a:noFill/>
+                  </a:rPr>
+                  <a:t> </a:t>
+                </a:r>
+              </a:p>
+            </p:txBody>
+          </p:sp>
+        </mc:Fallback>
+      </mc:AlternateContent>
+      <p:sp>
+        <p:nvSpPr>
+          <p:cNvPr id="2" name="Title 1">
+            <a:extLst>
+              <a:ext uri="{FF2B5EF4-FFF2-40B4-BE49-F238E27FC236}">
+                <a16:creationId xmlns:a16="http://schemas.microsoft.com/office/drawing/2014/main" id="{5FF4A609-C511-B11B-4BAD-3ABC8846A8F1}"/>
               </a:ext>
             </a:extLst>
           </p:cNvPr>
@@ -21842,399 +21751,67 @@
           <a:chExt cx="0" cy="0"/>
         </a:xfrm>
       </p:grpSpPr>
-      <mc:AlternateContent xmlns:mc="http://schemas.openxmlformats.org/markup-compatibility/2006">
-        <mc:Choice xmlns:a14="http://schemas.microsoft.com/office/drawing/2010/main" Requires="a14">
-          <p:sp>
-            <p:nvSpPr>
-              <p:cNvPr id="3" name="Content Placeholder 2"/>
-              <p:cNvSpPr>
-                <a:spLocks noGrp="1"/>
-              </p:cNvSpPr>
-              <p:nvPr>
-                <p:ph idx="1"/>
-              </p:nvPr>
-            </p:nvSpPr>
-            <p:spPr/>
-            <p:txBody>
-              <a:bodyPr>
-                <a:normAutofit lnSpcReduction="10000"/>
-              </a:bodyPr>
-              <a:lstStyle/>
-              <a:p>
-                <a:pPr marL="0" lvl="0" indent="0">
-                  <a:buNone/>
-                </a:pPr>
-                <a:r>
-                  <a:rPr dirty="0"/>
-                  <a:t>Newton’s method in higher dimensions</a:t>
-                </a:r>
-              </a:p>
-              <a:p>
-                <a:pPr lvl="0"/>
-                <a:r>
-                  <a:rPr dirty="0"/>
-                  <a:t>The quadratic update is:</a:t>
-                </a:r>
-              </a:p>
-              <a:p>
-                <a:pPr marL="0" lvl="0" indent="0">
-                  <a:buNone/>
-                </a:pPr>
-                <a14:m>
-                  <m:oMathPara xmlns:m="http://schemas.openxmlformats.org/officeDocument/2006/math">
-                    <m:oMathParaPr>
-                      <m:jc m:val="center"/>
-                    </m:oMathParaPr>
-                    <m:oMath xmlns:m="http://schemas.openxmlformats.org/officeDocument/2006/math">
-                      <m:sSub>
-                        <m:sSubPr>
-                          <m:ctrlPr>
-                            <a:rPr i="1">
-                              <a:latin typeface="Cambria Math" panose="02040503050406030204" pitchFamily="18" charset="0"/>
-                            </a:rPr>
-                          </m:ctrlPr>
-                        </m:sSubPr>
-                        <m:e>
-                          <m:r>
-                            <a:rPr>
-                              <a:latin typeface="Cambria Math" panose="02040503050406030204" pitchFamily="18" charset="0"/>
-                            </a:rPr>
-                            <m:t>𝑥</m:t>
-                          </m:r>
-                        </m:e>
-                        <m:sub>
-                          <m:r>
-                            <a:rPr>
-                              <a:latin typeface="Cambria Math" panose="02040503050406030204" pitchFamily="18" charset="0"/>
-                            </a:rPr>
-                            <m:t>𝑛</m:t>
-                          </m:r>
-                          <m:r>
-                            <a:rPr>
-                              <a:latin typeface="Cambria Math" panose="02040503050406030204" pitchFamily="18" charset="0"/>
-                            </a:rPr>
-                            <m:t>+</m:t>
-                          </m:r>
-                          <m:r>
-                            <a:rPr>
-                              <a:latin typeface="Cambria Math" panose="02040503050406030204" pitchFamily="18" charset="0"/>
-                            </a:rPr>
-                            <m:t>1</m:t>
-                          </m:r>
-                        </m:sub>
-                      </m:sSub>
-                      <m:r>
-                        <a:rPr>
-                          <a:latin typeface="Cambria Math" panose="02040503050406030204" pitchFamily="18" charset="0"/>
-                        </a:rPr>
-                        <m:t>=</m:t>
-                      </m:r>
-                      <m:sSub>
-                        <m:sSubPr>
-                          <m:ctrlPr>
-                            <a:rPr i="1">
-                              <a:latin typeface="Cambria Math" panose="02040503050406030204" pitchFamily="18" charset="0"/>
-                            </a:rPr>
-                          </m:ctrlPr>
-                        </m:sSubPr>
-                        <m:e>
-                          <m:r>
-                            <a:rPr>
-                              <a:latin typeface="Cambria Math" panose="02040503050406030204" pitchFamily="18" charset="0"/>
-                            </a:rPr>
-                            <m:t>𝑥</m:t>
-                          </m:r>
-                        </m:e>
-                        <m:sub>
-                          <m:r>
-                            <a:rPr>
-                              <a:latin typeface="Cambria Math" panose="02040503050406030204" pitchFamily="18" charset="0"/>
-                            </a:rPr>
-                            <m:t>𝑛</m:t>
-                          </m:r>
-                        </m:sub>
-                      </m:sSub>
-                      <m:r>
-                        <a:rPr>
-                          <a:latin typeface="Cambria Math" panose="02040503050406030204" pitchFamily="18" charset="0"/>
-                        </a:rPr>
-                        <m:t>+</m:t>
-                      </m:r>
-                      <m:r>
-                        <a:rPr>
-                          <a:latin typeface="Cambria Math" panose="02040503050406030204" pitchFamily="18" charset="0"/>
-                        </a:rPr>
-                        <m:t>𝛾</m:t>
-                      </m:r>
-                      <m:sSup>
-                        <m:sSupPr>
-                          <m:ctrlPr>
-                            <a:rPr i="1">
-                              <a:latin typeface="Cambria Math" panose="02040503050406030204" pitchFamily="18" charset="0"/>
-                            </a:rPr>
-                          </m:ctrlPr>
-                        </m:sSupPr>
-                        <m:e>
-                          <m:d>
-                            <m:dPr>
-                              <m:begChr m:val="|"/>
-                              <m:endChr m:val="|"/>
-                              <m:ctrlPr>
-                                <a:rPr i="1">
-                                  <a:latin typeface="Cambria Math" panose="02040503050406030204" pitchFamily="18" charset="0"/>
-                                </a:rPr>
-                              </m:ctrlPr>
-                            </m:dPr>
-                            <m:e>
-                              <m:sSubSup>
-                                <m:sSubSupPr>
-                                  <m:ctrlPr>
-                                    <a:rPr i="1">
-                                      <a:latin typeface="Cambria Math" panose="02040503050406030204" pitchFamily="18" charset="0"/>
-                                    </a:rPr>
-                                  </m:ctrlPr>
-                                </m:sSubSupPr>
-                                <m:e>
-                                  <m:r>
-                                    <m:rPr>
-                                      <m:sty m:val="p"/>
-                                    </m:rPr>
-                                    <a:rPr>
-                                      <a:latin typeface="Cambria Math" panose="02040503050406030204" pitchFamily="18" charset="0"/>
-                                    </a:rPr>
-                                    <m:t>∇</m:t>
-                                  </m:r>
-                                </m:e>
-                                <m:sub>
-                                  <m:r>
-                                    <a:rPr>
-                                      <a:latin typeface="Cambria Math" panose="02040503050406030204" pitchFamily="18" charset="0"/>
-                                    </a:rPr>
-                                    <m:t>𝜃</m:t>
-                                  </m:r>
-                                </m:sub>
-                                <m:sup>
-                                  <m:r>
-                                    <a:rPr>
-                                      <a:latin typeface="Cambria Math" panose="02040503050406030204" pitchFamily="18" charset="0"/>
-                                    </a:rPr>
-                                    <m:t>2</m:t>
-                                  </m:r>
-                                </m:sup>
-                              </m:sSubSup>
-                              <m:r>
-                                <a:rPr>
-                                  <a:latin typeface="Cambria Math" panose="02040503050406030204" pitchFamily="18" charset="0"/>
-                                </a:rPr>
-                                <m:t>𝑙</m:t>
-                              </m:r>
-                              <m:d>
-                                <m:dPr>
-                                  <m:ctrlPr>
-                                    <a:rPr i="1">
-                                      <a:latin typeface="Cambria Math" panose="02040503050406030204" pitchFamily="18" charset="0"/>
-                                    </a:rPr>
-                                  </m:ctrlPr>
-                                </m:dPr>
-                                <m:e>
-                                  <m:acc>
-                                    <m:accPr>
-                                      <m:chr m:val="⃗"/>
-                                      <m:ctrlPr>
-                                        <a:rPr i="1">
-                                          <a:latin typeface="Cambria Math" panose="02040503050406030204" pitchFamily="18" charset="0"/>
-                                        </a:rPr>
-                                      </m:ctrlPr>
-                                    </m:accPr>
-                                    <m:e>
-                                      <m:r>
-                                        <a:rPr>
-                                          <a:latin typeface="Cambria Math" panose="02040503050406030204" pitchFamily="18" charset="0"/>
-                                        </a:rPr>
-                                        <m:t>𝜃</m:t>
-                                      </m:r>
-                                    </m:e>
-                                  </m:acc>
-                                </m:e>
-                              </m:d>
-                            </m:e>
-                          </m:d>
-                        </m:e>
-                        <m:sup>
-                          <m:r>
-                            <a:rPr>
-                              <a:latin typeface="Cambria Math" panose="02040503050406030204" pitchFamily="18" charset="0"/>
-                            </a:rPr>
-                            <m:t>−</m:t>
-                          </m:r>
-                          <m:r>
-                            <a:rPr>
-                              <a:latin typeface="Cambria Math" panose="02040503050406030204" pitchFamily="18" charset="0"/>
-                            </a:rPr>
-                            <m:t>1</m:t>
-                          </m:r>
-                        </m:sup>
-                      </m:sSup>
-                      <m:sSub>
-                        <m:sSubPr>
-                          <m:ctrlPr>
-                            <a:rPr i="1">
-                              <a:latin typeface="Cambria Math" panose="02040503050406030204" pitchFamily="18" charset="0"/>
-                            </a:rPr>
-                          </m:ctrlPr>
-                        </m:sSubPr>
-                        <m:e>
-                          <m:r>
-                            <m:rPr>
-                              <m:sty m:val="p"/>
-                            </m:rPr>
-                            <a:rPr>
-                              <a:latin typeface="Cambria Math" panose="02040503050406030204" pitchFamily="18" charset="0"/>
-                            </a:rPr>
-                            <m:t>∇</m:t>
-                          </m:r>
-                        </m:e>
-                        <m:sub>
-                          <m:r>
-                            <a:rPr>
-                              <a:latin typeface="Cambria Math" panose="02040503050406030204" pitchFamily="18" charset="0"/>
-                            </a:rPr>
-                            <m:t>𝜃</m:t>
-                          </m:r>
-                        </m:sub>
-                      </m:sSub>
-                      <m:r>
-                        <a:rPr>
-                          <a:latin typeface="Cambria Math" panose="02040503050406030204" pitchFamily="18" charset="0"/>
-                        </a:rPr>
-                        <m:t>𝑙</m:t>
-                      </m:r>
-                      <m:d>
-                        <m:dPr>
-                          <m:ctrlPr>
-                            <a:rPr i="1">
-                              <a:latin typeface="Cambria Math" panose="02040503050406030204" pitchFamily="18" charset="0"/>
-                            </a:rPr>
-                          </m:ctrlPr>
-                        </m:dPr>
-                        <m:e>
-                          <m:acc>
-                            <m:accPr>
-                              <m:chr m:val="⃗"/>
-                              <m:ctrlPr>
-                                <a:rPr i="1">
-                                  <a:latin typeface="Cambria Math" panose="02040503050406030204" pitchFamily="18" charset="0"/>
-                                </a:rPr>
-                              </m:ctrlPr>
-                            </m:accPr>
-                            <m:e>
-                              <m:r>
-                                <a:rPr>
-                                  <a:latin typeface="Cambria Math" panose="02040503050406030204" pitchFamily="18" charset="0"/>
-                                </a:rPr>
-                                <m:t>𝜃</m:t>
-                              </m:r>
-                            </m:e>
-                          </m:acc>
-                        </m:e>
-                      </m:d>
-                    </m:oMath>
-                  </m:oMathPara>
-                </a14:m>
-                <a:endParaRPr dirty="0"/>
-              </a:p>
-              <a:p>
-                <a:pPr lvl="0"/>
-                <a:r>
-                  <a:rPr dirty="0"/>
-                  <a:t>For large scale problems </a:t>
-                </a:r>
-                <a:r>
-                  <a:rPr b="1" dirty="0"/>
-                  <a:t>quasi-Newton</a:t>
-                </a:r>
-                <a:r>
-                  <a:rPr dirty="0"/>
-                  <a:t> methods are used</a:t>
-                </a:r>
-              </a:p>
-              <a:p>
-                <a:pPr lvl="0"/>
-                <a:r>
-                  <a:rPr dirty="0"/>
-                  <a:t>Use an approximation to avoid computing the full inverse Hessian</a:t>
-                </a:r>
-              </a:p>
-              <a:p>
-                <a:pPr lvl="0"/>
-                <a:r>
-                  <a:rPr b="1" dirty="0"/>
-                  <a:t>Limited-memory </a:t>
-                </a:r>
-                <a:r>
-                  <a:rPr b="1" dirty="0" err="1"/>
-                  <a:t>Broyden</a:t>
-                </a:r>
-                <a:r>
-                  <a:rPr b="1" dirty="0"/>
-                  <a:t>–Fletcher–Goldfarb–</a:t>
-                </a:r>
-                <a:r>
-                  <a:rPr b="1" dirty="0" err="1"/>
-                  <a:t>Shanno</a:t>
-                </a:r>
-                <a:r>
-                  <a:rPr b="1" dirty="0"/>
-                  <a:t> (L-BFGS)</a:t>
-                </a:r>
-                <a:r>
-                  <a:rPr dirty="0"/>
-                  <a:t> algorithm the most widely used quasi-Newton method</a:t>
-                </a:r>
-              </a:p>
-            </p:txBody>
-          </p:sp>
-        </mc:Choice>
-        <mc:Fallback>
-          <p:sp>
-            <p:nvSpPr>
-              <p:cNvPr id="3" name="Content Placeholder 2"/>
-              <p:cNvSpPr>
-                <a:spLocks noGrp="1" noRot="1" noChangeAspect="1" noMove="1" noResize="1" noEditPoints="1" noAdjustHandles="1" noChangeArrowheads="1" noChangeShapeType="1" noTextEdit="1"/>
-              </p:cNvSpPr>
-              <p:nvPr>
-                <p:ph idx="1"/>
-              </p:nvPr>
-            </p:nvSpPr>
-            <p:spPr>
-              <a:blipFill>
-                <a:blip r:embed="rId2"/>
-                <a:stretch>
-                  <a:fillRect l="-1111" t="-2513" b="-1436"/>
-                </a:stretch>
-              </a:blipFill>
-            </p:spPr>
-            <p:txBody>
-              <a:bodyPr/>
-              <a:lstStyle/>
-              <a:p>
-                <a:r>
-                  <a:rPr lang="en-US">
-                    <a:noFill/>
-                  </a:rPr>
-                  <a:t> </a:t>
-                </a:r>
-              </a:p>
-            </p:txBody>
-          </p:sp>
-        </mc:Fallback>
-      </mc:AlternateContent>
+      <p:sp>
+        <p:nvSpPr>
+          <p:cNvPr id="3" name="Content Placeholder 2"/>
+          <p:cNvSpPr>
+            <a:spLocks noGrp="1"/>
+          </p:cNvSpPr>
+          <p:nvPr>
+            <p:ph idx="1"/>
+          </p:nvPr>
+        </p:nvSpPr>
+        <p:spPr/>
+        <p:txBody>
+          <a:bodyPr>
+            <a:normAutofit/>
+          </a:bodyPr>
+          <a:lstStyle/>
+          <a:p>
+            <a:pPr marL="0" lvl="0" indent="0">
+              <a:buNone/>
+            </a:pPr>
+            <a:r>
+              <a:rPr sz="2200" dirty="0"/>
+              <a:t>The maximum likelihood estimator has a number of important limitations, including</a:t>
+            </a:r>
+          </a:p>
+          <a:p>
+            <a:pPr lvl="0"/>
+            <a:r>
+              <a:rPr sz="2200" dirty="0"/>
+              <a:t>Incorrect model for complex distributions</a:t>
+            </a:r>
+          </a:p>
+          <a:p>
+            <a:pPr lvl="0"/>
+            <a:r>
+              <a:rPr sz="2200" dirty="0"/>
+              <a:t>Parameter near limits</a:t>
+            </a:r>
+          </a:p>
+          <a:p>
+            <a:pPr lvl="0"/>
+            <a:r>
+              <a:rPr sz="2200" dirty="0"/>
+              <a:t>High dimensional problems</a:t>
+            </a:r>
+          </a:p>
+          <a:p>
+            <a:pPr lvl="0"/>
+            <a:r>
+              <a:rPr sz="2200" dirty="0"/>
+              <a:t>Correlated features</a:t>
+            </a:r>
+          </a:p>
+        </p:txBody>
+      </p:sp>
       <p:sp>
         <p:nvSpPr>
           <p:cNvPr id="2" name="Title 1">
             <a:extLst>
               <a:ext uri="{FF2B5EF4-FFF2-40B4-BE49-F238E27FC236}">
-                <a16:creationId xmlns:a16="http://schemas.microsoft.com/office/drawing/2014/main" id="{5FF4A609-C511-B11B-4BAD-3ABC8846A8F1}"/>
+                <a16:creationId xmlns:a16="http://schemas.microsoft.com/office/drawing/2014/main" id="{F5B2BD23-B9D0-583A-F456-0AFE5F6E2125}"/>
               </a:ext>
             </a:extLst>
           </p:cNvPr>
@@ -22263,7 +21840,7 @@
             </a:pPr>
             <a:r>
               <a:rPr lang="en-US" b="1" dirty="0"/>
-              <a:t>Newton’s method</a:t>
+              <a:t>Limitations of MLE</a:t>
             </a:r>
           </a:p>
         </p:txBody>
@@ -22373,123 +21950,6 @@
 </file>
 
 <file path=ppt/slides/slide40.xml><?xml version="1.0" encoding="utf-8"?>
-<p:sld xmlns:a="http://schemas.openxmlformats.org/drawingml/2006/main" xmlns:r="http://schemas.openxmlformats.org/officeDocument/2006/relationships" xmlns:p="http://schemas.openxmlformats.org/presentationml/2006/main">
-  <p:cSld>
-    <p:spTree>
-      <p:nvGrpSpPr>
-        <p:cNvPr id="1" name=""/>
-        <p:cNvGrpSpPr/>
-        <p:nvPr/>
-      </p:nvGrpSpPr>
-      <p:grpSpPr>
-        <a:xfrm>
-          <a:off x="0" y="0"/>
-          <a:ext cx="0" cy="0"/>
-          <a:chOff x="0" y="0"/>
-          <a:chExt cx="0" cy="0"/>
-        </a:xfrm>
-      </p:grpSpPr>
-      <p:sp>
-        <p:nvSpPr>
-          <p:cNvPr id="3" name="Content Placeholder 2"/>
-          <p:cNvSpPr>
-            <a:spLocks noGrp="1"/>
-          </p:cNvSpPr>
-          <p:nvPr>
-            <p:ph idx="1"/>
-          </p:nvPr>
-        </p:nvSpPr>
-        <p:spPr/>
-        <p:txBody>
-          <a:bodyPr/>
-          <a:lstStyle/>
-          <a:p>
-            <a:pPr marL="0" lvl="0" indent="0">
-              <a:buNone/>
-            </a:pPr>
-            <a:r>
-              <a:rPr dirty="0"/>
-              <a:t>The maximum likelihood estimator has a number of important limitations, including</a:t>
-            </a:r>
-          </a:p>
-          <a:p>
-            <a:pPr lvl="0"/>
-            <a:r>
-              <a:rPr dirty="0"/>
-              <a:t>Incorrect model for complex distributions</a:t>
-            </a:r>
-          </a:p>
-          <a:p>
-            <a:pPr lvl="0"/>
-            <a:r>
-              <a:rPr dirty="0"/>
-              <a:t>Parameter near limits</a:t>
-            </a:r>
-          </a:p>
-          <a:p>
-            <a:pPr lvl="0"/>
-            <a:r>
-              <a:rPr dirty="0"/>
-              <a:t>High dimensional problems</a:t>
-            </a:r>
-          </a:p>
-          <a:p>
-            <a:pPr lvl="0"/>
-            <a:r>
-              <a:rPr dirty="0"/>
-              <a:t>Correlated features</a:t>
-            </a:r>
-          </a:p>
-        </p:txBody>
-      </p:sp>
-      <p:sp>
-        <p:nvSpPr>
-          <p:cNvPr id="2" name="Title 1">
-            <a:extLst>
-              <a:ext uri="{FF2B5EF4-FFF2-40B4-BE49-F238E27FC236}">
-                <a16:creationId xmlns:a16="http://schemas.microsoft.com/office/drawing/2014/main" id="{F5B2BD23-B9D0-583A-F456-0AFE5F6E2125}"/>
-              </a:ext>
-            </a:extLst>
-          </p:cNvPr>
-          <p:cNvSpPr>
-            <a:spLocks noGrp="1"/>
-          </p:cNvSpPr>
-          <p:nvPr>
-            <p:ph type="title"/>
-          </p:nvPr>
-        </p:nvSpPr>
-        <p:spPr>
-          <a:xfrm>
-            <a:off x="457200" y="205979"/>
-            <a:ext cx="8229600" cy="857250"/>
-          </a:xfrm>
-        </p:spPr>
-        <p:txBody>
-          <a:bodyPr/>
-          <a:lstStyle/>
-          <a:p>
-            <a:pPr marL="0" lvl="0" indent="0">
-              <a:spcBef>
-                <a:spcPts val="3000"/>
-              </a:spcBef>
-              <a:buNone/>
-            </a:pPr>
-            <a:r>
-              <a:rPr lang="en-US" b="1" dirty="0"/>
-              <a:t>Limitations of MLE</a:t>
-            </a:r>
-          </a:p>
-        </p:txBody>
-      </p:sp>
-    </p:spTree>
-  </p:cSld>
-  <p:clrMapOvr>
-    <a:masterClrMapping/>
-  </p:clrMapOvr>
-</p:sld>
-</file>
-
-<file path=ppt/slides/slide41.xml><?xml version="1.0" encoding="utf-8"?>
 <p:sld xmlns:a="http://schemas.openxmlformats.org/drawingml/2006/main" xmlns:r="http://schemas.openxmlformats.org/officeDocument/2006/relationships" xmlns:p="http://schemas.openxmlformats.org/presentationml/2006/main">
   <p:cSld>
     <p:spTree>
@@ -22660,7 +22120,7 @@
 </p:sld>
 </file>
 
-<file path=ppt/slides/slide42.xml><?xml version="1.0" encoding="utf-8"?>
+<file path=ppt/slides/slide41.xml><?xml version="1.0" encoding="utf-8"?>
 <p:sld xmlns:a="http://schemas.openxmlformats.org/drawingml/2006/main" xmlns:r="http://schemas.openxmlformats.org/officeDocument/2006/relationships" xmlns:p="http://schemas.openxmlformats.org/presentationml/2006/main">
   <p:cSld>
     <p:spTree>
@@ -22703,20 +22163,26 @@
               <a:buNone/>
             </a:pPr>
             <a:r>
-              <a:rPr sz="2400" dirty="0"/>
+              <a:rPr sz="2200" dirty="0"/>
               <a:t>Example; univariate Normal maximum likelihood estimator for mixture of 3 Normal distributions</a:t>
             </a:r>
-            <a:endParaRPr lang="en-US" sz="2400" dirty="0"/>
+            <a:endParaRPr lang="en-US" sz="2200" dirty="0"/>
+          </a:p>
+          <a:p>
+            <a:pPr marL="0" lvl="0" indent="0">
+              <a:buNone/>
+            </a:pPr>
+            <a:endParaRPr lang="en-US" sz="1000" dirty="0"/>
           </a:p>
           <a:p>
             <a:pPr marL="0" lvl="0" indent="0">
               <a:buNone/>
             </a:pPr>
             <a:r>
-              <a:rPr lang="en-US" sz="2400" dirty="0"/>
+              <a:rPr lang="en-US" sz="2200" dirty="0"/>
               <a:t>Maximum likelihood is not a maximum of distribution</a:t>
             </a:r>
-            <a:endParaRPr sz="2400" dirty="0"/>
+            <a:endParaRPr sz="2200" dirty="0"/>
           </a:p>
         </p:txBody>
       </p:sp>
@@ -22799,7 +22265,7 @@
 </p:sld>
 </file>
 
-<file path=ppt/slides/slide43.xml><?xml version="1.0" encoding="utf-8"?>
+<file path=ppt/slides/slide42.xml><?xml version="1.0" encoding="utf-8"?>
 <p:sld xmlns:a="http://schemas.openxmlformats.org/drawingml/2006/main" xmlns:r="http://schemas.openxmlformats.org/officeDocument/2006/relationships" xmlns:p="http://schemas.openxmlformats.org/presentationml/2006/main">
   <p:cSld>
     <p:spTree>
@@ -22816,8 +22282,8 @@
           <a:chExt cx="0" cy="0"/>
         </a:xfrm>
       </p:grpSpPr>
-      <mc:AlternateContent xmlns:mc="http://schemas.openxmlformats.org/markup-compatibility/2006">
-        <mc:Choice xmlns:a14="http://schemas.microsoft.com/office/drawing/2010/main" Requires="a14">
+      <mc:AlternateContent xmlns:mc="http://schemas.openxmlformats.org/markup-compatibility/2006" xmlns:a14="http://schemas.microsoft.com/office/drawing/2010/main">
+        <mc:Choice Requires="a14">
           <p:sp>
             <p:nvSpPr>
               <p:cNvPr id="3" name="Content Placeholder 2"/>
@@ -22940,7 +22406,7 @@
             </p:txBody>
           </p:sp>
         </mc:Choice>
-        <mc:Fallback>
+        <mc:Fallback xmlns="">
           <p:sp>
             <p:nvSpPr>
               <p:cNvPr id="3" name="Content Placeholder 2"/>
@@ -23021,7 +22487,7 @@
 </p:sld>
 </file>
 
-<file path=ppt/slides/slide44.xml><?xml version="1.0" encoding="utf-8"?>
+<file path=ppt/slides/slide43.xml><?xml version="1.0" encoding="utf-8"?>
 <p:sld xmlns:a="http://schemas.openxmlformats.org/drawingml/2006/main" xmlns:r="http://schemas.openxmlformats.org/officeDocument/2006/relationships" xmlns:p="http://schemas.openxmlformats.org/presentationml/2006/main">
   <p:cSld>
     <p:spTree>
@@ -23038,8 +22504,8 @@
           <a:chExt cx="0" cy="0"/>
         </a:xfrm>
       </p:grpSpPr>
-      <mc:AlternateContent xmlns:mc="http://schemas.openxmlformats.org/markup-compatibility/2006">
-        <mc:Choice xmlns:a14="http://schemas.microsoft.com/office/drawing/2010/main" Requires="a14">
+      <mc:AlternateContent xmlns:mc="http://schemas.openxmlformats.org/markup-compatibility/2006" xmlns:a14="http://schemas.microsoft.com/office/drawing/2010/main">
+        <mc:Choice Requires="a14">
           <p:sp>
             <p:nvSpPr>
               <p:cNvPr id="4" name="Text Placeholder 3"/>
@@ -23163,7 +22629,7 @@
             </p:txBody>
           </p:sp>
         </mc:Choice>
-        <mc:Fallback>
+        <mc:Fallback xmlns="">
           <p:sp>
             <p:nvSpPr>
               <p:cNvPr id="4" name="Text Placeholder 3"/>
@@ -23280,7 +22746,7 @@
 </p:sld>
 </file>
 
-<file path=ppt/slides/slide45.xml><?xml version="1.0" encoding="utf-8"?>
+<file path=ppt/slides/slide44.xml><?xml version="1.0" encoding="utf-8"?>
 <p:sld xmlns:a="http://schemas.openxmlformats.org/drawingml/2006/main" xmlns:r="http://schemas.openxmlformats.org/officeDocument/2006/relationships" xmlns:p="http://schemas.openxmlformats.org/presentationml/2006/main">
   <p:cSld>
     <p:spTree>
@@ -23427,7 +22893,7 @@
 </p:sld>
 </file>
 
-<file path=ppt/slides/slide46.xml><?xml version="1.0" encoding="utf-8"?>
+<file path=ppt/slides/slide45.xml><?xml version="1.0" encoding="utf-8"?>
 <p:sld xmlns:a="http://schemas.openxmlformats.org/drawingml/2006/main" xmlns:r="http://schemas.openxmlformats.org/officeDocument/2006/relationships" xmlns:p="http://schemas.openxmlformats.org/presentationml/2006/main">
   <p:cSld>
     <p:spTree>
@@ -23544,7 +23010,7 @@
 </p:sld>
 </file>
 
-<file path=ppt/slides/slide47.xml><?xml version="1.0" encoding="utf-8"?>
+<file path=ppt/slides/slide46.xml><?xml version="1.0" encoding="utf-8"?>
 <p:sld xmlns:a="http://schemas.openxmlformats.org/drawingml/2006/main" xmlns:r="http://schemas.openxmlformats.org/officeDocument/2006/relationships" xmlns:p="http://schemas.openxmlformats.org/presentationml/2006/main">
   <p:cSld>
     <p:spTree>
@@ -23580,17 +23046,19 @@
               </a:bodyPr>
               <a:lstStyle/>
               <a:p>
-                <a:pPr lvl="0"/>
-                <a:r>
-                  <a:rPr dirty="0"/>
+                <a:pPr marL="0" lvl="0" indent="0">
+                  <a:buNone/>
+                </a:pPr>
+                <a:r>
+                  <a:rPr sz="2200" dirty="0"/>
                   <a:t>Likelihood is a measure of how well a </a:t>
                 </a:r>
                 <a:r>
-                  <a:rPr b="1" dirty="0"/>
+                  <a:rPr sz="2200" b="1" dirty="0"/>
                   <a:t>parametric model</a:t>
                 </a:r>
                 <a:r>
-                  <a:rPr dirty="0"/>
+                  <a:rPr sz="2200" dirty="0"/>
                   <a:t> fits a data sample</a:t>
                 </a:r>
               </a:p>
@@ -23605,7 +23073,7 @@
                     </m:oMathParaPr>
                     <m:oMath xmlns:m="http://schemas.openxmlformats.org/officeDocument/2006/math">
                       <m:r>
-                        <a:rPr>
+                        <a:rPr sz="2200">
                           <a:latin typeface="Cambria Math" panose="02040503050406030204" pitchFamily="18" charset="0"/>
                         </a:rPr>
                         <m:t>ℒ</m:t>
@@ -23613,26 +23081,26 @@
                       <m:d>
                         <m:dPr>
                           <m:ctrlPr>
-                            <a:rPr i="1">
+                            <a:rPr sz="2200" i="1">
                               <a:latin typeface="Cambria Math" panose="02040503050406030204" pitchFamily="18" charset="0"/>
                             </a:rPr>
                           </m:ctrlPr>
                         </m:dPr>
                         <m:e>
                           <m:r>
-                            <a:rPr>
+                            <a:rPr sz="2200">
                               <a:latin typeface="Cambria Math" panose="02040503050406030204" pitchFamily="18" charset="0"/>
                             </a:rPr>
                             <m:t>𝐗</m:t>
                           </m:r>
                           <m:r>
-                            <a:rPr>
+                            <a:rPr sz="2200">
                               <a:latin typeface="Cambria Math" panose="02040503050406030204" pitchFamily="18" charset="0"/>
                             </a:rPr>
                             <m:t>| </m:t>
                           </m:r>
                           <m:r>
-                            <a:rPr>
+                            <a:rPr sz="2200">
                               <a:latin typeface="Cambria Math" panose="02040503050406030204" pitchFamily="18" charset="0"/>
                             </a:rPr>
                             <m:t>𝛉</m:t>
@@ -23640,7 +23108,7 @@
                         </m:e>
                       </m:d>
                       <m:r>
-                        <a:rPr>
+                        <a:rPr sz="2200">
                           <a:latin typeface="Cambria Math" panose="02040503050406030204" pitchFamily="18" charset="0"/>
                         </a:rPr>
                         <m:t>=</m:t>
@@ -23650,26 +23118,26 @@
                           <m:chr m:val="∏"/>
                           <m:limLoc m:val="undOvr"/>
                           <m:ctrlPr>
-                            <a:rPr i="1">
+                            <a:rPr sz="2200" i="1">
                               <a:latin typeface="Cambria Math" panose="02040503050406030204" pitchFamily="18" charset="0"/>
                             </a:rPr>
                           </m:ctrlPr>
                         </m:naryPr>
                         <m:sub>
                           <m:r>
-                            <a:rPr>
+                            <a:rPr sz="2200">
                               <a:latin typeface="Cambria Math" panose="02040503050406030204" pitchFamily="18" charset="0"/>
                             </a:rPr>
                             <m:t>𝑖</m:t>
                           </m:r>
                           <m:r>
-                            <a:rPr>
+                            <a:rPr sz="2200">
                               <a:latin typeface="Cambria Math" panose="02040503050406030204" pitchFamily="18" charset="0"/>
                             </a:rPr>
                             <m:t>=</m:t>
                           </m:r>
                           <m:r>
-                            <a:rPr>
+                            <a:rPr sz="2200">
                               <a:latin typeface="Cambria Math" panose="02040503050406030204" pitchFamily="18" charset="0"/>
                             </a:rPr>
                             <m:t>1</m:t>
@@ -23677,7 +23145,7 @@
                         </m:sub>
                         <m:sup>
                           <m:r>
-                            <a:rPr>
+                            <a:rPr sz="2200">
                               <a:latin typeface="Cambria Math" panose="02040503050406030204" pitchFamily="18" charset="0"/>
                             </a:rPr>
                             <m:t>𝑛</m:t>
@@ -23685,7 +23153,7 @@
                         </m:sup>
                         <m:e>
                           <m:r>
-                            <a:rPr>
+                            <a:rPr sz="2200">
                               <a:latin typeface="Cambria Math" panose="02040503050406030204" pitchFamily="18" charset="0"/>
                             </a:rPr>
                             <m:t>𝑓</m:t>
@@ -23695,7 +23163,7 @@
                       <m:d>
                         <m:dPr>
                           <m:ctrlPr>
-                            <a:rPr i="1">
+                            <a:rPr sz="2200" i="1">
                               <a:latin typeface="Cambria Math" panose="02040503050406030204" pitchFamily="18" charset="0"/>
                             </a:rPr>
                           </m:ctrlPr>
@@ -23704,14 +23172,14 @@
                           <m:sSub>
                             <m:sSubPr>
                               <m:ctrlPr>
-                                <a:rPr i="1">
+                                <a:rPr sz="2200" i="1">
                                   <a:latin typeface="Cambria Math" panose="02040503050406030204" pitchFamily="18" charset="0"/>
                                 </a:rPr>
                               </m:ctrlPr>
                             </m:sSubPr>
                             <m:e>
                               <m:r>
-                                <a:rPr>
+                                <a:rPr sz="2200">
                                   <a:latin typeface="Cambria Math" panose="02040503050406030204" pitchFamily="18" charset="0"/>
                                 </a:rPr>
                                 <m:t>𝑥</m:t>
@@ -23719,7 +23187,7 @@
                             </m:e>
                             <m:sub>
                               <m:r>
-                                <a:rPr>
+                                <a:rPr sz="2200">
                                   <a:latin typeface="Cambria Math" panose="02040503050406030204" pitchFamily="18" charset="0"/>
                                 </a:rPr>
                                 <m:t>𝑖</m:t>
@@ -23727,13 +23195,13 @@
                             </m:sub>
                           </m:sSub>
                           <m:r>
-                            <a:rPr>
+                            <a:rPr sz="2200">
                               <a:latin typeface="Cambria Math" panose="02040503050406030204" pitchFamily="18" charset="0"/>
                             </a:rPr>
                             <m:t>|</m:t>
                           </m:r>
                           <m:r>
-                            <a:rPr>
+                            <a:rPr sz="2200">
                               <a:latin typeface="Cambria Math" panose="02040503050406030204" pitchFamily="18" charset="0"/>
                             </a:rPr>
                             <m:t>𝛉</m:t>
@@ -23743,16 +23211,18 @@
                     </m:oMath>
                   </m:oMathPara>
                 </a14:m>
-                <a:endParaRPr dirty="0"/>
+                <a:endParaRPr sz="2200" dirty="0"/>
               </a:p>
               <a:p>
-                <a:pPr lvl="0"/>
-                <a:r>
-                  <a:rPr dirty="0"/>
+                <a:pPr marL="0" lvl="0" indent="0">
+                  <a:buNone/>
+                </a:pPr>
+                <a:r>
+                  <a:rPr sz="2200" dirty="0"/>
                   <a:t>In most practical cases, we work with the </a:t>
                 </a:r>
                 <a:r>
-                  <a:rPr b="1" dirty="0"/>
+                  <a:rPr sz="2200" b="1" dirty="0"/>
                   <a:t>log likelihood</a:t>
                 </a:r>
               </a:p>
@@ -23767,7 +23237,7 @@
                     </m:oMathParaPr>
                     <m:oMath xmlns:m="http://schemas.openxmlformats.org/officeDocument/2006/math">
                       <m:r>
-                        <a:rPr>
+                        <a:rPr sz="2200">
                           <a:latin typeface="Cambria Math" panose="02040503050406030204" pitchFamily="18" charset="0"/>
                         </a:rPr>
                         <m:t>𝑙</m:t>
@@ -23775,26 +23245,26 @@
                       <m:d>
                         <m:dPr>
                           <m:ctrlPr>
-                            <a:rPr i="1">
+                            <a:rPr sz="2200" i="1">
                               <a:latin typeface="Cambria Math" panose="02040503050406030204" pitchFamily="18" charset="0"/>
                             </a:rPr>
                           </m:ctrlPr>
                         </m:dPr>
                         <m:e>
                           <m:r>
-                            <a:rPr>
+                            <a:rPr sz="2200">
                               <a:latin typeface="Cambria Math" panose="02040503050406030204" pitchFamily="18" charset="0"/>
                             </a:rPr>
                             <m:t>𝐗</m:t>
                           </m:r>
                           <m:r>
-                            <a:rPr>
+                            <a:rPr sz="2200">
                               <a:latin typeface="Cambria Math" panose="02040503050406030204" pitchFamily="18" charset="0"/>
                             </a:rPr>
                             <m:t>| </m:t>
                           </m:r>
                           <m:r>
-                            <a:rPr>
+                            <a:rPr sz="2200">
                               <a:latin typeface="Cambria Math" panose="02040503050406030204" pitchFamily="18" charset="0"/>
                             </a:rPr>
                             <m:t>𝛉</m:t>
@@ -23802,13 +23272,13 @@
                         </m:e>
                       </m:d>
                       <m:r>
-                        <a:rPr>
+                        <a:rPr sz="2200">
                           <a:latin typeface="Cambria Math" panose="02040503050406030204" pitchFamily="18" charset="0"/>
                         </a:rPr>
                         <m:t>=</m:t>
                       </m:r>
                       <m:r>
-                        <a:rPr>
+                        <a:rPr sz="2200">
                           <a:latin typeface="Cambria Math" panose="02040503050406030204" pitchFamily="18" charset="0"/>
                         </a:rPr>
                         <m:t>𝑙𝑜𝑔</m:t>
@@ -23816,14 +23286,14 @@
                       <m:d>
                         <m:dPr>
                           <m:ctrlPr>
-                            <a:rPr i="1">
+                            <a:rPr sz="2200" i="1">
                               <a:latin typeface="Cambria Math" panose="02040503050406030204" pitchFamily="18" charset="0"/>
                             </a:rPr>
                           </m:ctrlPr>
                         </m:dPr>
                         <m:e>
                           <m:r>
-                            <a:rPr>
+                            <a:rPr sz="2200">
                               <a:latin typeface="Cambria Math" panose="02040503050406030204" pitchFamily="18" charset="0"/>
                             </a:rPr>
                             <m:t>ℒ</m:t>
@@ -23831,26 +23301,26 @@
                           <m:d>
                             <m:dPr>
                               <m:ctrlPr>
-                                <a:rPr i="1">
+                                <a:rPr sz="2200" i="1">
                                   <a:latin typeface="Cambria Math" panose="02040503050406030204" pitchFamily="18" charset="0"/>
                                 </a:rPr>
                               </m:ctrlPr>
                             </m:dPr>
                             <m:e>
                               <m:r>
-                                <a:rPr>
+                                <a:rPr sz="2200">
                                   <a:latin typeface="Cambria Math" panose="02040503050406030204" pitchFamily="18" charset="0"/>
                                 </a:rPr>
                                 <m:t>𝐗</m:t>
                               </m:r>
                               <m:r>
-                                <a:rPr>
+                                <a:rPr sz="2200">
                                   <a:latin typeface="Cambria Math" panose="02040503050406030204" pitchFamily="18" charset="0"/>
                                 </a:rPr>
                                 <m:t>| </m:t>
                               </m:r>
                               <m:r>
-                                <a:rPr>
+                                <a:rPr sz="2200">
                                   <a:latin typeface="Cambria Math" panose="02040503050406030204" pitchFamily="18" charset="0"/>
                                 </a:rPr>
                                 <m:t>𝛉</m:t>
@@ -23860,7 +23330,7 @@
                         </m:e>
                       </m:d>
                       <m:r>
-                        <a:rPr>
+                        <a:rPr sz="2200">
                           <a:latin typeface="Cambria Math" panose="02040503050406030204" pitchFamily="18" charset="0"/>
                         </a:rPr>
                         <m:t>=</m:t>
@@ -23870,14 +23340,14 @@
                           <m:chr m:val="∑"/>
                           <m:limLoc m:val="undOvr"/>
                           <m:ctrlPr>
-                            <a:rPr i="1">
+                            <a:rPr sz="2200" i="1">
                               <a:latin typeface="Cambria Math" panose="02040503050406030204" pitchFamily="18" charset="0"/>
                             </a:rPr>
                           </m:ctrlPr>
                         </m:naryPr>
                         <m:sub>
                           <m:r>
-                            <a:rPr>
+                            <a:rPr sz="2200">
                               <a:latin typeface="Cambria Math" panose="02040503050406030204" pitchFamily="18" charset="0"/>
                             </a:rPr>
                             <m:t>𝑗</m:t>
@@ -23885,7 +23355,7 @@
                         </m:sub>
                         <m:sup>
                           <m:r>
-                            <a:rPr>
+                            <a:rPr sz="2200">
                               <a:latin typeface="Cambria Math" panose="02040503050406030204" pitchFamily="18" charset="0"/>
                             </a:rPr>
                             <m:t>​</m:t>
@@ -23893,7 +23363,7 @@
                         </m:sup>
                         <m:e>
                           <m:r>
-                            <a:rPr>
+                            <a:rPr sz="2200">
                               <a:latin typeface="Cambria Math" panose="02040503050406030204" pitchFamily="18" charset="0"/>
                             </a:rPr>
                             <m:t>𝑙</m:t>
@@ -23901,7 +23371,7 @@
                         </m:e>
                       </m:nary>
                       <m:r>
-                        <a:rPr>
+                        <a:rPr sz="2200">
                           <a:latin typeface="Cambria Math" panose="02040503050406030204" pitchFamily="18" charset="0"/>
                         </a:rPr>
                         <m:t>𝑜𝑔</m:t>
@@ -23909,14 +23379,14 @@
                       <m:d>
                         <m:dPr>
                           <m:ctrlPr>
-                            <a:rPr i="1">
+                            <a:rPr sz="2200" i="1">
                               <a:latin typeface="Cambria Math" panose="02040503050406030204" pitchFamily="18" charset="0"/>
                             </a:rPr>
                           </m:ctrlPr>
                         </m:dPr>
                         <m:e>
                           <m:r>
-                            <a:rPr>
+                            <a:rPr sz="2200">
                               <a:latin typeface="Cambria Math" panose="02040503050406030204" pitchFamily="18" charset="0"/>
                             </a:rPr>
                             <m:t>𝑓</m:t>
@@ -23924,7 +23394,7 @@
                           <m:d>
                             <m:dPr>
                               <m:ctrlPr>
-                                <a:rPr i="1">
+                                <a:rPr sz="2200" i="1">
                                   <a:latin typeface="Cambria Math" panose="02040503050406030204" pitchFamily="18" charset="0"/>
                                 </a:rPr>
                               </m:ctrlPr>
@@ -23933,14 +23403,14 @@
                               <m:sSub>
                                 <m:sSubPr>
                                   <m:ctrlPr>
-                                    <a:rPr i="1">
+                                    <a:rPr sz="2200" i="1">
                                       <a:latin typeface="Cambria Math" panose="02040503050406030204" pitchFamily="18" charset="0"/>
                                     </a:rPr>
                                   </m:ctrlPr>
                                 </m:sSubPr>
                                 <m:e>
                                   <m:r>
-                                    <a:rPr>
+                                    <a:rPr sz="2200">
                                       <a:latin typeface="Cambria Math" panose="02040503050406030204" pitchFamily="18" charset="0"/>
                                     </a:rPr>
                                     <m:t>𝑥</m:t>
@@ -23948,7 +23418,7 @@
                                 </m:e>
                                 <m:sub>
                                   <m:r>
-                                    <a:rPr>
+                                    <a:rPr sz="2200">
                                       <a:latin typeface="Cambria Math" panose="02040503050406030204" pitchFamily="18" charset="0"/>
                                     </a:rPr>
                                     <m:t>𝑗</m:t>
@@ -23956,13 +23426,13 @@
                                 </m:sub>
                               </m:sSub>
                               <m:r>
-                                <a:rPr>
+                                <a:rPr sz="2200">
                                   <a:latin typeface="Cambria Math" panose="02040503050406030204" pitchFamily="18" charset="0"/>
                                 </a:rPr>
                                 <m:t> | </m:t>
                               </m:r>
                               <m:r>
-                                <a:rPr>
+                                <a:rPr sz="2200">
                                   <a:latin typeface="Cambria Math" panose="02040503050406030204" pitchFamily="18" charset="0"/>
                                 </a:rPr>
                                 <m:t>𝜃</m:t>
@@ -23974,7 +23444,7 @@
                     </m:oMath>
                   </m:oMathPara>
                 </a14:m>
-                <a:endParaRPr b="1" dirty="0"/>
+                <a:endParaRPr sz="2200" b="1" dirty="0"/>
               </a:p>
             </p:txBody>
           </p:sp>
@@ -23994,7 +23464,7 @@
               <a:blipFill>
                 <a:blip r:embed="rId2"/>
                 <a:stretch>
-                  <a:fillRect l="-963" t="-1436" r="-444"/>
+                  <a:fillRect l="-963" t="-1257"/>
                 </a:stretch>
               </a:blipFill>
             </p:spPr>
@@ -24060,7 +23530,7 @@
 </p:sld>
 </file>
 
-<file path=ppt/slides/slide48.xml><?xml version="1.0" encoding="utf-8"?>
+<file path=ppt/slides/slide47.xml><?xml version="1.0" encoding="utf-8"?>
 <p:sld xmlns:a="http://schemas.openxmlformats.org/drawingml/2006/main" xmlns:r="http://schemas.openxmlformats.org/officeDocument/2006/relationships" xmlns:p="http://schemas.openxmlformats.org/presentationml/2006/main">
   <p:cSld>
     <p:spTree>
@@ -24077,8 +23547,8 @@
           <a:chExt cx="0" cy="0"/>
         </a:xfrm>
       </p:grpSpPr>
-      <mc:AlternateContent xmlns:mc="http://schemas.openxmlformats.org/markup-compatibility/2006">
-        <mc:Choice xmlns:a14="http://schemas.microsoft.com/office/drawing/2010/main" Requires="a14">
+      <mc:AlternateContent xmlns:mc="http://schemas.openxmlformats.org/markup-compatibility/2006" xmlns:a14="http://schemas.microsoft.com/office/drawing/2010/main">
+        <mc:Choice Requires="a14">
           <p:sp>
             <p:nvSpPr>
               <p:cNvPr id="3" name="Content Placeholder 2"/>
@@ -24855,7 +24325,7 @@
             </p:txBody>
           </p:sp>
         </mc:Choice>
-        <mc:Fallback>
+        <mc:Fallback xmlns="">
           <p:sp>
             <p:nvSpPr>
               <p:cNvPr id="3" name="Content Placeholder 2"/>
@@ -24899,6 +24369,900 @@
             <a:extLst>
               <a:ext uri="{FF2B5EF4-FFF2-40B4-BE49-F238E27FC236}">
                 <a16:creationId xmlns:a16="http://schemas.microsoft.com/office/drawing/2014/main" id="{B0378780-0421-150A-A2A6-5B5F1DD2D339}"/>
+              </a:ext>
+            </a:extLst>
+          </p:cNvPr>
+          <p:cNvSpPr>
+            <a:spLocks noGrp="1"/>
+          </p:cNvSpPr>
+          <p:nvPr>
+            <p:ph type="title"/>
+          </p:nvPr>
+        </p:nvSpPr>
+        <p:spPr>
+          <a:xfrm>
+            <a:off x="457200" y="205979"/>
+            <a:ext cx="8229600" cy="857250"/>
+          </a:xfrm>
+        </p:spPr>
+        <p:txBody>
+          <a:bodyPr/>
+          <a:lstStyle/>
+          <a:p>
+            <a:pPr marL="0" lvl="0" indent="0">
+              <a:spcBef>
+                <a:spcPts val="3000"/>
+              </a:spcBef>
+              <a:buNone/>
+            </a:pPr>
+            <a:r>
+              <a:rPr lang="en-US" b="1" dirty="0"/>
+              <a:t>Summary</a:t>
+            </a:r>
+          </a:p>
+        </p:txBody>
+      </p:sp>
+    </p:spTree>
+  </p:cSld>
+  <p:clrMapOvr>
+    <a:masterClrMapping/>
+  </p:clrMapOvr>
+</p:sld>
+</file>
+
+<file path=ppt/slides/slide48.xml><?xml version="1.0" encoding="utf-8"?>
+<p:sld xmlns:a="http://schemas.openxmlformats.org/drawingml/2006/main" xmlns:r="http://schemas.openxmlformats.org/officeDocument/2006/relationships" xmlns:p="http://schemas.openxmlformats.org/presentationml/2006/main">
+  <p:cSld>
+    <p:spTree>
+      <p:nvGrpSpPr>
+        <p:cNvPr id="1" name=""/>
+        <p:cNvGrpSpPr/>
+        <p:nvPr/>
+      </p:nvGrpSpPr>
+      <p:grpSpPr>
+        <a:xfrm>
+          <a:off x="0" y="0"/>
+          <a:ext cx="0" cy="0"/>
+          <a:chOff x="0" y="0"/>
+          <a:chExt cx="0" cy="0"/>
+        </a:xfrm>
+      </p:grpSpPr>
+      <mc:AlternateContent xmlns:mc="http://schemas.openxmlformats.org/markup-compatibility/2006">
+        <mc:Choice xmlns:a14="http://schemas.microsoft.com/office/drawing/2010/main" Requires="a14">
+          <p:sp>
+            <p:nvSpPr>
+              <p:cNvPr id="3" name="Content Placeholder 2"/>
+              <p:cNvSpPr>
+                <a:spLocks noGrp="1"/>
+              </p:cNvSpPr>
+              <p:nvPr>
+                <p:ph idx="1"/>
+              </p:nvPr>
+            </p:nvSpPr>
+            <p:spPr>
+              <a:xfrm>
+                <a:off x="457200" y="1200151"/>
+                <a:ext cx="8229600" cy="3800112"/>
+              </a:xfrm>
+            </p:spPr>
+            <p:txBody>
+              <a:bodyPr>
+                <a:normAutofit fontScale="55000" lnSpcReduction="20000"/>
+              </a:bodyPr>
+              <a:lstStyle/>
+              <a:p>
+                <a:pPr marL="0" lvl="0" indent="0">
+                  <a:buNone/>
+                </a:pPr>
+                <a:r>
+                  <a:rPr lang="en-US" dirty="0"/>
+                  <a:t>The gradient descent method finds the maximum of the log-likelihood function by following the gradient ‘uphill’</a:t>
+                </a:r>
+              </a:p>
+              <a:p>
+                <a:pPr lvl="0"/>
+                <a:r>
+                  <a:rPr lang="en-US" dirty="0"/>
+                  <a:t>The maximum likelihood for the model parameters is achieved when two conditions are met:</a:t>
+                </a:r>
+              </a:p>
+              <a:p>
+                <a:pPr marL="0" lvl="0" indent="0">
+                  <a:buNone/>
+                </a:pPr>
+                <a:endParaRPr lang="en-US" dirty="0"/>
+              </a:p>
+              <a:p>
+                <a:pPr marL="0" indent="0">
+                  <a:buNone/>
+                </a:pPr>
+                <a14:m>
+                  <m:oMathPara xmlns:m="http://schemas.openxmlformats.org/officeDocument/2006/math">
+                    <m:oMathParaPr>
+                      <m:jc m:val="centerGroup"/>
+                    </m:oMathParaPr>
+                    <m:oMath xmlns:m="http://schemas.openxmlformats.org/officeDocument/2006/math">
+                      <m:f>
+                        <m:fPr>
+                          <m:ctrlPr>
+                            <a:rPr lang="ar-AE" i="1" smtClean="0">
+                              <a:latin typeface="Cambria Math" panose="02040503050406030204" pitchFamily="18" charset="0"/>
+                            </a:rPr>
+                          </m:ctrlPr>
+                        </m:fPr>
+                        <m:num>
+                          <m:sSup>
+                            <m:sSupPr>
+                              <m:ctrlPr>
+                                <a:rPr lang="ar-AE" i="1">
+                                  <a:latin typeface="Cambria Math" panose="02040503050406030204" pitchFamily="18" charset="0"/>
+                                </a:rPr>
+                              </m:ctrlPr>
+                            </m:sSupPr>
+                            <m:e>
+                              <m:r>
+                                <a:rPr lang="ar-AE">
+                                  <a:latin typeface="Cambria Math" panose="02040503050406030204" pitchFamily="18" charset="0"/>
+                                </a:rPr>
+                                <m:t>𝜕</m:t>
+                              </m:r>
+                            </m:e>
+                            <m:sup>
+                              <m:r>
+                                <a:rPr lang="en-US" b="0" i="0" smtClean="0">
+                                  <a:latin typeface="Cambria Math" panose="02040503050406030204" pitchFamily="18" charset="0"/>
+                                </a:rPr>
+                                <m:t> </m:t>
+                              </m:r>
+                            </m:sup>
+                          </m:sSup>
+                          <m:r>
+                            <a:rPr lang="ar-AE">
+                              <a:latin typeface="Cambria Math" panose="02040503050406030204" pitchFamily="18" charset="0"/>
+                            </a:rPr>
+                            <m:t> </m:t>
+                          </m:r>
+                          <m:r>
+                            <a:rPr lang="ar-AE">
+                              <a:latin typeface="Cambria Math" panose="02040503050406030204" pitchFamily="18" charset="0"/>
+                            </a:rPr>
+                            <m:t>𝑙</m:t>
+                          </m:r>
+                          <m:d>
+                            <m:dPr>
+                              <m:ctrlPr>
+                                <a:rPr lang="ar-AE" i="1">
+                                  <a:latin typeface="Cambria Math" panose="02040503050406030204" pitchFamily="18" charset="0"/>
+                                </a:rPr>
+                              </m:ctrlPr>
+                            </m:dPr>
+                            <m:e>
+                              <m:r>
+                                <a:rPr lang="ar-AE">
+                                  <a:latin typeface="Cambria Math" panose="02040503050406030204" pitchFamily="18" charset="0"/>
+                                </a:rPr>
+                                <m:t>𝐗</m:t>
+                              </m:r>
+                              <m:r>
+                                <a:rPr lang="ar-AE">
+                                  <a:latin typeface="Cambria Math" panose="02040503050406030204" pitchFamily="18" charset="0"/>
+                                </a:rPr>
+                                <m:t>|</m:t>
+                              </m:r>
+                              <m:r>
+                                <a:rPr lang="ar-AE">
+                                  <a:latin typeface="Cambria Math" panose="02040503050406030204" pitchFamily="18" charset="0"/>
+                                </a:rPr>
+                                <m:t>𝜃</m:t>
+                              </m:r>
+                            </m:e>
+                          </m:d>
+                        </m:num>
+                        <m:den>
+                          <m:r>
+                            <a:rPr lang="ar-AE">
+                              <a:latin typeface="Cambria Math" panose="02040503050406030204" pitchFamily="18" charset="0"/>
+                            </a:rPr>
+                            <m:t>𝜕</m:t>
+                          </m:r>
+                          <m:sSup>
+                            <m:sSupPr>
+                              <m:ctrlPr>
+                                <a:rPr lang="ar-AE" i="1">
+                                  <a:latin typeface="Cambria Math" panose="02040503050406030204" pitchFamily="18" charset="0"/>
+                                </a:rPr>
+                              </m:ctrlPr>
+                            </m:sSupPr>
+                            <m:e>
+                              <m:r>
+                                <a:rPr lang="ar-AE">
+                                  <a:latin typeface="Cambria Math" panose="02040503050406030204" pitchFamily="18" charset="0"/>
+                                </a:rPr>
+                                <m:t>𝜃</m:t>
+                              </m:r>
+                            </m:e>
+                            <m:sup>
+                              <m:r>
+                                <a:rPr lang="en-US" b="0" i="0" smtClean="0">
+                                  <a:latin typeface="Cambria Math" panose="02040503050406030204" pitchFamily="18" charset="0"/>
+                                </a:rPr>
+                                <m:t> </m:t>
+                              </m:r>
+                            </m:sup>
+                          </m:sSup>
+                        </m:den>
+                      </m:f>
+                      <m:r>
+                        <a:rPr lang="en-US" b="0" i="0" smtClean="0">
+                          <a:latin typeface="Cambria Math" panose="02040503050406030204" pitchFamily="18" charset="0"/>
+                        </a:rPr>
+                        <m:t>=</m:t>
+                      </m:r>
+                      <m:r>
+                        <a:rPr lang="en-US" b="0" i="0" smtClean="0">
+                          <a:latin typeface="Cambria Math" panose="02040503050406030204" pitchFamily="18" charset="0"/>
+                        </a:rPr>
+                        <m:t>0</m:t>
+                      </m:r>
+                    </m:oMath>
+                  </m:oMathPara>
+                </a14:m>
+                <a:endParaRPr lang="en-US" i="1" dirty="0">
+                  <a:latin typeface="Cambria Math" panose="02040503050406030204" pitchFamily="18" charset="0"/>
+                </a:endParaRPr>
+              </a:p>
+              <a:p>
+                <a:pPr marL="0" lvl="0" indent="0">
+                  <a:buNone/>
+                </a:pPr>
+                <a14:m>
+                  <m:oMathPara xmlns:m="http://schemas.openxmlformats.org/officeDocument/2006/math">
+                    <m:oMathParaPr>
+                      <m:jc m:val="centerGroup"/>
+                    </m:oMathParaPr>
+                    <m:oMath xmlns:m="http://schemas.openxmlformats.org/officeDocument/2006/math">
+                      <m:f>
+                        <m:fPr>
+                          <m:ctrlPr>
+                            <a:rPr lang="ar-AE" i="1" smtClean="0">
+                              <a:latin typeface="Cambria Math" panose="02040503050406030204" pitchFamily="18" charset="0"/>
+                            </a:rPr>
+                          </m:ctrlPr>
+                        </m:fPr>
+                        <m:num>
+                          <m:sSup>
+                            <m:sSupPr>
+                              <m:ctrlPr>
+                                <a:rPr lang="ar-AE" i="1">
+                                  <a:latin typeface="Cambria Math" panose="02040503050406030204" pitchFamily="18" charset="0"/>
+                                </a:rPr>
+                              </m:ctrlPr>
+                            </m:sSupPr>
+                            <m:e>
+                              <m:r>
+                                <a:rPr lang="ar-AE">
+                                  <a:latin typeface="Cambria Math" panose="02040503050406030204" pitchFamily="18" charset="0"/>
+                                </a:rPr>
+                                <m:t>𝜕</m:t>
+                              </m:r>
+                            </m:e>
+                            <m:sup>
+                              <m:r>
+                                <a:rPr lang="ar-AE">
+                                  <a:latin typeface="Cambria Math" panose="02040503050406030204" pitchFamily="18" charset="0"/>
+                                </a:rPr>
+                                <m:t>2</m:t>
+                              </m:r>
+                            </m:sup>
+                          </m:sSup>
+                          <m:r>
+                            <a:rPr lang="ar-AE">
+                              <a:latin typeface="Cambria Math" panose="02040503050406030204" pitchFamily="18" charset="0"/>
+                            </a:rPr>
+                            <m:t> </m:t>
+                          </m:r>
+                          <m:r>
+                            <a:rPr lang="ar-AE">
+                              <a:latin typeface="Cambria Math" panose="02040503050406030204" pitchFamily="18" charset="0"/>
+                            </a:rPr>
+                            <m:t>𝑙</m:t>
+                          </m:r>
+                          <m:d>
+                            <m:dPr>
+                              <m:ctrlPr>
+                                <a:rPr lang="ar-AE" i="1">
+                                  <a:latin typeface="Cambria Math" panose="02040503050406030204" pitchFamily="18" charset="0"/>
+                                </a:rPr>
+                              </m:ctrlPr>
+                            </m:dPr>
+                            <m:e>
+                              <m:r>
+                                <a:rPr lang="ar-AE">
+                                  <a:latin typeface="Cambria Math" panose="02040503050406030204" pitchFamily="18" charset="0"/>
+                                </a:rPr>
+                                <m:t>𝐗</m:t>
+                              </m:r>
+                              <m:r>
+                                <a:rPr lang="ar-AE">
+                                  <a:latin typeface="Cambria Math" panose="02040503050406030204" pitchFamily="18" charset="0"/>
+                                </a:rPr>
+                                <m:t>|</m:t>
+                              </m:r>
+                              <m:r>
+                                <a:rPr lang="ar-AE">
+                                  <a:latin typeface="Cambria Math" panose="02040503050406030204" pitchFamily="18" charset="0"/>
+                                </a:rPr>
+                                <m:t>𝜃</m:t>
+                              </m:r>
+                            </m:e>
+                          </m:d>
+                        </m:num>
+                        <m:den>
+                          <m:r>
+                            <a:rPr lang="ar-AE">
+                              <a:latin typeface="Cambria Math" panose="02040503050406030204" pitchFamily="18" charset="0"/>
+                            </a:rPr>
+                            <m:t>𝜕</m:t>
+                          </m:r>
+                          <m:sSup>
+                            <m:sSupPr>
+                              <m:ctrlPr>
+                                <a:rPr lang="ar-AE" i="1">
+                                  <a:latin typeface="Cambria Math" panose="02040503050406030204" pitchFamily="18" charset="0"/>
+                                </a:rPr>
+                              </m:ctrlPr>
+                            </m:sSupPr>
+                            <m:e>
+                              <m:r>
+                                <a:rPr lang="ar-AE">
+                                  <a:latin typeface="Cambria Math" panose="02040503050406030204" pitchFamily="18" charset="0"/>
+                                </a:rPr>
+                                <m:t>𝜃</m:t>
+                              </m:r>
+                            </m:e>
+                            <m:sup>
+                              <m:r>
+                                <a:rPr lang="ar-AE">
+                                  <a:latin typeface="Cambria Math" panose="02040503050406030204" pitchFamily="18" charset="0"/>
+                                </a:rPr>
+                                <m:t>2</m:t>
+                              </m:r>
+                            </m:sup>
+                          </m:sSup>
+                        </m:den>
+                      </m:f>
+                      <m:r>
+                        <a:rPr lang="en-US" b="0" i="0" smtClean="0">
+                          <a:latin typeface="Cambria Math" panose="02040503050406030204" pitchFamily="18" charset="0"/>
+                        </a:rPr>
+                        <m:t>&lt;</m:t>
+                      </m:r>
+                      <m:r>
+                        <a:rPr lang="en-US" b="0" i="0" smtClean="0">
+                          <a:latin typeface="Cambria Math" panose="02040503050406030204" pitchFamily="18" charset="0"/>
+                        </a:rPr>
+                        <m:t>0</m:t>
+                      </m:r>
+                    </m:oMath>
+                  </m:oMathPara>
+                </a14:m>
+                <a:endParaRPr lang="en-US" dirty="0"/>
+              </a:p>
+              <a:p>
+                <a:pPr marL="0" lvl="0" indent="0">
+                  <a:buNone/>
+                </a:pPr>
+                <a:endParaRPr lang="ar-AE" dirty="0"/>
+              </a:p>
+              <a:p>
+                <a:pPr marL="0" lvl="0" indent="0">
+                  <a:buNone/>
+                </a:pPr>
+                <a:r>
+                  <a:rPr lang="en-US" dirty="0"/>
+                  <a:t>Gradient of the log-likelihood is known as the score function</a:t>
+                </a:r>
+              </a:p>
+              <a:p>
+                <a:pPr marL="0" lvl="0" indent="0">
+                  <a:buNone/>
+                </a:pPr>
+                <a14:m>
+                  <m:oMathPara xmlns:m="http://schemas.openxmlformats.org/officeDocument/2006/math">
+                    <m:oMathParaPr>
+                      <m:jc m:val="center"/>
+                    </m:oMathParaPr>
+                    <m:oMath xmlns:m="http://schemas.openxmlformats.org/officeDocument/2006/math">
+                      <m:r>
+                        <a:rPr lang="en-US">
+                          <a:latin typeface="Cambria Math" panose="02040503050406030204" pitchFamily="18" charset="0"/>
+                        </a:rPr>
+                        <m:t>𝑔𝑟𝑎𝑑</m:t>
+                      </m:r>
+                      <m:d>
+                        <m:dPr>
+                          <m:ctrlPr>
+                            <a:rPr lang="ar-AE" i="1">
+                              <a:latin typeface="Cambria Math" panose="02040503050406030204" pitchFamily="18" charset="0"/>
+                            </a:rPr>
+                          </m:ctrlPr>
+                        </m:dPr>
+                        <m:e>
+                          <m:r>
+                            <a:rPr lang="ar-AE">
+                              <a:latin typeface="Cambria Math" panose="02040503050406030204" pitchFamily="18" charset="0"/>
+                            </a:rPr>
+                            <m:t>𝑙</m:t>
+                          </m:r>
+                          <m:d>
+                            <m:dPr>
+                              <m:ctrlPr>
+                                <a:rPr lang="ar-AE" i="1">
+                                  <a:latin typeface="Cambria Math" panose="02040503050406030204" pitchFamily="18" charset="0"/>
+                                </a:rPr>
+                              </m:ctrlPr>
+                            </m:dPr>
+                            <m:e>
+                              <m:acc>
+                                <m:accPr>
+                                  <m:chr m:val="⃗"/>
+                                  <m:ctrlPr>
+                                    <a:rPr lang="ar-AE" i="1">
+                                      <a:latin typeface="Cambria Math" panose="02040503050406030204" pitchFamily="18" charset="0"/>
+                                    </a:rPr>
+                                  </m:ctrlPr>
+                                </m:accPr>
+                                <m:e>
+                                  <m:r>
+                                    <a:rPr lang="ar-AE">
+                                      <a:latin typeface="Cambria Math" panose="02040503050406030204" pitchFamily="18" charset="0"/>
+                                    </a:rPr>
+                                    <m:t>𝜃</m:t>
+                                  </m:r>
+                                </m:e>
+                              </m:acc>
+                            </m:e>
+                          </m:d>
+                        </m:e>
+                      </m:d>
+                      <m:r>
+                        <a:rPr lang="ar-AE">
+                          <a:latin typeface="Cambria Math" panose="02040503050406030204" pitchFamily="18" charset="0"/>
+                        </a:rPr>
+                        <m:t>=</m:t>
+                      </m:r>
+                      <m:sSub>
+                        <m:sSubPr>
+                          <m:ctrlPr>
+                            <a:rPr lang="ar-AE" i="1">
+                              <a:latin typeface="Cambria Math" panose="02040503050406030204" pitchFamily="18" charset="0"/>
+                            </a:rPr>
+                          </m:ctrlPr>
+                        </m:sSubPr>
+                        <m:e>
+                          <m:r>
+                            <m:rPr>
+                              <m:sty m:val="p"/>
+                            </m:rPr>
+                            <a:rPr lang="ar-AE">
+                              <a:latin typeface="Cambria Math" panose="02040503050406030204" pitchFamily="18" charset="0"/>
+                            </a:rPr>
+                            <m:t>∇</m:t>
+                          </m:r>
+                        </m:e>
+                        <m:sub>
+                          <m:r>
+                            <a:rPr lang="ar-AE">
+                              <a:latin typeface="Cambria Math" panose="02040503050406030204" pitchFamily="18" charset="0"/>
+                            </a:rPr>
+                            <m:t>𝜃</m:t>
+                          </m:r>
+                        </m:sub>
+                      </m:sSub>
+                      <m:r>
+                        <a:rPr lang="ar-AE">
+                          <a:latin typeface="Cambria Math" panose="02040503050406030204" pitchFamily="18" charset="0"/>
+                        </a:rPr>
+                        <m:t> </m:t>
+                      </m:r>
+                      <m:r>
+                        <a:rPr lang="ar-AE">
+                          <a:latin typeface="Cambria Math" panose="02040503050406030204" pitchFamily="18" charset="0"/>
+                        </a:rPr>
+                        <m:t>𝑙</m:t>
+                      </m:r>
+                      <m:d>
+                        <m:dPr>
+                          <m:ctrlPr>
+                            <a:rPr lang="ar-AE" i="1">
+                              <a:latin typeface="Cambria Math" panose="02040503050406030204" pitchFamily="18" charset="0"/>
+                            </a:rPr>
+                          </m:ctrlPr>
+                        </m:dPr>
+                        <m:e>
+                          <m:acc>
+                            <m:accPr>
+                              <m:chr m:val="⃗"/>
+                              <m:ctrlPr>
+                                <a:rPr lang="ar-AE" i="1">
+                                  <a:latin typeface="Cambria Math" panose="02040503050406030204" pitchFamily="18" charset="0"/>
+                                </a:rPr>
+                              </m:ctrlPr>
+                            </m:accPr>
+                            <m:e>
+                              <m:r>
+                                <a:rPr lang="ar-AE">
+                                  <a:latin typeface="Cambria Math" panose="02040503050406030204" pitchFamily="18" charset="0"/>
+                                </a:rPr>
+                                <m:t>𝜃</m:t>
+                              </m:r>
+                            </m:e>
+                          </m:acc>
+                        </m:e>
+                      </m:d>
+                      <m:r>
+                        <a:rPr lang="ar-AE">
+                          <a:latin typeface="Cambria Math" panose="02040503050406030204" pitchFamily="18" charset="0"/>
+                        </a:rPr>
+                        <m:t>=</m:t>
+                      </m:r>
+                      <m:d>
+                        <m:dPr>
+                          <m:ctrlPr>
+                            <a:rPr lang="ar-AE" i="1">
+                              <a:latin typeface="Cambria Math" panose="02040503050406030204" pitchFamily="18" charset="0"/>
+                            </a:rPr>
+                          </m:ctrlPr>
+                        </m:dPr>
+                        <m:e>
+                          <m:m>
+                            <m:mPr>
+                              <m:mcs>
+                                <m:mc>
+                                  <m:mcPr>
+                                    <m:count m:val="1"/>
+                                    <m:mcJc m:val="center"/>
+                                  </m:mcPr>
+                                </m:mc>
+                              </m:mcs>
+                              <m:ctrlPr>
+                                <a:rPr lang="ar-AE" i="1">
+                                  <a:latin typeface="Cambria Math" panose="02040503050406030204" pitchFamily="18" charset="0"/>
+                                </a:rPr>
+                              </m:ctrlPr>
+                            </m:mPr>
+                            <m:mr>
+                              <m:e>
+                                <m:f>
+                                  <m:fPr>
+                                    <m:ctrlPr>
+                                      <a:rPr lang="ar-AE" i="1">
+                                        <a:latin typeface="Cambria Math" panose="02040503050406030204" pitchFamily="18" charset="0"/>
+                                      </a:rPr>
+                                    </m:ctrlPr>
+                                  </m:fPr>
+                                  <m:num>
+                                    <m:r>
+                                      <a:rPr lang="ar-AE">
+                                        <a:latin typeface="Cambria Math" panose="02040503050406030204" pitchFamily="18" charset="0"/>
+                                      </a:rPr>
+                                      <m:t>𝜕</m:t>
+                                    </m:r>
+                                    <m:r>
+                                      <a:rPr lang="ar-AE">
+                                        <a:latin typeface="Cambria Math" panose="02040503050406030204" pitchFamily="18" charset="0"/>
+                                      </a:rPr>
+                                      <m:t>𝑙</m:t>
+                                    </m:r>
+                                    <m:d>
+                                      <m:dPr>
+                                        <m:ctrlPr>
+                                          <a:rPr lang="ar-AE" i="1">
+                                            <a:latin typeface="Cambria Math" panose="02040503050406030204" pitchFamily="18" charset="0"/>
+                                          </a:rPr>
+                                        </m:ctrlPr>
+                                      </m:dPr>
+                                      <m:e>
+                                        <m:r>
+                                          <a:rPr lang="ar-AE">
+                                            <a:latin typeface="Cambria Math" panose="02040503050406030204" pitchFamily="18" charset="0"/>
+                                          </a:rPr>
+                                          <m:t>𝐗</m:t>
+                                        </m:r>
+                                        <m:r>
+                                          <a:rPr lang="ar-AE">
+                                            <a:latin typeface="Cambria Math" panose="02040503050406030204" pitchFamily="18" charset="0"/>
+                                          </a:rPr>
+                                          <m:t> | </m:t>
+                                        </m:r>
+                                        <m:r>
+                                          <a:rPr lang="ar-AE">
+                                            <a:latin typeface="Cambria Math" panose="02040503050406030204" pitchFamily="18" charset="0"/>
+                                          </a:rPr>
+                                          <m:t>𝛉</m:t>
+                                        </m:r>
+                                      </m:e>
+                                    </m:d>
+                                  </m:num>
+                                  <m:den>
+                                    <m:r>
+                                      <a:rPr lang="ar-AE">
+                                        <a:latin typeface="Cambria Math" panose="02040503050406030204" pitchFamily="18" charset="0"/>
+                                      </a:rPr>
+                                      <m:t>𝜕</m:t>
+                                    </m:r>
+                                    <m:sSub>
+                                      <m:sSubPr>
+                                        <m:ctrlPr>
+                                          <a:rPr lang="ar-AE" i="1">
+                                            <a:latin typeface="Cambria Math" panose="02040503050406030204" pitchFamily="18" charset="0"/>
+                                          </a:rPr>
+                                        </m:ctrlPr>
+                                      </m:sSubPr>
+                                      <m:e>
+                                        <m:r>
+                                          <a:rPr lang="ar-AE">
+                                            <a:latin typeface="Cambria Math" panose="02040503050406030204" pitchFamily="18" charset="0"/>
+                                          </a:rPr>
+                                          <m:t>𝜃</m:t>
+                                        </m:r>
+                                      </m:e>
+                                      <m:sub>
+                                        <m:r>
+                                          <a:rPr lang="ar-AE">
+                                            <a:latin typeface="Cambria Math" panose="02040503050406030204" pitchFamily="18" charset="0"/>
+                                          </a:rPr>
+                                          <m:t>1</m:t>
+                                        </m:r>
+                                      </m:sub>
+                                    </m:sSub>
+                                  </m:den>
+                                </m:f>
+                              </m:e>
+                            </m:mr>
+                            <m:mr>
+                              <m:e>
+                                <m:f>
+                                  <m:fPr>
+                                    <m:ctrlPr>
+                                      <a:rPr lang="ar-AE" i="1">
+                                        <a:latin typeface="Cambria Math" panose="02040503050406030204" pitchFamily="18" charset="0"/>
+                                      </a:rPr>
+                                    </m:ctrlPr>
+                                  </m:fPr>
+                                  <m:num>
+                                    <m:r>
+                                      <a:rPr lang="ar-AE">
+                                        <a:latin typeface="Cambria Math" panose="02040503050406030204" pitchFamily="18" charset="0"/>
+                                      </a:rPr>
+                                      <m:t>𝜕</m:t>
+                                    </m:r>
+                                    <m:r>
+                                      <a:rPr lang="ar-AE">
+                                        <a:latin typeface="Cambria Math" panose="02040503050406030204" pitchFamily="18" charset="0"/>
+                                      </a:rPr>
+                                      <m:t>𝑙</m:t>
+                                    </m:r>
+                                    <m:d>
+                                      <m:dPr>
+                                        <m:ctrlPr>
+                                          <a:rPr lang="ar-AE" i="1">
+                                            <a:latin typeface="Cambria Math" panose="02040503050406030204" pitchFamily="18" charset="0"/>
+                                          </a:rPr>
+                                        </m:ctrlPr>
+                                      </m:dPr>
+                                      <m:e>
+                                        <m:r>
+                                          <a:rPr lang="ar-AE">
+                                            <a:latin typeface="Cambria Math" panose="02040503050406030204" pitchFamily="18" charset="0"/>
+                                          </a:rPr>
+                                          <m:t>𝐗</m:t>
+                                        </m:r>
+                                        <m:r>
+                                          <a:rPr lang="ar-AE">
+                                            <a:latin typeface="Cambria Math" panose="02040503050406030204" pitchFamily="18" charset="0"/>
+                                          </a:rPr>
+                                          <m:t> | </m:t>
+                                        </m:r>
+                                        <m:r>
+                                          <a:rPr lang="ar-AE">
+                                            <a:latin typeface="Cambria Math" panose="02040503050406030204" pitchFamily="18" charset="0"/>
+                                          </a:rPr>
+                                          <m:t>𝛉</m:t>
+                                        </m:r>
+                                      </m:e>
+                                    </m:d>
+                                  </m:num>
+                                  <m:den>
+                                    <m:r>
+                                      <a:rPr lang="ar-AE">
+                                        <a:latin typeface="Cambria Math" panose="02040503050406030204" pitchFamily="18" charset="0"/>
+                                      </a:rPr>
+                                      <m:t>𝜕</m:t>
+                                    </m:r>
+                                    <m:sSub>
+                                      <m:sSubPr>
+                                        <m:ctrlPr>
+                                          <a:rPr lang="ar-AE" i="1">
+                                            <a:latin typeface="Cambria Math" panose="02040503050406030204" pitchFamily="18" charset="0"/>
+                                          </a:rPr>
+                                        </m:ctrlPr>
+                                      </m:sSubPr>
+                                      <m:e>
+                                        <m:r>
+                                          <a:rPr lang="ar-AE">
+                                            <a:latin typeface="Cambria Math" panose="02040503050406030204" pitchFamily="18" charset="0"/>
+                                          </a:rPr>
+                                          <m:t>𝜃</m:t>
+                                        </m:r>
+                                      </m:e>
+                                      <m:sub>
+                                        <m:r>
+                                          <a:rPr lang="ar-AE">
+                                            <a:latin typeface="Cambria Math" panose="02040503050406030204" pitchFamily="18" charset="0"/>
+                                          </a:rPr>
+                                          <m:t>2</m:t>
+                                        </m:r>
+                                      </m:sub>
+                                    </m:sSub>
+                                  </m:den>
+                                </m:f>
+                              </m:e>
+                            </m:mr>
+                            <m:mr>
+                              <m:e>
+                                <m:r>
+                                  <a:rPr lang="ar-AE">
+                                    <a:latin typeface="Cambria Math" panose="02040503050406030204" pitchFamily="18" charset="0"/>
+                                  </a:rPr>
+                                  <m:t>⋮</m:t>
+                                </m:r>
+                              </m:e>
+                            </m:mr>
+                            <m:mr>
+                              <m:e>
+                                <m:f>
+                                  <m:fPr>
+                                    <m:ctrlPr>
+                                      <a:rPr lang="ar-AE" i="1">
+                                        <a:latin typeface="Cambria Math" panose="02040503050406030204" pitchFamily="18" charset="0"/>
+                                      </a:rPr>
+                                    </m:ctrlPr>
+                                  </m:fPr>
+                                  <m:num>
+                                    <m:r>
+                                      <a:rPr lang="ar-AE">
+                                        <a:latin typeface="Cambria Math" panose="02040503050406030204" pitchFamily="18" charset="0"/>
+                                      </a:rPr>
+                                      <m:t>𝜕</m:t>
+                                    </m:r>
+                                    <m:r>
+                                      <a:rPr lang="ar-AE">
+                                        <a:latin typeface="Cambria Math" panose="02040503050406030204" pitchFamily="18" charset="0"/>
+                                      </a:rPr>
+                                      <m:t>𝑙</m:t>
+                                    </m:r>
+                                    <m:d>
+                                      <m:dPr>
+                                        <m:ctrlPr>
+                                          <a:rPr lang="ar-AE" i="1">
+                                            <a:latin typeface="Cambria Math" panose="02040503050406030204" pitchFamily="18" charset="0"/>
+                                          </a:rPr>
+                                        </m:ctrlPr>
+                                      </m:dPr>
+                                      <m:e>
+                                        <m:r>
+                                          <a:rPr lang="ar-AE">
+                                            <a:latin typeface="Cambria Math" panose="02040503050406030204" pitchFamily="18" charset="0"/>
+                                          </a:rPr>
+                                          <m:t>𝐗</m:t>
+                                        </m:r>
+                                        <m:r>
+                                          <a:rPr lang="ar-AE">
+                                            <a:latin typeface="Cambria Math" panose="02040503050406030204" pitchFamily="18" charset="0"/>
+                                          </a:rPr>
+                                          <m:t> | </m:t>
+                                        </m:r>
+                                        <m:r>
+                                          <a:rPr lang="ar-AE">
+                                            <a:latin typeface="Cambria Math" panose="02040503050406030204" pitchFamily="18" charset="0"/>
+                                          </a:rPr>
+                                          <m:t>𝛉</m:t>
+                                        </m:r>
+                                      </m:e>
+                                    </m:d>
+                                  </m:num>
+                                  <m:den>
+                                    <m:r>
+                                      <a:rPr lang="ar-AE">
+                                        <a:latin typeface="Cambria Math" panose="02040503050406030204" pitchFamily="18" charset="0"/>
+                                      </a:rPr>
+                                      <m:t>𝜕</m:t>
+                                    </m:r>
+                                    <m:sSub>
+                                      <m:sSubPr>
+                                        <m:ctrlPr>
+                                          <a:rPr lang="ar-AE" i="1">
+                                            <a:latin typeface="Cambria Math" panose="02040503050406030204" pitchFamily="18" charset="0"/>
+                                          </a:rPr>
+                                        </m:ctrlPr>
+                                      </m:sSubPr>
+                                      <m:e>
+                                        <m:r>
+                                          <a:rPr lang="ar-AE">
+                                            <a:latin typeface="Cambria Math" panose="02040503050406030204" pitchFamily="18" charset="0"/>
+                                          </a:rPr>
+                                          <m:t>𝜃</m:t>
+                                        </m:r>
+                                      </m:e>
+                                      <m:sub>
+                                        <m:r>
+                                          <a:rPr lang="ar-AE">
+                                            <a:latin typeface="Cambria Math" panose="02040503050406030204" pitchFamily="18" charset="0"/>
+                                          </a:rPr>
+                                          <m:t>𝑛</m:t>
+                                        </m:r>
+                                      </m:sub>
+                                    </m:sSub>
+                                  </m:den>
+                                </m:f>
+                              </m:e>
+                            </m:mr>
+                          </m:m>
+                        </m:e>
+                      </m:d>
+                    </m:oMath>
+                  </m:oMathPara>
+                </a14:m>
+                <a:endParaRPr dirty="0"/>
+              </a:p>
+            </p:txBody>
+          </p:sp>
+        </mc:Choice>
+        <mc:Fallback>
+          <p:sp>
+            <p:nvSpPr>
+              <p:cNvPr id="3" name="Content Placeholder 2"/>
+              <p:cNvSpPr>
+                <a:spLocks noGrp="1" noRot="1" noChangeAspect="1" noMove="1" noResize="1" noEditPoints="1" noAdjustHandles="1" noChangeArrowheads="1" noChangeShapeType="1" noTextEdit="1"/>
+              </p:cNvSpPr>
+              <p:nvPr>
+                <p:ph idx="1"/>
+              </p:nvPr>
+            </p:nvSpPr>
+            <p:spPr>
+              <a:xfrm>
+                <a:off x="457200" y="1200151"/>
+                <a:ext cx="8229600" cy="3800112"/>
+              </a:xfrm>
+              <a:blipFill>
+                <a:blip r:embed="rId2"/>
+                <a:stretch>
+                  <a:fillRect l="-74" t="-963"/>
+                </a:stretch>
+              </a:blipFill>
+            </p:spPr>
+            <p:txBody>
+              <a:bodyPr/>
+              <a:lstStyle/>
+              <a:p>
+                <a:r>
+                  <a:rPr lang="en-US">
+                    <a:noFill/>
+                  </a:rPr>
+                  <a:t> </a:t>
+                </a:r>
+              </a:p>
+            </p:txBody>
+          </p:sp>
+        </mc:Fallback>
+      </mc:AlternateContent>
+      <p:sp>
+        <p:nvSpPr>
+          <p:cNvPr id="2" name="Title 1">
+            <a:extLst>
+              <a:ext uri="{FF2B5EF4-FFF2-40B4-BE49-F238E27FC236}">
+                <a16:creationId xmlns:a16="http://schemas.microsoft.com/office/drawing/2014/main" id="{8CD4889F-82BA-63C6-A28D-A6F9983F4CC4}"/>
               </a:ext>
             </a:extLst>
           </p:cNvPr>
@@ -24957,8 +25321,8 @@
           <a:chExt cx="0" cy="0"/>
         </a:xfrm>
       </p:grpSpPr>
-      <mc:AlternateContent xmlns:mc="http://schemas.openxmlformats.org/markup-compatibility/2006" xmlns:a14="http://schemas.microsoft.com/office/drawing/2010/main">
-        <mc:Choice Requires="a14">
+      <mc:AlternateContent xmlns:mc="http://schemas.openxmlformats.org/markup-compatibility/2006">
+        <mc:Choice xmlns:a14="http://schemas.microsoft.com/office/drawing/2010/main" Requires="a14">
           <p:sp>
             <p:nvSpPr>
               <p:cNvPr id="3" name="Content Placeholder 2"/>
@@ -24972,72 +25336,125 @@
             <p:spPr/>
             <p:txBody>
               <a:bodyPr>
-                <a:normAutofit fontScale="55000" lnSpcReduction="20000"/>
+                <a:normAutofit fontScale="77500" lnSpcReduction="20000"/>
               </a:bodyPr>
               <a:lstStyle/>
-              <a:p>
-                <a:pPr lvl="0"/>
-                <a:r>
-                  <a:rPr dirty="0"/>
-                  <a:t>The gradient descent method finds the maximum of the log-likelihood function by following the gradient ‘uphill’</a:t>
-                </a:r>
-              </a:p>
-              <a:p>
-                <a:pPr lvl="0"/>
-                <a:r>
-                  <a:rPr dirty="0"/>
-                  <a:t>The maximum likelihood for the model parameters is achieved when two conditions are met:</a:t>
-                </a:r>
-              </a:p>
               <a:p>
                 <a:pPr marL="0" lvl="0" indent="0">
                   <a:buNone/>
                 </a:pPr>
                 <a:r>
                   <a:rPr dirty="0"/>
-                  <a:t>$$
-\frac{\partial\ l(\</a:t>
-                </a:r>
-                <a:r>
-                  <a:rPr dirty="0" err="1"/>
-                  <a:t>mathbf</a:t>
-                </a:r>
-                <a:r>
-                  <a:rPr dirty="0"/>
-                  <a:t>{X}\ |\ \</a:t>
-                </a:r>
-                <a:r>
-                  <a:rPr dirty="0" err="1"/>
-                  <a:t>mathbf</a:t>
-                </a:r>
-                <a:r>
-                  <a:rPr dirty="0"/>
-                  <a:t>{\theta)})}{\partial \theta} = 0 \\
-\frac{\partial^2\ l(\</a:t>
-                </a:r>
-                <a:r>
-                  <a:rPr dirty="0" err="1"/>
-                  <a:t>mathbf</a:t>
-                </a:r>
-                <a:r>
-                  <a:rPr dirty="0"/>
-                  <a:t>{X}\ |\ \</a:t>
-                </a:r>
-                <a:r>
-                  <a:rPr dirty="0" err="1"/>
-                  <a:t>mathbf</a:t>
-                </a:r>
-                <a:r>
-                  <a:rPr dirty="0"/>
-                  <a:t>{\theta)})}{\partial \theta^2} &lt; 0
-$$</a:t>
+                  <a:t>The gradient descent method finds the maximum of the log-likelihood function by following the gradient ‘uphill’</a:t>
                 </a:r>
               </a:p>
               <a:p>
                 <a:pPr lvl="0"/>
                 <a:r>
                   <a:rPr dirty="0"/>
-                  <a:t>Gradient of the log-likelihood is known as the score function</a:t>
+                  <a:t>Given a current parameter estimate vector at step n , </a:t>
+                </a:r>
+                <a14:m>
+                  <m:oMath xmlns:m="http://schemas.openxmlformats.org/officeDocument/2006/math">
+                    <m:sSub>
+                      <m:sSubPr>
+                        <m:ctrlPr>
+                          <a:rPr i="1">
+                            <a:latin typeface="Cambria Math" panose="02040503050406030204" pitchFamily="18" charset="0"/>
+                          </a:rPr>
+                        </m:ctrlPr>
+                      </m:sSubPr>
+                      <m:e>
+                        <m:acc>
+                          <m:accPr>
+                            <m:chr m:val="̂"/>
+                            <m:ctrlPr>
+                              <a:rPr i="1">
+                                <a:latin typeface="Cambria Math" panose="02040503050406030204" pitchFamily="18" charset="0"/>
+                              </a:rPr>
+                            </m:ctrlPr>
+                          </m:accPr>
+                          <m:e>
+                            <m:r>
+                              <a:rPr>
+                                <a:latin typeface="Cambria Math" panose="02040503050406030204" pitchFamily="18" charset="0"/>
+                              </a:rPr>
+                              <m:t>𝜃</m:t>
+                            </m:r>
+                          </m:e>
+                        </m:acc>
+                      </m:e>
+                      <m:sub>
+                        <m:r>
+                          <a:rPr>
+                            <a:latin typeface="Cambria Math" panose="02040503050406030204" pitchFamily="18" charset="0"/>
+                          </a:rPr>
+                          <m:t>𝑛</m:t>
+                        </m:r>
+                      </m:sub>
+                    </m:sSub>
+                  </m:oMath>
+                </a14:m>
+                <a:r>
+                  <a:rPr dirty="0"/>
+                  <a:t>, the improved parameter estimate vector, </a:t>
+                </a:r>
+                <a14:m>
+                  <m:oMath xmlns:m="http://schemas.openxmlformats.org/officeDocument/2006/math">
+                    <m:sSub>
+                      <m:sSubPr>
+                        <m:ctrlPr>
+                          <a:rPr i="1">
+                            <a:latin typeface="Cambria Math" panose="02040503050406030204" pitchFamily="18" charset="0"/>
+                          </a:rPr>
+                        </m:ctrlPr>
+                      </m:sSubPr>
+                      <m:e>
+                        <m:acc>
+                          <m:accPr>
+                            <m:chr m:val="̂"/>
+                            <m:ctrlPr>
+                              <a:rPr i="1">
+                                <a:latin typeface="Cambria Math" panose="02040503050406030204" pitchFamily="18" charset="0"/>
+                              </a:rPr>
+                            </m:ctrlPr>
+                          </m:accPr>
+                          <m:e>
+                            <m:r>
+                              <a:rPr>
+                                <a:latin typeface="Cambria Math" panose="02040503050406030204" pitchFamily="18" charset="0"/>
+                              </a:rPr>
+                              <m:t>𝜃</m:t>
+                            </m:r>
+                          </m:e>
+                        </m:acc>
+                      </m:e>
+                      <m:sub>
+                        <m:r>
+                          <a:rPr>
+                            <a:latin typeface="Cambria Math" panose="02040503050406030204" pitchFamily="18" charset="0"/>
+                          </a:rPr>
+                          <m:t>𝑛</m:t>
+                        </m:r>
+                        <m:r>
+                          <a:rPr>
+                            <a:latin typeface="Cambria Math" panose="02040503050406030204" pitchFamily="18" charset="0"/>
+                          </a:rPr>
+                          <m:t>+</m:t>
+                        </m:r>
+                        <m:r>
+                          <a:rPr>
+                            <a:latin typeface="Cambria Math" panose="02040503050406030204" pitchFamily="18" charset="0"/>
+                          </a:rPr>
+                          <m:t>1</m:t>
+                        </m:r>
+                      </m:sub>
+                    </m:sSub>
+                  </m:oMath>
+                </a14:m>
+                <a:r>
+                  <a:rPr dirty="0"/>
+                  <a:t>, is found:</a:t>
                 </a:r>
               </a:p>
               <a:p>
@@ -25050,63 +25467,115 @@
                       <m:jc m:val="center"/>
                     </m:oMathParaPr>
                     <m:oMath xmlns:m="http://schemas.openxmlformats.org/officeDocument/2006/math">
-                      <m:r>
-                        <a:rPr>
-                          <a:latin typeface="Cambria Math" panose="02040503050406030204" pitchFamily="18" charset="0"/>
-                        </a:rPr>
-                        <m:t>𝑔𝑟𝑎𝑑</m:t>
-                      </m:r>
-                      <m:d>
-                        <m:dPr>
+                      <m:sSub>
+                        <m:sSubPr>
                           <m:ctrlPr>
                             <a:rPr i="1">
                               <a:latin typeface="Cambria Math" panose="02040503050406030204" pitchFamily="18" charset="0"/>
                             </a:rPr>
                           </m:ctrlPr>
-                        </m:dPr>
+                        </m:sSubPr>
                         <m:e>
-                          <m:r>
-                            <a:rPr>
-                              <a:latin typeface="Cambria Math" panose="02040503050406030204" pitchFamily="18" charset="0"/>
-                            </a:rPr>
-                            <m:t>𝑙</m:t>
-                          </m:r>
-                          <m:d>
-                            <m:dPr>
+                          <m:acc>
+                            <m:accPr>
+                              <m:chr m:val="̂"/>
                               <m:ctrlPr>
                                 <a:rPr i="1">
                                   <a:latin typeface="Cambria Math" panose="02040503050406030204" pitchFamily="18" charset="0"/>
                                 </a:rPr>
                               </m:ctrlPr>
-                            </m:dPr>
+                            </m:accPr>
                             <m:e>
-                              <m:acc>
-                                <m:accPr>
-                                  <m:chr m:val="⃗"/>
-                                  <m:ctrlPr>
-                                    <a:rPr i="1">
-                                      <a:latin typeface="Cambria Math" panose="02040503050406030204" pitchFamily="18" charset="0"/>
-                                    </a:rPr>
-                                  </m:ctrlPr>
-                                </m:accPr>
-                                <m:e>
-                                  <m:r>
-                                    <a:rPr>
-                                      <a:latin typeface="Cambria Math" panose="02040503050406030204" pitchFamily="18" charset="0"/>
-                                    </a:rPr>
-                                    <m:t>𝜃</m:t>
-                                  </m:r>
-                                </m:e>
-                              </m:acc>
+                              <m:r>
+                                <a:rPr>
+                                  <a:latin typeface="Cambria Math" panose="02040503050406030204" pitchFamily="18" charset="0"/>
+                                </a:rPr>
+                                <m:t>𝜃</m:t>
+                              </m:r>
                             </m:e>
-                          </m:d>
+                          </m:acc>
                         </m:e>
-                      </m:d>
+                        <m:sub>
+                          <m:r>
+                            <a:rPr>
+                              <a:latin typeface="Cambria Math" panose="02040503050406030204" pitchFamily="18" charset="0"/>
+                            </a:rPr>
+                            <m:t>𝑛</m:t>
+                          </m:r>
+                          <m:r>
+                            <a:rPr>
+                              <a:latin typeface="Cambria Math" panose="02040503050406030204" pitchFamily="18" charset="0"/>
+                            </a:rPr>
+                            <m:t>+</m:t>
+                          </m:r>
+                          <m:r>
+                            <a:rPr>
+                              <a:latin typeface="Cambria Math" panose="02040503050406030204" pitchFamily="18" charset="0"/>
+                            </a:rPr>
+                            <m:t>1</m:t>
+                          </m:r>
+                        </m:sub>
+                      </m:sSub>
                       <m:r>
                         <a:rPr>
                           <a:latin typeface="Cambria Math" panose="02040503050406030204" pitchFamily="18" charset="0"/>
                         </a:rPr>
                         <m:t>=</m:t>
+                      </m:r>
+                      <m:sSub>
+                        <m:sSubPr>
+                          <m:ctrlPr>
+                            <a:rPr i="1">
+                              <a:latin typeface="Cambria Math" panose="02040503050406030204" pitchFamily="18" charset="0"/>
+                            </a:rPr>
+                          </m:ctrlPr>
+                        </m:sSubPr>
+                        <m:e>
+                          <m:acc>
+                            <m:accPr>
+                              <m:chr m:val="̂"/>
+                              <m:ctrlPr>
+                                <a:rPr i="1">
+                                  <a:latin typeface="Cambria Math" panose="02040503050406030204" pitchFamily="18" charset="0"/>
+                                </a:rPr>
+                              </m:ctrlPr>
+                            </m:accPr>
+                            <m:e>
+                              <m:r>
+                                <a:rPr>
+                                  <a:latin typeface="Cambria Math" panose="02040503050406030204" pitchFamily="18" charset="0"/>
+                                </a:rPr>
+                                <m:t>𝜃</m:t>
+                              </m:r>
+                            </m:e>
+                          </m:acc>
+                        </m:e>
+                        <m:sub>
+                          <m:r>
+                            <a:rPr>
+                              <a:latin typeface="Cambria Math" panose="02040503050406030204" pitchFamily="18" charset="0"/>
+                            </a:rPr>
+                            <m:t>𝑛</m:t>
+                          </m:r>
+                        </m:sub>
+                      </m:sSub>
+                      <m:r>
+                        <a:rPr>
+                          <a:latin typeface="Cambria Math" panose="02040503050406030204" pitchFamily="18" charset="0"/>
+                        </a:rPr>
+                        <m:t>+</m:t>
+                      </m:r>
+                      <m:r>
+                        <a:rPr>
+                          <a:latin typeface="Cambria Math" panose="02040503050406030204" pitchFamily="18" charset="0"/>
+                        </a:rPr>
+                        <m:t>𝛾</m:t>
+                      </m:r>
+                      <m:r>
+                        <a:rPr>
+                          <a:latin typeface="Cambria Math" panose="02040503050406030204" pitchFamily="18" charset="0"/>
+                        </a:rPr>
+                        <m:t> </m:t>
                       </m:r>
                       <m:sSub>
                         <m:sSubPr>
@@ -25159,7 +25628,7 @@
                         <m:e>
                           <m:acc>
                             <m:accPr>
-                              <m:chr m:val="⃗"/>
+                              <m:chr m:val="̂"/>
                               <m:ctrlPr>
                                 <a:rPr i="1">
                                   <a:latin typeface="Cambria Math" panose="02040503050406030204" pitchFamily="18" charset="0"/>
@@ -25177,315 +25646,279 @@
                           </m:acc>
                         </m:e>
                       </m:d>
+                    </m:oMath>
+                  </m:oMathPara>
+                </a14:m>
+                <a:endParaRPr dirty="0"/>
+              </a:p>
+              <a:p>
+                <a:pPr lvl="0"/>
+                <a:r>
+                  <a:rPr dirty="0"/>
+                  <a:t>The hyperparameter </a:t>
+                </a:r>
+                <a14:m>
+                  <m:oMath xmlns:m="http://schemas.openxmlformats.org/officeDocument/2006/math">
+                    <m:r>
+                      <a:rPr>
+                        <a:latin typeface="Cambria Math" panose="02040503050406030204" pitchFamily="18" charset="0"/>
+                      </a:rPr>
+                      <m:t>𝛾</m:t>
+                    </m:r>
+                  </m:oMath>
+                </a14:m>
+                <a:r>
+                  <a:rPr dirty="0"/>
+                  <a:t> is the </a:t>
+                </a:r>
+                <a:r>
+                  <a:rPr b="1" dirty="0"/>
+                  <a:t>learning rate</a:t>
+                </a:r>
+                <a:r>
+                  <a:rPr dirty="0"/>
+                  <a:t> or </a:t>
+                </a:r>
+                <a:r>
+                  <a:rPr b="1" dirty="0"/>
+                  <a:t>step size</a:t>
+                </a:r>
+              </a:p>
+              <a:p>
+                <a:pPr lvl="0"/>
+                <a:r>
+                  <a:rPr dirty="0"/>
+                  <a:t>Stochastic optimization uses a Bernoulli random sample of the data to estimate the </a:t>
+                </a:r>
+                <a:r>
+                  <a:rPr b="1" dirty="0"/>
+                  <a:t>expected update</a:t>
+                </a:r>
+                <a:r>
+                  <a:rPr dirty="0"/>
+                  <a:t> of the model weights</a:t>
+                </a:r>
+              </a:p>
+              <a:p>
+                <a:pPr marL="0" lvl="0" indent="0">
+                  <a:buNone/>
+                </a:pPr>
+                <a14:m>
+                  <m:oMathPara xmlns:m="http://schemas.openxmlformats.org/officeDocument/2006/math">
+                    <m:oMathParaPr>
+                      <m:jc m:val="center"/>
+                    </m:oMathParaPr>
+                    <m:oMath xmlns:m="http://schemas.openxmlformats.org/officeDocument/2006/math">
+                      <m:sSub>
+                        <m:sSubPr>
+                          <m:ctrlPr>
+                            <a:rPr i="1">
+                              <a:latin typeface="Cambria Math" panose="02040503050406030204" pitchFamily="18" charset="0"/>
+                            </a:rPr>
+                          </m:ctrlPr>
+                        </m:sSubPr>
+                        <m:e>
+                          <m:r>
+                            <a:rPr>
+                              <a:latin typeface="Cambria Math" panose="02040503050406030204" pitchFamily="18" charset="0"/>
+                            </a:rPr>
+                            <m:t>𝜃</m:t>
+                          </m:r>
+                        </m:e>
+                        <m:sub>
+                          <m:r>
+                            <a:rPr>
+                              <a:latin typeface="Cambria Math" panose="02040503050406030204" pitchFamily="18" charset="0"/>
+                            </a:rPr>
+                            <m:t>𝑡</m:t>
+                          </m:r>
+                          <m:r>
+                            <a:rPr>
+                              <a:latin typeface="Cambria Math" panose="02040503050406030204" pitchFamily="18" charset="0"/>
+                            </a:rPr>
+                            <m:t>+</m:t>
+                          </m:r>
+                          <m:r>
+                            <a:rPr>
+                              <a:latin typeface="Cambria Math" panose="02040503050406030204" pitchFamily="18" charset="0"/>
+                            </a:rPr>
+                            <m:t>1</m:t>
+                          </m:r>
+                        </m:sub>
+                      </m:sSub>
                       <m:r>
                         <a:rPr>
                           <a:latin typeface="Cambria Math" panose="02040503050406030204" pitchFamily="18" charset="0"/>
                         </a:rPr>
                         <m:t>=</m:t>
                       </m:r>
-                      <m:d>
-                        <m:dPr>
+                      <m:sSub>
+                        <m:sSubPr>
                           <m:ctrlPr>
                             <a:rPr i="1">
                               <a:latin typeface="Cambria Math" panose="02040503050406030204" pitchFamily="18" charset="0"/>
                             </a:rPr>
                           </m:ctrlPr>
-                        </m:dPr>
+                        </m:sSubPr>
                         <m:e>
-                          <m:m>
-                            <m:mPr>
-                              <m:mcs>
-                                <m:mc>
-                                  <m:mcPr>
-                                    <m:count m:val="1"/>
-                                    <m:mcJc m:val="center"/>
-                                  </m:mcPr>
-                                </m:mc>
-                              </m:mcs>
+                          <m:r>
+                            <a:rPr>
+                              <a:latin typeface="Cambria Math" panose="02040503050406030204" pitchFamily="18" charset="0"/>
+                            </a:rPr>
+                            <m:t>𝜃</m:t>
+                          </m:r>
+                        </m:e>
+                        <m:sub>
+                          <m:r>
+                            <a:rPr>
+                              <a:latin typeface="Cambria Math" panose="02040503050406030204" pitchFamily="18" charset="0"/>
+                            </a:rPr>
+                            <m:t>𝑡</m:t>
+                          </m:r>
+                        </m:sub>
+                      </m:sSub>
+                      <m:r>
+                        <a:rPr>
+                          <a:latin typeface="Cambria Math" panose="02040503050406030204" pitchFamily="18" charset="0"/>
+                        </a:rPr>
+                        <m:t>+</m:t>
+                      </m:r>
+                      <m:r>
+                        <a:rPr>
+                          <a:latin typeface="Cambria Math" panose="02040503050406030204" pitchFamily="18" charset="0"/>
+                        </a:rPr>
+                        <m:t>𝛾</m:t>
+                      </m:r>
+                      <m:r>
+                        <a:rPr>
+                          <a:latin typeface="Cambria Math" panose="02040503050406030204" pitchFamily="18" charset="0"/>
+                        </a:rPr>
+                        <m:t> </m:t>
+                      </m:r>
+                      <m:sSub>
+                        <m:sSubPr>
+                          <m:ctrlPr>
+                            <a:rPr i="1">
+                              <a:latin typeface="Cambria Math" panose="02040503050406030204" pitchFamily="18" charset="0"/>
+                            </a:rPr>
+                          </m:ctrlPr>
+                        </m:sSubPr>
+                        <m:e>
+                          <m:r>
+                            <a:rPr>
+                              <a:latin typeface="Cambria Math" panose="02040503050406030204" pitchFamily="18" charset="0"/>
+                            </a:rPr>
+                            <m:t>𝐸</m:t>
+                          </m:r>
+                        </m:e>
+                        <m:sub>
+                          <m:acc>
+                            <m:accPr>
+                              <m:chr m:val="̂"/>
                               <m:ctrlPr>
                                 <a:rPr i="1">
                                   <a:latin typeface="Cambria Math" panose="02040503050406030204" pitchFamily="18" charset="0"/>
                                 </a:rPr>
                               </m:ctrlPr>
-                            </m:mPr>
-                            <m:mr>
-                              <m:e>
-                                <m:f>
-                                  <m:fPr>
-                                    <m:ctrlPr>
-                                      <a:rPr i="1">
-                                        <a:latin typeface="Cambria Math" panose="02040503050406030204" pitchFamily="18" charset="0"/>
-                                      </a:rPr>
-                                    </m:ctrlPr>
-                                  </m:fPr>
-                                  <m:num>
-                                    <m:r>
-                                      <a:rPr>
-                                        <a:latin typeface="Cambria Math" panose="02040503050406030204" pitchFamily="18" charset="0"/>
-                                      </a:rPr>
-                                      <m:t>𝜕</m:t>
-                                    </m:r>
-                                    <m:r>
-                                      <a:rPr>
-                                        <a:latin typeface="Cambria Math" panose="02040503050406030204" pitchFamily="18" charset="0"/>
-                                      </a:rPr>
-                                      <m:t>𝑙</m:t>
-                                    </m:r>
-                                    <m:d>
-                                      <m:dPr>
-                                        <m:ctrlPr>
-                                          <a:rPr i="1">
-                                            <a:latin typeface="Cambria Math" panose="02040503050406030204" pitchFamily="18" charset="0"/>
-                                          </a:rPr>
-                                        </m:ctrlPr>
-                                      </m:dPr>
-                                      <m:e>
-                                        <m:r>
-                                          <a:rPr>
-                                            <a:latin typeface="Cambria Math" panose="02040503050406030204" pitchFamily="18" charset="0"/>
-                                          </a:rPr>
-                                          <m:t>𝐗</m:t>
-                                        </m:r>
-                                        <m:r>
-                                          <a:rPr>
-                                            <a:latin typeface="Cambria Math" panose="02040503050406030204" pitchFamily="18" charset="0"/>
-                                          </a:rPr>
-                                          <m:t> | </m:t>
-                                        </m:r>
-                                        <m:r>
-                                          <a:rPr>
-                                            <a:latin typeface="Cambria Math" panose="02040503050406030204" pitchFamily="18" charset="0"/>
-                                          </a:rPr>
-                                          <m:t>𝛉</m:t>
-                                        </m:r>
-                                      </m:e>
-                                    </m:d>
-                                  </m:num>
-                                  <m:den>
-                                    <m:r>
-                                      <a:rPr>
-                                        <a:latin typeface="Cambria Math" panose="02040503050406030204" pitchFamily="18" charset="0"/>
-                                      </a:rPr>
-                                      <m:t>𝜕</m:t>
-                                    </m:r>
-                                    <m:sSub>
-                                      <m:sSubPr>
-                                        <m:ctrlPr>
-                                          <a:rPr i="1">
-                                            <a:latin typeface="Cambria Math" panose="02040503050406030204" pitchFamily="18" charset="0"/>
-                                          </a:rPr>
-                                        </m:ctrlPr>
-                                      </m:sSubPr>
-                                      <m:e>
-                                        <m:r>
-                                          <a:rPr>
-                                            <a:latin typeface="Cambria Math" panose="02040503050406030204" pitchFamily="18" charset="0"/>
-                                          </a:rPr>
-                                          <m:t>𝜃</m:t>
-                                        </m:r>
-                                      </m:e>
-                                      <m:sub>
-                                        <m:r>
-                                          <a:rPr>
-                                            <a:latin typeface="Cambria Math" panose="02040503050406030204" pitchFamily="18" charset="0"/>
-                                          </a:rPr>
-                                          <m:t>1</m:t>
-                                        </m:r>
-                                      </m:sub>
-                                    </m:sSub>
-                                  </m:den>
-                                </m:f>
-                              </m:e>
-                            </m:mr>
-                            <m:mr>
-                              <m:e>
-                                <m:f>
-                                  <m:fPr>
-                                    <m:ctrlPr>
-                                      <a:rPr i="1">
-                                        <a:latin typeface="Cambria Math" panose="02040503050406030204" pitchFamily="18" charset="0"/>
-                                      </a:rPr>
-                                    </m:ctrlPr>
-                                  </m:fPr>
-                                  <m:num>
-                                    <m:r>
-                                      <a:rPr>
-                                        <a:latin typeface="Cambria Math" panose="02040503050406030204" pitchFamily="18" charset="0"/>
-                                      </a:rPr>
-                                      <m:t>𝜕</m:t>
-                                    </m:r>
-                                    <m:r>
-                                      <a:rPr>
-                                        <a:latin typeface="Cambria Math" panose="02040503050406030204" pitchFamily="18" charset="0"/>
-                                      </a:rPr>
-                                      <m:t>𝑙</m:t>
-                                    </m:r>
-                                    <m:d>
-                                      <m:dPr>
-                                        <m:ctrlPr>
-                                          <a:rPr i="1">
-                                            <a:latin typeface="Cambria Math" panose="02040503050406030204" pitchFamily="18" charset="0"/>
-                                          </a:rPr>
-                                        </m:ctrlPr>
-                                      </m:dPr>
-                                      <m:e>
-                                        <m:r>
-                                          <a:rPr>
-                                            <a:latin typeface="Cambria Math" panose="02040503050406030204" pitchFamily="18" charset="0"/>
-                                          </a:rPr>
-                                          <m:t>𝐗</m:t>
-                                        </m:r>
-                                        <m:r>
-                                          <a:rPr>
-                                            <a:latin typeface="Cambria Math" panose="02040503050406030204" pitchFamily="18" charset="0"/>
-                                          </a:rPr>
-                                          <m:t> | </m:t>
-                                        </m:r>
-                                        <m:r>
-                                          <a:rPr>
-                                            <a:latin typeface="Cambria Math" panose="02040503050406030204" pitchFamily="18" charset="0"/>
-                                          </a:rPr>
-                                          <m:t>𝛉</m:t>
-                                        </m:r>
-                                      </m:e>
-                                    </m:d>
-                                  </m:num>
-                                  <m:den>
-                                    <m:r>
-                                      <a:rPr>
-                                        <a:latin typeface="Cambria Math" panose="02040503050406030204" pitchFamily="18" charset="0"/>
-                                      </a:rPr>
-                                      <m:t>𝜕</m:t>
-                                    </m:r>
-                                    <m:sSub>
-                                      <m:sSubPr>
-                                        <m:ctrlPr>
-                                          <a:rPr i="1">
-                                            <a:latin typeface="Cambria Math" panose="02040503050406030204" pitchFamily="18" charset="0"/>
-                                          </a:rPr>
-                                        </m:ctrlPr>
-                                      </m:sSubPr>
-                                      <m:e>
-                                        <m:r>
-                                          <a:rPr>
-                                            <a:latin typeface="Cambria Math" panose="02040503050406030204" pitchFamily="18" charset="0"/>
-                                          </a:rPr>
-                                          <m:t>𝜃</m:t>
-                                        </m:r>
-                                      </m:e>
-                                      <m:sub>
-                                        <m:r>
-                                          <a:rPr>
-                                            <a:latin typeface="Cambria Math" panose="02040503050406030204" pitchFamily="18" charset="0"/>
-                                          </a:rPr>
-                                          <m:t>2</m:t>
-                                        </m:r>
-                                      </m:sub>
-                                    </m:sSub>
-                                  </m:den>
-                                </m:f>
-                              </m:e>
-                            </m:mr>
-                            <m:mr>
-                              <m:e>
-                                <m:r>
-                                  <a:rPr>
-                                    <a:latin typeface="Cambria Math" panose="02040503050406030204" pitchFamily="18" charset="0"/>
-                                  </a:rPr>
-                                  <m:t>⋮</m:t>
-                                </m:r>
-                              </m:e>
-                            </m:mr>
-                            <m:mr>
-                              <m:e>
-                                <m:f>
-                                  <m:fPr>
-                                    <m:ctrlPr>
-                                      <a:rPr i="1">
-                                        <a:latin typeface="Cambria Math" panose="02040503050406030204" pitchFamily="18" charset="0"/>
-                                      </a:rPr>
-                                    </m:ctrlPr>
-                                  </m:fPr>
-                                  <m:num>
-                                    <m:r>
-                                      <a:rPr>
-                                        <a:latin typeface="Cambria Math" panose="02040503050406030204" pitchFamily="18" charset="0"/>
-                                      </a:rPr>
-                                      <m:t>𝜕</m:t>
-                                    </m:r>
-                                    <m:r>
-                                      <a:rPr>
-                                        <a:latin typeface="Cambria Math" panose="02040503050406030204" pitchFamily="18" charset="0"/>
-                                      </a:rPr>
-                                      <m:t>𝑙</m:t>
-                                    </m:r>
-                                    <m:d>
-                                      <m:dPr>
-                                        <m:ctrlPr>
-                                          <a:rPr i="1">
-                                            <a:latin typeface="Cambria Math" panose="02040503050406030204" pitchFamily="18" charset="0"/>
-                                          </a:rPr>
-                                        </m:ctrlPr>
-                                      </m:dPr>
-                                      <m:e>
-                                        <m:r>
-                                          <a:rPr>
-                                            <a:latin typeface="Cambria Math" panose="02040503050406030204" pitchFamily="18" charset="0"/>
-                                          </a:rPr>
-                                          <m:t>𝐗</m:t>
-                                        </m:r>
-                                        <m:r>
-                                          <a:rPr>
-                                            <a:latin typeface="Cambria Math" panose="02040503050406030204" pitchFamily="18" charset="0"/>
-                                          </a:rPr>
-                                          <m:t> | </m:t>
-                                        </m:r>
-                                        <m:r>
-                                          <a:rPr>
-                                            <a:latin typeface="Cambria Math" panose="02040503050406030204" pitchFamily="18" charset="0"/>
-                                          </a:rPr>
-                                          <m:t>𝛉</m:t>
-                                        </m:r>
-                                      </m:e>
-                                    </m:d>
-                                  </m:num>
-                                  <m:den>
-                                    <m:r>
-                                      <a:rPr>
-                                        <a:latin typeface="Cambria Math" panose="02040503050406030204" pitchFamily="18" charset="0"/>
-                                      </a:rPr>
-                                      <m:t>𝜕</m:t>
-                                    </m:r>
-                                    <m:sSub>
-                                      <m:sSubPr>
-                                        <m:ctrlPr>
-                                          <a:rPr i="1">
-                                            <a:latin typeface="Cambria Math" panose="02040503050406030204" pitchFamily="18" charset="0"/>
-                                          </a:rPr>
-                                        </m:ctrlPr>
-                                      </m:sSubPr>
-                                      <m:e>
-                                        <m:r>
-                                          <a:rPr>
-                                            <a:latin typeface="Cambria Math" panose="02040503050406030204" pitchFamily="18" charset="0"/>
-                                          </a:rPr>
-                                          <m:t>𝜃</m:t>
-                                        </m:r>
-                                      </m:e>
-                                      <m:sub>
-                                        <m:r>
-                                          <a:rPr>
-                                            <a:latin typeface="Cambria Math" panose="02040503050406030204" pitchFamily="18" charset="0"/>
-                                          </a:rPr>
-                                          <m:t>𝑛</m:t>
-                                        </m:r>
-                                      </m:sub>
-                                    </m:sSub>
-                                  </m:den>
-                                </m:f>
-                              </m:e>
-                            </m:mr>
-                          </m:m>
+                            </m:accPr>
+                            <m:e>
+                              <m:r>
+                                <a:rPr>
+                                  <a:latin typeface="Cambria Math" panose="02040503050406030204" pitchFamily="18" charset="0"/>
+                                </a:rPr>
+                                <m:t>𝑝</m:t>
+                              </m:r>
+                            </m:e>
+                          </m:acc>
+                          <m:r>
+                            <a:rPr>
+                              <a:latin typeface="Cambria Math" panose="02040503050406030204" pitchFamily="18" charset="0"/>
+                            </a:rPr>
+                            <m:t>𝑑𝑎𝑡𝑎</m:t>
+                          </m:r>
+                        </m:sub>
+                      </m:sSub>
+                      <m:d>
+                        <m:dPr>
+                          <m:begChr m:val="["/>
+                          <m:endChr m:val="]"/>
+                          <m:ctrlPr>
+                            <a:rPr i="1">
+                              <a:latin typeface="Cambria Math" panose="02040503050406030204" pitchFamily="18" charset="0"/>
+                            </a:rPr>
+                          </m:ctrlPr>
+                        </m:dPr>
+                        <m:e>
+                          <m:sSub>
+                            <m:sSubPr>
+                              <m:ctrlPr>
+                                <a:rPr i="1">
+                                  <a:latin typeface="Cambria Math" panose="02040503050406030204" pitchFamily="18" charset="0"/>
+                                </a:rPr>
+                              </m:ctrlPr>
+                            </m:sSubPr>
+                            <m:e>
+                              <m:r>
+                                <m:rPr>
+                                  <m:sty m:val="p"/>
+                                </m:rPr>
+                                <a:rPr>
+                                  <a:latin typeface="Cambria Math" panose="02040503050406030204" pitchFamily="18" charset="0"/>
+                                </a:rPr>
+                                <m:t>∇</m:t>
+                              </m:r>
+                            </m:e>
+                            <m:sub>
+                              <m:r>
+                                <a:rPr>
+                                  <a:latin typeface="Cambria Math" panose="02040503050406030204" pitchFamily="18" charset="0"/>
+                                </a:rPr>
+                                <m:t>𝜃</m:t>
+                              </m:r>
+                            </m:sub>
+                          </m:sSub>
+                          <m:r>
+                            <a:rPr>
+                              <a:latin typeface="Cambria Math" panose="02040503050406030204" pitchFamily="18" charset="0"/>
+                            </a:rPr>
+                            <m:t>𝐽</m:t>
+                          </m:r>
+                          <m:d>
+                            <m:dPr>
+                              <m:ctrlPr>
+                                <a:rPr i="1">
+                                  <a:latin typeface="Cambria Math" panose="02040503050406030204" pitchFamily="18" charset="0"/>
+                                </a:rPr>
+                              </m:ctrlPr>
+                            </m:dPr>
+                            <m:e>
+                              <m:sSub>
+                                <m:sSubPr>
+                                  <m:ctrlPr>
+                                    <a:rPr i="1">
+                                      <a:latin typeface="Cambria Math" panose="02040503050406030204" pitchFamily="18" charset="0"/>
+                                    </a:rPr>
+                                  </m:ctrlPr>
+                                </m:sSubPr>
+                                <m:e>
+                                  <m:r>
+                                    <a:rPr>
+                                      <a:latin typeface="Cambria Math" panose="02040503050406030204" pitchFamily="18" charset="0"/>
+                                    </a:rPr>
+                                    <m:t>𝜃</m:t>
+                                  </m:r>
+                                </m:e>
+                                <m:sub>
+                                  <m:r>
+                                    <a:rPr>
+                                      <a:latin typeface="Cambria Math" panose="02040503050406030204" pitchFamily="18" charset="0"/>
+                                    </a:rPr>
+                                    <m:t>𝑡</m:t>
+                                  </m:r>
+                                </m:sub>
+                              </m:sSub>
+                            </m:e>
+                          </m:d>
                         </m:e>
                       </m:d>
                     </m:oMath>
@@ -25493,10 +25926,119 @@
                 </a14:m>
                 <a:endParaRPr dirty="0"/>
               </a:p>
+              <a:p>
+                <a:pPr lvl="0"/>
+                <a:r>
+                  <a:rPr dirty="0"/>
+                  <a:t>Where, </a:t>
+                </a:r>
+                <a14:m>
+                  <m:oMath xmlns:m="http://schemas.openxmlformats.org/officeDocument/2006/math">
+                    <m:sSub>
+                      <m:sSubPr>
+                        <m:ctrlPr>
+                          <a:rPr i="1">
+                            <a:latin typeface="Cambria Math" panose="02040503050406030204" pitchFamily="18" charset="0"/>
+                          </a:rPr>
+                        </m:ctrlPr>
+                      </m:sSubPr>
+                      <m:e>
+                        <m:r>
+                          <a:rPr>
+                            <a:latin typeface="Cambria Math" panose="02040503050406030204" pitchFamily="18" charset="0"/>
+                          </a:rPr>
+                          <m:t>𝐸</m:t>
+                        </m:r>
+                      </m:e>
+                      <m:sub>
+                        <m:acc>
+                          <m:accPr>
+                            <m:chr m:val="̂"/>
+                            <m:ctrlPr>
+                              <a:rPr i="1">
+                                <a:latin typeface="Cambria Math" panose="02040503050406030204" pitchFamily="18" charset="0"/>
+                              </a:rPr>
+                            </m:ctrlPr>
+                          </m:accPr>
+                          <m:e>
+                            <m:r>
+                              <a:rPr>
+                                <a:latin typeface="Cambria Math" panose="02040503050406030204" pitchFamily="18" charset="0"/>
+                              </a:rPr>
+                              <m:t>𝑝</m:t>
+                            </m:r>
+                          </m:e>
+                        </m:acc>
+                        <m:r>
+                          <a:rPr>
+                            <a:latin typeface="Cambria Math" panose="02040503050406030204" pitchFamily="18" charset="0"/>
+                          </a:rPr>
+                          <m:t>𝑑𝑎𝑡𝑎</m:t>
+                        </m:r>
+                      </m:sub>
+                    </m:sSub>
+                    <m:d>
+                      <m:dPr>
+                        <m:begChr m:val="["/>
+                        <m:endChr m:val="]"/>
+                        <m:ctrlPr>
+                          <a:rPr i="1">
+                            <a:latin typeface="Cambria Math" panose="02040503050406030204" pitchFamily="18" charset="0"/>
+                          </a:rPr>
+                        </m:ctrlPr>
+                      </m:dPr>
+                      <m:e/>
+                    </m:d>
+                  </m:oMath>
+                </a14:m>
+                <a:r>
+                  <a:rPr dirty="0"/>
+                  <a:t> is the expected value of the gradient given the Bernoulli sample of the data, </a:t>
+                </a:r>
+                <a14:m>
+                  <m:oMath xmlns:m="http://schemas.openxmlformats.org/officeDocument/2006/math">
+                    <m:acc>
+                      <m:accPr>
+                        <m:chr m:val="̂"/>
+                        <m:ctrlPr>
+                          <a:rPr i="1">
+                            <a:latin typeface="Cambria Math" panose="02040503050406030204" pitchFamily="18" charset="0"/>
+                          </a:rPr>
+                        </m:ctrlPr>
+                      </m:accPr>
+                      <m:e>
+                        <m:r>
+                          <a:rPr>
+                            <a:latin typeface="Cambria Math" panose="02040503050406030204" pitchFamily="18" charset="0"/>
+                          </a:rPr>
+                          <m:t>𝑝</m:t>
+                        </m:r>
+                      </m:e>
+                    </m:acc>
+                    <m:r>
+                      <a:rPr>
+                        <a:latin typeface="Cambria Math" panose="02040503050406030204" pitchFamily="18" charset="0"/>
+                      </a:rPr>
+                      <m:t>𝑑𝑎𝑡𝑎</m:t>
+                    </m:r>
+                  </m:oMath>
+                </a14:m>
+                <a:r>
+                  <a:rPr dirty="0"/>
+                  <a:t>.</a:t>
+                </a:r>
+              </a:p>
+              <a:p>
+                <a:pPr lvl="0"/>
+                <a:r>
+                  <a:rPr dirty="0"/>
+                  <a:t>Empirically, SGD has good convergence properties</a:t>
+                </a:r>
+              </a:p>
             </p:txBody>
           </p:sp>
         </mc:Choice>
-        <mc:Fallback xmlns="">
+        <mc:Fallback>
           <p:sp>
             <p:nvSpPr>
               <p:cNvPr id="3" name="Content Placeholder 2"/>
@@ -25511,7 +26053,7 @@
               <a:blipFill>
                 <a:blip r:embed="rId2"/>
                 <a:stretch>
-                  <a:fillRect l="-74" t="-1077"/>
+                  <a:fillRect l="-667" t="-2334" r="-889" b="-2873"/>
                 </a:stretch>
               </a:blipFill>
             </p:spPr>
@@ -25535,7 +26077,7 @@
           <p:cNvPr id="2" name="Title 1">
             <a:extLst>
               <a:ext uri="{FF2B5EF4-FFF2-40B4-BE49-F238E27FC236}">
-                <a16:creationId xmlns:a16="http://schemas.microsoft.com/office/drawing/2014/main" id="{8CD4889F-82BA-63C6-A28D-A6F9983F4CC4}"/>
+                <a16:creationId xmlns:a16="http://schemas.microsoft.com/office/drawing/2014/main" id="{4E72AE2B-1C7F-862F-A2FA-425002AD17A7}"/>
               </a:ext>
             </a:extLst>
           </p:cNvPr>
@@ -25741,8 +26283,8 @@
           <a:chExt cx="0" cy="0"/>
         </a:xfrm>
       </p:grpSpPr>
-      <mc:AlternateContent xmlns:mc="http://schemas.openxmlformats.org/markup-compatibility/2006" xmlns:a14="http://schemas.microsoft.com/office/drawing/2010/main">
-        <mc:Choice Requires="a14">
+      <mc:AlternateContent xmlns:mc="http://schemas.openxmlformats.org/markup-compatibility/2006">
+        <mc:Choice xmlns:a14="http://schemas.microsoft.com/office/drawing/2010/main" Requires="a14">
           <p:sp>
             <p:nvSpPr>
               <p:cNvPr id="3" name="Content Placeholder 2"/>
@@ -25753,823 +26295,15 @@
                 <p:ph idx="1"/>
               </p:nvPr>
             </p:nvSpPr>
-            <p:spPr/>
+            <p:spPr>
+              <a:xfrm>
+                <a:off x="457200" y="1010856"/>
+                <a:ext cx="8229600" cy="4020273"/>
+              </a:xfrm>
+            </p:spPr>
             <p:txBody>
               <a:bodyPr>
-                <a:normAutofit fontScale="77500" lnSpcReduction="20000"/>
-              </a:bodyPr>
-              <a:lstStyle/>
-              <a:p>
-                <a:pPr lvl="0"/>
-                <a:r>
-                  <a:rPr dirty="0"/>
-                  <a:t>The gradient descent method finds the maximum of the log-likelihood function by following the gradient ‘uphill’</a:t>
-                </a:r>
-              </a:p>
-              <a:p>
-                <a:pPr lvl="0"/>
-                <a:r>
-                  <a:rPr dirty="0"/>
-                  <a:t>Given a current parameter estimate vector at step n , </a:t>
-                </a:r>
-                <a14:m>
-                  <m:oMath xmlns:m="http://schemas.openxmlformats.org/officeDocument/2006/math">
-                    <m:sSub>
-                      <m:sSubPr>
-                        <m:ctrlPr>
-                          <a:rPr i="1">
-                            <a:latin typeface="Cambria Math" panose="02040503050406030204" pitchFamily="18" charset="0"/>
-                          </a:rPr>
-                        </m:ctrlPr>
-                      </m:sSubPr>
-                      <m:e>
-                        <m:acc>
-                          <m:accPr>
-                            <m:chr m:val="̂"/>
-                            <m:ctrlPr>
-                              <a:rPr i="1">
-                                <a:latin typeface="Cambria Math" panose="02040503050406030204" pitchFamily="18" charset="0"/>
-                              </a:rPr>
-                            </m:ctrlPr>
-                          </m:accPr>
-                          <m:e>
-                            <m:r>
-                              <a:rPr>
-                                <a:latin typeface="Cambria Math" panose="02040503050406030204" pitchFamily="18" charset="0"/>
-                              </a:rPr>
-                              <m:t>𝜃</m:t>
-                            </m:r>
-                          </m:e>
-                        </m:acc>
-                      </m:e>
-                      <m:sub>
-                        <m:r>
-                          <a:rPr>
-                            <a:latin typeface="Cambria Math" panose="02040503050406030204" pitchFamily="18" charset="0"/>
-                          </a:rPr>
-                          <m:t>𝑛</m:t>
-                        </m:r>
-                      </m:sub>
-                    </m:sSub>
-                  </m:oMath>
-                </a14:m>
-                <a:r>
-                  <a:rPr dirty="0"/>
-                  <a:t>, the improved parameter estimate vector, </a:t>
-                </a:r>
-                <a14:m>
-                  <m:oMath xmlns:m="http://schemas.openxmlformats.org/officeDocument/2006/math">
-                    <m:sSub>
-                      <m:sSubPr>
-                        <m:ctrlPr>
-                          <a:rPr i="1">
-                            <a:latin typeface="Cambria Math" panose="02040503050406030204" pitchFamily="18" charset="0"/>
-                          </a:rPr>
-                        </m:ctrlPr>
-                      </m:sSubPr>
-                      <m:e>
-                        <m:acc>
-                          <m:accPr>
-                            <m:chr m:val="̂"/>
-                            <m:ctrlPr>
-                              <a:rPr i="1">
-                                <a:latin typeface="Cambria Math" panose="02040503050406030204" pitchFamily="18" charset="0"/>
-                              </a:rPr>
-                            </m:ctrlPr>
-                          </m:accPr>
-                          <m:e>
-                            <m:r>
-                              <a:rPr>
-                                <a:latin typeface="Cambria Math" panose="02040503050406030204" pitchFamily="18" charset="0"/>
-                              </a:rPr>
-                              <m:t>𝜃</m:t>
-                            </m:r>
-                          </m:e>
-                        </m:acc>
-                      </m:e>
-                      <m:sub>
-                        <m:r>
-                          <a:rPr>
-                            <a:latin typeface="Cambria Math" panose="02040503050406030204" pitchFamily="18" charset="0"/>
-                          </a:rPr>
-                          <m:t>𝑛</m:t>
-                        </m:r>
-                        <m:r>
-                          <a:rPr>
-                            <a:latin typeface="Cambria Math" panose="02040503050406030204" pitchFamily="18" charset="0"/>
-                          </a:rPr>
-                          <m:t>+</m:t>
-                        </m:r>
-                        <m:r>
-                          <a:rPr>
-                            <a:latin typeface="Cambria Math" panose="02040503050406030204" pitchFamily="18" charset="0"/>
-                          </a:rPr>
-                          <m:t>1</m:t>
-                        </m:r>
-                      </m:sub>
-                    </m:sSub>
-                  </m:oMath>
-                </a14:m>
-                <a:r>
-                  <a:rPr dirty="0"/>
-                  <a:t>, is found:</a:t>
-                </a:r>
-              </a:p>
-              <a:p>
-                <a:pPr marL="0" lvl="0" indent="0">
-                  <a:buNone/>
-                </a:pPr>
-                <a14:m>
-                  <m:oMathPara xmlns:m="http://schemas.openxmlformats.org/officeDocument/2006/math">
-                    <m:oMathParaPr>
-                      <m:jc m:val="center"/>
-                    </m:oMathParaPr>
-                    <m:oMath xmlns:m="http://schemas.openxmlformats.org/officeDocument/2006/math">
-                      <m:sSub>
-                        <m:sSubPr>
-                          <m:ctrlPr>
-                            <a:rPr i="1">
-                              <a:latin typeface="Cambria Math" panose="02040503050406030204" pitchFamily="18" charset="0"/>
-                            </a:rPr>
-                          </m:ctrlPr>
-                        </m:sSubPr>
-                        <m:e>
-                          <m:acc>
-                            <m:accPr>
-                              <m:chr m:val="̂"/>
-                              <m:ctrlPr>
-                                <a:rPr i="1">
-                                  <a:latin typeface="Cambria Math" panose="02040503050406030204" pitchFamily="18" charset="0"/>
-                                </a:rPr>
-                              </m:ctrlPr>
-                            </m:accPr>
-                            <m:e>
-                              <m:r>
-                                <a:rPr>
-                                  <a:latin typeface="Cambria Math" panose="02040503050406030204" pitchFamily="18" charset="0"/>
-                                </a:rPr>
-                                <m:t>𝜃</m:t>
-                              </m:r>
-                            </m:e>
-                          </m:acc>
-                        </m:e>
-                        <m:sub>
-                          <m:r>
-                            <a:rPr>
-                              <a:latin typeface="Cambria Math" panose="02040503050406030204" pitchFamily="18" charset="0"/>
-                            </a:rPr>
-                            <m:t>𝑛</m:t>
-                          </m:r>
-                          <m:r>
-                            <a:rPr>
-                              <a:latin typeface="Cambria Math" panose="02040503050406030204" pitchFamily="18" charset="0"/>
-                            </a:rPr>
-                            <m:t>+</m:t>
-                          </m:r>
-                          <m:r>
-                            <a:rPr>
-                              <a:latin typeface="Cambria Math" panose="02040503050406030204" pitchFamily="18" charset="0"/>
-                            </a:rPr>
-                            <m:t>1</m:t>
-                          </m:r>
-                        </m:sub>
-                      </m:sSub>
-                      <m:r>
-                        <a:rPr>
-                          <a:latin typeface="Cambria Math" panose="02040503050406030204" pitchFamily="18" charset="0"/>
-                        </a:rPr>
-                        <m:t>=</m:t>
-                      </m:r>
-                      <m:sSub>
-                        <m:sSubPr>
-                          <m:ctrlPr>
-                            <a:rPr i="1">
-                              <a:latin typeface="Cambria Math" panose="02040503050406030204" pitchFamily="18" charset="0"/>
-                            </a:rPr>
-                          </m:ctrlPr>
-                        </m:sSubPr>
-                        <m:e>
-                          <m:acc>
-                            <m:accPr>
-                              <m:chr m:val="̂"/>
-                              <m:ctrlPr>
-                                <a:rPr i="1">
-                                  <a:latin typeface="Cambria Math" panose="02040503050406030204" pitchFamily="18" charset="0"/>
-                                </a:rPr>
-                              </m:ctrlPr>
-                            </m:accPr>
-                            <m:e>
-                              <m:r>
-                                <a:rPr>
-                                  <a:latin typeface="Cambria Math" panose="02040503050406030204" pitchFamily="18" charset="0"/>
-                                </a:rPr>
-                                <m:t>𝜃</m:t>
-                              </m:r>
-                            </m:e>
-                          </m:acc>
-                        </m:e>
-                        <m:sub>
-                          <m:r>
-                            <a:rPr>
-                              <a:latin typeface="Cambria Math" panose="02040503050406030204" pitchFamily="18" charset="0"/>
-                            </a:rPr>
-                            <m:t>𝑛</m:t>
-                          </m:r>
-                        </m:sub>
-                      </m:sSub>
-                      <m:r>
-                        <a:rPr>
-                          <a:latin typeface="Cambria Math" panose="02040503050406030204" pitchFamily="18" charset="0"/>
-                        </a:rPr>
-                        <m:t>+</m:t>
-                      </m:r>
-                      <m:r>
-                        <a:rPr>
-                          <a:latin typeface="Cambria Math" panose="02040503050406030204" pitchFamily="18" charset="0"/>
-                        </a:rPr>
-                        <m:t>𝛾</m:t>
-                      </m:r>
-                      <m:r>
-                        <a:rPr>
-                          <a:latin typeface="Cambria Math" panose="02040503050406030204" pitchFamily="18" charset="0"/>
-                        </a:rPr>
-                        <m:t> </m:t>
-                      </m:r>
-                      <m:sSub>
-                        <m:sSubPr>
-                          <m:ctrlPr>
-                            <a:rPr i="1">
-                              <a:latin typeface="Cambria Math" panose="02040503050406030204" pitchFamily="18" charset="0"/>
-                            </a:rPr>
-                          </m:ctrlPr>
-                        </m:sSubPr>
-                        <m:e>
-                          <m:r>
-                            <m:rPr>
-                              <m:sty m:val="p"/>
-                            </m:rPr>
-                            <a:rPr>
-                              <a:latin typeface="Cambria Math" panose="02040503050406030204" pitchFamily="18" charset="0"/>
-                            </a:rPr>
-                            <m:t>∇</m:t>
-                          </m:r>
-                        </m:e>
-                        <m:sub>
-                          <m:r>
-                            <a:rPr>
-                              <a:latin typeface="Cambria Math" panose="02040503050406030204" pitchFamily="18" charset="0"/>
-                            </a:rPr>
-                            <m:t>𝜃</m:t>
-                          </m:r>
-                        </m:sub>
-                      </m:sSub>
-                      <m:r>
-                        <a:rPr>
-                          <a:latin typeface="Cambria Math" panose="02040503050406030204" pitchFamily="18" charset="0"/>
-                        </a:rPr>
-                        <m:t> </m:t>
-                      </m:r>
-                      <m:r>
-                        <a:rPr>
-                          <a:latin typeface="Cambria Math" panose="02040503050406030204" pitchFamily="18" charset="0"/>
-                        </a:rPr>
-                        <m:t>𝑙</m:t>
-                      </m:r>
-                      <m:d>
-                        <m:dPr>
-                          <m:ctrlPr>
-                            <a:rPr i="1">
-                              <a:latin typeface="Cambria Math" panose="02040503050406030204" pitchFamily="18" charset="0"/>
-                            </a:rPr>
-                          </m:ctrlPr>
-                        </m:dPr>
-                        <m:e>
-                          <m:acc>
-                            <m:accPr>
-                              <m:chr m:val="̂"/>
-                              <m:ctrlPr>
-                                <a:rPr i="1">
-                                  <a:latin typeface="Cambria Math" panose="02040503050406030204" pitchFamily="18" charset="0"/>
-                                </a:rPr>
-                              </m:ctrlPr>
-                            </m:accPr>
-                            <m:e>
-                              <m:r>
-                                <a:rPr>
-                                  <a:latin typeface="Cambria Math" panose="02040503050406030204" pitchFamily="18" charset="0"/>
-                                </a:rPr>
-                                <m:t>𝜃</m:t>
-                              </m:r>
-                            </m:e>
-                          </m:acc>
-                        </m:e>
-                      </m:d>
-                    </m:oMath>
-                  </m:oMathPara>
-                </a14:m>
-                <a:endParaRPr dirty="0"/>
-              </a:p>
-              <a:p>
-                <a:pPr lvl="0"/>
-                <a:r>
-                  <a:rPr dirty="0"/>
-                  <a:t>The hyperparameter </a:t>
-                </a:r>
-                <a14:m>
-                  <m:oMath xmlns:m="http://schemas.openxmlformats.org/officeDocument/2006/math">
-                    <m:r>
-                      <a:rPr>
-                        <a:latin typeface="Cambria Math" panose="02040503050406030204" pitchFamily="18" charset="0"/>
-                      </a:rPr>
-                      <m:t>𝛾</m:t>
-                    </m:r>
-                  </m:oMath>
-                </a14:m>
-                <a:r>
-                  <a:rPr dirty="0"/>
-                  <a:t> is the </a:t>
-                </a:r>
-                <a:r>
-                  <a:rPr b="1" dirty="0"/>
-                  <a:t>learning rate</a:t>
-                </a:r>
-                <a:r>
-                  <a:rPr dirty="0"/>
-                  <a:t> or </a:t>
-                </a:r>
-                <a:r>
-                  <a:rPr b="1" dirty="0"/>
-                  <a:t>step size</a:t>
-                </a:r>
-              </a:p>
-              <a:p>
-                <a:pPr lvl="0"/>
-                <a:r>
-                  <a:rPr dirty="0"/>
-                  <a:t>Stochastic optimization uses a Bernoulli random sample of the data to estimate the </a:t>
-                </a:r>
-                <a:r>
-                  <a:rPr b="1" dirty="0"/>
-                  <a:t>expected update</a:t>
-                </a:r>
-                <a:r>
-                  <a:rPr dirty="0"/>
-                  <a:t> of the model weights</a:t>
-                </a:r>
-              </a:p>
-              <a:p>
-                <a:pPr marL="0" lvl="0" indent="0">
-                  <a:buNone/>
-                </a:pPr>
-                <a14:m>
-                  <m:oMathPara xmlns:m="http://schemas.openxmlformats.org/officeDocument/2006/math">
-                    <m:oMathParaPr>
-                      <m:jc m:val="center"/>
-                    </m:oMathParaPr>
-                    <m:oMath xmlns:m="http://schemas.openxmlformats.org/officeDocument/2006/math">
-                      <m:sSub>
-                        <m:sSubPr>
-                          <m:ctrlPr>
-                            <a:rPr i="1">
-                              <a:latin typeface="Cambria Math" panose="02040503050406030204" pitchFamily="18" charset="0"/>
-                            </a:rPr>
-                          </m:ctrlPr>
-                        </m:sSubPr>
-                        <m:e>
-                          <m:r>
-                            <a:rPr>
-                              <a:latin typeface="Cambria Math" panose="02040503050406030204" pitchFamily="18" charset="0"/>
-                            </a:rPr>
-                            <m:t>𝜃</m:t>
-                          </m:r>
-                        </m:e>
-                        <m:sub>
-                          <m:r>
-                            <a:rPr>
-                              <a:latin typeface="Cambria Math" panose="02040503050406030204" pitchFamily="18" charset="0"/>
-                            </a:rPr>
-                            <m:t>𝑡</m:t>
-                          </m:r>
-                          <m:r>
-                            <a:rPr>
-                              <a:latin typeface="Cambria Math" panose="02040503050406030204" pitchFamily="18" charset="0"/>
-                            </a:rPr>
-                            <m:t>+</m:t>
-                          </m:r>
-                          <m:r>
-                            <a:rPr>
-                              <a:latin typeface="Cambria Math" panose="02040503050406030204" pitchFamily="18" charset="0"/>
-                            </a:rPr>
-                            <m:t>1</m:t>
-                          </m:r>
-                        </m:sub>
-                      </m:sSub>
-                      <m:r>
-                        <a:rPr>
-                          <a:latin typeface="Cambria Math" panose="02040503050406030204" pitchFamily="18" charset="0"/>
-                        </a:rPr>
-                        <m:t>=</m:t>
-                      </m:r>
-                      <m:sSub>
-                        <m:sSubPr>
-                          <m:ctrlPr>
-                            <a:rPr i="1">
-                              <a:latin typeface="Cambria Math" panose="02040503050406030204" pitchFamily="18" charset="0"/>
-                            </a:rPr>
-                          </m:ctrlPr>
-                        </m:sSubPr>
-                        <m:e>
-                          <m:r>
-                            <a:rPr>
-                              <a:latin typeface="Cambria Math" panose="02040503050406030204" pitchFamily="18" charset="0"/>
-                            </a:rPr>
-                            <m:t>𝜃</m:t>
-                          </m:r>
-                        </m:e>
-                        <m:sub>
-                          <m:r>
-                            <a:rPr>
-                              <a:latin typeface="Cambria Math" panose="02040503050406030204" pitchFamily="18" charset="0"/>
-                            </a:rPr>
-                            <m:t>𝑡</m:t>
-                          </m:r>
-                        </m:sub>
-                      </m:sSub>
-                      <m:r>
-                        <a:rPr>
-                          <a:latin typeface="Cambria Math" panose="02040503050406030204" pitchFamily="18" charset="0"/>
-                        </a:rPr>
-                        <m:t>+</m:t>
-                      </m:r>
-                      <m:r>
-                        <a:rPr>
-                          <a:latin typeface="Cambria Math" panose="02040503050406030204" pitchFamily="18" charset="0"/>
-                        </a:rPr>
-                        <m:t>𝛾</m:t>
-                      </m:r>
-                      <m:r>
-                        <a:rPr>
-                          <a:latin typeface="Cambria Math" panose="02040503050406030204" pitchFamily="18" charset="0"/>
-                        </a:rPr>
-                        <m:t> </m:t>
-                      </m:r>
-                      <m:sSub>
-                        <m:sSubPr>
-                          <m:ctrlPr>
-                            <a:rPr i="1">
-                              <a:latin typeface="Cambria Math" panose="02040503050406030204" pitchFamily="18" charset="0"/>
-                            </a:rPr>
-                          </m:ctrlPr>
-                        </m:sSubPr>
-                        <m:e>
-                          <m:r>
-                            <a:rPr>
-                              <a:latin typeface="Cambria Math" panose="02040503050406030204" pitchFamily="18" charset="0"/>
-                            </a:rPr>
-                            <m:t>𝐸</m:t>
-                          </m:r>
-                        </m:e>
-                        <m:sub>
-                          <m:acc>
-                            <m:accPr>
-                              <m:chr m:val="̂"/>
-                              <m:ctrlPr>
-                                <a:rPr i="1">
-                                  <a:latin typeface="Cambria Math" panose="02040503050406030204" pitchFamily="18" charset="0"/>
-                                </a:rPr>
-                              </m:ctrlPr>
-                            </m:accPr>
-                            <m:e>
-                              <m:r>
-                                <a:rPr>
-                                  <a:latin typeface="Cambria Math" panose="02040503050406030204" pitchFamily="18" charset="0"/>
-                                </a:rPr>
-                                <m:t>𝑝</m:t>
-                              </m:r>
-                            </m:e>
-                          </m:acc>
-                          <m:r>
-                            <a:rPr>
-                              <a:latin typeface="Cambria Math" panose="02040503050406030204" pitchFamily="18" charset="0"/>
-                            </a:rPr>
-                            <m:t>𝑑𝑎𝑡𝑎</m:t>
-                          </m:r>
-                        </m:sub>
-                      </m:sSub>
-                      <m:d>
-                        <m:dPr>
-                          <m:begChr m:val="["/>
-                          <m:endChr m:val="]"/>
-                          <m:ctrlPr>
-                            <a:rPr i="1">
-                              <a:latin typeface="Cambria Math" panose="02040503050406030204" pitchFamily="18" charset="0"/>
-                            </a:rPr>
-                          </m:ctrlPr>
-                        </m:dPr>
-                        <m:e>
-                          <m:sSub>
-                            <m:sSubPr>
-                              <m:ctrlPr>
-                                <a:rPr i="1">
-                                  <a:latin typeface="Cambria Math" panose="02040503050406030204" pitchFamily="18" charset="0"/>
-                                </a:rPr>
-                              </m:ctrlPr>
-                            </m:sSubPr>
-                            <m:e>
-                              <m:r>
-                                <m:rPr>
-                                  <m:sty m:val="p"/>
-                                </m:rPr>
-                                <a:rPr>
-                                  <a:latin typeface="Cambria Math" panose="02040503050406030204" pitchFamily="18" charset="0"/>
-                                </a:rPr>
-                                <m:t>∇</m:t>
-                              </m:r>
-                            </m:e>
-                            <m:sub>
-                              <m:r>
-                                <a:rPr>
-                                  <a:latin typeface="Cambria Math" panose="02040503050406030204" pitchFamily="18" charset="0"/>
-                                </a:rPr>
-                                <m:t>𝜃</m:t>
-                              </m:r>
-                            </m:sub>
-                          </m:sSub>
-                          <m:r>
-                            <a:rPr>
-                              <a:latin typeface="Cambria Math" panose="02040503050406030204" pitchFamily="18" charset="0"/>
-                            </a:rPr>
-                            <m:t>𝐽</m:t>
-                          </m:r>
-                          <m:d>
-                            <m:dPr>
-                              <m:ctrlPr>
-                                <a:rPr i="1">
-                                  <a:latin typeface="Cambria Math" panose="02040503050406030204" pitchFamily="18" charset="0"/>
-                                </a:rPr>
-                              </m:ctrlPr>
-                            </m:dPr>
-                            <m:e>
-                              <m:sSub>
-                                <m:sSubPr>
-                                  <m:ctrlPr>
-                                    <a:rPr i="1">
-                                      <a:latin typeface="Cambria Math" panose="02040503050406030204" pitchFamily="18" charset="0"/>
-                                    </a:rPr>
-                                  </m:ctrlPr>
-                                </m:sSubPr>
-                                <m:e>
-                                  <m:r>
-                                    <a:rPr>
-                                      <a:latin typeface="Cambria Math" panose="02040503050406030204" pitchFamily="18" charset="0"/>
-                                    </a:rPr>
-                                    <m:t>𝜃</m:t>
-                                  </m:r>
-                                </m:e>
-                                <m:sub>
-                                  <m:r>
-                                    <a:rPr>
-                                      <a:latin typeface="Cambria Math" panose="02040503050406030204" pitchFamily="18" charset="0"/>
-                                    </a:rPr>
-                                    <m:t>𝑡</m:t>
-                                  </m:r>
-                                </m:sub>
-                              </m:sSub>
-                            </m:e>
-                          </m:d>
-                        </m:e>
-                      </m:d>
-                    </m:oMath>
-                  </m:oMathPara>
-                </a14:m>
-                <a:endParaRPr dirty="0"/>
-              </a:p>
-              <a:p>
-                <a:pPr lvl="0"/>
-                <a:r>
-                  <a:rPr dirty="0"/>
-                  <a:t>Where, </a:t>
-                </a:r>
-                <a14:m>
-                  <m:oMath xmlns:m="http://schemas.openxmlformats.org/officeDocument/2006/math">
-                    <m:sSub>
-                      <m:sSubPr>
-                        <m:ctrlPr>
-                          <a:rPr i="1">
-                            <a:latin typeface="Cambria Math" panose="02040503050406030204" pitchFamily="18" charset="0"/>
-                          </a:rPr>
-                        </m:ctrlPr>
-                      </m:sSubPr>
-                      <m:e>
-                        <m:r>
-                          <a:rPr>
-                            <a:latin typeface="Cambria Math" panose="02040503050406030204" pitchFamily="18" charset="0"/>
-                          </a:rPr>
-                          <m:t>𝐸</m:t>
-                        </m:r>
-                      </m:e>
-                      <m:sub>
-                        <m:acc>
-                          <m:accPr>
-                            <m:chr m:val="̂"/>
-                            <m:ctrlPr>
-                              <a:rPr i="1">
-                                <a:latin typeface="Cambria Math" panose="02040503050406030204" pitchFamily="18" charset="0"/>
-                              </a:rPr>
-                            </m:ctrlPr>
-                          </m:accPr>
-                          <m:e>
-                            <m:r>
-                              <a:rPr>
-                                <a:latin typeface="Cambria Math" panose="02040503050406030204" pitchFamily="18" charset="0"/>
-                              </a:rPr>
-                              <m:t>𝑝</m:t>
-                            </m:r>
-                          </m:e>
-                        </m:acc>
-                        <m:r>
-                          <a:rPr>
-                            <a:latin typeface="Cambria Math" panose="02040503050406030204" pitchFamily="18" charset="0"/>
-                          </a:rPr>
-                          <m:t>𝑑𝑎𝑡𝑎</m:t>
-                        </m:r>
-                      </m:sub>
-                    </m:sSub>
-                    <m:d>
-                      <m:dPr>
-                        <m:begChr m:val="["/>
-                        <m:endChr m:val="]"/>
-                        <m:ctrlPr>
-                          <a:rPr i="1">
-                            <a:latin typeface="Cambria Math" panose="02040503050406030204" pitchFamily="18" charset="0"/>
-                          </a:rPr>
-                        </m:ctrlPr>
-                      </m:dPr>
-                      <m:e/>
-                    </m:d>
-                  </m:oMath>
-                </a14:m>
-                <a:r>
-                  <a:rPr dirty="0"/>
-                  <a:t> is the expected value of the gradient given the Bernoulli sample of the data, </a:t>
-                </a:r>
-                <a14:m>
-                  <m:oMath xmlns:m="http://schemas.openxmlformats.org/officeDocument/2006/math">
-                    <m:acc>
-                      <m:accPr>
-                        <m:chr m:val="̂"/>
-                        <m:ctrlPr>
-                          <a:rPr i="1">
-                            <a:latin typeface="Cambria Math" panose="02040503050406030204" pitchFamily="18" charset="0"/>
-                          </a:rPr>
-                        </m:ctrlPr>
-                      </m:accPr>
-                      <m:e>
-                        <m:r>
-                          <a:rPr>
-                            <a:latin typeface="Cambria Math" panose="02040503050406030204" pitchFamily="18" charset="0"/>
-                          </a:rPr>
-                          <m:t>𝑝</m:t>
-                        </m:r>
-                      </m:e>
-                    </m:acc>
-                    <m:r>
-                      <a:rPr>
-                        <a:latin typeface="Cambria Math" panose="02040503050406030204" pitchFamily="18" charset="0"/>
-                      </a:rPr>
-                      <m:t>𝑑𝑎𝑡𝑎</m:t>
-                    </m:r>
-                  </m:oMath>
-                </a14:m>
-                <a:r>
-                  <a:rPr dirty="0"/>
-                  <a:t>.</a:t>
-                </a:r>
-              </a:p>
-              <a:p>
-                <a:pPr lvl="0"/>
-                <a:r>
-                  <a:rPr dirty="0"/>
-                  <a:t>Empirically, SGD has good convergence properties</a:t>
-                </a:r>
-              </a:p>
-            </p:txBody>
-          </p:sp>
-        </mc:Choice>
-        <mc:Fallback xmlns="">
-          <p:sp>
-            <p:nvSpPr>
-              <p:cNvPr id="3" name="Content Placeholder 2"/>
-              <p:cNvSpPr>
-                <a:spLocks noGrp="1" noRot="1" noChangeAspect="1" noMove="1" noResize="1" noEditPoints="1" noAdjustHandles="1" noChangeArrowheads="1" noChangeShapeType="1" noTextEdit="1"/>
-              </p:cNvSpPr>
-              <p:nvPr>
-                <p:ph idx="1"/>
-              </p:nvPr>
-            </p:nvSpPr>
-            <p:spPr>
-              <a:blipFill>
-                <a:blip r:embed="rId2"/>
-                <a:stretch>
-                  <a:fillRect l="-519" t="-2334" b="-2873"/>
-                </a:stretch>
-              </a:blipFill>
-            </p:spPr>
-            <p:txBody>
-              <a:bodyPr/>
-              <a:lstStyle/>
-              <a:p>
-                <a:r>
-                  <a:rPr lang="en-US">
-                    <a:noFill/>
-                  </a:rPr>
-                  <a:t> </a:t>
-                </a:r>
-              </a:p>
-            </p:txBody>
-          </p:sp>
-        </mc:Fallback>
-      </mc:AlternateContent>
-      <p:sp>
-        <p:nvSpPr>
-          <p:cNvPr id="2" name="Title 1">
-            <a:extLst>
-              <a:ext uri="{FF2B5EF4-FFF2-40B4-BE49-F238E27FC236}">
-                <a16:creationId xmlns:a16="http://schemas.microsoft.com/office/drawing/2014/main" id="{4E72AE2B-1C7F-862F-A2FA-425002AD17A7}"/>
-              </a:ext>
-            </a:extLst>
-          </p:cNvPr>
-          <p:cNvSpPr>
-            <a:spLocks noGrp="1"/>
-          </p:cNvSpPr>
-          <p:nvPr>
-            <p:ph type="title"/>
-          </p:nvPr>
-        </p:nvSpPr>
-        <p:spPr>
-          <a:xfrm>
-            <a:off x="457200" y="205979"/>
-            <a:ext cx="8229600" cy="857250"/>
-          </a:xfrm>
-        </p:spPr>
-        <p:txBody>
-          <a:bodyPr/>
-          <a:lstStyle/>
-          <a:p>
-            <a:pPr marL="0" lvl="0" indent="0">
-              <a:spcBef>
-                <a:spcPts val="3000"/>
-              </a:spcBef>
-              <a:buNone/>
-            </a:pPr>
-            <a:r>
-              <a:rPr lang="en-US" b="1" dirty="0"/>
-              <a:t>Summary</a:t>
-            </a:r>
-          </a:p>
-        </p:txBody>
-      </p:sp>
-    </p:spTree>
-  </p:cSld>
-  <p:clrMapOvr>
-    <a:masterClrMapping/>
-  </p:clrMapOvr>
-</p:sld>
-</file>
-
-<file path=ppt/slides/slide51.xml><?xml version="1.0" encoding="utf-8"?>
-<p:sld xmlns:a="http://schemas.openxmlformats.org/drawingml/2006/main" xmlns:r="http://schemas.openxmlformats.org/officeDocument/2006/relationships" xmlns:p="http://schemas.openxmlformats.org/presentationml/2006/main">
-  <p:cSld>
-    <p:spTree>
-      <p:nvGrpSpPr>
-        <p:cNvPr id="1" name=""/>
-        <p:cNvGrpSpPr/>
-        <p:nvPr/>
-      </p:nvGrpSpPr>
-      <p:grpSpPr>
-        <a:xfrm>
-          <a:off x="0" y="0"/>
-          <a:ext cx="0" cy="0"/>
-          <a:chOff x="0" y="0"/>
-          <a:chExt cx="0" cy="0"/>
-        </a:xfrm>
-      </p:grpSpPr>
-      <mc:AlternateContent xmlns:mc="http://schemas.openxmlformats.org/markup-compatibility/2006" xmlns:a14="http://schemas.microsoft.com/office/drawing/2010/main">
-        <mc:Choice Requires="a14">
-          <p:sp>
-            <p:nvSpPr>
-              <p:cNvPr id="3" name="Content Placeholder 2"/>
-              <p:cNvSpPr>
-                <a:spLocks noGrp="1"/>
-              </p:cNvSpPr>
-              <p:nvPr>
-                <p:ph idx="1"/>
-              </p:nvPr>
-            </p:nvSpPr>
-            <p:spPr/>
-            <p:txBody>
-              <a:bodyPr>
-                <a:normAutofit fontScale="55000" lnSpcReduction="20000"/>
+                <a:normAutofit fontScale="70000" lnSpcReduction="20000"/>
               </a:bodyPr>
               <a:lstStyle/>
               <a:p>
@@ -26880,7 +26614,9 @@
                 <a:endParaRPr dirty="0"/>
               </a:p>
               <a:p>
-                <a:pPr lvl="0"/>
+                <a:pPr marL="342900" lvl="1" indent="0">
+                  <a:buNone/>
+                </a:pPr>
                 <a14:m>
                   <m:oMath xmlns:m="http://schemas.openxmlformats.org/officeDocument/2006/math">
                     <m:r>
@@ -26917,10 +26653,6 @@
                   <a:rPr dirty="0"/>
                   <a:t>The inverse of the Hessian may not exist as this matrix may be singular</a:t>
                 </a:r>
-                <a:br>
-                  <a:rPr dirty="0"/>
-                </a:br>
-                <a:endParaRPr dirty="0"/>
               </a:p>
               <a:p>
                 <a:pPr lvl="1"/>
@@ -26950,10 +26682,6 @@
                   <a:rPr dirty="0"/>
                   <a:t>Use an approximation to avoid computing the full inverse Hessian</a:t>
                 </a:r>
-                <a:br>
-                  <a:rPr dirty="0"/>
-                </a:br>
-                <a:endParaRPr dirty="0"/>
               </a:p>
               <a:p>
                 <a:pPr lvl="1"/>
@@ -26985,7 +26713,7 @@
             </p:txBody>
           </p:sp>
         </mc:Choice>
-        <mc:Fallback xmlns="">
+        <mc:Fallback>
           <p:sp>
             <p:nvSpPr>
               <p:cNvPr id="3" name="Content Placeholder 2"/>
@@ -26997,10 +26725,14 @@
               </p:nvPr>
             </p:nvSpPr>
             <p:spPr>
+              <a:xfrm>
+                <a:off x="457200" y="1010856"/>
+                <a:ext cx="8229600" cy="4020273"/>
+              </a:xfrm>
               <a:blipFill>
                 <a:blip r:embed="rId2"/>
                 <a:stretch>
-                  <a:fillRect t="-1077"/>
+                  <a:fillRect l="-370" t="-1669"/>
                 </a:stretch>
               </a:blipFill>
             </p:spPr>
@@ -27066,7 +26798,7 @@
 </p:sld>
 </file>
 
-<file path=ppt/slides/slide52.xml><?xml version="1.0" encoding="utf-8"?>
+<file path=ppt/slides/slide51.xml><?xml version="1.0" encoding="utf-8"?>
 <p:sld xmlns:a="http://schemas.openxmlformats.org/drawingml/2006/main" xmlns:r="http://schemas.openxmlformats.org/officeDocument/2006/relationships" xmlns:p="http://schemas.openxmlformats.org/presentationml/2006/main">
   <p:cSld>
     <p:spTree>
@@ -27095,42 +26827,44 @@
         </p:nvSpPr>
         <p:spPr/>
         <p:txBody>
-          <a:bodyPr/>
+          <a:bodyPr>
+            <a:normAutofit/>
+          </a:bodyPr>
           <a:lstStyle/>
           <a:p>
             <a:pPr marL="0" lvl="0" indent="0">
               <a:buNone/>
             </a:pPr>
             <a:r>
-              <a:rPr dirty="0"/>
+              <a:rPr sz="2200" dirty="0"/>
               <a:t>The maximum likelihood estimator has a number of important limitations, including</a:t>
             </a:r>
           </a:p>
           <a:p>
             <a:pPr lvl="0"/>
             <a:r>
-              <a:rPr dirty="0"/>
+              <a:rPr sz="2200" dirty="0"/>
               <a:t>Incorrect model and complex distributions</a:t>
             </a:r>
           </a:p>
           <a:p>
             <a:pPr lvl="0"/>
             <a:r>
-              <a:rPr dirty="0"/>
+              <a:rPr sz="2200" dirty="0"/>
               <a:t>Parameter near limits</a:t>
             </a:r>
           </a:p>
           <a:p>
             <a:pPr lvl="0"/>
             <a:r>
-              <a:rPr dirty="0"/>
+              <a:rPr sz="2200" dirty="0"/>
               <a:t>High dimensional problems</a:t>
             </a:r>
           </a:p>
           <a:p>
             <a:pPr lvl="0"/>
             <a:r>
-              <a:rPr dirty="0"/>
+              <a:rPr sz="2200" dirty="0"/>
               <a:t>Correlated features</a:t>
             </a:r>
           </a:p>
@@ -29459,7 +29193,19 @@
                                 <a:rPr>
                                   <a:latin typeface="Cambria Math" panose="02040503050406030204" pitchFamily="18" charset="0"/>
                                 </a:rPr>
-                                <m:t>1/2</m:t>
+                                <m:t>1</m:t>
+                              </m:r>
+                              <m:r>
+                                <a:rPr>
+                                  <a:latin typeface="Cambria Math" panose="02040503050406030204" pitchFamily="18" charset="0"/>
+                                </a:rPr>
+                                <m:t>/</m:t>
+                              </m:r>
+                              <m:r>
+                                <a:rPr>
+                                  <a:latin typeface="Cambria Math" panose="02040503050406030204" pitchFamily="18" charset="0"/>
+                                </a:rPr>
+                                <m:t>2</m:t>
                               </m:r>
                             </m:sup>
                           </m:sSup>
@@ -29867,7 +29613,19 @@
                                 <a:rPr>
                                   <a:latin typeface="Cambria Math" panose="02040503050406030204" pitchFamily="18" charset="0"/>
                                 </a:rPr>
-                                <m:t>1/2</m:t>
+                                <m:t>1</m:t>
+                              </m:r>
+                              <m:r>
+                                <a:rPr>
+                                  <a:latin typeface="Cambria Math" panose="02040503050406030204" pitchFamily="18" charset="0"/>
+                                </a:rPr>
+                                <m:t>/</m:t>
+                              </m:r>
+                              <m:r>
+                                <a:rPr>
+                                  <a:latin typeface="Cambria Math" panose="02040503050406030204" pitchFamily="18" charset="0"/>
+                                </a:rPr>
+                                <m:t>2</m:t>
                               </m:r>
                             </m:sup>
                           </m:sSup>
@@ -29967,7 +29725,13 @@
                                 <a:rPr>
                                   <a:latin typeface="Cambria Math" panose="02040503050406030204" pitchFamily="18" charset="0"/>
                                 </a:rPr>
-                                <m:t>=1</m:t>
+                                <m:t>=</m:t>
+                              </m:r>
+                              <m:r>
+                                <a:rPr>
+                                  <a:latin typeface="Cambria Math" panose="02040503050406030204" pitchFamily="18" charset="0"/>
+                                </a:rPr>
+                                <m:t>1</m:t>
                               </m:r>
                             </m:sub>
                             <m:sup>
@@ -30291,7 +30055,13 @@
                             <a:rPr>
                               <a:latin typeface="Cambria Math" panose="02040503050406030204" pitchFamily="18" charset="0"/>
                             </a:rPr>
-                            <m:t>=1</m:t>
+                            <m:t>=</m:t>
+                          </m:r>
+                          <m:r>
+                            <a:rPr>
+                              <a:latin typeface="Cambria Math" panose="02040503050406030204" pitchFamily="18" charset="0"/>
+                            </a:rPr>
+                            <m:t>1</m:t>
                           </m:r>
                         </m:sub>
                         <m:sup>

--- a/LectureSlides/05_ParameterEstimationAndLikelihood.pptx
+++ b/LectureSlides/05_ParameterEstimationAndLikelihood.pptx
@@ -258,7 +258,7 @@
           <a:p>
             <a:fld id="{FBE8413C-360A-45C8-86BB-6B0679E98A53}" type="datetimeFigureOut">
               <a:rPr lang="en-US" smtClean="0"/>
-              <a:t>8/16/2024</a:t>
+              <a:t>10/2/2024</a:t>
             </a:fld>
             <a:endParaRPr lang="en-US"/>
           </a:p>
@@ -788,7 +788,7 @@
           <a:p>
             <a:fld id="{241EB5C9-1307-BA42-ABA2-0BC069CD8E7F}" type="datetimeFigureOut">
               <a:rPr lang="en-US" smtClean="0"/>
-              <a:t>8/16/2024</a:t>
+              <a:t>10/2/2024</a:t>
             </a:fld>
             <a:endParaRPr lang="en-US"/>
           </a:p>
@@ -956,7 +956,7 @@
           <a:p>
             <a:fld id="{241EB5C9-1307-BA42-ABA2-0BC069CD8E7F}" type="datetimeFigureOut">
               <a:rPr lang="en-US" smtClean="0"/>
-              <a:t>8/16/2024</a:t>
+              <a:t>10/2/2024</a:t>
             </a:fld>
             <a:endParaRPr lang="en-US"/>
           </a:p>
@@ -1134,7 +1134,7 @@
           <a:p>
             <a:fld id="{241EB5C9-1307-BA42-ABA2-0BC069CD8E7F}" type="datetimeFigureOut">
               <a:rPr lang="en-US" smtClean="0"/>
-              <a:t>8/16/2024</a:t>
+              <a:t>10/2/2024</a:t>
             </a:fld>
             <a:endParaRPr lang="en-US"/>
           </a:p>
@@ -1302,7 +1302,7 @@
           <a:p>
             <a:fld id="{241EB5C9-1307-BA42-ABA2-0BC069CD8E7F}" type="datetimeFigureOut">
               <a:rPr lang="en-US" smtClean="0"/>
-              <a:t>8/16/2024</a:t>
+              <a:t>10/2/2024</a:t>
             </a:fld>
             <a:endParaRPr lang="en-US"/>
           </a:p>
@@ -1547,7 +1547,7 @@
           <a:p>
             <a:fld id="{241EB5C9-1307-BA42-ABA2-0BC069CD8E7F}" type="datetimeFigureOut">
               <a:rPr lang="en-US" smtClean="0"/>
-              <a:t>8/16/2024</a:t>
+              <a:t>10/2/2024</a:t>
             </a:fld>
             <a:endParaRPr lang="en-US"/>
           </a:p>
@@ -1832,7 +1832,7 @@
           <a:p>
             <a:fld id="{241EB5C9-1307-BA42-ABA2-0BC069CD8E7F}" type="datetimeFigureOut">
               <a:rPr lang="en-US" smtClean="0"/>
-              <a:t>8/16/2024</a:t>
+              <a:t>10/2/2024</a:t>
             </a:fld>
             <a:endParaRPr lang="en-US"/>
           </a:p>
@@ -2251,7 +2251,7 @@
           <a:p>
             <a:fld id="{241EB5C9-1307-BA42-ABA2-0BC069CD8E7F}" type="datetimeFigureOut">
               <a:rPr lang="en-US" smtClean="0"/>
-              <a:t>8/16/2024</a:t>
+              <a:t>10/2/2024</a:t>
             </a:fld>
             <a:endParaRPr lang="en-US"/>
           </a:p>
@@ -2368,7 +2368,7 @@
           <a:p>
             <a:fld id="{241EB5C9-1307-BA42-ABA2-0BC069CD8E7F}" type="datetimeFigureOut">
               <a:rPr lang="en-US" smtClean="0"/>
-              <a:t>8/16/2024</a:t>
+              <a:t>10/2/2024</a:t>
             </a:fld>
             <a:endParaRPr lang="en-US"/>
           </a:p>
@@ -2463,7 +2463,7 @@
           <a:p>
             <a:fld id="{241EB5C9-1307-BA42-ABA2-0BC069CD8E7F}" type="datetimeFigureOut">
               <a:rPr lang="en-US" smtClean="0"/>
-              <a:t>8/16/2024</a:t>
+              <a:t>10/2/2024</a:t>
             </a:fld>
             <a:endParaRPr lang="en-US"/>
           </a:p>
@@ -2738,7 +2738,7 @@
           <a:p>
             <a:fld id="{241EB5C9-1307-BA42-ABA2-0BC069CD8E7F}" type="datetimeFigureOut">
               <a:rPr lang="en-US" smtClean="0"/>
-              <a:t>8/16/2024</a:t>
+              <a:t>10/2/2024</a:t>
             </a:fld>
             <a:endParaRPr lang="en-US"/>
           </a:p>
@@ -2990,7 +2990,7 @@
           <a:p>
             <a:fld id="{241EB5C9-1307-BA42-ABA2-0BC069CD8E7F}" type="datetimeFigureOut">
               <a:rPr lang="en-US" smtClean="0"/>
-              <a:t>8/16/2024</a:t>
+              <a:t>10/2/2024</a:t>
             </a:fld>
             <a:endParaRPr lang="en-US"/>
           </a:p>
@@ -3201,7 +3201,7 @@
           <a:p>
             <a:fld id="{241EB5C9-1307-BA42-ABA2-0BC069CD8E7F}" type="datetimeFigureOut">
               <a:rPr lang="en-US" smtClean="0"/>
-              <a:t>8/16/2024</a:t>
+              <a:t>10/2/2024</a:t>
             </a:fld>
             <a:endParaRPr lang="en-US"/>
           </a:p>
@@ -4012,13 +4012,7 @@
                       <a:rPr>
                         <a:latin typeface="Cambria Math" panose="02040503050406030204" pitchFamily="18" charset="0"/>
                       </a:rPr>
-                      <m:t>0</m:t>
-                    </m:r>
-                    <m:r>
-                      <a:rPr>
-                        <a:latin typeface="Cambria Math" panose="02040503050406030204" pitchFamily="18" charset="0"/>
-                      </a:rPr>
-                      <m:t>≤</m:t>
+                      <m:t>0≤</m:t>
                     </m:r>
                     <m:r>
                       <a:rPr>
@@ -4030,13 +4024,7 @@
                       <a:rPr>
                         <a:latin typeface="Cambria Math" panose="02040503050406030204" pitchFamily="18" charset="0"/>
                       </a:rPr>
-                      <m:t>≤</m:t>
-                    </m:r>
-                    <m:r>
-                      <a:rPr>
-                        <a:latin typeface="Cambria Math" panose="02040503050406030204" pitchFamily="18" charset="0"/>
-                      </a:rPr>
-                      <m:t>1</m:t>
+                      <m:t>≤1</m:t>
                     </m:r>
                   </m:oMath>
                 </a14:m>
@@ -4224,13 +4212,7 @@
                                 <a:rPr>
                                   <a:latin typeface="Cambria Math" panose="02040503050406030204" pitchFamily="18" charset="0"/>
                                 </a:rPr>
-                                <m:t>1</m:t>
-                              </m:r>
-                              <m:r>
-                                <a:rPr>
-                                  <a:latin typeface="Cambria Math" panose="02040503050406030204" pitchFamily="18" charset="0"/>
-                                </a:rPr>
-                                <m:t>−</m:t>
+                                <m:t>1−</m:t>
                               </m:r>
                               <m:r>
                                 <a:rPr>
@@ -4481,13 +4463,7 @@
                             <a:rPr>
                               <a:latin typeface="Cambria Math" panose="02040503050406030204" pitchFamily="18" charset="0"/>
                             </a:rPr>
-                            <m:t>1</m:t>
-                          </m:r>
-                          <m:r>
-                            <a:rPr>
-                              <a:latin typeface="Cambria Math" panose="02040503050406030204" pitchFamily="18" charset="0"/>
-                            </a:rPr>
-                            <m:t>−</m:t>
+                            <m:t>1−</m:t>
                           </m:r>
                           <m:r>
                             <a:rPr>
@@ -5607,15 +5583,7 @@
             </a:pPr>
             <a:r>
               <a:rPr lang="en-US" b="1" dirty="0"/>
-              <a:t>Maximum </a:t>
-            </a:r>
-            <a:r>
-              <a:rPr lang="en-US" b="1" dirty="0" err="1"/>
-              <a:t>Likehihood</a:t>
-            </a:r>
-            <a:r>
-              <a:rPr lang="en-US" b="1" dirty="0"/>
-              <a:t> Estimator</a:t>
+              <a:t>Maximum Likelihood Estimator</a:t>
             </a:r>
             <a:endParaRPr dirty="0"/>
           </a:p>
@@ -19014,8 +18982,8 @@
           <a:chExt cx="0" cy="0"/>
         </a:xfrm>
       </p:grpSpPr>
-      <mc:AlternateContent xmlns:mc="http://schemas.openxmlformats.org/markup-compatibility/2006">
-        <mc:Choice xmlns:a14="http://schemas.microsoft.com/office/drawing/2010/main" Requires="a14">
+      <mc:AlternateContent xmlns:mc="http://schemas.openxmlformats.org/markup-compatibility/2006" xmlns:a14="http://schemas.microsoft.com/office/drawing/2010/main">
+        <mc:Choice Requires="a14">
           <p:sp>
             <p:nvSpPr>
               <p:cNvPr id="3" name="Content Placeholder 2"/>
@@ -19790,7 +19758,7 @@
                       <m:sSup>
                         <m:sSupPr>
                           <m:ctrlPr>
-                            <a:rPr lang="ar-AE" smtClean="0">
+                            <a:rPr lang="ar-AE" i="1" smtClean="0">
                               <a:latin typeface="Cambria Math" panose="02040503050406030204" pitchFamily="18" charset="0"/>
                             </a:rPr>
                           </m:ctrlPr>
@@ -20106,7 +20074,7 @@
             </p:txBody>
           </p:sp>
         </mc:Choice>
-        <mc:Fallback>
+        <mc:Fallback xmlns="">
           <p:sp>
             <p:nvSpPr>
               <p:cNvPr id="3" name="Content Placeholder 2"/>
@@ -21300,8 +21268,8 @@
           <a:chExt cx="0" cy="0"/>
         </a:xfrm>
       </p:grpSpPr>
-      <mc:AlternateContent xmlns:mc="http://schemas.openxmlformats.org/markup-compatibility/2006">
-        <mc:Choice xmlns:a14="http://schemas.microsoft.com/office/drawing/2010/main" Requires="a14">
+      <mc:AlternateContent xmlns:mc="http://schemas.openxmlformats.org/markup-compatibility/2006" xmlns:a14="http://schemas.microsoft.com/office/drawing/2010/main">
+        <mc:Choice Requires="a14">
           <p:sp>
             <p:nvSpPr>
               <p:cNvPr id="3" name="Content Placeholder 2"/>
@@ -21653,7 +21621,7 @@
             </p:txBody>
           </p:sp>
         </mc:Choice>
-        <mc:Fallback>
+        <mc:Fallback xmlns="">
           <p:sp>
             <p:nvSpPr>
               <p:cNvPr id="3" name="Content Placeholder 2"/>
@@ -23027,8 +22995,8 @@
           <a:chExt cx="0" cy="0"/>
         </a:xfrm>
       </p:grpSpPr>
-      <mc:AlternateContent xmlns:mc="http://schemas.openxmlformats.org/markup-compatibility/2006">
-        <mc:Choice xmlns:a14="http://schemas.microsoft.com/office/drawing/2010/main" Requires="a14">
+      <mc:AlternateContent xmlns:mc="http://schemas.openxmlformats.org/markup-compatibility/2006" xmlns:a14="http://schemas.microsoft.com/office/drawing/2010/main">
+        <mc:Choice Requires="a14">
           <p:sp>
             <p:nvSpPr>
               <p:cNvPr id="3" name="Content Placeholder 2"/>
@@ -23449,7 +23417,7 @@
             </p:txBody>
           </p:sp>
         </mc:Choice>
-        <mc:Fallback>
+        <mc:Fallback xmlns="">
           <p:sp>
             <p:nvSpPr>
               <p:cNvPr id="3" name="Content Placeholder 2"/>
@@ -24427,8 +24395,8 @@
           <a:chExt cx="0" cy="0"/>
         </a:xfrm>
       </p:grpSpPr>
-      <mc:AlternateContent xmlns:mc="http://schemas.openxmlformats.org/markup-compatibility/2006">
-        <mc:Choice xmlns:a14="http://schemas.microsoft.com/office/drawing/2010/main" Requires="a14">
+      <mc:AlternateContent xmlns:mc="http://schemas.openxmlformats.org/markup-compatibility/2006" xmlns:a14="http://schemas.microsoft.com/office/drawing/2010/main">
+        <mc:Choice Requires="a14">
           <p:sp>
             <p:nvSpPr>
               <p:cNvPr id="3" name="Content Placeholder 2"/>
@@ -25219,7 +25187,7 @@
             </p:txBody>
           </p:sp>
         </mc:Choice>
-        <mc:Fallback>
+        <mc:Fallback xmlns="">
           <p:sp>
             <p:nvSpPr>
               <p:cNvPr id="3" name="Content Placeholder 2"/>
@@ -25321,8 +25289,8 @@
           <a:chExt cx="0" cy="0"/>
         </a:xfrm>
       </p:grpSpPr>
-      <mc:AlternateContent xmlns:mc="http://schemas.openxmlformats.org/markup-compatibility/2006">
-        <mc:Choice xmlns:a14="http://schemas.microsoft.com/office/drawing/2010/main" Requires="a14">
+      <mc:AlternateContent xmlns:mc="http://schemas.openxmlformats.org/markup-compatibility/2006" xmlns:a14="http://schemas.microsoft.com/office/drawing/2010/main">
+        <mc:Choice Requires="a14">
           <p:sp>
             <p:nvSpPr>
               <p:cNvPr id="3" name="Content Placeholder 2"/>
@@ -26038,7 +26006,7 @@
             </p:txBody>
           </p:sp>
         </mc:Choice>
-        <mc:Fallback>
+        <mc:Fallback xmlns="">
           <p:sp>
             <p:nvSpPr>
               <p:cNvPr id="3" name="Content Placeholder 2"/>
@@ -26283,8 +26251,8 @@
           <a:chExt cx="0" cy="0"/>
         </a:xfrm>
       </p:grpSpPr>
-      <mc:AlternateContent xmlns:mc="http://schemas.openxmlformats.org/markup-compatibility/2006">
-        <mc:Choice xmlns:a14="http://schemas.microsoft.com/office/drawing/2010/main" Requires="a14">
+      <mc:AlternateContent xmlns:mc="http://schemas.openxmlformats.org/markup-compatibility/2006" xmlns:a14="http://schemas.microsoft.com/office/drawing/2010/main">
+        <mc:Choice Requires="a14">
           <p:sp>
             <p:nvSpPr>
               <p:cNvPr id="3" name="Content Placeholder 2"/>
@@ -26713,7 +26681,7 @@
             </p:txBody>
           </p:sp>
         </mc:Choice>
-        <mc:Fallback>
+        <mc:Fallback xmlns="">
           <p:sp>
             <p:nvSpPr>
               <p:cNvPr id="3" name="Content Placeholder 2"/>

--- a/LectureSlides/05_ParameterEstimationAndLikelihood.pptx
+++ b/LectureSlides/05_ParameterEstimationAndLikelihood.pptx
@@ -5,60 +5,58 @@
     <p:sldMasterId id="2147483648" r:id="rId1"/>
   </p:sldMasterIdLst>
   <p:notesMasterIdLst>
-    <p:notesMasterId r:id="rId53"/>
+    <p:notesMasterId r:id="rId51"/>
   </p:notesMasterIdLst>
   <p:sldIdLst>
-    <p:sldId id="256" r:id="rId2"/>
-    <p:sldId id="257" r:id="rId3"/>
-    <p:sldId id="258" r:id="rId4"/>
-    <p:sldId id="259" r:id="rId5"/>
-    <p:sldId id="260" r:id="rId6"/>
-    <p:sldId id="261" r:id="rId7"/>
-    <p:sldId id="262" r:id="rId8"/>
-    <p:sldId id="263" r:id="rId9"/>
-    <p:sldId id="265" r:id="rId10"/>
-    <p:sldId id="266" r:id="rId11"/>
-    <p:sldId id="267" r:id="rId12"/>
-    <p:sldId id="308" r:id="rId13"/>
-    <p:sldId id="268" r:id="rId14"/>
-    <p:sldId id="269" r:id="rId15"/>
-    <p:sldId id="270" r:id="rId16"/>
-    <p:sldId id="271" r:id="rId17"/>
-    <p:sldId id="272" r:id="rId18"/>
-    <p:sldId id="273" r:id="rId19"/>
-    <p:sldId id="274" r:id="rId20"/>
-    <p:sldId id="275" r:id="rId21"/>
-    <p:sldId id="276" r:id="rId22"/>
-    <p:sldId id="277" r:id="rId23"/>
-    <p:sldId id="278" r:id="rId24"/>
-    <p:sldId id="279" r:id="rId25"/>
-    <p:sldId id="280" r:id="rId26"/>
-    <p:sldId id="281" r:id="rId27"/>
-    <p:sldId id="282" r:id="rId28"/>
-    <p:sldId id="283" r:id="rId29"/>
-    <p:sldId id="284" r:id="rId30"/>
-    <p:sldId id="285" r:id="rId31"/>
-    <p:sldId id="286" r:id="rId32"/>
-    <p:sldId id="287" r:id="rId33"/>
-    <p:sldId id="288" r:id="rId34"/>
-    <p:sldId id="289" r:id="rId35"/>
-    <p:sldId id="307" r:id="rId36"/>
-    <p:sldId id="291" r:id="rId37"/>
-    <p:sldId id="292" r:id="rId38"/>
-    <p:sldId id="293" r:id="rId39"/>
-    <p:sldId id="294" r:id="rId40"/>
-    <p:sldId id="295" r:id="rId41"/>
-    <p:sldId id="296" r:id="rId42"/>
-    <p:sldId id="297" r:id="rId43"/>
-    <p:sldId id="298" r:id="rId44"/>
-    <p:sldId id="299" r:id="rId45"/>
-    <p:sldId id="300" r:id="rId46"/>
-    <p:sldId id="301" r:id="rId47"/>
-    <p:sldId id="302" r:id="rId48"/>
-    <p:sldId id="303" r:id="rId49"/>
-    <p:sldId id="304" r:id="rId50"/>
-    <p:sldId id="305" r:id="rId51"/>
-    <p:sldId id="306" r:id="rId52"/>
+    <p:sldId id="338" r:id="rId2"/>
+    <p:sldId id="260" r:id="rId3"/>
+    <p:sldId id="261" r:id="rId4"/>
+    <p:sldId id="262" r:id="rId5"/>
+    <p:sldId id="263" r:id="rId6"/>
+    <p:sldId id="265" r:id="rId7"/>
+    <p:sldId id="266" r:id="rId8"/>
+    <p:sldId id="339" r:id="rId9"/>
+    <p:sldId id="267" r:id="rId10"/>
+    <p:sldId id="308" r:id="rId11"/>
+    <p:sldId id="268" r:id="rId12"/>
+    <p:sldId id="269" r:id="rId13"/>
+    <p:sldId id="270" r:id="rId14"/>
+    <p:sldId id="271" r:id="rId15"/>
+    <p:sldId id="272" r:id="rId16"/>
+    <p:sldId id="273" r:id="rId17"/>
+    <p:sldId id="274" r:id="rId18"/>
+    <p:sldId id="275" r:id="rId19"/>
+    <p:sldId id="276" r:id="rId20"/>
+    <p:sldId id="277" r:id="rId21"/>
+    <p:sldId id="278" r:id="rId22"/>
+    <p:sldId id="279" r:id="rId23"/>
+    <p:sldId id="280" r:id="rId24"/>
+    <p:sldId id="281" r:id="rId25"/>
+    <p:sldId id="282" r:id="rId26"/>
+    <p:sldId id="283" r:id="rId27"/>
+    <p:sldId id="284" r:id="rId28"/>
+    <p:sldId id="285" r:id="rId29"/>
+    <p:sldId id="286" r:id="rId30"/>
+    <p:sldId id="287" r:id="rId31"/>
+    <p:sldId id="288" r:id="rId32"/>
+    <p:sldId id="289" r:id="rId33"/>
+    <p:sldId id="307" r:id="rId34"/>
+    <p:sldId id="291" r:id="rId35"/>
+    <p:sldId id="292" r:id="rId36"/>
+    <p:sldId id="293" r:id="rId37"/>
+    <p:sldId id="294" r:id="rId38"/>
+    <p:sldId id="295" r:id="rId39"/>
+    <p:sldId id="296" r:id="rId40"/>
+    <p:sldId id="297" r:id="rId41"/>
+    <p:sldId id="298" r:id="rId42"/>
+    <p:sldId id="299" r:id="rId43"/>
+    <p:sldId id="300" r:id="rId44"/>
+    <p:sldId id="301" r:id="rId45"/>
+    <p:sldId id="302" r:id="rId46"/>
+    <p:sldId id="303" r:id="rId47"/>
+    <p:sldId id="304" r:id="rId48"/>
+    <p:sldId id="305" r:id="rId49"/>
+    <p:sldId id="306" r:id="rId50"/>
   </p:sldIdLst>
   <p:sldSz cx="9144000" cy="5143500" type="screen16x9"/>
   <p:notesSz cx="6858000" cy="9144000"/>
@@ -258,7 +256,7 @@
           <a:p>
             <a:fld id="{FBE8413C-360A-45C8-86BB-6B0679E98A53}" type="datetimeFigureOut">
               <a:rPr lang="en-US" smtClean="0"/>
-              <a:t>10/2/2024</a:t>
+              <a:t>10/10/2024</a:t>
             </a:fld>
             <a:endParaRPr lang="en-US"/>
           </a:p>
@@ -590,7 +588,7 @@
           <a:p>
             <a:fld id="{5EF17695-CDEB-44D7-A6F4-E768CC599972}" type="slidenum">
               <a:rPr lang="en-US" smtClean="0"/>
-              <a:t>27</a:t>
+              <a:t>25</a:t>
             </a:fld>
             <a:endParaRPr lang="en-US"/>
           </a:p>
@@ -788,7 +786,7 @@
           <a:p>
             <a:fld id="{241EB5C9-1307-BA42-ABA2-0BC069CD8E7F}" type="datetimeFigureOut">
               <a:rPr lang="en-US" smtClean="0"/>
-              <a:t>10/2/2024</a:t>
+              <a:t>10/10/2024</a:t>
             </a:fld>
             <a:endParaRPr lang="en-US"/>
           </a:p>
@@ -956,7 +954,7 @@
           <a:p>
             <a:fld id="{241EB5C9-1307-BA42-ABA2-0BC069CD8E7F}" type="datetimeFigureOut">
               <a:rPr lang="en-US" smtClean="0"/>
-              <a:t>10/2/2024</a:t>
+              <a:t>10/10/2024</a:t>
             </a:fld>
             <a:endParaRPr lang="en-US"/>
           </a:p>
@@ -1134,7 +1132,7 @@
           <a:p>
             <a:fld id="{241EB5C9-1307-BA42-ABA2-0BC069CD8E7F}" type="datetimeFigureOut">
               <a:rPr lang="en-US" smtClean="0"/>
-              <a:t>10/2/2024</a:t>
+              <a:t>10/10/2024</a:t>
             </a:fld>
             <a:endParaRPr lang="en-US"/>
           </a:p>
@@ -1302,7 +1300,7 @@
           <a:p>
             <a:fld id="{241EB5C9-1307-BA42-ABA2-0BC069CD8E7F}" type="datetimeFigureOut">
               <a:rPr lang="en-US" smtClean="0"/>
-              <a:t>10/2/2024</a:t>
+              <a:t>10/10/2024</a:t>
             </a:fld>
             <a:endParaRPr lang="en-US"/>
           </a:p>
@@ -1547,7 +1545,7 @@
           <a:p>
             <a:fld id="{241EB5C9-1307-BA42-ABA2-0BC069CD8E7F}" type="datetimeFigureOut">
               <a:rPr lang="en-US" smtClean="0"/>
-              <a:t>10/2/2024</a:t>
+              <a:t>10/10/2024</a:t>
             </a:fld>
             <a:endParaRPr lang="en-US"/>
           </a:p>
@@ -1832,7 +1830,7 @@
           <a:p>
             <a:fld id="{241EB5C9-1307-BA42-ABA2-0BC069CD8E7F}" type="datetimeFigureOut">
               <a:rPr lang="en-US" smtClean="0"/>
-              <a:t>10/2/2024</a:t>
+              <a:t>10/10/2024</a:t>
             </a:fld>
             <a:endParaRPr lang="en-US"/>
           </a:p>
@@ -2251,7 +2249,7 @@
           <a:p>
             <a:fld id="{241EB5C9-1307-BA42-ABA2-0BC069CD8E7F}" type="datetimeFigureOut">
               <a:rPr lang="en-US" smtClean="0"/>
-              <a:t>10/2/2024</a:t>
+              <a:t>10/10/2024</a:t>
             </a:fld>
             <a:endParaRPr lang="en-US"/>
           </a:p>
@@ -2368,7 +2366,7 @@
           <a:p>
             <a:fld id="{241EB5C9-1307-BA42-ABA2-0BC069CD8E7F}" type="datetimeFigureOut">
               <a:rPr lang="en-US" smtClean="0"/>
-              <a:t>10/2/2024</a:t>
+              <a:t>10/10/2024</a:t>
             </a:fld>
             <a:endParaRPr lang="en-US"/>
           </a:p>
@@ -2463,7 +2461,7 @@
           <a:p>
             <a:fld id="{241EB5C9-1307-BA42-ABA2-0BC069CD8E7F}" type="datetimeFigureOut">
               <a:rPr lang="en-US" smtClean="0"/>
-              <a:t>10/2/2024</a:t>
+              <a:t>10/10/2024</a:t>
             </a:fld>
             <a:endParaRPr lang="en-US"/>
           </a:p>
@@ -2738,7 +2736,7 @@
           <a:p>
             <a:fld id="{241EB5C9-1307-BA42-ABA2-0BC069CD8E7F}" type="datetimeFigureOut">
               <a:rPr lang="en-US" smtClean="0"/>
-              <a:t>10/2/2024</a:t>
+              <a:t>10/10/2024</a:t>
             </a:fld>
             <a:endParaRPr lang="en-US"/>
           </a:p>
@@ -2990,7 +2988,7 @@
           <a:p>
             <a:fld id="{241EB5C9-1307-BA42-ABA2-0BC069CD8E7F}" type="datetimeFigureOut">
               <a:rPr lang="en-US" smtClean="0"/>
-              <a:t>10/2/2024</a:t>
+              <a:t>10/10/2024</a:t>
             </a:fld>
             <a:endParaRPr lang="en-US"/>
           </a:p>
@@ -3201,7 +3199,7 @@
           <a:p>
             <a:fld id="{241EB5C9-1307-BA42-ABA2-0BC069CD8E7F}" type="datetimeFigureOut">
               <a:rPr lang="en-US" smtClean="0"/>
-              <a:t>10/2/2024</a:t>
+              <a:t>10/10/2024</a:t>
             </a:fld>
             <a:endParaRPr lang="en-US"/>
           </a:p>
@@ -3588,8 +3586,8 @@
         </p:nvSpPr>
         <p:spPr>
           <a:xfrm>
-            <a:off x="685800" y="1597819"/>
-            <a:ext cx="7772400" cy="1102519"/>
+            <a:off x="685800" y="517003"/>
+            <a:ext cx="7772400" cy="1515861"/>
           </a:xfrm>
         </p:spPr>
         <p:txBody>
@@ -3600,8 +3598,10 @@
               <a:buNone/>
             </a:pPr>
             <a:r>
-              <a:t>Parameter Estimation and Likelihood</a:t>
+              <a:rPr lang="en-US" dirty="0"/>
+              <a:t>Introduction to Parametric Estimation and Likelihood</a:t>
             </a:r>
+            <a:endParaRPr b="1" dirty="0"/>
           </a:p>
         </p:txBody>
       </p:sp>
@@ -3617,20 +3617,27 @@
         </p:nvSpPr>
         <p:spPr>
           <a:xfrm>
-            <a:off x="1371600" y="2914650"/>
-            <a:ext cx="6400800" cy="1314450"/>
+            <a:off x="1371600" y="1878957"/>
+            <a:ext cx="6400800" cy="563301"/>
           </a:xfrm>
         </p:spPr>
         <p:txBody>
-          <a:bodyPr/>
+          <a:bodyPr>
+            <a:normAutofit fontScale="32500" lnSpcReduction="20000"/>
+          </a:bodyPr>
           <a:lstStyle/>
           <a:p>
             <a:pPr marL="0" lvl="0" indent="0">
               <a:buNone/>
             </a:pPr>
-            <a:br/>
-            <a:br/>
+            <a:br>
+              <a:rPr dirty="0"/>
+            </a:br>
+            <a:br>
+              <a:rPr dirty="0"/>
+            </a:br>
             <a:r>
+              <a:rPr sz="5900" b="1" dirty="0"/>
               <a:t>Steve Elston</a:t>
             </a:r>
           </a:p>
@@ -3655,7 +3662,94 @@
               <a:buNone/>
             </a:pPr>
             <a:r>
-              <a:t>10/02/2023”</a:t>
+              <a:t>09/04/2023</a:t>
+            </a:r>
+          </a:p>
+        </p:txBody>
+      </p:sp>
+      <p:pic>
+        <p:nvPicPr>
+          <p:cNvPr id="5" name="Picture 2" descr="Image result for harvard extension school logo">
+            <a:extLst>
+              <a:ext uri="{FF2B5EF4-FFF2-40B4-BE49-F238E27FC236}">
+                <a16:creationId xmlns:a16="http://schemas.microsoft.com/office/drawing/2014/main" id="{4589CD93-89FF-3DF6-420D-DE6D671B6DD7}"/>
+              </a:ext>
+            </a:extLst>
+          </p:cNvPr>
+          <p:cNvPicPr>
+            <a:picLocks noChangeAspect="1" noChangeArrowheads="1"/>
+          </p:cNvPicPr>
+          <p:nvPr/>
+        </p:nvPicPr>
+        <p:blipFill>
+          <a:blip r:embed="rId2">
+            <a:extLst>
+              <a:ext uri="{28A0092B-C50C-407E-A947-70E740481C1C}">
+                <a14:useLocalDpi xmlns:a14="http://schemas.microsoft.com/office/drawing/2010/main" val="0"/>
+              </a:ext>
+            </a:extLst>
+          </a:blip>
+          <a:srcRect/>
+          <a:stretch>
+            <a:fillRect/>
+          </a:stretch>
+        </p:blipFill>
+        <p:spPr bwMode="auto">
+          <a:xfrm>
+            <a:off x="3291067" y="3659436"/>
+            <a:ext cx="2345803" cy="965131"/>
+          </a:xfrm>
+          <a:prstGeom prst="rect">
+            <a:avLst/>
+          </a:prstGeom>
+          <a:noFill/>
+          <a:extLst>
+            <a:ext uri="{909E8E84-426E-40DD-AFC4-6F175D3DCCD1}">
+              <a14:hiddenFill xmlns:a14="http://schemas.microsoft.com/office/drawing/2010/main">
+                <a:solidFill>
+                  <a:srgbClr val="FFFFFF"/>
+                </a:solidFill>
+              </a14:hiddenFill>
+            </a:ext>
+          </a:extLst>
+        </p:spPr>
+      </p:pic>
+      <p:sp>
+        <p:nvSpPr>
+          <p:cNvPr id="6" name="TextBox 5">
+            <a:extLst>
+              <a:ext uri="{FF2B5EF4-FFF2-40B4-BE49-F238E27FC236}">
+                <a16:creationId xmlns:a16="http://schemas.microsoft.com/office/drawing/2014/main" id="{E74191BF-5D24-EFDF-F46A-91EA7CBF856B}"/>
+              </a:ext>
+            </a:extLst>
+          </p:cNvPr>
+          <p:cNvSpPr txBox="1"/>
+          <p:nvPr/>
+        </p:nvSpPr>
+        <p:spPr>
+          <a:xfrm>
+            <a:off x="1805276" y="4705706"/>
+            <a:ext cx="5744633" cy="369332"/>
+          </a:xfrm>
+          <a:prstGeom prst="rect">
+            <a:avLst/>
+          </a:prstGeom>
+          <a:noFill/>
+        </p:spPr>
+        <p:txBody>
+          <a:bodyPr wrap="square" rtlCol="0">
+            <a:spAutoFit/>
+          </a:bodyPr>
+          <a:lstStyle/>
+          <a:p>
+            <a:pPr algn="ctr"/>
+            <a:r>
+              <a:rPr lang="en-US" sz="1100" dirty="0"/>
+              <a:t>Copyright 2021, 2022, 2023 2024, Stephen F Elston. All rights reserved</a:t>
+            </a:r>
+            <a:r>
+              <a:rPr lang="en-US" dirty="0"/>
+              <a:t>.</a:t>
             </a:r>
           </a:p>
         </p:txBody>
@@ -3669,934 +3763,6 @@
 </file>
 
 <file path=ppt/slides/slide10.xml><?xml version="1.0" encoding="utf-8"?>
-<p:sld xmlns:a="http://schemas.openxmlformats.org/drawingml/2006/main" xmlns:r="http://schemas.openxmlformats.org/officeDocument/2006/relationships" xmlns:p="http://schemas.openxmlformats.org/presentationml/2006/main">
-  <p:cSld>
-    <p:spTree>
-      <p:nvGrpSpPr>
-        <p:cNvPr id="1" name=""/>
-        <p:cNvGrpSpPr/>
-        <p:nvPr/>
-      </p:nvGrpSpPr>
-      <p:grpSpPr>
-        <a:xfrm>
-          <a:off x="0" y="0"/>
-          <a:ext cx="0" cy="0"/>
-          <a:chOff x="0" y="0"/>
-          <a:chExt cx="0" cy="0"/>
-        </a:xfrm>
-      </p:grpSpPr>
-      <mc:AlternateContent xmlns:mc="http://schemas.openxmlformats.org/markup-compatibility/2006" xmlns:a14="http://schemas.microsoft.com/office/drawing/2010/main">
-        <mc:Choice Requires="a14">
-          <p:sp>
-            <p:nvSpPr>
-              <p:cNvPr id="3" name="Content Placeholder 2"/>
-              <p:cNvSpPr>
-                <a:spLocks noGrp="1"/>
-              </p:cNvSpPr>
-              <p:nvPr>
-                <p:ph idx="1"/>
-              </p:nvPr>
-            </p:nvSpPr>
-            <p:spPr>
-              <a:xfrm>
-                <a:off x="457201" y="1063230"/>
-                <a:ext cx="4392592" cy="3922082"/>
-              </a:xfrm>
-            </p:spPr>
-            <p:txBody>
-              <a:bodyPr>
-                <a:noAutofit/>
-              </a:bodyPr>
-              <a:lstStyle/>
-              <a:p>
-                <a:pPr marL="0" lvl="0" indent="0">
-                  <a:buNone/>
-                </a:pPr>
-                <a:r>
-                  <a:rPr sz="1700" dirty="0"/>
-                  <a:t>An example to illustrate the foregoing concepts</a:t>
-                </a:r>
-              </a:p>
-              <a:p>
-                <a:pPr lvl="0"/>
-                <a:r>
-                  <a:rPr sz="1700" dirty="0"/>
-                  <a:t>Plot the likelihood for 5, 10 and 20 samples from a standard Normal distribution</a:t>
-                </a:r>
-              </a:p>
-              <a:p>
-                <a:pPr lvl="0"/>
-                <a:r>
-                  <a:rPr sz="1700" dirty="0"/>
-                  <a:t>Vary the parameter </a:t>
-                </a:r>
-                <a14:m>
-                  <m:oMath xmlns:m="http://schemas.openxmlformats.org/officeDocument/2006/math">
-                    <m:r>
-                      <a:rPr sz="1700">
-                        <a:latin typeface="Cambria Math" panose="02040503050406030204" pitchFamily="18" charset="0"/>
-                      </a:rPr>
-                      <m:t>𝜇</m:t>
-                    </m:r>
-                  </m:oMath>
-                </a14:m>
-                <a:r>
-                  <a:rPr sz="1700" dirty="0"/>
-                  <a:t>, and assume the parameter </a:t>
-                </a:r>
-                <a14:m>
-                  <m:oMath xmlns:m="http://schemas.openxmlformats.org/officeDocument/2006/math">
-                    <m:r>
-                      <a:rPr sz="1700">
-                        <a:latin typeface="Cambria Math" panose="02040503050406030204" pitchFamily="18" charset="0"/>
-                      </a:rPr>
-                      <m:t>𝜎</m:t>
-                    </m:r>
-                  </m:oMath>
-                </a14:m>
-                <a:r>
-                  <a:rPr sz="1700" dirty="0"/>
-                  <a:t> is fixed and known. The steps are:</a:t>
-                </a:r>
-              </a:p>
-              <a:p>
-                <a:pPr lvl="1"/>
-                <a:r>
-                  <a:rPr sz="1700" dirty="0"/>
-                  <a:t>A random sample is drawn from a standard Normal distribution</a:t>
-                </a:r>
-              </a:p>
-              <a:p>
-                <a:pPr lvl="1"/>
-                <a:r>
-                  <a:rPr sz="1700" dirty="0"/>
-                  <a:t>For the random sample the log-likelihood is computed at each parameter value</a:t>
-                </a:r>
-              </a:p>
-              <a:p>
-                <a:pPr lvl="0"/>
-                <a:r>
-                  <a:rPr sz="1700" dirty="0"/>
-                  <a:t>Notice that as the number of observations increases so does the curvature of the likelihood.</a:t>
-                </a:r>
-              </a:p>
-            </p:txBody>
-          </p:sp>
-        </mc:Choice>
-        <mc:Fallback xmlns="">
-          <p:sp>
-            <p:nvSpPr>
-              <p:cNvPr id="3" name="Content Placeholder 2"/>
-              <p:cNvSpPr>
-                <a:spLocks noGrp="1" noRot="1" noChangeAspect="1" noMove="1" noResize="1" noEditPoints="1" noAdjustHandles="1" noChangeArrowheads="1" noChangeShapeType="1" noTextEdit="1"/>
-              </p:cNvSpPr>
-              <p:nvPr>
-                <p:ph idx="1"/>
-              </p:nvPr>
-            </p:nvSpPr>
-            <p:spPr>
-              <a:xfrm>
-                <a:off x="457201" y="1063230"/>
-                <a:ext cx="4392592" cy="3922082"/>
-              </a:xfrm>
-              <a:blipFill>
-                <a:blip r:embed="rId2"/>
-                <a:stretch>
-                  <a:fillRect l="-832" t="-466" b="-3416"/>
-                </a:stretch>
-              </a:blipFill>
-            </p:spPr>
-            <p:txBody>
-              <a:bodyPr/>
-              <a:lstStyle/>
-              <a:p>
-                <a:r>
-                  <a:rPr lang="en-US">
-                    <a:noFill/>
-                  </a:rPr>
-                  <a:t> </a:t>
-                </a:r>
-              </a:p>
-            </p:txBody>
-          </p:sp>
-        </mc:Fallback>
-      </mc:AlternateContent>
-      <p:pic>
-        <p:nvPicPr>
-          <p:cNvPr id="2" name="Picture 1" descr="../images/NormalLikelihood.JPG"/>
-          <p:cNvPicPr>
-            <a:picLocks noGrp="1" noChangeAspect="1"/>
-          </p:cNvPicPr>
-          <p:nvPr/>
-        </p:nvPicPr>
-        <p:blipFill>
-          <a:blip r:embed="rId3"/>
-          <a:stretch>
-            <a:fillRect/>
-          </a:stretch>
-        </p:blipFill>
-        <p:spPr bwMode="auto">
-          <a:xfrm>
-            <a:off x="4807070" y="1130299"/>
-            <a:ext cx="4253977" cy="3352961"/>
-          </a:xfrm>
-          <a:prstGeom prst="rect">
-            <a:avLst/>
-          </a:prstGeom>
-          <a:noFill/>
-          <a:ln w="9525">
-            <a:noFill/>
-            <a:headEnd/>
-            <a:tailEnd/>
-          </a:ln>
-        </p:spPr>
-      </p:pic>
-      <p:sp>
-        <p:nvSpPr>
-          <p:cNvPr id="4" name="TextBox 3"/>
-          <p:cNvSpPr txBox="1"/>
-          <p:nvPr/>
-        </p:nvSpPr>
-        <p:spPr>
-          <a:xfrm>
-            <a:off x="5501833" y="4477312"/>
-            <a:ext cx="3474333" cy="508000"/>
-          </a:xfrm>
-          <a:prstGeom prst="rect">
-            <a:avLst/>
-          </a:prstGeom>
-          <a:noFill/>
-        </p:spPr>
-        <p:txBody>
-          <a:bodyPr/>
-          <a:lstStyle/>
-          <a:p>
-            <a:pPr marL="0" lvl="0" indent="0" algn="ctr">
-              <a:buNone/>
-            </a:pPr>
-            <a:r>
-              <a:rPr dirty="0"/>
-              <a:t>Normal likelihood at different sample sizes</a:t>
-            </a:r>
-          </a:p>
-        </p:txBody>
-      </p:sp>
-      <p:sp>
-        <p:nvSpPr>
-          <p:cNvPr id="5" name="Title 1">
-            <a:extLst>
-              <a:ext uri="{FF2B5EF4-FFF2-40B4-BE49-F238E27FC236}">
-                <a16:creationId xmlns:a16="http://schemas.microsoft.com/office/drawing/2014/main" id="{581468C7-3F6C-A4C5-2556-2E92940D5182}"/>
-              </a:ext>
-            </a:extLst>
-          </p:cNvPr>
-          <p:cNvSpPr>
-            <a:spLocks noGrp="1"/>
-          </p:cNvSpPr>
-          <p:nvPr>
-            <p:ph type="title"/>
-          </p:nvPr>
-        </p:nvSpPr>
-        <p:spPr>
-          <a:xfrm>
-            <a:off x="457200" y="205979"/>
-            <a:ext cx="8229600" cy="857250"/>
-          </a:xfrm>
-        </p:spPr>
-        <p:txBody>
-          <a:bodyPr/>
-          <a:lstStyle/>
-          <a:p>
-            <a:pPr marL="0" lvl="0" indent="0">
-              <a:buNone/>
-            </a:pPr>
-            <a:r>
-              <a:rPr lang="en-US" b="1" dirty="0"/>
-              <a:t>Normal Likelihood</a:t>
-            </a:r>
-            <a:endParaRPr dirty="0"/>
-          </a:p>
-        </p:txBody>
-      </p:sp>
-    </p:spTree>
-  </p:cSld>
-  <p:clrMapOvr>
-    <a:masterClrMapping/>
-  </p:clrMapOvr>
-</p:sld>
-</file>
-
-<file path=ppt/slides/slide11.xml><?xml version="1.0" encoding="utf-8"?>
-<p:sld xmlns:a="http://schemas.openxmlformats.org/drawingml/2006/main" xmlns:r="http://schemas.openxmlformats.org/officeDocument/2006/relationships" xmlns:p="http://schemas.openxmlformats.org/presentationml/2006/main">
-  <p:cSld>
-    <p:spTree>
-      <p:nvGrpSpPr>
-        <p:cNvPr id="1" name=""/>
-        <p:cNvGrpSpPr/>
-        <p:nvPr/>
-      </p:nvGrpSpPr>
-      <p:grpSpPr>
-        <a:xfrm>
-          <a:off x="0" y="0"/>
-          <a:ext cx="0" cy="0"/>
-          <a:chOff x="0" y="0"/>
-          <a:chExt cx="0" cy="0"/>
-        </a:xfrm>
-      </p:grpSpPr>
-      <mc:AlternateContent xmlns:mc="http://schemas.openxmlformats.org/markup-compatibility/2006" xmlns:a14="http://schemas.microsoft.com/office/drawing/2010/main">
-        <mc:Choice Requires="a14">
-          <p:sp>
-            <p:nvSpPr>
-              <p:cNvPr id="3" name="Content Placeholder 2"/>
-              <p:cNvSpPr>
-                <a:spLocks noGrp="1"/>
-              </p:cNvSpPr>
-              <p:nvPr>
-                <p:ph idx="1"/>
-              </p:nvPr>
-            </p:nvSpPr>
-            <p:spPr>
-              <a:xfrm>
-                <a:off x="457200" y="1200151"/>
-                <a:ext cx="8229600" cy="3737370"/>
-              </a:xfrm>
-            </p:spPr>
-            <p:txBody>
-              <a:bodyPr>
-                <a:normAutofit fontScale="85000" lnSpcReduction="20000"/>
-              </a:bodyPr>
-              <a:lstStyle/>
-              <a:p>
-                <a:pPr marL="0" lvl="0" indent="0">
-                  <a:buNone/>
-                </a:pPr>
-                <a:r>
-                  <a:rPr dirty="0"/>
-                  <a:t>Example of log-likelihood for the Binomial distribution</a:t>
-                </a:r>
-              </a:p>
-              <a:p>
-                <a:pPr lvl="0"/>
-                <a:r>
-                  <a:rPr dirty="0"/>
-                  <a:t>Binomial distribution models </a:t>
-                </a:r>
-                <a:r>
-                  <a:rPr b="1" dirty="0"/>
-                  <a:t>discrete events</a:t>
-                </a:r>
-              </a:p>
-              <a:p>
-                <a:pPr lvl="0"/>
-                <a:r>
-                  <a:rPr dirty="0"/>
-                  <a:t>Range of the single parameter, </a:t>
-                </a:r>
-                <a14:m>
-                  <m:oMath xmlns:m="http://schemas.openxmlformats.org/officeDocument/2006/math">
-                    <m:r>
-                      <a:rPr>
-                        <a:latin typeface="Cambria Math" panose="02040503050406030204" pitchFamily="18" charset="0"/>
-                      </a:rPr>
-                      <m:t>𝜋</m:t>
-                    </m:r>
-                  </m:oMath>
-                </a14:m>
-                <a:r>
-                  <a:rPr dirty="0"/>
-                  <a:t>, restricted to the range </a:t>
-                </a:r>
-                <a14:m>
-                  <m:oMath xmlns:m="http://schemas.openxmlformats.org/officeDocument/2006/math">
-                    <m:r>
-                      <a:rPr>
-                        <a:latin typeface="Cambria Math" panose="02040503050406030204" pitchFamily="18" charset="0"/>
-                      </a:rPr>
-                      <m:t>0≤</m:t>
-                    </m:r>
-                    <m:r>
-                      <a:rPr>
-                        <a:latin typeface="Cambria Math" panose="02040503050406030204" pitchFamily="18" charset="0"/>
-                      </a:rPr>
-                      <m:t>𝜋</m:t>
-                    </m:r>
-                    <m:r>
-                      <a:rPr>
-                        <a:latin typeface="Cambria Math" panose="02040503050406030204" pitchFamily="18" charset="0"/>
-                      </a:rPr>
-                      <m:t>≤1</m:t>
-                    </m:r>
-                  </m:oMath>
-                </a14:m>
-                <a:endParaRPr dirty="0"/>
-              </a:p>
-              <a:p>
-                <a:pPr lvl="0"/>
-                <a:r>
-                  <a:rPr dirty="0"/>
-                  <a:t>Binomial distribution has the following probability mass function (PMF) for </a:t>
-                </a:r>
-                <a14:m>
-                  <m:oMath xmlns:m="http://schemas.openxmlformats.org/officeDocument/2006/math">
-                    <m:r>
-                      <a:rPr>
-                        <a:latin typeface="Cambria Math" panose="02040503050406030204" pitchFamily="18" charset="0"/>
-                      </a:rPr>
-                      <m:t>𝑘</m:t>
-                    </m:r>
-                  </m:oMath>
-                </a14:m>
-                <a:r>
-                  <a:rPr dirty="0"/>
-                  <a:t> successes in </a:t>
-                </a:r>
-                <a14:m>
-                  <m:oMath xmlns:m="http://schemas.openxmlformats.org/officeDocument/2006/math">
-                    <m:r>
-                      <a:rPr>
-                        <a:latin typeface="Cambria Math" panose="02040503050406030204" pitchFamily="18" charset="0"/>
-                      </a:rPr>
-                      <m:t>𝑛</m:t>
-                    </m:r>
-                  </m:oMath>
-                </a14:m>
-                <a:r>
-                  <a:rPr dirty="0"/>
-                  <a:t> trials:</a:t>
-                </a:r>
-              </a:p>
-              <a:p>
-                <a:pPr marL="0" lvl="0" indent="0">
-                  <a:buNone/>
-                </a:pPr>
-                <a14:m>
-                  <m:oMathPara xmlns:m="http://schemas.openxmlformats.org/officeDocument/2006/math">
-                    <m:oMathParaPr>
-                      <m:jc m:val="center"/>
-                    </m:oMathParaPr>
-                    <m:oMath xmlns:m="http://schemas.openxmlformats.org/officeDocument/2006/math">
-                      <m:r>
-                        <a:rPr>
-                          <a:latin typeface="Cambria Math" panose="02040503050406030204" pitchFamily="18" charset="0"/>
-                        </a:rPr>
-                        <m:t>𝑓</m:t>
-                      </m:r>
-                      <m:d>
-                        <m:dPr>
-                          <m:ctrlPr>
-                            <a:rPr i="1">
-                              <a:latin typeface="Cambria Math" panose="02040503050406030204" pitchFamily="18" charset="0"/>
-                            </a:rPr>
-                          </m:ctrlPr>
-                        </m:dPr>
-                        <m:e>
-                          <m:r>
-                            <a:rPr>
-                              <a:latin typeface="Cambria Math" panose="02040503050406030204" pitchFamily="18" charset="0"/>
-                            </a:rPr>
-                            <m:t>𝑘</m:t>
-                          </m:r>
-                          <m:r>
-                            <a:rPr>
-                              <a:latin typeface="Cambria Math" panose="02040503050406030204" pitchFamily="18" charset="0"/>
-                            </a:rPr>
-                            <m:t>,</m:t>
-                          </m:r>
-                          <m:r>
-                            <a:rPr>
-                              <a:latin typeface="Cambria Math" panose="02040503050406030204" pitchFamily="18" charset="0"/>
-                            </a:rPr>
-                            <m:t>𝑛</m:t>
-                          </m:r>
-                          <m:r>
-                            <a:rPr>
-                              <a:latin typeface="Cambria Math" panose="02040503050406030204" pitchFamily="18" charset="0"/>
-                            </a:rPr>
-                            <m:t> | </m:t>
-                          </m:r>
-                          <m:r>
-                            <a:rPr>
-                              <a:latin typeface="Cambria Math" panose="02040503050406030204" pitchFamily="18" charset="0"/>
-                            </a:rPr>
-                            <m:t>𝜋</m:t>
-                          </m:r>
-                        </m:e>
-                      </m:d>
-                      <m:r>
-                        <a:rPr>
-                          <a:latin typeface="Cambria Math" panose="02040503050406030204" pitchFamily="18" charset="0"/>
-                        </a:rPr>
-                        <m:t>=</m:t>
-                      </m:r>
-                      <m:d>
-                        <m:dPr>
-                          <m:ctrlPr>
-                            <a:rPr i="1">
-                              <a:latin typeface="Cambria Math" panose="02040503050406030204" pitchFamily="18" charset="0"/>
-                            </a:rPr>
-                          </m:ctrlPr>
-                        </m:dPr>
-                        <m:e>
-                          <m:f>
-                            <m:fPr>
-                              <m:type m:val="noBar"/>
-                              <m:ctrlPr>
-                                <a:rPr i="1">
-                                  <a:latin typeface="Cambria Math" panose="02040503050406030204" pitchFamily="18" charset="0"/>
-                                </a:rPr>
-                              </m:ctrlPr>
-                            </m:fPr>
-                            <m:num>
-                              <m:r>
-                                <a:rPr>
-                                  <a:latin typeface="Cambria Math" panose="02040503050406030204" pitchFamily="18" charset="0"/>
-                                </a:rPr>
-                                <m:t>𝑛</m:t>
-                              </m:r>
-                            </m:num>
-                            <m:den>
-                              <m:r>
-                                <a:rPr>
-                                  <a:latin typeface="Cambria Math" panose="02040503050406030204" pitchFamily="18" charset="0"/>
-                                </a:rPr>
-                                <m:t>𝑦</m:t>
-                              </m:r>
-                            </m:den>
-                          </m:f>
-                        </m:e>
-                      </m:d>
-                      <m:sSup>
-                        <m:sSupPr>
-                          <m:ctrlPr>
-                            <a:rPr i="1">
-                              <a:latin typeface="Cambria Math" panose="02040503050406030204" pitchFamily="18" charset="0"/>
-                            </a:rPr>
-                          </m:ctrlPr>
-                        </m:sSupPr>
-                        <m:e>
-                          <m:r>
-                            <a:rPr>
-                              <a:latin typeface="Cambria Math" panose="02040503050406030204" pitchFamily="18" charset="0"/>
-                            </a:rPr>
-                            <m:t>𝜋</m:t>
-                          </m:r>
-                        </m:e>
-                        <m:sup>
-                          <m:r>
-                            <a:rPr>
-                              <a:latin typeface="Cambria Math" panose="02040503050406030204" pitchFamily="18" charset="0"/>
-                            </a:rPr>
-                            <m:t>𝑘</m:t>
-                          </m:r>
-                        </m:sup>
-                      </m:sSup>
-                      <m:sSup>
-                        <m:sSupPr>
-                          <m:ctrlPr>
-                            <a:rPr i="1">
-                              <a:latin typeface="Cambria Math" panose="02040503050406030204" pitchFamily="18" charset="0"/>
-                            </a:rPr>
-                          </m:ctrlPr>
-                        </m:sSupPr>
-                        <m:e>
-                          <m:d>
-                            <m:dPr>
-                              <m:ctrlPr>
-                                <a:rPr i="1">
-                                  <a:latin typeface="Cambria Math" panose="02040503050406030204" pitchFamily="18" charset="0"/>
-                                </a:rPr>
-                              </m:ctrlPr>
-                            </m:dPr>
-                            <m:e>
-                              <m:r>
-                                <a:rPr>
-                                  <a:latin typeface="Cambria Math" panose="02040503050406030204" pitchFamily="18" charset="0"/>
-                                </a:rPr>
-                                <m:t>1−</m:t>
-                              </m:r>
-                              <m:r>
-                                <a:rPr>
-                                  <a:latin typeface="Cambria Math" panose="02040503050406030204" pitchFamily="18" charset="0"/>
-                                </a:rPr>
-                                <m:t>𝜋</m:t>
-                              </m:r>
-                            </m:e>
-                          </m:d>
-                        </m:e>
-                        <m:sup>
-                          <m:r>
-                            <a:rPr>
-                              <a:latin typeface="Cambria Math" panose="02040503050406030204" pitchFamily="18" charset="0"/>
-                            </a:rPr>
-                            <m:t>𝑛</m:t>
-                          </m:r>
-                          <m:r>
-                            <a:rPr>
-                              <a:latin typeface="Cambria Math" panose="02040503050406030204" pitchFamily="18" charset="0"/>
-                            </a:rPr>
-                            <m:t>−</m:t>
-                          </m:r>
-                          <m:r>
-                            <a:rPr>
-                              <a:latin typeface="Cambria Math" panose="02040503050406030204" pitchFamily="18" charset="0"/>
-                            </a:rPr>
-                            <m:t>𝑘</m:t>
-                          </m:r>
-                        </m:sup>
-                      </m:sSup>
-                    </m:oMath>
-                  </m:oMathPara>
-                </a14:m>
-                <a:endParaRPr dirty="0"/>
-              </a:p>
-              <a:p>
-                <a:pPr lvl="0"/>
-                <a:r>
-                  <a:rPr dirty="0"/>
-                  <a:t>Log-likelihood is easily found:</a:t>
-                </a:r>
-              </a:p>
-              <a:p>
-                <a:pPr marL="0" lvl="0" indent="0">
-                  <a:buNone/>
-                </a:pPr>
-                <a14:m>
-                  <m:oMathPara xmlns:m="http://schemas.openxmlformats.org/officeDocument/2006/math">
-                    <m:oMathParaPr>
-                      <m:jc m:val="center"/>
-                    </m:oMathParaPr>
-                    <m:oMath xmlns:m="http://schemas.openxmlformats.org/officeDocument/2006/math">
-                      <m:r>
-                        <a:rPr>
-                          <a:latin typeface="Cambria Math" panose="02040503050406030204" pitchFamily="18" charset="0"/>
-                        </a:rPr>
-                        <m:t>𝑙</m:t>
-                      </m:r>
-                      <m:d>
-                        <m:dPr>
-                          <m:ctrlPr>
-                            <a:rPr i="1">
-                              <a:latin typeface="Cambria Math" panose="02040503050406030204" pitchFamily="18" charset="0"/>
-                            </a:rPr>
-                          </m:ctrlPr>
-                        </m:dPr>
-                        <m:e>
-                          <m:r>
-                            <a:rPr>
-                              <a:latin typeface="Cambria Math" panose="02040503050406030204" pitchFamily="18" charset="0"/>
-                            </a:rPr>
-                            <m:t>𝑘</m:t>
-                          </m:r>
-                          <m:r>
-                            <a:rPr>
-                              <a:latin typeface="Cambria Math" panose="02040503050406030204" pitchFamily="18" charset="0"/>
-                            </a:rPr>
-                            <m:t>,</m:t>
-                          </m:r>
-                          <m:r>
-                            <a:rPr>
-                              <a:latin typeface="Cambria Math" panose="02040503050406030204" pitchFamily="18" charset="0"/>
-                            </a:rPr>
-                            <m:t>𝑛</m:t>
-                          </m:r>
-                          <m:r>
-                            <a:rPr>
-                              <a:latin typeface="Cambria Math" panose="02040503050406030204" pitchFamily="18" charset="0"/>
-                            </a:rPr>
-                            <m:t> | </m:t>
-                          </m:r>
-                          <m:r>
-                            <a:rPr>
-                              <a:latin typeface="Cambria Math" panose="02040503050406030204" pitchFamily="18" charset="0"/>
-                            </a:rPr>
-                            <m:t>𝜋</m:t>
-                          </m:r>
-                        </m:e>
-                      </m:d>
-                      <m:r>
-                        <a:rPr>
-                          <a:latin typeface="Cambria Math" panose="02040503050406030204" pitchFamily="18" charset="0"/>
-                        </a:rPr>
-                        <m:t>=</m:t>
-                      </m:r>
-                      <m:r>
-                        <a:rPr>
-                          <a:latin typeface="Cambria Math" panose="02040503050406030204" pitchFamily="18" charset="0"/>
-                        </a:rPr>
-                        <m:t>𝑙𝑜𝑔</m:t>
-                      </m:r>
-                      <m:d>
-                        <m:dPr>
-                          <m:ctrlPr>
-                            <a:rPr i="1">
-                              <a:latin typeface="Cambria Math" panose="02040503050406030204" pitchFamily="18" charset="0"/>
-                            </a:rPr>
-                          </m:ctrlPr>
-                        </m:dPr>
-                        <m:e>
-                          <m:f>
-                            <m:fPr>
-                              <m:type m:val="noBar"/>
-                              <m:ctrlPr>
-                                <a:rPr i="1">
-                                  <a:latin typeface="Cambria Math" panose="02040503050406030204" pitchFamily="18" charset="0"/>
-                                </a:rPr>
-                              </m:ctrlPr>
-                            </m:fPr>
-                            <m:num>
-                              <m:r>
-                                <a:rPr>
-                                  <a:latin typeface="Cambria Math" panose="02040503050406030204" pitchFamily="18" charset="0"/>
-                                </a:rPr>
-                                <m:t>𝑛</m:t>
-                              </m:r>
-                            </m:num>
-                            <m:den>
-                              <m:r>
-                                <a:rPr>
-                                  <a:latin typeface="Cambria Math" panose="02040503050406030204" pitchFamily="18" charset="0"/>
-                                </a:rPr>
-                                <m:t>𝑘</m:t>
-                              </m:r>
-                            </m:den>
-                          </m:f>
-                        </m:e>
-                      </m:d>
-                      <m:r>
-                        <a:rPr>
-                          <a:latin typeface="Cambria Math" panose="02040503050406030204" pitchFamily="18" charset="0"/>
-                        </a:rPr>
-                        <m:t>+</m:t>
-                      </m:r>
-                      <m:r>
-                        <a:rPr>
-                          <a:latin typeface="Cambria Math" panose="02040503050406030204" pitchFamily="18" charset="0"/>
-                        </a:rPr>
-                        <m:t>𝑘</m:t>
-                      </m:r>
-                      <m:r>
-                        <a:rPr>
-                          <a:latin typeface="Cambria Math" panose="02040503050406030204" pitchFamily="18" charset="0"/>
-                        </a:rPr>
-                        <m:t> </m:t>
-                      </m:r>
-                      <m:r>
-                        <a:rPr>
-                          <a:latin typeface="Cambria Math" panose="02040503050406030204" pitchFamily="18" charset="0"/>
-                        </a:rPr>
-                        <m:t>𝑙𝑜𝑔</m:t>
-                      </m:r>
-                      <m:d>
-                        <m:dPr>
-                          <m:ctrlPr>
-                            <a:rPr i="1">
-                              <a:latin typeface="Cambria Math" panose="02040503050406030204" pitchFamily="18" charset="0"/>
-                            </a:rPr>
-                          </m:ctrlPr>
-                        </m:dPr>
-                        <m:e>
-                          <m:r>
-                            <a:rPr>
-                              <a:latin typeface="Cambria Math" panose="02040503050406030204" pitchFamily="18" charset="0"/>
-                            </a:rPr>
-                            <m:t>𝜋</m:t>
-                          </m:r>
-                        </m:e>
-                      </m:d>
-                      <m:r>
-                        <a:rPr>
-                          <a:latin typeface="Cambria Math" panose="02040503050406030204" pitchFamily="18" charset="0"/>
-                        </a:rPr>
-                        <m:t>+</m:t>
-                      </m:r>
-                      <m:d>
-                        <m:dPr>
-                          <m:ctrlPr>
-                            <a:rPr i="1">
-                              <a:latin typeface="Cambria Math" panose="02040503050406030204" pitchFamily="18" charset="0"/>
-                            </a:rPr>
-                          </m:ctrlPr>
-                        </m:dPr>
-                        <m:e>
-                          <m:r>
-                            <a:rPr>
-                              <a:latin typeface="Cambria Math" panose="02040503050406030204" pitchFamily="18" charset="0"/>
-                            </a:rPr>
-                            <m:t>𝑛</m:t>
-                          </m:r>
-                          <m:r>
-                            <a:rPr>
-                              <a:latin typeface="Cambria Math" panose="02040503050406030204" pitchFamily="18" charset="0"/>
-                            </a:rPr>
-                            <m:t>−</m:t>
-                          </m:r>
-                          <m:r>
-                            <a:rPr>
-                              <a:latin typeface="Cambria Math" panose="02040503050406030204" pitchFamily="18" charset="0"/>
-                            </a:rPr>
-                            <m:t>𝑘</m:t>
-                          </m:r>
-                        </m:e>
-                      </m:d>
-                      <m:r>
-                        <a:rPr>
-                          <a:latin typeface="Cambria Math" panose="02040503050406030204" pitchFamily="18" charset="0"/>
-                        </a:rPr>
-                        <m:t> </m:t>
-                      </m:r>
-                      <m:r>
-                        <a:rPr>
-                          <a:latin typeface="Cambria Math" panose="02040503050406030204" pitchFamily="18" charset="0"/>
-                        </a:rPr>
-                        <m:t>𝑙𝑜𝑔</m:t>
-                      </m:r>
-                      <m:d>
-                        <m:dPr>
-                          <m:ctrlPr>
-                            <a:rPr i="1">
-                              <a:latin typeface="Cambria Math" panose="02040503050406030204" pitchFamily="18" charset="0"/>
-                            </a:rPr>
-                          </m:ctrlPr>
-                        </m:dPr>
-                        <m:e>
-                          <m:r>
-                            <a:rPr>
-                              <a:latin typeface="Cambria Math" panose="02040503050406030204" pitchFamily="18" charset="0"/>
-                            </a:rPr>
-                            <m:t>1−</m:t>
-                          </m:r>
-                          <m:r>
-                            <a:rPr>
-                              <a:latin typeface="Cambria Math" panose="02040503050406030204" pitchFamily="18" charset="0"/>
-                            </a:rPr>
-                            <m:t>𝜋</m:t>
-                          </m:r>
-                        </m:e>
-                      </m:d>
-                    </m:oMath>
-                  </m:oMathPara>
-                </a14:m>
-                <a:endParaRPr dirty="0"/>
-              </a:p>
-              <a:p>
-                <a:pPr lvl="0"/>
-                <a:r>
-                  <a:rPr dirty="0"/>
-                  <a:t>Binomial log-likelihood has a strong dependence on both the sample size, </a:t>
-                </a:r>
-                <a14:m>
-                  <m:oMath xmlns:m="http://schemas.openxmlformats.org/officeDocument/2006/math">
-                    <m:r>
-                      <a:rPr>
-                        <a:latin typeface="Cambria Math" panose="02040503050406030204" pitchFamily="18" charset="0"/>
-                      </a:rPr>
-                      <m:t>𝑛</m:t>
-                    </m:r>
-                  </m:oMath>
-                </a14:m>
-                <a:r>
-                  <a:rPr dirty="0"/>
-                  <a:t> and the number of successes, </a:t>
-                </a:r>
-                <a14:m>
-                  <m:oMath xmlns:m="http://schemas.openxmlformats.org/officeDocument/2006/math">
-                    <m:r>
-                      <a:rPr>
-                        <a:latin typeface="Cambria Math" panose="02040503050406030204" pitchFamily="18" charset="0"/>
-                      </a:rPr>
-                      <m:t>𝑘</m:t>
-                    </m:r>
-                  </m:oMath>
-                </a14:m>
-                <a:endParaRPr dirty="0"/>
-              </a:p>
-            </p:txBody>
-          </p:sp>
-        </mc:Choice>
-        <mc:Fallback xmlns="">
-          <p:sp>
-            <p:nvSpPr>
-              <p:cNvPr id="3" name="Content Placeholder 2"/>
-              <p:cNvSpPr>
-                <a:spLocks noGrp="1" noRot="1" noChangeAspect="1" noMove="1" noResize="1" noEditPoints="1" noAdjustHandles="1" noChangeArrowheads="1" noChangeShapeType="1" noTextEdit="1"/>
-              </p:cNvSpPr>
-              <p:nvPr>
-                <p:ph idx="1"/>
-              </p:nvPr>
-            </p:nvSpPr>
-            <p:spPr>
-              <a:xfrm>
-                <a:off x="457200" y="1200151"/>
-                <a:ext cx="8229600" cy="3737370"/>
-              </a:xfrm>
-              <a:blipFill>
-                <a:blip r:embed="rId2"/>
-                <a:stretch>
-                  <a:fillRect l="-741" t="-2447" r="-1259"/>
-                </a:stretch>
-              </a:blipFill>
-            </p:spPr>
-            <p:txBody>
-              <a:bodyPr/>
-              <a:lstStyle/>
-              <a:p>
-                <a:r>
-                  <a:rPr lang="en-US">
-                    <a:noFill/>
-                  </a:rPr>
-                  <a:t> </a:t>
-                </a:r>
-              </a:p>
-            </p:txBody>
-          </p:sp>
-        </mc:Fallback>
-      </mc:AlternateContent>
-      <p:sp>
-        <p:nvSpPr>
-          <p:cNvPr id="2" name="Title 1">
-            <a:extLst>
-              <a:ext uri="{FF2B5EF4-FFF2-40B4-BE49-F238E27FC236}">
-                <a16:creationId xmlns:a16="http://schemas.microsoft.com/office/drawing/2014/main" id="{78F28DAE-3A00-FE6A-5496-D8DFB249D8A0}"/>
-              </a:ext>
-            </a:extLst>
-          </p:cNvPr>
-          <p:cNvSpPr>
-            <a:spLocks noGrp="1"/>
-          </p:cNvSpPr>
-          <p:nvPr>
-            <p:ph type="title"/>
-          </p:nvPr>
-        </p:nvSpPr>
-        <p:spPr>
-          <a:xfrm>
-            <a:off x="457200" y="205979"/>
-            <a:ext cx="8229600" cy="857250"/>
-          </a:xfrm>
-        </p:spPr>
-        <p:txBody>
-          <a:bodyPr/>
-          <a:lstStyle/>
-          <a:p>
-            <a:pPr marL="0" lvl="0" indent="0">
-              <a:buNone/>
-            </a:pPr>
-            <a:r>
-              <a:rPr lang="en-US" b="1" dirty="0"/>
-              <a:t>Binomial Likelihood</a:t>
-            </a:r>
-            <a:endParaRPr dirty="0"/>
-          </a:p>
-        </p:txBody>
-      </p:sp>
-    </p:spTree>
-  </p:cSld>
-  <p:clrMapOvr>
-    <a:masterClrMapping/>
-  </p:clrMapOvr>
-</p:sld>
-</file>
-
-<file path=ppt/slides/slide12.xml><?xml version="1.0" encoding="utf-8"?>
 <p:sld xmlns:a="http://schemas.openxmlformats.org/drawingml/2006/main" xmlns:r="http://schemas.openxmlformats.org/officeDocument/2006/relationships" xmlns:p="http://schemas.openxmlformats.org/presentationml/2006/main">
   <p:cSld>
     <p:spTree>
@@ -4936,7 +4102,7 @@
 </p:sld>
 </file>
 
-<file path=ppt/slides/slide13.xml><?xml version="1.0" encoding="utf-8"?>
+<file path=ppt/slides/slide11.xml><?xml version="1.0" encoding="utf-8"?>
 <p:sld xmlns:a="http://schemas.openxmlformats.org/drawingml/2006/main" xmlns:r="http://schemas.openxmlformats.org/officeDocument/2006/relationships" xmlns:p="http://schemas.openxmlformats.org/presentationml/2006/main">
   <p:cSld>
     <p:spTree>
@@ -5078,7 +4244,7 @@
 </p:sld>
 </file>
 
-<file path=ppt/slides/slide14.xml><?xml version="1.0" encoding="utf-8"?>
+<file path=ppt/slides/slide12.xml><?xml version="1.0" encoding="utf-8"?>
 <p:sld xmlns:a="http://schemas.openxmlformats.org/drawingml/2006/main" xmlns:r="http://schemas.openxmlformats.org/officeDocument/2006/relationships" xmlns:p="http://schemas.openxmlformats.org/presentationml/2006/main">
   <p:cSld>
     <p:spTree>
@@ -5095,8 +4261,8 @@
           <a:chExt cx="0" cy="0"/>
         </a:xfrm>
       </p:grpSpPr>
-      <mc:AlternateContent xmlns:mc="http://schemas.openxmlformats.org/markup-compatibility/2006" xmlns:a14="http://schemas.microsoft.com/office/drawing/2010/main">
-        <mc:Choice Requires="a14">
+      <mc:AlternateContent xmlns:mc="http://schemas.openxmlformats.org/markup-compatibility/2006">
+        <mc:Choice xmlns:a14="http://schemas.microsoft.com/office/drawing/2010/main" Requires="a14">
           <p:sp>
             <p:nvSpPr>
               <p:cNvPr id="3" name="Content Placeholder 2"/>
@@ -5394,7 +4560,7 @@
                 </a:r>
                 <a:r>
                   <a:rPr lang="en-US" sz="1600" b="1" dirty="0"/>
-                  <a:t>0 at either maximum or minimum points</a:t>
+                  <a:t>0 at either maximum or minimum point</a:t>
                 </a:r>
                 <a:r>
                   <a:rPr lang="en-US" sz="1600" dirty="0"/>
@@ -5407,10 +4573,6 @@
                     <a:spcPts val="0"/>
                   </a:spcBef>
                 </a:pPr>
-                <a:r>
-                  <a:rPr lang="en-US" sz="1600" dirty="0"/>
-                  <a:t>In general, </a:t>
-                </a:r>
                 <a14:m>
                   <m:oMath xmlns:m="http://schemas.openxmlformats.org/officeDocument/2006/math">
                     <m:acc>
@@ -5514,7 +4676,7 @@
             </p:txBody>
           </p:sp>
         </mc:Choice>
-        <mc:Fallback xmlns="">
+        <mc:Fallback>
           <p:sp>
             <p:nvSpPr>
               <p:cNvPr id="3" name="Content Placeholder 2"/>
@@ -5597,7 +4759,7 @@
 </p:sld>
 </file>
 
-<file path=ppt/slides/slide15.xml><?xml version="1.0" encoding="utf-8"?>
+<file path=ppt/slides/slide13.xml><?xml version="1.0" encoding="utf-8"?>
 <p:sld xmlns:a="http://schemas.openxmlformats.org/drawingml/2006/main" xmlns:r="http://schemas.openxmlformats.org/officeDocument/2006/relationships" xmlns:p="http://schemas.openxmlformats.org/presentationml/2006/main">
   <p:cSld>
     <p:spTree>
@@ -7177,7 +6339,7 @@
 </p:sld>
 </file>
 
-<file path=ppt/slides/slide16.xml><?xml version="1.0" encoding="utf-8"?>
+<file path=ppt/slides/slide14.xml><?xml version="1.0" encoding="utf-8"?>
 <p:sld xmlns:a="http://schemas.openxmlformats.org/drawingml/2006/main" xmlns:r="http://schemas.openxmlformats.org/officeDocument/2006/relationships" xmlns:p="http://schemas.openxmlformats.org/presentationml/2006/main">
   <p:cSld>
     <p:spTree>
@@ -7576,7 +6738,7 @@
 </p:sld>
 </file>
 
-<file path=ppt/slides/slide17.xml><?xml version="1.0" encoding="utf-8"?>
+<file path=ppt/slides/slide15.xml><?xml version="1.0" encoding="utf-8"?>
 <p:sld xmlns:a="http://schemas.openxmlformats.org/drawingml/2006/main" xmlns:r="http://schemas.openxmlformats.org/officeDocument/2006/relationships" xmlns:p="http://schemas.openxmlformats.org/presentationml/2006/main">
   <p:cSld>
     <p:spTree>
@@ -8435,7 +7597,7 @@
 </p:sld>
 </file>
 
-<file path=ppt/slides/slide18.xml><?xml version="1.0" encoding="utf-8"?>
+<file path=ppt/slides/slide16.xml><?xml version="1.0" encoding="utf-8"?>
 <p:sld xmlns:a="http://schemas.openxmlformats.org/drawingml/2006/main" xmlns:r="http://schemas.openxmlformats.org/officeDocument/2006/relationships" xmlns:p="http://schemas.openxmlformats.org/presentationml/2006/main">
   <p:cSld>
     <p:spTree>
@@ -9186,7 +8348,7 @@
 </p:sld>
 </file>
 
-<file path=ppt/slides/slide19.xml><?xml version="1.0" encoding="utf-8"?>
+<file path=ppt/slides/slide17.xml><?xml version="1.0" encoding="utf-8"?>
 <p:sld xmlns:a="http://schemas.openxmlformats.org/drawingml/2006/main" xmlns:r="http://schemas.openxmlformats.org/officeDocument/2006/relationships" xmlns:p="http://schemas.openxmlformats.org/presentationml/2006/main">
   <p:cSld>
     <p:spTree>
@@ -9547,140 +8709,7 @@
 </p:sld>
 </file>
 
-<file path=ppt/slides/slide2.xml><?xml version="1.0" encoding="utf-8"?>
-<p:sld xmlns:a="http://schemas.openxmlformats.org/drawingml/2006/main" xmlns:r="http://schemas.openxmlformats.org/officeDocument/2006/relationships" xmlns:p="http://schemas.openxmlformats.org/presentationml/2006/main">
-  <p:cSld>
-    <p:spTree>
-      <p:nvGrpSpPr>
-        <p:cNvPr id="1" name=""/>
-        <p:cNvGrpSpPr/>
-        <p:nvPr/>
-      </p:nvGrpSpPr>
-      <p:grpSpPr>
-        <a:xfrm>
-          <a:off x="0" y="0"/>
-          <a:ext cx="0" cy="0"/>
-          <a:chOff x="0" y="0"/>
-          <a:chExt cx="0" cy="0"/>
-        </a:xfrm>
-      </p:grpSpPr>
-      <p:sp>
-        <p:nvSpPr>
-          <p:cNvPr id="3" name="Content Placeholder 2"/>
-          <p:cNvSpPr>
-            <a:spLocks noGrp="1"/>
-          </p:cNvSpPr>
-          <p:nvPr>
-            <p:ph idx="1"/>
-          </p:nvPr>
-        </p:nvSpPr>
-        <p:spPr>
-          <a:xfrm>
-            <a:off x="353028" y="293467"/>
-            <a:ext cx="8229600" cy="4706795"/>
-          </a:xfrm>
-        </p:spPr>
-        <p:txBody>
-          <a:bodyPr>
-            <a:normAutofit fontScale="85000" lnSpcReduction="10000"/>
-          </a:bodyPr>
-          <a:lstStyle/>
-          <a:p>
-            <a:pPr marL="0" lvl="0" indent="0">
-              <a:spcBef>
-                <a:spcPts val="3000"/>
-              </a:spcBef>
-              <a:buNone/>
-            </a:pPr>
-            <a:r>
-              <a:rPr b="1" dirty="0"/>
-              <a:t>Review</a:t>
-            </a:r>
-          </a:p>
-          <a:p>
-            <a:pPr marL="0" lvl="0" indent="0">
-              <a:buNone/>
-            </a:pPr>
-            <a:r>
-              <a:rPr dirty="0"/>
-              <a:t>Sampling is a fundamental process in the collection and analysis of data</a:t>
-            </a:r>
-          </a:p>
-          <a:p>
-            <a:pPr lvl="0"/>
-            <a:r>
-              <a:rPr dirty="0"/>
-              <a:t>Sampling is important because we almost never have data on a whole population</a:t>
-            </a:r>
-          </a:p>
-          <a:p>
-            <a:pPr lvl="0"/>
-            <a:r>
-              <a:rPr dirty="0"/>
-              <a:t>Sampling must be randomized to preclude biases</a:t>
-            </a:r>
-          </a:p>
-          <a:p>
-            <a:pPr lvl="0"/>
-            <a:r>
-              <a:rPr dirty="0"/>
-              <a:t>As sample size increases the standard error of a statistic computed from the sample decreases by the law of large numbers</a:t>
-            </a:r>
-          </a:p>
-          <a:p>
-            <a:pPr lvl="0"/>
-            <a:r>
-              <a:rPr dirty="0"/>
-              <a:t>Key points to keep in mind:</a:t>
-            </a:r>
-          </a:p>
-          <a:p>
-            <a:pPr lvl="1"/>
-            <a:r>
-              <a:rPr dirty="0"/>
-              <a:t>Understanding sampling is essential to ensure data is representative of the entire population</a:t>
-            </a:r>
-            <a:br>
-              <a:rPr dirty="0"/>
-            </a:br>
-            <a:endParaRPr dirty="0"/>
-          </a:p>
-          <a:p>
-            <a:pPr lvl="1"/>
-            <a:r>
-              <a:rPr dirty="0"/>
-              <a:t>Use inferences on the sample to say something about the population</a:t>
-            </a:r>
-            <a:br>
-              <a:rPr dirty="0"/>
-            </a:br>
-            <a:endParaRPr dirty="0"/>
-          </a:p>
-          <a:p>
-            <a:pPr lvl="1"/>
-            <a:r>
-              <a:rPr dirty="0"/>
-              <a:t>The sample must be randomly drawn from the population</a:t>
-            </a:r>
-          </a:p>
-          <a:p>
-            <a:pPr lvl="0"/>
-            <a:r>
-              <a:rPr dirty="0"/>
-              <a:t>Sampling from distribution is the building block of simulation</a:t>
-            </a:r>
-          </a:p>
-        </p:txBody>
-      </p:sp>
-    </p:spTree>
-  </p:cSld>
-  <p:clrMapOvr>
-    <a:masterClrMapping/>
-  </p:clrMapOvr>
-</p:sld>
-</file>
-
-<file path=ppt/slides/slide20.xml><?xml version="1.0" encoding="utf-8"?>
+<file path=ppt/slides/slide18.xml><?xml version="1.0" encoding="utf-8"?>
 <p:sld xmlns:a="http://schemas.openxmlformats.org/drawingml/2006/main" xmlns:r="http://schemas.openxmlformats.org/officeDocument/2006/relationships" xmlns:p="http://schemas.openxmlformats.org/presentationml/2006/main">
   <p:cSld>
     <p:spTree>
@@ -10772,7 +9801,7 @@
 </p:sld>
 </file>
 
-<file path=ppt/slides/slide21.xml><?xml version="1.0" encoding="utf-8"?>
+<file path=ppt/slides/slide19.xml><?xml version="1.0" encoding="utf-8"?>
 <p:sld xmlns:a="http://schemas.openxmlformats.org/drawingml/2006/main" xmlns:r="http://schemas.openxmlformats.org/officeDocument/2006/relationships" xmlns:p="http://schemas.openxmlformats.org/presentationml/2006/main">
   <p:cSld>
     <p:spTree>
@@ -12310,7 +11339,154 @@
 </p:sld>
 </file>
 
-<file path=ppt/slides/slide22.xml><?xml version="1.0" encoding="utf-8"?>
+<file path=ppt/slides/slide2.xml><?xml version="1.0" encoding="utf-8"?>
+<p:sld xmlns:a="http://schemas.openxmlformats.org/drawingml/2006/main" xmlns:r="http://schemas.openxmlformats.org/officeDocument/2006/relationships" xmlns:p="http://schemas.openxmlformats.org/presentationml/2006/main">
+  <p:cSld>
+    <p:spTree>
+      <p:nvGrpSpPr>
+        <p:cNvPr id="1" name=""/>
+        <p:cNvGrpSpPr/>
+        <p:nvPr/>
+      </p:nvGrpSpPr>
+      <p:grpSpPr>
+        <a:xfrm>
+          <a:off x="0" y="0"/>
+          <a:ext cx="0" cy="0"/>
+          <a:chOff x="0" y="0"/>
+          <a:chExt cx="0" cy="0"/>
+        </a:xfrm>
+      </p:grpSpPr>
+      <p:sp>
+        <p:nvSpPr>
+          <p:cNvPr id="3" name="Content Placeholder 2"/>
+          <p:cNvSpPr>
+            <a:spLocks noGrp="1"/>
+          </p:cNvSpPr>
+          <p:nvPr>
+            <p:ph idx="1"/>
+          </p:nvPr>
+        </p:nvSpPr>
+        <p:spPr>
+          <a:xfrm>
+            <a:off x="457200" y="933691"/>
+            <a:ext cx="8229600" cy="3660932"/>
+          </a:xfrm>
+        </p:spPr>
+        <p:txBody>
+          <a:bodyPr>
+            <a:normAutofit fontScale="92500" lnSpcReduction="20000"/>
+          </a:bodyPr>
+          <a:lstStyle/>
+          <a:p>
+            <a:pPr marL="0" lvl="0" indent="0">
+              <a:buNone/>
+            </a:pPr>
+            <a:r>
+              <a:rPr dirty="0"/>
+              <a:t>The concept of </a:t>
+            </a:r>
+            <a:r>
+              <a:rPr b="1" dirty="0"/>
+              <a:t>likelihood</a:t>
+            </a:r>
+            <a:r>
+              <a:rPr dirty="0"/>
+              <a:t> and </a:t>
+            </a:r>
+            <a:r>
+              <a:rPr b="1" dirty="0"/>
+              <a:t>maximum likelihood estimation (MLE)</a:t>
+            </a:r>
+            <a:r>
+              <a:rPr dirty="0"/>
+              <a:t> have been at the core of much of statistical modeling for about 100 years</a:t>
+            </a:r>
+          </a:p>
+          <a:p>
+            <a:pPr lvl="0"/>
+            <a:r>
+              <a:rPr dirty="0"/>
+              <a:t>In 21st Century, likelihood and MLE continue to be foundational</a:t>
+            </a:r>
+          </a:p>
+          <a:p>
+            <a:pPr lvl="0"/>
+            <a:r>
+              <a:rPr dirty="0"/>
+              <a:t>Understanding the concept of likelihood and the use of MLE methods is key to understanding many parametric methods</a:t>
+            </a:r>
+          </a:p>
+          <a:p>
+            <a:pPr lvl="0"/>
+            <a:r>
+              <a:rPr dirty="0"/>
+              <a:t>Likelihood is a measure of how likely a parametric model is to generate the observed data</a:t>
+            </a:r>
+          </a:p>
+          <a:p>
+            <a:pPr lvl="0"/>
+            <a:r>
+              <a:rPr dirty="0"/>
+              <a:t>MLE is a generic method for parameter estimation</a:t>
+            </a:r>
+          </a:p>
+          <a:p>
+            <a:pPr lvl="0"/>
+            <a:r>
+              <a:rPr dirty="0"/>
+              <a:t>MLE used widely for machine learning models, including some deep learning models</a:t>
+            </a:r>
+          </a:p>
+        </p:txBody>
+      </p:sp>
+      <p:sp>
+        <p:nvSpPr>
+          <p:cNvPr id="2" name="Title 1">
+            <a:extLst>
+              <a:ext uri="{FF2B5EF4-FFF2-40B4-BE49-F238E27FC236}">
+                <a16:creationId xmlns:a16="http://schemas.microsoft.com/office/drawing/2014/main" id="{1FEDBAC9-EFB0-6D32-EB91-84EC8AA64886}"/>
+              </a:ext>
+            </a:extLst>
+          </p:cNvPr>
+          <p:cNvSpPr>
+            <a:spLocks noGrp="1"/>
+          </p:cNvSpPr>
+          <p:nvPr>
+            <p:ph type="title"/>
+          </p:nvPr>
+        </p:nvSpPr>
+        <p:spPr>
+          <a:xfrm>
+            <a:off x="457200" y="205979"/>
+            <a:ext cx="8229600" cy="857250"/>
+          </a:xfrm>
+        </p:spPr>
+        <p:txBody>
+          <a:bodyPr/>
+          <a:lstStyle/>
+          <a:p>
+            <a:pPr marL="0" lvl="0" indent="0">
+              <a:spcBef>
+                <a:spcPts val="3000"/>
+              </a:spcBef>
+              <a:buNone/>
+            </a:pPr>
+            <a:r>
+              <a:rPr lang="en-US" b="1" dirty="0"/>
+              <a:t>Introduction</a:t>
+            </a:r>
+          </a:p>
+        </p:txBody>
+      </p:sp>
+    </p:spTree>
+  </p:cSld>
+  <p:clrMapOvr>
+    <a:masterClrMapping/>
+  </p:clrMapOvr>
+</p:sld>
+</file>
+
+<file path=ppt/slides/slide20.xml><?xml version="1.0" encoding="utf-8"?>
 <p:sld xmlns:a="http://schemas.openxmlformats.org/drawingml/2006/main" xmlns:r="http://schemas.openxmlformats.org/officeDocument/2006/relationships" xmlns:p="http://schemas.openxmlformats.org/presentationml/2006/main">
   <p:cSld>
     <p:spTree>
@@ -13920,7 +13096,7 @@
 </p:sld>
 </file>
 
-<file path=ppt/slides/slide23.xml><?xml version="1.0" encoding="utf-8"?>
+<file path=ppt/slides/slide21.xml><?xml version="1.0" encoding="utf-8"?>
 <p:sld xmlns:a="http://schemas.openxmlformats.org/drawingml/2006/main" xmlns:r="http://schemas.openxmlformats.org/officeDocument/2006/relationships" xmlns:p="http://schemas.openxmlformats.org/presentationml/2006/main">
   <p:cSld>
     <p:spTree>
@@ -14364,7 +13540,7 @@
 </p:sld>
 </file>
 
-<file path=ppt/slides/slide24.xml><?xml version="1.0" encoding="utf-8"?>
+<file path=ppt/slides/slide22.xml><?xml version="1.0" encoding="utf-8"?>
 <p:sld xmlns:a="http://schemas.openxmlformats.org/drawingml/2006/main" xmlns:r="http://schemas.openxmlformats.org/officeDocument/2006/relationships" xmlns:p="http://schemas.openxmlformats.org/presentationml/2006/main">
   <p:cSld>
     <p:spTree>
@@ -14534,7 +13710,7 @@
 </p:sld>
 </file>
 
-<file path=ppt/slides/slide25.xml><?xml version="1.0" encoding="utf-8"?>
+<file path=ppt/slides/slide23.xml><?xml version="1.0" encoding="utf-8"?>
 <p:sld xmlns:a="http://schemas.openxmlformats.org/drawingml/2006/main" xmlns:r="http://schemas.openxmlformats.org/officeDocument/2006/relationships" xmlns:p="http://schemas.openxmlformats.org/presentationml/2006/main">
   <p:cSld>
     <p:spTree>
@@ -14672,7 +13848,7 @@
 </p:sld>
 </file>
 
-<file path=ppt/slides/slide26.xml><?xml version="1.0" encoding="utf-8"?>
+<file path=ppt/slides/slide24.xml><?xml version="1.0" encoding="utf-8"?>
 <p:sld xmlns:a="http://schemas.openxmlformats.org/drawingml/2006/main" xmlns:r="http://schemas.openxmlformats.org/officeDocument/2006/relationships" xmlns:p="http://schemas.openxmlformats.org/presentationml/2006/main">
   <p:cSld>
     <p:spTree>
@@ -15598,7 +14774,7 @@
 </p:sld>
 </file>
 
-<file path=ppt/slides/slide27.xml><?xml version="1.0" encoding="utf-8"?>
+<file path=ppt/slides/slide25.xml><?xml version="1.0" encoding="utf-8"?>
 <p:sld xmlns:a="http://schemas.openxmlformats.org/drawingml/2006/main" xmlns:r="http://schemas.openxmlformats.org/officeDocument/2006/relationships" xmlns:p="http://schemas.openxmlformats.org/presentationml/2006/main">
   <p:cSld>
     <p:spTree>
@@ -16088,7 +15264,7 @@
 </p:sld>
 </file>
 
-<file path=ppt/slides/slide28.xml><?xml version="1.0" encoding="utf-8"?>
+<file path=ppt/slides/slide26.xml><?xml version="1.0" encoding="utf-8"?>
 <p:sld xmlns:a="http://schemas.openxmlformats.org/drawingml/2006/main" xmlns:r="http://schemas.openxmlformats.org/officeDocument/2006/relationships" xmlns:p="http://schemas.openxmlformats.org/presentationml/2006/main">
   <p:cSld>
     <p:spTree>
@@ -16627,7 +15803,7 @@
 </p:sld>
 </file>
 
-<file path=ppt/slides/slide29.xml><?xml version="1.0" encoding="utf-8"?>
+<file path=ppt/slides/slide27.xml><?xml version="1.0" encoding="utf-8"?>
 <p:sld xmlns:a="http://schemas.openxmlformats.org/drawingml/2006/main" xmlns:r="http://schemas.openxmlformats.org/officeDocument/2006/relationships" xmlns:p="http://schemas.openxmlformats.org/presentationml/2006/main">
   <p:cSld>
     <p:spTree>
@@ -17193,228 +16369,7 @@
 </p:sld>
 </file>
 
-<file path=ppt/slides/slide3.xml><?xml version="1.0" encoding="utf-8"?>
-<p:sld xmlns:a="http://schemas.openxmlformats.org/drawingml/2006/main" xmlns:r="http://schemas.openxmlformats.org/officeDocument/2006/relationships" xmlns:p="http://schemas.openxmlformats.org/presentationml/2006/main">
-  <p:cSld>
-    <p:spTree>
-      <p:nvGrpSpPr>
-        <p:cNvPr id="1" name=""/>
-        <p:cNvGrpSpPr/>
-        <p:nvPr/>
-      </p:nvGrpSpPr>
-      <p:grpSpPr>
-        <a:xfrm>
-          <a:off x="0" y="0"/>
-          <a:ext cx="0" cy="0"/>
-          <a:chOff x="0" y="0"/>
-          <a:chExt cx="0" cy="0"/>
-        </a:xfrm>
-      </p:grpSpPr>
-      <mc:AlternateContent xmlns:mc="http://schemas.openxmlformats.org/markup-compatibility/2006" xmlns:a14="http://schemas.microsoft.com/office/drawing/2010/main">
-        <mc:Choice Requires="a14">
-          <p:sp>
-            <p:nvSpPr>
-              <p:cNvPr id="3" name="Content Placeholder 2"/>
-              <p:cNvSpPr>
-                <a:spLocks noGrp="1"/>
-              </p:cNvSpPr>
-              <p:nvPr>
-                <p:ph idx="1"/>
-              </p:nvPr>
-            </p:nvSpPr>
-            <p:spPr/>
-            <p:txBody>
-              <a:bodyPr/>
-              <a:lstStyle/>
-              <a:p>
-                <a:pPr marL="0" lvl="0" indent="0">
-                  <a:spcBef>
-                    <a:spcPts val="3000"/>
-                  </a:spcBef>
-                  <a:buNone/>
-                </a:pPr>
-                <a:r>
-                  <a:rPr b="1"/>
-                  <a:t>Review</a:t>
-                </a:r>
-              </a:p>
-              <a:p>
-                <a:pPr marL="0" lvl="0" indent="0">
-                  <a:buNone/>
-                </a:pPr>
-                <a:r>
-                  <a:t>Sampling of a population is done from an unknown </a:t>
-                </a:r>
-                <a:r>
-                  <a:rPr b="1"/>
-                  <a:t>population distribution</a:t>
-                </a:r>
-                <a:r>
-                  <a:t>, </a:t>
-                </a:r>
-                <a14:m>
-                  <m:oMath xmlns:m="http://schemas.openxmlformats.org/officeDocument/2006/math">
-                    <m:r>
-                      <a:rPr>
-                        <a:latin typeface="Cambria Math" panose="02040503050406030204" pitchFamily="18" charset="0"/>
-                      </a:rPr>
-                      <m:t>ℱ</m:t>
-                    </m:r>
-                  </m:oMath>
-                </a14:m>
-                <a:endParaRPr/>
-              </a:p>
-              <a:p>
-                <a:pPr lvl="0"/>
-                <a:r>
-                  <a:t>Any statistic we compute for the generating process is an approximation for the population, </a:t>
-                </a:r>
-                <a14:m>
-                  <m:oMath xmlns:m="http://schemas.openxmlformats.org/officeDocument/2006/math">
-                    <m:r>
-                      <a:rPr>
-                        <a:latin typeface="Cambria Math" panose="02040503050406030204" pitchFamily="18" charset="0"/>
-                      </a:rPr>
-                      <m:t>𝑠</m:t>
-                    </m:r>
-                    <m:d>
-                      <m:dPr>
-                        <m:ctrlPr>
-                          <a:rPr i="1">
-                            <a:latin typeface="Cambria Math" panose="02040503050406030204" pitchFamily="18" charset="0"/>
-                          </a:rPr>
-                        </m:ctrlPr>
-                      </m:dPr>
-                      <m:e>
-                        <m:acc>
-                          <m:accPr>
-                            <m:chr m:val="̂"/>
-                            <m:ctrlPr>
-                              <a:rPr i="1">
-                                <a:latin typeface="Cambria Math" panose="02040503050406030204" pitchFamily="18" charset="0"/>
-                              </a:rPr>
-                            </m:ctrlPr>
-                          </m:accPr>
-                          <m:e>
-                            <m:r>
-                              <a:rPr>
-                                <a:latin typeface="Cambria Math" panose="02040503050406030204" pitchFamily="18" charset="0"/>
-                              </a:rPr>
-                              <m:t>ℱ</m:t>
-                            </m:r>
-                          </m:e>
-                        </m:acc>
-                      </m:e>
-                    </m:d>
-                  </m:oMath>
-                </a14:m>
-                <a:endParaRPr/>
-              </a:p>
-            </p:txBody>
-          </p:sp>
-        </mc:Choice>
-        <mc:Fallback xmlns="">
-          <p:sp>
-            <p:nvSpPr>
-              <p:cNvPr id="3" name="Content Placeholder 2"/>
-              <p:cNvSpPr>
-                <a:spLocks noGrp="1" noRot="1" noChangeAspect="1" noMove="1" noResize="1" noEditPoints="1" noAdjustHandles="1" noChangeArrowheads="1" noChangeShapeType="1" noTextEdit="1"/>
-              </p:cNvSpPr>
-              <p:nvPr>
-                <p:ph idx="1"/>
-              </p:nvPr>
-            </p:nvSpPr>
-            <p:spPr>
-              <a:blipFill>
-                <a:blip r:embed="rId2"/>
-                <a:stretch>
-                  <a:fillRect l="-1111" t="-1436"/>
-                </a:stretch>
-              </a:blipFill>
-            </p:spPr>
-            <p:txBody>
-              <a:bodyPr/>
-              <a:lstStyle/>
-              <a:p>
-                <a:r>
-                  <a:rPr lang="en-US">
-                    <a:noFill/>
-                  </a:rPr>
-                  <a:t> </a:t>
-                </a:r>
-              </a:p>
-            </p:txBody>
-          </p:sp>
-        </mc:Fallback>
-      </mc:AlternateContent>
-      <p:pic>
-        <p:nvPicPr>
-          <p:cNvPr id="2" name="Picture 1" descr="../images/SamplingDistribuion.png"/>
-          <p:cNvPicPr>
-            <a:picLocks noGrp="1" noChangeAspect="1"/>
-          </p:cNvPicPr>
-          <p:nvPr/>
-        </p:nvPicPr>
-        <p:blipFill>
-          <a:blip r:embed="rId3"/>
-          <a:stretch>
-            <a:fillRect/>
-          </a:stretch>
-        </p:blipFill>
-        <p:spPr bwMode="auto">
-          <a:xfrm>
-            <a:off x="2006600" y="1193800"/>
-            <a:ext cx="5130800" cy="2882900"/>
-          </a:xfrm>
-          <a:prstGeom prst="rect">
-            <a:avLst/>
-          </a:prstGeom>
-          <a:noFill/>
-          <a:ln w="9525">
-            <a:noFill/>
-            <a:headEnd/>
-            <a:tailEnd/>
-          </a:ln>
-        </p:spPr>
-      </p:pic>
-      <p:sp>
-        <p:nvSpPr>
-          <p:cNvPr id="4" name="TextBox 3"/>
-          <p:cNvSpPr txBox="1"/>
-          <p:nvPr/>
-        </p:nvSpPr>
-        <p:spPr>
-          <a:xfrm>
-            <a:off x="457200" y="4076700"/>
-            <a:ext cx="8229600" cy="508000"/>
-          </a:xfrm>
-          <a:prstGeom prst="rect">
-            <a:avLst/>
-          </a:prstGeom>
-          <a:noFill/>
-        </p:spPr>
-        <p:txBody>
-          <a:bodyPr/>
-          <a:lstStyle/>
-          <a:p>
-            <a:pPr marL="0" lvl="0" indent="0" algn="ctr">
-              <a:buNone/>
-            </a:pPr>
-            <a:r>
-              <a:t>Sampling distribution of unknown population parameter</a:t>
-            </a:r>
-          </a:p>
-        </p:txBody>
-      </p:sp>
-    </p:spTree>
-  </p:cSld>
-  <p:clrMapOvr>
-    <a:masterClrMapping/>
-  </p:clrMapOvr>
-</p:sld>
-</file>
-
-<file path=ppt/slides/slide30.xml><?xml version="1.0" encoding="utf-8"?>
+<file path=ppt/slides/slide28.xml><?xml version="1.0" encoding="utf-8"?>
 <p:sld xmlns:a="http://schemas.openxmlformats.org/drawingml/2006/main" xmlns:r="http://schemas.openxmlformats.org/officeDocument/2006/relationships" xmlns:p="http://schemas.openxmlformats.org/presentationml/2006/main">
   <p:cSld>
     <p:spTree>
@@ -17643,7 +16598,7 @@
 </p:sld>
 </file>
 
-<file path=ppt/slides/slide31.xml><?xml version="1.0" encoding="utf-8"?>
+<file path=ppt/slides/slide29.xml><?xml version="1.0" encoding="utf-8"?>
 <p:sld xmlns:a="http://schemas.openxmlformats.org/drawingml/2006/main" xmlns:r="http://schemas.openxmlformats.org/officeDocument/2006/relationships" xmlns:p="http://schemas.openxmlformats.org/presentationml/2006/main">
   <p:cSld>
     <p:spTree>
@@ -17850,7 +16805,615 @@
 </p:sld>
 </file>
 
-<file path=ppt/slides/slide32.xml><?xml version="1.0" encoding="utf-8"?>
+<file path=ppt/slides/slide3.xml><?xml version="1.0" encoding="utf-8"?>
+<p:sld xmlns:a="http://schemas.openxmlformats.org/drawingml/2006/main" xmlns:r="http://schemas.openxmlformats.org/officeDocument/2006/relationships" xmlns:p="http://schemas.openxmlformats.org/presentationml/2006/main">
+  <p:cSld>
+    <p:spTree>
+      <p:nvGrpSpPr>
+        <p:cNvPr id="1" name=""/>
+        <p:cNvGrpSpPr/>
+        <p:nvPr/>
+      </p:nvGrpSpPr>
+      <p:grpSpPr>
+        <a:xfrm>
+          <a:off x="0" y="0"/>
+          <a:ext cx="0" cy="0"/>
+          <a:chOff x="0" y="0"/>
+          <a:chExt cx="0" cy="0"/>
+        </a:xfrm>
+      </p:grpSpPr>
+      <mc:AlternateContent xmlns:mc="http://schemas.openxmlformats.org/markup-compatibility/2006">
+        <mc:Choice xmlns:a14="http://schemas.microsoft.com/office/drawing/2010/main" Requires="a14">
+          <p:sp>
+            <p:nvSpPr>
+              <p:cNvPr id="3" name="Content Placeholder 2"/>
+              <p:cNvSpPr>
+                <a:spLocks noGrp="1"/>
+              </p:cNvSpPr>
+              <p:nvPr>
+                <p:ph idx="1"/>
+              </p:nvPr>
+            </p:nvSpPr>
+            <p:spPr/>
+            <p:txBody>
+              <a:bodyPr>
+                <a:normAutofit fontScale="92500" lnSpcReduction="10000"/>
+              </a:bodyPr>
+              <a:lstStyle/>
+              <a:p>
+                <a:pPr marL="0" lvl="0" indent="0">
+                  <a:buNone/>
+                </a:pPr>
+                <a:r>
+                  <a:rPr dirty="0"/>
+                  <a:t>Likelihood is a measure of how likely a </a:t>
+                </a:r>
+                <a:r>
+                  <a:rPr b="1" dirty="0"/>
+                  <a:t>parametric model</a:t>
+                </a:r>
+                <a:r>
+                  <a:rPr dirty="0"/>
+                  <a:t> is to generate the observed data</a:t>
+                </a:r>
+              </a:p>
+              <a:p>
+                <a:pPr lvl="0"/>
+                <a:r>
+                  <a:rPr dirty="0"/>
+                  <a:t>Start with a data sample, </a:t>
+                </a:r>
+                <a14:m>
+                  <m:oMath xmlns:m="http://schemas.openxmlformats.org/officeDocument/2006/math">
+                    <m:r>
+                      <a:rPr>
+                        <a:latin typeface="Cambria Math" panose="02040503050406030204" pitchFamily="18" charset="0"/>
+                      </a:rPr>
+                      <m:t>𝐗</m:t>
+                    </m:r>
+                    <m:r>
+                      <a:rPr>
+                        <a:latin typeface="Cambria Math" panose="02040503050406030204" pitchFamily="18" charset="0"/>
+                      </a:rPr>
+                      <m:t>=</m:t>
+                    </m:r>
+                    <m:d>
+                      <m:dPr>
+                        <m:begChr m:val="["/>
+                        <m:endChr m:val="]"/>
+                        <m:ctrlPr>
+                          <a:rPr i="1">
+                            <a:latin typeface="Cambria Math" panose="02040503050406030204" pitchFamily="18" charset="0"/>
+                          </a:rPr>
+                        </m:ctrlPr>
+                      </m:dPr>
+                      <m:e>
+                        <m:sSub>
+                          <m:sSubPr>
+                            <m:ctrlPr>
+                              <a:rPr i="1">
+                                <a:latin typeface="Cambria Math" panose="02040503050406030204" pitchFamily="18" charset="0"/>
+                              </a:rPr>
+                            </m:ctrlPr>
+                          </m:sSubPr>
+                          <m:e>
+                            <m:r>
+                              <a:rPr>
+                                <a:latin typeface="Cambria Math" panose="02040503050406030204" pitchFamily="18" charset="0"/>
+                              </a:rPr>
+                              <m:t>𝑥</m:t>
+                            </m:r>
+                          </m:e>
+                          <m:sub>
+                            <m:r>
+                              <a:rPr>
+                                <a:latin typeface="Cambria Math" panose="02040503050406030204" pitchFamily="18" charset="0"/>
+                              </a:rPr>
+                              <m:t>1</m:t>
+                            </m:r>
+                          </m:sub>
+                        </m:sSub>
+                        <m:r>
+                          <a:rPr>
+                            <a:latin typeface="Cambria Math" panose="02040503050406030204" pitchFamily="18" charset="0"/>
+                          </a:rPr>
+                          <m:t>,</m:t>
+                        </m:r>
+                        <m:sSub>
+                          <m:sSubPr>
+                            <m:ctrlPr>
+                              <a:rPr i="1">
+                                <a:latin typeface="Cambria Math" panose="02040503050406030204" pitchFamily="18" charset="0"/>
+                              </a:rPr>
+                            </m:ctrlPr>
+                          </m:sSubPr>
+                          <m:e>
+                            <m:r>
+                              <a:rPr>
+                                <a:latin typeface="Cambria Math" panose="02040503050406030204" pitchFamily="18" charset="0"/>
+                              </a:rPr>
+                              <m:t>𝑥</m:t>
+                            </m:r>
+                          </m:e>
+                          <m:sub>
+                            <m:r>
+                              <a:rPr>
+                                <a:latin typeface="Cambria Math" panose="02040503050406030204" pitchFamily="18" charset="0"/>
+                              </a:rPr>
+                              <m:t>2</m:t>
+                            </m:r>
+                          </m:sub>
+                        </m:sSub>
+                        <m:r>
+                          <a:rPr>
+                            <a:latin typeface="Cambria Math" panose="02040503050406030204" pitchFamily="18" charset="0"/>
+                          </a:rPr>
+                          <m:t>,…,</m:t>
+                        </m:r>
+                        <m:sSub>
+                          <m:sSubPr>
+                            <m:ctrlPr>
+                              <a:rPr i="1">
+                                <a:latin typeface="Cambria Math" panose="02040503050406030204" pitchFamily="18" charset="0"/>
+                              </a:rPr>
+                            </m:ctrlPr>
+                          </m:sSubPr>
+                          <m:e>
+                            <m:r>
+                              <a:rPr>
+                                <a:latin typeface="Cambria Math" panose="02040503050406030204" pitchFamily="18" charset="0"/>
+                              </a:rPr>
+                              <m:t>𝑥</m:t>
+                            </m:r>
+                          </m:e>
+                          <m:sub>
+                            <m:r>
+                              <a:rPr>
+                                <a:latin typeface="Cambria Math" panose="02040503050406030204" pitchFamily="18" charset="0"/>
+                              </a:rPr>
+                              <m:t>𝑛</m:t>
+                            </m:r>
+                          </m:sub>
+                        </m:sSub>
+                      </m:e>
+                    </m:d>
+                  </m:oMath>
+                </a14:m>
+                <a:endParaRPr dirty="0"/>
+              </a:p>
+              <a:p>
+                <a:pPr lvl="0"/>
+                <a:r>
+                  <a:rPr dirty="0"/>
+                  <a:t>Likelihood of sample from a </a:t>
+                </a:r>
+                <a:r>
+                  <a:rPr b="1" dirty="0"/>
+                  <a:t>data generating process</a:t>
+                </a:r>
+                <a:r>
+                  <a:rPr dirty="0"/>
+                  <a:t> with a </a:t>
+                </a:r>
+                <a:r>
+                  <a:rPr b="1" dirty="0"/>
+                  <a:t>parametric density function</a:t>
+                </a:r>
+                <a:r>
+                  <a:rPr dirty="0"/>
+                  <a:t>, </a:t>
+                </a:r>
+                <a14:m>
+                  <m:oMath xmlns:m="http://schemas.openxmlformats.org/officeDocument/2006/math">
+                    <m:r>
+                      <a:rPr>
+                        <a:latin typeface="Cambria Math" panose="02040503050406030204" pitchFamily="18" charset="0"/>
+                      </a:rPr>
+                      <m:t>𝑓</m:t>
+                    </m:r>
+                    <m:d>
+                      <m:dPr>
+                        <m:ctrlPr>
+                          <a:rPr i="1">
+                            <a:latin typeface="Cambria Math" panose="02040503050406030204" pitchFamily="18" charset="0"/>
+                          </a:rPr>
+                        </m:ctrlPr>
+                      </m:dPr>
+                      <m:e>
+                        <m:r>
+                          <a:rPr>
+                            <a:latin typeface="Cambria Math" panose="02040503050406030204" pitchFamily="18" charset="0"/>
+                          </a:rPr>
+                          <m:t>𝐗</m:t>
+                        </m:r>
+                        <m:r>
+                          <a:rPr>
+                            <a:latin typeface="Cambria Math" panose="02040503050406030204" pitchFamily="18" charset="0"/>
+                          </a:rPr>
+                          <m:t>|</m:t>
+                        </m:r>
+                        <m:r>
+                          <a:rPr>
+                            <a:latin typeface="Cambria Math" panose="02040503050406030204" pitchFamily="18" charset="0"/>
+                          </a:rPr>
+                          <m:t>𝜃</m:t>
+                        </m:r>
+                      </m:e>
+                    </m:d>
+                  </m:oMath>
+                </a14:m>
+                <a:endParaRPr dirty="0"/>
+              </a:p>
+              <a:p>
+                <a:pPr lvl="1"/>
+                <a14:m>
+                  <m:oMath xmlns:m="http://schemas.openxmlformats.org/officeDocument/2006/math">
+                    <m:r>
+                      <a:rPr>
+                        <a:latin typeface="Cambria Math" panose="02040503050406030204" pitchFamily="18" charset="0"/>
+                      </a:rPr>
+                      <m:t>𝑓</m:t>
+                    </m:r>
+                    <m:d>
+                      <m:dPr>
+                        <m:ctrlPr>
+                          <a:rPr i="1">
+                            <a:latin typeface="Cambria Math" panose="02040503050406030204" pitchFamily="18" charset="0"/>
+                          </a:rPr>
+                        </m:ctrlPr>
+                      </m:dPr>
+                      <m:e>
+                        <m:r>
+                          <a:rPr>
+                            <a:latin typeface="Cambria Math" panose="02040503050406030204" pitchFamily="18" charset="0"/>
+                          </a:rPr>
+                          <m:t>𝐗</m:t>
+                        </m:r>
+                        <m:r>
+                          <a:rPr>
+                            <a:latin typeface="Cambria Math" panose="02040503050406030204" pitchFamily="18" charset="0"/>
+                          </a:rPr>
+                          <m:t> | </m:t>
+                        </m:r>
+                        <m:r>
+                          <a:rPr>
+                            <a:latin typeface="Cambria Math" panose="02040503050406030204" pitchFamily="18" charset="0"/>
+                          </a:rPr>
+                          <m:t>𝛉</m:t>
+                        </m:r>
+                      </m:e>
+                    </m:d>
+                  </m:oMath>
+                </a14:m>
+                <a:r>
+                  <a:rPr dirty="0"/>
+                  <a:t> can be either a probability density function (PDF), for continuous distributions, or a probability mass function (PMF)</a:t>
+                </a:r>
+                <a:r>
+                  <a:rPr lang="en-US" dirty="0"/>
+                  <a:t> of</a:t>
+                </a:r>
+                <a:r>
+                  <a:rPr dirty="0"/>
+                  <a:t> discrete distributions</a:t>
+                </a:r>
+              </a:p>
+              <a:p>
+                <a:pPr lvl="1"/>
+                <a:r>
+                  <a:rPr dirty="0"/>
+                  <a:t>The distribution parameter vector, </a:t>
+                </a:r>
+                <a14:m>
+                  <m:oMath xmlns:m="http://schemas.openxmlformats.org/officeDocument/2006/math">
+                    <m:r>
+                      <a:rPr>
+                        <a:latin typeface="Cambria Math" panose="02040503050406030204" pitchFamily="18" charset="0"/>
+                      </a:rPr>
+                      <m:t>𝛉</m:t>
+                    </m:r>
+                  </m:oMath>
+                </a14:m>
+                <a:r>
+                  <a:rPr dirty="0"/>
+                  <a:t>, is fixed</a:t>
+                </a:r>
+              </a:p>
+              <a:p>
+                <a:pPr lvl="0"/>
+                <a:r>
+                  <a:rPr lang="en-US" dirty="0"/>
+                  <a:t>F</a:t>
+                </a:r>
+                <a:r>
+                  <a:rPr dirty="0"/>
+                  <a:t>or each observation, </a:t>
+                </a:r>
+                <a14:m>
+                  <m:oMath xmlns:m="http://schemas.openxmlformats.org/officeDocument/2006/math">
+                    <m:sSub>
+                      <m:sSubPr>
+                        <m:ctrlPr>
+                          <a:rPr i="1">
+                            <a:latin typeface="Cambria Math" panose="02040503050406030204" pitchFamily="18" charset="0"/>
+                          </a:rPr>
+                        </m:ctrlPr>
+                      </m:sSubPr>
+                      <m:e>
+                        <m:r>
+                          <a:rPr>
+                            <a:latin typeface="Cambria Math" panose="02040503050406030204" pitchFamily="18" charset="0"/>
+                          </a:rPr>
+                          <m:t>𝑥</m:t>
+                        </m:r>
+                      </m:e>
+                      <m:sub>
+                        <m:r>
+                          <a:rPr>
+                            <a:latin typeface="Cambria Math" panose="02040503050406030204" pitchFamily="18" charset="0"/>
+                          </a:rPr>
+                          <m:t>𝑖</m:t>
+                        </m:r>
+                      </m:sub>
+                    </m:sSub>
+                  </m:oMath>
+                </a14:m>
+                <a:r>
+                  <a:rPr dirty="0"/>
+                  <a:t>, in </a:t>
+                </a:r>
+                <a14:m>
+                  <m:oMath xmlns:m="http://schemas.openxmlformats.org/officeDocument/2006/math">
+                    <m:r>
+                      <a:rPr>
+                        <a:latin typeface="Cambria Math" panose="02040503050406030204" pitchFamily="18" charset="0"/>
+                      </a:rPr>
+                      <m:t>𝐗</m:t>
+                    </m:r>
+                    <m:r>
+                      <a:rPr>
+                        <a:latin typeface="Cambria Math" panose="02040503050406030204" pitchFamily="18" charset="0"/>
+                      </a:rPr>
+                      <m:t>=</m:t>
+                    </m:r>
+                    <m:sSub>
+                      <m:sSubPr>
+                        <m:ctrlPr>
+                          <a:rPr i="1">
+                            <a:latin typeface="Cambria Math" panose="02040503050406030204" pitchFamily="18" charset="0"/>
+                          </a:rPr>
+                        </m:ctrlPr>
+                      </m:sSubPr>
+                      <m:e>
+                        <m:r>
+                          <a:rPr>
+                            <a:latin typeface="Cambria Math" panose="02040503050406030204" pitchFamily="18" charset="0"/>
+                          </a:rPr>
+                          <m:t>𝑥</m:t>
+                        </m:r>
+                      </m:e>
+                      <m:sub>
+                        <m:r>
+                          <a:rPr>
+                            <a:latin typeface="Cambria Math" panose="02040503050406030204" pitchFamily="18" charset="0"/>
+                          </a:rPr>
+                          <m:t>1</m:t>
+                        </m:r>
+                      </m:sub>
+                    </m:sSub>
+                    <m:r>
+                      <a:rPr>
+                        <a:latin typeface="Cambria Math" panose="02040503050406030204" pitchFamily="18" charset="0"/>
+                      </a:rPr>
+                      <m:t>,</m:t>
+                    </m:r>
+                    <m:sSub>
+                      <m:sSubPr>
+                        <m:ctrlPr>
+                          <a:rPr i="1">
+                            <a:latin typeface="Cambria Math" panose="02040503050406030204" pitchFamily="18" charset="0"/>
+                          </a:rPr>
+                        </m:ctrlPr>
+                      </m:sSubPr>
+                      <m:e>
+                        <m:r>
+                          <a:rPr>
+                            <a:latin typeface="Cambria Math" panose="02040503050406030204" pitchFamily="18" charset="0"/>
+                          </a:rPr>
+                          <m:t>𝑥</m:t>
+                        </m:r>
+                      </m:e>
+                      <m:sub>
+                        <m:r>
+                          <a:rPr>
+                            <a:latin typeface="Cambria Math" panose="02040503050406030204" pitchFamily="18" charset="0"/>
+                          </a:rPr>
+                          <m:t>2</m:t>
+                        </m:r>
+                      </m:sub>
+                    </m:sSub>
+                    <m:r>
+                      <a:rPr>
+                        <a:latin typeface="Cambria Math" panose="02040503050406030204" pitchFamily="18" charset="0"/>
+                      </a:rPr>
+                      <m:t>,…,</m:t>
+                    </m:r>
+                    <m:sSub>
+                      <m:sSubPr>
+                        <m:ctrlPr>
+                          <a:rPr i="1">
+                            <a:latin typeface="Cambria Math" panose="02040503050406030204" pitchFamily="18" charset="0"/>
+                          </a:rPr>
+                        </m:ctrlPr>
+                      </m:sSubPr>
+                      <m:e>
+                        <m:r>
+                          <a:rPr>
+                            <a:latin typeface="Cambria Math" panose="02040503050406030204" pitchFamily="18" charset="0"/>
+                          </a:rPr>
+                          <m:t>𝑥</m:t>
+                        </m:r>
+                      </m:e>
+                      <m:sub>
+                        <m:r>
+                          <a:rPr>
+                            <a:latin typeface="Cambria Math" panose="02040503050406030204" pitchFamily="18" charset="0"/>
+                          </a:rPr>
+                          <m:t>𝑛</m:t>
+                        </m:r>
+                      </m:sub>
+                    </m:sSub>
+                  </m:oMath>
+                </a14:m>
+                <a:r>
+                  <a:rPr dirty="0"/>
+                  <a:t>, the density is </a:t>
+                </a:r>
+                <a14:m>
+                  <m:oMath xmlns:m="http://schemas.openxmlformats.org/officeDocument/2006/math">
+                    <m:r>
+                      <a:rPr>
+                        <a:latin typeface="Cambria Math" panose="02040503050406030204" pitchFamily="18" charset="0"/>
+                      </a:rPr>
+                      <m:t>𝑓</m:t>
+                    </m:r>
+                    <m:d>
+                      <m:dPr>
+                        <m:ctrlPr>
+                          <a:rPr i="1">
+                            <a:latin typeface="Cambria Math" panose="02040503050406030204" pitchFamily="18" charset="0"/>
+                          </a:rPr>
+                        </m:ctrlPr>
+                      </m:dPr>
+                      <m:e>
+                        <m:sSub>
+                          <m:sSubPr>
+                            <m:ctrlPr>
+                              <a:rPr i="1">
+                                <a:latin typeface="Cambria Math" panose="02040503050406030204" pitchFamily="18" charset="0"/>
+                              </a:rPr>
+                            </m:ctrlPr>
+                          </m:sSubPr>
+                          <m:e>
+                            <m:r>
+                              <a:rPr>
+                                <a:latin typeface="Cambria Math" panose="02040503050406030204" pitchFamily="18" charset="0"/>
+                              </a:rPr>
+                              <m:t>𝑥</m:t>
+                            </m:r>
+                          </m:e>
+                          <m:sub>
+                            <m:r>
+                              <a:rPr>
+                                <a:latin typeface="Cambria Math" panose="02040503050406030204" pitchFamily="18" charset="0"/>
+                              </a:rPr>
+                              <m:t>𝑖</m:t>
+                            </m:r>
+                          </m:sub>
+                        </m:sSub>
+                        <m:r>
+                          <a:rPr>
+                            <a:latin typeface="Cambria Math" panose="02040503050406030204" pitchFamily="18" charset="0"/>
+                          </a:rPr>
+                          <m:t>| </m:t>
+                        </m:r>
+                        <m:r>
+                          <a:rPr>
+                            <a:latin typeface="Cambria Math" panose="02040503050406030204" pitchFamily="18" charset="0"/>
+                          </a:rPr>
+                          <m:t>𝛉</m:t>
+                        </m:r>
+                      </m:e>
+                    </m:d>
+                  </m:oMath>
+                </a14:m>
+                <a:endParaRPr dirty="0"/>
+              </a:p>
+            </p:txBody>
+          </p:sp>
+        </mc:Choice>
+        <mc:Fallback>
+          <p:sp>
+            <p:nvSpPr>
+              <p:cNvPr id="3" name="Content Placeholder 2"/>
+              <p:cNvSpPr>
+                <a:spLocks noGrp="1" noRot="1" noChangeAspect="1" noMove="1" noResize="1" noEditPoints="1" noAdjustHandles="1" noChangeArrowheads="1" noChangeShapeType="1" noTextEdit="1"/>
+              </p:cNvSpPr>
+              <p:nvPr>
+                <p:ph idx="1"/>
+              </p:nvPr>
+            </p:nvSpPr>
+            <p:spPr>
+              <a:blipFill>
+                <a:blip r:embed="rId2"/>
+                <a:stretch>
+                  <a:fillRect l="-963" t="-2334"/>
+                </a:stretch>
+              </a:blipFill>
+            </p:spPr>
+            <p:txBody>
+              <a:bodyPr/>
+              <a:lstStyle/>
+              <a:p>
+                <a:r>
+                  <a:rPr lang="en-US">
+                    <a:noFill/>
+                  </a:rPr>
+                  <a:t> </a:t>
+                </a:r>
+              </a:p>
+            </p:txBody>
+          </p:sp>
+        </mc:Fallback>
+      </mc:AlternateContent>
+      <p:sp>
+        <p:nvSpPr>
+          <p:cNvPr id="2" name="Title 1">
+            <a:extLst>
+              <a:ext uri="{FF2B5EF4-FFF2-40B4-BE49-F238E27FC236}">
+                <a16:creationId xmlns:a16="http://schemas.microsoft.com/office/drawing/2014/main" id="{0EC04B81-38DA-224B-B5D5-ED705C03086C}"/>
+              </a:ext>
+            </a:extLst>
+          </p:cNvPr>
+          <p:cNvSpPr>
+            <a:spLocks noGrp="1"/>
+          </p:cNvSpPr>
+          <p:nvPr>
+            <p:ph type="title"/>
+          </p:nvPr>
+        </p:nvSpPr>
+        <p:spPr>
+          <a:xfrm>
+            <a:off x="457200" y="205979"/>
+            <a:ext cx="8229600" cy="857250"/>
+          </a:xfrm>
+        </p:spPr>
+        <p:txBody>
+          <a:bodyPr/>
+          <a:lstStyle/>
+          <a:p>
+            <a:pPr marL="0" lvl="0" indent="0">
+              <a:spcBef>
+                <a:spcPts val="3000"/>
+              </a:spcBef>
+              <a:buNone/>
+            </a:pPr>
+            <a:r>
+              <a:rPr lang="en-US" b="1" dirty="0"/>
+              <a:t>Likelihood and Density Functions</a:t>
+            </a:r>
+          </a:p>
+        </p:txBody>
+      </p:sp>
+    </p:spTree>
+  </p:cSld>
+  <p:clrMapOvr>
+    <a:masterClrMapping/>
+  </p:clrMapOvr>
+</p:sld>
+</file>
+
+<file path=ppt/slides/slide30.xml><?xml version="1.0" encoding="utf-8"?>
 <p:sld xmlns:a="http://schemas.openxmlformats.org/drawingml/2006/main" xmlns:r="http://schemas.openxmlformats.org/officeDocument/2006/relationships" xmlns:p="http://schemas.openxmlformats.org/presentationml/2006/main">
   <p:cSld>
     <p:spTree>
@@ -18037,7 +17600,7 @@
 </p:sld>
 </file>
 
-<file path=ppt/slides/slide33.xml><?xml version="1.0" encoding="utf-8"?>
+<file path=ppt/slides/slide31.xml><?xml version="1.0" encoding="utf-8"?>
 <p:sld xmlns:a="http://schemas.openxmlformats.org/drawingml/2006/main" xmlns:r="http://schemas.openxmlformats.org/officeDocument/2006/relationships" xmlns:p="http://schemas.openxmlformats.org/presentationml/2006/main">
   <p:cSld>
     <p:spTree>
@@ -18564,7 +18127,7 @@
 </p:sld>
 </file>
 
-<file path=ppt/slides/slide34.xml><?xml version="1.0" encoding="utf-8"?>
+<file path=ppt/slides/slide32.xml><?xml version="1.0" encoding="utf-8"?>
 <p:sld xmlns:a="http://schemas.openxmlformats.org/drawingml/2006/main" xmlns:r="http://schemas.openxmlformats.org/officeDocument/2006/relationships" xmlns:p="http://schemas.openxmlformats.org/presentationml/2006/main">
   <p:cSld>
     <p:spTree>
@@ -18965,7 +18528,7 @@
 </p:sld>
 </file>
 
-<file path=ppt/slides/slide35.xml><?xml version="1.0" encoding="utf-8"?>
+<file path=ppt/slides/slide33.xml><?xml version="1.0" encoding="utf-8"?>
 <p:sld xmlns:a="http://schemas.openxmlformats.org/drawingml/2006/main" xmlns:r="http://schemas.openxmlformats.org/officeDocument/2006/relationships" xmlns:p="http://schemas.openxmlformats.org/presentationml/2006/main">
   <p:cSld>
     <p:spTree>
@@ -20164,7 +19727,7 @@
 </p:sld>
 </file>
 
-<file path=ppt/slides/slide36.xml><?xml version="1.0" encoding="utf-8"?>
+<file path=ppt/slides/slide34.xml><?xml version="1.0" encoding="utf-8"?>
 <p:sld xmlns:a="http://schemas.openxmlformats.org/drawingml/2006/main" xmlns:r="http://schemas.openxmlformats.org/officeDocument/2006/relationships" xmlns:p="http://schemas.openxmlformats.org/presentationml/2006/main">
   <p:cSld>
     <p:spTree>
@@ -20663,7 +20226,7 @@
 </p:sld>
 </file>
 
-<file path=ppt/slides/slide37.xml><?xml version="1.0" encoding="utf-8"?>
+<file path=ppt/slides/slide35.xml><?xml version="1.0" encoding="utf-8"?>
 <p:sld xmlns:a="http://schemas.openxmlformats.org/drawingml/2006/main" xmlns:r="http://schemas.openxmlformats.org/officeDocument/2006/relationships" xmlns:p="http://schemas.openxmlformats.org/presentationml/2006/main">
   <p:cSld>
     <p:spTree>
@@ -21251,7 +20814,7 @@
 </p:sld>
 </file>
 
-<file path=ppt/slides/slide38.xml><?xml version="1.0" encoding="utf-8"?>
+<file path=ppt/slides/slide36.xml><?xml version="1.0" encoding="utf-8"?>
 <p:sld xmlns:a="http://schemas.openxmlformats.org/drawingml/2006/main" xmlns:r="http://schemas.openxmlformats.org/officeDocument/2006/relationships" xmlns:p="http://schemas.openxmlformats.org/presentationml/2006/main">
   <p:cSld>
     <p:spTree>
@@ -21702,7 +21265,7 @@
 </p:sld>
 </file>
 
-<file path=ppt/slides/slide39.xml><?xml version="1.0" encoding="utf-8"?>
+<file path=ppt/slides/slide37.xml><?xml version="1.0" encoding="utf-8"?>
 <p:sld xmlns:a="http://schemas.openxmlformats.org/drawingml/2006/main" xmlns:r="http://schemas.openxmlformats.org/officeDocument/2006/relationships" xmlns:p="http://schemas.openxmlformats.org/presentationml/2006/main">
   <p:cSld>
     <p:spTree>
@@ -21821,103 +21384,7 @@
 </p:sld>
 </file>
 
-<file path=ppt/slides/slide4.xml><?xml version="1.0" encoding="utf-8"?>
-<p:sld xmlns:a="http://schemas.openxmlformats.org/drawingml/2006/main" xmlns:r="http://schemas.openxmlformats.org/officeDocument/2006/relationships" xmlns:p="http://schemas.openxmlformats.org/presentationml/2006/main">
-  <p:cSld>
-    <p:spTree>
-      <p:nvGrpSpPr>
-        <p:cNvPr id="1" name=""/>
-        <p:cNvGrpSpPr/>
-        <p:nvPr/>
-      </p:nvGrpSpPr>
-      <p:grpSpPr>
-        <a:xfrm>
-          <a:off x="0" y="0"/>
-          <a:ext cx="0" cy="0"/>
-          <a:chOff x="0" y="0"/>
-          <a:chExt cx="0" cy="0"/>
-        </a:xfrm>
-      </p:grpSpPr>
-      <p:sp>
-        <p:nvSpPr>
-          <p:cNvPr id="3" name="Content Placeholder 2"/>
-          <p:cNvSpPr>
-            <a:spLocks noGrp="1"/>
-          </p:cNvSpPr>
-          <p:nvPr>
-            <p:ph idx="1"/>
-          </p:nvPr>
-        </p:nvSpPr>
-        <p:spPr/>
-        <p:txBody>
-          <a:bodyPr>
-            <a:normAutofit fontScale="92500" lnSpcReduction="10000"/>
-          </a:bodyPr>
-          <a:lstStyle/>
-          <a:p>
-            <a:pPr marL="0" lvl="0" indent="0">
-              <a:spcBef>
-                <a:spcPts val="3000"/>
-              </a:spcBef>
-              <a:buNone/>
-            </a:pPr>
-            <a:r>
-              <a:rPr b="1"/>
-              <a:t>Review</a:t>
-            </a:r>
-          </a:p>
-          <a:p>
-            <a:pPr marL="0" lvl="0" indent="0">
-              <a:buNone/>
-            </a:pPr>
-            <a:r>
-              <a:t>The </a:t>
-            </a:r>
-            <a:r>
-              <a:rPr b="1"/>
-              <a:t>law of large numbers</a:t>
-            </a:r>
-            <a:r>
-              <a:t> is a theorem that states that </a:t>
-            </a:r>
-            <a:r>
-              <a:rPr b="1"/>
-              <a:t>statistics of independent random samples converge to the population values as more samples are used</a:t>
-            </a:r>
-          </a:p>
-          <a:p>
-            <a:pPr lvl="0"/>
-            <a:r>
-              <a:t>The law of large numbers is foundational to statistics and sampling theory</a:t>
-            </a:r>
-          </a:p>
-          <a:p>
-            <a:pPr lvl="0"/>
-            <a:r>
-              <a:t>Assume that </a:t>
-            </a:r>
-            <a:r>
-              <a:rPr b="1"/>
-              <a:t>larger samples are more representatives of the population we are sampling</a:t>
-            </a:r>
-          </a:p>
-          <a:p>
-            <a:pPr lvl="0"/>
-            <a:r>
-              <a:t>If the real world did not follow this theorem much of statistics, to say nothing of science and technology, would fail badly.</a:t>
-            </a:r>
-          </a:p>
-        </p:txBody>
-      </p:sp>
-    </p:spTree>
-  </p:cSld>
-  <p:clrMapOvr>
-    <a:masterClrMapping/>
-  </p:clrMapOvr>
-</p:sld>
-</file>
-
-<file path=ppt/slides/slide40.xml><?xml version="1.0" encoding="utf-8"?>
+<file path=ppt/slides/slide38.xml><?xml version="1.0" encoding="utf-8"?>
 <p:sld xmlns:a="http://schemas.openxmlformats.org/drawingml/2006/main" xmlns:r="http://schemas.openxmlformats.org/officeDocument/2006/relationships" xmlns:p="http://schemas.openxmlformats.org/presentationml/2006/main">
   <p:cSld>
     <p:spTree>
@@ -22088,7 +21555,7 @@
 </p:sld>
 </file>
 
-<file path=ppt/slides/slide41.xml><?xml version="1.0" encoding="utf-8"?>
+<file path=ppt/slides/slide39.xml><?xml version="1.0" encoding="utf-8"?>
 <p:sld xmlns:a="http://schemas.openxmlformats.org/drawingml/2006/main" xmlns:r="http://schemas.openxmlformats.org/officeDocument/2006/relationships" xmlns:p="http://schemas.openxmlformats.org/presentationml/2006/main">
   <p:cSld>
     <p:spTree>
@@ -22233,7 +21700,847 @@
 </p:sld>
 </file>
 
-<file path=ppt/slides/slide42.xml><?xml version="1.0" encoding="utf-8"?>
+<file path=ppt/slides/slide4.xml><?xml version="1.0" encoding="utf-8"?>
+<p:sld xmlns:a="http://schemas.openxmlformats.org/drawingml/2006/main" xmlns:r="http://schemas.openxmlformats.org/officeDocument/2006/relationships" xmlns:p="http://schemas.openxmlformats.org/presentationml/2006/main">
+  <p:cSld>
+    <p:spTree>
+      <p:nvGrpSpPr>
+        <p:cNvPr id="1" name=""/>
+        <p:cNvGrpSpPr/>
+        <p:nvPr/>
+      </p:nvGrpSpPr>
+      <p:grpSpPr>
+        <a:xfrm>
+          <a:off x="0" y="0"/>
+          <a:ext cx="0" cy="0"/>
+          <a:chOff x="0" y="0"/>
+          <a:chExt cx="0" cy="0"/>
+        </a:xfrm>
+      </p:grpSpPr>
+      <mc:AlternateContent xmlns:mc="http://schemas.openxmlformats.org/markup-compatibility/2006" xmlns:a14="http://schemas.microsoft.com/office/drawing/2010/main">
+        <mc:Choice Requires="a14">
+          <p:sp>
+            <p:nvSpPr>
+              <p:cNvPr id="3" name="Content Placeholder 2"/>
+              <p:cNvSpPr>
+                <a:spLocks noGrp="1"/>
+              </p:cNvSpPr>
+              <p:nvPr>
+                <p:ph idx="1"/>
+              </p:nvPr>
+            </p:nvSpPr>
+            <p:spPr>
+              <a:xfrm>
+                <a:off x="457200" y="1111170"/>
+                <a:ext cx="8229600" cy="3754055"/>
+              </a:xfrm>
+            </p:spPr>
+            <p:txBody>
+              <a:bodyPr>
+                <a:normAutofit fontScale="77500" lnSpcReduction="20000"/>
+              </a:bodyPr>
+              <a:lstStyle/>
+              <a:p>
+                <a:pPr marL="0" lvl="0" indent="0">
+                  <a:buNone/>
+                </a:pPr>
+                <a:r>
+                  <a:rPr dirty="0"/>
+                  <a:t>Likelihood is a measure of how likely a </a:t>
+                </a:r>
+                <a:r>
+                  <a:rPr b="1" dirty="0"/>
+                  <a:t>parametric model</a:t>
+                </a:r>
+                <a:r>
+                  <a:rPr dirty="0"/>
+                  <a:t> is to generate the observed data</a:t>
+                </a:r>
+              </a:p>
+              <a:p>
+                <a:pPr lvl="0"/>
+                <a:r>
+                  <a:rPr dirty="0"/>
+                  <a:t>Likelihood of sample from a </a:t>
+                </a:r>
+                <a:r>
+                  <a:rPr b="1" dirty="0"/>
+                  <a:t>data generating process</a:t>
+                </a:r>
+                <a:r>
+                  <a:rPr dirty="0"/>
+                  <a:t> with a </a:t>
+                </a:r>
+                <a:r>
+                  <a:rPr b="1" dirty="0"/>
+                  <a:t>parametric probability density</a:t>
+                </a:r>
+                <a:r>
+                  <a:rPr dirty="0"/>
+                  <a:t>, </a:t>
+                </a:r>
+                <a14:m>
+                  <m:oMath xmlns:m="http://schemas.openxmlformats.org/officeDocument/2006/math">
+                    <m:r>
+                      <a:rPr>
+                        <a:latin typeface="Cambria Math" panose="02040503050406030204" pitchFamily="18" charset="0"/>
+                      </a:rPr>
+                      <m:t>𝑓</m:t>
+                    </m:r>
+                    <m:d>
+                      <m:dPr>
+                        <m:ctrlPr>
+                          <a:rPr i="1">
+                            <a:latin typeface="Cambria Math" panose="02040503050406030204" pitchFamily="18" charset="0"/>
+                          </a:rPr>
+                        </m:ctrlPr>
+                      </m:dPr>
+                      <m:e>
+                        <m:r>
+                          <a:rPr>
+                            <a:latin typeface="Cambria Math" panose="02040503050406030204" pitchFamily="18" charset="0"/>
+                          </a:rPr>
+                          <m:t>𝐗</m:t>
+                        </m:r>
+                        <m:r>
+                          <a:rPr>
+                            <a:latin typeface="Cambria Math" panose="02040503050406030204" pitchFamily="18" charset="0"/>
+                          </a:rPr>
+                          <m:t>|</m:t>
+                        </m:r>
+                        <m:r>
+                          <a:rPr>
+                            <a:latin typeface="Cambria Math" panose="02040503050406030204" pitchFamily="18" charset="0"/>
+                          </a:rPr>
+                          <m:t>𝜃</m:t>
+                        </m:r>
+                      </m:e>
+                    </m:d>
+                  </m:oMath>
+                </a14:m>
+                <a:endParaRPr dirty="0"/>
+              </a:p>
+              <a:p>
+                <a:pPr lvl="0"/>
+                <a:r>
+                  <a:rPr dirty="0"/>
+                  <a:t>For the set of observations, </a:t>
+                </a:r>
+                <a14:m>
+                  <m:oMath xmlns:m="http://schemas.openxmlformats.org/officeDocument/2006/math">
+                    <m:r>
+                      <a:rPr>
+                        <a:latin typeface="Cambria Math" panose="02040503050406030204" pitchFamily="18" charset="0"/>
+                      </a:rPr>
+                      <m:t>𝐗</m:t>
+                    </m:r>
+                    <m:r>
+                      <a:rPr>
+                        <a:latin typeface="Cambria Math" panose="02040503050406030204" pitchFamily="18" charset="0"/>
+                      </a:rPr>
+                      <m:t>=</m:t>
+                    </m:r>
+                    <m:d>
+                      <m:dPr>
+                        <m:begChr m:val="["/>
+                        <m:endChr m:val="]"/>
+                        <m:ctrlPr>
+                          <a:rPr i="1">
+                            <a:latin typeface="Cambria Math" panose="02040503050406030204" pitchFamily="18" charset="0"/>
+                          </a:rPr>
+                        </m:ctrlPr>
+                      </m:dPr>
+                      <m:e>
+                        <m:sSub>
+                          <m:sSubPr>
+                            <m:ctrlPr>
+                              <a:rPr i="1">
+                                <a:latin typeface="Cambria Math" panose="02040503050406030204" pitchFamily="18" charset="0"/>
+                              </a:rPr>
+                            </m:ctrlPr>
+                          </m:sSubPr>
+                          <m:e>
+                            <m:r>
+                              <a:rPr>
+                                <a:latin typeface="Cambria Math" panose="02040503050406030204" pitchFamily="18" charset="0"/>
+                              </a:rPr>
+                              <m:t>𝑥</m:t>
+                            </m:r>
+                          </m:e>
+                          <m:sub>
+                            <m:r>
+                              <a:rPr>
+                                <a:latin typeface="Cambria Math" panose="02040503050406030204" pitchFamily="18" charset="0"/>
+                              </a:rPr>
+                              <m:t>1</m:t>
+                            </m:r>
+                          </m:sub>
+                        </m:sSub>
+                        <m:r>
+                          <a:rPr>
+                            <a:latin typeface="Cambria Math" panose="02040503050406030204" pitchFamily="18" charset="0"/>
+                          </a:rPr>
+                          <m:t>,</m:t>
+                        </m:r>
+                        <m:sSub>
+                          <m:sSubPr>
+                            <m:ctrlPr>
+                              <a:rPr i="1">
+                                <a:latin typeface="Cambria Math" panose="02040503050406030204" pitchFamily="18" charset="0"/>
+                              </a:rPr>
+                            </m:ctrlPr>
+                          </m:sSubPr>
+                          <m:e>
+                            <m:r>
+                              <a:rPr>
+                                <a:latin typeface="Cambria Math" panose="02040503050406030204" pitchFamily="18" charset="0"/>
+                              </a:rPr>
+                              <m:t>𝑥</m:t>
+                            </m:r>
+                          </m:e>
+                          <m:sub>
+                            <m:r>
+                              <a:rPr>
+                                <a:latin typeface="Cambria Math" panose="02040503050406030204" pitchFamily="18" charset="0"/>
+                              </a:rPr>
+                              <m:t>2</m:t>
+                            </m:r>
+                          </m:sub>
+                        </m:sSub>
+                        <m:r>
+                          <a:rPr>
+                            <a:latin typeface="Cambria Math" panose="02040503050406030204" pitchFamily="18" charset="0"/>
+                          </a:rPr>
+                          <m:t>,…,</m:t>
+                        </m:r>
+                        <m:sSub>
+                          <m:sSubPr>
+                            <m:ctrlPr>
+                              <a:rPr i="1">
+                                <a:latin typeface="Cambria Math" panose="02040503050406030204" pitchFamily="18" charset="0"/>
+                              </a:rPr>
+                            </m:ctrlPr>
+                          </m:sSubPr>
+                          <m:e>
+                            <m:r>
+                              <a:rPr>
+                                <a:latin typeface="Cambria Math" panose="02040503050406030204" pitchFamily="18" charset="0"/>
+                              </a:rPr>
+                              <m:t>𝑥</m:t>
+                            </m:r>
+                          </m:e>
+                          <m:sub>
+                            <m:r>
+                              <a:rPr>
+                                <a:latin typeface="Cambria Math" panose="02040503050406030204" pitchFamily="18" charset="0"/>
+                              </a:rPr>
+                              <m:t>𝑛</m:t>
+                            </m:r>
+                          </m:sub>
+                        </m:sSub>
+                      </m:e>
+                    </m:d>
+                  </m:oMath>
+                </a14:m>
+                <a:r>
+                  <a:rPr dirty="0"/>
+                  <a:t>, the likelihood is the product of the densities:</a:t>
+                </a:r>
+              </a:p>
+              <a:p>
+                <a:pPr marL="0" lvl="0" indent="0">
+                  <a:buNone/>
+                </a:pPr>
+                <a14:m>
+                  <m:oMathPara xmlns:m="http://schemas.openxmlformats.org/officeDocument/2006/math">
+                    <m:oMathParaPr>
+                      <m:jc m:val="center"/>
+                    </m:oMathParaPr>
+                    <m:oMath xmlns:m="http://schemas.openxmlformats.org/officeDocument/2006/math">
+                      <m:r>
+                        <a:rPr>
+                          <a:latin typeface="Cambria Math" panose="02040503050406030204" pitchFamily="18" charset="0"/>
+                        </a:rPr>
+                        <m:t>ℒ</m:t>
+                      </m:r>
+                      <m:d>
+                        <m:dPr>
+                          <m:ctrlPr>
+                            <a:rPr i="1">
+                              <a:latin typeface="Cambria Math" panose="02040503050406030204" pitchFamily="18" charset="0"/>
+                            </a:rPr>
+                          </m:ctrlPr>
+                        </m:dPr>
+                        <m:e>
+                          <m:r>
+                            <a:rPr>
+                              <a:latin typeface="Cambria Math" panose="02040503050406030204" pitchFamily="18" charset="0"/>
+                            </a:rPr>
+                            <m:t>𝐗</m:t>
+                          </m:r>
+                          <m:r>
+                            <a:rPr>
+                              <a:latin typeface="Cambria Math" panose="02040503050406030204" pitchFamily="18" charset="0"/>
+                            </a:rPr>
+                            <m:t>| </m:t>
+                          </m:r>
+                          <m:r>
+                            <a:rPr>
+                              <a:latin typeface="Cambria Math" panose="02040503050406030204" pitchFamily="18" charset="0"/>
+                            </a:rPr>
+                            <m:t>𝛉</m:t>
+                          </m:r>
+                        </m:e>
+                      </m:d>
+                      <m:r>
+                        <a:rPr>
+                          <a:latin typeface="Cambria Math" panose="02040503050406030204" pitchFamily="18" charset="0"/>
+                        </a:rPr>
+                        <m:t>=</m:t>
+                      </m:r>
+                      <m:nary>
+                        <m:naryPr>
+                          <m:chr m:val="∏"/>
+                          <m:limLoc m:val="undOvr"/>
+                          <m:ctrlPr>
+                            <a:rPr i="1">
+                              <a:latin typeface="Cambria Math" panose="02040503050406030204" pitchFamily="18" charset="0"/>
+                            </a:rPr>
+                          </m:ctrlPr>
+                        </m:naryPr>
+                        <m:sub>
+                          <m:r>
+                            <a:rPr>
+                              <a:latin typeface="Cambria Math" panose="02040503050406030204" pitchFamily="18" charset="0"/>
+                            </a:rPr>
+                            <m:t>𝑖</m:t>
+                          </m:r>
+                          <m:r>
+                            <a:rPr>
+                              <a:latin typeface="Cambria Math" panose="02040503050406030204" pitchFamily="18" charset="0"/>
+                            </a:rPr>
+                            <m:t>=</m:t>
+                          </m:r>
+                          <m:r>
+                            <a:rPr>
+                              <a:latin typeface="Cambria Math" panose="02040503050406030204" pitchFamily="18" charset="0"/>
+                            </a:rPr>
+                            <m:t>1</m:t>
+                          </m:r>
+                        </m:sub>
+                        <m:sup>
+                          <m:r>
+                            <a:rPr>
+                              <a:latin typeface="Cambria Math" panose="02040503050406030204" pitchFamily="18" charset="0"/>
+                            </a:rPr>
+                            <m:t>𝑛</m:t>
+                          </m:r>
+                        </m:sup>
+                        <m:e>
+                          <m:r>
+                            <a:rPr>
+                              <a:latin typeface="Cambria Math" panose="02040503050406030204" pitchFamily="18" charset="0"/>
+                            </a:rPr>
+                            <m:t>𝑓</m:t>
+                          </m:r>
+                        </m:e>
+                      </m:nary>
+                      <m:d>
+                        <m:dPr>
+                          <m:ctrlPr>
+                            <a:rPr i="1">
+                              <a:latin typeface="Cambria Math" panose="02040503050406030204" pitchFamily="18" charset="0"/>
+                            </a:rPr>
+                          </m:ctrlPr>
+                        </m:dPr>
+                        <m:e>
+                          <m:sSub>
+                            <m:sSubPr>
+                              <m:ctrlPr>
+                                <a:rPr i="1">
+                                  <a:latin typeface="Cambria Math" panose="02040503050406030204" pitchFamily="18" charset="0"/>
+                                </a:rPr>
+                              </m:ctrlPr>
+                            </m:sSubPr>
+                            <m:e>
+                              <m:r>
+                                <a:rPr>
+                                  <a:latin typeface="Cambria Math" panose="02040503050406030204" pitchFamily="18" charset="0"/>
+                                </a:rPr>
+                                <m:t>𝑥</m:t>
+                              </m:r>
+                            </m:e>
+                            <m:sub>
+                              <m:r>
+                                <a:rPr>
+                                  <a:latin typeface="Cambria Math" panose="02040503050406030204" pitchFamily="18" charset="0"/>
+                                </a:rPr>
+                                <m:t>𝑖</m:t>
+                              </m:r>
+                            </m:sub>
+                          </m:sSub>
+                          <m:r>
+                            <a:rPr>
+                              <a:latin typeface="Cambria Math" panose="02040503050406030204" pitchFamily="18" charset="0"/>
+                            </a:rPr>
+                            <m:t>|</m:t>
+                          </m:r>
+                          <m:r>
+                            <a:rPr>
+                              <a:latin typeface="Cambria Math" panose="02040503050406030204" pitchFamily="18" charset="0"/>
+                            </a:rPr>
+                            <m:t>𝛉</m:t>
+                          </m:r>
+                        </m:e>
+                      </m:d>
+                    </m:oMath>
+                  </m:oMathPara>
+                </a14:m>
+                <a:endParaRPr dirty="0"/>
+              </a:p>
+              <a:p>
+                <a:pPr lvl="0"/>
+                <a:r>
+                  <a:rPr dirty="0"/>
+                  <a:t>In most practical cases, we work with the </a:t>
+                </a:r>
+                <a:r>
+                  <a:rPr b="1" dirty="0"/>
+                  <a:t>log likelihood</a:t>
+                </a:r>
+                <a:r>
+                  <a:rPr dirty="0"/>
+                  <a:t>, for observations, </a:t>
+                </a:r>
+                <a14:m>
+                  <m:oMath xmlns:m="http://schemas.openxmlformats.org/officeDocument/2006/math">
+                    <m:r>
+                      <a:rPr>
+                        <a:latin typeface="Cambria Math" panose="02040503050406030204" pitchFamily="18" charset="0"/>
+                      </a:rPr>
+                      <m:t>𝐗</m:t>
+                    </m:r>
+                    <m:r>
+                      <a:rPr>
+                        <a:latin typeface="Cambria Math" panose="02040503050406030204" pitchFamily="18" charset="0"/>
+                      </a:rPr>
+                      <m:t>=</m:t>
+                    </m:r>
+                    <m:sSub>
+                      <m:sSubPr>
+                        <m:ctrlPr>
+                          <a:rPr i="1">
+                            <a:latin typeface="Cambria Math" panose="02040503050406030204" pitchFamily="18" charset="0"/>
+                          </a:rPr>
+                        </m:ctrlPr>
+                      </m:sSubPr>
+                      <m:e>
+                        <m:r>
+                          <a:rPr>
+                            <a:latin typeface="Cambria Math" panose="02040503050406030204" pitchFamily="18" charset="0"/>
+                          </a:rPr>
+                          <m:t>𝑥</m:t>
+                        </m:r>
+                      </m:e>
+                      <m:sub>
+                        <m:r>
+                          <a:rPr>
+                            <a:latin typeface="Cambria Math" panose="02040503050406030204" pitchFamily="18" charset="0"/>
+                          </a:rPr>
+                          <m:t>1</m:t>
+                        </m:r>
+                      </m:sub>
+                    </m:sSub>
+                    <m:r>
+                      <a:rPr>
+                        <a:latin typeface="Cambria Math" panose="02040503050406030204" pitchFamily="18" charset="0"/>
+                      </a:rPr>
+                      <m:t>,</m:t>
+                    </m:r>
+                    <m:sSub>
+                      <m:sSubPr>
+                        <m:ctrlPr>
+                          <a:rPr i="1">
+                            <a:latin typeface="Cambria Math" panose="02040503050406030204" pitchFamily="18" charset="0"/>
+                          </a:rPr>
+                        </m:ctrlPr>
+                      </m:sSubPr>
+                      <m:e>
+                        <m:r>
+                          <a:rPr>
+                            <a:latin typeface="Cambria Math" panose="02040503050406030204" pitchFamily="18" charset="0"/>
+                          </a:rPr>
+                          <m:t>𝑥</m:t>
+                        </m:r>
+                      </m:e>
+                      <m:sub>
+                        <m:r>
+                          <a:rPr>
+                            <a:latin typeface="Cambria Math" panose="02040503050406030204" pitchFamily="18" charset="0"/>
+                          </a:rPr>
+                          <m:t>2</m:t>
+                        </m:r>
+                      </m:sub>
+                    </m:sSub>
+                    <m:r>
+                      <a:rPr>
+                        <a:latin typeface="Cambria Math" panose="02040503050406030204" pitchFamily="18" charset="0"/>
+                      </a:rPr>
+                      <m:t>,…,</m:t>
+                    </m:r>
+                    <m:sSub>
+                      <m:sSubPr>
+                        <m:ctrlPr>
+                          <a:rPr i="1">
+                            <a:latin typeface="Cambria Math" panose="02040503050406030204" pitchFamily="18" charset="0"/>
+                          </a:rPr>
+                        </m:ctrlPr>
+                      </m:sSubPr>
+                      <m:e>
+                        <m:r>
+                          <a:rPr>
+                            <a:latin typeface="Cambria Math" panose="02040503050406030204" pitchFamily="18" charset="0"/>
+                          </a:rPr>
+                          <m:t>𝑥</m:t>
+                        </m:r>
+                      </m:e>
+                      <m:sub>
+                        <m:r>
+                          <a:rPr>
+                            <a:latin typeface="Cambria Math" panose="02040503050406030204" pitchFamily="18" charset="0"/>
+                          </a:rPr>
+                          <m:t>𝑛</m:t>
+                        </m:r>
+                      </m:sub>
+                    </m:sSub>
+                  </m:oMath>
+                </a14:m>
+                <a:r>
+                  <a:rPr dirty="0"/>
+                  <a:t>, the log likelihood is expressed:</a:t>
+                </a:r>
+              </a:p>
+              <a:p>
+                <a:pPr marL="0" lvl="0" indent="0">
+                  <a:buNone/>
+                </a:pPr>
+                <a14:m>
+                  <m:oMathPara xmlns:m="http://schemas.openxmlformats.org/officeDocument/2006/math">
+                    <m:oMathParaPr>
+                      <m:jc m:val="center"/>
+                    </m:oMathParaPr>
+                    <m:oMath xmlns:m="http://schemas.openxmlformats.org/officeDocument/2006/math">
+                      <m:r>
+                        <a:rPr>
+                          <a:latin typeface="Cambria Math" panose="02040503050406030204" pitchFamily="18" charset="0"/>
+                        </a:rPr>
+                        <m:t>𝑙</m:t>
+                      </m:r>
+                      <m:d>
+                        <m:dPr>
+                          <m:ctrlPr>
+                            <a:rPr i="1">
+                              <a:latin typeface="Cambria Math" panose="02040503050406030204" pitchFamily="18" charset="0"/>
+                            </a:rPr>
+                          </m:ctrlPr>
+                        </m:dPr>
+                        <m:e>
+                          <m:r>
+                            <a:rPr>
+                              <a:latin typeface="Cambria Math" panose="02040503050406030204" pitchFamily="18" charset="0"/>
+                            </a:rPr>
+                            <m:t>𝐗</m:t>
+                          </m:r>
+                          <m:r>
+                            <a:rPr>
+                              <a:latin typeface="Cambria Math" panose="02040503050406030204" pitchFamily="18" charset="0"/>
+                            </a:rPr>
+                            <m:t>| </m:t>
+                          </m:r>
+                          <m:r>
+                            <a:rPr>
+                              <a:latin typeface="Cambria Math" panose="02040503050406030204" pitchFamily="18" charset="0"/>
+                            </a:rPr>
+                            <m:t>𝛉</m:t>
+                          </m:r>
+                        </m:e>
+                      </m:d>
+                      <m:r>
+                        <a:rPr>
+                          <a:latin typeface="Cambria Math" panose="02040503050406030204" pitchFamily="18" charset="0"/>
+                        </a:rPr>
+                        <m:t>=</m:t>
+                      </m:r>
+                      <m:r>
+                        <a:rPr>
+                          <a:latin typeface="Cambria Math" panose="02040503050406030204" pitchFamily="18" charset="0"/>
+                        </a:rPr>
+                        <m:t>𝑙𝑜𝑔</m:t>
+                      </m:r>
+                      <m:d>
+                        <m:dPr>
+                          <m:ctrlPr>
+                            <a:rPr i="1">
+                              <a:latin typeface="Cambria Math" panose="02040503050406030204" pitchFamily="18" charset="0"/>
+                            </a:rPr>
+                          </m:ctrlPr>
+                        </m:dPr>
+                        <m:e>
+                          <m:r>
+                            <a:rPr>
+                              <a:latin typeface="Cambria Math" panose="02040503050406030204" pitchFamily="18" charset="0"/>
+                            </a:rPr>
+                            <m:t>ℒ</m:t>
+                          </m:r>
+                          <m:d>
+                            <m:dPr>
+                              <m:ctrlPr>
+                                <a:rPr i="1">
+                                  <a:latin typeface="Cambria Math" panose="02040503050406030204" pitchFamily="18" charset="0"/>
+                                </a:rPr>
+                              </m:ctrlPr>
+                            </m:dPr>
+                            <m:e>
+                              <m:r>
+                                <a:rPr>
+                                  <a:latin typeface="Cambria Math" panose="02040503050406030204" pitchFamily="18" charset="0"/>
+                                </a:rPr>
+                                <m:t>𝐗</m:t>
+                              </m:r>
+                              <m:r>
+                                <a:rPr>
+                                  <a:latin typeface="Cambria Math" panose="02040503050406030204" pitchFamily="18" charset="0"/>
+                                </a:rPr>
+                                <m:t>| </m:t>
+                              </m:r>
+                              <m:r>
+                                <a:rPr>
+                                  <a:latin typeface="Cambria Math" panose="02040503050406030204" pitchFamily="18" charset="0"/>
+                                </a:rPr>
+                                <m:t>𝛉</m:t>
+                              </m:r>
+                            </m:e>
+                          </m:d>
+                        </m:e>
+                      </m:d>
+                      <m:r>
+                        <a:rPr>
+                          <a:latin typeface="Cambria Math" panose="02040503050406030204" pitchFamily="18" charset="0"/>
+                        </a:rPr>
+                        <m:t>=</m:t>
+                      </m:r>
+                      <m:nary>
+                        <m:naryPr>
+                          <m:chr m:val="∑"/>
+                          <m:limLoc m:val="undOvr"/>
+                          <m:ctrlPr>
+                            <a:rPr i="1">
+                              <a:latin typeface="Cambria Math" panose="02040503050406030204" pitchFamily="18" charset="0"/>
+                            </a:rPr>
+                          </m:ctrlPr>
+                        </m:naryPr>
+                        <m:sub>
+                          <m:r>
+                            <a:rPr>
+                              <a:latin typeface="Cambria Math" panose="02040503050406030204" pitchFamily="18" charset="0"/>
+                            </a:rPr>
+                            <m:t>𝑖</m:t>
+                          </m:r>
+                          <m:r>
+                            <a:rPr>
+                              <a:latin typeface="Cambria Math" panose="02040503050406030204" pitchFamily="18" charset="0"/>
+                            </a:rPr>
+                            <m:t>=</m:t>
+                          </m:r>
+                          <m:r>
+                            <a:rPr>
+                              <a:latin typeface="Cambria Math" panose="02040503050406030204" pitchFamily="18" charset="0"/>
+                            </a:rPr>
+                            <m:t>1</m:t>
+                          </m:r>
+                        </m:sub>
+                        <m:sup>
+                          <m:r>
+                            <a:rPr>
+                              <a:latin typeface="Cambria Math" panose="02040503050406030204" pitchFamily="18" charset="0"/>
+                            </a:rPr>
+                            <m:t>𝑛</m:t>
+                          </m:r>
+                        </m:sup>
+                        <m:e>
+                          <m:r>
+                            <a:rPr>
+                              <a:latin typeface="Cambria Math" panose="02040503050406030204" pitchFamily="18" charset="0"/>
+                            </a:rPr>
+                            <m:t>𝑙</m:t>
+                          </m:r>
+                        </m:e>
+                      </m:nary>
+                      <m:r>
+                        <a:rPr>
+                          <a:latin typeface="Cambria Math" panose="02040503050406030204" pitchFamily="18" charset="0"/>
+                        </a:rPr>
+                        <m:t>𝑜𝑔</m:t>
+                      </m:r>
+                      <m:d>
+                        <m:dPr>
+                          <m:ctrlPr>
+                            <a:rPr i="1">
+                              <a:latin typeface="Cambria Math" panose="02040503050406030204" pitchFamily="18" charset="0"/>
+                            </a:rPr>
+                          </m:ctrlPr>
+                        </m:dPr>
+                        <m:e>
+                          <m:r>
+                            <a:rPr>
+                              <a:latin typeface="Cambria Math" panose="02040503050406030204" pitchFamily="18" charset="0"/>
+                            </a:rPr>
+                            <m:t>𝑓</m:t>
+                          </m:r>
+                          <m:d>
+                            <m:dPr>
+                              <m:ctrlPr>
+                                <a:rPr i="1">
+                                  <a:latin typeface="Cambria Math" panose="02040503050406030204" pitchFamily="18" charset="0"/>
+                                </a:rPr>
+                              </m:ctrlPr>
+                            </m:dPr>
+                            <m:e>
+                              <m:sSub>
+                                <m:sSubPr>
+                                  <m:ctrlPr>
+                                    <a:rPr i="1">
+                                      <a:latin typeface="Cambria Math" panose="02040503050406030204" pitchFamily="18" charset="0"/>
+                                    </a:rPr>
+                                  </m:ctrlPr>
+                                </m:sSubPr>
+                                <m:e>
+                                  <m:r>
+                                    <a:rPr>
+                                      <a:latin typeface="Cambria Math" panose="02040503050406030204" pitchFamily="18" charset="0"/>
+                                    </a:rPr>
+                                    <m:t>𝑥</m:t>
+                                  </m:r>
+                                </m:e>
+                                <m:sub>
+                                  <m:r>
+                                    <a:rPr>
+                                      <a:latin typeface="Cambria Math" panose="02040503050406030204" pitchFamily="18" charset="0"/>
+                                    </a:rPr>
+                                    <m:t>𝑖</m:t>
+                                  </m:r>
+                                </m:sub>
+                              </m:sSub>
+                              <m:r>
+                                <a:rPr>
+                                  <a:latin typeface="Cambria Math" panose="02040503050406030204" pitchFamily="18" charset="0"/>
+                                </a:rPr>
+                                <m:t> | </m:t>
+                              </m:r>
+                              <m:r>
+                                <a:rPr>
+                                  <a:latin typeface="Cambria Math" panose="02040503050406030204" pitchFamily="18" charset="0"/>
+                                </a:rPr>
+                                <m:t>𝛉</m:t>
+                              </m:r>
+                            </m:e>
+                          </m:d>
+                        </m:e>
+                      </m:d>
+                    </m:oMath>
+                  </m:oMathPara>
+                </a14:m>
+                <a:endParaRPr dirty="0"/>
+              </a:p>
+            </p:txBody>
+          </p:sp>
+        </mc:Choice>
+        <mc:Fallback xmlns="">
+          <p:sp>
+            <p:nvSpPr>
+              <p:cNvPr id="3" name="Content Placeholder 2"/>
+              <p:cNvSpPr>
+                <a:spLocks noGrp="1" noRot="1" noChangeAspect="1" noMove="1" noResize="1" noEditPoints="1" noAdjustHandles="1" noChangeArrowheads="1" noChangeShapeType="1" noTextEdit="1"/>
+              </p:cNvSpPr>
+              <p:nvPr>
+                <p:ph idx="1"/>
+              </p:nvPr>
+            </p:nvSpPr>
+            <p:spPr>
+              <a:xfrm>
+                <a:off x="457200" y="1111170"/>
+                <a:ext cx="8229600" cy="3754055"/>
+              </a:xfrm>
+              <a:blipFill>
+                <a:blip r:embed="rId2"/>
+                <a:stretch>
+                  <a:fillRect l="-667" t="-2110" r="-1111"/>
+                </a:stretch>
+              </a:blipFill>
+            </p:spPr>
+            <p:txBody>
+              <a:bodyPr/>
+              <a:lstStyle/>
+              <a:p>
+                <a:r>
+                  <a:rPr lang="en-US">
+                    <a:noFill/>
+                  </a:rPr>
+                  <a:t> </a:t>
+                </a:r>
+              </a:p>
+            </p:txBody>
+          </p:sp>
+        </mc:Fallback>
+      </mc:AlternateContent>
+      <p:sp>
+        <p:nvSpPr>
+          <p:cNvPr id="2" name="Title 1">
+            <a:extLst>
+              <a:ext uri="{FF2B5EF4-FFF2-40B4-BE49-F238E27FC236}">
+                <a16:creationId xmlns:a16="http://schemas.microsoft.com/office/drawing/2014/main" id="{23E2EAAC-BC98-3444-4C03-B2942D64B837}"/>
+              </a:ext>
+            </a:extLst>
+          </p:cNvPr>
+          <p:cNvSpPr>
+            <a:spLocks noGrp="1"/>
+          </p:cNvSpPr>
+          <p:nvPr>
+            <p:ph type="title"/>
+          </p:nvPr>
+        </p:nvSpPr>
+        <p:spPr>
+          <a:xfrm>
+            <a:off x="457200" y="205979"/>
+            <a:ext cx="8229600" cy="857250"/>
+          </a:xfrm>
+        </p:spPr>
+        <p:txBody>
+          <a:bodyPr/>
+          <a:lstStyle/>
+          <a:p>
+            <a:pPr marL="0" lvl="0" indent="0">
+              <a:spcBef>
+                <a:spcPts val="3000"/>
+              </a:spcBef>
+              <a:buNone/>
+            </a:pPr>
+            <a:r>
+              <a:rPr lang="en-US" b="1" dirty="0"/>
+              <a:t>Likelihood</a:t>
+            </a:r>
+          </a:p>
+        </p:txBody>
+      </p:sp>
+    </p:spTree>
+  </p:cSld>
+  <p:clrMapOvr>
+    <a:masterClrMapping/>
+  </p:clrMapOvr>
+</p:sld>
+</file>
+
+<file path=ppt/slides/slide40.xml><?xml version="1.0" encoding="utf-8"?>
 <p:sld xmlns:a="http://schemas.openxmlformats.org/drawingml/2006/main" xmlns:r="http://schemas.openxmlformats.org/officeDocument/2006/relationships" xmlns:p="http://schemas.openxmlformats.org/presentationml/2006/main">
   <p:cSld>
     <p:spTree>
@@ -22455,7 +22762,7 @@
 </p:sld>
 </file>
 
-<file path=ppt/slides/slide43.xml><?xml version="1.0" encoding="utf-8"?>
+<file path=ppt/slides/slide41.xml><?xml version="1.0" encoding="utf-8"?>
 <p:sld xmlns:a="http://schemas.openxmlformats.org/drawingml/2006/main" xmlns:r="http://schemas.openxmlformats.org/officeDocument/2006/relationships" xmlns:p="http://schemas.openxmlformats.org/presentationml/2006/main">
   <p:cSld>
     <p:spTree>
@@ -22714,7 +23021,7 @@
 </p:sld>
 </file>
 
-<file path=ppt/slides/slide44.xml><?xml version="1.0" encoding="utf-8"?>
+<file path=ppt/slides/slide42.xml><?xml version="1.0" encoding="utf-8"?>
 <p:sld xmlns:a="http://schemas.openxmlformats.org/drawingml/2006/main" xmlns:r="http://schemas.openxmlformats.org/officeDocument/2006/relationships" xmlns:p="http://schemas.openxmlformats.org/presentationml/2006/main">
   <p:cSld>
     <p:spTree>
@@ -22861,7 +23168,7 @@
 </p:sld>
 </file>
 
-<file path=ppt/slides/slide45.xml><?xml version="1.0" encoding="utf-8"?>
+<file path=ppt/slides/slide43.xml><?xml version="1.0" encoding="utf-8"?>
 <p:sld xmlns:a="http://schemas.openxmlformats.org/drawingml/2006/main" xmlns:r="http://schemas.openxmlformats.org/officeDocument/2006/relationships" xmlns:p="http://schemas.openxmlformats.org/presentationml/2006/main">
   <p:cSld>
     <p:spTree>
@@ -22978,7 +23285,7 @@
 </p:sld>
 </file>
 
-<file path=ppt/slides/slide46.xml><?xml version="1.0" encoding="utf-8"?>
+<file path=ppt/slides/slide44.xml><?xml version="1.0" encoding="utf-8"?>
 <p:sld xmlns:a="http://schemas.openxmlformats.org/drawingml/2006/main" xmlns:r="http://schemas.openxmlformats.org/officeDocument/2006/relationships" xmlns:p="http://schemas.openxmlformats.org/presentationml/2006/main">
   <p:cSld>
     <p:spTree>
@@ -23498,7 +23805,7 @@
 </p:sld>
 </file>
 
-<file path=ppt/slides/slide47.xml><?xml version="1.0" encoding="utf-8"?>
+<file path=ppt/slides/slide45.xml><?xml version="1.0" encoding="utf-8"?>
 <p:sld xmlns:a="http://schemas.openxmlformats.org/drawingml/2006/main" xmlns:r="http://schemas.openxmlformats.org/officeDocument/2006/relationships" xmlns:p="http://schemas.openxmlformats.org/presentationml/2006/main">
   <p:cSld>
     <p:spTree>
@@ -24378,7 +24685,7 @@
 </p:sld>
 </file>
 
-<file path=ppt/slides/slide48.xml><?xml version="1.0" encoding="utf-8"?>
+<file path=ppt/slides/slide46.xml><?xml version="1.0" encoding="utf-8"?>
 <p:sld xmlns:a="http://schemas.openxmlformats.org/drawingml/2006/main" xmlns:r="http://schemas.openxmlformats.org/officeDocument/2006/relationships" xmlns:p="http://schemas.openxmlformats.org/presentationml/2006/main">
   <p:cSld>
     <p:spTree>
@@ -25272,7 +25579,7 @@
 </p:sld>
 </file>
 
-<file path=ppt/slides/slide49.xml><?xml version="1.0" encoding="utf-8"?>
+<file path=ppt/slides/slide47.xml><?xml version="1.0" encoding="utf-8"?>
 <p:sld xmlns:a="http://schemas.openxmlformats.org/drawingml/2006/main" xmlns:r="http://schemas.openxmlformats.org/officeDocument/2006/relationships" xmlns:p="http://schemas.openxmlformats.org/presentationml/2006/main">
   <p:cSld>
     <p:spTree>
@@ -26087,154 +26394,7 @@
 </p:sld>
 </file>
 
-<file path=ppt/slides/slide5.xml><?xml version="1.0" encoding="utf-8"?>
-<p:sld xmlns:a="http://schemas.openxmlformats.org/drawingml/2006/main" xmlns:r="http://schemas.openxmlformats.org/officeDocument/2006/relationships" xmlns:p="http://schemas.openxmlformats.org/presentationml/2006/main">
-  <p:cSld>
-    <p:spTree>
-      <p:nvGrpSpPr>
-        <p:cNvPr id="1" name=""/>
-        <p:cNvGrpSpPr/>
-        <p:nvPr/>
-      </p:nvGrpSpPr>
-      <p:grpSpPr>
-        <a:xfrm>
-          <a:off x="0" y="0"/>
-          <a:ext cx="0" cy="0"/>
-          <a:chOff x="0" y="0"/>
-          <a:chExt cx="0" cy="0"/>
-        </a:xfrm>
-      </p:grpSpPr>
-      <p:sp>
-        <p:nvSpPr>
-          <p:cNvPr id="3" name="Content Placeholder 2"/>
-          <p:cNvSpPr>
-            <a:spLocks noGrp="1"/>
-          </p:cNvSpPr>
-          <p:nvPr>
-            <p:ph idx="1"/>
-          </p:nvPr>
-        </p:nvSpPr>
-        <p:spPr>
-          <a:xfrm>
-            <a:off x="457200" y="933691"/>
-            <a:ext cx="8229600" cy="3660932"/>
-          </a:xfrm>
-        </p:spPr>
-        <p:txBody>
-          <a:bodyPr>
-            <a:normAutofit fontScale="92500" lnSpcReduction="20000"/>
-          </a:bodyPr>
-          <a:lstStyle/>
-          <a:p>
-            <a:pPr marL="0" lvl="0" indent="0">
-              <a:buNone/>
-            </a:pPr>
-            <a:r>
-              <a:rPr dirty="0"/>
-              <a:t>The concept of </a:t>
-            </a:r>
-            <a:r>
-              <a:rPr b="1" dirty="0"/>
-              <a:t>likelihood</a:t>
-            </a:r>
-            <a:r>
-              <a:rPr dirty="0"/>
-              <a:t> and </a:t>
-            </a:r>
-            <a:r>
-              <a:rPr b="1" dirty="0"/>
-              <a:t>maximum likelihood estimation (MLE)</a:t>
-            </a:r>
-            <a:r>
-              <a:rPr dirty="0"/>
-              <a:t> have been at the core of much of statistical modeling for about 100 years</a:t>
-            </a:r>
-          </a:p>
-          <a:p>
-            <a:pPr lvl="0"/>
-            <a:r>
-              <a:rPr dirty="0"/>
-              <a:t>In 21st Century, likelihood and MLE continue to be foundational</a:t>
-            </a:r>
-          </a:p>
-          <a:p>
-            <a:pPr lvl="0"/>
-            <a:r>
-              <a:rPr dirty="0"/>
-              <a:t>Understanding the concept of likelihood and the use of MLE methods is key to understanding many parametric statistical methods</a:t>
-            </a:r>
-          </a:p>
-          <a:p>
-            <a:pPr lvl="0"/>
-            <a:r>
-              <a:rPr dirty="0"/>
-              <a:t>Likelihood is a measure of how likely a parametric model is to generate the observed data</a:t>
-            </a:r>
-          </a:p>
-          <a:p>
-            <a:pPr lvl="0"/>
-            <a:r>
-              <a:rPr dirty="0"/>
-              <a:t>MLE is a generic methods for parameter estimation</a:t>
-            </a:r>
-          </a:p>
-          <a:p>
-            <a:pPr lvl="0"/>
-            <a:r>
-              <a:rPr dirty="0"/>
-              <a:t>MLE used widely for machine learning models, including some deep learning models</a:t>
-            </a:r>
-          </a:p>
-        </p:txBody>
-      </p:sp>
-      <p:sp>
-        <p:nvSpPr>
-          <p:cNvPr id="2" name="Title 1">
-            <a:extLst>
-              <a:ext uri="{FF2B5EF4-FFF2-40B4-BE49-F238E27FC236}">
-                <a16:creationId xmlns:a16="http://schemas.microsoft.com/office/drawing/2014/main" id="{1FEDBAC9-EFB0-6D32-EB91-84EC8AA64886}"/>
-              </a:ext>
-            </a:extLst>
-          </p:cNvPr>
-          <p:cNvSpPr>
-            <a:spLocks noGrp="1"/>
-          </p:cNvSpPr>
-          <p:nvPr>
-            <p:ph type="title"/>
-          </p:nvPr>
-        </p:nvSpPr>
-        <p:spPr>
-          <a:xfrm>
-            <a:off x="457200" y="205979"/>
-            <a:ext cx="8229600" cy="857250"/>
-          </a:xfrm>
-        </p:spPr>
-        <p:txBody>
-          <a:bodyPr/>
-          <a:lstStyle/>
-          <a:p>
-            <a:pPr marL="0" lvl="0" indent="0">
-              <a:spcBef>
-                <a:spcPts val="3000"/>
-              </a:spcBef>
-              <a:buNone/>
-            </a:pPr>
-            <a:r>
-              <a:rPr lang="en-US" b="1" dirty="0"/>
-              <a:t>Introduction</a:t>
-            </a:r>
-          </a:p>
-        </p:txBody>
-      </p:sp>
-    </p:spTree>
-  </p:cSld>
-  <p:clrMapOvr>
-    <a:masterClrMapping/>
-  </p:clrMapOvr>
-</p:sld>
-</file>
-
-<file path=ppt/slides/slide50.xml><?xml version="1.0" encoding="utf-8"?>
+<file path=ppt/slides/slide48.xml><?xml version="1.0" encoding="utf-8"?>
 <p:sld xmlns:a="http://schemas.openxmlformats.org/drawingml/2006/main" xmlns:r="http://schemas.openxmlformats.org/officeDocument/2006/relationships" xmlns:p="http://schemas.openxmlformats.org/presentationml/2006/main">
   <p:cSld>
     <p:spTree>
@@ -26766,7 +26926,7 @@
 </p:sld>
 </file>
 
-<file path=ppt/slides/slide51.xml><?xml version="1.0" encoding="utf-8"?>
+<file path=ppt/slides/slide49.xml><?xml version="1.0" encoding="utf-8"?>
 <p:sld xmlns:a="http://schemas.openxmlformats.org/drawingml/2006/main" xmlns:r="http://schemas.openxmlformats.org/officeDocument/2006/relationships" xmlns:p="http://schemas.openxmlformats.org/presentationml/2006/main">
   <p:cSld>
     <p:spTree>
@@ -26885,7 +27045,7 @@
 </p:sld>
 </file>
 
-<file path=ppt/slides/slide6.xml><?xml version="1.0" encoding="utf-8"?>
+<file path=ppt/slides/slide5.xml><?xml version="1.0" encoding="utf-8"?>
 <p:sld xmlns:a="http://schemas.openxmlformats.org/drawingml/2006/main" xmlns:r="http://schemas.openxmlformats.org/officeDocument/2006/relationships" xmlns:p="http://schemas.openxmlformats.org/presentationml/2006/main">
   <p:cSld>
     <p:spTree>
@@ -26902,8 +27062,8 @@
           <a:chExt cx="0" cy="0"/>
         </a:xfrm>
       </p:grpSpPr>
-      <mc:AlternateContent xmlns:mc="http://schemas.openxmlformats.org/markup-compatibility/2006" xmlns:a14="http://schemas.microsoft.com/office/drawing/2010/main">
-        <mc:Choice Requires="a14">
+      <mc:AlternateContent xmlns:mc="http://schemas.openxmlformats.org/markup-compatibility/2006">
+        <mc:Choice xmlns:a14="http://schemas.microsoft.com/office/drawing/2010/main" Requires="a14">
           <p:sp>
             <p:nvSpPr>
               <p:cNvPr id="3" name="Content Placeholder 2"/>
@@ -26914,10 +27074,15 @@
                 <p:ph idx="1"/>
               </p:nvPr>
             </p:nvSpPr>
-            <p:spPr/>
+            <p:spPr>
+              <a:xfrm>
+                <a:off x="457200" y="1200150"/>
+                <a:ext cx="8229600" cy="3644137"/>
+              </a:xfrm>
+            </p:spPr>
             <p:txBody>
               <a:bodyPr>
-                <a:normAutofit fontScale="92500" lnSpcReduction="10000"/>
+                <a:normAutofit fontScale="92500" lnSpcReduction="20000"/>
               </a:bodyPr>
               <a:lstStyle/>
               <a:p>
@@ -26934,309 +27099,22 @@
                 </a:r>
                 <a:r>
                   <a:rPr dirty="0"/>
-                  <a:t> is to generate the observed data</a:t>
+                  <a:t> is to generate the observed data sample</a:t>
                 </a:r>
               </a:p>
               <a:p>
                 <a:pPr lvl="0"/>
                 <a:r>
                   <a:rPr dirty="0"/>
-                  <a:t>Start with a data sample, </a:t>
-                </a:r>
-                <a14:m>
-                  <m:oMath xmlns:m="http://schemas.openxmlformats.org/officeDocument/2006/math">
-                    <m:r>
-                      <a:rPr>
-                        <a:latin typeface="Cambria Math" panose="02040503050406030204" pitchFamily="18" charset="0"/>
-                      </a:rPr>
-                      <m:t>𝐗</m:t>
-                    </m:r>
-                    <m:r>
-                      <a:rPr>
-                        <a:latin typeface="Cambria Math" panose="02040503050406030204" pitchFamily="18" charset="0"/>
-                      </a:rPr>
-                      <m:t>=</m:t>
-                    </m:r>
-                    <m:d>
-                      <m:dPr>
-                        <m:begChr m:val="["/>
-                        <m:endChr m:val="]"/>
-                        <m:ctrlPr>
-                          <a:rPr i="1">
-                            <a:latin typeface="Cambria Math" panose="02040503050406030204" pitchFamily="18" charset="0"/>
-                          </a:rPr>
-                        </m:ctrlPr>
-                      </m:dPr>
-                      <m:e>
-                        <m:sSub>
-                          <m:sSubPr>
-                            <m:ctrlPr>
-                              <a:rPr i="1">
-                                <a:latin typeface="Cambria Math" panose="02040503050406030204" pitchFamily="18" charset="0"/>
-                              </a:rPr>
-                            </m:ctrlPr>
-                          </m:sSubPr>
-                          <m:e>
-                            <m:r>
-                              <a:rPr>
-                                <a:latin typeface="Cambria Math" panose="02040503050406030204" pitchFamily="18" charset="0"/>
-                              </a:rPr>
-                              <m:t>𝑥</m:t>
-                            </m:r>
-                          </m:e>
-                          <m:sub>
-                            <m:r>
-                              <a:rPr>
-                                <a:latin typeface="Cambria Math" panose="02040503050406030204" pitchFamily="18" charset="0"/>
-                              </a:rPr>
-                              <m:t>1</m:t>
-                            </m:r>
-                          </m:sub>
-                        </m:sSub>
-                        <m:r>
-                          <a:rPr>
-                            <a:latin typeface="Cambria Math" panose="02040503050406030204" pitchFamily="18" charset="0"/>
-                          </a:rPr>
-                          <m:t>,</m:t>
-                        </m:r>
-                        <m:sSub>
-                          <m:sSubPr>
-                            <m:ctrlPr>
-                              <a:rPr i="1">
-                                <a:latin typeface="Cambria Math" panose="02040503050406030204" pitchFamily="18" charset="0"/>
-                              </a:rPr>
-                            </m:ctrlPr>
-                          </m:sSubPr>
-                          <m:e>
-                            <m:r>
-                              <a:rPr>
-                                <a:latin typeface="Cambria Math" panose="02040503050406030204" pitchFamily="18" charset="0"/>
-                              </a:rPr>
-                              <m:t>𝑥</m:t>
-                            </m:r>
-                          </m:e>
-                          <m:sub>
-                            <m:r>
-                              <a:rPr>
-                                <a:latin typeface="Cambria Math" panose="02040503050406030204" pitchFamily="18" charset="0"/>
-                              </a:rPr>
-                              <m:t>2</m:t>
-                            </m:r>
-                          </m:sub>
-                        </m:sSub>
-                        <m:r>
-                          <a:rPr>
-                            <a:latin typeface="Cambria Math" panose="02040503050406030204" pitchFamily="18" charset="0"/>
-                          </a:rPr>
-                          <m:t>,…,</m:t>
-                        </m:r>
-                        <m:sSub>
-                          <m:sSubPr>
-                            <m:ctrlPr>
-                              <a:rPr i="1">
-                                <a:latin typeface="Cambria Math" panose="02040503050406030204" pitchFamily="18" charset="0"/>
-                              </a:rPr>
-                            </m:ctrlPr>
-                          </m:sSubPr>
-                          <m:e>
-                            <m:r>
-                              <a:rPr>
-                                <a:latin typeface="Cambria Math" panose="02040503050406030204" pitchFamily="18" charset="0"/>
-                              </a:rPr>
-                              <m:t>𝑥</m:t>
-                            </m:r>
-                          </m:e>
-                          <m:sub>
-                            <m:r>
-                              <a:rPr>
-                                <a:latin typeface="Cambria Math" panose="02040503050406030204" pitchFamily="18" charset="0"/>
-                              </a:rPr>
-                              <m:t>𝑛</m:t>
-                            </m:r>
-                          </m:sub>
-                        </m:sSub>
-                      </m:e>
-                    </m:d>
-                  </m:oMath>
-                </a14:m>
-                <a:endParaRPr dirty="0"/>
-              </a:p>
-              <a:p>
-                <a:pPr lvl="0"/>
+                  <a:t>In most practical cases, we work with the </a:t>
+                </a:r>
+                <a:r>
+                  <a:rPr b="1" dirty="0"/>
+                  <a:t>log likelihood</a:t>
+                </a:r>
                 <a:r>
                   <a:rPr dirty="0"/>
-                  <a:t>Likelihood of sample from a </a:t>
-                </a:r>
-                <a:r>
-                  <a:rPr b="1" dirty="0"/>
-                  <a:t>data generating process</a:t>
-                </a:r>
-                <a:r>
-                  <a:rPr dirty="0"/>
-                  <a:t> with a </a:t>
-                </a:r>
-                <a:r>
-                  <a:rPr b="1" dirty="0"/>
-                  <a:t>parametric density function</a:t>
-                </a:r>
-                <a:r>
-                  <a:rPr dirty="0"/>
-                  <a:t>, </a:t>
-                </a:r>
-                <a14:m>
-                  <m:oMath xmlns:m="http://schemas.openxmlformats.org/officeDocument/2006/math">
-                    <m:r>
-                      <a:rPr>
-                        <a:latin typeface="Cambria Math" panose="02040503050406030204" pitchFamily="18" charset="0"/>
-                      </a:rPr>
-                      <m:t>𝑓</m:t>
-                    </m:r>
-                    <m:d>
-                      <m:dPr>
-                        <m:ctrlPr>
-                          <a:rPr i="1">
-                            <a:latin typeface="Cambria Math" panose="02040503050406030204" pitchFamily="18" charset="0"/>
-                          </a:rPr>
-                        </m:ctrlPr>
-                      </m:dPr>
-                      <m:e>
-                        <m:r>
-                          <a:rPr>
-                            <a:latin typeface="Cambria Math" panose="02040503050406030204" pitchFamily="18" charset="0"/>
-                          </a:rPr>
-                          <m:t>𝐗</m:t>
-                        </m:r>
-                        <m:r>
-                          <a:rPr>
-                            <a:latin typeface="Cambria Math" panose="02040503050406030204" pitchFamily="18" charset="0"/>
-                          </a:rPr>
-                          <m:t>|</m:t>
-                        </m:r>
-                        <m:r>
-                          <a:rPr>
-                            <a:latin typeface="Cambria Math" panose="02040503050406030204" pitchFamily="18" charset="0"/>
-                          </a:rPr>
-                          <m:t>𝜃</m:t>
-                        </m:r>
-                      </m:e>
-                    </m:d>
-                  </m:oMath>
-                </a14:m>
-                <a:endParaRPr dirty="0"/>
-              </a:p>
-              <a:p>
-                <a:pPr lvl="1"/>
-                <a14:m>
-                  <m:oMath xmlns:m="http://schemas.openxmlformats.org/officeDocument/2006/math">
-                    <m:r>
-                      <a:rPr>
-                        <a:latin typeface="Cambria Math" panose="02040503050406030204" pitchFamily="18" charset="0"/>
-                      </a:rPr>
-                      <m:t>𝑓</m:t>
-                    </m:r>
-                    <m:d>
-                      <m:dPr>
-                        <m:ctrlPr>
-                          <a:rPr i="1">
-                            <a:latin typeface="Cambria Math" panose="02040503050406030204" pitchFamily="18" charset="0"/>
-                          </a:rPr>
-                        </m:ctrlPr>
-                      </m:dPr>
-                      <m:e>
-                        <m:r>
-                          <a:rPr>
-                            <a:latin typeface="Cambria Math" panose="02040503050406030204" pitchFamily="18" charset="0"/>
-                          </a:rPr>
-                          <m:t>𝐗</m:t>
-                        </m:r>
-                        <m:r>
-                          <a:rPr>
-                            <a:latin typeface="Cambria Math" panose="02040503050406030204" pitchFamily="18" charset="0"/>
-                          </a:rPr>
-                          <m:t> | </m:t>
-                        </m:r>
-                        <m:r>
-                          <a:rPr>
-                            <a:latin typeface="Cambria Math" panose="02040503050406030204" pitchFamily="18" charset="0"/>
-                          </a:rPr>
-                          <m:t>𝛉</m:t>
-                        </m:r>
-                      </m:e>
-                    </m:d>
-                  </m:oMath>
-                </a14:m>
-                <a:r>
-                  <a:rPr dirty="0"/>
-                  <a:t> can be either a probability density function (PDF), for continuous distributions, or a probability mass function (PMF)</a:t>
-                </a:r>
-                <a:r>
-                  <a:rPr lang="en-US" dirty="0"/>
-                  <a:t> of</a:t>
-                </a:r>
-                <a:r>
-                  <a:rPr dirty="0"/>
-                  <a:t> discrete distributions</a:t>
-                </a:r>
-              </a:p>
-              <a:p>
-                <a:pPr lvl="1"/>
-                <a:r>
-                  <a:rPr dirty="0"/>
-                  <a:t>The distribution parameter vector, </a:t>
-                </a:r>
-                <a14:m>
-                  <m:oMath xmlns:m="http://schemas.openxmlformats.org/officeDocument/2006/math">
-                    <m:r>
-                      <a:rPr>
-                        <a:latin typeface="Cambria Math" panose="02040503050406030204" pitchFamily="18" charset="0"/>
-                      </a:rPr>
-                      <m:t>𝛉</m:t>
-                    </m:r>
-                  </m:oMath>
-                </a14:m>
-                <a:r>
-                  <a:rPr dirty="0"/>
-                  <a:t>, is fixed</a:t>
-                </a:r>
-              </a:p>
-              <a:p>
-                <a:pPr lvl="0"/>
-                <a:r>
-                  <a:rPr dirty="0"/>
-                  <a:t>Now, for each observation, </a:t>
-                </a:r>
-                <a14:m>
-                  <m:oMath xmlns:m="http://schemas.openxmlformats.org/officeDocument/2006/math">
-                    <m:sSub>
-                      <m:sSubPr>
-                        <m:ctrlPr>
-                          <a:rPr i="1">
-                            <a:latin typeface="Cambria Math" panose="02040503050406030204" pitchFamily="18" charset="0"/>
-                          </a:rPr>
-                        </m:ctrlPr>
-                      </m:sSubPr>
-                      <m:e>
-                        <m:r>
-                          <a:rPr>
-                            <a:latin typeface="Cambria Math" panose="02040503050406030204" pitchFamily="18" charset="0"/>
-                          </a:rPr>
-                          <m:t>𝑥</m:t>
-                        </m:r>
-                      </m:e>
-                      <m:sub>
-                        <m:r>
-                          <a:rPr>
-                            <a:latin typeface="Cambria Math" panose="02040503050406030204" pitchFamily="18" charset="0"/>
-                          </a:rPr>
-                          <m:t>𝑖</m:t>
-                        </m:r>
-                      </m:sub>
-                    </m:sSub>
-                  </m:oMath>
-                </a14:m>
-                <a:r>
-                  <a:rPr dirty="0"/>
-                  <a:t>, in </a:t>
+                  <a:t>, for observations, </a:t>
                 </a:r>
                 <a14:m>
                   <m:oMath xmlns:m="http://schemas.openxmlformats.org/officeDocument/2006/math">
@@ -27343,1168 +27221,6 @@
                 </a14:m>
                 <a:r>
                   <a:rPr dirty="0"/>
-                  <a:t>, the density is </a:t>
-                </a:r>
-                <a14:m>
-                  <m:oMath xmlns:m="http://schemas.openxmlformats.org/officeDocument/2006/math">
-                    <m:r>
-                      <a:rPr>
-                        <a:latin typeface="Cambria Math" panose="02040503050406030204" pitchFamily="18" charset="0"/>
-                      </a:rPr>
-                      <m:t>𝑓</m:t>
-                    </m:r>
-                    <m:d>
-                      <m:dPr>
-                        <m:ctrlPr>
-                          <a:rPr i="1">
-                            <a:latin typeface="Cambria Math" panose="02040503050406030204" pitchFamily="18" charset="0"/>
-                          </a:rPr>
-                        </m:ctrlPr>
-                      </m:dPr>
-                      <m:e>
-                        <m:sSub>
-                          <m:sSubPr>
-                            <m:ctrlPr>
-                              <a:rPr i="1">
-                                <a:latin typeface="Cambria Math" panose="02040503050406030204" pitchFamily="18" charset="0"/>
-                              </a:rPr>
-                            </m:ctrlPr>
-                          </m:sSubPr>
-                          <m:e>
-                            <m:r>
-                              <a:rPr>
-                                <a:latin typeface="Cambria Math" panose="02040503050406030204" pitchFamily="18" charset="0"/>
-                              </a:rPr>
-                              <m:t>𝑥</m:t>
-                            </m:r>
-                          </m:e>
-                          <m:sub>
-                            <m:r>
-                              <a:rPr>
-                                <a:latin typeface="Cambria Math" panose="02040503050406030204" pitchFamily="18" charset="0"/>
-                              </a:rPr>
-                              <m:t>𝑖</m:t>
-                            </m:r>
-                          </m:sub>
-                        </m:sSub>
-                        <m:r>
-                          <a:rPr>
-                            <a:latin typeface="Cambria Math" panose="02040503050406030204" pitchFamily="18" charset="0"/>
-                          </a:rPr>
-                          <m:t>| </m:t>
-                        </m:r>
-                        <m:r>
-                          <a:rPr>
-                            <a:latin typeface="Cambria Math" panose="02040503050406030204" pitchFamily="18" charset="0"/>
-                          </a:rPr>
-                          <m:t>𝛉</m:t>
-                        </m:r>
-                      </m:e>
-                    </m:d>
-                  </m:oMath>
-                </a14:m>
-                <a:endParaRPr dirty="0"/>
-              </a:p>
-            </p:txBody>
-          </p:sp>
-        </mc:Choice>
-        <mc:Fallback xmlns="">
-          <p:sp>
-            <p:nvSpPr>
-              <p:cNvPr id="3" name="Content Placeholder 2"/>
-              <p:cNvSpPr>
-                <a:spLocks noGrp="1" noRot="1" noChangeAspect="1" noMove="1" noResize="1" noEditPoints="1" noAdjustHandles="1" noChangeArrowheads="1" noChangeShapeType="1" noTextEdit="1"/>
-              </p:cNvSpPr>
-              <p:nvPr>
-                <p:ph idx="1"/>
-              </p:nvPr>
-            </p:nvSpPr>
-            <p:spPr>
-              <a:blipFill>
-                <a:blip r:embed="rId2"/>
-                <a:stretch>
-                  <a:fillRect l="-963" t="-2334"/>
-                </a:stretch>
-              </a:blipFill>
-            </p:spPr>
-            <p:txBody>
-              <a:bodyPr/>
-              <a:lstStyle/>
-              <a:p>
-                <a:r>
-                  <a:rPr lang="en-US">
-                    <a:noFill/>
-                  </a:rPr>
-                  <a:t> </a:t>
-                </a:r>
-              </a:p>
-            </p:txBody>
-          </p:sp>
-        </mc:Fallback>
-      </mc:AlternateContent>
-      <p:sp>
-        <p:nvSpPr>
-          <p:cNvPr id="2" name="Title 1">
-            <a:extLst>
-              <a:ext uri="{FF2B5EF4-FFF2-40B4-BE49-F238E27FC236}">
-                <a16:creationId xmlns:a16="http://schemas.microsoft.com/office/drawing/2014/main" id="{0EC04B81-38DA-224B-B5D5-ED705C03086C}"/>
-              </a:ext>
-            </a:extLst>
-          </p:cNvPr>
-          <p:cNvSpPr>
-            <a:spLocks noGrp="1"/>
-          </p:cNvSpPr>
-          <p:nvPr>
-            <p:ph type="title"/>
-          </p:nvPr>
-        </p:nvSpPr>
-        <p:spPr>
-          <a:xfrm>
-            <a:off x="457200" y="205979"/>
-            <a:ext cx="8229600" cy="857250"/>
-          </a:xfrm>
-        </p:spPr>
-        <p:txBody>
-          <a:bodyPr/>
-          <a:lstStyle/>
-          <a:p>
-            <a:pPr marL="0" lvl="0" indent="0">
-              <a:spcBef>
-                <a:spcPts val="3000"/>
-              </a:spcBef>
-              <a:buNone/>
-            </a:pPr>
-            <a:r>
-              <a:rPr lang="en-US" b="1" dirty="0"/>
-              <a:t>Likelihood and Density Functions</a:t>
-            </a:r>
-          </a:p>
-        </p:txBody>
-      </p:sp>
-    </p:spTree>
-  </p:cSld>
-  <p:clrMapOvr>
-    <a:masterClrMapping/>
-  </p:clrMapOvr>
-</p:sld>
-</file>
-
-<file path=ppt/slides/slide7.xml><?xml version="1.0" encoding="utf-8"?>
-<p:sld xmlns:a="http://schemas.openxmlformats.org/drawingml/2006/main" xmlns:r="http://schemas.openxmlformats.org/officeDocument/2006/relationships" xmlns:p="http://schemas.openxmlformats.org/presentationml/2006/main">
-  <p:cSld>
-    <p:spTree>
-      <p:nvGrpSpPr>
-        <p:cNvPr id="1" name=""/>
-        <p:cNvGrpSpPr/>
-        <p:nvPr/>
-      </p:nvGrpSpPr>
-      <p:grpSpPr>
-        <a:xfrm>
-          <a:off x="0" y="0"/>
-          <a:ext cx="0" cy="0"/>
-          <a:chOff x="0" y="0"/>
-          <a:chExt cx="0" cy="0"/>
-        </a:xfrm>
-      </p:grpSpPr>
-      <mc:AlternateContent xmlns:mc="http://schemas.openxmlformats.org/markup-compatibility/2006" xmlns:a14="http://schemas.microsoft.com/office/drawing/2010/main">
-        <mc:Choice Requires="a14">
-          <p:sp>
-            <p:nvSpPr>
-              <p:cNvPr id="3" name="Content Placeholder 2"/>
-              <p:cNvSpPr>
-                <a:spLocks noGrp="1"/>
-              </p:cNvSpPr>
-              <p:nvPr>
-                <p:ph idx="1"/>
-              </p:nvPr>
-            </p:nvSpPr>
-            <p:spPr>
-              <a:xfrm>
-                <a:off x="457200" y="1111170"/>
-                <a:ext cx="8229600" cy="3754055"/>
-              </a:xfrm>
-            </p:spPr>
-            <p:txBody>
-              <a:bodyPr>
-                <a:normAutofit fontScale="77500" lnSpcReduction="20000"/>
-              </a:bodyPr>
-              <a:lstStyle/>
-              <a:p>
-                <a:pPr marL="0" lvl="0" indent="0">
-                  <a:buNone/>
-                </a:pPr>
-                <a:r>
-                  <a:rPr dirty="0"/>
-                  <a:t>Likelihood is a measure of how likely a </a:t>
-                </a:r>
-                <a:r>
-                  <a:rPr b="1" dirty="0"/>
-                  <a:t>parametric model</a:t>
-                </a:r>
-                <a:r>
-                  <a:rPr dirty="0"/>
-                  <a:t> is to generate the observed data</a:t>
-                </a:r>
-              </a:p>
-              <a:p>
-                <a:pPr lvl="0"/>
-                <a:r>
-                  <a:rPr dirty="0"/>
-                  <a:t>Likelihood of sample from a </a:t>
-                </a:r>
-                <a:r>
-                  <a:rPr b="1" dirty="0"/>
-                  <a:t>data generating process</a:t>
-                </a:r>
-                <a:r>
-                  <a:rPr dirty="0"/>
-                  <a:t> with a </a:t>
-                </a:r>
-                <a:r>
-                  <a:rPr b="1" dirty="0"/>
-                  <a:t>parametric probability density</a:t>
-                </a:r>
-                <a:r>
-                  <a:rPr dirty="0"/>
-                  <a:t>, </a:t>
-                </a:r>
-                <a14:m>
-                  <m:oMath xmlns:m="http://schemas.openxmlformats.org/officeDocument/2006/math">
-                    <m:r>
-                      <a:rPr>
-                        <a:latin typeface="Cambria Math" panose="02040503050406030204" pitchFamily="18" charset="0"/>
-                      </a:rPr>
-                      <m:t>𝑓</m:t>
-                    </m:r>
-                    <m:d>
-                      <m:dPr>
-                        <m:ctrlPr>
-                          <a:rPr i="1">
-                            <a:latin typeface="Cambria Math" panose="02040503050406030204" pitchFamily="18" charset="0"/>
-                          </a:rPr>
-                        </m:ctrlPr>
-                      </m:dPr>
-                      <m:e>
-                        <m:r>
-                          <a:rPr>
-                            <a:latin typeface="Cambria Math" panose="02040503050406030204" pitchFamily="18" charset="0"/>
-                          </a:rPr>
-                          <m:t>𝐗</m:t>
-                        </m:r>
-                        <m:r>
-                          <a:rPr>
-                            <a:latin typeface="Cambria Math" panose="02040503050406030204" pitchFamily="18" charset="0"/>
-                          </a:rPr>
-                          <m:t>|</m:t>
-                        </m:r>
-                        <m:r>
-                          <a:rPr>
-                            <a:latin typeface="Cambria Math" panose="02040503050406030204" pitchFamily="18" charset="0"/>
-                          </a:rPr>
-                          <m:t>𝜃</m:t>
-                        </m:r>
-                      </m:e>
-                    </m:d>
-                  </m:oMath>
-                </a14:m>
-                <a:endParaRPr dirty="0"/>
-              </a:p>
-              <a:p>
-                <a:pPr lvl="0"/>
-                <a:r>
-                  <a:rPr dirty="0"/>
-                  <a:t>For the set of observations, </a:t>
-                </a:r>
-                <a14:m>
-                  <m:oMath xmlns:m="http://schemas.openxmlformats.org/officeDocument/2006/math">
-                    <m:r>
-                      <a:rPr>
-                        <a:latin typeface="Cambria Math" panose="02040503050406030204" pitchFamily="18" charset="0"/>
-                      </a:rPr>
-                      <m:t>𝐗</m:t>
-                    </m:r>
-                    <m:r>
-                      <a:rPr>
-                        <a:latin typeface="Cambria Math" panose="02040503050406030204" pitchFamily="18" charset="0"/>
-                      </a:rPr>
-                      <m:t>=</m:t>
-                    </m:r>
-                    <m:d>
-                      <m:dPr>
-                        <m:begChr m:val="["/>
-                        <m:endChr m:val="]"/>
-                        <m:ctrlPr>
-                          <a:rPr i="1">
-                            <a:latin typeface="Cambria Math" panose="02040503050406030204" pitchFamily="18" charset="0"/>
-                          </a:rPr>
-                        </m:ctrlPr>
-                      </m:dPr>
-                      <m:e>
-                        <m:sSub>
-                          <m:sSubPr>
-                            <m:ctrlPr>
-                              <a:rPr i="1">
-                                <a:latin typeface="Cambria Math" panose="02040503050406030204" pitchFamily="18" charset="0"/>
-                              </a:rPr>
-                            </m:ctrlPr>
-                          </m:sSubPr>
-                          <m:e>
-                            <m:r>
-                              <a:rPr>
-                                <a:latin typeface="Cambria Math" panose="02040503050406030204" pitchFamily="18" charset="0"/>
-                              </a:rPr>
-                              <m:t>𝑥</m:t>
-                            </m:r>
-                          </m:e>
-                          <m:sub>
-                            <m:r>
-                              <a:rPr>
-                                <a:latin typeface="Cambria Math" panose="02040503050406030204" pitchFamily="18" charset="0"/>
-                              </a:rPr>
-                              <m:t>1</m:t>
-                            </m:r>
-                          </m:sub>
-                        </m:sSub>
-                        <m:r>
-                          <a:rPr>
-                            <a:latin typeface="Cambria Math" panose="02040503050406030204" pitchFamily="18" charset="0"/>
-                          </a:rPr>
-                          <m:t>,</m:t>
-                        </m:r>
-                        <m:sSub>
-                          <m:sSubPr>
-                            <m:ctrlPr>
-                              <a:rPr i="1">
-                                <a:latin typeface="Cambria Math" panose="02040503050406030204" pitchFamily="18" charset="0"/>
-                              </a:rPr>
-                            </m:ctrlPr>
-                          </m:sSubPr>
-                          <m:e>
-                            <m:r>
-                              <a:rPr>
-                                <a:latin typeface="Cambria Math" panose="02040503050406030204" pitchFamily="18" charset="0"/>
-                              </a:rPr>
-                              <m:t>𝑥</m:t>
-                            </m:r>
-                          </m:e>
-                          <m:sub>
-                            <m:r>
-                              <a:rPr>
-                                <a:latin typeface="Cambria Math" panose="02040503050406030204" pitchFamily="18" charset="0"/>
-                              </a:rPr>
-                              <m:t>2</m:t>
-                            </m:r>
-                          </m:sub>
-                        </m:sSub>
-                        <m:r>
-                          <a:rPr>
-                            <a:latin typeface="Cambria Math" panose="02040503050406030204" pitchFamily="18" charset="0"/>
-                          </a:rPr>
-                          <m:t>,…,</m:t>
-                        </m:r>
-                        <m:sSub>
-                          <m:sSubPr>
-                            <m:ctrlPr>
-                              <a:rPr i="1">
-                                <a:latin typeface="Cambria Math" panose="02040503050406030204" pitchFamily="18" charset="0"/>
-                              </a:rPr>
-                            </m:ctrlPr>
-                          </m:sSubPr>
-                          <m:e>
-                            <m:r>
-                              <a:rPr>
-                                <a:latin typeface="Cambria Math" panose="02040503050406030204" pitchFamily="18" charset="0"/>
-                              </a:rPr>
-                              <m:t>𝑥</m:t>
-                            </m:r>
-                          </m:e>
-                          <m:sub>
-                            <m:r>
-                              <a:rPr>
-                                <a:latin typeface="Cambria Math" panose="02040503050406030204" pitchFamily="18" charset="0"/>
-                              </a:rPr>
-                              <m:t>𝑛</m:t>
-                            </m:r>
-                          </m:sub>
-                        </m:sSub>
-                      </m:e>
-                    </m:d>
-                  </m:oMath>
-                </a14:m>
-                <a:r>
-                  <a:rPr dirty="0"/>
-                  <a:t>, the likelihood is the product of the densities:</a:t>
-                </a:r>
-              </a:p>
-              <a:p>
-                <a:pPr marL="0" lvl="0" indent="0">
-                  <a:buNone/>
-                </a:pPr>
-                <a14:m>
-                  <m:oMathPara xmlns:m="http://schemas.openxmlformats.org/officeDocument/2006/math">
-                    <m:oMathParaPr>
-                      <m:jc m:val="center"/>
-                    </m:oMathParaPr>
-                    <m:oMath xmlns:m="http://schemas.openxmlformats.org/officeDocument/2006/math">
-                      <m:r>
-                        <a:rPr>
-                          <a:latin typeface="Cambria Math" panose="02040503050406030204" pitchFamily="18" charset="0"/>
-                        </a:rPr>
-                        <m:t>ℒ</m:t>
-                      </m:r>
-                      <m:d>
-                        <m:dPr>
-                          <m:ctrlPr>
-                            <a:rPr i="1">
-                              <a:latin typeface="Cambria Math" panose="02040503050406030204" pitchFamily="18" charset="0"/>
-                            </a:rPr>
-                          </m:ctrlPr>
-                        </m:dPr>
-                        <m:e>
-                          <m:r>
-                            <a:rPr>
-                              <a:latin typeface="Cambria Math" panose="02040503050406030204" pitchFamily="18" charset="0"/>
-                            </a:rPr>
-                            <m:t>𝐗</m:t>
-                          </m:r>
-                          <m:r>
-                            <a:rPr>
-                              <a:latin typeface="Cambria Math" panose="02040503050406030204" pitchFamily="18" charset="0"/>
-                            </a:rPr>
-                            <m:t>| </m:t>
-                          </m:r>
-                          <m:r>
-                            <a:rPr>
-                              <a:latin typeface="Cambria Math" panose="02040503050406030204" pitchFamily="18" charset="0"/>
-                            </a:rPr>
-                            <m:t>𝛉</m:t>
-                          </m:r>
-                        </m:e>
-                      </m:d>
-                      <m:r>
-                        <a:rPr>
-                          <a:latin typeface="Cambria Math" panose="02040503050406030204" pitchFamily="18" charset="0"/>
-                        </a:rPr>
-                        <m:t>=</m:t>
-                      </m:r>
-                      <m:nary>
-                        <m:naryPr>
-                          <m:chr m:val="∏"/>
-                          <m:limLoc m:val="undOvr"/>
-                          <m:ctrlPr>
-                            <a:rPr i="1">
-                              <a:latin typeface="Cambria Math" panose="02040503050406030204" pitchFamily="18" charset="0"/>
-                            </a:rPr>
-                          </m:ctrlPr>
-                        </m:naryPr>
-                        <m:sub>
-                          <m:r>
-                            <a:rPr>
-                              <a:latin typeface="Cambria Math" panose="02040503050406030204" pitchFamily="18" charset="0"/>
-                            </a:rPr>
-                            <m:t>𝑖</m:t>
-                          </m:r>
-                          <m:r>
-                            <a:rPr>
-                              <a:latin typeface="Cambria Math" panose="02040503050406030204" pitchFamily="18" charset="0"/>
-                            </a:rPr>
-                            <m:t>=</m:t>
-                          </m:r>
-                          <m:r>
-                            <a:rPr>
-                              <a:latin typeface="Cambria Math" panose="02040503050406030204" pitchFamily="18" charset="0"/>
-                            </a:rPr>
-                            <m:t>1</m:t>
-                          </m:r>
-                        </m:sub>
-                        <m:sup>
-                          <m:r>
-                            <a:rPr>
-                              <a:latin typeface="Cambria Math" panose="02040503050406030204" pitchFamily="18" charset="0"/>
-                            </a:rPr>
-                            <m:t>𝑛</m:t>
-                          </m:r>
-                        </m:sup>
-                        <m:e>
-                          <m:r>
-                            <a:rPr>
-                              <a:latin typeface="Cambria Math" panose="02040503050406030204" pitchFamily="18" charset="0"/>
-                            </a:rPr>
-                            <m:t>𝑓</m:t>
-                          </m:r>
-                        </m:e>
-                      </m:nary>
-                      <m:d>
-                        <m:dPr>
-                          <m:ctrlPr>
-                            <a:rPr i="1">
-                              <a:latin typeface="Cambria Math" panose="02040503050406030204" pitchFamily="18" charset="0"/>
-                            </a:rPr>
-                          </m:ctrlPr>
-                        </m:dPr>
-                        <m:e>
-                          <m:sSub>
-                            <m:sSubPr>
-                              <m:ctrlPr>
-                                <a:rPr i="1">
-                                  <a:latin typeface="Cambria Math" panose="02040503050406030204" pitchFamily="18" charset="0"/>
-                                </a:rPr>
-                              </m:ctrlPr>
-                            </m:sSubPr>
-                            <m:e>
-                              <m:r>
-                                <a:rPr>
-                                  <a:latin typeface="Cambria Math" panose="02040503050406030204" pitchFamily="18" charset="0"/>
-                                </a:rPr>
-                                <m:t>𝑥</m:t>
-                              </m:r>
-                            </m:e>
-                            <m:sub>
-                              <m:r>
-                                <a:rPr>
-                                  <a:latin typeface="Cambria Math" panose="02040503050406030204" pitchFamily="18" charset="0"/>
-                                </a:rPr>
-                                <m:t>𝑖</m:t>
-                              </m:r>
-                            </m:sub>
-                          </m:sSub>
-                          <m:r>
-                            <a:rPr>
-                              <a:latin typeface="Cambria Math" panose="02040503050406030204" pitchFamily="18" charset="0"/>
-                            </a:rPr>
-                            <m:t>|</m:t>
-                          </m:r>
-                          <m:r>
-                            <a:rPr>
-                              <a:latin typeface="Cambria Math" panose="02040503050406030204" pitchFamily="18" charset="0"/>
-                            </a:rPr>
-                            <m:t>𝛉</m:t>
-                          </m:r>
-                        </m:e>
-                      </m:d>
-                    </m:oMath>
-                  </m:oMathPara>
-                </a14:m>
-                <a:endParaRPr dirty="0"/>
-              </a:p>
-              <a:p>
-                <a:pPr lvl="0"/>
-                <a:r>
-                  <a:rPr dirty="0"/>
-                  <a:t>In most practical cases, we work with the </a:t>
-                </a:r>
-                <a:r>
-                  <a:rPr b="1" dirty="0"/>
-                  <a:t>log likelihood</a:t>
-                </a:r>
-                <a:r>
-                  <a:rPr dirty="0"/>
-                  <a:t>, for observations, </a:t>
-                </a:r>
-                <a14:m>
-                  <m:oMath xmlns:m="http://schemas.openxmlformats.org/officeDocument/2006/math">
-                    <m:r>
-                      <a:rPr>
-                        <a:latin typeface="Cambria Math" panose="02040503050406030204" pitchFamily="18" charset="0"/>
-                      </a:rPr>
-                      <m:t>𝐗</m:t>
-                    </m:r>
-                    <m:r>
-                      <a:rPr>
-                        <a:latin typeface="Cambria Math" panose="02040503050406030204" pitchFamily="18" charset="0"/>
-                      </a:rPr>
-                      <m:t>=</m:t>
-                    </m:r>
-                    <m:sSub>
-                      <m:sSubPr>
-                        <m:ctrlPr>
-                          <a:rPr i="1">
-                            <a:latin typeface="Cambria Math" panose="02040503050406030204" pitchFamily="18" charset="0"/>
-                          </a:rPr>
-                        </m:ctrlPr>
-                      </m:sSubPr>
-                      <m:e>
-                        <m:r>
-                          <a:rPr>
-                            <a:latin typeface="Cambria Math" panose="02040503050406030204" pitchFamily="18" charset="0"/>
-                          </a:rPr>
-                          <m:t>𝑥</m:t>
-                        </m:r>
-                      </m:e>
-                      <m:sub>
-                        <m:r>
-                          <a:rPr>
-                            <a:latin typeface="Cambria Math" panose="02040503050406030204" pitchFamily="18" charset="0"/>
-                          </a:rPr>
-                          <m:t>1</m:t>
-                        </m:r>
-                      </m:sub>
-                    </m:sSub>
-                    <m:r>
-                      <a:rPr>
-                        <a:latin typeface="Cambria Math" panose="02040503050406030204" pitchFamily="18" charset="0"/>
-                      </a:rPr>
-                      <m:t>,</m:t>
-                    </m:r>
-                    <m:sSub>
-                      <m:sSubPr>
-                        <m:ctrlPr>
-                          <a:rPr i="1">
-                            <a:latin typeface="Cambria Math" panose="02040503050406030204" pitchFamily="18" charset="0"/>
-                          </a:rPr>
-                        </m:ctrlPr>
-                      </m:sSubPr>
-                      <m:e>
-                        <m:r>
-                          <a:rPr>
-                            <a:latin typeface="Cambria Math" panose="02040503050406030204" pitchFamily="18" charset="0"/>
-                          </a:rPr>
-                          <m:t>𝑥</m:t>
-                        </m:r>
-                      </m:e>
-                      <m:sub>
-                        <m:r>
-                          <a:rPr>
-                            <a:latin typeface="Cambria Math" panose="02040503050406030204" pitchFamily="18" charset="0"/>
-                          </a:rPr>
-                          <m:t>2</m:t>
-                        </m:r>
-                      </m:sub>
-                    </m:sSub>
-                    <m:r>
-                      <a:rPr>
-                        <a:latin typeface="Cambria Math" panose="02040503050406030204" pitchFamily="18" charset="0"/>
-                      </a:rPr>
-                      <m:t>,…,</m:t>
-                    </m:r>
-                    <m:sSub>
-                      <m:sSubPr>
-                        <m:ctrlPr>
-                          <a:rPr i="1">
-                            <a:latin typeface="Cambria Math" panose="02040503050406030204" pitchFamily="18" charset="0"/>
-                          </a:rPr>
-                        </m:ctrlPr>
-                      </m:sSubPr>
-                      <m:e>
-                        <m:r>
-                          <a:rPr>
-                            <a:latin typeface="Cambria Math" panose="02040503050406030204" pitchFamily="18" charset="0"/>
-                          </a:rPr>
-                          <m:t>𝑥</m:t>
-                        </m:r>
-                      </m:e>
-                      <m:sub>
-                        <m:r>
-                          <a:rPr>
-                            <a:latin typeface="Cambria Math" panose="02040503050406030204" pitchFamily="18" charset="0"/>
-                          </a:rPr>
-                          <m:t>𝑛</m:t>
-                        </m:r>
-                      </m:sub>
-                    </m:sSub>
-                  </m:oMath>
-                </a14:m>
-                <a:r>
-                  <a:rPr dirty="0"/>
-                  <a:t>, the log likelihood is expressed:</a:t>
-                </a:r>
-              </a:p>
-              <a:p>
-                <a:pPr marL="0" lvl="0" indent="0">
-                  <a:buNone/>
-                </a:pPr>
-                <a14:m>
-                  <m:oMathPara xmlns:m="http://schemas.openxmlformats.org/officeDocument/2006/math">
-                    <m:oMathParaPr>
-                      <m:jc m:val="center"/>
-                    </m:oMathParaPr>
-                    <m:oMath xmlns:m="http://schemas.openxmlformats.org/officeDocument/2006/math">
-                      <m:r>
-                        <a:rPr>
-                          <a:latin typeface="Cambria Math" panose="02040503050406030204" pitchFamily="18" charset="0"/>
-                        </a:rPr>
-                        <m:t>𝑙</m:t>
-                      </m:r>
-                      <m:d>
-                        <m:dPr>
-                          <m:ctrlPr>
-                            <a:rPr i="1">
-                              <a:latin typeface="Cambria Math" panose="02040503050406030204" pitchFamily="18" charset="0"/>
-                            </a:rPr>
-                          </m:ctrlPr>
-                        </m:dPr>
-                        <m:e>
-                          <m:r>
-                            <a:rPr>
-                              <a:latin typeface="Cambria Math" panose="02040503050406030204" pitchFamily="18" charset="0"/>
-                            </a:rPr>
-                            <m:t>𝐗</m:t>
-                          </m:r>
-                          <m:r>
-                            <a:rPr>
-                              <a:latin typeface="Cambria Math" panose="02040503050406030204" pitchFamily="18" charset="0"/>
-                            </a:rPr>
-                            <m:t>| </m:t>
-                          </m:r>
-                          <m:r>
-                            <a:rPr>
-                              <a:latin typeface="Cambria Math" panose="02040503050406030204" pitchFamily="18" charset="0"/>
-                            </a:rPr>
-                            <m:t>𝛉</m:t>
-                          </m:r>
-                        </m:e>
-                      </m:d>
-                      <m:r>
-                        <a:rPr>
-                          <a:latin typeface="Cambria Math" panose="02040503050406030204" pitchFamily="18" charset="0"/>
-                        </a:rPr>
-                        <m:t>=</m:t>
-                      </m:r>
-                      <m:r>
-                        <a:rPr>
-                          <a:latin typeface="Cambria Math" panose="02040503050406030204" pitchFamily="18" charset="0"/>
-                        </a:rPr>
-                        <m:t>𝑙𝑜𝑔</m:t>
-                      </m:r>
-                      <m:d>
-                        <m:dPr>
-                          <m:ctrlPr>
-                            <a:rPr i="1">
-                              <a:latin typeface="Cambria Math" panose="02040503050406030204" pitchFamily="18" charset="0"/>
-                            </a:rPr>
-                          </m:ctrlPr>
-                        </m:dPr>
-                        <m:e>
-                          <m:r>
-                            <a:rPr>
-                              <a:latin typeface="Cambria Math" panose="02040503050406030204" pitchFamily="18" charset="0"/>
-                            </a:rPr>
-                            <m:t>ℒ</m:t>
-                          </m:r>
-                          <m:d>
-                            <m:dPr>
-                              <m:ctrlPr>
-                                <a:rPr i="1">
-                                  <a:latin typeface="Cambria Math" panose="02040503050406030204" pitchFamily="18" charset="0"/>
-                                </a:rPr>
-                              </m:ctrlPr>
-                            </m:dPr>
-                            <m:e>
-                              <m:r>
-                                <a:rPr>
-                                  <a:latin typeface="Cambria Math" panose="02040503050406030204" pitchFamily="18" charset="0"/>
-                                </a:rPr>
-                                <m:t>𝐗</m:t>
-                              </m:r>
-                              <m:r>
-                                <a:rPr>
-                                  <a:latin typeface="Cambria Math" panose="02040503050406030204" pitchFamily="18" charset="0"/>
-                                </a:rPr>
-                                <m:t>| </m:t>
-                              </m:r>
-                              <m:r>
-                                <a:rPr>
-                                  <a:latin typeface="Cambria Math" panose="02040503050406030204" pitchFamily="18" charset="0"/>
-                                </a:rPr>
-                                <m:t>𝛉</m:t>
-                              </m:r>
-                            </m:e>
-                          </m:d>
-                        </m:e>
-                      </m:d>
-                      <m:r>
-                        <a:rPr>
-                          <a:latin typeface="Cambria Math" panose="02040503050406030204" pitchFamily="18" charset="0"/>
-                        </a:rPr>
-                        <m:t>=</m:t>
-                      </m:r>
-                      <m:nary>
-                        <m:naryPr>
-                          <m:chr m:val="∑"/>
-                          <m:limLoc m:val="undOvr"/>
-                          <m:ctrlPr>
-                            <a:rPr i="1">
-                              <a:latin typeface="Cambria Math" panose="02040503050406030204" pitchFamily="18" charset="0"/>
-                            </a:rPr>
-                          </m:ctrlPr>
-                        </m:naryPr>
-                        <m:sub>
-                          <m:r>
-                            <a:rPr>
-                              <a:latin typeface="Cambria Math" panose="02040503050406030204" pitchFamily="18" charset="0"/>
-                            </a:rPr>
-                            <m:t>𝑖</m:t>
-                          </m:r>
-                          <m:r>
-                            <a:rPr>
-                              <a:latin typeface="Cambria Math" panose="02040503050406030204" pitchFamily="18" charset="0"/>
-                            </a:rPr>
-                            <m:t>=</m:t>
-                          </m:r>
-                          <m:r>
-                            <a:rPr>
-                              <a:latin typeface="Cambria Math" panose="02040503050406030204" pitchFamily="18" charset="0"/>
-                            </a:rPr>
-                            <m:t>1</m:t>
-                          </m:r>
-                        </m:sub>
-                        <m:sup>
-                          <m:r>
-                            <a:rPr>
-                              <a:latin typeface="Cambria Math" panose="02040503050406030204" pitchFamily="18" charset="0"/>
-                            </a:rPr>
-                            <m:t>𝑛</m:t>
-                          </m:r>
-                        </m:sup>
-                        <m:e>
-                          <m:r>
-                            <a:rPr>
-                              <a:latin typeface="Cambria Math" panose="02040503050406030204" pitchFamily="18" charset="0"/>
-                            </a:rPr>
-                            <m:t>𝑙</m:t>
-                          </m:r>
-                        </m:e>
-                      </m:nary>
-                      <m:r>
-                        <a:rPr>
-                          <a:latin typeface="Cambria Math" panose="02040503050406030204" pitchFamily="18" charset="0"/>
-                        </a:rPr>
-                        <m:t>𝑜𝑔</m:t>
-                      </m:r>
-                      <m:d>
-                        <m:dPr>
-                          <m:ctrlPr>
-                            <a:rPr i="1">
-                              <a:latin typeface="Cambria Math" panose="02040503050406030204" pitchFamily="18" charset="0"/>
-                            </a:rPr>
-                          </m:ctrlPr>
-                        </m:dPr>
-                        <m:e>
-                          <m:r>
-                            <a:rPr>
-                              <a:latin typeface="Cambria Math" panose="02040503050406030204" pitchFamily="18" charset="0"/>
-                            </a:rPr>
-                            <m:t>𝑓</m:t>
-                          </m:r>
-                          <m:d>
-                            <m:dPr>
-                              <m:ctrlPr>
-                                <a:rPr i="1">
-                                  <a:latin typeface="Cambria Math" panose="02040503050406030204" pitchFamily="18" charset="0"/>
-                                </a:rPr>
-                              </m:ctrlPr>
-                            </m:dPr>
-                            <m:e>
-                              <m:sSub>
-                                <m:sSubPr>
-                                  <m:ctrlPr>
-                                    <a:rPr i="1">
-                                      <a:latin typeface="Cambria Math" panose="02040503050406030204" pitchFamily="18" charset="0"/>
-                                    </a:rPr>
-                                  </m:ctrlPr>
-                                </m:sSubPr>
-                                <m:e>
-                                  <m:r>
-                                    <a:rPr>
-                                      <a:latin typeface="Cambria Math" panose="02040503050406030204" pitchFamily="18" charset="0"/>
-                                    </a:rPr>
-                                    <m:t>𝑥</m:t>
-                                  </m:r>
-                                </m:e>
-                                <m:sub>
-                                  <m:r>
-                                    <a:rPr>
-                                      <a:latin typeface="Cambria Math" panose="02040503050406030204" pitchFamily="18" charset="0"/>
-                                    </a:rPr>
-                                    <m:t>𝑖</m:t>
-                                  </m:r>
-                                </m:sub>
-                              </m:sSub>
-                              <m:r>
-                                <a:rPr>
-                                  <a:latin typeface="Cambria Math" panose="02040503050406030204" pitchFamily="18" charset="0"/>
-                                </a:rPr>
-                                <m:t> | </m:t>
-                              </m:r>
-                              <m:r>
-                                <a:rPr>
-                                  <a:latin typeface="Cambria Math" panose="02040503050406030204" pitchFamily="18" charset="0"/>
-                                </a:rPr>
-                                <m:t>𝛉</m:t>
-                              </m:r>
-                            </m:e>
-                          </m:d>
-                        </m:e>
-                      </m:d>
-                    </m:oMath>
-                  </m:oMathPara>
-                </a14:m>
-                <a:endParaRPr dirty="0"/>
-              </a:p>
-            </p:txBody>
-          </p:sp>
-        </mc:Choice>
-        <mc:Fallback xmlns="">
-          <p:sp>
-            <p:nvSpPr>
-              <p:cNvPr id="3" name="Content Placeholder 2"/>
-              <p:cNvSpPr>
-                <a:spLocks noGrp="1" noRot="1" noChangeAspect="1" noMove="1" noResize="1" noEditPoints="1" noAdjustHandles="1" noChangeArrowheads="1" noChangeShapeType="1" noTextEdit="1"/>
-              </p:cNvSpPr>
-              <p:nvPr>
-                <p:ph idx="1"/>
-              </p:nvPr>
-            </p:nvSpPr>
-            <p:spPr>
-              <a:xfrm>
-                <a:off x="457200" y="1111170"/>
-                <a:ext cx="8229600" cy="3754055"/>
-              </a:xfrm>
-              <a:blipFill>
-                <a:blip r:embed="rId2"/>
-                <a:stretch>
-                  <a:fillRect l="-667" t="-2110" r="-1111"/>
-                </a:stretch>
-              </a:blipFill>
-            </p:spPr>
-            <p:txBody>
-              <a:bodyPr/>
-              <a:lstStyle/>
-              <a:p>
-                <a:r>
-                  <a:rPr lang="en-US">
-                    <a:noFill/>
-                  </a:rPr>
-                  <a:t> </a:t>
-                </a:r>
-              </a:p>
-            </p:txBody>
-          </p:sp>
-        </mc:Fallback>
-      </mc:AlternateContent>
-      <p:sp>
-        <p:nvSpPr>
-          <p:cNvPr id="2" name="Title 1">
-            <a:extLst>
-              <a:ext uri="{FF2B5EF4-FFF2-40B4-BE49-F238E27FC236}">
-                <a16:creationId xmlns:a16="http://schemas.microsoft.com/office/drawing/2014/main" id="{23E2EAAC-BC98-3444-4C03-B2942D64B837}"/>
-              </a:ext>
-            </a:extLst>
-          </p:cNvPr>
-          <p:cNvSpPr>
-            <a:spLocks noGrp="1"/>
-          </p:cNvSpPr>
-          <p:nvPr>
-            <p:ph type="title"/>
-          </p:nvPr>
-        </p:nvSpPr>
-        <p:spPr>
-          <a:xfrm>
-            <a:off x="457200" y="205979"/>
-            <a:ext cx="8229600" cy="857250"/>
-          </a:xfrm>
-        </p:spPr>
-        <p:txBody>
-          <a:bodyPr/>
-          <a:lstStyle/>
-          <a:p>
-            <a:pPr marL="0" lvl="0" indent="0">
-              <a:spcBef>
-                <a:spcPts val="3000"/>
-              </a:spcBef>
-              <a:buNone/>
-            </a:pPr>
-            <a:r>
-              <a:rPr lang="en-US" b="1" dirty="0"/>
-              <a:t>Likelihood</a:t>
-            </a:r>
-          </a:p>
-        </p:txBody>
-      </p:sp>
-    </p:spTree>
-  </p:cSld>
-  <p:clrMapOvr>
-    <a:masterClrMapping/>
-  </p:clrMapOvr>
-</p:sld>
-</file>
-
-<file path=ppt/slides/slide8.xml><?xml version="1.0" encoding="utf-8"?>
-<p:sld xmlns:a="http://schemas.openxmlformats.org/drawingml/2006/main" xmlns:r="http://schemas.openxmlformats.org/officeDocument/2006/relationships" xmlns:p="http://schemas.openxmlformats.org/presentationml/2006/main">
-  <p:cSld>
-    <p:spTree>
-      <p:nvGrpSpPr>
-        <p:cNvPr id="1" name=""/>
-        <p:cNvGrpSpPr/>
-        <p:nvPr/>
-      </p:nvGrpSpPr>
-      <p:grpSpPr>
-        <a:xfrm>
-          <a:off x="0" y="0"/>
-          <a:ext cx="0" cy="0"/>
-          <a:chOff x="0" y="0"/>
-          <a:chExt cx="0" cy="0"/>
-        </a:xfrm>
-      </p:grpSpPr>
-      <mc:AlternateContent xmlns:mc="http://schemas.openxmlformats.org/markup-compatibility/2006" xmlns:a14="http://schemas.microsoft.com/office/drawing/2010/main">
-        <mc:Choice Requires="a14">
-          <p:sp>
-            <p:nvSpPr>
-              <p:cNvPr id="3" name="Content Placeholder 2"/>
-              <p:cNvSpPr>
-                <a:spLocks noGrp="1"/>
-              </p:cNvSpPr>
-              <p:nvPr>
-                <p:ph idx="1"/>
-              </p:nvPr>
-            </p:nvSpPr>
-            <p:spPr>
-              <a:xfrm>
-                <a:off x="457200" y="1200151"/>
-                <a:ext cx="8229600" cy="3491454"/>
-              </a:xfrm>
-            </p:spPr>
-            <p:txBody>
-              <a:bodyPr>
-                <a:normAutofit fontScale="85000" lnSpcReduction="20000"/>
-              </a:bodyPr>
-              <a:lstStyle/>
-              <a:p>
-                <a:pPr marL="0" lvl="0" indent="0">
-                  <a:buNone/>
-                </a:pPr>
-                <a:r>
-                  <a:rPr dirty="0"/>
-                  <a:t>Likelihood is a measure of how likely a </a:t>
-                </a:r>
-                <a:r>
-                  <a:rPr b="1" dirty="0"/>
-                  <a:t>parametric model</a:t>
-                </a:r>
-                <a:r>
-                  <a:rPr dirty="0"/>
-                  <a:t> is to generate the observed data sample</a:t>
-                </a:r>
-              </a:p>
-              <a:p>
-                <a:pPr lvl="0"/>
-                <a:r>
-                  <a:rPr dirty="0"/>
-                  <a:t>In most practical cases, we work with the </a:t>
-                </a:r>
-                <a:r>
-                  <a:rPr b="1" dirty="0"/>
-                  <a:t>log likelihood</a:t>
-                </a:r>
-                <a:r>
-                  <a:rPr dirty="0"/>
-                  <a:t>, for observations, </a:t>
-                </a:r>
-                <a14:m>
-                  <m:oMath xmlns:m="http://schemas.openxmlformats.org/officeDocument/2006/math">
-                    <m:r>
-                      <a:rPr>
-                        <a:latin typeface="Cambria Math" panose="02040503050406030204" pitchFamily="18" charset="0"/>
-                      </a:rPr>
-                      <m:t>𝐗</m:t>
-                    </m:r>
-                    <m:r>
-                      <a:rPr>
-                        <a:latin typeface="Cambria Math" panose="02040503050406030204" pitchFamily="18" charset="0"/>
-                      </a:rPr>
-                      <m:t>=</m:t>
-                    </m:r>
-                    <m:sSub>
-                      <m:sSubPr>
-                        <m:ctrlPr>
-                          <a:rPr i="1">
-                            <a:latin typeface="Cambria Math" panose="02040503050406030204" pitchFamily="18" charset="0"/>
-                          </a:rPr>
-                        </m:ctrlPr>
-                      </m:sSubPr>
-                      <m:e>
-                        <m:r>
-                          <a:rPr>
-                            <a:latin typeface="Cambria Math" panose="02040503050406030204" pitchFamily="18" charset="0"/>
-                          </a:rPr>
-                          <m:t>𝑥</m:t>
-                        </m:r>
-                      </m:e>
-                      <m:sub>
-                        <m:r>
-                          <a:rPr>
-                            <a:latin typeface="Cambria Math" panose="02040503050406030204" pitchFamily="18" charset="0"/>
-                          </a:rPr>
-                          <m:t>1</m:t>
-                        </m:r>
-                      </m:sub>
-                    </m:sSub>
-                    <m:r>
-                      <a:rPr>
-                        <a:latin typeface="Cambria Math" panose="02040503050406030204" pitchFamily="18" charset="0"/>
-                      </a:rPr>
-                      <m:t>,</m:t>
-                    </m:r>
-                    <m:sSub>
-                      <m:sSubPr>
-                        <m:ctrlPr>
-                          <a:rPr i="1">
-                            <a:latin typeface="Cambria Math" panose="02040503050406030204" pitchFamily="18" charset="0"/>
-                          </a:rPr>
-                        </m:ctrlPr>
-                      </m:sSubPr>
-                      <m:e>
-                        <m:r>
-                          <a:rPr>
-                            <a:latin typeface="Cambria Math" panose="02040503050406030204" pitchFamily="18" charset="0"/>
-                          </a:rPr>
-                          <m:t>𝑥</m:t>
-                        </m:r>
-                      </m:e>
-                      <m:sub>
-                        <m:r>
-                          <a:rPr>
-                            <a:latin typeface="Cambria Math" panose="02040503050406030204" pitchFamily="18" charset="0"/>
-                          </a:rPr>
-                          <m:t>2</m:t>
-                        </m:r>
-                      </m:sub>
-                    </m:sSub>
-                    <m:r>
-                      <a:rPr>
-                        <a:latin typeface="Cambria Math" panose="02040503050406030204" pitchFamily="18" charset="0"/>
-                      </a:rPr>
-                      <m:t>,…,</m:t>
-                    </m:r>
-                    <m:sSub>
-                      <m:sSubPr>
-                        <m:ctrlPr>
-                          <a:rPr i="1">
-                            <a:latin typeface="Cambria Math" panose="02040503050406030204" pitchFamily="18" charset="0"/>
-                          </a:rPr>
-                        </m:ctrlPr>
-                      </m:sSubPr>
-                      <m:e>
-                        <m:r>
-                          <a:rPr>
-                            <a:latin typeface="Cambria Math" panose="02040503050406030204" pitchFamily="18" charset="0"/>
-                          </a:rPr>
-                          <m:t>𝑥</m:t>
-                        </m:r>
-                      </m:e>
-                      <m:sub>
-                        <m:r>
-                          <a:rPr>
-                            <a:latin typeface="Cambria Math" panose="02040503050406030204" pitchFamily="18" charset="0"/>
-                          </a:rPr>
-                          <m:t>𝑛</m:t>
-                        </m:r>
-                      </m:sub>
-                    </m:sSub>
-                  </m:oMath>
-                </a14:m>
-                <a:r>
-                  <a:rPr dirty="0"/>
                   <a:t>, the log likelihood is expressed:</a:t>
                 </a:r>
               </a:p>
@@ -28764,7 +27480,7 @@
             </p:txBody>
           </p:sp>
         </mc:Choice>
-        <mc:Fallback xmlns="">
+        <mc:Fallback>
           <p:sp>
             <p:nvSpPr>
               <p:cNvPr id="3" name="Content Placeholder 2"/>
@@ -28777,13 +27493,13 @@
             </p:nvSpPr>
             <p:spPr>
               <a:xfrm>
-                <a:off x="457200" y="1200151"/>
-                <a:ext cx="8229600" cy="3491454"/>
+                <a:off x="457200" y="1200150"/>
+                <a:ext cx="8229600" cy="3644137"/>
               </a:xfrm>
               <a:blipFill>
                 <a:blip r:embed="rId2"/>
                 <a:stretch>
-                  <a:fillRect l="-741" t="-2618"/>
+                  <a:fillRect l="-963" t="-2843" r="-889" b="-836"/>
                 </a:stretch>
               </a:blipFill>
             </p:spPr>
@@ -28849,7 +27565,7 @@
 </p:sld>
 </file>
 
-<file path=ppt/slides/slide9.xml><?xml version="1.0" encoding="utf-8"?>
+<file path=ppt/slides/slide6.xml><?xml version="1.0" encoding="utf-8"?>
 <p:sld xmlns:a="http://schemas.openxmlformats.org/drawingml/2006/main" xmlns:r="http://schemas.openxmlformats.org/officeDocument/2006/relationships" xmlns:p="http://schemas.openxmlformats.org/presentationml/2006/main">
   <p:cSld>
     <p:spTree>
@@ -28866,8 +27582,8 @@
           <a:chExt cx="0" cy="0"/>
         </a:xfrm>
       </p:grpSpPr>
-      <mc:AlternateContent xmlns:mc="http://schemas.openxmlformats.org/markup-compatibility/2006" xmlns:a14="http://schemas.microsoft.com/office/drawing/2010/main">
-        <mc:Choice Requires="a14">
+      <mc:AlternateContent xmlns:mc="http://schemas.openxmlformats.org/markup-compatibility/2006">
+        <mc:Choice xmlns:a14="http://schemas.microsoft.com/office/drawing/2010/main" Requires="a14">
           <p:sp>
             <p:nvSpPr>
               <p:cNvPr id="3" name="Content Placeholder 2"/>
@@ -28880,13 +27596,13 @@
             </p:nvSpPr>
             <p:spPr>
               <a:xfrm>
-                <a:off x="457200" y="1063229"/>
-                <a:ext cx="8229600" cy="3874292"/>
+                <a:off x="457200" y="1063228"/>
+                <a:ext cx="8507984" cy="3976131"/>
               </a:xfrm>
             </p:spPr>
             <p:txBody>
               <a:bodyPr>
-                <a:normAutofit fontScale="70000" lnSpcReduction="20000"/>
+                <a:normAutofit fontScale="77500" lnSpcReduction="20000"/>
               </a:bodyPr>
               <a:lstStyle/>
               <a:p>
@@ -30161,7 +28877,7 @@
             </p:txBody>
           </p:sp>
         </mc:Choice>
-        <mc:Fallback xmlns="">
+        <mc:Fallback>
           <p:sp>
             <p:nvSpPr>
               <p:cNvPr id="3" name="Content Placeholder 2"/>
@@ -30174,13 +28890,13 @@
             </p:nvSpPr>
             <p:spPr>
               <a:xfrm>
-                <a:off x="457200" y="1063229"/>
-                <a:ext cx="8229600" cy="3874292"/>
+                <a:off x="457200" y="1063228"/>
+                <a:ext cx="8507984" cy="3976131"/>
               </a:xfrm>
               <a:blipFill>
                 <a:blip r:embed="rId2"/>
                 <a:stretch>
-                  <a:fillRect l="-444" t="-1572"/>
+                  <a:fillRect l="-645" t="-1991"/>
                 </a:stretch>
               </a:blipFill>
             </p:spPr>
@@ -30231,6 +28947,1194 @@
             <a:r>
               <a:rPr lang="en-US" b="1" dirty="0"/>
               <a:t>Normal Likelihood</a:t>
+            </a:r>
+            <a:endParaRPr dirty="0"/>
+          </a:p>
+        </p:txBody>
+      </p:sp>
+    </p:spTree>
+  </p:cSld>
+  <p:clrMapOvr>
+    <a:masterClrMapping/>
+  </p:clrMapOvr>
+</p:sld>
+</file>
+
+<file path=ppt/slides/slide7.xml><?xml version="1.0" encoding="utf-8"?>
+<p:sld xmlns:a="http://schemas.openxmlformats.org/drawingml/2006/main" xmlns:r="http://schemas.openxmlformats.org/officeDocument/2006/relationships" xmlns:p="http://schemas.openxmlformats.org/presentationml/2006/main">
+  <p:cSld>
+    <p:spTree>
+      <p:nvGrpSpPr>
+        <p:cNvPr id="1" name=""/>
+        <p:cNvGrpSpPr/>
+        <p:nvPr/>
+      </p:nvGrpSpPr>
+      <p:grpSpPr>
+        <a:xfrm>
+          <a:off x="0" y="0"/>
+          <a:ext cx="0" cy="0"/>
+          <a:chOff x="0" y="0"/>
+          <a:chExt cx="0" cy="0"/>
+        </a:xfrm>
+      </p:grpSpPr>
+      <mc:AlternateContent xmlns:mc="http://schemas.openxmlformats.org/markup-compatibility/2006">
+        <mc:Choice xmlns:a14="http://schemas.microsoft.com/office/drawing/2010/main" Requires="a14">
+          <p:sp>
+            <p:nvSpPr>
+              <p:cNvPr id="3" name="Content Placeholder 2"/>
+              <p:cNvSpPr>
+                <a:spLocks noGrp="1"/>
+              </p:cNvSpPr>
+              <p:nvPr>
+                <p:ph idx="1"/>
+              </p:nvPr>
+            </p:nvSpPr>
+            <p:spPr>
+              <a:xfrm>
+                <a:off x="457201" y="1063230"/>
+                <a:ext cx="4392592" cy="3922082"/>
+              </a:xfrm>
+            </p:spPr>
+            <p:txBody>
+              <a:bodyPr>
+                <a:noAutofit/>
+              </a:bodyPr>
+              <a:lstStyle/>
+              <a:p>
+                <a:pPr marL="0" lvl="0" indent="0">
+                  <a:buNone/>
+                </a:pPr>
+                <a:r>
+                  <a:rPr sz="1700" dirty="0"/>
+                  <a:t>An example to illustrate the foregoing concepts</a:t>
+                </a:r>
+              </a:p>
+              <a:p>
+                <a:pPr lvl="0"/>
+                <a:r>
+                  <a:rPr sz="1700" dirty="0"/>
+                  <a:t>Plot the likelihood for 5, 10 and 20 samples from a standard Normal distribution</a:t>
+                </a:r>
+              </a:p>
+              <a:p>
+                <a:pPr lvl="0"/>
+                <a:r>
+                  <a:rPr sz="1700" dirty="0"/>
+                  <a:t>Vary the parameter </a:t>
+                </a:r>
+                <a14:m>
+                  <m:oMath xmlns:m="http://schemas.openxmlformats.org/officeDocument/2006/math">
+                    <m:r>
+                      <a:rPr sz="1700">
+                        <a:latin typeface="Cambria Math" panose="02040503050406030204" pitchFamily="18" charset="0"/>
+                      </a:rPr>
+                      <m:t>𝜇</m:t>
+                    </m:r>
+                  </m:oMath>
+                </a14:m>
+                <a:r>
+                  <a:rPr sz="1700" dirty="0"/>
+                  <a:t>, </a:t>
+                </a:r>
+                <a:r>
+                  <a:rPr lang="en-US" sz="1700" dirty="0"/>
+                  <a:t>with</a:t>
+                </a:r>
+                <a:r>
+                  <a:rPr sz="1700" dirty="0"/>
+                  <a:t> </a:t>
+                </a:r>
+                <a14:m>
+                  <m:oMath xmlns:m="http://schemas.openxmlformats.org/officeDocument/2006/math">
+                    <m:r>
+                      <a:rPr sz="1700">
+                        <a:latin typeface="Cambria Math" panose="02040503050406030204" pitchFamily="18" charset="0"/>
+                      </a:rPr>
+                      <m:t>𝜎</m:t>
+                    </m:r>
+                  </m:oMath>
+                </a14:m>
+                <a:r>
+                  <a:rPr sz="1700" dirty="0"/>
+                  <a:t> fixed and known. The steps are:</a:t>
+                </a:r>
+              </a:p>
+              <a:p>
+                <a:pPr lvl="1"/>
+                <a:r>
+                  <a:rPr sz="1700" dirty="0"/>
+                  <a:t>A random sample is drawn from a standard Normal distribution</a:t>
+                </a:r>
+              </a:p>
+              <a:p>
+                <a:pPr lvl="1"/>
+                <a:r>
+                  <a:rPr sz="1700" dirty="0"/>
+                  <a:t>For the random sample the log-likelihood is computed at each parameter value</a:t>
+                </a:r>
+                <a:r>
+                  <a:rPr lang="en-US" sz="1700" dirty="0"/>
+                  <a:t>, </a:t>
+                </a:r>
+                <a14:m>
+                  <m:oMath xmlns:m="http://schemas.openxmlformats.org/officeDocument/2006/math">
+                    <m:r>
+                      <a:rPr lang="en-US" sz="1700" smtClean="0">
+                        <a:latin typeface="Cambria Math" panose="02040503050406030204" pitchFamily="18" charset="0"/>
+                      </a:rPr>
+                      <m:t>𝜇</m:t>
+                    </m:r>
+                  </m:oMath>
+                </a14:m>
+                <a:endParaRPr sz="1700" dirty="0"/>
+              </a:p>
+            </p:txBody>
+          </p:sp>
+        </mc:Choice>
+        <mc:Fallback>
+          <p:sp>
+            <p:nvSpPr>
+              <p:cNvPr id="3" name="Content Placeholder 2"/>
+              <p:cNvSpPr>
+                <a:spLocks noGrp="1" noRot="1" noChangeAspect="1" noMove="1" noResize="1" noEditPoints="1" noAdjustHandles="1" noChangeArrowheads="1" noChangeShapeType="1" noTextEdit="1"/>
+              </p:cNvSpPr>
+              <p:nvPr>
+                <p:ph idx="1"/>
+              </p:nvPr>
+            </p:nvSpPr>
+            <p:spPr>
+              <a:xfrm>
+                <a:off x="457201" y="1063230"/>
+                <a:ext cx="4392592" cy="3922082"/>
+              </a:xfrm>
+              <a:blipFill>
+                <a:blip r:embed="rId2"/>
+                <a:stretch>
+                  <a:fillRect l="-832" t="-466"/>
+                </a:stretch>
+              </a:blipFill>
+            </p:spPr>
+            <p:txBody>
+              <a:bodyPr/>
+              <a:lstStyle/>
+              <a:p>
+                <a:r>
+                  <a:rPr lang="en-US">
+                    <a:noFill/>
+                  </a:rPr>
+                  <a:t> </a:t>
+                </a:r>
+              </a:p>
+            </p:txBody>
+          </p:sp>
+        </mc:Fallback>
+      </mc:AlternateContent>
+      <p:pic>
+        <p:nvPicPr>
+          <p:cNvPr id="2" name="Picture 1" descr="../images/NormalLikelihood.JPG"/>
+          <p:cNvPicPr>
+            <a:picLocks noGrp="1" noChangeAspect="1"/>
+          </p:cNvPicPr>
+          <p:nvPr/>
+        </p:nvPicPr>
+        <p:blipFill>
+          <a:blip r:embed="rId3"/>
+          <a:stretch>
+            <a:fillRect/>
+          </a:stretch>
+        </p:blipFill>
+        <p:spPr bwMode="auto">
+          <a:xfrm>
+            <a:off x="4807070" y="1130299"/>
+            <a:ext cx="4253977" cy="3352961"/>
+          </a:xfrm>
+          <a:prstGeom prst="rect">
+            <a:avLst/>
+          </a:prstGeom>
+          <a:noFill/>
+          <a:ln w="9525">
+            <a:noFill/>
+            <a:headEnd/>
+            <a:tailEnd/>
+          </a:ln>
+        </p:spPr>
+      </p:pic>
+      <p:sp>
+        <p:nvSpPr>
+          <p:cNvPr id="4" name="TextBox 3"/>
+          <p:cNvSpPr txBox="1"/>
+          <p:nvPr/>
+        </p:nvSpPr>
+        <p:spPr>
+          <a:xfrm>
+            <a:off x="5501833" y="4477312"/>
+            <a:ext cx="3474333" cy="508000"/>
+          </a:xfrm>
+          <a:prstGeom prst="rect">
+            <a:avLst/>
+          </a:prstGeom>
+          <a:noFill/>
+        </p:spPr>
+        <p:txBody>
+          <a:bodyPr/>
+          <a:lstStyle/>
+          <a:p>
+            <a:pPr marL="0" lvl="0" indent="0" algn="ctr">
+              <a:buNone/>
+            </a:pPr>
+            <a:r>
+              <a:rPr dirty="0"/>
+              <a:t>Normal likelihood at different sample sizes</a:t>
+            </a:r>
+          </a:p>
+        </p:txBody>
+      </p:sp>
+      <p:sp>
+        <p:nvSpPr>
+          <p:cNvPr id="5" name="Title 1">
+            <a:extLst>
+              <a:ext uri="{FF2B5EF4-FFF2-40B4-BE49-F238E27FC236}">
+                <a16:creationId xmlns:a16="http://schemas.microsoft.com/office/drawing/2014/main" id="{581468C7-3F6C-A4C5-2556-2E92940D5182}"/>
+              </a:ext>
+            </a:extLst>
+          </p:cNvPr>
+          <p:cNvSpPr>
+            <a:spLocks noGrp="1"/>
+          </p:cNvSpPr>
+          <p:nvPr>
+            <p:ph type="title"/>
+          </p:nvPr>
+        </p:nvSpPr>
+        <p:spPr>
+          <a:xfrm>
+            <a:off x="457200" y="205979"/>
+            <a:ext cx="8229600" cy="857250"/>
+          </a:xfrm>
+        </p:spPr>
+        <p:txBody>
+          <a:bodyPr/>
+          <a:lstStyle/>
+          <a:p>
+            <a:pPr marL="0" lvl="0" indent="0">
+              <a:buNone/>
+            </a:pPr>
+            <a:r>
+              <a:rPr lang="en-US" b="1" dirty="0"/>
+              <a:t>Normal Likelihood</a:t>
+            </a:r>
+            <a:endParaRPr dirty="0"/>
+          </a:p>
+        </p:txBody>
+      </p:sp>
+    </p:spTree>
+  </p:cSld>
+  <p:clrMapOvr>
+    <a:masterClrMapping/>
+  </p:clrMapOvr>
+</p:sld>
+</file>
+
+<file path=ppt/slides/slide8.xml><?xml version="1.0" encoding="utf-8"?>
+<p:sld xmlns:a="http://schemas.openxmlformats.org/drawingml/2006/main" xmlns:r="http://schemas.openxmlformats.org/officeDocument/2006/relationships" xmlns:p="http://schemas.openxmlformats.org/presentationml/2006/main">
+  <p:cSld>
+    <p:spTree>
+      <p:nvGrpSpPr>
+        <p:cNvPr id="1" name="">
+          <a:extLst>
+            <a:ext uri="{FF2B5EF4-FFF2-40B4-BE49-F238E27FC236}">
+              <a16:creationId xmlns:a16="http://schemas.microsoft.com/office/drawing/2014/main" id="{C586FFED-F9EB-39B1-F2D5-A59FBAE67733}"/>
+            </a:ext>
+          </a:extLst>
+        </p:cNvPr>
+        <p:cNvGrpSpPr/>
+        <p:nvPr/>
+      </p:nvGrpSpPr>
+      <p:grpSpPr>
+        <a:xfrm>
+          <a:off x="0" y="0"/>
+          <a:ext cx="0" cy="0"/>
+          <a:chOff x="0" y="0"/>
+          <a:chExt cx="0" cy="0"/>
+        </a:xfrm>
+      </p:grpSpPr>
+      <p:sp>
+        <p:nvSpPr>
+          <p:cNvPr id="3" name="Content Placeholder 2">
+            <a:extLst>
+              <a:ext uri="{FF2B5EF4-FFF2-40B4-BE49-F238E27FC236}">
+                <a16:creationId xmlns:a16="http://schemas.microsoft.com/office/drawing/2014/main" id="{BCC91010-0FE5-E111-B439-57D36CF1B083}"/>
+              </a:ext>
+            </a:extLst>
+          </p:cNvPr>
+          <p:cNvSpPr>
+            <a:spLocks noGrp="1"/>
+          </p:cNvSpPr>
+          <p:nvPr>
+            <p:ph idx="1"/>
+          </p:nvPr>
+        </p:nvSpPr>
+        <p:spPr>
+          <a:xfrm>
+            <a:off x="457201" y="1063230"/>
+            <a:ext cx="4392592" cy="3922082"/>
+          </a:xfrm>
+        </p:spPr>
+        <p:txBody>
+          <a:bodyPr>
+            <a:noAutofit/>
+          </a:bodyPr>
+          <a:lstStyle/>
+          <a:p>
+            <a:pPr marL="0" lvl="0" indent="0">
+              <a:buNone/>
+            </a:pPr>
+            <a:r>
+              <a:rPr sz="1700" dirty="0"/>
+              <a:t>An example to illustrate the foregoing concepts</a:t>
+            </a:r>
+          </a:p>
+          <a:p>
+            <a:pPr lvl="0"/>
+            <a:r>
+              <a:rPr sz="1700" dirty="0"/>
+              <a:t>Plot the likelihood for 5, 10 and 20 samples from a standard Normal distribution</a:t>
+            </a:r>
+          </a:p>
+          <a:p>
+            <a:pPr lvl="0"/>
+            <a:r>
+              <a:rPr sz="1700" dirty="0"/>
+              <a:t>Notice that as the number of observations increases so does the curvature of the likelihood.</a:t>
+            </a:r>
+            <a:endParaRPr lang="en-US" sz="1700" dirty="0"/>
+          </a:p>
+          <a:p>
+            <a:pPr lvl="1"/>
+            <a:r>
+              <a:rPr lang="en-US" sz="1700" dirty="0"/>
+              <a:t>Larger sample leads to less uncertainty in parameter estimate</a:t>
+            </a:r>
+          </a:p>
+          <a:p>
+            <a:pPr lvl="1"/>
+            <a:r>
+              <a:rPr lang="en-US" sz="1700" dirty="0"/>
+              <a:t>Confidence interval decreases with increasing curvature!</a:t>
+            </a:r>
+          </a:p>
+          <a:p>
+            <a:pPr lvl="1"/>
+            <a:r>
+              <a:rPr lang="en-US" sz="1700" dirty="0"/>
+              <a:t>A consequent of the law of large numbers</a:t>
+            </a:r>
+            <a:endParaRPr sz="1700" dirty="0"/>
+          </a:p>
+        </p:txBody>
+      </p:sp>
+      <p:pic>
+        <p:nvPicPr>
+          <p:cNvPr id="2" name="Picture 1" descr="../images/NormalLikelihood.JPG">
+            <a:extLst>
+              <a:ext uri="{FF2B5EF4-FFF2-40B4-BE49-F238E27FC236}">
+                <a16:creationId xmlns:a16="http://schemas.microsoft.com/office/drawing/2014/main" id="{71008080-1148-5BDC-A657-3F4EDF9884ED}"/>
+              </a:ext>
+            </a:extLst>
+          </p:cNvPr>
+          <p:cNvPicPr>
+            <a:picLocks noGrp="1" noChangeAspect="1"/>
+          </p:cNvPicPr>
+          <p:nvPr/>
+        </p:nvPicPr>
+        <p:blipFill>
+          <a:blip r:embed="rId2"/>
+          <a:stretch>
+            <a:fillRect/>
+          </a:stretch>
+        </p:blipFill>
+        <p:spPr bwMode="auto">
+          <a:xfrm>
+            <a:off x="4807070" y="1130299"/>
+            <a:ext cx="4253977" cy="3352961"/>
+          </a:xfrm>
+          <a:prstGeom prst="rect">
+            <a:avLst/>
+          </a:prstGeom>
+          <a:noFill/>
+          <a:ln w="9525">
+            <a:noFill/>
+            <a:headEnd/>
+            <a:tailEnd/>
+          </a:ln>
+        </p:spPr>
+      </p:pic>
+      <p:sp>
+        <p:nvSpPr>
+          <p:cNvPr id="4" name="TextBox 3">
+            <a:extLst>
+              <a:ext uri="{FF2B5EF4-FFF2-40B4-BE49-F238E27FC236}">
+                <a16:creationId xmlns:a16="http://schemas.microsoft.com/office/drawing/2014/main" id="{ABC89F02-FCC0-A694-F4F7-61492A7B6165}"/>
+              </a:ext>
+            </a:extLst>
+          </p:cNvPr>
+          <p:cNvSpPr txBox="1"/>
+          <p:nvPr/>
+        </p:nvSpPr>
+        <p:spPr>
+          <a:xfrm>
+            <a:off x="5501833" y="4477312"/>
+            <a:ext cx="3474333" cy="508000"/>
+          </a:xfrm>
+          <a:prstGeom prst="rect">
+            <a:avLst/>
+          </a:prstGeom>
+          <a:noFill/>
+        </p:spPr>
+        <p:txBody>
+          <a:bodyPr/>
+          <a:lstStyle/>
+          <a:p>
+            <a:pPr marL="0" lvl="0" indent="0" algn="ctr">
+              <a:buNone/>
+            </a:pPr>
+            <a:r>
+              <a:rPr dirty="0"/>
+              <a:t>Normal likelihood at different sample sizes</a:t>
+            </a:r>
+          </a:p>
+        </p:txBody>
+      </p:sp>
+      <p:sp>
+        <p:nvSpPr>
+          <p:cNvPr id="5" name="Title 1">
+            <a:extLst>
+              <a:ext uri="{FF2B5EF4-FFF2-40B4-BE49-F238E27FC236}">
+                <a16:creationId xmlns:a16="http://schemas.microsoft.com/office/drawing/2014/main" id="{A18F662A-AFE1-4714-E087-5C69CD39B0E0}"/>
+              </a:ext>
+            </a:extLst>
+          </p:cNvPr>
+          <p:cNvSpPr>
+            <a:spLocks noGrp="1"/>
+          </p:cNvSpPr>
+          <p:nvPr>
+            <p:ph type="title"/>
+          </p:nvPr>
+        </p:nvSpPr>
+        <p:spPr>
+          <a:xfrm>
+            <a:off x="457200" y="205979"/>
+            <a:ext cx="8229600" cy="857250"/>
+          </a:xfrm>
+        </p:spPr>
+        <p:txBody>
+          <a:bodyPr/>
+          <a:lstStyle/>
+          <a:p>
+            <a:pPr marL="0" lvl="0" indent="0">
+              <a:buNone/>
+            </a:pPr>
+            <a:r>
+              <a:rPr lang="en-US" b="1" dirty="0"/>
+              <a:t>Normal Likelihood</a:t>
+            </a:r>
+            <a:endParaRPr dirty="0"/>
+          </a:p>
+        </p:txBody>
+      </p:sp>
+    </p:spTree>
+    <p:extLst>
+      <p:ext uri="{BB962C8B-B14F-4D97-AF65-F5344CB8AC3E}">
+        <p14:creationId xmlns:p14="http://schemas.microsoft.com/office/powerpoint/2010/main" val="2567730512"/>
+      </p:ext>
+    </p:extLst>
+  </p:cSld>
+  <p:clrMapOvr>
+    <a:masterClrMapping/>
+  </p:clrMapOvr>
+</p:sld>
+</file>
+
+<file path=ppt/slides/slide9.xml><?xml version="1.0" encoding="utf-8"?>
+<p:sld xmlns:a="http://schemas.openxmlformats.org/drawingml/2006/main" xmlns:r="http://schemas.openxmlformats.org/officeDocument/2006/relationships" xmlns:p="http://schemas.openxmlformats.org/presentationml/2006/main">
+  <p:cSld>
+    <p:spTree>
+      <p:nvGrpSpPr>
+        <p:cNvPr id="1" name=""/>
+        <p:cNvGrpSpPr/>
+        <p:nvPr/>
+      </p:nvGrpSpPr>
+      <p:grpSpPr>
+        <a:xfrm>
+          <a:off x="0" y="0"/>
+          <a:ext cx="0" cy="0"/>
+          <a:chOff x="0" y="0"/>
+          <a:chExt cx="0" cy="0"/>
+        </a:xfrm>
+      </p:grpSpPr>
+      <mc:AlternateContent xmlns:mc="http://schemas.openxmlformats.org/markup-compatibility/2006">
+        <mc:Choice xmlns:a14="http://schemas.microsoft.com/office/drawing/2010/main" Requires="a14">
+          <p:sp>
+            <p:nvSpPr>
+              <p:cNvPr id="3" name="Content Placeholder 2"/>
+              <p:cNvSpPr>
+                <a:spLocks noGrp="1"/>
+              </p:cNvSpPr>
+              <p:nvPr>
+                <p:ph idx="1"/>
+              </p:nvPr>
+            </p:nvSpPr>
+            <p:spPr>
+              <a:xfrm>
+                <a:off x="457200" y="1200151"/>
+                <a:ext cx="8229600" cy="3737370"/>
+              </a:xfrm>
+            </p:spPr>
+            <p:txBody>
+              <a:bodyPr>
+                <a:normAutofit fontScale="85000" lnSpcReduction="20000"/>
+              </a:bodyPr>
+              <a:lstStyle/>
+              <a:p>
+                <a:pPr marL="0" lvl="0" indent="0">
+                  <a:buNone/>
+                </a:pPr>
+                <a:r>
+                  <a:rPr dirty="0"/>
+                  <a:t>Example of log-likelihood for the Binomial distribution</a:t>
+                </a:r>
+              </a:p>
+              <a:p>
+                <a:pPr lvl="0"/>
+                <a:r>
+                  <a:rPr dirty="0"/>
+                  <a:t>Binomial distribution models </a:t>
+                </a:r>
+                <a:r>
+                  <a:rPr b="1" dirty="0"/>
+                  <a:t>discrete events</a:t>
+                </a:r>
+              </a:p>
+              <a:p>
+                <a:pPr lvl="0"/>
+                <a:r>
+                  <a:rPr dirty="0"/>
+                  <a:t>Range of the single parameter, </a:t>
+                </a:r>
+                <a14:m>
+                  <m:oMath xmlns:m="http://schemas.openxmlformats.org/officeDocument/2006/math">
+                    <m:r>
+                      <a:rPr>
+                        <a:latin typeface="Cambria Math" panose="02040503050406030204" pitchFamily="18" charset="0"/>
+                      </a:rPr>
+                      <m:t>𝜋</m:t>
+                    </m:r>
+                  </m:oMath>
+                </a14:m>
+                <a:r>
+                  <a:rPr dirty="0"/>
+                  <a:t>, restricted to </a:t>
+                </a:r>
+                <a14:m>
+                  <m:oMath xmlns:m="http://schemas.openxmlformats.org/officeDocument/2006/math">
+                    <m:r>
+                      <a:rPr>
+                        <a:latin typeface="Cambria Math" panose="02040503050406030204" pitchFamily="18" charset="0"/>
+                      </a:rPr>
+                      <m:t>0</m:t>
+                    </m:r>
+                    <m:r>
+                      <a:rPr>
+                        <a:latin typeface="Cambria Math" panose="02040503050406030204" pitchFamily="18" charset="0"/>
+                      </a:rPr>
+                      <m:t>≤</m:t>
+                    </m:r>
+                    <m:r>
+                      <a:rPr>
+                        <a:latin typeface="Cambria Math" panose="02040503050406030204" pitchFamily="18" charset="0"/>
+                      </a:rPr>
+                      <m:t>𝜋</m:t>
+                    </m:r>
+                    <m:r>
+                      <a:rPr>
+                        <a:latin typeface="Cambria Math" panose="02040503050406030204" pitchFamily="18" charset="0"/>
+                      </a:rPr>
+                      <m:t>≤</m:t>
+                    </m:r>
+                    <m:r>
+                      <a:rPr>
+                        <a:latin typeface="Cambria Math" panose="02040503050406030204" pitchFamily="18" charset="0"/>
+                      </a:rPr>
+                      <m:t>1</m:t>
+                    </m:r>
+                  </m:oMath>
+                </a14:m>
+                <a:endParaRPr dirty="0"/>
+              </a:p>
+              <a:p>
+                <a:pPr lvl="0"/>
+                <a:r>
+                  <a:rPr dirty="0"/>
+                  <a:t>Binomial distribution has the following probability mass function (PMF) for </a:t>
+                </a:r>
+                <a14:m>
+                  <m:oMath xmlns:m="http://schemas.openxmlformats.org/officeDocument/2006/math">
+                    <m:r>
+                      <a:rPr>
+                        <a:latin typeface="Cambria Math" panose="02040503050406030204" pitchFamily="18" charset="0"/>
+                      </a:rPr>
+                      <m:t>𝑘</m:t>
+                    </m:r>
+                  </m:oMath>
+                </a14:m>
+                <a:r>
+                  <a:rPr dirty="0"/>
+                  <a:t> successes in </a:t>
+                </a:r>
+                <a14:m>
+                  <m:oMath xmlns:m="http://schemas.openxmlformats.org/officeDocument/2006/math">
+                    <m:r>
+                      <a:rPr>
+                        <a:latin typeface="Cambria Math" panose="02040503050406030204" pitchFamily="18" charset="0"/>
+                      </a:rPr>
+                      <m:t>𝑛</m:t>
+                    </m:r>
+                  </m:oMath>
+                </a14:m>
+                <a:r>
+                  <a:rPr dirty="0"/>
+                  <a:t> trials:</a:t>
+                </a:r>
+              </a:p>
+              <a:p>
+                <a:pPr marL="0" lvl="0" indent="0">
+                  <a:buNone/>
+                </a:pPr>
+                <a14:m>
+                  <m:oMathPara xmlns:m="http://schemas.openxmlformats.org/officeDocument/2006/math">
+                    <m:oMathParaPr>
+                      <m:jc m:val="center"/>
+                    </m:oMathParaPr>
+                    <m:oMath xmlns:m="http://schemas.openxmlformats.org/officeDocument/2006/math">
+                      <m:r>
+                        <a:rPr>
+                          <a:latin typeface="Cambria Math" panose="02040503050406030204" pitchFamily="18" charset="0"/>
+                        </a:rPr>
+                        <m:t>𝑓</m:t>
+                      </m:r>
+                      <m:d>
+                        <m:dPr>
+                          <m:ctrlPr>
+                            <a:rPr i="1">
+                              <a:latin typeface="Cambria Math" panose="02040503050406030204" pitchFamily="18" charset="0"/>
+                            </a:rPr>
+                          </m:ctrlPr>
+                        </m:dPr>
+                        <m:e>
+                          <m:r>
+                            <a:rPr>
+                              <a:latin typeface="Cambria Math" panose="02040503050406030204" pitchFamily="18" charset="0"/>
+                            </a:rPr>
+                            <m:t>𝑘</m:t>
+                          </m:r>
+                          <m:r>
+                            <a:rPr>
+                              <a:latin typeface="Cambria Math" panose="02040503050406030204" pitchFamily="18" charset="0"/>
+                            </a:rPr>
+                            <m:t>,</m:t>
+                          </m:r>
+                          <m:r>
+                            <a:rPr>
+                              <a:latin typeface="Cambria Math" panose="02040503050406030204" pitchFamily="18" charset="0"/>
+                            </a:rPr>
+                            <m:t>𝑛</m:t>
+                          </m:r>
+                          <m:r>
+                            <a:rPr>
+                              <a:latin typeface="Cambria Math" panose="02040503050406030204" pitchFamily="18" charset="0"/>
+                            </a:rPr>
+                            <m:t> | </m:t>
+                          </m:r>
+                          <m:r>
+                            <a:rPr>
+                              <a:latin typeface="Cambria Math" panose="02040503050406030204" pitchFamily="18" charset="0"/>
+                            </a:rPr>
+                            <m:t>𝜋</m:t>
+                          </m:r>
+                        </m:e>
+                      </m:d>
+                      <m:r>
+                        <a:rPr>
+                          <a:latin typeface="Cambria Math" panose="02040503050406030204" pitchFamily="18" charset="0"/>
+                        </a:rPr>
+                        <m:t>=</m:t>
+                      </m:r>
+                      <m:d>
+                        <m:dPr>
+                          <m:ctrlPr>
+                            <a:rPr i="1">
+                              <a:latin typeface="Cambria Math" panose="02040503050406030204" pitchFamily="18" charset="0"/>
+                            </a:rPr>
+                          </m:ctrlPr>
+                        </m:dPr>
+                        <m:e>
+                          <m:f>
+                            <m:fPr>
+                              <m:type m:val="noBar"/>
+                              <m:ctrlPr>
+                                <a:rPr i="1">
+                                  <a:latin typeface="Cambria Math" panose="02040503050406030204" pitchFamily="18" charset="0"/>
+                                </a:rPr>
+                              </m:ctrlPr>
+                            </m:fPr>
+                            <m:num>
+                              <m:r>
+                                <a:rPr>
+                                  <a:latin typeface="Cambria Math" panose="02040503050406030204" pitchFamily="18" charset="0"/>
+                                </a:rPr>
+                                <m:t>𝑛</m:t>
+                              </m:r>
+                            </m:num>
+                            <m:den>
+                              <m:r>
+                                <a:rPr>
+                                  <a:latin typeface="Cambria Math" panose="02040503050406030204" pitchFamily="18" charset="0"/>
+                                </a:rPr>
+                                <m:t>𝑦</m:t>
+                              </m:r>
+                            </m:den>
+                          </m:f>
+                        </m:e>
+                      </m:d>
+                      <m:sSup>
+                        <m:sSupPr>
+                          <m:ctrlPr>
+                            <a:rPr i="1">
+                              <a:latin typeface="Cambria Math" panose="02040503050406030204" pitchFamily="18" charset="0"/>
+                            </a:rPr>
+                          </m:ctrlPr>
+                        </m:sSupPr>
+                        <m:e>
+                          <m:r>
+                            <a:rPr>
+                              <a:latin typeface="Cambria Math" panose="02040503050406030204" pitchFamily="18" charset="0"/>
+                            </a:rPr>
+                            <m:t>𝜋</m:t>
+                          </m:r>
+                        </m:e>
+                        <m:sup>
+                          <m:r>
+                            <a:rPr>
+                              <a:latin typeface="Cambria Math" panose="02040503050406030204" pitchFamily="18" charset="0"/>
+                            </a:rPr>
+                            <m:t>𝑘</m:t>
+                          </m:r>
+                        </m:sup>
+                      </m:sSup>
+                      <m:sSup>
+                        <m:sSupPr>
+                          <m:ctrlPr>
+                            <a:rPr i="1">
+                              <a:latin typeface="Cambria Math" panose="02040503050406030204" pitchFamily="18" charset="0"/>
+                            </a:rPr>
+                          </m:ctrlPr>
+                        </m:sSupPr>
+                        <m:e>
+                          <m:d>
+                            <m:dPr>
+                              <m:ctrlPr>
+                                <a:rPr i="1">
+                                  <a:latin typeface="Cambria Math" panose="02040503050406030204" pitchFamily="18" charset="0"/>
+                                </a:rPr>
+                              </m:ctrlPr>
+                            </m:dPr>
+                            <m:e>
+                              <m:r>
+                                <a:rPr>
+                                  <a:latin typeface="Cambria Math" panose="02040503050406030204" pitchFamily="18" charset="0"/>
+                                </a:rPr>
+                                <m:t>1</m:t>
+                              </m:r>
+                              <m:r>
+                                <a:rPr>
+                                  <a:latin typeface="Cambria Math" panose="02040503050406030204" pitchFamily="18" charset="0"/>
+                                </a:rPr>
+                                <m:t>−</m:t>
+                              </m:r>
+                              <m:r>
+                                <a:rPr>
+                                  <a:latin typeface="Cambria Math" panose="02040503050406030204" pitchFamily="18" charset="0"/>
+                                </a:rPr>
+                                <m:t>𝜋</m:t>
+                              </m:r>
+                            </m:e>
+                          </m:d>
+                        </m:e>
+                        <m:sup>
+                          <m:r>
+                            <a:rPr>
+                              <a:latin typeface="Cambria Math" panose="02040503050406030204" pitchFamily="18" charset="0"/>
+                            </a:rPr>
+                            <m:t>𝑛</m:t>
+                          </m:r>
+                          <m:r>
+                            <a:rPr>
+                              <a:latin typeface="Cambria Math" panose="02040503050406030204" pitchFamily="18" charset="0"/>
+                            </a:rPr>
+                            <m:t>−</m:t>
+                          </m:r>
+                          <m:r>
+                            <a:rPr>
+                              <a:latin typeface="Cambria Math" panose="02040503050406030204" pitchFamily="18" charset="0"/>
+                            </a:rPr>
+                            <m:t>𝑘</m:t>
+                          </m:r>
+                        </m:sup>
+                      </m:sSup>
+                    </m:oMath>
+                  </m:oMathPara>
+                </a14:m>
+                <a:endParaRPr dirty="0"/>
+              </a:p>
+              <a:p>
+                <a:pPr lvl="0"/>
+                <a:r>
+                  <a:rPr dirty="0"/>
+                  <a:t>Log-likelihood is easily found:</a:t>
+                </a:r>
+              </a:p>
+              <a:p>
+                <a:pPr marL="0" lvl="0" indent="0">
+                  <a:buNone/>
+                </a:pPr>
+                <a14:m>
+                  <m:oMathPara xmlns:m="http://schemas.openxmlformats.org/officeDocument/2006/math">
+                    <m:oMathParaPr>
+                      <m:jc m:val="center"/>
+                    </m:oMathParaPr>
+                    <m:oMath xmlns:m="http://schemas.openxmlformats.org/officeDocument/2006/math">
+                      <m:r>
+                        <a:rPr>
+                          <a:latin typeface="Cambria Math" panose="02040503050406030204" pitchFamily="18" charset="0"/>
+                        </a:rPr>
+                        <m:t>𝑙</m:t>
+                      </m:r>
+                      <m:d>
+                        <m:dPr>
+                          <m:ctrlPr>
+                            <a:rPr i="1">
+                              <a:latin typeface="Cambria Math" panose="02040503050406030204" pitchFamily="18" charset="0"/>
+                            </a:rPr>
+                          </m:ctrlPr>
+                        </m:dPr>
+                        <m:e>
+                          <m:r>
+                            <a:rPr>
+                              <a:latin typeface="Cambria Math" panose="02040503050406030204" pitchFamily="18" charset="0"/>
+                            </a:rPr>
+                            <m:t>𝑘</m:t>
+                          </m:r>
+                          <m:r>
+                            <a:rPr>
+                              <a:latin typeface="Cambria Math" panose="02040503050406030204" pitchFamily="18" charset="0"/>
+                            </a:rPr>
+                            <m:t>,</m:t>
+                          </m:r>
+                          <m:r>
+                            <a:rPr>
+                              <a:latin typeface="Cambria Math" panose="02040503050406030204" pitchFamily="18" charset="0"/>
+                            </a:rPr>
+                            <m:t>𝑛</m:t>
+                          </m:r>
+                          <m:r>
+                            <a:rPr>
+                              <a:latin typeface="Cambria Math" panose="02040503050406030204" pitchFamily="18" charset="0"/>
+                            </a:rPr>
+                            <m:t> | </m:t>
+                          </m:r>
+                          <m:r>
+                            <a:rPr>
+                              <a:latin typeface="Cambria Math" panose="02040503050406030204" pitchFamily="18" charset="0"/>
+                            </a:rPr>
+                            <m:t>𝜋</m:t>
+                          </m:r>
+                        </m:e>
+                      </m:d>
+                      <m:r>
+                        <a:rPr>
+                          <a:latin typeface="Cambria Math" panose="02040503050406030204" pitchFamily="18" charset="0"/>
+                        </a:rPr>
+                        <m:t>=</m:t>
+                      </m:r>
+                      <m:r>
+                        <a:rPr>
+                          <a:latin typeface="Cambria Math" panose="02040503050406030204" pitchFamily="18" charset="0"/>
+                        </a:rPr>
+                        <m:t>𝑙𝑜𝑔</m:t>
+                      </m:r>
+                      <m:d>
+                        <m:dPr>
+                          <m:ctrlPr>
+                            <a:rPr i="1">
+                              <a:latin typeface="Cambria Math" panose="02040503050406030204" pitchFamily="18" charset="0"/>
+                            </a:rPr>
+                          </m:ctrlPr>
+                        </m:dPr>
+                        <m:e>
+                          <m:f>
+                            <m:fPr>
+                              <m:type m:val="noBar"/>
+                              <m:ctrlPr>
+                                <a:rPr i="1">
+                                  <a:latin typeface="Cambria Math" panose="02040503050406030204" pitchFamily="18" charset="0"/>
+                                </a:rPr>
+                              </m:ctrlPr>
+                            </m:fPr>
+                            <m:num>
+                              <m:r>
+                                <a:rPr>
+                                  <a:latin typeface="Cambria Math" panose="02040503050406030204" pitchFamily="18" charset="0"/>
+                                </a:rPr>
+                                <m:t>𝑛</m:t>
+                              </m:r>
+                            </m:num>
+                            <m:den>
+                              <m:r>
+                                <a:rPr>
+                                  <a:latin typeface="Cambria Math" panose="02040503050406030204" pitchFamily="18" charset="0"/>
+                                </a:rPr>
+                                <m:t>𝑘</m:t>
+                              </m:r>
+                            </m:den>
+                          </m:f>
+                        </m:e>
+                      </m:d>
+                      <m:r>
+                        <a:rPr>
+                          <a:latin typeface="Cambria Math" panose="02040503050406030204" pitchFamily="18" charset="0"/>
+                        </a:rPr>
+                        <m:t>+</m:t>
+                      </m:r>
+                      <m:r>
+                        <a:rPr>
+                          <a:latin typeface="Cambria Math" panose="02040503050406030204" pitchFamily="18" charset="0"/>
+                        </a:rPr>
+                        <m:t>𝑘</m:t>
+                      </m:r>
+                      <m:r>
+                        <a:rPr>
+                          <a:latin typeface="Cambria Math" panose="02040503050406030204" pitchFamily="18" charset="0"/>
+                        </a:rPr>
+                        <m:t> </m:t>
+                      </m:r>
+                      <m:r>
+                        <a:rPr>
+                          <a:latin typeface="Cambria Math" panose="02040503050406030204" pitchFamily="18" charset="0"/>
+                        </a:rPr>
+                        <m:t>𝑙𝑜𝑔</m:t>
+                      </m:r>
+                      <m:d>
+                        <m:dPr>
+                          <m:ctrlPr>
+                            <a:rPr i="1">
+                              <a:latin typeface="Cambria Math" panose="02040503050406030204" pitchFamily="18" charset="0"/>
+                            </a:rPr>
+                          </m:ctrlPr>
+                        </m:dPr>
+                        <m:e>
+                          <m:r>
+                            <a:rPr>
+                              <a:latin typeface="Cambria Math" panose="02040503050406030204" pitchFamily="18" charset="0"/>
+                            </a:rPr>
+                            <m:t>𝜋</m:t>
+                          </m:r>
+                        </m:e>
+                      </m:d>
+                      <m:r>
+                        <a:rPr>
+                          <a:latin typeface="Cambria Math" panose="02040503050406030204" pitchFamily="18" charset="0"/>
+                        </a:rPr>
+                        <m:t>+</m:t>
+                      </m:r>
+                      <m:d>
+                        <m:dPr>
+                          <m:ctrlPr>
+                            <a:rPr i="1">
+                              <a:latin typeface="Cambria Math" panose="02040503050406030204" pitchFamily="18" charset="0"/>
+                            </a:rPr>
+                          </m:ctrlPr>
+                        </m:dPr>
+                        <m:e>
+                          <m:r>
+                            <a:rPr>
+                              <a:latin typeface="Cambria Math" panose="02040503050406030204" pitchFamily="18" charset="0"/>
+                            </a:rPr>
+                            <m:t>𝑛</m:t>
+                          </m:r>
+                          <m:r>
+                            <a:rPr>
+                              <a:latin typeface="Cambria Math" panose="02040503050406030204" pitchFamily="18" charset="0"/>
+                            </a:rPr>
+                            <m:t>−</m:t>
+                          </m:r>
+                          <m:r>
+                            <a:rPr>
+                              <a:latin typeface="Cambria Math" panose="02040503050406030204" pitchFamily="18" charset="0"/>
+                            </a:rPr>
+                            <m:t>𝑘</m:t>
+                          </m:r>
+                        </m:e>
+                      </m:d>
+                      <m:r>
+                        <a:rPr>
+                          <a:latin typeface="Cambria Math" panose="02040503050406030204" pitchFamily="18" charset="0"/>
+                        </a:rPr>
+                        <m:t> </m:t>
+                      </m:r>
+                      <m:r>
+                        <a:rPr>
+                          <a:latin typeface="Cambria Math" panose="02040503050406030204" pitchFamily="18" charset="0"/>
+                        </a:rPr>
+                        <m:t>𝑙𝑜𝑔</m:t>
+                      </m:r>
+                      <m:d>
+                        <m:dPr>
+                          <m:ctrlPr>
+                            <a:rPr i="1">
+                              <a:latin typeface="Cambria Math" panose="02040503050406030204" pitchFamily="18" charset="0"/>
+                            </a:rPr>
+                          </m:ctrlPr>
+                        </m:dPr>
+                        <m:e>
+                          <m:r>
+                            <a:rPr>
+                              <a:latin typeface="Cambria Math" panose="02040503050406030204" pitchFamily="18" charset="0"/>
+                            </a:rPr>
+                            <m:t>1</m:t>
+                          </m:r>
+                          <m:r>
+                            <a:rPr>
+                              <a:latin typeface="Cambria Math" panose="02040503050406030204" pitchFamily="18" charset="0"/>
+                            </a:rPr>
+                            <m:t>−</m:t>
+                          </m:r>
+                          <m:r>
+                            <a:rPr>
+                              <a:latin typeface="Cambria Math" panose="02040503050406030204" pitchFamily="18" charset="0"/>
+                            </a:rPr>
+                            <m:t>𝜋</m:t>
+                          </m:r>
+                        </m:e>
+                      </m:d>
+                    </m:oMath>
+                  </m:oMathPara>
+                </a14:m>
+                <a:endParaRPr dirty="0"/>
+              </a:p>
+              <a:p>
+                <a:pPr lvl="0"/>
+                <a:r>
+                  <a:rPr dirty="0"/>
+                  <a:t>Binomial log-likelihood has a strong dependence on both the sample size, </a:t>
+                </a:r>
+                <a14:m>
+                  <m:oMath xmlns:m="http://schemas.openxmlformats.org/officeDocument/2006/math">
+                    <m:r>
+                      <a:rPr>
+                        <a:latin typeface="Cambria Math" panose="02040503050406030204" pitchFamily="18" charset="0"/>
+                      </a:rPr>
+                      <m:t>𝑛</m:t>
+                    </m:r>
+                  </m:oMath>
+                </a14:m>
+                <a:r>
+                  <a:rPr dirty="0"/>
+                  <a:t> and the number of successes, </a:t>
+                </a:r>
+                <a14:m>
+                  <m:oMath xmlns:m="http://schemas.openxmlformats.org/officeDocument/2006/math">
+                    <m:r>
+                      <a:rPr>
+                        <a:latin typeface="Cambria Math" panose="02040503050406030204" pitchFamily="18" charset="0"/>
+                      </a:rPr>
+                      <m:t>𝑘</m:t>
+                    </m:r>
+                  </m:oMath>
+                </a14:m>
+                <a:endParaRPr dirty="0"/>
+              </a:p>
+            </p:txBody>
+          </p:sp>
+        </mc:Choice>
+        <mc:Fallback>
+          <p:sp>
+            <p:nvSpPr>
+              <p:cNvPr id="3" name="Content Placeholder 2"/>
+              <p:cNvSpPr>
+                <a:spLocks noGrp="1" noRot="1" noChangeAspect="1" noMove="1" noResize="1" noEditPoints="1" noAdjustHandles="1" noChangeArrowheads="1" noChangeShapeType="1" noTextEdit="1"/>
+              </p:cNvSpPr>
+              <p:nvPr>
+                <p:ph idx="1"/>
+              </p:nvPr>
+            </p:nvSpPr>
+            <p:spPr>
+              <a:xfrm>
+                <a:off x="457200" y="1200151"/>
+                <a:ext cx="8229600" cy="3737370"/>
+              </a:xfrm>
+              <a:blipFill>
+                <a:blip r:embed="rId2"/>
+                <a:stretch>
+                  <a:fillRect l="-741" t="-2447" r="-1259"/>
+                </a:stretch>
+              </a:blipFill>
+            </p:spPr>
+            <p:txBody>
+              <a:bodyPr/>
+              <a:lstStyle/>
+              <a:p>
+                <a:r>
+                  <a:rPr lang="en-US">
+                    <a:noFill/>
+                  </a:rPr>
+                  <a:t> </a:t>
+                </a:r>
+              </a:p>
+            </p:txBody>
+          </p:sp>
+        </mc:Fallback>
+      </mc:AlternateContent>
+      <p:sp>
+        <p:nvSpPr>
+          <p:cNvPr id="2" name="Title 1">
+            <a:extLst>
+              <a:ext uri="{FF2B5EF4-FFF2-40B4-BE49-F238E27FC236}">
+                <a16:creationId xmlns:a16="http://schemas.microsoft.com/office/drawing/2014/main" id="{78F28DAE-3A00-FE6A-5496-D8DFB249D8A0}"/>
+              </a:ext>
+            </a:extLst>
+          </p:cNvPr>
+          <p:cNvSpPr>
+            <a:spLocks noGrp="1"/>
+          </p:cNvSpPr>
+          <p:nvPr>
+            <p:ph type="title"/>
+          </p:nvPr>
+        </p:nvSpPr>
+        <p:spPr>
+          <a:xfrm>
+            <a:off x="457200" y="205979"/>
+            <a:ext cx="8229600" cy="857250"/>
+          </a:xfrm>
+        </p:spPr>
+        <p:txBody>
+          <a:bodyPr/>
+          <a:lstStyle/>
+          <a:p>
+            <a:pPr marL="0" lvl="0" indent="0">
+              <a:buNone/>
+            </a:pPr>
+            <a:r>
+              <a:rPr lang="en-US" b="1" dirty="0"/>
+              <a:t>Binomial Likelihood</a:t>
             </a:r>
             <a:endParaRPr dirty="0"/>
           </a:p>
